--- a/Diploma/Кастомная категория акций.pptx
+++ b/Diploma/Кастомная категория акций.pptx
@@ -241,7 +241,7 @@
             <a:spLocks noGrp="1" noChangeArrowheads="1"/>
             <a:extLst>
               <a:ext uri="smNativeData">
-                <pr:smNativeData xmlns:pr="smNativeData" xmlns="smNativeData" val="SMDATA_16_V9F3ZxMAAAAlAAAAZAAAAA8BAAAAkAAAAEgAAACQAAAASAAAAAAAAAABAAAAAAAAAAEAAABQAAAAAAAAAAAA4D8AAAAAAADgPwAAAAAAAOA/AAAAAAAA4D8AAAAAAADgPwAAAAAAAOA/AAAAAAAA4D8AAAAAAADgPwAAAAAAAOA/AAAAAAAA4D8CAAAAjAAAAAAAAAAAAAAAu+DjDP///wgAAAAAAAAAAAAAAAAAAAAAAAAAAAAAAAAAAAAAZAAAAAEAAABAAAAAAAAAAAAAAAAAAAAAAAAAAAAAAAAAAAAAAAAAAAAAAAAAAAAAAAAAAAAAAAAAAAAAAAAAAAAAAAAAAAAAAAAAAAAAAAAAAAAAAAAAAAAAAAAAAAAAFAAAADwAAAAAAAAAAAAAAAAAAAkUAAAAAQAAABQAAAAUAAAAFAAAAAEAAAAAAAAAZAAAAGQAAAAAAAAAZAAAAGQAAAAVAAAAYAAAAAAAAAAAAAAADwAAACADAAAAAAAAAAAAAAEAAACgMgAAVgcAAKr4//8BAAAAf39/AAEAAABkAAAAAAAAABQAAABAHwAAAAAAACYAAAAAAAAAwOD//wAAAAAmAAAAZAAAABYAAABMAAAAAAAAAAAAAAAEAAAAAAAAAAEAAACAgIAKAAAAACgAAAAoAAAAZAAAAGQAAAAAAAAAzMzMAAAAAABQAAAAUAAAAGQAAABkAAAAAAAAABcAAAAUAAAAAAAAAAAAAAD/fwAA/38AAAAAAAAJAAAABAAAAAAAAAAeAAAAaAAAAAAAAAAAAAAAAAAAAAAAAAAAAAAAECcAABAnAAAAAAAAAAAAAAAAAAAAAAAAAAAAAAAAAAAAAAAAAAAAABQAAAAAAAAAwMD/AAAAAABkAAAAMgAAAAAAAABkAAAAAAAAAH9/fwAKAAAAIgAAABgAAAAAAAAAAAAAAAAAAAAAAAAAAAAAAAAAAAAkAAAAJAAAAAAAAAAHAAAAAAAAAAAAAAAAAAAAAAAAAAAAAAAAAAAAf39/ACUAAABYAAAAAAAAAAAAAAAAAAAAAAAAAAAAAAAAAAAAAAAAAAAAAAAAAAAAAAAAAAAAAAA/AAAAAAAAAKCGAQAAAAAAAAAAAAAAAAAMAAAAAQAAAAAAAAAAAAAAAAAAAB8AAABUAAAAAAAABQAAAAEAAAAAAAAAAAAAAAAAAAAAAAAAAAAAAAAAAAAAAAAAAAAAAAJ/f38AAAAAA8zMzADAwP8Af39/AAAAAAAAAAAAAAAAAAAAAAAAAAAAIQAAABgAAAAUAAAAoAUAABoNAABgRQAAJhYAABAAAAAmAAAACAAAAAEAAAAAAAAAMAAAABQAAAAAAAAAAAD//wAAAQAAAP//AAABAA=="/>
+                <pr:smNativeData xmlns:pr="smNativeData" xmlns="smNativeData" val="SMDATA_16_CqSDZxMAAAAlAAAAZAAAAA8BAAAAkAAAAEgAAACQAAAASAAAAAAAAAABAAAAAAAAAAEAAABQAAAAAAAAAAAA4D8AAAAAAADgPwAAAAAAAOA/AAAAAAAA4D8AAAAAAADgPwAAAAAAAOA/AAAAAAAA4D8AAAAAAADgPwAAAAAAAOA/AAAAAAAA4D8CAAAAjAAAAAAAAAAAAAAAu+DjDP///wgAAAAAAAAAAAAAAAAAAAAAAAAAAAAAAAAAAAAAZAAAAAEAAABAAAAAAAAAAAAAAAAAAAAAAAAAAAAAAAAAAAAAAAAAAAAAAAAAAAAAAAAAAAAAAAAAAAAAAAAAAAAAAAAAAAAAAAAAAAAAAAAAAAAAAAAAAAAAAAAAAAAAFAAAADwAAAAAAAAAAAAAAAAAAAkUAAAAAQAAABQAAAAUAAAAFAAAAAEAAAAAAAAAZAAAAGQAAAAAAAAAZAAAAGQAAAAVAAAAYAAAAAAAAAAAAAAADwAAACADAAAAAAAAAAAAAAEAAACgMgAAVgcAAKr4//8BAAAAf39/AAEAAABkAAAAAAAAABQAAABAHwAAAAAAACYAAAAAAAAAwOD//wAAAAAmAAAAZAAAABYAAABMAAAAAAAAAAAAAAAEAAAAAAAAAAEAAACAgIAKAAAAACgAAAAoAAAAZAAAAGQAAAAAAAAAzMzMAAAAAABQAAAAUAAAAGQAAABkAAAAAAAAABcAAAAUAAAAAAAAAAAAAAD/fwAA/38AAAAAAAAJAAAABAAAAAAAAAAeAAAAaAAAAAAAAAAAAAAAAAAAAAAAAAAAAAAAECcAABAnAAAAAAAAAAAAAAAAAAAAAAAAAAAAAAAAAAAAAAAAAAAAABQAAAAAAAAAwMD/AAAAAABkAAAAMgAAAAAAAABkAAAAAAAAAH9/fwAKAAAAIgAAABgAAAAAAAAAAAAAAAAAAAAAAAAAAAAAAAAAAAAkAAAAJAAAAAAAAAAHAAAAAAAAAAAAAAAAAAAAAAAAAAAAAAAAAAAAf39/ACUAAABYAAAAAAAAAAAAAAAAAAAAAAAAAAAAAAAAAAAAAAAAAAAAAAAAAAAAAAAAAAAAAAA/AAAAAAAAAKCGAQAAAAAAAAAAAAAAAAAMAAAAAQAAAAAAAAAAAAAAAAAAAB8AAABUAAAAAAAABQAAAAEAAAAAAAAAAAAAAAAAAAAAAAAAAAAAAAAAAAAAAAAAAAAAAAJ/f38AAAAAA8zMzADAwP8Af39/AAAAAAAAAAAAAAAAAAAAAAAAAAAAIQAAABgAAAAUAAAAoAUAABoNAABgRQAAJhYAABAAAAAmAAAACAAAAAEAAAAAAAAAMAAAABQAAAAAAAAAAAD//wAAAQAAAP//AAABAA=="/>
               </a:ext>
             </a:extLst>
           </p:cNvSpPr>
@@ -273,7 +273,7 @@
             <a:spLocks noGrp="1" noChangeArrowheads="1"/>
             <a:extLst>
               <a:ext uri="smNativeData">
-                <pr:smNativeData xmlns:pr="smNativeData" xmlns="smNativeData" val="SMDATA_16_V9F3ZxMAAAAlAAAAZAAAAA8BAAAAkAAAAEgAAACQAAAASAAAAAAAAAAAAAAAAAAAAAEAAABQAAAAAAAAAAAA4D8AAAAAAADgPwAAAAAAAOA/AAAAAAAA4D8AAAAAAADgPwAAAAAAAOA/AAAAAAAA4D8AAAAAAADgPwAAAAAAAOA/AAAAAAAA4D8CAAAAjAAAAAAAAAAAAAAAu+DjDP///wgAAAAAAAAAAAAAAAAAAAAAAAAAAAAAAAAAAAAAZAAAAAEAAABAAAAAAAAAAAAAAAAAAAAAAAAAAAAAAAAAAAAAAAAAAAAAAAAAAAAAAAAAAAAAAAAAAAAAAAAAAAAAAAAAAAAAAAAAAAAAAAAAAAAAAAAAAAAAAAAAAAAAFAAAADwAAAAAAAAAAAAAAAAAAAkUAAAAAQAAABQAAAAUAAAAFAAAAAEAAAAAAAAAZAAAAGQAAAAAAAAAZAAAAGQAAAAVAAAAYAAAAAAAAAAAAAAADwAAACADAAAAAAAAAAAAAAEAAACgMgAAVgcAAKr4//8BAAAAf39/AAEAAABkAAAAAAAAABQAAABAHwAAAAAAACYAAAAAAAAAwOD//wAAAAAmAAAAZAAAABYAAABMAAAAAAAAAAAAAAAEAAAAAAAAAAEAAACAgIAKAAAAACgAAAAoAAAAZAAAAGQAAAAAAAAAzMzMAAAAAABQAAAAUAAAAGQAAABkAAAAAAAAABcAAAAUAAAAAAAAAAAAAAD/fwAA/38AAAAAAAAJAAAABAAAAAAAAAAeAAAAaAAAAAAAAAAAAAAAAAAAAAAAAAAAAAAAECcAABAnAAAAAAAAAAAAAAAAAAAAAAAAAAAAAAAAAAAAAAAAAAAAABQAAAAAAAAAwMD/AAAAAABkAAAAMgAAAAAAAABkAAAAAAAAAH9/fwAKAAAAIgAAABgAAAAAAAAAAAAAAAAAAAAAAAAAAAAAAAAAAAAkAAAAJAAAAAAAAAAHAAAAAAAAAAAAAAAAAAAAAAAAAAAAAAAAAAAAf39/ACUAAABYAAAAAAAAAAAAAAAAAAAAAAAAAAAAAAAAAAAAAAAAAAAAAAAAAAAAAAAAAAAAAAA/AAAAAAAAAKCGAQAAAAAAAAAAAAAAAAAMAAAAAQAAAAAAAAAAAAAAAAAAAB8AAABUAAAAAAAABQAAAAEAAAAAAAAAAAAAAAAAAAAAAAAAAAAAAAAAAAAAAAAAAAAAAAJ/f38AAAAAA8zMzADAwP8Af39/AAAAAAAAAAAAAAAAAAAAAAAAAAAAIQAAABgAAAAUAAAAQAsAAOgXAADAPwAAsCIAABAAAAAmAAAACAAAAAGAAAAAAAAAMAAAABQAAAAAAAAAAAD//wAAAQAAAP//AAABAA=="/>
+                <pr:smNativeData xmlns:pr="smNativeData" xmlns="smNativeData" val="SMDATA_16_CqSDZxMAAAAlAAAAZAAAAA8BAAAAkAAAAEgAAACQAAAASAAAAAAAAAAAAAAAAAAAAAEAAABQAAAAAAAAAAAA4D8AAAAAAADgPwAAAAAAAOA/AAAAAAAA4D8AAAAAAADgPwAAAAAAAOA/AAAAAAAA4D8AAAAAAADgPwAAAAAAAOA/AAAAAAAA4D8CAAAAjAAAAAAAAAAAAAAAu+DjDP///wgAAAAAAAAAAAAAAAAAAAAAAAAAAAAAAAAAAAAAZAAAAAEAAABAAAAAAAAAAAAAAAAAAAAAAAAAAAAAAAAAAAAAAAAAAAAAAAAAAAAAAAAAAAAAAAAAAAAAAAAAAAAAAAAAAAAAAAAAAAAAAAAAAAAAAAAAAAAAAAAAAAAAFAAAADwAAAAAAAAAAAAAAAAAAAkUAAAAAQAAABQAAAAUAAAAFAAAAAEAAAAAAAAAZAAAAGQAAAAAAAAAZAAAAGQAAAAVAAAAYAAAAAAAAAAAAAAADwAAACADAAAAAAAAAAAAAAEAAACgMgAAVgcAAKr4//8BAAAAf39/AAEAAABkAAAAAAAAABQAAABAHwAAAAAAACYAAAAAAAAAwOD//wAAAAAmAAAAZAAAABYAAABMAAAAAAAAAAAAAAAEAAAAAAAAAAEAAACAgIAKAAAAACgAAAAoAAAAZAAAAGQAAAAAAAAAzMzMAAAAAABQAAAAUAAAAGQAAABkAAAAAAAAABcAAAAUAAAAAAAAAAAAAAD/fwAA/38AAAAAAAAJAAAABAAAAAAAAAAeAAAAaAAAAAAAAAAAAAAAAAAAAAAAAAAAAAAAECcAABAnAAAAAAAAAAAAAAAAAAAAAAAAAAAAAAAAAAAAAAAAAAAAABQAAAAAAAAAwMD/AAAAAABkAAAAMgAAAAAAAABkAAAAAAAAAH9/fwAKAAAAIgAAABgAAAAAAAAAAAAAAAAAAAAAAAAAAAAAAAAAAAAkAAAAJAAAAAAAAAAHAAAAAAAAAAAAAAAAAAAAAAAAAAAAAAAAAAAAf39/ACUAAABYAAAAAAAAAAAAAAAAAAAAAAAAAAAAAAAAAAAAAAAAAAAAAAAAAAAAAAAAAAAAAAA/AAAAAAAAAKCGAQAAAAAAAAAAAAAAAAAMAAAAAQAAAAAAAAAAAAAAAAAAAB8AAABUAAAAAAAABQAAAAEAAAAAAAAAAAAAAAAAAAAAAAAAAAAAAAAAAAAAAAAAAAAAAAJ/f38AAAAAA8zMzADAwP8Af39/AAAAAAAAAAAAAAAAAAAAAAAAAAAAIQAAABgAAAAUAAAAQAsAAOgXAADAPwAAsCIAABAAAAAmAAAACAAAAAGAAAAAAAAAMAAAABQAAAAAAAAAAAD//wAAAQAAAP//AAABAA=="/>
               </a:ext>
             </a:extLst>
           </p:cNvSpPr>
@@ -333,7 +333,7 @@
             <a:spLocks noGrp="1" noChangeArrowheads="1"/>
             <a:extLst>
               <a:ext uri="smNativeData">
-                <pr:smNativeData xmlns:pr="smNativeData" xmlns="smNativeData" val="SMDATA_16_V9F3ZxMAAAAlAAAAZAAAAA8BAAAAkAAAAEgAAACQAAAASAAAAAAAAAABAAAAAAAAAAEAAABQAAAAAAAAAAAA4D8AAAAAAADgPwAAAAAAAOA/AAAAAAAA4D8AAAAAAADgPwAAAAAAAOA/AAAAAAAA4D8AAAAAAADgPwAAAAAAAOA/AAAAAAAA4D8CAAAAjAAAAAAAAAAAAAAAu+DjDP///wgAAAAAAAAAAAAAAAAAAAAAAAAAAAAAAAAAAAAAZAAAAAEAAABAAAAAAAAAAAAAAAAAAAAAAAAAAAAAAAAAAAAAAAAAAAAAAAAAAAAAAAAAAAAAAAAAAAAAAAAAAAAAAAAAAAAAAAAAAAAAAAAAAAAAAAAAAAAAAAAAAAAAFAAAADwAAAAAAAAAAAAAAAAAAAkUAAAAAQAAABQAAAAUAAAAFAAAAAEAAAAAAAAAZAAAAGQAAAAAAAAAZAAAAGQAAAAVAAAAYAAAAAAAAAAAAAAADwAAACADAAAAAAAAAAAAAAEAAACgMgAAVgcAAKr4//8BAAAAf39/AAEAAABkAAAAAAAAABQAAABAHwAAAAAAACYAAAAAAAAAwOD//wAAAAAmAAAAZAAAABYAAABMAAAAAAAAAAAAAAAEAAAAAAAAAAEAAACAgIAKAAAAACgAAAAoAAAAZAAAAGQAAAAAAAAAzMzMAAAAAABQAAAAUAAAAGQAAABkAAAAAAAAABcAAAAUAAAAAAAAAAAAAAD/fwAA/38AAAAAAAAJAAAABAAAAAAAAAAeAAAAaAAAAAAAAAAAAAAAAAAAAAAAAAAAAAAAECcAABAnAAAAAAAAAAAAAAAAAAAAAAAAAAAAAAAAAAAAAAAAAAAAABQAAAAAAAAAwMD/AAAAAABkAAAAMgAAAAAAAABkAAAAAAAAAH9/fwAKAAAAIgAAABgAAAAAAAAAAAAAAAAAAAAAAAAAAAAAAAAAAAAkAAAAJAAAAAAAAAAHAAAAAAAAAAAAAAAAAAAAAAAAAAAAAAAAAAAAf39/ACUAAABYAAAAAAAAAAAAAAAAAAAAAAAAAAAAAAAAAAAAAAAAAAAAAAAAAAAAAAAAAAAAAAA/AAAAAAAAAKCGAQAAAAAAAAAAAAAAAAAMAAAAAQAAAAAAAAAAAAAAAAAAAB8AAABUAAAAAAAABQAAAAEAAAAAAAAAAAAAAAAAAAAAAAAAAAAAAAAAAAAAAAAAAAAAAAJ/f38AAAAAA8zMzADAwP8Af39/AAAAAAAAAAAAAAAAAAAAAAAAAAAAIQAAABgAAAAUAAAAwAMAABsnAAA/FQAAWSkAABAAAAAmAAAACAAAAAAAAAAAAAAAMAAAABQAAAAAAAAAAAD//wAAAQAAAP//AAABAA=="/>
+                <pr:smNativeData xmlns:pr="smNativeData" xmlns="smNativeData" val="SMDATA_16_CqSDZxMAAAAlAAAAZAAAAA8BAAAAkAAAAEgAAACQAAAASAAAAAAAAAABAAAAAAAAAAEAAABQAAAAAAAAAAAA4D8AAAAAAADgPwAAAAAAAOA/AAAAAAAA4D8AAAAAAADgPwAAAAAAAOA/AAAAAAAA4D8AAAAAAADgPwAAAAAAAOA/AAAAAAAA4D8CAAAAjAAAAAAAAAAAAAAAu+DjDP///wgAAAAAAAAAAAAAAAAAAAAAAAAAAAAAAAAAAAAAZAAAAAEAAABAAAAAAAAAAAAAAAAAAAAAAAAAAAAAAAAAAAAAAAAAAAAAAAAAAAAAAAAAAAAAAAAAAAAAAAAAAAAAAAAAAAAAAAAAAAAAAAAAAAAAAAAAAAAAAAAAAAAAFAAAADwAAAAAAAAAAAAAAAAAAAkUAAAAAQAAABQAAAAUAAAAFAAAAAEAAAAAAAAAZAAAAGQAAAAAAAAAZAAAAGQAAAAVAAAAYAAAAAAAAAAAAAAADwAAACADAAAAAAAAAAAAAAEAAACgMgAAVgcAAKr4//8BAAAAf39/AAEAAABkAAAAAAAAABQAAABAHwAAAAAAACYAAAAAAAAAwOD//wAAAAAmAAAAZAAAABYAAABMAAAAAAAAAAAAAAAEAAAAAAAAAAEAAACAgIAKAAAAACgAAAAoAAAAZAAAAGQAAAAAAAAAzMzMAAAAAABQAAAAUAAAAGQAAABkAAAAAAAAABcAAAAUAAAAAAAAAAAAAAD/fwAA/38AAAAAAAAJAAAABAAAAAAAAAAeAAAAaAAAAAAAAAAAAAAAAAAAAAAAAAAAAAAAECcAABAnAAAAAAAAAAAAAAAAAAAAAAAAAAAAAAAAAAAAAAAAAAAAABQAAAAAAAAAwMD/AAAAAABkAAAAMgAAAAAAAABkAAAAAAAAAH9/fwAKAAAAIgAAABgAAAAAAAAAAAAAAAAAAAAAAAAAAAAAAAAAAAAkAAAAJAAAAAAAAAAHAAAAAAAAAAAAAAAAAAAAAAAAAAAAAAAAAAAAf39/ACUAAABYAAAAAAAAAAAAAAAAAAAAAAAAAAAAAAAAAAAAAAAAAAAAAAAAAAAAAAAAAAAAAAA/AAAAAAAAAKCGAQAAAAAAAAAAAAAAAAAMAAAAAQAAAAAAAAAAAAAAAAAAAB8AAABUAAAAAAAABQAAAAEAAAAAAAAAAAAAAAAAAAAAAAAAAAAAAAAAAAAAAAAAAAAAAAJ/f38AAAAAA8zMzADAwP8Af39/AAAAAAAAAAAAAAAAAAAAAAAAAAAAIQAAABgAAAAUAAAAwAMAABsnAAA/FQAAWSkAABAAAAAmAAAACAAAAAAAAAAAAAAAMAAAABQAAAAAAAAAAAD//wAAAQAAAP//AAABAA=="/>
               </a:ext>
             </a:extLst>
           </p:cNvSpPr>
@@ -347,7 +347,7 @@
           <a:lstStyle/>
           <a:p>
             <a:pPr/>
-            <a:fld id="{3F80C061-2FD2-D536-9C38-D9638E766A8C}" type="datetime1">
+            <a:fld id="{3F53BE3A-74D2-0648-9CEB-821DF0A56AD7}" type="datetime1">
               <a:t/>
             </a:fld>
           </a:p>
@@ -360,7 +360,7 @@
             <a:spLocks noGrp="1" noChangeArrowheads="1"/>
             <a:extLst>
               <a:ext uri="smNativeData">
-                <pr:smNativeData xmlns:pr="smNativeData" xmlns="smNativeData" val="SMDATA_16_V9F3ZxMAAAAlAAAAZAAAAA8BAAAAkAAAAEgAAACQAAAASAAAAAAAAAABAAAAAAAAAAEAAABQAAAAAAAAAAAA4D8AAAAAAADgPwAAAAAAAOA/AAAAAAAA4D8AAAAAAADgPwAAAAAAAOA/AAAAAAAA4D8AAAAAAADgPwAAAAAAAOA/AAAAAAAA4D8CAAAAjAAAAAAAAAAAAAAAu+DjDP///wgAAAAAAAAAAAAAAAAAAAAAAAAAAAAAAAAAAAAAZAAAAAEAAABAAAAAAAAAAAAAAAAAAAAAAAAAAAAAAAAAAAAAAAAAAAAAAAAAAAAAAAAAAAAAAAAAAAAAAAAAAAAAAAAAAAAAAAAAAAAAAAAAAAAAAAAAAAAAAAAAAAAAFAAAADwAAAAAAAAAAAAAAAAAAAkUAAAAAQAAABQAAAAUAAAAFAAAAAEAAAAAAAAAZAAAAGQAAAAAAAAAZAAAAGQAAAAVAAAAYAAAAAAAAAAAAAAADwAAACADAAAAAAAAAAAAAAEAAACgMgAAVgcAAKr4//8BAAAAf39/AAEAAABkAAAAAAAAABQAAABAHwAAAAAAACYAAAAAAAAAwOD//wAAAAAmAAAAZAAAABYAAABMAAAAAAAAAAAAAAAEAAAAAAAAAAEAAACAgIAKAAAAACgAAAAoAAAAZAAAAGQAAAAAAAAAzMzMAAAAAABQAAAAUAAAAGQAAABkAAAAAAAAABcAAAAUAAAAAAAAAAAAAAD/fwAA/38AAAAAAAAJAAAABAAAAAAAAAAeAAAAaAAAAAAAAAAAAAAAAAAAAAAAAAAAAAAAECcAABAnAAAAAAAAAAAAAAAAAAAAAAAAAAAAAAAAAAAAAAAAAAAAABQAAAAAAAAAwMD/AAAAAABkAAAAMgAAAAAAAABkAAAAAAAAAH9/fwAKAAAAIgAAABgAAAAAAAAAAAAAAAAAAAAAAAAAAAAAAAAAAAAkAAAAJAAAAAAAAAAHAAAAAAAAAAAAAAAAAAAAAAAAAAAAAAAAAAAAf39/ACUAAABYAAAAAAAAAAAAAAAAAAAAAAAAAAAAAAAAAAAAAAAAAAAAAAAAAAAAAAAAAAAAAAA/AAAAAAAAAKCGAQAAAAAAAAAAAAAAAAAMAAAAAQAAAAAAAAAAAAAAAAAAAB8AAABUAAAAAAAABQAAAAEAAAAAAAAAAAAAAAAAAAAAAAAAAAAAAAAAAAAAAAAAAAAAAAJ/f38AAAAAA8zMzADAwP8Af39/AAAAAAAAAAAAAAAAAAAAAAAAAAAAIQAAABgAAAAUAAAAoRkAABsnAABfMQAAWSkAABAAAAAmAAAACAAAAAAAAAAAAAAAMAAAABQAAAAAAAAAAAD//wAAAQAAAP//AAABAA=="/>
+                <pr:smNativeData xmlns:pr="smNativeData" xmlns="smNativeData" val="SMDATA_16_CqSDZxMAAAAlAAAAZAAAAA8BAAAAkAAAAEgAAACQAAAASAAAAAAAAAABAAAAAAAAAAEAAABQAAAAAAAAAAAA4D8AAAAAAADgPwAAAAAAAOA/AAAAAAAA4D8AAAAAAADgPwAAAAAAAOA/AAAAAAAA4D8AAAAAAADgPwAAAAAAAOA/AAAAAAAA4D8CAAAAjAAAAAAAAAAAAAAAu+DjDP///wgAAAAAAAAAAAAAAAAAAAAAAAAAAAAAAAAAAAAAZAAAAAEAAABAAAAAAAAAAAAAAAAAAAAAAAAAAAAAAAAAAAAAAAAAAAAAAAAAAAAAAAAAAAAAAAAAAAAAAAAAAAAAAAAAAAAAAAAAAAAAAAAAAAAAAAAAAAAAAAAAAAAAFAAAADwAAAAAAAAAAAAAAAAAAAkUAAAAAQAAABQAAAAUAAAAFAAAAAEAAAAAAAAAZAAAAGQAAAAAAAAAZAAAAGQAAAAVAAAAYAAAAAAAAAAAAAAADwAAACADAAAAAAAAAAAAAAEAAACgMgAAVgcAAKr4//8BAAAAf39/AAEAAABkAAAAAAAAABQAAABAHwAAAAAAACYAAAAAAAAAwOD//wAAAAAmAAAAZAAAABYAAABMAAAAAAAAAAAAAAAEAAAAAAAAAAEAAACAgIAKAAAAACgAAAAoAAAAZAAAAGQAAAAAAAAAzMzMAAAAAABQAAAAUAAAAGQAAABkAAAAAAAAABcAAAAUAAAAAAAAAAAAAAD/fwAA/38AAAAAAAAJAAAABAAAAAAAAAAeAAAAaAAAAAAAAAAAAAAAAAAAAAAAAAAAAAAAECcAABAnAAAAAAAAAAAAAAAAAAAAAAAAAAAAAAAAAAAAAAAAAAAAABQAAAAAAAAAwMD/AAAAAABkAAAAMgAAAAAAAABkAAAAAAAAAH9/fwAKAAAAIgAAABgAAAAAAAAAAAAAAAAAAAAAAAAAAAAAAAAAAAAkAAAAJAAAAAAAAAAHAAAAAAAAAAAAAAAAAAAAAAAAAAAAAAAAAAAAf39/ACUAAABYAAAAAAAAAAAAAAAAAAAAAAAAAAAAAAAAAAAAAAAAAAAAAAAAAAAAAAAAAAAAAAA/AAAAAAAAAKCGAQAAAAAAAAAAAAAAAAAMAAAAAQAAAAAAAAAAAAAAAAAAAB8AAABUAAAAAAAABQAAAAEAAAAAAAAAAAAAAAAAAAAAAAAAAAAAAAAAAAAAAAAAAAAAAAJ/f38AAAAAA8zMzADAwP8Af39/AAAAAAAAAAAAAAAAAAAAAAAAAAAAIQAAABgAAAAUAAAAoRkAABsnAABfMQAAWSkAABAAAAAmAAAACAAAAAAAAAAAAAAAMAAAABQAAAAAAAAAAAD//wAAAQAAAP//AAABAA=="/>
               </a:ext>
             </a:extLst>
           </p:cNvSpPr>
@@ -384,7 +384,7 @@
             <a:spLocks noGrp="1" noChangeArrowheads="1"/>
             <a:extLst>
               <a:ext uri="smNativeData">
-                <pr:smNativeData xmlns:pr="smNativeData" xmlns="smNativeData" val="SMDATA_16_V9F3ZxMAAAAlAAAAZAAAAA8BAAAAkAAAAEgAAACQAAAASAAAAAAAAAABAAAAAAAAAAEAAABQAAAAAAAAAAAA4D8AAAAAAADgPwAAAAAAAOA/AAAAAAAA4D8AAAAAAADgPwAAAAAAAOA/AAAAAAAA4D8AAAAAAADgPwAAAAAAAOA/AAAAAAAA4D8CAAAAjAAAAAAAAAAAAAAAu+DjDP///wgAAAAAAAAAAAAAAAAAAAAAAAAAAAAAAAAAAAAAZAAAAAEAAABAAAAAAAAAAAAAAAAAAAAAAAAAAAAAAAAAAAAAAAAAAAAAAAAAAAAAAAAAAAAAAAAAAAAAAAAAAAAAAAAAAAAAAAAAAAAAAAAAAAAAAAAAAAAAAAAAAAAAFAAAADwAAAAAAAAAAAAAAAAAAAkUAAAAAQAAABQAAAAUAAAAFAAAAAEAAAAAAAAAZAAAAGQAAAAAAAAAZAAAAGQAAAAVAAAAYAAAAAAAAAAAAAAADwAAACADAAAAAAAAAAAAAAEAAACgMgAAVgcAAKr4//8BAAAAf39/AAEAAABkAAAAAAAAABQAAABAHwAAAAAAACYAAAAAAAAAwOD//wAAAAAmAAAAZAAAABYAAABMAAAAAAAAAAAAAAAEAAAAAAAAAAEAAACAgIAKAAAAACgAAAAoAAAAZAAAAGQAAAAAAAAAzMzMAAAAAABQAAAAUAAAAGQAAABkAAAAAAAAABcAAAAUAAAAAAAAAAAAAAD/fwAA/38AAAAAAAAJAAAABAAAAHsAfAAeAAAAaAAAAAAAAAAAAAAAAAAAAAAAAAAAAAAAECcAABAnAAAAAAAAAAAAAAAAAAAAAAAAAAAAAAAAAAAAAAAAAAAAABQAAAAAAAAAwMD/AAAAAABkAAAAMgAAAAAAAABkAAAAAAAAAH9/fwAKAAAAIgAAABgAAAAAAAAAAAAAAAAAAAAAAAAAAAAAAAAAAAAkAAAAJAAAAAAAAAAHAAAAAAAAAAAAAAAAAAAAAAAAAAAAAAAAAAAAf39/ACUAAABYAAAAAAAAAAAAAAAAAAAAAAAAAAAAAAAAAAAAAAAAAAAAAAAAAAAAAAAAAAAAAAA/AAAAAAAAAKCGAQAAAAAAAAAAAAAAAAAMAAAAAQAAAAAAAAAAAAAAAAAAAB8AAABUAAAAAAAABQAAAAEAAAAAAAAAAAAAAAAAAAAAAAAAAAAAAAAAAAAAAAAAAAAAAAJ/f38AAAAAA8zMzADAwP8Af39/AAAAAAAAAAAAAAAAAAAAAAAAAAAAIQAAABgAAAAUAAAAwTUAABsnAABARwAAWSkAABAAAAAmAAAACAAAAAAAAAAAAAAAMAAAABQAAAAAAAAAAAD//wAAAQAAAP//AAABAA=="/>
+                <pr:smNativeData xmlns:pr="smNativeData" xmlns="smNativeData" val="SMDATA_16_CqSDZxMAAAAlAAAAZAAAAA8BAAAAkAAAAEgAAACQAAAASAAAAAAAAAABAAAAAAAAAAEAAABQAAAAAAAAAAAA4D8AAAAAAADgPwAAAAAAAOA/AAAAAAAA4D8AAAAAAADgPwAAAAAAAOA/AAAAAAAA4D8AAAAAAADgPwAAAAAAAOA/AAAAAAAA4D8CAAAAjAAAAAAAAAAAAAAAu+DjDP///wgAAAAAAAAAAAAAAAAAAAAAAAAAAAAAAAAAAAAAZAAAAAEAAABAAAAAAAAAAAAAAAAAAAAAAAAAAAAAAAAAAAAAAAAAAAAAAAAAAAAAAAAAAAAAAAAAAAAAAAAAAAAAAAAAAAAAAAAAAAAAAAAAAAAAAAAAAAAAAAAAAAAAFAAAADwAAAAAAAAAAAAAAAAAAAkUAAAAAQAAABQAAAAUAAAAFAAAAAEAAAAAAAAAZAAAAGQAAAAAAAAAZAAAAGQAAAAVAAAAYAAAAAAAAAAAAAAADwAAACADAAAAAAAAAAAAAAEAAACgMgAAVgcAAKr4//8BAAAAf39/AAEAAABkAAAAAAAAABQAAABAHwAAAAAAACYAAAAAAAAAwOD//wAAAAAmAAAAZAAAABYAAABMAAAAAAAAAAAAAAAEAAAAAAAAAAEAAACAgIAKAAAAACgAAAAoAAAAZAAAAGQAAAAAAAAAzMzMAAAAAABQAAAAUAAAAGQAAABkAAAAAAAAABcAAAAUAAAAAAAAAAAAAAD/fwAA/38AAAAAAAAJAAAABAAAAHsAfAAeAAAAaAAAAAAAAAAAAAAAAAAAAAAAAAAAAAAAECcAABAnAAAAAAAAAAAAAAAAAAAAAAAAAAAAAAAAAAAAAAAAAAAAABQAAAAAAAAAwMD/AAAAAABkAAAAMgAAAAAAAABkAAAAAAAAAH9/fwAKAAAAIgAAABgAAAAAAAAAAAAAAAAAAAAAAAAAAAAAAAAAAAAkAAAAJAAAAAAAAAAHAAAAAAAAAAAAAAAAAAAAAAAAAAAAAAAAAAAAf39/ACUAAABYAAAAAAAAAAAAAAAAAAAAAAAAAAAAAAAAAAAAAAAAAAAAAAAAAAAAAAAAAAAAAAA/AAAAAAAAAKCGAQAAAAAAAAAAAAAAAAAMAAAAAQAAAAAAAAAAAAAAAAAAAB8AAABUAAAAAAAABQAAAAEAAAAAAAAAAAAAAAAAAAAAAAAAAAAAAAAAAAAAAAAAAAAAAAJ/f38AAAAAA8zMzADAwP8Af39/AAAAAAAAAAAAAAAAAAAAAAAAAAAAIQAAABgAAAAUAAAAwTUAABsnAABARwAAWSkAABAAAAAmAAAACAAAAAAAAAAAAAAAMAAAABQAAAAAAAAAAAD//wAAAQAAAP//AAABAA=="/>
               </a:ext>
             </a:extLst>
           </p:cNvSpPr>
@@ -398,7 +398,7 @@
           <a:lstStyle/>
           <a:p>
             <a:pPr/>
-            <a:fld id="{3F808640-0ED2-D570-9C38-F825C8766AAD}" type="slidenum">
+            <a:fld id="{3F53D116-58D2-0627-9CEB-AE729FA56AFB}" type="slidenum">
               <a:t/>
             </a:fld>
           </a:p>
@@ -437,7 +437,7 @@
             <a:spLocks noGrp="1" noChangeArrowheads="1"/>
             <a:extLst>
               <a:ext uri="smNativeData">
-                <pr:smNativeData xmlns:pr="smNativeData" xmlns="smNativeData" val="SMDATA_16_V9F3ZxMAAAAlAAAAZAAAAA8BAAAAkAAAAEgAAACQAAAASAAAAAAAAAABAAAAAAAAAAEAAABQAAAAAAAAAAAA4D8AAAAAAADgPwAAAAAAAOA/AAAAAAAA4D8AAAAAAADgPwAAAAAAAOA/AAAAAAAA4D8AAAAAAADgPwAAAAAAAOA/AAAAAAAA4D8CAAAAjAAAAAAAAAAAAAAAu+DjDP///wgAAAAAAAAAAAAAAAAAAAAAAAAAAAAAAAAAAAAAZAAAAAEAAABAAAAAAAAAAAAAAAAAAAAAAAAAAAAAAAAAAAAAAAAAAAAAAAAAAAAAAAAAAAAAAAAAAAAAAAAAAAAAAAAAAAAAAAAAAAAAAAAAAAAAAAAAAAAAAAAAAAAAFAAAADwAAAAAAAAAAAAAAAAAAAkUAAAAAQAAABQAAAAUAAAAFAAAAAEAAAAAAAAAZAAAAGQAAAAAAAAAZAAAAGQAAAAVAAAAYAAAAAAAAAAAAAAADwAAACADAAAAAAAAAAAAAAEAAACgMgAAVgcAAKr4//8BAAAAf39/AAEAAABkAAAAAAAAABQAAABAHwAAAAAAACYAAAAAAAAAwOD//wAAAAAmAAAAZAAAABYAAABMAAAAAAAAAAAAAAAEAAAAAAAAAAEAAACAgIAKAAAAACgAAAAoAAAAZAAAAGQAAAAAAAAAzMzMAAAAAABQAAAAUAAAAGQAAABkAAAAAAAAABcAAAAUAAAAAAAAAAAAAAD/fwAA/38AAAAAAAAJAAAABAAAAG49IjEeAAAAaAAAAAAAAAAAAAAAAAAAAAAAAAAAAAAAECcAABAnAAAAAAAAAAAAAAAAAAAAAAAAAAAAAAAAAAAAAAAAAAAAABQAAAAAAAAAwMD/AAAAAABkAAAAMgAAAAAAAABkAAAAAAAAAH9/fwAKAAAAIgAAABgAAAAAAAAAAAAAAAAAAAAAAAAAAAAAAAAAAAAkAAAAJAAAAAAAAAAHAAAAAAAAAAAAAAAAAAAAAAAAAAAAAAAAAAAAf39/ACUAAABYAAAAAAAAAAAAAAAAAAAAAAAAAAAAAAAAAAAAAAAAAAAAAAAAAAAAAAAAAAAAAAA/AAAAAAAAAKCGAQAAAAAAAAAAAAAAAAAMAAAAAQAAAAAAAAAAAAAAAAAAAB8AAABUAAAAAAAABQAAAAEAAAAAAAAAAAAAAAAAAAAAAAAAAAAAAAAAAAAAAAAAAAAAAAJ/f38AAAAAA8zMzADAwP8Af39/AAAAAAAAAAAAAAAAAAAAAAAAAAAAIQAAABgAAAAUAAAAwAMAALABAABARwAAuAgAABAAAAAmAAAACAAAAAAAAAAAAAAAMAAAABQAAAAAAAAAAAD//wAAAQAAAP//AAABAA=="/>
+                <pr:smNativeData xmlns:pr="smNativeData" xmlns="smNativeData" val="SMDATA_16_CqSDZxMAAAAlAAAAZAAAAA8BAAAAkAAAAEgAAACQAAAASAAAAAAAAAABAAAAAAAAAAEAAABQAAAAAAAAAAAA4D8AAAAAAADgPwAAAAAAAOA/AAAAAAAA4D8AAAAAAADgPwAAAAAAAOA/AAAAAAAA4D8AAAAAAADgPwAAAAAAAOA/AAAAAAAA4D8CAAAAjAAAAAAAAAAAAAAAu+DjDP///wgAAAAAAAAAAAAAAAAAAAAAAAAAAAAAAAAAAAAAZAAAAAEAAABAAAAAAAAAAAAAAAAAAAAAAAAAAAAAAAAAAAAAAAAAAAAAAAAAAAAAAAAAAAAAAAAAAAAAAAAAAAAAAAAAAAAAAAAAAAAAAAAAAAAAAAAAAAAAAAAAAAAAFAAAADwAAAAAAAAAAAAAAAAAAAkUAAAAAQAAABQAAAAUAAAAFAAAAAEAAAAAAAAAZAAAAGQAAAAAAAAAZAAAAGQAAAAVAAAAYAAAAAAAAAAAAAAADwAAACADAAAAAAAAAAAAAAEAAACgMgAAVgcAAKr4//8BAAAAf39/AAEAAABkAAAAAAAAABQAAABAHwAAAAAAACYAAAAAAAAAwOD//wAAAAAmAAAAZAAAABYAAABMAAAAAAAAAAAAAAAEAAAAAAAAAAEAAACAgIAKAAAAACgAAAAoAAAAZAAAAGQAAAAAAAAAzMzMAAAAAABQAAAAUAAAAGQAAABkAAAAAAAAABcAAAAUAAAAAAAAAAAAAAD/fwAA/38AAAAAAAAJAAAABAAAAG49IjEeAAAAaAAAAAAAAAAAAAAAAAAAAAAAAAAAAAAAECcAABAnAAAAAAAAAAAAAAAAAAAAAAAAAAAAAAAAAAAAAAAAAAAAABQAAAAAAAAAwMD/AAAAAABkAAAAMgAAAAAAAABkAAAAAAAAAH9/fwAKAAAAIgAAABgAAAAAAAAAAAAAAAAAAAAAAAAAAAAAAAAAAAAkAAAAJAAAAAAAAAAHAAAAAAAAAAAAAAAAAAAAAAAAAAAAAAAAAAAAf39/ACUAAABYAAAAAAAAAAAAAAAAAAAAAAAAAAAAAAAAAAAAAAAAAAAAAAAAAAAAAAAAAAAAAAA/AAAAAAAAAKCGAQAAAAAAAAAAAAAAAAAMAAAAAQAAAAAAAAAAAAAAAAAAAB8AAABUAAAAAAAABQAAAAEAAAAAAAAAAAAAAAAAAAAAAAAAAAAAAAAAAAAAAAAAAAAAAAJ/f38AAAAAA8zMzADAwP8Af39/AAAAAAAAAAAAAAAAAAAAAAAAAAAAIQAAABgAAAAUAAAAwAMAALABAABARwAAuAgAABAAAAAmAAAACAAAAAAAAAAAAAAAMAAAABQAAAAAAAAAAAD//wAAAQAAAP//AAABAA=="/>
               </a:ext>
             </a:extLst>
           </p:cNvSpPr>
@@ -464,7 +464,7 @@
             <a:spLocks noGrp="1" noChangeArrowheads="1"/>
             <a:extLst>
               <a:ext uri="smNativeData">
-                <pr:smNativeData xmlns:pr="smNativeData" xmlns="smNativeData" val="SMDATA_16_V9F3ZxMAAAAlAAAAZAAAAA8BAAAAkAAAAEgAAACQAAAASAAAAAAAAAAAAAAAAQAAAAEAAABQAAAAAAAAAAAA4D8AAAAAAADgPwAAAAAAAOA/AAAAAAAA4D8AAAAAAADgPwAAAAAAAOA/AAAAAAAA4D8AAAAAAADgPwAAAAAAAOA/AAAAAAAA4D8CAAAAjAAAAAAAAAAAAAAAu+DjDP///wgAAAAAAAAAAAAAAAAAAAAAAAAAAAAAAAAAAAAAZAAAAAEAAABAAAAAAAAAAAAAAAAAAAAAAAAAAAAAAAAAAAAAAAAAAAAAAAAAAAAAAAAAAAAAAAAAAAAAAAAAAAAAAAAAAAAAAAAAAAAAAAAAAAAAAAAAAAAAAAAAAAAAFAAAADwAAAAAAAAAAAAAAAAAAAkUAAAAAQAAABQAAAAUAAAAFAAAAAEAAAAAAAAAZAAAAGQAAAAAAAAAZAAAAGQAAAAVAAAAYAAAAAAAAAAAAAAADwAAACADAAAAAAAAAAAAAAEAAACgMgAAVgcAAKr4//8BAAAAf39/AAEAAABkAAAAAAAAABQAAABAHwAAAAAAACYAAAAAAAAAwOD//wAAAAAmAAAAZAAAABYAAABMAAAAAAAAAAAAAAAEAAAAAAAAAAEAAACAgIAKAAAAACgAAAAoAAAAZAAAAGQAAAAAAAAAzMzMAAAAAABQAAAAUAAAAGQAAABkAAAAAAAAABcAAAAUAAAAAAAAAAAAAAD/fwAA/38AAAAAAAAJAAAABAAAAAAAAAAeAAAAaAAAAAAAAAAAAAAAAAAAAAAAAAAAAAAAECcAABAnAAAAAAAAAAAAAAAAAAAAAAAAAAAAAAAAAAAAAAAAAAAAABQAAAAAAAAAwMD/AAAAAABkAAAAMgAAAAAAAABkAAAAAAAAAH9/fwAKAAAAIgAAABgAAAAAAAAAAAAAAAAAAAAAAAAAAAAAAAAAAAAkAAAAJAAAAAAAAAAHAAAAAAAAAAAAAAAAAAAAAAAAAAAAAAAAAAAAf39/ACUAAABYAAAAAAAAAAAAAAAAAAAAAAAAAAAAAAAAAAAAAAAAAAAAAAAAAAAAAAAAAAAAAAA/AAAAAAAAAKCGAQAAAAAAAAAAAAAAAAAMAAAAAQAAAAAAAAAAAAAAAAAAAB8AAABUAAAAAAAABQAAAAEAAAAAAAAAAAAAAAAAAAAAAAAAAAAAAAAAAAAAAAAAAAAAAAJ/f38AAAAAA8zMzADAwP8Af39/AAAAAAAAAAAAAAAAAAAAAAAAAAAAIQAAABgAAAAUAAAAwAMAANgJAABARwAAsCUAABAAAAAmAAAACAAAAAIAAAAAAAAAMAAAABQAAAAAAAAAAAD//wAAAQAAAP//AAABAA=="/>
+                <pr:smNativeData xmlns:pr="smNativeData" xmlns="smNativeData" val="SMDATA_16_CqSDZxMAAAAlAAAAZAAAAA8BAAAAkAAAAEgAAACQAAAASAAAAAAAAAAAAAAAAQAAAAEAAABQAAAAAAAAAAAA4D8AAAAAAADgPwAAAAAAAOA/AAAAAAAA4D8AAAAAAADgPwAAAAAAAOA/AAAAAAAA4D8AAAAAAADgPwAAAAAAAOA/AAAAAAAA4D8CAAAAjAAAAAAAAAAAAAAAu+DjDP///wgAAAAAAAAAAAAAAAAAAAAAAAAAAAAAAAAAAAAAZAAAAAEAAABAAAAAAAAAAAAAAAAAAAAAAAAAAAAAAAAAAAAAAAAAAAAAAAAAAAAAAAAAAAAAAAAAAAAAAAAAAAAAAAAAAAAAAAAAAAAAAAAAAAAAAAAAAAAAAAAAAAAAFAAAADwAAAAAAAAAAAAAAAAAAAkUAAAAAQAAABQAAAAUAAAAFAAAAAEAAAAAAAAAZAAAAGQAAAAAAAAAZAAAAGQAAAAVAAAAYAAAAAAAAAAAAAAADwAAACADAAAAAAAAAAAAAAEAAACgMgAAVgcAAKr4//8BAAAAf39/AAEAAABkAAAAAAAAABQAAABAHwAAAAAAACYAAAAAAAAAwOD//wAAAAAmAAAAZAAAABYAAABMAAAAAAAAAAAAAAAEAAAAAAAAAAEAAACAgIAKAAAAACgAAAAoAAAAZAAAAGQAAAAAAAAAzMzMAAAAAABQAAAAUAAAAGQAAABkAAAAAAAAABcAAAAUAAAAAAAAAAAAAAD/fwAA/38AAAAAAAAJAAAABAAAAAAAAAAeAAAAaAAAAAAAAAAAAAAAAAAAAAAAAAAAAAAAECcAABAnAAAAAAAAAAAAAAAAAAAAAAAAAAAAAAAAAAAAAAAAAAAAABQAAAAAAAAAwMD/AAAAAABkAAAAMgAAAAAAAABkAAAAAAAAAH9/fwAKAAAAIgAAABgAAAAAAAAAAAAAAAAAAAAAAAAAAAAAAAAAAAAkAAAAJAAAAAAAAAAHAAAAAAAAAAAAAAAAAAAAAAAAAAAAAAAAAAAAf39/ACUAAABYAAAAAAAAAAAAAAAAAAAAAAAAAAAAAAAAAAAAAAAAAAAAAAAAAAAAAAAAAAAAAAA/AAAAAAAAAKCGAQAAAAAAAAAAAAAAAAAMAAAAAQAAAAAAAAAAAAAAAAAAAB8AAABUAAAAAAAABQAAAAEAAAAAAAAAAAAAAAAAAAAAAAAAAAAAAAAAAAAAAAAAAAAAAAJ/f38AAAAAA8zMzADAwP8Af39/AAAAAAAAAAAAAAAAAAAAAAAAAAAAIQAAABgAAAAUAAAAwAMAANgJAABARwAAsCUAABAAAAAmAAAACAAAAAIAAAAAAAAAMAAAABQAAAAAAAAAAAD//wAAAQAAAP//AAABAA=="/>
               </a:ext>
             </a:extLst>
           </p:cNvSpPr>
@@ -519,7 +519,7 @@
             <a:spLocks noGrp="1" noChangeArrowheads="1"/>
             <a:extLst>
               <a:ext uri="smNativeData">
-                <pr:smNativeData xmlns:pr="smNativeData" xmlns="smNativeData" val="SMDATA_16_V9F3ZxMAAAAlAAAAZAAAAA8BAAAAkAAAAEgAAACQAAAASAAAAAAAAAABAAAAAAAAAAEAAABQAAAAAAAAAAAA4D8AAAAAAADgPwAAAAAAAOA/AAAAAAAA4D8AAAAAAADgPwAAAAAAAOA/AAAAAAAA4D8AAAAAAADgPwAAAAAAAOA/AAAAAAAA4D8CAAAAjAAAAAAAAAAAAAAAu+DjDP///wgAAAAAAAAAAAAAAAAAAAAAAAAAAAAAAAAAAAAAZAAAAAEAAABAAAAAAAAAAAAAAAAAAAAAAAAAAAAAAAAAAAAAAAAAAAAAAAAAAAAAAAAAAAAAAAAAAAAAAAAAAAAAAAAAAAAAAAAAAAAAAAAAAAAAAAAAAAAAAAAAAAAAFAAAADwAAAAAAAAAAAAAAAAAAAkUAAAAAQAAABQAAAAUAAAAFAAAAAEAAAAAAAAAZAAAAGQAAAAAAAAAZAAAAGQAAAAVAAAAYAAAAAAAAAAAAAAADwAAACADAAAAAAAAAAAAAAEAAACgMgAAVgcAAKr4//8BAAAAf39/AAEAAABkAAAAAAAAABQAAABAHwAAAAAAACYAAAAAAAAAwOD//wAAAAAmAAAAZAAAABYAAABMAAAAAAAAAAAAAAAEAAAAAAAAAAEAAACAgIAKAAAAACgAAAAoAAAAZAAAAGQAAAAAAAAAzMzMAAAAAABQAAAAUAAAAGQAAABkAAAAAAAAABcAAAAUAAAAAAAAAAAAAAD/fwAA/38AAAAAAAAJAAAABAAAAAAAAAAeAAAAaAAAAAAAAAAAAAAAAAAAAAAAAAAAAAAAECcAABAnAAAAAAAAAAAAAAAAAAAAAAAAAAAAAAAAAAAAAAAAAAAAABQAAAAAAAAAwMD/AAAAAABkAAAAMgAAAAAAAABkAAAAAAAAAH9/fwAKAAAAIgAAABgAAAAAAAAAAAAAAAAAAAAAAAAAAAAAAAAAAAAkAAAAJAAAAAAAAAAHAAAAAAAAAAAAAAAAAAAAAAAAAAAAAAAAAAAAf39/ACUAAABYAAAAAAAAAAAAAAAAAAAAAAAAAAAAAAAAAAAAAAAAAAAAAAAAAAAAAAAAAAAAAAA/AAAAAAAAAKCGAQAAAAAAAAAAAAAAAAAMAAAAAQAAAAAAAAAAAAAAAAAAAB8AAABUAAAAAAAABQAAAAEAAAAAAAAAAAAAAAAAAAAAAAAAAAAAAAAAAAAAAAAAAAAAAAJ/f38AAAAAA8zMzADAwP8Af39/AAAAAAAAAAAAAAAAAAAAAAAAAAAAIQAAABgAAAAUAAAAwAMAABsnAAA/FQAAWSkAABAAAAAmAAAACAAAAAAAAAAAAAAAMAAAABQAAAAAAAAAAAD//wAAAQAAAP//AAABAA=="/>
+                <pr:smNativeData xmlns:pr="smNativeData" xmlns="smNativeData" val="SMDATA_16_CqSDZxMAAAAlAAAAZAAAAA8BAAAAkAAAAEgAAACQAAAASAAAAAAAAAABAAAAAAAAAAEAAABQAAAAAAAAAAAA4D8AAAAAAADgPwAAAAAAAOA/AAAAAAAA4D8AAAAAAADgPwAAAAAAAOA/AAAAAAAA4D8AAAAAAADgPwAAAAAAAOA/AAAAAAAA4D8CAAAAjAAAAAAAAAAAAAAAu+DjDP///wgAAAAAAAAAAAAAAAAAAAAAAAAAAAAAAAAAAAAAZAAAAAEAAABAAAAAAAAAAAAAAAAAAAAAAAAAAAAAAAAAAAAAAAAAAAAAAAAAAAAAAAAAAAAAAAAAAAAAAAAAAAAAAAAAAAAAAAAAAAAAAAAAAAAAAAAAAAAAAAAAAAAAFAAAADwAAAAAAAAAAAAAAAAAAAkUAAAAAQAAABQAAAAUAAAAFAAAAAEAAAAAAAAAZAAAAGQAAAAAAAAAZAAAAGQAAAAVAAAAYAAAAAAAAAAAAAAADwAAACADAAAAAAAAAAAAAAEAAACgMgAAVgcAAKr4//8BAAAAf39/AAEAAABkAAAAAAAAABQAAABAHwAAAAAAACYAAAAAAAAAwOD//wAAAAAmAAAAZAAAABYAAABMAAAAAAAAAAAAAAAEAAAAAAAAAAEAAACAgIAKAAAAACgAAAAoAAAAZAAAAGQAAAAAAAAAzMzMAAAAAABQAAAAUAAAAGQAAABkAAAAAAAAABcAAAAUAAAAAAAAAAAAAAD/fwAA/38AAAAAAAAJAAAABAAAAAAAAAAeAAAAaAAAAAAAAAAAAAAAAAAAAAAAAAAAAAAAECcAABAnAAAAAAAAAAAAAAAAAAAAAAAAAAAAAAAAAAAAAAAAAAAAABQAAAAAAAAAwMD/AAAAAABkAAAAMgAAAAAAAABkAAAAAAAAAH9/fwAKAAAAIgAAABgAAAAAAAAAAAAAAAAAAAAAAAAAAAAAAAAAAAAkAAAAJAAAAAAAAAAHAAAAAAAAAAAAAAAAAAAAAAAAAAAAAAAAAAAAf39/ACUAAABYAAAAAAAAAAAAAAAAAAAAAAAAAAAAAAAAAAAAAAAAAAAAAAAAAAAAAAAAAAAAAAA/AAAAAAAAAKCGAQAAAAAAAAAAAAAAAAAMAAAAAQAAAAAAAAAAAAAAAAAAAB8AAABUAAAAAAAABQAAAAEAAAAAAAAAAAAAAAAAAAAAAAAAAAAAAAAAAAAAAAAAAAAAAAJ/f38AAAAAA8zMzADAwP8Af39/AAAAAAAAAAAAAAAAAAAAAAAAAAAAIQAAABgAAAAUAAAAwAMAABsnAAA/FQAAWSkAABAAAAAmAAAACAAAAAAAAAAAAAAAMAAAABQAAAAAAAAAAAD//wAAAQAAAP//AAABAA=="/>
               </a:ext>
             </a:extLst>
           </p:cNvSpPr>
@@ -533,7 +533,7 @@
           <a:lstStyle/>
           <a:p>
             <a:pPr/>
-            <a:fld id="{3F80DC18-56D2-D52A-9C38-A07F92766AF5}" type="datetime1">
+            <a:fld id="{3F53A1BF-F1D2-0657-9CEB-0702EFA56A52}" type="datetime1">
               <a:t/>
             </a:fld>
           </a:p>
@@ -546,7 +546,7 @@
             <a:spLocks noGrp="1" noChangeArrowheads="1"/>
             <a:extLst>
               <a:ext uri="smNativeData">
-                <pr:smNativeData xmlns:pr="smNativeData" xmlns="smNativeData" val="SMDATA_16_V9F3ZxMAAAAlAAAAZAAAAA8BAAAAkAAAAEgAAACQAAAASAAAAAAAAAABAAAAAAAAAAEAAABQAAAAAAAAAAAA4D8AAAAAAADgPwAAAAAAAOA/AAAAAAAA4D8AAAAAAADgPwAAAAAAAOA/AAAAAAAA4D8AAAAAAADgPwAAAAAAAOA/AAAAAAAA4D8CAAAAjAAAAAAAAAAAAAAAu+DjDP///wgAAAAAAAAAAAAAAAAAAAAAAAAAAAAAAAAAAAAAZAAAAAEAAABAAAAAAAAAAAAAAAAAAAAAAAAAAAAAAAAAAAAAAAAAAAAAAAAAAAAAAAAAAAAAAAAAAAAAAAAAAAAAAAAAAAAAAAAAAAAAAAAAAAAAAAAAAAAAAAAAAAAAFAAAADwAAAAAAAAAAAAAAAAAAAkUAAAAAQAAABQAAAAUAAAAFAAAAAEAAAAAAAAAZAAAAGQAAAAAAAAAZAAAAGQAAAAVAAAAYAAAAAAAAAAAAAAADwAAACADAAAAAAAAAAAAAAEAAACgMgAAVgcAAKr4//8BAAAAf39/AAEAAABkAAAAAAAAABQAAABAHwAAAAAAACYAAAAAAAAAwOD//wAAAAAmAAAAZAAAABYAAABMAAAAAAAAAAAAAAAEAAAAAAAAAAEAAACAgIAKAAAAACgAAAAoAAAAZAAAAGQAAAAAAAAAzMzMAAAAAABQAAAAUAAAAGQAAABkAAAAAAAAABcAAAAUAAAAAAAAAAAAAAD/fwAA/38AAAAAAAAJAAAABAAAAGE6c3AeAAAAaAAAAAAAAAAAAAAAAAAAAAAAAAAAAAAAECcAABAnAAAAAAAAAAAAAAAAAAAAAAAAAAAAAAAAAAAAAAAAAAAAABQAAAAAAAAAwMD/AAAAAABkAAAAMgAAAAAAAABkAAAAAAAAAH9/fwAKAAAAIgAAABgAAAAAAAAAAAAAAAAAAAAAAAAAAAAAAAAAAAAkAAAAJAAAAAAAAAAHAAAAAAAAAAAAAAAAAAAAAAAAAAAAAAAAAAAAf39/ACUAAABYAAAAAAAAAAAAAAAAAAAAAAAAAAAAAAAAAAAAAAAAAAAAAAAAAAAAAAAAAAAAAAA/AAAAAAAAAKCGAQAAAAAAAAAAAAAAAAAMAAAAAQAAAAAAAAAAAAAAAAAAAB8AAABUAAAAAAAABQAAAAEAAAAAAAAAAAAAAAAAAAAAAAAAAAAAAAAAAAAAAAAAAAAAAAJ/f38AAAAAA8zMzADAwP8Af39/AAAAAAAAAAAAAAAAAAAAAAAAAAAAIQAAABgAAAAUAAAAoRkAABsnAABfMQAAWSkAABAAAAAmAAAACAAAAAAAAAAAAAAAMAAAABQAAAAAAAAAAAD//wAAAQAAAP//AAABAA=="/>
+                <pr:smNativeData xmlns:pr="smNativeData" xmlns="smNativeData" val="SMDATA_16_CqSDZxMAAAAlAAAAZAAAAA8BAAAAkAAAAEgAAACQAAAASAAAAAAAAAABAAAAAAAAAAEAAABQAAAAAAAAAAAA4D8AAAAAAADgPwAAAAAAAOA/AAAAAAAA4D8AAAAAAADgPwAAAAAAAOA/AAAAAAAA4D8AAAAAAADgPwAAAAAAAOA/AAAAAAAA4D8CAAAAjAAAAAAAAAAAAAAAu+DjDP///wgAAAAAAAAAAAAAAAAAAAAAAAAAAAAAAAAAAAAAZAAAAAEAAABAAAAAAAAAAAAAAAAAAAAAAAAAAAAAAAAAAAAAAAAAAAAAAAAAAAAAAAAAAAAAAAAAAAAAAAAAAAAAAAAAAAAAAAAAAAAAAAAAAAAAAAAAAAAAAAAAAAAAFAAAADwAAAAAAAAAAAAAAAAAAAkUAAAAAQAAABQAAAAUAAAAFAAAAAEAAAAAAAAAZAAAAGQAAAAAAAAAZAAAAGQAAAAVAAAAYAAAAAAAAAAAAAAADwAAACADAAAAAAAAAAAAAAEAAACgMgAAVgcAAKr4//8BAAAAf39/AAEAAABkAAAAAAAAABQAAABAHwAAAAAAACYAAAAAAAAAwOD//wAAAAAmAAAAZAAAABYAAABMAAAAAAAAAAAAAAAEAAAAAAAAAAEAAACAgIAKAAAAACgAAAAoAAAAZAAAAGQAAAAAAAAAzMzMAAAAAABQAAAAUAAAAGQAAABkAAAAAAAAABcAAAAUAAAAAAAAAAAAAAD/fwAA/38AAAAAAAAJAAAABAAAAGE6c3AeAAAAaAAAAAAAAAAAAAAAAAAAAAAAAAAAAAAAECcAABAnAAAAAAAAAAAAAAAAAAAAAAAAAAAAAAAAAAAAAAAAAAAAABQAAAAAAAAAwMD/AAAAAABkAAAAMgAAAAAAAABkAAAAAAAAAH9/fwAKAAAAIgAAABgAAAAAAAAAAAAAAAAAAAAAAAAAAAAAAAAAAAAkAAAAJAAAAAAAAAAHAAAAAAAAAAAAAAAAAAAAAAAAAAAAAAAAAAAAf39/ACUAAABYAAAAAAAAAAAAAAAAAAAAAAAAAAAAAAAAAAAAAAAAAAAAAAAAAAAAAAAAAAAAAAA/AAAAAAAAAKCGAQAAAAAAAAAAAAAAAAAMAAAAAQAAAAAAAAAAAAAAAAAAAB8AAABUAAAAAAAABQAAAAEAAAAAAAAAAAAAAAAAAAAAAAAAAAAAAAAAAAAAAAAAAAAAAAJ/f38AAAAAA8zMzADAwP8Af39/AAAAAAAAAAAAAAAAAAAAAAAAAAAAIQAAABgAAAAUAAAAoRkAABsnAABfMQAAWSkAABAAAAAmAAAACAAAAAAAAAAAAAAAMAAAABQAAAAAAAAAAAD//wAAAQAAAP//AAABAA=="/>
               </a:ext>
             </a:extLst>
           </p:cNvSpPr>
@@ -570,7 +570,7 @@
             <a:spLocks noGrp="1" noChangeArrowheads="1"/>
             <a:extLst>
               <a:ext uri="smNativeData">
-                <pr:smNativeData xmlns:pr="smNativeData" xmlns="smNativeData" val="SMDATA_16_V9F3ZxMAAAAlAAAAZAAAAA8BAAAAkAAAAEgAAACQAAAASAAAAAAAAAABAAAAAAAAAAEAAABQAAAAAAAAAAAA4D8AAAAAAADgPwAAAAAAAOA/AAAAAAAA4D8AAAAAAADgPwAAAAAAAOA/AAAAAAAA4D8AAAAAAADgPwAAAAAAAOA/AAAAAAAA4D8CAAAAjAAAAAAAAAAAAAAAu+DjDP///wgAAAAAAAAAAAAAAAAAAAAAAAAAAAAAAAAAAAAAZAAAAAEAAABAAAAAAAAAAAAAAAAAAAAAAAAAAAAAAAAAAAAAAAAAAAAAAAAAAAAAAAAAAAAAAAAAAAAAAAAAAAAAAAAAAAAAAAAAAAAAAAAAAAAAAAAAAAAAAAAAAAAAFAAAADwAAAAAAAAAAAAAAAAAAAkUAAAAAQAAABQAAAAUAAAAFAAAAAEAAAAAAAAAZAAAAGQAAAAAAAAAZAAAAGQAAAAVAAAAYAAAAAAAAAAAAAAADwAAACADAAAAAAAAAAAAAAEAAACgMgAAVgcAAKr4//8BAAAAf39/AAEAAABkAAAAAAAAABQAAABAHwAAAAAAACYAAAAAAAAAwOD//wAAAAAmAAAAZAAAABYAAABMAAAAAAAAAAAAAAAEAAAAAAAAAAEAAACAgIAKAAAAACgAAAAoAAAAZAAAAGQAAAAAAAAAzMzMAAAAAABQAAAAUAAAAGQAAABkAAAAAAAAABcAAAAUAAAAAAAAAAAAAAD/fwAA/38AAAAAAAAJAAAABAAAAAAAAAAeAAAAaAAAAAAAAAAAAAAAAAAAAAAAAAAAAAAAECcAABAnAAAAAAAAAAAAAAAAAAAAAAAAAAAAAAAAAAAAAAAAAAAAABQAAAAAAAAAwMD/AAAAAABkAAAAMgAAAAAAAABkAAAAAAAAAH9/fwAKAAAAIgAAABgAAAAAAAAAAAAAAAAAAAAAAAAAAAAAAAAAAAAkAAAAJAAAAAAAAAAHAAAAAAAAAAAAAAAAAAAAAAAAAAAAAAAAAAAAf39/ACUAAABYAAAAAAAAAAAAAAAAAAAAAAAAAAAAAAAAAAAAAAAAAAAAAAAAAAAAAAAAAAAAAAA/AAAAAAAAAKCGAQAAAAAAAAAAAAAAAAAMAAAAAQAAAAAAAAAAAAAAAAAAAB8AAABUAAAAAAAABQAAAAEAAAAAAAAAAAAAAAAAAAAAAAAAAAAAAAAAAAAAAAAAAAAAAAJ/f38AAAAAA8zMzADAwP8Af39/AAAAAAAAAAAAAAAAAAAAAAAAAAAAIQAAABgAAAAUAAAAwTUAABsnAABARwAAWSkAABAAAAAmAAAACAAAAAAAAAAAAAAAMAAAABQAAAAAAAAAAAD//wAAAQAAAP//AAABAA=="/>
+                <pr:smNativeData xmlns:pr="smNativeData" xmlns="smNativeData" val="SMDATA_16_CqSDZxMAAAAlAAAAZAAAAA8BAAAAkAAAAEgAAACQAAAASAAAAAAAAAABAAAAAAAAAAEAAABQAAAAAAAAAAAA4D8AAAAAAADgPwAAAAAAAOA/AAAAAAAA4D8AAAAAAADgPwAAAAAAAOA/AAAAAAAA4D8AAAAAAADgPwAAAAAAAOA/AAAAAAAA4D8CAAAAjAAAAAAAAAAAAAAAu+DjDP///wgAAAAAAAAAAAAAAAAAAAAAAAAAAAAAAAAAAAAAZAAAAAEAAABAAAAAAAAAAAAAAAAAAAAAAAAAAAAAAAAAAAAAAAAAAAAAAAAAAAAAAAAAAAAAAAAAAAAAAAAAAAAAAAAAAAAAAAAAAAAAAAAAAAAAAAAAAAAAAAAAAAAAFAAAADwAAAAAAAAAAAAAAAAAAAkUAAAAAQAAABQAAAAUAAAAFAAAAAEAAAAAAAAAZAAAAGQAAAAAAAAAZAAAAGQAAAAVAAAAYAAAAAAAAAAAAAAADwAAACADAAAAAAAAAAAAAAEAAACgMgAAVgcAAKr4//8BAAAAf39/AAEAAABkAAAAAAAAABQAAABAHwAAAAAAACYAAAAAAAAAwOD//wAAAAAmAAAAZAAAABYAAABMAAAAAAAAAAAAAAAEAAAAAAAAAAEAAACAgIAKAAAAACgAAAAoAAAAZAAAAGQAAAAAAAAAzMzMAAAAAABQAAAAUAAAAGQAAABkAAAAAAAAABcAAAAUAAAAAAAAAAAAAAD/fwAA/38AAAAAAAAJAAAABAAAAAAAAAAeAAAAaAAAAAAAAAAAAAAAAAAAAAAAAAAAAAAAECcAABAnAAAAAAAAAAAAAAAAAAAAAAAAAAAAAAAAAAAAAAAAAAAAABQAAAAAAAAAwMD/AAAAAABkAAAAMgAAAAAAAABkAAAAAAAAAH9/fwAKAAAAIgAAABgAAAAAAAAAAAAAAAAAAAAAAAAAAAAAAAAAAAAkAAAAJAAAAAAAAAAHAAAAAAAAAAAAAAAAAAAAAAAAAAAAAAAAAAAAf39/ACUAAABYAAAAAAAAAAAAAAAAAAAAAAAAAAAAAAAAAAAAAAAAAAAAAAAAAAAAAAAAAAAAAAA/AAAAAAAAAKCGAQAAAAAAAAAAAAAAAAAMAAAAAQAAAAAAAAAAAAAAAAAAAB8AAABUAAAAAAAABQAAAAEAAAAAAAAAAAAAAAAAAAAAAAAAAAAAAAAAAAAAAAAAAAAAAAJ/f38AAAAAA8zMzADAwP8Af39/AAAAAAAAAAAAAAAAAAAAAAAAAAAAIQAAABgAAAAUAAAAwTUAABsnAABARwAAWSkAABAAAAAmAAAACAAAAAAAAAAAAAAAMAAAABQAAAAAAAAAAAD//wAAAQAAAP//AAABAA=="/>
               </a:ext>
             </a:extLst>
           </p:cNvSpPr>
@@ -584,7 +584,7 @@
           <a:lstStyle/>
           <a:p>
             <a:pPr/>
-            <a:fld id="{3F808F75-3BD2-D579-9C38-CD2CC1766A98}" type="slidenum">
+            <a:fld id="{3F53E266-28D2-0614-9CEB-DE41ACA56A8B}" type="slidenum">
               <a:t/>
             </a:fld>
           </a:p>
@@ -623,7 +623,7 @@
             <a:spLocks noGrp="1" noChangeArrowheads="1"/>
             <a:extLst>
               <a:ext uri="smNativeData">
-                <pr:smNativeData xmlns:pr="smNativeData" xmlns="smNativeData" val="SMDATA_16_V9F3ZxMAAAAlAAAAZAAAAA8BAAAAkAAAAEgAAACQAAAASAAAAAAAAAACAAAAAQAAAAEAAABQAAAAAAAAAAAA4D8AAAAAAADgPwAAAAAAAOA/AAAAAAAA4D8AAAAAAADgPwAAAAAAAOA/AAAAAAAA4D8AAAAAAADgPwAAAAAAAOA/AAAAAAAA4D8CAAAAjAAAAAAAAAAAAAAAu+DjDP///wgAAAAAAAAAAAAAAAAAAAAAAAAAAAAAAAAAAAAAZAAAAAEAAABAAAAAAAAAAAAAAAAAAAAAAAAAAAAAAAAAAAAAAAAAAAAAAAAAAAAAAAAAAAAAAAAAAAAAAAAAAAAAAAAAAAAAAAAAAAAAAAAAAAAAAAAAAAAAAAAAAAAAFAAAADwAAAAAAAAAAAAAAAAAAAkUAAAAAQAAABQAAAAUAAAAFAAAAAEAAAAAAAAAZAAAAGQAAAAAAAAAZAAAAGQAAAAVAAAAYAAAAAAAAAAAAAAADwAAACADAAAAAAAAAAAAAAEAAACgMgAAVgcAAKr4//8BAAAAf39/AAEAAABkAAAAAAAAABQAAABAHwAAAAAAACYAAAAAAAAAwOD//wAAAAAmAAAAZAAAABYAAABMAAAAAAAAAAAAAAAEAAAAAAAAAAEAAACAgIAKAAAAACgAAAAoAAAAZAAAAGQAAAAAAAAAzMzMAAAAAABQAAAAUAAAAGQAAABkAAAAAAAAABcAAAAUAAAAAAAAAAAAAAD/fwAA/38AAAAAAAAJAAAABAAAAAAAAAAeAAAAaAAAAAAAAAAAAAAAAAAAAAAAAAAAAAAAECcAABAnAAAAAAAAAAAAAAAAAAAAAAAAAAAAAAAAAAAAAAAAAAAAABQAAAAAAAAAwMD/AAAAAABkAAAAMgAAAAAAAABkAAAAAAAAAH9/fwAKAAAAIgAAABgAAAAAAAAAAAAAAAAAAAAAAAAAAAAAAAAAAAAkAAAAJAAAAAAAAAAHAAAAAAAAAAAAAAAAAAAAAAAAAAAAAAAAAAAAf39/ACUAAABYAAAAAAAAAAAAAAAAAAAAAAAAAAAAAAAAAAAAAAAAAAAAAAAAAAAAAAAAAAAAAAA/AAAAAAAAAKCGAQAAAAAAAAAAAAAAAAAMAAAAAQAAAAAAAAAAAAAAAAAAAB8AAABUAAAAAAAABQAAAAEAAAAAAAAAAAAAAAAAAAAAAAAAAAAAAAAAAAAAAAAAAAAAAAJ/f38AAAAAA8zMzADAwP8Af39/AAAAAAAAAAAAAAAAAAAAAAAAAAAAIQAAABgAAAAUAAAAYDYAALABAABARwAAsCUAABAAAAAmAAAACAAAAIMAAAAAAAAAMAAAABQAAAAAAAAAAAD//wAAAQAAAP//AAABAA=="/>
+                <pr:smNativeData xmlns:pr="smNativeData" xmlns="smNativeData" val="SMDATA_16_CqSDZxMAAAAlAAAAZAAAAA8BAAAAkAAAAEgAAACQAAAASAAAAAAAAAACAAAAAQAAAAEAAABQAAAAAAAAAAAA4D8AAAAAAADgPwAAAAAAAOA/AAAAAAAA4D8AAAAAAADgPwAAAAAAAOA/AAAAAAAA4D8AAAAAAADgPwAAAAAAAOA/AAAAAAAA4D8CAAAAjAAAAAAAAAAAAAAAu+DjDP///wgAAAAAAAAAAAAAAAAAAAAAAAAAAAAAAAAAAAAAZAAAAAEAAABAAAAAAAAAAAAAAAAAAAAAAAAAAAAAAAAAAAAAAAAAAAAAAAAAAAAAAAAAAAAAAAAAAAAAAAAAAAAAAAAAAAAAAAAAAAAAAAAAAAAAAAAAAAAAAAAAAAAAFAAAADwAAAAAAAAAAAAAAAAAAAkUAAAAAQAAABQAAAAUAAAAFAAAAAEAAAAAAAAAZAAAAGQAAAAAAAAAZAAAAGQAAAAVAAAAYAAAAAAAAAAAAAAADwAAACADAAAAAAAAAAAAAAEAAACgMgAAVgcAAKr4//8BAAAAf39/AAEAAABkAAAAAAAAABQAAABAHwAAAAAAACYAAAAAAAAAwOD//wAAAAAmAAAAZAAAABYAAABMAAAAAAAAAAAAAAAEAAAAAAAAAAEAAACAgIAKAAAAACgAAAAoAAAAZAAAAGQAAAAAAAAAzMzMAAAAAABQAAAAUAAAAGQAAABkAAAAAAAAABcAAAAUAAAAAAAAAAAAAAD/fwAA/38AAAAAAAAJAAAABAAAAAAAAAAeAAAAaAAAAAAAAAAAAAAAAAAAAAAAAAAAAAAAECcAABAnAAAAAAAAAAAAAAAAAAAAAAAAAAAAAAAAAAAAAAAAAAAAABQAAAAAAAAAwMD/AAAAAABkAAAAMgAAAAAAAABkAAAAAAAAAH9/fwAKAAAAIgAAABgAAAAAAAAAAAAAAAAAAAAAAAAAAAAAAAAAAAAkAAAAJAAAAAAAAAAHAAAAAAAAAAAAAAAAAAAAAAAAAAAAAAAAAAAAf39/ACUAAABYAAAAAAAAAAAAAAAAAAAAAAAAAAAAAAAAAAAAAAAAAAAAAAAAAAAAAAAAAAAAAAA/AAAAAAAAAKCGAQAAAAAAAAAAAAAAAAAMAAAAAQAAAAAAAAAAAAAAAAAAAB8AAABUAAAAAAAABQAAAAEAAAAAAAAAAAAAAAAAAAAAAAAAAAAAAAAAAAAAAAAAAAAAAAJ/f38AAAAAA8zMzADAwP8Af39/AAAAAAAAAAAAAAAAAAAAAAAAAAAAIQAAABgAAAAUAAAAYDYAALABAABARwAAsCUAABAAAAAmAAAACAAAAIMAAAAAAAAAMAAAABQAAAAAAAAAAAD//wAAAQAAAP//AAABAA=="/>
               </a:ext>
             </a:extLst>
           </p:cNvSpPr>
@@ -659,7 +659,7 @@
             <a:spLocks noGrp="1" noChangeArrowheads="1"/>
             <a:extLst>
               <a:ext uri="smNativeData">
-                <pr:smNativeData xmlns:pr="smNativeData" xmlns="smNativeData" val="SMDATA_16_V9F3ZxMAAAAlAAAAZAAAAA8BAAAAkAAAAEgAAACQAAAASAAAAAAAAAAAAAAAAQAAAAEAAABQAAAAAAAAAAAA4D8AAAAAAADgPwAAAAAAAOA/AAAAAAAA4D8AAAAAAADgPwAAAAAAAOA/AAAAAAAA4D8AAAAAAADgPwAAAAAAAOA/AAAAAAAA4D8CAAAAjAAAAAAAAAAAAAAAu+DjDP///wgAAAAAAAAAAAAAAAAAAAAAAAAAAAAAAAAAAAAAZAAAAAEAAABAAAAAAAAAAAAAAAAAAAAAAAAAAAAAAAAAAAAAAAAAAAAAAAAAAAAAAAAAAAAAAAAAAAAAAAAAAAAAAAAAAAAAAAAAAAAAAAAAAAAAAAAAAAAAAAAAAAAAFAAAADwAAAAAAAAAAAAAAAAAAAkUAAAAAQAAABQAAAAUAAAAFAAAAAEAAAAAAAAAZAAAAGQAAAAAAAAAZAAAAGQAAAAVAAAAYAAAAAAAAAAAAAAADwAAACADAAAAAAAAAAAAAAEAAACgMgAAVgcAAKr4//8BAAAAf39/AAEAAABkAAAAAAAAABQAAABAHwAAAAAAACYAAAAAAAAAwOD//wAAAAAmAAAAZAAAABYAAABMAAAAAAAAAAAAAAAEAAAAAAAAAAEAAACAgIAKAAAAACgAAAAoAAAAZAAAAGQAAAAAAAAAzMzMAAAAAABQAAAAUAAAAGQAAABkAAAAAAAAABcAAAAUAAAAAAAAAAAAAAD/fwAA/38AAAAAAAAJAAAABAAAAAAAAAAeAAAAaAAAAAAAAAAAAAAAAAAAAAAAAAAAAAAAECcAABAnAAAAAAAAAAAAAAAAAAAAAAAAAAAAAAAAAAAAAAAAAAAAABQAAAAAAAAAwMD/AAAAAABkAAAAMgAAAAAAAABkAAAAAAAAAH9/fwAKAAAAIgAAABgAAAAAAAAAAAAAAAAAAAAAAAAAAAAAAAAAAAAkAAAAJAAAAAAAAAAHAAAAAAAAAAAAAAAAAAAAAAAAAAAAAAAAAAAAf39/ACUAAABYAAAAAAAAAAAAAAAAAAAAAAAAAAAAAAAAAAAAAAAAAAAAAAAAAAAAAAAAAAAAAAA/AAAAAAAAAKCGAQAAAAAAAAAAAAAAAAAMAAAAAQAAAAAAAAAAAAAAAAAAAB8AAABUAAAAAAAABQAAAAEAAAAAAAAAAAAAAAAAAAAAAAAAAAAAAAAAAAAAAAAAAAAAAAJ/f38AAAAAA8zMzADAwP8Af39/AAAAAAAAAAAAAAAAAAAAAAAAAAAAIQAAABgAAAAUAAAAwAMAALABAAAfNQAAsCUAABAAAAAmAAAACAAAAAMAAAAAAAAAMAAAABQAAAAAAAAAAAD//wAAAQAAAP//AAABAA=="/>
+                <pr:smNativeData xmlns:pr="smNativeData" xmlns="smNativeData" val="SMDATA_16_CqSDZxMAAAAlAAAAZAAAAA8BAAAAkAAAAEgAAACQAAAASAAAAAAAAAAAAAAAAQAAAAEAAABQAAAAAAAAAAAA4D8AAAAAAADgPwAAAAAAAOA/AAAAAAAA4D8AAAAAAADgPwAAAAAAAOA/AAAAAAAA4D8AAAAAAADgPwAAAAAAAOA/AAAAAAAA4D8CAAAAjAAAAAAAAAAAAAAAu+DjDP///wgAAAAAAAAAAAAAAAAAAAAAAAAAAAAAAAAAAAAAZAAAAAEAAABAAAAAAAAAAAAAAAAAAAAAAAAAAAAAAAAAAAAAAAAAAAAAAAAAAAAAAAAAAAAAAAAAAAAAAAAAAAAAAAAAAAAAAAAAAAAAAAAAAAAAAAAAAAAAAAAAAAAAFAAAADwAAAAAAAAAAAAAAAAAAAkUAAAAAQAAABQAAAAUAAAAFAAAAAEAAAAAAAAAZAAAAGQAAAAAAAAAZAAAAGQAAAAVAAAAYAAAAAAAAAAAAAAADwAAACADAAAAAAAAAAAAAAEAAACgMgAAVgcAAKr4//8BAAAAf39/AAEAAABkAAAAAAAAABQAAABAHwAAAAAAACYAAAAAAAAAwOD//wAAAAAmAAAAZAAAABYAAABMAAAAAAAAAAAAAAAEAAAAAAAAAAEAAACAgIAKAAAAACgAAAAoAAAAZAAAAGQAAAAAAAAAzMzMAAAAAABQAAAAUAAAAGQAAABkAAAAAAAAABcAAAAUAAAAAAAAAAAAAAD/fwAA/38AAAAAAAAJAAAABAAAAAAAAAAeAAAAaAAAAAAAAAAAAAAAAAAAAAAAAAAAAAAAECcAABAnAAAAAAAAAAAAAAAAAAAAAAAAAAAAAAAAAAAAAAAAAAAAABQAAAAAAAAAwMD/AAAAAABkAAAAMgAAAAAAAABkAAAAAAAAAH9/fwAKAAAAIgAAABgAAAAAAAAAAAAAAAAAAAAAAAAAAAAAAAAAAAAkAAAAJAAAAAAAAAAHAAAAAAAAAAAAAAAAAAAAAAAAAAAAAAAAAAAAf39/ACUAAABYAAAAAAAAAAAAAAAAAAAAAAAAAAAAAAAAAAAAAAAAAAAAAAAAAAAAAAAAAAAAAAA/AAAAAAAAAKCGAQAAAAAAAAAAAAAAAAAMAAAAAQAAAAAAAAAAAAAAAAAAAB8AAABUAAAAAAAABQAAAAEAAAAAAAAAAAAAAAAAAAAAAAAAAAAAAAAAAAAAAAAAAAAAAAJ/f38AAAAAA8zMzADAwP8Af39/AAAAAAAAAAAAAAAAAAAAAAAAAAAAIQAAABgAAAAUAAAAwAMAALABAAAfNQAAsCUAABAAAAAmAAAACAAAAAMAAAAAAAAAMAAAABQAAAAAAAAAAAD//wAAAQAAAP//AAABAA=="/>
               </a:ext>
             </a:extLst>
           </p:cNvSpPr>
@@ -719,7 +719,7 @@
             <a:spLocks noGrp="1" noChangeArrowheads="1"/>
             <a:extLst>
               <a:ext uri="smNativeData">
-                <pr:smNativeData xmlns:pr="smNativeData" xmlns="smNativeData" val="SMDATA_16_V9F3ZxMAAAAlAAAAZAAAAA8BAAAAkAAAAEgAAACQAAAASAAAAAAAAAABAAAAAAAAAAEAAABQAAAAAAAAAAAA4D8AAAAAAADgPwAAAAAAAOA/AAAAAAAA4D8AAAAAAADgPwAAAAAAAOA/AAAAAAAA4D8AAAAAAADgPwAAAAAAAOA/AAAAAAAA4D8CAAAAjAAAAAAAAAAAAAAAu+DjDP///wgAAAAAAAAAAAAAAAAAAAAAAAAAAAAAAAAAAAAAZAAAAAEAAABAAAAAAAAAAAAAAAAAAAAAAAAAAAAAAAAAAAAAAAAAAAAAAAAAAAAAAAAAAAAAAAAAAAAAAAAAAAAAAAAAAAAAAAAAAAAAAAAAAAAAAAAAAAAAAAAAAAAAFAAAADwAAAAAAAAAAAAAAAAAAAkUAAAAAQAAABQAAAAUAAAAFAAAAAEAAAAAAAAAZAAAAGQAAAAAAAAAZAAAAGQAAAAVAAAAYAAAAAAAAAAAAAAADwAAACADAAAAAAAAAAAAAAEAAACgMgAAVgcAAKr4//8BAAAAf39/AAEAAABkAAAAAAAAABQAAABAHwAAAAAAACYAAAAAAAAAwOD//wAAAAAmAAAAZAAAABYAAABMAAAAAAAAAAAAAAAEAAAAAAAAAAEAAACAgIAKAAAAACgAAAAoAAAAZAAAAGQAAAAAAAAAzMzMAAAAAABQAAAAUAAAAGQAAABkAAAAAAAAABcAAAAUAAAAAAAAAAAAAAD/fwAA/38AAAAAAAAJAAAABAAAAAAAAAAeAAAAaAAAAAAAAAAAAAAAAAAAAAAAAAAAAAAAECcAABAnAAAAAAAAAAAAAAAAAAAAAAAAAAAAAAAAAAAAAAAAAAAAABQAAAAAAAAAwMD/AAAAAABkAAAAMgAAAAAAAABkAAAAAAAAAH9/fwAKAAAAIgAAABgAAAAAAAAAAAAAAAAAAAAAAAAAAAAAAAAAAAAkAAAAJAAAAAAAAAAHAAAAAAAAAAAAAAAAAAAAAAAAAAAAAAAAAAAAf39/ACUAAABYAAAAAAAAAAAAAAAAAAAAAAAAAAAAAAAAAAAAAAAAAAAAAAAAAAAAAAAAAAAAAAA/AAAAAAAAAKCGAQAAAAAAAAAAAAAAAAAMAAAAAQAAAAAAAAAAAAAAAAAAAB8AAABUAAAAAAAABQAAAAEAAAAAAAAAAAAAAAAAAAAAAAAAAAAAAAAAAAAAAAAAAAAAAAJ/f38AAAAAA8zMzADAwP8Af39/AAAAAAAAAAAAAAAAAAAAAAAAAAAAIQAAABgAAAAUAAAAwAMAABsnAAA/FQAAWSkAABAAAAAmAAAACAAAAAAAAAAAAAAAMAAAABQAAAAAAAAAAAD//wAAAQAAAP//AAABAA=="/>
+                <pr:smNativeData xmlns:pr="smNativeData" xmlns="smNativeData" val="SMDATA_16_CqSDZxMAAAAlAAAAZAAAAA8BAAAAkAAAAEgAAACQAAAASAAAAAAAAAABAAAAAAAAAAEAAABQAAAAAAAAAAAA4D8AAAAAAADgPwAAAAAAAOA/AAAAAAAA4D8AAAAAAADgPwAAAAAAAOA/AAAAAAAA4D8AAAAAAADgPwAAAAAAAOA/AAAAAAAA4D8CAAAAjAAAAAAAAAAAAAAAu+DjDP///wgAAAAAAAAAAAAAAAAAAAAAAAAAAAAAAAAAAAAAZAAAAAEAAABAAAAAAAAAAAAAAAAAAAAAAAAAAAAAAAAAAAAAAAAAAAAAAAAAAAAAAAAAAAAAAAAAAAAAAAAAAAAAAAAAAAAAAAAAAAAAAAAAAAAAAAAAAAAAAAAAAAAAFAAAADwAAAAAAAAAAAAAAAAAAAkUAAAAAQAAABQAAAAUAAAAFAAAAAEAAAAAAAAAZAAAAGQAAAAAAAAAZAAAAGQAAAAVAAAAYAAAAAAAAAAAAAAADwAAACADAAAAAAAAAAAAAAEAAACgMgAAVgcAAKr4//8BAAAAf39/AAEAAABkAAAAAAAAABQAAABAHwAAAAAAACYAAAAAAAAAwOD//wAAAAAmAAAAZAAAABYAAABMAAAAAAAAAAAAAAAEAAAAAAAAAAEAAACAgIAKAAAAACgAAAAoAAAAZAAAAGQAAAAAAAAAzMzMAAAAAABQAAAAUAAAAGQAAABkAAAAAAAAABcAAAAUAAAAAAAAAAAAAAD/fwAA/38AAAAAAAAJAAAABAAAAAAAAAAeAAAAaAAAAAAAAAAAAAAAAAAAAAAAAAAAAAAAECcAABAnAAAAAAAAAAAAAAAAAAAAAAAAAAAAAAAAAAAAAAAAAAAAABQAAAAAAAAAwMD/AAAAAABkAAAAMgAAAAAAAABkAAAAAAAAAH9/fwAKAAAAIgAAABgAAAAAAAAAAAAAAAAAAAAAAAAAAAAAAAAAAAAkAAAAJAAAAAAAAAAHAAAAAAAAAAAAAAAAAAAAAAAAAAAAAAAAAAAAf39/ACUAAABYAAAAAAAAAAAAAAAAAAAAAAAAAAAAAAAAAAAAAAAAAAAAAAAAAAAAAAAAAAAAAAA/AAAAAAAAAKCGAQAAAAAAAAAAAAAAAAAMAAAAAQAAAAAAAAAAAAAAAAAAAB8AAABUAAAAAAAABQAAAAEAAAAAAAAAAAAAAAAAAAAAAAAAAAAAAAAAAAAAAAAAAAAAAAJ/f38AAAAAA8zMzADAwP8Af39/AAAAAAAAAAAAAAAAAAAAAAAAAAAAIQAAABgAAAAUAAAAwAMAABsnAAA/FQAAWSkAABAAAAAmAAAACAAAAAAAAAAAAAAAMAAAABQAAAAAAAAAAAD//wAAAQAAAP//AAABAA=="/>
               </a:ext>
             </a:extLst>
           </p:cNvSpPr>
@@ -733,7 +733,7 @@
           <a:lstStyle/>
           <a:p>
             <a:pPr/>
-            <a:fld id="{3F80E2A3-EDD2-D514-9C38-1B41AC766A4E}" type="datetime1">
+            <a:fld id="{3F53A7DE-90D2-0651-9CEB-6604E9A56A33}" type="datetime1">
               <a:t/>
             </a:fld>
           </a:p>
@@ -746,7 +746,7 @@
             <a:spLocks noGrp="1" noChangeArrowheads="1"/>
             <a:extLst>
               <a:ext uri="smNativeData">
-                <pr:smNativeData xmlns:pr="smNativeData" xmlns="smNativeData" val="SMDATA_16_V9F3ZxMAAAAlAAAAZAAAAA8BAAAAkAAAAEgAAACQAAAASAAAAAAAAAABAAAAAAAAAAEAAABQAAAAAAAAAAAA4D8AAAAAAADgPwAAAAAAAOA/AAAAAAAA4D8AAAAAAADgPwAAAAAAAOA/AAAAAAAA4D8AAAAAAADgPwAAAAAAAOA/AAAAAAAA4D8CAAAAjAAAAAAAAAAAAAAAu+DjDP///wgAAAAAAAAAAAAAAAAAAAAAAAAAAAAAAAAAAAAAZAAAAAEAAABAAAAAAAAAAAAAAAAAAAAAAAAAAAAAAAAAAAAAAAAAAAAAAAAAAAAAAAAAAAAAAAAAAAAAAAAAAAAAAAAAAAAAAAAAAAAAAAAAAAAAAAAAAAAAAAAAAAAAFAAAADwAAAAAAAAAAAAAAAAAAAkUAAAAAQAAABQAAAAUAAAAFAAAAAEAAAAAAAAAZAAAAGQAAAAAAAAAZAAAAGQAAAAVAAAAYAAAAAAAAAAAAAAADwAAACADAAAAAAAAAAAAAAEAAACgMgAAVgcAAKr4//8BAAAAf39/AAEAAABkAAAAAAAAABQAAABAHwAAAAAAACYAAAAAAAAAwOD//wAAAAAmAAAAZAAAABYAAABMAAAAAAAAAAAAAAAEAAAAAAAAAAEAAACAgIAKAAAAACgAAAAoAAAAZAAAAGQAAAAAAAAAzMzMAAAAAABQAAAAUAAAAGQAAABkAAAAAAAAABcAAAAUAAAAAAAAAAAAAAD/fwAA/38AAAAAAAAJAAAABAAAAAAAAAAeAAAAaAAAAAAAAAAAAAAAAAAAAAAAAAAAAAAAECcAABAnAAAAAAAAAAAAAAAAAAAAAAAAAAAAAAAAAAAAAAAAAAAAABQAAAAAAAAAwMD/AAAAAABkAAAAMgAAAAAAAABkAAAAAAAAAH9/fwAKAAAAIgAAABgAAAAAAAAAAAAAAAAAAAAAAAAAAAAAAAAAAAAkAAAAJAAAAAAAAAAHAAAAAAAAAAAAAAAAAAAAAAAAAAAAAAAAAAAAf39/ACUAAABYAAAAAAAAAAAAAAAAAAAAAAAAAAAAAAAAAAAAAAAAAAAAAAAAAAAAAAAAAAAAAAA/AAAAAAAAAKCGAQAAAAAAAAAAAAAAAAAMAAAAAQAAAAAAAAAAAAAAAAAAAB8AAABUAAAAAAAABQAAAAEAAAAAAAAAAAAAAAAAAAAAAAAAAAAAAAAAAAAAAAAAAAAAAAJ/f38AAAAAA8zMzADAwP8Af39/AAAAAAAAAAAAAAAAAAAAAAAAAAAAIQAAABgAAAAUAAAAoRkAABsnAABfMQAAWSkAABAAAAAmAAAACAAAAAAAAAAAAAAAMAAAABQAAAAAAAAAAAD//wAAAQAAAP//AAABAA=="/>
+                <pr:smNativeData xmlns:pr="smNativeData" xmlns="smNativeData" val="SMDATA_16_CqSDZxMAAAAlAAAAZAAAAA8BAAAAkAAAAEgAAACQAAAASAAAAAAAAAABAAAAAAAAAAEAAABQAAAAAAAAAAAA4D8AAAAAAADgPwAAAAAAAOA/AAAAAAAA4D8AAAAAAADgPwAAAAAAAOA/AAAAAAAA4D8AAAAAAADgPwAAAAAAAOA/AAAAAAAA4D8CAAAAjAAAAAAAAAAAAAAAu+DjDP///wgAAAAAAAAAAAAAAAAAAAAAAAAAAAAAAAAAAAAAZAAAAAEAAABAAAAAAAAAAAAAAAAAAAAAAAAAAAAAAAAAAAAAAAAAAAAAAAAAAAAAAAAAAAAAAAAAAAAAAAAAAAAAAAAAAAAAAAAAAAAAAAAAAAAAAAAAAAAAAAAAAAAAFAAAADwAAAAAAAAAAAAAAAAAAAkUAAAAAQAAABQAAAAUAAAAFAAAAAEAAAAAAAAAZAAAAGQAAAAAAAAAZAAAAGQAAAAVAAAAYAAAAAAAAAAAAAAADwAAACADAAAAAAAAAAAAAAEAAACgMgAAVgcAAKr4//8BAAAAf39/AAEAAABkAAAAAAAAABQAAABAHwAAAAAAACYAAAAAAAAAwOD//wAAAAAmAAAAZAAAABYAAABMAAAAAAAAAAAAAAAEAAAAAAAAAAEAAACAgIAKAAAAACgAAAAoAAAAZAAAAGQAAAAAAAAAzMzMAAAAAABQAAAAUAAAAGQAAABkAAAAAAAAABcAAAAUAAAAAAAAAAAAAAD/fwAA/38AAAAAAAAJAAAABAAAAAAAAAAeAAAAaAAAAAAAAAAAAAAAAAAAAAAAAAAAAAAAECcAABAnAAAAAAAAAAAAAAAAAAAAAAAAAAAAAAAAAAAAAAAAAAAAABQAAAAAAAAAwMD/AAAAAABkAAAAMgAAAAAAAABkAAAAAAAAAH9/fwAKAAAAIgAAABgAAAAAAAAAAAAAAAAAAAAAAAAAAAAAAAAAAAAkAAAAJAAAAAAAAAAHAAAAAAAAAAAAAAAAAAAAAAAAAAAAAAAAAAAAf39/ACUAAABYAAAAAAAAAAAAAAAAAAAAAAAAAAAAAAAAAAAAAAAAAAAAAAAAAAAAAAAAAAAAAAA/AAAAAAAAAKCGAQAAAAAAAAAAAAAAAAAMAAAAAQAAAAAAAAAAAAAAAAAAAB8AAABUAAAAAAAABQAAAAEAAAAAAAAAAAAAAAAAAAAAAAAAAAAAAAAAAAAAAAAAAAAAAAJ/f38AAAAAA8zMzADAwP8Af39/AAAAAAAAAAAAAAAAAAAAAAAAAAAAIQAAABgAAAAUAAAAoRkAABsnAABfMQAAWSkAABAAAAAmAAAACAAAAAAAAAAAAAAAMAAAABQAAAAAAAAAAAD//wAAAQAAAP//AAABAA=="/>
               </a:ext>
             </a:extLst>
           </p:cNvSpPr>
@@ -770,7 +770,7 @@
             <a:spLocks noGrp="1" noChangeArrowheads="1"/>
             <a:extLst>
               <a:ext uri="smNativeData">
-                <pr:smNativeData xmlns:pr="smNativeData" xmlns="smNativeData" val="SMDATA_16_V9F3ZxMAAAAlAAAAZAAAAA8BAAAAkAAAAEgAAACQAAAASAAAAAAAAAABAAAAAAAAAAEAAABQAAAAAAAAAAAA4D8AAAAAAADgPwAAAAAAAOA/AAAAAAAA4D8AAAAAAADgPwAAAAAAAOA/AAAAAAAA4D8AAAAAAADgPwAAAAAAAOA/AAAAAAAA4D8CAAAAjAAAAAAAAAAAAAAAu+DjDP///wgAAAAAAAAAAAAAAAAAAAAAAAAAAAAAAAAAAAAAZAAAAAEAAABAAAAAAAAAAAAAAAAAAAAAAAAAAAAAAAAAAAAAAAAAAAAAAAAAAAAAAAAAAAAAAAAAAAAAAAAAAAAAAAAAAAAAAAAAAAAAAAAAAAAAAAAAAAAAAAAAAAAAFAAAADwAAAAAAAAAAAAAAAAAAAkUAAAAAQAAABQAAAAUAAAAFAAAAAEAAAAAAAAAZAAAAGQAAAAAAAAAZAAAAGQAAAAVAAAAYAAAAAAAAAAAAAAADwAAACADAAAAAAAAAAAAAAEAAACgMgAAVgcAAKr4//8BAAAAf39/AAEAAABkAAAAAAAAABQAAABAHwAAAAAAACYAAAAAAAAAwOD//wAAAAAmAAAAZAAAABYAAABMAAAAAAAAAAAAAAAEAAAAAAAAAAEAAACAgIAKAAAAACgAAAAoAAAAZAAAAGQAAAAAAAAAzMzMAAAAAABQAAAAUAAAAGQAAABkAAAAAAAAABcAAAAUAAAAAAAAAAAAAAD/fwAA/38AAAAAAAAJAAAABAAAAAAAAAAeAAAAaAAAAAAAAAAAAAAAAAAAAAAAAAAAAAAAECcAABAnAAAAAAAAAAAAAAAAAAAAAAAAAAAAAAAAAAAAAAAAAAAAABQAAAAAAAAAwMD/AAAAAABkAAAAMgAAAAAAAABkAAAAAAAAAH9/fwAKAAAAIgAAABgAAAAAAAAAAAAAAAAAAAAAAAAAAAAAAAAAAAAkAAAAJAAAAAAAAAAHAAAAAAAAAAAAAAAAAAAAAAAAAAAAAAAAAAAAf39/ACUAAABYAAAAAAAAAAAAAAAAAAAAAAAAAAAAAAAAAAAAAAAAAAAAAAAAAAAAAAAAAAAAAAA/AAAAAAAAAKCGAQAAAAAAAAAAAAAAAAAMAAAAAQAAAAAAAAAAAAAAAAAAAB8AAABUAAAAAAAABQAAAAEAAAAAAAAAAAAAAAAAAAAAAAAAAAAAAAAAAAAAAAAAAAAAAAJ/f38AAAAAA8zMzADAwP8Af39/AAAAAAAAAAAAAAAAAAAAAAAAAAAAIQAAABgAAAAUAAAAwTUAABsnAABARwAAWSkAABAAAAAmAAAACAAAAAAAAAAAAAAAMAAAABQAAAAAAAAAAAD//wAAAQAAAP//AAABAA=="/>
+                <pr:smNativeData xmlns:pr="smNativeData" xmlns="smNativeData" val="SMDATA_16_CqSDZxMAAAAlAAAAZAAAAA8BAAAAkAAAAEgAAACQAAAASAAAAAAAAAABAAAAAAAAAAEAAABQAAAAAAAAAAAA4D8AAAAAAADgPwAAAAAAAOA/AAAAAAAA4D8AAAAAAADgPwAAAAAAAOA/AAAAAAAA4D8AAAAAAADgPwAAAAAAAOA/AAAAAAAA4D8CAAAAjAAAAAAAAAAAAAAAu+DjDP///wgAAAAAAAAAAAAAAAAAAAAAAAAAAAAAAAAAAAAAZAAAAAEAAABAAAAAAAAAAAAAAAAAAAAAAAAAAAAAAAAAAAAAAAAAAAAAAAAAAAAAAAAAAAAAAAAAAAAAAAAAAAAAAAAAAAAAAAAAAAAAAAAAAAAAAAAAAAAAAAAAAAAAFAAAADwAAAAAAAAAAAAAAAAAAAkUAAAAAQAAABQAAAAUAAAAFAAAAAEAAAAAAAAAZAAAAGQAAAAAAAAAZAAAAGQAAAAVAAAAYAAAAAAAAAAAAAAADwAAACADAAAAAAAAAAAAAAEAAACgMgAAVgcAAKr4//8BAAAAf39/AAEAAABkAAAAAAAAABQAAABAHwAAAAAAACYAAAAAAAAAwOD//wAAAAAmAAAAZAAAABYAAABMAAAAAAAAAAAAAAAEAAAAAAAAAAEAAACAgIAKAAAAACgAAAAoAAAAZAAAAGQAAAAAAAAAzMzMAAAAAABQAAAAUAAAAGQAAABkAAAAAAAAABcAAAAUAAAAAAAAAAAAAAD/fwAA/38AAAAAAAAJAAAABAAAAAAAAAAeAAAAaAAAAAAAAAAAAAAAAAAAAAAAAAAAAAAAECcAABAnAAAAAAAAAAAAAAAAAAAAAAAAAAAAAAAAAAAAAAAAAAAAABQAAAAAAAAAwMD/AAAAAABkAAAAMgAAAAAAAABkAAAAAAAAAH9/fwAKAAAAIgAAABgAAAAAAAAAAAAAAAAAAAAAAAAAAAAAAAAAAAAkAAAAJAAAAAAAAAAHAAAAAAAAAAAAAAAAAAAAAAAAAAAAAAAAAAAAf39/ACUAAABYAAAAAAAAAAAAAAAAAAAAAAAAAAAAAAAAAAAAAAAAAAAAAAAAAAAAAAAAAAAAAAA/AAAAAAAAAKCGAQAAAAAAAAAAAAAAAAAMAAAAAQAAAAAAAAAAAAAAAAAAAB8AAABUAAAAAAAABQAAAAEAAAAAAAAAAAAAAAAAAAAAAAAAAAAAAAAAAAAAAAAAAAAAAAJ/f38AAAAAA8zMzADAwP8Af39/AAAAAAAAAAAAAAAAAAAAAAAAAAAAIQAAABgAAAAUAAAAwTUAABsnAABARwAAWSkAABAAAAAmAAAACAAAAAAAAAAAAAAAMAAAABQAAAAAAAAAAAD//wAAAQAAAP//AAABAA=="/>
               </a:ext>
             </a:extLst>
           </p:cNvSpPr>
@@ -784,7 +784,7 @@
           <a:lstStyle/>
           <a:p>
             <a:pPr/>
-            <a:fld id="{3F80B5F3-BDD2-D543-9C38-4B16FB766A1E}" type="slidenum">
+            <a:fld id="{3F53A8A8-E6D2-065E-9CEB-100BE6A56A45}" type="slidenum">
               <a:t/>
             </a:fld>
           </a:p>
@@ -823,7 +823,7 @@
             <a:spLocks noGrp="1" noChangeArrowheads="1"/>
             <a:extLst>
               <a:ext uri="smNativeData">
-                <pr:smNativeData xmlns:pr="smNativeData" xmlns="smNativeData" val="SMDATA_16_V9F3ZxMAAAAlAAAAZAAAAA8BAAAAkAAAAEgAAACQAAAASAAAAAAAAAABAAAAAAAAAAEAAABQAAAAAAAAAAAA4D8AAAAAAADgPwAAAAAAAOA/AAAAAAAA4D8AAAAAAADgPwAAAAAAAOA/AAAAAAAA4D8AAAAAAADgPwAAAAAAAOA/AAAAAAAA4D8CAAAAjAAAAAAAAAAAAAAAu+DjDP///wgAAAAAAAAAAAAAAAAAAAAAAAAAAAAAAAAAAAAAZAAAAAEAAABAAAAAAAAAAAAAAAAAAAAAAAAAAAAAAAAAAAAAAAAAAAAAAAAAAAAAAAAAAAAAAAAAAAAAAAAAAAAAAAAAAAAAAAAAAAAAAAAAAAAAAAAAAAAAAAAAAAAAFAAAADwAAAAAAAAAAAAAAAAAAAkUAAAAAQAAABQAAAAUAAAAFAAAAAEAAAAAAAAAZAAAAGQAAAAAAAAAZAAAAGQAAAAVAAAAYAAAAAAAAAAAAAAADwAAACADAAAAAAAAAAAAAAEAAACgMgAAVgcAAKr4//8BAAAAf39/AAEAAABkAAAAAAAAABQAAABAHwAAAAAAACYAAAAAAAAAwOD//wAAAAAmAAAAZAAAABYAAABMAAAAAAAAAAAAAAAEAAAAAAAAAAEAAACAgIAKAAAAACgAAAAoAAAAZAAAAGQAAAAAAAAAzMzMAAAAAABQAAAAUAAAAGQAAABkAAAAAAAAABcAAAAUAAAAAAAAAAAAAAD/fwAA/38AAAAAAAAJAAAABAAAAAAAAAAeAAAAaAAAAAAAAAAAAAAAAAAAAAAAAAAAAAAAECcAABAnAAAAAAAAAAAAAAAAAAAAAAAAAAAAAAAAAAAAAAAAAAAAABQAAAAAAAAAwMD/AAAAAABkAAAAMgAAAAAAAABkAAAAAAAAAH9/fwAKAAAAIgAAABgAAAAAAAAAAAAAAAAAAAAAAAAAAAAAAAAAAAAkAAAAJAAAAAAAAAAHAAAAAAAAAAAAAAAAAAAAAAAAAAAAAAAAAAAAf39/ACUAAABYAAAAAAAAAAAAAAAAAAAAAAAAAAAAAAAAAAAAAAAAAAAAAAAAAAAAAAAAAAAAAAA/AAAAAAAAAKCGAQAAAAAAAAAAAAAAAAAMAAAAAQAAAAAAAAAAAAAAAAAAAB8AAABUAAAAAAAABQAAAAEAAAAAAAAAAAAAAAAAAAAAAAAAAAAAAAAAAAAAAAAAAAAAAAJ/f38AAAAAA8zMzADAwP8Af39/AAAAAAAAAAAAAAAAAAAAAAAAAAAAIQAAABgAAAAUAAAAwAMAALABAABARwAAuAgAABAAAAAmAAAACAAAAAAAAAAAAAAAMAAAABQAAAAAAAAAAAD//wAAAQAAAP//AAABAA=="/>
+                <pr:smNativeData xmlns:pr="smNativeData" xmlns="smNativeData" val="SMDATA_16_CqSDZxMAAAAlAAAAZAAAAA8BAAAAkAAAAEgAAACQAAAASAAAAAAAAAABAAAAAAAAAAEAAABQAAAAAAAAAAAA4D8AAAAAAADgPwAAAAAAAOA/AAAAAAAA4D8AAAAAAADgPwAAAAAAAOA/AAAAAAAA4D8AAAAAAADgPwAAAAAAAOA/AAAAAAAA4D8CAAAAjAAAAAAAAAAAAAAAu+DjDP///wgAAAAAAAAAAAAAAAAAAAAAAAAAAAAAAAAAAAAAZAAAAAEAAABAAAAAAAAAAAAAAAAAAAAAAAAAAAAAAAAAAAAAAAAAAAAAAAAAAAAAAAAAAAAAAAAAAAAAAAAAAAAAAAAAAAAAAAAAAAAAAAAAAAAAAAAAAAAAAAAAAAAAFAAAADwAAAAAAAAAAAAAAAAAAAkUAAAAAQAAABQAAAAUAAAAFAAAAAEAAAAAAAAAZAAAAGQAAAAAAAAAZAAAAGQAAAAVAAAAYAAAAAAAAAAAAAAADwAAACADAAAAAAAAAAAAAAEAAACgMgAAVgcAAKr4//8BAAAAf39/AAEAAABkAAAAAAAAABQAAABAHwAAAAAAACYAAAAAAAAAwOD//wAAAAAmAAAAZAAAABYAAABMAAAAAAAAAAAAAAAEAAAAAAAAAAEAAACAgIAKAAAAACgAAAAoAAAAZAAAAGQAAAAAAAAAzMzMAAAAAABQAAAAUAAAAGQAAABkAAAAAAAAABcAAAAUAAAAAAAAAAAAAAD/fwAA/38AAAAAAAAJAAAABAAAAAAAAAAeAAAAaAAAAAAAAAAAAAAAAAAAAAAAAAAAAAAAECcAABAnAAAAAAAAAAAAAAAAAAAAAAAAAAAAAAAAAAAAAAAAAAAAABQAAAAAAAAAwMD/AAAAAABkAAAAMgAAAAAAAABkAAAAAAAAAH9/fwAKAAAAIgAAABgAAAAAAAAAAAAAAAAAAAAAAAAAAAAAAAAAAAAkAAAAJAAAAAAAAAAHAAAAAAAAAAAAAAAAAAAAAAAAAAAAAAAAAAAAf39/ACUAAABYAAAAAAAAAAAAAAAAAAAAAAAAAAAAAAAAAAAAAAAAAAAAAAAAAAAAAAAAAAAAAAA/AAAAAAAAAKCGAQAAAAAAAAAAAAAAAAAMAAAAAQAAAAAAAAAAAAAAAAAAAB8AAABUAAAAAAAABQAAAAEAAAAAAAAAAAAAAAAAAAAAAAAAAAAAAAAAAAAAAAAAAAAAAAJ/f38AAAAAA8zMzADAwP8Af39/AAAAAAAAAAAAAAAAAAAAAAAAAAAAIQAAABgAAAAUAAAAwAMAALABAABARwAAuAgAABAAAAAmAAAACAAAAAAAAAAAAAAAMAAAABQAAAAAAAAAAAD//wAAAQAAAP//AAABAA=="/>
               </a:ext>
             </a:extLst>
           </p:cNvSpPr>
@@ -850,7 +850,7 @@
             <a:spLocks noGrp="1" noChangeArrowheads="1"/>
             <a:extLst>
               <a:ext uri="smNativeData">
-                <pr:smNativeData xmlns:pr="smNativeData" xmlns="smNativeData" val="SMDATA_16_V9F3ZxMAAAAlAAAAZAAAAA8BAAAAkAAAAEgAAACQAAAASAAAAAAAAAAAAAAAAAAAAAEAAABQAAAAAAAAAAAA4D8AAAAAAADgPwAAAAAAAOA/AAAAAAAA4D8AAAAAAADgPwAAAAAAAOA/AAAAAAAA4D8AAAAAAADgPwAAAAAAAOA/AAAAAAAA4D8CAAAAjAAAAAAAAAAAAAAAu+DjDP///wgAAAAAAAAAAAAAAAAAAAAAAAAAAAAAAAAAAAAAZAAAAAEAAABAAAAAAAAAAAAAAAAAAAAAAAAAAAAAAAAAAAAAAAAAAAAAAAAAAAAAAAAAAAAAAAAAAAAAAAAAAAAAAAAAAAAAAAAAAAAAAAAAAAAAAAAAAAAAAAAAAAAAFAAAADwAAAAAAAAAAAAAAAAAAAkUAAAAAQAAABQAAAAUAAAAFAAAAAEAAAAAAAAAZAAAAGQAAAAAAAAAZAAAAGQAAAAVAAAAYAAAAAAAAAAAAAAADwAAACADAAAAAAAAAAAAAAEAAACgMgAAVgcAAKr4//8BAAAAf39/AAEAAABkAAAAAAAAABQAAABAHwAAAAAAACYAAAAAAAAAwOD//wAAAAAmAAAAZAAAABYAAABMAAAAAAAAAAAAAAAEAAAAAAAAAAEAAACAgIAKAAAAACgAAAAoAAAAZAAAAGQAAAAAAAAAzMzMAAAAAABQAAAAUAAAAGQAAABkAAAAAAAAABcAAAAUAAAAAAAAAAAAAAD/fwAA/38AAAAAAAAJAAAABAAAAAAAAAAeAAAAaAAAAAAAAAAAAAAAAAAAAAAAAAAAAAAAECcAABAnAAAAAAAAAAAAAAAAAAAAAAAAAAAAAAAAAAAAAAAAAAAAABQAAAAAAAAAwMD/AAAAAABkAAAAMgAAAAAAAABkAAAAAAAAAH9/fwAKAAAAIgAAABgAAAAAAAAAAAAAAAAAAAAAAAAAAAAAAAAAAAAkAAAAJAAAAAAAAAAHAAAAAAAAAAAAAAAAAAAAAAAAAAAAAAAAAAAAf39/ACUAAABYAAAAAAAAAAAAAAAAAAAAAAAAAAAAAAAAAAAAAAAAAAAAAAAAAAAAAAAAAAAAAAA/AAAAAAAAAKCGAQAAAAAAAAAAAAAAAAAMAAAAAQAAAAAAAAAAAAAAAAAAAB8AAABUAAAAAAAABQAAAAEAAAAAAAAAAAAAAAAAAAAAAAAAAAAAAAAAAAAAAAAAAAAAAAJ/f38AAAAAA8zMzADAwP8Af39/AAAAAAAAAAAAAAAAAAAAAAAAAAAAIQAAABgAAAAUAAAAwAMAANgJAABARwAAsCUAABAAAAAmAAAACAAAAAAAAAAAAAAAMAAAABQAAAAAAAAAAAD//wAAAQAAAP//AAABAA=="/>
+                <pr:smNativeData xmlns:pr="smNativeData" xmlns="smNativeData" val="SMDATA_16_CqSDZxMAAAAlAAAAZAAAAA8BAAAAkAAAAEgAAACQAAAASAAAAAAAAAAAAAAAAAAAAAEAAABQAAAAAAAAAAAA4D8AAAAAAADgPwAAAAAAAOA/AAAAAAAA4D8AAAAAAADgPwAAAAAAAOA/AAAAAAAA4D8AAAAAAADgPwAAAAAAAOA/AAAAAAAA4D8CAAAAjAAAAAAAAAAAAAAAu+DjDP///wgAAAAAAAAAAAAAAAAAAAAAAAAAAAAAAAAAAAAAZAAAAAEAAABAAAAAAAAAAAAAAAAAAAAAAAAAAAAAAAAAAAAAAAAAAAAAAAAAAAAAAAAAAAAAAAAAAAAAAAAAAAAAAAAAAAAAAAAAAAAAAAAAAAAAAAAAAAAAAAAAAAAAFAAAADwAAAAAAAAAAAAAAAAAAAkUAAAAAQAAABQAAAAUAAAAFAAAAAEAAAAAAAAAZAAAAGQAAAAAAAAAZAAAAGQAAAAVAAAAYAAAAAAAAAAAAAAADwAAACADAAAAAAAAAAAAAAEAAACgMgAAVgcAAKr4//8BAAAAf39/AAEAAABkAAAAAAAAABQAAABAHwAAAAAAACYAAAAAAAAAwOD//wAAAAAmAAAAZAAAABYAAABMAAAAAAAAAAAAAAAEAAAAAAAAAAEAAACAgIAKAAAAACgAAAAoAAAAZAAAAGQAAAAAAAAAzMzMAAAAAABQAAAAUAAAAGQAAABkAAAAAAAAABcAAAAUAAAAAAAAAAAAAAD/fwAA/38AAAAAAAAJAAAABAAAAAAAAAAeAAAAaAAAAAAAAAAAAAAAAAAAAAAAAAAAAAAAECcAABAnAAAAAAAAAAAAAAAAAAAAAAAAAAAAAAAAAAAAAAAAAAAAABQAAAAAAAAAwMD/AAAAAABkAAAAMgAAAAAAAABkAAAAAAAAAH9/fwAKAAAAIgAAABgAAAAAAAAAAAAAAAAAAAAAAAAAAAAAAAAAAAAkAAAAJAAAAAAAAAAHAAAAAAAAAAAAAAAAAAAAAAAAAAAAAAAAAAAAf39/ACUAAABYAAAAAAAAAAAAAAAAAAAAAAAAAAAAAAAAAAAAAAAAAAAAAAAAAAAAAAAAAAAAAAA/AAAAAAAAAKCGAQAAAAAAAAAAAAAAAAAMAAAAAQAAAAAAAAAAAAAAAAAAAB8AAABUAAAAAAAABQAAAAEAAAAAAAAAAAAAAAAAAAAAAAAAAAAAAAAAAAAAAAAAAAAAAAJ/f38AAAAAA8zMzADAwP8Af39/AAAAAAAAAAAAAAAAAAAAAAAAAAAAIQAAABgAAAAUAAAAwAMAANgJAABARwAAsCUAABAAAAAmAAAACAAAAAAAAAAAAAAAMAAAABQAAAAAAAAAAAD//wAAAQAAAP//AAABAA=="/>
               </a:ext>
             </a:extLst>
           </p:cNvSpPr>
@@ -901,7 +901,7 @@
             <a:spLocks noGrp="1" noChangeArrowheads="1"/>
             <a:extLst>
               <a:ext uri="smNativeData">
-                <pr:smNativeData xmlns:pr="smNativeData" xmlns="smNativeData" val="SMDATA_16_V9F3ZxMAAAAlAAAAZAAAAA8BAAAAkAAAAEgAAACQAAAASAAAAAAAAAABAAAAAAAAAAEAAABQAAAAAAAAAAAA4D8AAAAAAADgPwAAAAAAAOA/AAAAAAAA4D8AAAAAAADgPwAAAAAAAOA/AAAAAAAA4D8AAAAAAADgPwAAAAAAAOA/AAAAAAAA4D8CAAAAjAAAAAAAAAAAAAAAu+DjDP///wgAAAAAAAAAAAAAAAAAAAAAAAAAAAAAAAAAAAAAZAAAAAEAAABAAAAAAAAAAAAAAAAAAAAAAAAAAAAAAAAAAAAAAAAAAAAAAAAAAAAAAAAAAAAAAAAAAAAAAAAAAAAAAAAAAAAAAAAAAAAAAAAAAAAAAAAAAAAAAAAAAAAAFAAAADwAAAAAAAAAAAAAAAAAAAkUAAAAAQAAABQAAAAUAAAAFAAAAAEAAAAAAAAAZAAAAGQAAAAAAAAAZAAAAGQAAAAVAAAAYAAAAAAAAAAAAAAADwAAACADAAAAAAAAAAAAAAEAAACgMgAAVgcAAKr4//8BAAAAf39/AAEAAABkAAAAAAAAABQAAABAHwAAAAAAACYAAAAAAAAAwOD//wAAAAAmAAAAZAAAABYAAABMAAAAAAAAAAAAAAAEAAAAAAAAAAEAAACAgIAKAAAAACgAAAAoAAAAZAAAAGQAAAAAAAAAzMzMAAAAAABQAAAAUAAAAGQAAABkAAAAAAAAABcAAAAUAAAAAAAAAAAAAAD/fwAA/38AAAAAAAAJAAAABAAAANw7IAEeAAAAaAAAAAAAAAAAAAAAAAAAAAAAAAAAAAAAECcAABAnAAAAAAAAAAAAAAAAAAAAAAAAAAAAAAAAAAAAAAAAAAAAABQAAAAAAAAAwMD/AAAAAABkAAAAMgAAAAAAAABkAAAAAAAAAH9/fwAKAAAAIgAAABgAAAAAAAAAAAAAAAAAAAAAAAAAAAAAAAAAAAAkAAAAJAAAAAAAAAAHAAAAAAAAAAAAAAAAAAAAAAAAAAAAAAAAAAAAf39/ACUAAABYAAAAAAAAAAAAAAAAAAAAAAAAAAAAAAAAAAAAAAAAAAAAAAAAAAAAAAAAAAAAAAA/AAAAAAAAAKCGAQAAAAAAAAAAAAAAAAAMAAAAAQAAAAAAAAAAAAAAAAAAAB8AAABUAAAAAAAABQAAAAEAAAAAAAAAAAAAAAAAAAAAAAAAAAAAAAAAAAAAAAAAAAAAAAJ/f38AAAAAA8zMzADAwP8Af39/AAAAAAAAAAAAAAAAAAAAAAAAAAAAIQAAABgAAAAUAAAAwAMAABsnAAA/FQAAWSkAABAAAAAmAAAACAAAAAAAAAAAAAAAMAAAABQAAAAAAAAAAAD//wAAAQAAAP//AAABAA=="/>
+                <pr:smNativeData xmlns:pr="smNativeData" xmlns="smNativeData" val="SMDATA_16_CqSDZxMAAAAlAAAAZAAAAA8BAAAAkAAAAEgAAACQAAAASAAAAAAAAAABAAAAAAAAAAEAAABQAAAAAAAAAAAA4D8AAAAAAADgPwAAAAAAAOA/AAAAAAAA4D8AAAAAAADgPwAAAAAAAOA/AAAAAAAA4D8AAAAAAADgPwAAAAAAAOA/AAAAAAAA4D8CAAAAjAAAAAAAAAAAAAAAu+DjDP///wgAAAAAAAAAAAAAAAAAAAAAAAAAAAAAAAAAAAAAZAAAAAEAAABAAAAAAAAAAAAAAAAAAAAAAAAAAAAAAAAAAAAAAAAAAAAAAAAAAAAAAAAAAAAAAAAAAAAAAAAAAAAAAAAAAAAAAAAAAAAAAAAAAAAAAAAAAAAAAAAAAAAAFAAAADwAAAAAAAAAAAAAAAAAAAkUAAAAAQAAABQAAAAUAAAAFAAAAAEAAAAAAAAAZAAAAGQAAAAAAAAAZAAAAGQAAAAVAAAAYAAAAAAAAAAAAAAADwAAACADAAAAAAAAAAAAAAEAAACgMgAAVgcAAKr4//8BAAAAf39/AAEAAABkAAAAAAAAABQAAABAHwAAAAAAACYAAAAAAAAAwOD//wAAAAAmAAAAZAAAABYAAABMAAAAAAAAAAAAAAAEAAAAAAAAAAEAAACAgIAKAAAAACgAAAAoAAAAZAAAAGQAAAAAAAAAzMzMAAAAAABQAAAAUAAAAGQAAABkAAAAAAAAABcAAAAUAAAAAAAAAAAAAAD/fwAA/38AAAAAAAAJAAAABAAAANw7IAEeAAAAaAAAAAAAAAAAAAAAAAAAAAAAAAAAAAAAECcAABAnAAAAAAAAAAAAAAAAAAAAAAAAAAAAAAAAAAAAAAAAAAAAABQAAAAAAAAAwMD/AAAAAABkAAAAMgAAAAAAAABkAAAAAAAAAH9/fwAKAAAAIgAAABgAAAAAAAAAAAAAAAAAAAAAAAAAAAAAAAAAAAAkAAAAJAAAAAAAAAAHAAAAAAAAAAAAAAAAAAAAAAAAAAAAAAAAAAAAf39/ACUAAABYAAAAAAAAAAAAAAAAAAAAAAAAAAAAAAAAAAAAAAAAAAAAAAAAAAAAAAAAAAAAAAA/AAAAAAAAAKCGAQAAAAAAAAAAAAAAAAAMAAAAAQAAAAAAAAAAAAAAAAAAAB8AAABUAAAAAAAABQAAAAEAAAAAAAAAAAAAAAAAAAAAAAAAAAAAAAAAAAAAAAAAAAAAAAJ/f38AAAAAA8zMzADAwP8Af39/AAAAAAAAAAAAAAAAAAAAAAAAAAAAIQAAABgAAAAUAAAAwAMAABsnAAA/FQAAWSkAABAAAAAmAAAACAAAAAAAAAAAAAAAMAAAABQAAAAAAAAAAAD//wAAAQAAAP//AAABAA=="/>
               </a:ext>
             </a:extLst>
           </p:cNvSpPr>
@@ -915,7 +915,7 @@
           <a:lstStyle/>
           <a:p>
             <a:pPr/>
-            <a:fld id="{3F80DFB2-FCD2-D529-9C38-0A7C91766A5F}" type="datetime1">
+            <a:fld id="{3F53903F-71D2-0666-9CEB-8733DEA56AD2}" type="datetime1">
               <a:t/>
             </a:fld>
           </a:p>
@@ -928,7 +928,7 @@
             <a:spLocks noGrp="1" noChangeArrowheads="1"/>
             <a:extLst>
               <a:ext uri="smNativeData">
-                <pr:smNativeData xmlns:pr="smNativeData" xmlns="smNativeData" val="SMDATA_16_V9F3ZxMAAAAlAAAAZAAAAA8BAAAAkAAAAEgAAACQAAAASAAAAAAAAAABAAAAAAAAAAEAAABQAAAAAAAAAAAA4D8AAAAAAADgPwAAAAAAAOA/AAAAAAAA4D8AAAAAAADgPwAAAAAAAOA/AAAAAAAA4D8AAAAAAADgPwAAAAAAAOA/AAAAAAAA4D8CAAAAjAAAAAAAAAAAAAAAu+DjDP///wgAAAAAAAAAAAAAAAAAAAAAAAAAAAAAAAAAAAAAZAAAAAEAAABAAAAAAAAAAAAAAAAAAAAAAAAAAAAAAAAAAAAAAAAAAAAAAAAAAAAAAAAAAAAAAAAAAAAAAAAAAAAAAAAAAAAAAAAAAAAAAAAAAAAAAAAAAAAAAAAAAAAAFAAAADwAAAAAAAAAAAAAAAAAAAkUAAAAAQAAABQAAAAUAAAAFAAAAAEAAAAAAAAAZAAAAGQAAAAAAAAAZAAAAGQAAAAVAAAAYAAAAAAAAAAAAAAADwAAACADAAAAAAAAAAAAAAEAAACgMgAAVgcAAKr4//8BAAAAf39/AAEAAABkAAAAAAAAABQAAABAHwAAAAAAACYAAAAAAAAAwOD//wAAAAAmAAAAZAAAABYAAABMAAAAAAAAAAAAAAAEAAAAAAAAAAEAAACAgIAKAAAAACgAAAAoAAAAZAAAAGQAAAAAAAAAzMzMAAAAAABQAAAAUAAAAGQAAABkAAAAAAAAABcAAAAUAAAAAAAAAAAAAAD/fwAA/38AAAAAAAAJAAAABAAAANw7IAEeAAAAaAAAAAAAAAAAAAAAAAAAAAAAAAAAAAAAECcAABAnAAAAAAAAAAAAAAAAAAAAAAAAAAAAAAAAAAAAAAAAAAAAABQAAAAAAAAAwMD/AAAAAABkAAAAMgAAAAAAAABkAAAAAAAAAH9/fwAKAAAAIgAAABgAAAAAAAAAAAAAAAAAAAAAAAAAAAAAAAAAAAAkAAAAJAAAAAAAAAAHAAAAAAAAAAAAAAAAAAAAAAAAAAAAAAAAAAAAf39/ACUAAABYAAAAAAAAAAAAAAAAAAAAAAAAAAAAAAAAAAAAAAAAAAAAAAAAAAAAAAAAAAAAAAA/AAAAAAAAAKCGAQAAAAAAAAAAAAAAAAAMAAAAAQAAAAAAAAAAAAAAAAAAAB8AAABUAAAAAAAABQAAAAEAAAAAAAAAAAAAAAAAAAAAAAAAAAAAAAAAAAAAAAAAAAAAAAJ/f38AAAAAA8zMzADAwP8Af39/AAAAAAAAAAAAAAAAAAAAAAAAAAAAIQAAABgAAAAUAAAAoRkAABsnAABfMQAAWSkAABAAAAAmAAAACAAAAAAAAAAAAAAAMAAAABQAAAAAAAAAAAD//wAAAQAAAP//AAABAA=="/>
+                <pr:smNativeData xmlns:pr="smNativeData" xmlns="smNativeData" val="SMDATA_16_CqSDZxMAAAAlAAAAZAAAAA8BAAAAkAAAAEgAAACQAAAASAAAAAAAAAABAAAAAAAAAAEAAABQAAAAAAAAAAAA4D8AAAAAAADgPwAAAAAAAOA/AAAAAAAA4D8AAAAAAADgPwAAAAAAAOA/AAAAAAAA4D8AAAAAAADgPwAAAAAAAOA/AAAAAAAA4D8CAAAAjAAAAAAAAAAAAAAAu+DjDP///wgAAAAAAAAAAAAAAAAAAAAAAAAAAAAAAAAAAAAAZAAAAAEAAABAAAAAAAAAAAAAAAAAAAAAAAAAAAAAAAAAAAAAAAAAAAAAAAAAAAAAAAAAAAAAAAAAAAAAAAAAAAAAAAAAAAAAAAAAAAAAAAAAAAAAAAAAAAAAAAAAAAAAFAAAADwAAAAAAAAAAAAAAAAAAAkUAAAAAQAAABQAAAAUAAAAFAAAAAEAAAAAAAAAZAAAAGQAAAAAAAAAZAAAAGQAAAAVAAAAYAAAAAAAAAAAAAAADwAAACADAAAAAAAAAAAAAAEAAACgMgAAVgcAAKr4//8BAAAAf39/AAEAAABkAAAAAAAAABQAAABAHwAAAAAAACYAAAAAAAAAwOD//wAAAAAmAAAAZAAAABYAAABMAAAAAAAAAAAAAAAEAAAAAAAAAAEAAACAgIAKAAAAACgAAAAoAAAAZAAAAGQAAAAAAAAAzMzMAAAAAABQAAAAUAAAAGQAAABkAAAAAAAAABcAAAAUAAAAAAAAAAAAAAD/fwAA/38AAAAAAAAJAAAABAAAANw7IAEeAAAAaAAAAAAAAAAAAAAAAAAAAAAAAAAAAAAAECcAABAnAAAAAAAAAAAAAAAAAAAAAAAAAAAAAAAAAAAAAAAAAAAAABQAAAAAAAAAwMD/AAAAAABkAAAAMgAAAAAAAABkAAAAAAAAAH9/fwAKAAAAIgAAABgAAAAAAAAAAAAAAAAAAAAAAAAAAAAAAAAAAAAkAAAAJAAAAAAAAAAHAAAAAAAAAAAAAAAAAAAAAAAAAAAAAAAAAAAAf39/ACUAAABYAAAAAAAAAAAAAAAAAAAAAAAAAAAAAAAAAAAAAAAAAAAAAAAAAAAAAAAAAAAAAAA/AAAAAAAAAKCGAQAAAAAAAAAAAAAAAAAMAAAAAQAAAAAAAAAAAAAAAAAAAB8AAABUAAAAAAAABQAAAAEAAAAAAAAAAAAAAAAAAAAAAAAAAAAAAAAAAAAAAAAAAAAAAAJ/f38AAAAAA8zMzADAwP8Af39/AAAAAAAAAAAAAAAAAAAAAAAAAAAAIQAAABgAAAAUAAAAoRkAABsnAABfMQAAWSkAABAAAAAmAAAACAAAAAAAAAAAAAAAMAAAABQAAAAAAAAAAAD//wAAAQAAAP//AAABAA=="/>
               </a:ext>
             </a:extLst>
           </p:cNvSpPr>
@@ -952,7 +952,7 @@
             <a:spLocks noGrp="1" noChangeArrowheads="1"/>
             <a:extLst>
               <a:ext uri="smNativeData">
-                <pr:smNativeData xmlns:pr="smNativeData" xmlns="smNativeData" val="SMDATA_16_V9F3ZxMAAAAlAAAAZAAAAA8BAAAAkAAAAEgAAACQAAAASAAAAAAAAAABAAAAAAAAAAEAAABQAAAAAAAAAAAA4D8AAAAAAADgPwAAAAAAAOA/AAAAAAAA4D8AAAAAAADgPwAAAAAAAOA/AAAAAAAA4D8AAAAAAADgPwAAAAAAAOA/AAAAAAAA4D8CAAAAjAAAAAAAAAAAAAAAu+DjDP///wgAAAAAAAAAAAAAAAAAAAAAAAAAAAAAAAAAAAAAZAAAAAEAAABAAAAAAAAAAAAAAAAAAAAAAAAAAAAAAAAAAAAAAAAAAAAAAAAAAAAAAAAAAAAAAAAAAAAAAAAAAAAAAAAAAAAAAAAAAAAAAAAAAAAAAAAAAAAAAAAAAAAAFAAAADwAAAAAAAAAAAAAAAAAAAkUAAAAAQAAABQAAAAUAAAAFAAAAAEAAAAAAAAAZAAAAGQAAAAAAAAAZAAAAGQAAAAVAAAAYAAAAAAAAAAAAAAADwAAACADAAAAAAAAAAAAAAEAAACgMgAAVgcAAKr4//8BAAAAf39/AAEAAABkAAAAAAAAABQAAABAHwAAAAAAACYAAAAAAAAAwOD//wAAAAAmAAAAZAAAABYAAABMAAAAAAAAAAAAAAAEAAAAAAAAAAEAAACAgIAKAAAAACgAAAAoAAAAZAAAAGQAAAAAAAAAzMzMAAAAAABQAAAAUAAAAGQAAABkAAAAAAAAABcAAAAUAAAAAAAAAAAAAAD/fwAA/38AAAAAAAAJAAAABAAAAAAAAAAeAAAAaAAAAAAAAAAAAAAAAAAAAAAAAAAAAAAAECcAABAnAAAAAAAAAAAAAAAAAAAAAAAAAAAAAAAAAAAAAAAAAAAAABQAAAAAAAAAwMD/AAAAAABkAAAAMgAAAAAAAABkAAAAAAAAAH9/fwAKAAAAIgAAABgAAAAAAAAAAAAAAAAAAAAAAAAAAAAAAAAAAAAkAAAAJAAAAAAAAAAHAAAAAAAAAAAAAAAAAAAAAAAAAAAAAAAAAAAAf39/ACUAAABYAAAAAAAAAAAAAAAAAAAAAAAAAAAAAAAAAAAAAAAAAAAAAAAAAAAAAAAAAAAAAAA/AAAAAAAAAKCGAQAAAAAAAAAAAAAAAAAMAAAAAQAAAAAAAAAAAAAAAAAAAB8AAABUAAAAAAAABQAAAAEAAAAAAAAAAAAAAAAAAAAAAAAAAAAAAAAAAAAAAAAAAAAAAAJ/f38AAAAAA8zMzADAwP8Af39/AAAAAAAAAAAAAAAAAAAAAAAAAAAAIQAAABgAAAAUAAAAwTUAABsnAABARwAAWSkAABAAAAAmAAAACAAAAAAAAAAAAAAAMAAAABQAAAAAAAAAAAD//wAAAQAAAP//AAABAA=="/>
+                <pr:smNativeData xmlns:pr="smNativeData" xmlns="smNativeData" val="SMDATA_16_CqSDZxMAAAAlAAAAZAAAAA8BAAAAkAAAAEgAAACQAAAASAAAAAAAAAABAAAAAAAAAAEAAABQAAAAAAAAAAAA4D8AAAAAAADgPwAAAAAAAOA/AAAAAAAA4D8AAAAAAADgPwAAAAAAAOA/AAAAAAAA4D8AAAAAAADgPwAAAAAAAOA/AAAAAAAA4D8CAAAAjAAAAAAAAAAAAAAAu+DjDP///wgAAAAAAAAAAAAAAAAAAAAAAAAAAAAAAAAAAAAAZAAAAAEAAABAAAAAAAAAAAAAAAAAAAAAAAAAAAAAAAAAAAAAAAAAAAAAAAAAAAAAAAAAAAAAAAAAAAAAAAAAAAAAAAAAAAAAAAAAAAAAAAAAAAAAAAAAAAAAAAAAAAAAFAAAADwAAAAAAAAAAAAAAAAAAAkUAAAAAQAAABQAAAAUAAAAFAAAAAEAAAAAAAAAZAAAAGQAAAAAAAAAZAAAAGQAAAAVAAAAYAAAAAAAAAAAAAAADwAAACADAAAAAAAAAAAAAAEAAACgMgAAVgcAAKr4//8BAAAAf39/AAEAAABkAAAAAAAAABQAAABAHwAAAAAAACYAAAAAAAAAwOD//wAAAAAmAAAAZAAAABYAAABMAAAAAAAAAAAAAAAEAAAAAAAAAAEAAACAgIAKAAAAACgAAAAoAAAAZAAAAGQAAAAAAAAAzMzMAAAAAABQAAAAUAAAAGQAAABkAAAAAAAAABcAAAAUAAAAAAAAAAAAAAD/fwAA/38AAAAAAAAJAAAABAAAAAAAAAAeAAAAaAAAAAAAAAAAAAAAAAAAAAAAAAAAAAAAECcAABAnAAAAAAAAAAAAAAAAAAAAAAAAAAAAAAAAAAAAAAAAAAAAABQAAAAAAAAAwMD/AAAAAABkAAAAMgAAAAAAAABkAAAAAAAAAH9/fwAKAAAAIgAAABgAAAAAAAAAAAAAAAAAAAAAAAAAAAAAAAAAAAAkAAAAJAAAAAAAAAAHAAAAAAAAAAAAAAAAAAAAAAAAAAAAAAAAAAAAf39/ACUAAABYAAAAAAAAAAAAAAAAAAAAAAAAAAAAAAAAAAAAAAAAAAAAAAAAAAAAAAAAAAAAAAA/AAAAAAAAAKCGAQAAAAAAAAAAAAAAAAAMAAAAAQAAAAAAAAAAAAAAAAAAAB8AAABUAAAAAAAABQAAAAEAAAAAAAAAAAAAAAAAAAAAAAAAAAAAAAAAAAAAAAAAAAAAAAJ/f38AAAAAA8zMzADAwP8Af39/AAAAAAAAAAAAAAAAAAAAAAAAAAAAIQAAABgAAAAUAAAAwTUAABsnAABARwAAWSkAABAAAAAmAAAACAAAAAAAAAAAAAAAMAAAABQAAAAAAAAAAAD//wAAAQAAAP//AAABAA=="/>
               </a:ext>
             </a:extLst>
           </p:cNvSpPr>
@@ -966,7 +966,7 @@
           <a:lstStyle/>
           <a:p>
             <a:pPr/>
-            <a:fld id="{3F80E049-07D2-D516-9C38-F143AE766AA4}" type="slidenum">
+            <a:fld id="{3F53BE05-4BD2-0648-9CEB-BD1DF0A56AE8}" type="slidenum">
               <a:t/>
             </a:fld>
           </a:p>
@@ -1005,7 +1005,7 @@
             <a:spLocks noGrp="1" noChangeArrowheads="1"/>
             <a:extLst>
               <a:ext uri="smNativeData">
-                <pr:smNativeData xmlns:pr="smNativeData" xmlns="smNativeData" val="SMDATA_16_V9F3ZxMAAAAlAAAAZAAAAA8BAAAAkAAAAEgAAACQAAAASAAAAAAAAAAAAAAAAAAAAAEAAABQAAAAAAAAAAAA4D8AAAAAAADgPwAAAAAAAOA/AAAAAAAA4D8AAAAAAADgPwAAAAAAAOA/AAAAAAAA4D8AAAAAAADgPwAAAAAAAOA/AAAAAAAA4D8CAAAAjAAAAAAAAAAAAAAAu+DjDP///wgAAAAAAAAAAAAAAAAAAAAAAAAAAAAAAAAAAAAAZAAAAAEAAABAAAAAAAAAAAAAAAAAAAAAAAAAAAAAAAAAAAAAAAAAAAAAAAAAAAAAAAAAAAAAAAAAAAAAAAAAAAAAAAAAAAAAAAAAAAAAAAAAAAAAAAAAAAAAAAAAAAAAFAAAADwAAAAAAAAAAAAAAAAAAAkUAAAAAQAAABQAAAAUAAAAFAAAAAEAAAAAAAAAZAAAAGQAAAAAAAAAZAAAAGQAAAAVAAAAYAAAAAAAAAAAAAAADwAAACADAAAAAAAAAAAAAAEAAACgMgAAVgcAAKr4//8BAAAAf39/AAEAAABkAAAAAAAAABQAAABAHwAAAAAAACYAAAAAAAAAwOD//wAAAAAmAAAAZAAAABYAAABMAAAAAAAAAAAAAAAEAAAAAAAAAAEAAACAgIAKAAAAACgAAAAoAAAAZAAAAGQAAAAAAAAAzMzMAAAAAABQAAAAUAAAAGQAAABkAAAAAAAAABcAAAAUAAAAAAAAAAAAAAD/fwAA/38AAAAAAAAJAAAABAAAANw7IAEeAAAAaAAAAAAAAAAAAAAAAAAAAAAAAAAAAAAAECcAABAnAAAAAAAAAAAAAAAAAAAAAAAAAAAAAAAAAAAAAAAAAAAAABQAAAAAAAAAwMD/AAAAAABkAAAAMgAAAAAAAABkAAAAAAAAAH9/fwAKAAAAIgAAABgAAAAAAAAAAAAAAAAAAAAAAAAAAAAAAAAAAAAkAAAAJAAAAAAAAAAHAAAAAAAAAAAAAAAAAAAAAAAAAAAAAAAAAAAAf39/ACUAAABYAAAAAAAAAAAAAAAAAAAAAAAAAAAAAAAAAAAAAAAAAAAAAAAAAAAAAAAAAAAAAAA/AAAAAAAAAKCGAQAAAAAAAAAAAAAAAAAMAAAAAQAAAAAAAAAAAAAAAAAAAB8AAABUAAAAAAAABQAAAAEAAAAAAAAAAAAAAAAAAAAAAAAAAAAAAAAAAAAAAAAAAAAAAAJ/f38AAAAAA8zMzADAwP8Af39/AAAAAAAAAAAAAAAAAAAAAAAAAAAAIQAAABgAAAAUAAAA7QUAABwbAACtRQAAfSMAABAAAAAmAAAACAAAAIGAAAAAAAAAMAAAABQAAAAAAAAAAAD//wAAAQAAAP//AAABAA=="/>
+                <pr:smNativeData xmlns:pr="smNativeData" xmlns="smNativeData" val="SMDATA_16_CqSDZxMAAAAlAAAAZAAAAA8BAAAAkAAAAEgAAACQAAAASAAAAAAAAAAAAAAAAAAAAAEAAABQAAAAAAAAAAAA4D8AAAAAAADgPwAAAAAAAOA/AAAAAAAA4D8AAAAAAADgPwAAAAAAAOA/AAAAAAAA4D8AAAAAAADgPwAAAAAAAOA/AAAAAAAA4D8CAAAAjAAAAAAAAAAAAAAAu+DjDP///wgAAAAAAAAAAAAAAAAAAAAAAAAAAAAAAAAAAAAAZAAAAAEAAABAAAAAAAAAAAAAAAAAAAAAAAAAAAAAAAAAAAAAAAAAAAAAAAAAAAAAAAAAAAAAAAAAAAAAAAAAAAAAAAAAAAAAAAAAAAAAAAAAAAAAAAAAAAAAAAAAAAAAFAAAADwAAAAAAAAAAAAAAAAAAAkUAAAAAQAAABQAAAAUAAAAFAAAAAEAAAAAAAAAZAAAAGQAAAAAAAAAZAAAAGQAAAAVAAAAYAAAAAAAAAAAAAAADwAAACADAAAAAAAAAAAAAAEAAACgMgAAVgcAAKr4//8BAAAAf39/AAEAAABkAAAAAAAAABQAAABAHwAAAAAAACYAAAAAAAAAwOD//wAAAAAmAAAAZAAAABYAAABMAAAAAAAAAAAAAAAEAAAAAAAAAAEAAACAgIAKAAAAACgAAAAoAAAAZAAAAGQAAAAAAAAAzMzMAAAAAABQAAAAUAAAAGQAAABkAAAAAAAAABcAAAAUAAAAAAAAAAAAAAD/fwAA/38AAAAAAAAJAAAABAAAANw7IAEeAAAAaAAAAAAAAAAAAAAAAAAAAAAAAAAAAAAAECcAABAnAAAAAAAAAAAAAAAAAAAAAAAAAAAAAAAAAAAAAAAAAAAAABQAAAAAAAAAwMD/AAAAAABkAAAAMgAAAAAAAABkAAAAAAAAAH9/fwAKAAAAIgAAABgAAAAAAAAAAAAAAAAAAAAAAAAAAAAAAAAAAAAkAAAAJAAAAAAAAAAHAAAAAAAAAAAAAAAAAAAAAAAAAAAAAAAAAAAAf39/ACUAAABYAAAAAAAAAAAAAAAAAAAAAAAAAAAAAAAAAAAAAAAAAAAAAAAAAAAAAAAAAAAAAAA/AAAAAAAAAKCGAQAAAAAAAAAAAAAAAAAMAAAAAQAAAAAAAAAAAAAAAAAAAB8AAABUAAAAAAAABQAAAAEAAAAAAAAAAAAAAAAAAAAAAAAAAAAAAAAAAAAAAAAAAAAAAAJ/f38AAAAAA8zMzADAwP8Af39/AAAAAAAAAAAAAAAAAAAAAAAAAAAAIQAAABgAAAAUAAAA7QUAABwbAACtRQAAfSMAABAAAAAmAAAACAAAAIGAAAAAAAAAMAAAABQAAAAAAAAAAAD//wAAAQAAAP//AAABAA=="/>
               </a:ext>
             </a:extLst>
           </p:cNvSpPr>
@@ -1045,7 +1045,7 @@
             <a:spLocks noGrp="1" noChangeArrowheads="1"/>
             <a:extLst>
               <a:ext uri="smNativeData">
-                <pr:smNativeData xmlns:pr="smNativeData" xmlns="smNativeData" val="SMDATA_16_V9F3ZxMAAAAlAAAAZAAAAA8BAAAAkAAAAEgAAACQAAAASAAAAAAAAAACAAAAAAAAAAEAAABQAAAAAAAAAAAA4D8AAAAAAADgPwAAAAAAAOA/AAAAAAAA4D8AAAAAAADgPwAAAAAAAOA/AAAAAAAA4D8AAAAAAADgPwAAAAAAAOA/AAAAAAAA4D8CAAAAjAAAAAAAAAAAAAAAu+DjDP///wgAAAAAAAAAAAAAAAAAAAAAAAAAAAAAAAAAAAAAZAAAAAEAAABAAAAAAAAAAAAAAAAAAAAAAAAAAAAAAAAAAAAAAAAAAAAAAAAAAAAAAAAAAAAAAAAAAAAAAAAAAAAAAAAAAAAAAAAAAAAAAAAAAAAAAAAAAAAAAAAAAAAAFAAAADwAAAAAAAAAAAAAAAAAAAkUAAAAAQAAABQAAAAUAAAAFAAAAAEAAAAAAAAAZAAAAGQAAAAAAAAAZAAAAGQAAAAVAAAAYAAAAAAAAAAAAAAADwAAACADAAAAAAAAAAAAAAEAAACgMgAAVgcAAKr4//8BAAAAf39/AAEAAABkAAAAAAAAABQAAABAHwAAAAAAACYAAAAAAAAAwOD//wAAAAAmAAAAZAAAABYAAABMAAAAAAAAAAAAAAAEAAAAAAAAAAEAAACAgIAKAAAAACgAAAAoAAAAZAAAAGQAAAAAAAAAzMzMAAAAAABQAAAAUAAAAGQAAABkAAAAAAAAABcAAAAUAAAAAAAAAAAAAAD/fwAA/38AAAAAAAAJAAAABAAAANw7IAEeAAAAaAAAAAAAAAAAAAAAAAAAAAAAAAAAAAAAECcAABAnAAAAAAAAAAAAAAAAAAAAAAAAAAAAAAAAAAAAAAAAAAAAABQAAAAAAAAAwMD/AAAAAABkAAAAMgAAAAAAAABkAAAAAAAAAH9/fwAKAAAAIgAAABgAAAAAAAAAAAAAAAAAAAAAAAAAAAAAAAAAAAAkAAAAJAAAAAAAAAAHAAAAAAAAAAAAAAAAAAAAAAAAAAAAAAAAAAAAf39/ACUAAABYAAAAAAAAAAAAAAAAAAAAAAAAAAAAAAAAAAAAAAAAAAAAAAAAAAAAAAAAAAAAAAA/AAAAAAAAAKCGAQAAAAAAAAAAAAAAAAAMAAAAAQAAAAAAAAAAAAAAAAAAAB8AAABUAAAAAAAABQAAAAEAAAAAAAAAAAAAAAAAAAAAAAAAAAAAAAAAAAAAAAAAAAAAAAJ/f38AAAAAA8zMzADAwP8Af39/AAAAAAAAAAAAAAAAAAAAAAAAAAAAIQAAABgAAAAUAAAA7QUAAOERAACtRQAAHBsAABAAAAAmAAAACAAAAIGAAAAAAAAAMAAAABQAAAAAAAAAAAD//wAAAQAAAP//AAABAA=="/>
+                <pr:smNativeData xmlns:pr="smNativeData" xmlns="smNativeData" val="SMDATA_16_CqSDZxMAAAAlAAAAZAAAAA8BAAAAkAAAAEgAAACQAAAASAAAAAAAAAACAAAAAAAAAAEAAABQAAAAAAAAAAAA4D8AAAAAAADgPwAAAAAAAOA/AAAAAAAA4D8AAAAAAADgPwAAAAAAAOA/AAAAAAAA4D8AAAAAAADgPwAAAAAAAOA/AAAAAAAA4D8CAAAAjAAAAAAAAAAAAAAAu+DjDP///wgAAAAAAAAAAAAAAAAAAAAAAAAAAAAAAAAAAAAAZAAAAAEAAABAAAAAAAAAAAAAAAAAAAAAAAAAAAAAAAAAAAAAAAAAAAAAAAAAAAAAAAAAAAAAAAAAAAAAAAAAAAAAAAAAAAAAAAAAAAAAAAAAAAAAAAAAAAAAAAAAAAAAFAAAADwAAAAAAAAAAAAAAAAAAAkUAAAAAQAAABQAAAAUAAAAFAAAAAEAAAAAAAAAZAAAAGQAAAAAAAAAZAAAAGQAAAAVAAAAYAAAAAAAAAAAAAAADwAAACADAAAAAAAAAAAAAAEAAACgMgAAVgcAAKr4//8BAAAAf39/AAEAAABkAAAAAAAAABQAAABAHwAAAAAAACYAAAAAAAAAwOD//wAAAAAmAAAAZAAAABYAAABMAAAAAAAAAAAAAAAEAAAAAAAAAAEAAACAgIAKAAAAACgAAAAoAAAAZAAAAGQAAAAAAAAAzMzMAAAAAABQAAAAUAAAAGQAAABkAAAAAAAAABcAAAAUAAAAAAAAAAAAAAD/fwAA/38AAAAAAAAJAAAABAAAANw7IAEeAAAAaAAAAAAAAAAAAAAAAAAAAAAAAAAAAAAAECcAABAnAAAAAAAAAAAAAAAAAAAAAAAAAAAAAAAAAAAAAAAAAAAAABQAAAAAAAAAwMD/AAAAAABkAAAAMgAAAAAAAABkAAAAAAAAAH9/fwAKAAAAIgAAABgAAAAAAAAAAAAAAAAAAAAAAAAAAAAAAAAAAAAkAAAAJAAAAAAAAAAHAAAAAAAAAAAAAAAAAAAAAAAAAAAAAAAAAAAAf39/ACUAAABYAAAAAAAAAAAAAAAAAAAAAAAAAAAAAAAAAAAAAAAAAAAAAAAAAAAAAAAAAAAAAAA/AAAAAAAAAKCGAQAAAAAAAAAAAAAAAAAMAAAAAQAAAAAAAAAAAAAAAAAAAB8AAABUAAAAAAAABQAAAAEAAAAAAAAAAAAAAAAAAAAAAAAAAAAAAAAAAAAAAAAAAAAAAAJ/f38AAAAAA8zMzADAwP8Af39/AAAAAAAAAAAAAAAAAAAAAAAAAAAAIQAAABgAAAAUAAAA7QUAAOERAACtRQAAHBsAABAAAAAmAAAACAAAAIGAAAAAAAAAMAAAABQAAAAAAAAAAAD//wAAAQAAAP//AAABAA=="/>
               </a:ext>
             </a:extLst>
           </p:cNvSpPr>
@@ -1118,7 +1118,7 @@
             <a:spLocks noGrp="1" noChangeArrowheads="1"/>
             <a:extLst>
               <a:ext uri="smNativeData">
-                <pr:smNativeData xmlns:pr="smNativeData" xmlns="smNativeData" val="SMDATA_16_V9F3ZxMAAAAlAAAAZAAAAA8BAAAAkAAAAEgAAACQAAAASAAAAAAAAAABAAAAAAAAAAEAAABQAAAAAAAAAAAA4D8AAAAAAADgPwAAAAAAAOA/AAAAAAAA4D8AAAAAAADgPwAAAAAAAOA/AAAAAAAA4D8AAAAAAADgPwAAAAAAAOA/AAAAAAAA4D8CAAAAjAAAAAAAAAAAAAAAu+DjDP///wgAAAAAAAAAAAAAAAAAAAAAAAAAAAAAAAAAAAAAZAAAAAEAAABAAAAAAAAAAAAAAAAAAAAAAAAAAAAAAAAAAAAAAAAAAAAAAAAAAAAAAAAAAAAAAAAAAAAAAAAAAAAAAAAAAAAAAAAAAAAAAAAAAAAAAAAAAAAAAAAAAAAAFAAAADwAAAAAAAAAAAAAAAAAAAkUAAAAAQAAABQAAAAUAAAAFAAAAAEAAAAAAAAAZAAAAGQAAAAAAAAAZAAAAGQAAAAVAAAAYAAAAAAAAAAAAAAADwAAACADAAAAAAAAAAAAAAEAAACgMgAAVgcAAKr4//8BAAAAf39/AAEAAABkAAAAAAAAABQAAABAHwAAAAAAACYAAAAAAAAAwOD//wAAAAAmAAAAZAAAABYAAABMAAAAAAAAAAAAAAAEAAAAAAAAAAEAAACAgIAKAAAAACgAAAAoAAAAZAAAAGQAAAAAAAAAzMzMAAAAAABQAAAAUAAAAGQAAABkAAAAAAAAABcAAAAUAAAAAAAAAAAAAAD/fwAA/38AAAAAAAAJAAAABAAAAAAAAAAeAAAAaAAAAAAAAAAAAAAAAAAAAAAAAAAAAAAAECcAABAnAAAAAAAAAAAAAAAAAAAAAAAAAAAAAAAAAAAAAAAAAAAAABQAAAAAAAAAwMD/AAAAAABkAAAAMgAAAAAAAABkAAAAAAAAAH9/fwAKAAAAIgAAABgAAAAAAAAAAAAAAAAAAAAAAAAAAAAAAAAAAAAkAAAAJAAAAAAAAAAHAAAAAAAAAAAAAAAAAAAAAAAAAAAAAAAAAAAAf39/ACUAAABYAAAAAAAAAAAAAAAAAAAAAAAAAAAAAAAAAAAAAAAAAAAAAAAAAAAAAAAAAAAAAAA/AAAAAAAAAKCGAQAAAAAAAAAAAAAAAAAMAAAAAQAAAAAAAAAAAAAAAAAAAB8AAABUAAAAAAAABQAAAAEAAAAAAAAAAAAAAAAAAAAAAAAAAAAAAAAAAAAAAAAAAAAAAAJ/f38AAAAAA8zMzADAwP8Af39/AAAAAAAAAAAAAAAAAAAAAAAAAAAAIQAAABgAAAAUAAAAwAMAABsnAAA/FQAAWSkAABAAAAAmAAAACAAAAAAAAAAAAAAAMAAAABQAAAAAAAAAAAD//wAAAQAAAP//AAABAA=="/>
+                <pr:smNativeData xmlns:pr="smNativeData" xmlns="smNativeData" val="SMDATA_16_CqSDZxMAAAAlAAAAZAAAAA8BAAAAkAAAAEgAAACQAAAASAAAAAAAAAABAAAAAAAAAAEAAABQAAAAAAAAAAAA4D8AAAAAAADgPwAAAAAAAOA/AAAAAAAA4D8AAAAAAADgPwAAAAAAAOA/AAAAAAAA4D8AAAAAAADgPwAAAAAAAOA/AAAAAAAA4D8CAAAAjAAAAAAAAAAAAAAAu+DjDP///wgAAAAAAAAAAAAAAAAAAAAAAAAAAAAAAAAAAAAAZAAAAAEAAABAAAAAAAAAAAAAAAAAAAAAAAAAAAAAAAAAAAAAAAAAAAAAAAAAAAAAAAAAAAAAAAAAAAAAAAAAAAAAAAAAAAAAAAAAAAAAAAAAAAAAAAAAAAAAAAAAAAAAFAAAADwAAAAAAAAAAAAAAAAAAAkUAAAAAQAAABQAAAAUAAAAFAAAAAEAAAAAAAAAZAAAAGQAAAAAAAAAZAAAAGQAAAAVAAAAYAAAAAAAAAAAAAAADwAAACADAAAAAAAAAAAAAAEAAACgMgAAVgcAAKr4//8BAAAAf39/AAEAAABkAAAAAAAAABQAAABAHwAAAAAAACYAAAAAAAAAwOD//wAAAAAmAAAAZAAAABYAAABMAAAAAAAAAAAAAAAEAAAAAAAAAAEAAACAgIAKAAAAACgAAAAoAAAAZAAAAGQAAAAAAAAAzMzMAAAAAABQAAAAUAAAAGQAAABkAAAAAAAAABcAAAAUAAAAAAAAAAAAAAD/fwAA/38AAAAAAAAJAAAABAAAAAAAAAAeAAAAaAAAAAAAAAAAAAAAAAAAAAAAAAAAAAAAECcAABAnAAAAAAAAAAAAAAAAAAAAAAAAAAAAAAAAAAAAAAAAAAAAABQAAAAAAAAAwMD/AAAAAABkAAAAMgAAAAAAAABkAAAAAAAAAH9/fwAKAAAAIgAAABgAAAAAAAAAAAAAAAAAAAAAAAAAAAAAAAAAAAAkAAAAJAAAAAAAAAAHAAAAAAAAAAAAAAAAAAAAAAAAAAAAAAAAAAAAf39/ACUAAABYAAAAAAAAAAAAAAAAAAAAAAAAAAAAAAAAAAAAAAAAAAAAAAAAAAAAAAAAAAAAAAA/AAAAAAAAAKCGAQAAAAAAAAAAAAAAAAAMAAAAAQAAAAAAAAAAAAAAAAAAAB8AAABUAAAAAAAABQAAAAEAAAAAAAAAAAAAAAAAAAAAAAAAAAAAAAAAAAAAAAAAAAAAAAJ/f38AAAAAA8zMzADAwP8Af39/AAAAAAAAAAAAAAAAAAAAAAAAAAAAIQAAABgAAAAUAAAAwAMAABsnAAA/FQAAWSkAABAAAAAmAAAACAAAAAAAAAAAAAAAMAAAABQAAAAAAAAAAAD//wAAAQAAAP//AAABAA=="/>
               </a:ext>
             </a:extLst>
           </p:cNvSpPr>
@@ -1132,7 +1132,7 @@
           <a:lstStyle/>
           <a:p>
             <a:pPr/>
-            <a:fld id="{3F80F02A-64D2-D506-9C38-9253BE766AC7}" type="datetime1">
+            <a:fld id="{3F53839E-D0D2-0675-9CEB-2620CDA56A73}" type="datetime1">
               <a:t/>
             </a:fld>
           </a:p>
@@ -1145,7 +1145,7 @@
             <a:spLocks noGrp="1" noChangeArrowheads="1"/>
             <a:extLst>
               <a:ext uri="smNativeData">
-                <pr:smNativeData xmlns:pr="smNativeData" xmlns="smNativeData" val="SMDATA_16_V9F3ZxMAAAAlAAAAZAAAAA8BAAAAkAAAAEgAAACQAAAASAAAAAAAAAABAAAAAAAAAAEAAABQAAAAAAAAAAAA4D8AAAAAAADgPwAAAAAAAOA/AAAAAAAA4D8AAAAAAADgPwAAAAAAAOA/AAAAAAAA4D8AAAAAAADgPwAAAAAAAOA/AAAAAAAA4D8CAAAAjAAAAAAAAAAAAAAAu+DjDP///wgAAAAAAAAAAAAAAAAAAAAAAAAAAAAAAAAAAAAAZAAAAAEAAABAAAAAAAAAAAAAAAAAAAAAAAAAAAAAAAAAAAAAAAAAAAAAAAAAAAAAAAAAAAAAAAAAAAAAAAAAAAAAAAAAAAAAAAAAAAAAAAAAAAAAAAAAAAAAAAAAAAAAFAAAADwAAAAAAAAAAAAAAAAAAAkUAAAAAQAAABQAAAAUAAAAFAAAAAEAAAAAAAAAZAAAAGQAAAAAAAAAZAAAAGQAAAAVAAAAYAAAAAAAAAAAAAAADwAAACADAAAAAAAAAAAAAAEAAACgMgAAVgcAAKr4//8BAAAAf39/AAEAAABkAAAAAAAAABQAAABAHwAAAAAAACYAAAAAAAAAwOD//wAAAAAmAAAAZAAAABYAAABMAAAAAAAAAAAAAAAEAAAAAAAAAAEAAACAgIAKAAAAACgAAAAoAAAAZAAAAGQAAAAAAAAAzMzMAAAAAABQAAAAUAAAAGQAAABkAAAAAAAAABcAAAAUAAAAAAAAAAAAAAD/fwAA/38AAAAAAAAJAAAABAAAANw7IAEeAAAAaAAAAAAAAAAAAAAAAAAAAAAAAAAAAAAAECcAABAnAAAAAAAAAAAAAAAAAAAAAAAAAAAAAAAAAAAAAAAAAAAAABQAAAAAAAAAwMD/AAAAAABkAAAAMgAAAAAAAABkAAAAAAAAAH9/fwAKAAAAIgAAABgAAAAAAAAAAAAAAAAAAAAAAAAAAAAAAAAAAAAkAAAAJAAAAAAAAAAHAAAAAAAAAAAAAAAAAAAAAAAAAAAAAAAAAAAAf39/ACUAAABYAAAAAAAAAAAAAAAAAAAAAAAAAAAAAAAAAAAAAAAAAAAAAAAAAAAAAAAAAAAAAAA/AAAAAAAAAKCGAQAAAAAAAAAAAAAAAAAMAAAAAQAAAAAAAAAAAAAAAAAAAB8AAABUAAAAAAAABQAAAAEAAAAAAAAAAAAAAAAAAAAAAAAAAAAAAAAAAAAAAAAAAAAAAAJ/f38AAAAAA8zMzADAwP8Af39/AAAAAAAAAAAAAAAAAAAAAAAAAAAAIQAAABgAAAAUAAAAoRkAABsnAABfMQAAWSkAABAAAAAmAAAACAAAAAAAAAAAAAAAMAAAABQAAAAAAAAAAAD//wAAAQAAAP//AAABAA=="/>
+                <pr:smNativeData xmlns:pr="smNativeData" xmlns="smNativeData" val="SMDATA_16_CqSDZxMAAAAlAAAAZAAAAA8BAAAAkAAAAEgAAACQAAAASAAAAAAAAAABAAAAAAAAAAEAAABQAAAAAAAAAAAA4D8AAAAAAADgPwAAAAAAAOA/AAAAAAAA4D8AAAAAAADgPwAAAAAAAOA/AAAAAAAA4D8AAAAAAADgPwAAAAAAAOA/AAAAAAAA4D8CAAAAjAAAAAAAAAAAAAAAu+DjDP///wgAAAAAAAAAAAAAAAAAAAAAAAAAAAAAAAAAAAAAZAAAAAEAAABAAAAAAAAAAAAAAAAAAAAAAAAAAAAAAAAAAAAAAAAAAAAAAAAAAAAAAAAAAAAAAAAAAAAAAAAAAAAAAAAAAAAAAAAAAAAAAAAAAAAAAAAAAAAAAAAAAAAAFAAAADwAAAAAAAAAAAAAAAAAAAkUAAAAAQAAABQAAAAUAAAAFAAAAAEAAAAAAAAAZAAAAGQAAAAAAAAAZAAAAGQAAAAVAAAAYAAAAAAAAAAAAAAADwAAACADAAAAAAAAAAAAAAEAAACgMgAAVgcAAKr4//8BAAAAf39/AAEAAABkAAAAAAAAABQAAABAHwAAAAAAACYAAAAAAAAAwOD//wAAAAAmAAAAZAAAABYAAABMAAAAAAAAAAAAAAAEAAAAAAAAAAEAAACAgIAKAAAAACgAAAAoAAAAZAAAAGQAAAAAAAAAzMzMAAAAAABQAAAAUAAAAGQAAABkAAAAAAAAABcAAAAUAAAAAAAAAAAAAAD/fwAA/38AAAAAAAAJAAAABAAAANw7IAEeAAAAaAAAAAAAAAAAAAAAAAAAAAAAAAAAAAAAECcAABAnAAAAAAAAAAAAAAAAAAAAAAAAAAAAAAAAAAAAAAAAAAAAABQAAAAAAAAAwMD/AAAAAABkAAAAMgAAAAAAAABkAAAAAAAAAH9/fwAKAAAAIgAAABgAAAAAAAAAAAAAAAAAAAAAAAAAAAAAAAAAAAAkAAAAJAAAAAAAAAAHAAAAAAAAAAAAAAAAAAAAAAAAAAAAAAAAAAAAf39/ACUAAABYAAAAAAAAAAAAAAAAAAAAAAAAAAAAAAAAAAAAAAAAAAAAAAAAAAAAAAAAAAAAAAA/AAAAAAAAAKCGAQAAAAAAAAAAAAAAAAAMAAAAAQAAAAAAAAAAAAAAAAAAAB8AAABUAAAAAAAABQAAAAEAAAAAAAAAAAAAAAAAAAAAAAAAAAAAAAAAAAAAAAAAAAAAAAJ/f38AAAAAA8zMzADAwP8Af39/AAAAAAAAAAAAAAAAAAAAAAAAAAAAIQAAABgAAAAUAAAAoRkAABsnAABfMQAAWSkAABAAAAAmAAAACAAAAAAAAAAAAAAAMAAAABQAAAAAAAAAAAD//wAAAQAAAP//AAABAA=="/>
               </a:ext>
             </a:extLst>
           </p:cNvSpPr>
@@ -1169,7 +1169,7 @@
             <a:spLocks noGrp="1" noChangeArrowheads="1"/>
             <a:extLst>
               <a:ext uri="smNativeData">
-                <pr:smNativeData xmlns:pr="smNativeData" xmlns="smNativeData" val="SMDATA_16_V9F3ZxMAAAAlAAAAZAAAAA8BAAAAkAAAAEgAAACQAAAASAAAAAAAAAABAAAAAAAAAAEAAABQAAAAAAAAAAAA4D8AAAAAAADgPwAAAAAAAOA/AAAAAAAA4D8AAAAAAADgPwAAAAAAAOA/AAAAAAAA4D8AAAAAAADgPwAAAAAAAOA/AAAAAAAA4D8CAAAAjAAAAAAAAAAAAAAAu+DjDP///wgAAAAAAAAAAAAAAAAAAAAAAAAAAAAAAAAAAAAAZAAAAAEAAABAAAAAAAAAAAAAAAAAAAAAAAAAAAAAAAAAAAAAAAAAAAAAAAAAAAAAAAAAAAAAAAAAAAAAAAAAAAAAAAAAAAAAAAAAAAAAAAAAAAAAAAAAAAAAAAAAAAAAFAAAADwAAAAAAAAAAAAAAAAAAAkUAAAAAQAAABQAAAAUAAAAFAAAAAEAAAAAAAAAZAAAAGQAAAAAAAAAZAAAAGQAAAAVAAAAYAAAAAAAAAAAAAAADwAAACADAAAAAAAAAAAAAAEAAACgMgAAVgcAAKr4//8BAAAAf39/AAEAAABkAAAAAAAAABQAAABAHwAAAAAAACYAAAAAAAAAwOD//wAAAAAmAAAAZAAAABYAAABMAAAAAAAAAAAAAAAEAAAAAAAAAAEAAACAgIAKAAAAACgAAAAoAAAAZAAAAGQAAAAAAAAAzMzMAAAAAABQAAAAUAAAAGQAAABkAAAAAAAAABcAAAAUAAAAAAAAAAAAAAD/fwAA/38AAAAAAAAJAAAABAAAANw7IAEeAAAAaAAAAAAAAAAAAAAAAAAAAAAAAAAAAAAAECcAABAnAAAAAAAAAAAAAAAAAAAAAAAAAAAAAAAAAAAAAAAAAAAAABQAAAAAAAAAwMD/AAAAAABkAAAAMgAAAAAAAABkAAAAAAAAAH9/fwAKAAAAIgAAABgAAAAAAAAAAAAAAAAAAAAAAAAAAAAAAAAAAAAkAAAAJAAAAAAAAAAHAAAAAAAAAAAAAAAAAAAAAAAAAAAAAAAAAAAAf39/ACUAAABYAAAAAAAAAAAAAAAAAAAAAAAAAAAAAAAAAAAAAAAAAAAAAAAAAAAAAAAAAAAAAAA/AAAAAAAAAKCGAQAAAAAAAAAAAAAAAAAMAAAAAQAAAAAAAAAAAAAAAAAAAB8AAABUAAAAAAAABQAAAAEAAAAAAAAAAAAAAAAAAAAAAAAAAAAAAAAAAAAAAAAAAAAAAAJ/f38AAAAAA8zMzADAwP8Af39/AAAAAAAAAAAAAAAAAAAAAAAAAAAAIQAAABgAAAAUAAAAwTUAABsnAABARwAAWSkAABAAAAAmAAAACAAAAAAAAAAAAAAAMAAAABQAAAAAAAAAAAD//wAAAQAAAP//AAABAA=="/>
+                <pr:smNativeData xmlns:pr="smNativeData" xmlns="smNativeData" val="SMDATA_16_CqSDZxMAAAAlAAAAZAAAAA8BAAAAkAAAAEgAAACQAAAASAAAAAAAAAABAAAAAAAAAAEAAABQAAAAAAAAAAAA4D8AAAAAAADgPwAAAAAAAOA/AAAAAAAA4D8AAAAAAADgPwAAAAAAAOA/AAAAAAAA4D8AAAAAAADgPwAAAAAAAOA/AAAAAAAA4D8CAAAAjAAAAAAAAAAAAAAAu+DjDP///wgAAAAAAAAAAAAAAAAAAAAAAAAAAAAAAAAAAAAAZAAAAAEAAABAAAAAAAAAAAAAAAAAAAAAAAAAAAAAAAAAAAAAAAAAAAAAAAAAAAAAAAAAAAAAAAAAAAAAAAAAAAAAAAAAAAAAAAAAAAAAAAAAAAAAAAAAAAAAAAAAAAAAFAAAADwAAAAAAAAAAAAAAAAAAAkUAAAAAQAAABQAAAAUAAAAFAAAAAEAAAAAAAAAZAAAAGQAAAAAAAAAZAAAAGQAAAAVAAAAYAAAAAAAAAAAAAAADwAAACADAAAAAAAAAAAAAAEAAACgMgAAVgcAAKr4//8BAAAAf39/AAEAAABkAAAAAAAAABQAAABAHwAAAAAAACYAAAAAAAAAwOD//wAAAAAmAAAAZAAAABYAAABMAAAAAAAAAAAAAAAEAAAAAAAAAAEAAACAgIAKAAAAACgAAAAoAAAAZAAAAGQAAAAAAAAAzMzMAAAAAABQAAAAUAAAAGQAAABkAAAAAAAAABcAAAAUAAAAAAAAAAAAAAD/fwAA/38AAAAAAAAJAAAABAAAANw7IAEeAAAAaAAAAAAAAAAAAAAAAAAAAAAAAAAAAAAAECcAABAnAAAAAAAAAAAAAAAAAAAAAAAAAAAAAAAAAAAAAAAAAAAAABQAAAAAAAAAwMD/AAAAAABkAAAAMgAAAAAAAABkAAAAAAAAAH9/fwAKAAAAIgAAABgAAAAAAAAAAAAAAAAAAAAAAAAAAAAAAAAAAAAkAAAAJAAAAAAAAAAHAAAAAAAAAAAAAAAAAAAAAAAAAAAAAAAAAAAAf39/ACUAAABYAAAAAAAAAAAAAAAAAAAAAAAAAAAAAAAAAAAAAAAAAAAAAAAAAAAAAAAAAAAAAAA/AAAAAAAAAKCGAQAAAAAAAAAAAAAAAAAMAAAAAQAAAAAAAAAAAAAAAAAAAB8AAABUAAAAAAAABQAAAAEAAAAAAAAAAAAAAAAAAAAAAAAAAAAAAAAAAAAAAAAAAAAAAAJ/f38AAAAAA8zMzADAwP8Af39/AAAAAAAAAAAAAAAAAAAAAAAAAAAAIQAAABgAAAAUAAAAwTUAABsnAABARwAAWSkAABAAAAAmAAAACAAAAAAAAAAAAAAAMAAAABQAAAAAAAAAAAD//wAAAQAAAP//AAABAA=="/>
               </a:ext>
             </a:extLst>
           </p:cNvSpPr>
@@ -1183,7 +1183,7 @@
           <a:lstStyle/>
           <a:p>
             <a:pPr/>
-            <a:fld id="{3F80A419-57D2-D552-9C38-A107EA766AF4}" type="slidenum">
+            <a:fld id="{3F53A687-C9D2-0650-9CEB-3F05E8A56A6A}" type="slidenum">
               <a:t/>
             </a:fld>
           </a:p>
@@ -1222,7 +1222,7 @@
             <a:spLocks noGrp="1" noChangeArrowheads="1"/>
             <a:extLst>
               <a:ext uri="smNativeData">
-                <pr:smNativeData xmlns:pr="smNativeData" xmlns="smNativeData" val="SMDATA_16_V9F3ZxMAAAAlAAAAZAAAAA8BAAAAkAAAAEgAAACQAAAASAAAAAAAAAABAAAAAAAAAAEAAABQAAAAAAAAAAAA4D8AAAAAAADgPwAAAAAAAOA/AAAAAAAA4D8AAAAAAADgPwAAAAAAAOA/AAAAAAAA4D8AAAAAAADgPwAAAAAAAOA/AAAAAAAA4D8CAAAAjAAAAAAAAAAAAAAAu+DjDP///wgAAAAAAAAAAAAAAAAAAAAAAAAAAAAAAAAAAAAAZAAAAAEAAABAAAAAAAAAAAAAAAAAAAAAAAAAAAAAAAAAAAAAAAAAAAAAAAAAAAAAAAAAAAAAAAAAAAAAAAAAAAAAAAAAAAAAAAAAAAAAAAAAAAAAAAAAAAAAAAAAAAAAFAAAADwAAAAAAAAAAAAAAAAAAAkUAAAAAQAAABQAAAAUAAAAFAAAAAEAAAAAAAAAZAAAAGQAAAAAAAAAZAAAAGQAAAAVAAAAYAAAAAAAAAAAAAAADwAAACADAAAAAAAAAAAAAAEAAACgMgAAVgcAAKr4//8BAAAAf39/AAEAAABkAAAAAAAAABQAAABAHwAAAAAAACYAAAAAAAAAwOD//wAAAAAmAAAAZAAAABYAAABMAAAAAAAAAAAAAAAEAAAAAAAAAAEAAACAgIAKAAAAACgAAAAoAAAAZAAAAGQAAAAAAAAAzMzMAAAAAABQAAAAUAAAAGQAAABkAAAAAAAAABcAAAAUAAAAAAAAAAAAAAD/fwAA/38AAAAAAAAJAAAABAAAANw7IAEeAAAAaAAAAAAAAAAAAAAAAAAAAAAAAAAAAAAAECcAABAnAAAAAAAAAAAAAAAAAAAAAAAAAAAAAAAAAAAAAAAAAAAAABQAAAAAAAAAwMD/AAAAAABkAAAAMgAAAAAAAABkAAAAAAAAAH9/fwAKAAAAIgAAABgAAAAAAAAAAAAAAAAAAAAAAAAAAAAAAAAAAAAkAAAAJAAAAAAAAAAHAAAAAAAAAAAAAAAAAAAAAAAAAAAAAAAAAAAAf39/ACUAAABYAAAAAAAAAAAAAAAAAAAAAAAAAAAAAAAAAAAAAAAAAAAAAAAAAAAAAAAAAAAAAAA/AAAAAAAAAKCGAQAAAAAAAAAAAAAAAAAMAAAAAQAAAAAAAAAAAAAAAAAAAB8AAABUAAAAAAAABQAAAAEAAAAAAAAAAAAAAAAAAAAAAAAAAAAAAAAAAAAAAAAAAAAAAAJ/f38AAAAAA8zMzADAwP8Af39/AAAAAAAAAAAAAAAAAAAAAAAAAAAAIQAAABgAAAAUAAAAwAMAALABAABARwAAuAgAABAAAAAmAAAACAAAAAAAAAAAAAAAMAAAABQAAAAAAAAAAAD//wAAAQAAAP//AAABAA=="/>
+                <pr:smNativeData xmlns:pr="smNativeData" xmlns="smNativeData" val="SMDATA_16_CqSDZxMAAAAlAAAAZAAAAA8BAAAAkAAAAEgAAACQAAAASAAAAAAAAAABAAAAAAAAAAEAAABQAAAAAAAAAAAA4D8AAAAAAADgPwAAAAAAAOA/AAAAAAAA4D8AAAAAAADgPwAAAAAAAOA/AAAAAAAA4D8AAAAAAADgPwAAAAAAAOA/AAAAAAAA4D8CAAAAjAAAAAAAAAAAAAAAu+DjDP///wgAAAAAAAAAAAAAAAAAAAAAAAAAAAAAAAAAAAAAZAAAAAEAAABAAAAAAAAAAAAAAAAAAAAAAAAAAAAAAAAAAAAAAAAAAAAAAAAAAAAAAAAAAAAAAAAAAAAAAAAAAAAAAAAAAAAAAAAAAAAAAAAAAAAAAAAAAAAAAAAAAAAAFAAAADwAAAAAAAAAAAAAAAAAAAkUAAAAAQAAABQAAAAUAAAAFAAAAAEAAAAAAAAAZAAAAGQAAAAAAAAAZAAAAGQAAAAVAAAAYAAAAAAAAAAAAAAADwAAACADAAAAAAAAAAAAAAEAAACgMgAAVgcAAKr4//8BAAAAf39/AAEAAABkAAAAAAAAABQAAABAHwAAAAAAACYAAAAAAAAAwOD//wAAAAAmAAAAZAAAABYAAABMAAAAAAAAAAAAAAAEAAAAAAAAAAEAAACAgIAKAAAAACgAAAAoAAAAZAAAAGQAAAAAAAAAzMzMAAAAAABQAAAAUAAAAGQAAABkAAAAAAAAABcAAAAUAAAAAAAAAAAAAAD/fwAA/38AAAAAAAAJAAAABAAAANw7IAEeAAAAaAAAAAAAAAAAAAAAAAAAAAAAAAAAAAAAECcAABAnAAAAAAAAAAAAAAAAAAAAAAAAAAAAAAAAAAAAAAAAAAAAABQAAAAAAAAAwMD/AAAAAABkAAAAMgAAAAAAAABkAAAAAAAAAH9/fwAKAAAAIgAAABgAAAAAAAAAAAAAAAAAAAAAAAAAAAAAAAAAAAAkAAAAJAAAAAAAAAAHAAAAAAAAAAAAAAAAAAAAAAAAAAAAAAAAAAAAf39/ACUAAABYAAAAAAAAAAAAAAAAAAAAAAAAAAAAAAAAAAAAAAAAAAAAAAAAAAAAAAAAAAAAAAA/AAAAAAAAAKCGAQAAAAAAAAAAAAAAAAAMAAAAAQAAAAAAAAAAAAAAAAAAAB8AAABUAAAAAAAABQAAAAEAAAAAAAAAAAAAAAAAAAAAAAAAAAAAAAAAAAAAAAAAAAAAAAJ/f38AAAAAA8zMzADAwP8Af39/AAAAAAAAAAAAAAAAAAAAAAAAAAAAIQAAABgAAAAUAAAAwAMAALABAABARwAAuAgAABAAAAAmAAAACAAAAAAAAAAAAAAAMAAAABQAAAAAAAAAAAD//wAAAQAAAP//AAABAA=="/>
               </a:ext>
             </a:extLst>
           </p:cNvSpPr>
@@ -1249,7 +1249,7 @@
             <a:spLocks noGrp="1" noChangeArrowheads="1"/>
             <a:extLst>
               <a:ext uri="smNativeData">
-                <pr:smNativeData xmlns:pr="smNativeData" xmlns="smNativeData" val="SMDATA_16_V9F3ZxMAAAAlAAAAZAAAAA8BAAAAkAAAAEgAAACQAAAASAAAAAAAAAAAAAAAAAAAAAEAAABQAAAAAAAAAAAA4D8AAAAAAADgPwAAAAAAAOA/AAAAAAAA4D8AAAAAAADgPwAAAAAAAOA/AAAAAAAA4D8AAAAAAADgPwAAAAAAAOA/AAAAAAAA4D8CAAAAjAAAAAAAAAAAAAAAu+DjDP///wgAAAAAAAAAAAAAAAAAAAAAAAAAAAAAAAAAAAAAZAAAAAEAAABAAAAAAAAAAAAAAAAAAAAAAAAAAAAAAAAAAAAAAAAAAAAAAAAAAAAAAAAAAAAAAAAAAAAAAAAAAAAAAAAAAAAAAAAAAAAAAAAAAAAAAAAAAAAAAAAAAAAAFAAAADwAAAAAAAAAAAAAAAAAAAkUAAAAAQAAABQAAAAUAAAAFAAAAAEAAAAAAAAAZAAAAGQAAAAAAAAAZAAAAGQAAAAVAAAAYAAAAAAAAAAAAAAADwAAACADAAAAAAAAAAAAAAEAAACgMgAAVgcAAKr4//8BAAAAf39/AAEAAABkAAAAAAAAABQAAABAHwAAAAAAACYAAAAAAAAAwOD//wAAAAAmAAAAZAAAABYAAABMAAAAAAAAAAAAAAAEAAAAAAAAAAEAAACAgIAKAAAAACgAAAAoAAAAZAAAAGQAAAAAAAAAzMzMAAAAAABQAAAAUAAAAGQAAABkAAAAAAAAABcAAAAUAAAAAAAAAAAAAAD/fwAA/38AAAAAAAAJAAAABAAAANw7IAEeAAAAaAAAAAAAAAAAAAAAAAAAAAAAAAAAAAAAECcAABAnAAAAAAAAAAAAAAAAAAAAAAAAAAAAAAAAAAAAAAAAAAAAABQAAAAAAAAAwMD/AAAAAABkAAAAMgAAAAAAAABkAAAAAAAAAH9/fwAKAAAAIgAAABgAAAAAAAAAAAAAAAAAAAAAAAAAAAAAAAAAAAAkAAAAJAAAAAAAAAAHAAAAAAAAAAAAAAAAAAAAAAAAAAAAAAAAAAAAf39/ACUAAABYAAAAAAAAAAAAAAAAAAAAAAAAAAAAAAAAAAAAAAAAAAAAAAAAAAAAAAAAAAAAAAA/AAAAAAAAAKCGAQAAAAAAAAAAAAAAAAAMAAAAAQAAAAAAAAAAAAAAAAAAAB8AAABUAAAAAAAABQAAAAEAAAAAAAAAAAAAAAAAAAAAAAAAAAAAAAAAAAAAAAAAAAAAAAJ/f38AAAAAA8zMzADAwP8Af39/AAAAAAAAAAAAAAAAAAAAAAAAAAAAIQAAABgAAAAUAAAAwAMAANgJAADhJAAAsCUAABAAAAAmAAAACAAAAAGAAAAAAAAAMAAAABQAAAAAAAAAAAD//wAAAQAAAP//AAABAA=="/>
+                <pr:smNativeData xmlns:pr="smNativeData" xmlns="smNativeData" val="SMDATA_16_CqSDZxMAAAAlAAAAZAAAAA8BAAAAkAAAAEgAAACQAAAASAAAAAAAAAAAAAAAAAAAAAEAAABQAAAAAAAAAAAA4D8AAAAAAADgPwAAAAAAAOA/AAAAAAAA4D8AAAAAAADgPwAAAAAAAOA/AAAAAAAA4D8AAAAAAADgPwAAAAAAAOA/AAAAAAAA4D8CAAAAjAAAAAAAAAAAAAAAu+DjDP///wgAAAAAAAAAAAAAAAAAAAAAAAAAAAAAAAAAAAAAZAAAAAEAAABAAAAAAAAAAAAAAAAAAAAAAAAAAAAAAAAAAAAAAAAAAAAAAAAAAAAAAAAAAAAAAAAAAAAAAAAAAAAAAAAAAAAAAAAAAAAAAAAAAAAAAAAAAAAAAAAAAAAAFAAAADwAAAAAAAAAAAAAAAAAAAkUAAAAAQAAABQAAAAUAAAAFAAAAAEAAAAAAAAAZAAAAGQAAAAAAAAAZAAAAGQAAAAVAAAAYAAAAAAAAAAAAAAADwAAACADAAAAAAAAAAAAAAEAAACgMgAAVgcAAKr4//8BAAAAf39/AAEAAABkAAAAAAAAABQAAABAHwAAAAAAACYAAAAAAAAAwOD//wAAAAAmAAAAZAAAABYAAABMAAAAAAAAAAAAAAAEAAAAAAAAAAEAAACAgIAKAAAAACgAAAAoAAAAZAAAAGQAAAAAAAAAzMzMAAAAAABQAAAAUAAAAGQAAABkAAAAAAAAABcAAAAUAAAAAAAAAAAAAAD/fwAA/38AAAAAAAAJAAAABAAAANw7IAEeAAAAaAAAAAAAAAAAAAAAAAAAAAAAAAAAAAAAECcAABAnAAAAAAAAAAAAAAAAAAAAAAAAAAAAAAAAAAAAAAAAAAAAABQAAAAAAAAAwMD/AAAAAABkAAAAMgAAAAAAAABkAAAAAAAAAH9/fwAKAAAAIgAAABgAAAAAAAAAAAAAAAAAAAAAAAAAAAAAAAAAAAAkAAAAJAAAAAAAAAAHAAAAAAAAAAAAAAAAAAAAAAAAAAAAAAAAAAAAf39/ACUAAABYAAAAAAAAAAAAAAAAAAAAAAAAAAAAAAAAAAAAAAAAAAAAAAAAAAAAAAAAAAAAAAA/AAAAAAAAAKCGAQAAAAAAAAAAAAAAAAAMAAAAAQAAAAAAAAAAAAAAAAAAAB8AAABUAAAAAAAABQAAAAEAAAAAAAAAAAAAAAAAAAAAAAAAAAAAAAAAAAAAAAAAAAAAAAJ/f38AAAAAA8zMzADAwP8Af39/AAAAAAAAAAAAAAAAAAAAAAAAAAAAIQAAABgAAAAUAAAAwAMAANgJAADhJAAAsCUAABAAAAAmAAAACAAAAAGAAAAAAAAAMAAAABQAAAAAAAAAAAD//wAAAQAAAP//AAABAA=="/>
               </a:ext>
             </a:extLst>
           </p:cNvSpPr>
@@ -1333,7 +1333,7 @@
             <a:spLocks noGrp="1" noChangeArrowheads="1"/>
             <a:extLst>
               <a:ext uri="smNativeData">
-                <pr:smNativeData xmlns:pr="smNativeData" xmlns="smNativeData" val="SMDATA_16_V9F3ZxMAAAAlAAAAZAAAAA8BAAAAkAAAAEgAAACQAAAASAAAAAAAAAAAAAAAAAAAAAEAAABQAAAAAAAAAAAA4D8AAAAAAADgPwAAAAAAAOA/AAAAAAAA4D8AAAAAAADgPwAAAAAAAOA/AAAAAAAA4D8AAAAAAADgPwAAAAAAAOA/AAAAAAAA4D8CAAAAjAAAAAAAAAAAAAAAu+DjDP///wgAAAAAAAAAAAAAAAAAAAAAAAAAAAAAAAAAAAAAZAAAAAEAAABAAAAAAAAAAAAAAAAAAAAAAAAAAAAAAAAAAAAAAAAAAAAAAAAAAAAAAAAAAAAAAAAAAAAAAAAAAAAAAAAAAAAAAAAAAAAAAAAAAAAAAAAAAAAAAAAAAAAAFAAAADwAAAAAAAAAAAAAAAAAAAkUAAAAAQAAABQAAAAUAAAAFAAAAAEAAAAAAAAAZAAAAGQAAAAAAAAAZAAAAGQAAAAVAAAAYAAAAAAAAAAAAAAADwAAACADAAAAAAAAAAAAAAEAAACgMgAAVgcAAKr4//8BAAAAf39/AAEAAABkAAAAAAAAABQAAABAHwAAAAAAACYAAAAAAAAAwOD//wAAAAAmAAAAZAAAABYAAABMAAAAAAAAAAAAAAAEAAAAAAAAAAEAAACAgIAKAAAAACgAAAAoAAAAZAAAAGQAAAAAAAAAzMzMAAAAAABQAAAAUAAAAGQAAABkAAAAAAAAABcAAAAUAAAAAAAAAAAAAAD/fwAA/38AAAAAAAAJAAAABAAAANw7IAEeAAAAaAAAAAAAAAAAAAAAAAAAAAAAAAAAAAAAECcAABAnAAAAAAAAAAAAAAAAAAAAAAAAAAAAAAAAAAAAAAAAAAAAABQAAAAAAAAAwMD/AAAAAABkAAAAMgAAAAAAAABkAAAAAAAAAH9/fwAKAAAAIgAAABgAAAAAAAAAAAAAAAAAAAAAAAAAAAAAAAAAAAAkAAAAJAAAAAAAAAAHAAAAAAAAAAAAAAAAAAAAAAAAAAAAAAAAAAAAf39/ACUAAABYAAAAAAAAAAAAAAAAAAAAAAAAAAAAAAAAAAAAAAAAAAAAAAAAAAAAAAAAAAAAAAA/AAAAAAAAAKCGAQAAAAAAAAAAAAAAAAAMAAAAAQAAAAAAAAAAAAAAAAAAAB8AAABUAAAAAAAABQAAAAEAAAAAAAAAAAAAAAAAAAAAAAAAAAAAAAAAAAAAAAAAAAAAAAJ/f38AAAAAA8zMzADAwP8Af39/AAAAAAAAAAAAAAAAAAAAAAAAAAAAIQAAABgAAAAUAAAAHyYAANgJAABARwAAsCUAABAAAAAmAAAACAAAAAGAAAAAAAAAMAAAABQAAAAAAAAAAAD//wAAAQAAAP//AAABAA=="/>
+                <pr:smNativeData xmlns:pr="smNativeData" xmlns="smNativeData" val="SMDATA_16_CqSDZxMAAAAlAAAAZAAAAA8BAAAAkAAAAEgAAACQAAAASAAAAAAAAAAAAAAAAAAAAAEAAABQAAAAAAAAAAAA4D8AAAAAAADgPwAAAAAAAOA/AAAAAAAA4D8AAAAAAADgPwAAAAAAAOA/AAAAAAAA4D8AAAAAAADgPwAAAAAAAOA/AAAAAAAA4D8CAAAAjAAAAAAAAAAAAAAAu+DjDP///wgAAAAAAAAAAAAAAAAAAAAAAAAAAAAAAAAAAAAAZAAAAAEAAABAAAAAAAAAAAAAAAAAAAAAAAAAAAAAAAAAAAAAAAAAAAAAAAAAAAAAAAAAAAAAAAAAAAAAAAAAAAAAAAAAAAAAAAAAAAAAAAAAAAAAAAAAAAAAAAAAAAAAFAAAADwAAAAAAAAAAAAAAAAAAAkUAAAAAQAAABQAAAAUAAAAFAAAAAEAAAAAAAAAZAAAAGQAAAAAAAAAZAAAAGQAAAAVAAAAYAAAAAAAAAAAAAAADwAAACADAAAAAAAAAAAAAAEAAACgMgAAVgcAAKr4//8BAAAAf39/AAEAAABkAAAAAAAAABQAAABAHwAAAAAAACYAAAAAAAAAwOD//wAAAAAmAAAAZAAAABYAAABMAAAAAAAAAAAAAAAEAAAAAAAAAAEAAACAgIAKAAAAACgAAAAoAAAAZAAAAGQAAAAAAAAAzMzMAAAAAABQAAAAUAAAAGQAAABkAAAAAAAAABcAAAAUAAAAAAAAAAAAAAD/fwAA/38AAAAAAAAJAAAABAAAANw7IAEeAAAAaAAAAAAAAAAAAAAAAAAAAAAAAAAAAAAAECcAABAnAAAAAAAAAAAAAAAAAAAAAAAAAAAAAAAAAAAAAAAAAAAAABQAAAAAAAAAwMD/AAAAAABkAAAAMgAAAAAAAABkAAAAAAAAAH9/fwAKAAAAIgAAABgAAAAAAAAAAAAAAAAAAAAAAAAAAAAAAAAAAAAkAAAAJAAAAAAAAAAHAAAAAAAAAAAAAAAAAAAAAAAAAAAAAAAAAAAAf39/ACUAAABYAAAAAAAAAAAAAAAAAAAAAAAAAAAAAAAAAAAAAAAAAAAAAAAAAAAAAAAAAAAAAAA/AAAAAAAAAKCGAQAAAAAAAAAAAAAAAAAMAAAAAQAAAAAAAAAAAAAAAAAAAB8AAABUAAAAAAAABQAAAAEAAAAAAAAAAAAAAAAAAAAAAAAAAAAAAAAAAAAAAAAAAAAAAAJ/f38AAAAAA8zMzADAwP8Af39/AAAAAAAAAAAAAAAAAAAAAAAAAAAAIQAAABgAAAAUAAAAHyYAANgJAABARwAAsCUAABAAAAAmAAAACAAAAAGAAAAAAAAAMAAAABQAAAAAAAAAAAD//wAAAQAAAP//AAABAA=="/>
               </a:ext>
             </a:extLst>
           </p:cNvSpPr>
@@ -1417,7 +1417,7 @@
             <a:spLocks noGrp="1" noChangeArrowheads="1"/>
             <a:extLst>
               <a:ext uri="smNativeData">
-                <pr:smNativeData xmlns:pr="smNativeData" xmlns="smNativeData" val="SMDATA_16_V9F3ZxMAAAAlAAAAZAAAAA8BAAAAkAAAAEgAAACQAAAASAAAAAAAAAABAAAAAAAAAAEAAABQAAAAAAAAAAAA4D8AAAAAAADgPwAAAAAAAOA/AAAAAAAA4D8AAAAAAADgPwAAAAAAAOA/AAAAAAAA4D8AAAAAAADgPwAAAAAAAOA/AAAAAAAA4D8CAAAAjAAAAAAAAAAAAAAAu+DjDP///wgAAAAAAAAAAAAAAAAAAAAAAAAAAAAAAAAAAAAAZAAAAAEAAABAAAAAAAAAAAAAAAAAAAAAAAAAAAAAAAAAAAAAAAAAAAAAAAAAAAAAAAAAAAAAAAAAAAAAAAAAAAAAAAAAAAAAAAAAAAAAAAAAAAAAAAAAAAAAAAAAAAAAFAAAADwAAAAAAAAAAAAAAAAAAAkUAAAAAQAAABQAAAAUAAAAFAAAAAEAAAAAAAAAZAAAAGQAAAAAAAAAZAAAAGQAAAAVAAAAYAAAAAAAAAAAAAAADwAAACADAAAAAAAAAAAAAAEAAACgMgAAVgcAAKr4//8BAAAAf39/AAEAAABkAAAAAAAAABQAAABAHwAAAAAAACYAAAAAAAAAwOD//wAAAAAmAAAAZAAAABYAAABMAAAAAAAAAAAAAAAEAAAAAAAAAAEAAACAgIAKAAAAACgAAAAoAAAAZAAAAGQAAAAAAAAAzMzMAAAAAABQAAAAUAAAAGQAAABkAAAAAAAAABcAAAAUAAAAAAAAAAAAAAD/fwAA/38AAAAAAAAJAAAABAAAANw7IAEeAAAAaAAAAAAAAAAAAAAAAAAAAAAAAAAAAAAAECcAABAnAAAAAAAAAAAAAAAAAAAAAAAAAAAAAAAAAAAAAAAAAAAAABQAAAAAAAAAwMD/AAAAAABkAAAAMgAAAAAAAABkAAAAAAAAAH9/fwAKAAAAIgAAABgAAAAAAAAAAAAAAAAAAAAAAAAAAAAAAAAAAAAkAAAAJAAAAAAAAAAHAAAAAAAAAAAAAAAAAAAAAAAAAAAAAAAAAAAAf39/ACUAAABYAAAAAAAAAAAAAAAAAAAAAAAAAAAAAAAAAAAAAAAAAAAAAAAAAAAAAAAAAAAAAAA/AAAAAAAAAKCGAQAAAAAAAAAAAAAAAAAMAAAAAQAAAAAAAAAAAAAAAAAAAB8AAABUAAAAAAAABQAAAAEAAAAAAAAAAAAAAAAAAAAAAAAAAAAAAAAAAAAAAAAAAAAAAAJ/f38AAAAAA8zMzADAwP8Af39/AAAAAAAAAAAAAAAAAAAAAAAAAAAAIQAAABgAAAAUAAAAwAMAABsnAAA/FQAAWSkAABAAAAAmAAAACAAAAAAAAAAAAAAAMAAAABQAAAAAAAAAAAD//wAAAQAAAP//AAABAA=="/>
+                <pr:smNativeData xmlns:pr="smNativeData" xmlns="smNativeData" val="SMDATA_16_CqSDZxMAAAAlAAAAZAAAAA8BAAAAkAAAAEgAAACQAAAASAAAAAAAAAABAAAAAAAAAAEAAABQAAAAAAAAAAAA4D8AAAAAAADgPwAAAAAAAOA/AAAAAAAA4D8AAAAAAADgPwAAAAAAAOA/AAAAAAAA4D8AAAAAAADgPwAAAAAAAOA/AAAAAAAA4D8CAAAAjAAAAAAAAAAAAAAAu+DjDP///wgAAAAAAAAAAAAAAAAAAAAAAAAAAAAAAAAAAAAAZAAAAAEAAABAAAAAAAAAAAAAAAAAAAAAAAAAAAAAAAAAAAAAAAAAAAAAAAAAAAAAAAAAAAAAAAAAAAAAAAAAAAAAAAAAAAAAAAAAAAAAAAAAAAAAAAAAAAAAAAAAAAAAFAAAADwAAAAAAAAAAAAAAAAAAAkUAAAAAQAAABQAAAAUAAAAFAAAAAEAAAAAAAAAZAAAAGQAAAAAAAAAZAAAAGQAAAAVAAAAYAAAAAAAAAAAAAAADwAAACADAAAAAAAAAAAAAAEAAACgMgAAVgcAAKr4//8BAAAAf39/AAEAAABkAAAAAAAAABQAAABAHwAAAAAAACYAAAAAAAAAwOD//wAAAAAmAAAAZAAAABYAAABMAAAAAAAAAAAAAAAEAAAAAAAAAAEAAACAgIAKAAAAACgAAAAoAAAAZAAAAGQAAAAAAAAAzMzMAAAAAABQAAAAUAAAAGQAAABkAAAAAAAAABcAAAAUAAAAAAAAAAAAAAD/fwAA/38AAAAAAAAJAAAABAAAANw7IAEeAAAAaAAAAAAAAAAAAAAAAAAAAAAAAAAAAAAAECcAABAnAAAAAAAAAAAAAAAAAAAAAAAAAAAAAAAAAAAAAAAAAAAAABQAAAAAAAAAwMD/AAAAAABkAAAAMgAAAAAAAABkAAAAAAAAAH9/fwAKAAAAIgAAABgAAAAAAAAAAAAAAAAAAAAAAAAAAAAAAAAAAAAkAAAAJAAAAAAAAAAHAAAAAAAAAAAAAAAAAAAAAAAAAAAAAAAAAAAAf39/ACUAAABYAAAAAAAAAAAAAAAAAAAAAAAAAAAAAAAAAAAAAAAAAAAAAAAAAAAAAAAAAAAAAAA/AAAAAAAAAKCGAQAAAAAAAAAAAAAAAAAMAAAAAQAAAAAAAAAAAAAAAAAAAB8AAABUAAAAAAAABQAAAAEAAAAAAAAAAAAAAAAAAAAAAAAAAAAAAAAAAAAAAAAAAAAAAAJ/f38AAAAAA8zMzADAwP8Af39/AAAAAAAAAAAAAAAAAAAAAAAAAAAAIQAAABgAAAAUAAAAwAMAABsnAAA/FQAAWSkAABAAAAAmAAAACAAAAAAAAAAAAAAAMAAAABQAAAAAAAAAAAD//wAAAQAAAP//AAABAA=="/>
               </a:ext>
             </a:extLst>
           </p:cNvSpPr>
@@ -1431,7 +1431,7 @@
           <a:lstStyle/>
           <a:p>
             <a:pPr/>
-            <a:fld id="{3F80A365-2BD2-D555-9C38-DD00ED766A88}" type="datetime1">
+            <a:fld id="{3F538619-57D2-0670-9CEB-A125C8A56AF4}" type="datetime1">
               <a:t/>
             </a:fld>
           </a:p>
@@ -1444,7 +1444,7 @@
             <a:spLocks noGrp="1" noChangeArrowheads="1"/>
             <a:extLst>
               <a:ext uri="smNativeData">
-                <pr:smNativeData xmlns:pr="smNativeData" xmlns="smNativeData" val="SMDATA_16_V9F3ZxMAAAAlAAAAZAAAAA8BAAAAkAAAAEgAAACQAAAASAAAAAAAAAABAAAAAAAAAAEAAABQAAAAAAAAAAAA4D8AAAAAAADgPwAAAAAAAOA/AAAAAAAA4D8AAAAAAADgPwAAAAAAAOA/AAAAAAAA4D8AAAAAAADgPwAAAAAAAOA/AAAAAAAA4D8CAAAAjAAAAAAAAAAAAAAAu+DjDP///wgAAAAAAAAAAAAAAAAAAAAAAAAAAAAAAAAAAAAAZAAAAAEAAABAAAAAAAAAAAAAAAAAAAAAAAAAAAAAAAAAAAAAAAAAAAAAAAAAAAAAAAAAAAAAAAAAAAAAAAAAAAAAAAAAAAAAAAAAAAAAAAAAAAAAAAAAAAAAAAAAAAAAFAAAADwAAAAAAAAAAAAAAAAAAAkUAAAAAQAAABQAAAAUAAAAFAAAAAEAAAAAAAAAZAAAAGQAAAAAAAAAZAAAAGQAAAAVAAAAYAAAAAAAAAAAAAAADwAAACADAAAAAAAAAAAAAAEAAACgMgAAVgcAAKr4//8BAAAAf39/AAEAAABkAAAAAAAAABQAAABAHwAAAAAAACYAAAAAAAAAwOD//wAAAAAmAAAAZAAAABYAAABMAAAAAAAAAAAAAAAEAAAAAAAAAAEAAACAgIAKAAAAACgAAAAoAAAAZAAAAGQAAAAAAAAAzMzMAAAAAABQAAAAUAAAAGQAAABkAAAAAAAAABcAAAAUAAAAAAAAAAAAAAD/fwAA/38AAAAAAAAJAAAABAAAANw7IAEeAAAAaAAAAAAAAAAAAAAAAAAAAAAAAAAAAAAAECcAABAnAAAAAAAAAAAAAAAAAAAAAAAAAAAAAAAAAAAAAAAAAAAAABQAAAAAAAAAwMD/AAAAAABkAAAAMgAAAAAAAABkAAAAAAAAAH9/fwAKAAAAIgAAABgAAAAAAAAAAAAAAAAAAAAAAAAAAAAAAAAAAAAkAAAAJAAAAAAAAAAHAAAAAAAAAAAAAAAAAAAAAAAAAAAAAAAAAAAAf39/ACUAAABYAAAAAAAAAAAAAAAAAAAAAAAAAAAAAAAAAAAAAAAAAAAAAAAAAAAAAAAAAAAAAAA/AAAAAAAAAKCGAQAAAAAAAAAAAAAAAAAMAAAAAQAAAAAAAAAAAAAAAAAAAB8AAABUAAAAAAAABQAAAAEAAAAAAAAAAAAAAAAAAAAAAAAAAAAAAAAAAAAAAAAAAAAAAAJ/f38AAAAAA8zMzADAwP8Af39/AAAAAAAAAAAAAAAAAAAAAAAAAAAAIQAAABgAAAAUAAAAoRkAABsnAABfMQAAWSkAABAAAAAmAAAACAAAAAAAAAAAAAAAMAAAABQAAAAAAAAAAAD//wAAAQAAAP//AAABAA=="/>
+                <pr:smNativeData xmlns:pr="smNativeData" xmlns="smNativeData" val="SMDATA_16_CqSDZxMAAAAlAAAAZAAAAA8BAAAAkAAAAEgAAACQAAAASAAAAAAAAAABAAAAAAAAAAEAAABQAAAAAAAAAAAA4D8AAAAAAADgPwAAAAAAAOA/AAAAAAAA4D8AAAAAAADgPwAAAAAAAOA/AAAAAAAA4D8AAAAAAADgPwAAAAAAAOA/AAAAAAAA4D8CAAAAjAAAAAAAAAAAAAAAu+DjDP///wgAAAAAAAAAAAAAAAAAAAAAAAAAAAAAAAAAAAAAZAAAAAEAAABAAAAAAAAAAAAAAAAAAAAAAAAAAAAAAAAAAAAAAAAAAAAAAAAAAAAAAAAAAAAAAAAAAAAAAAAAAAAAAAAAAAAAAAAAAAAAAAAAAAAAAAAAAAAAAAAAAAAAFAAAADwAAAAAAAAAAAAAAAAAAAkUAAAAAQAAABQAAAAUAAAAFAAAAAEAAAAAAAAAZAAAAGQAAAAAAAAAZAAAAGQAAAAVAAAAYAAAAAAAAAAAAAAADwAAACADAAAAAAAAAAAAAAEAAACgMgAAVgcAAKr4//8BAAAAf39/AAEAAABkAAAAAAAAABQAAABAHwAAAAAAACYAAAAAAAAAwOD//wAAAAAmAAAAZAAAABYAAABMAAAAAAAAAAAAAAAEAAAAAAAAAAEAAACAgIAKAAAAACgAAAAoAAAAZAAAAGQAAAAAAAAAzMzMAAAAAABQAAAAUAAAAGQAAABkAAAAAAAAABcAAAAUAAAAAAAAAAAAAAD/fwAA/38AAAAAAAAJAAAABAAAANw7IAEeAAAAaAAAAAAAAAAAAAAAAAAAAAAAAAAAAAAAECcAABAnAAAAAAAAAAAAAAAAAAAAAAAAAAAAAAAAAAAAAAAAAAAAABQAAAAAAAAAwMD/AAAAAABkAAAAMgAAAAAAAABkAAAAAAAAAH9/fwAKAAAAIgAAABgAAAAAAAAAAAAAAAAAAAAAAAAAAAAAAAAAAAAkAAAAJAAAAAAAAAAHAAAAAAAAAAAAAAAAAAAAAAAAAAAAAAAAAAAAf39/ACUAAABYAAAAAAAAAAAAAAAAAAAAAAAAAAAAAAAAAAAAAAAAAAAAAAAAAAAAAAAAAAAAAAA/AAAAAAAAAKCGAQAAAAAAAAAAAAAAAAAMAAAAAQAAAAAAAAAAAAAAAAAAAB8AAABUAAAAAAAABQAAAAEAAAAAAAAAAAAAAAAAAAAAAAAAAAAAAAAAAAAAAAAAAAAAAAJ/f38AAAAAA8zMzADAwP8Af39/AAAAAAAAAAAAAAAAAAAAAAAAAAAAIQAAABgAAAAUAAAAoRkAABsnAABfMQAAWSkAABAAAAAmAAAACAAAAAAAAAAAAAAAMAAAABQAAAAAAAAAAAD//wAAAQAAAP//AAABAA=="/>
               </a:ext>
             </a:extLst>
           </p:cNvSpPr>
@@ -1468,7 +1468,7 @@
             <a:spLocks noGrp="1" noChangeArrowheads="1"/>
             <a:extLst>
               <a:ext uri="smNativeData">
-                <pr:smNativeData xmlns:pr="smNativeData" xmlns="smNativeData" val="SMDATA_16_V9F3ZxMAAAAlAAAAZAAAAA8BAAAAkAAAAEgAAACQAAAASAAAAAAAAAABAAAAAAAAAAEAAABQAAAAAAAAAAAA4D8AAAAAAADgPwAAAAAAAOA/AAAAAAAA4D8AAAAAAADgPwAAAAAAAOA/AAAAAAAA4D8AAAAAAADgPwAAAAAAAOA/AAAAAAAA4D8CAAAAjAAAAAAAAAAAAAAAu+DjDP///wgAAAAAAAAAAAAAAAAAAAAAAAAAAAAAAAAAAAAAZAAAAAEAAABAAAAAAAAAAAAAAAAAAAAAAAAAAAAAAAAAAAAAAAAAAAAAAAAAAAAAAAAAAAAAAAAAAAAAAAAAAAAAAAAAAAAAAAAAAAAAAAAAAAAAAAAAAAAAAAAAAAAAFAAAADwAAAAAAAAAAAAAAAAAAAkUAAAAAQAAABQAAAAUAAAAFAAAAAEAAAAAAAAAZAAAAGQAAAAAAAAAZAAAAGQAAAAVAAAAYAAAAAAAAAAAAAAADwAAACADAAAAAAAAAAAAAAEAAACgMgAAVgcAAKr4//8BAAAAf39/AAEAAABkAAAAAAAAABQAAABAHwAAAAAAACYAAAAAAAAAwOD//wAAAAAmAAAAZAAAABYAAABMAAAAAAAAAAAAAAAEAAAAAAAAAAEAAACAgIAKAAAAACgAAAAoAAAAZAAAAGQAAAAAAAAAzMzMAAAAAABQAAAAUAAAAGQAAABkAAAAAAAAABcAAAAUAAAAAAAAAAAAAAD/fwAA/38AAAAAAAAJAAAABAAAANw7IAEeAAAAaAAAAAAAAAAAAAAAAAAAAAAAAAAAAAAAECcAABAnAAAAAAAAAAAAAAAAAAAAAAAAAAAAAAAAAAAAAAAAAAAAABQAAAAAAAAAwMD/AAAAAABkAAAAMgAAAAAAAABkAAAAAAAAAH9/fwAKAAAAIgAAABgAAAAAAAAAAAAAAAAAAAAAAAAAAAAAAAAAAAAkAAAAJAAAAAAAAAAHAAAAAAAAAAAAAAAAAAAAAAAAAAAAAAAAAAAAf39/ACUAAABYAAAAAAAAAAAAAAAAAAAAAAAAAAAAAAAAAAAAAAAAAAAAAAAAAAAAAAAAAAAAAAA/AAAAAAAAAKCGAQAAAAAAAAAAAAAAAAAMAAAAAQAAAAAAAAAAAAAAAAAAAB8AAABUAAAAAAAABQAAAAEAAAAAAAAAAAAAAAAAAAAAAAAAAAAAAAAAAAAAAAAAAAAAAAJ/f38AAAAAA8zMzADAwP8Af39/AAAAAAAAAAAAAAAAAAAAAAAAAAAAIQAAABgAAAAUAAAAwTUAABsnAABARwAAWSkAABAAAAAmAAAACAAAAAAAAAAAAAAAMAAAABQAAAAAAAAAAAD//wAAAQAAAP//AAABAA=="/>
+                <pr:smNativeData xmlns:pr="smNativeData" xmlns="smNativeData" val="SMDATA_16_CqSDZxMAAAAlAAAAZAAAAA8BAAAAkAAAAEgAAACQAAAASAAAAAAAAAABAAAAAAAAAAEAAABQAAAAAAAAAAAA4D8AAAAAAADgPwAAAAAAAOA/AAAAAAAA4D8AAAAAAADgPwAAAAAAAOA/AAAAAAAA4D8AAAAAAADgPwAAAAAAAOA/AAAAAAAA4D8CAAAAjAAAAAAAAAAAAAAAu+DjDP///wgAAAAAAAAAAAAAAAAAAAAAAAAAAAAAAAAAAAAAZAAAAAEAAABAAAAAAAAAAAAAAAAAAAAAAAAAAAAAAAAAAAAAAAAAAAAAAAAAAAAAAAAAAAAAAAAAAAAAAAAAAAAAAAAAAAAAAAAAAAAAAAAAAAAAAAAAAAAAAAAAAAAAFAAAADwAAAAAAAAAAAAAAAAAAAkUAAAAAQAAABQAAAAUAAAAFAAAAAEAAAAAAAAAZAAAAGQAAAAAAAAAZAAAAGQAAAAVAAAAYAAAAAAAAAAAAAAADwAAACADAAAAAAAAAAAAAAEAAACgMgAAVgcAAKr4//8BAAAAf39/AAEAAABkAAAAAAAAABQAAABAHwAAAAAAACYAAAAAAAAAwOD//wAAAAAmAAAAZAAAABYAAABMAAAAAAAAAAAAAAAEAAAAAAAAAAEAAACAgIAKAAAAACgAAAAoAAAAZAAAAGQAAAAAAAAAzMzMAAAAAABQAAAAUAAAAGQAAABkAAAAAAAAABcAAAAUAAAAAAAAAAAAAAD/fwAA/38AAAAAAAAJAAAABAAAANw7IAEeAAAAaAAAAAAAAAAAAAAAAAAAAAAAAAAAAAAAECcAABAnAAAAAAAAAAAAAAAAAAAAAAAAAAAAAAAAAAAAAAAAAAAAABQAAAAAAAAAwMD/AAAAAABkAAAAMgAAAAAAAABkAAAAAAAAAH9/fwAKAAAAIgAAABgAAAAAAAAAAAAAAAAAAAAAAAAAAAAAAAAAAAAkAAAAJAAAAAAAAAAHAAAAAAAAAAAAAAAAAAAAAAAAAAAAAAAAAAAAf39/ACUAAABYAAAAAAAAAAAAAAAAAAAAAAAAAAAAAAAAAAAAAAAAAAAAAAAAAAAAAAAAAAAAAAA/AAAAAAAAAKCGAQAAAAAAAAAAAAAAAAAMAAAAAQAAAAAAAAAAAAAAAAAAAB8AAABUAAAAAAAABQAAAAEAAAAAAAAAAAAAAAAAAAAAAAAAAAAAAAAAAAAAAAAAAAAAAAJ/f38AAAAAA8zMzADAwP8Af39/AAAAAAAAAAAAAAAAAAAAAAAAAAAAIQAAABgAAAAUAAAAwTUAABsnAABARwAAWSkAABAAAAAmAAAACAAAAAAAAAAAAAAAMAAAABQAAAAAAAAAAAD//wAAAQAAAP//AAABAA=="/>
               </a:ext>
             </a:extLst>
           </p:cNvSpPr>
@@ -1482,7 +1482,7 @@
           <a:lstStyle/>
           <a:p>
             <a:pPr/>
-            <a:fld id="{3F80C4F5-BBD2-D532-9C38-4D678A766A18}" type="slidenum">
+            <a:fld id="{3F53848A-C4D2-0672-9CEB-3227CAA56A67}" type="slidenum">
               <a:t/>
             </a:fld>
           </a:p>
@@ -1521,7 +1521,7 @@
             <a:spLocks noGrp="1" noChangeArrowheads="1"/>
             <a:extLst>
               <a:ext uri="smNativeData">
-                <pr:smNativeData xmlns:pr="smNativeData" xmlns="smNativeData" val="SMDATA_16_V9F3ZxMAAAAlAAAAZAAAAA8BAAAAkAAAAEgAAACQAAAASAAAAAAAAAABAAAAAAAAAAEAAABQAAAAAAAAAAAA4D8AAAAAAADgPwAAAAAAAOA/AAAAAAAA4D8AAAAAAADgPwAAAAAAAOA/AAAAAAAA4D8AAAAAAADgPwAAAAAAAOA/AAAAAAAA4D8CAAAAjAAAAAAAAAAAAAAAu+DjDP///wgAAAAAAAAAAAAAAAAAAAAAAAAAAAAAAAAAAAAAZAAAAAEAAABAAAAAAAAAAAAAAAAAAAAAAAAAAAAAAAAAAAAAAAAAAAAAAAAAAAAAAAAAAAAAAAAAAAAAAAAAAAAAAAAAAAAAAAAAAAAAAAAAAAAAAAAAAAAAAAAAAAAAFAAAADwAAAAAAAAAAAAAAAAAAAkUAAAAAQAAABQAAAAUAAAAFAAAAAEAAAAAAAAAZAAAAGQAAAAAAAAAZAAAAGQAAAAVAAAAYAAAAAAAAAAAAAAADwAAACADAAAAAAAAAAAAAAEAAACgMgAAVgcAAKr4//8BAAAAf39/AAEAAABkAAAAAAAAABQAAABAHwAAAAAAACYAAAAAAAAAwOD//wAAAAAmAAAAZAAAABYAAABMAAAAAAAAAAAAAAAEAAAAAAAAAAEAAACAgIAKAAAAACgAAAAoAAAAZAAAAGQAAAAAAAAAzMzMAAAAAABQAAAAUAAAAGQAAABkAAAAAAAAABcAAAAUAAAAAAAAAAAAAAD/fwAA/38AAAAAAAAJAAAABAAAANw7IAEeAAAAaAAAAAAAAAAAAAAAAAAAAAAAAAAAAAAAECcAABAnAAAAAAAAAAAAAAAAAAAAAAAAAAAAAAAAAAAAAAAAAAAAABQAAAAAAAAAwMD/AAAAAABkAAAAMgAAAAAAAABkAAAAAAAAAH9/fwAKAAAAIgAAABgAAAAAAAAAAAAAAAAAAAAAAAAAAAAAAAAAAAAkAAAAJAAAAAAAAAAHAAAAAAAAAAAAAAAAAAAAAAAAAAAAAAAAAAAAf39/ACUAAABYAAAAAAAAAAAAAAAAAAAAAAAAAAAAAAAAAAAAAAAAAAAAAAAAAAAAAAAAAAAAAAA/AAAAAAAAAKCGAQAAAAAAAAAAAAAAAAAMAAAAAQAAAAAAAAAAAAAAAAAAAB8AAABUAAAAAAAABQAAAAEAAAAAAAAAAAAAAAAAAAAAAAAAAAAAAAAAAAAAAAAAAAAAAAJ/f38AAAAAA8zMzADAwP8Af39/AAAAAAAAAAAAAAAAAAAAAAAAAAAAIQAAABgAAAAUAAAAwAMAALABAABARwAAuAgAABAAAAAmAAAACAAAAAAAAAAAAAAAMAAAABQAAAAAAAAAAAD//wAAAQAAAP//AAABAA=="/>
+                <pr:smNativeData xmlns:pr="smNativeData" xmlns="smNativeData" val="SMDATA_16_CqSDZxMAAAAlAAAAZAAAAA8BAAAAkAAAAEgAAACQAAAASAAAAAAAAAABAAAAAAAAAAEAAABQAAAAAAAAAAAA4D8AAAAAAADgPwAAAAAAAOA/AAAAAAAA4D8AAAAAAADgPwAAAAAAAOA/AAAAAAAA4D8AAAAAAADgPwAAAAAAAOA/AAAAAAAA4D8CAAAAjAAAAAAAAAAAAAAAu+DjDP///wgAAAAAAAAAAAAAAAAAAAAAAAAAAAAAAAAAAAAAZAAAAAEAAABAAAAAAAAAAAAAAAAAAAAAAAAAAAAAAAAAAAAAAAAAAAAAAAAAAAAAAAAAAAAAAAAAAAAAAAAAAAAAAAAAAAAAAAAAAAAAAAAAAAAAAAAAAAAAAAAAAAAAFAAAADwAAAAAAAAAAAAAAAAAAAkUAAAAAQAAABQAAAAUAAAAFAAAAAEAAAAAAAAAZAAAAGQAAAAAAAAAZAAAAGQAAAAVAAAAYAAAAAAAAAAAAAAADwAAACADAAAAAAAAAAAAAAEAAACgMgAAVgcAAKr4//8BAAAAf39/AAEAAABkAAAAAAAAABQAAABAHwAAAAAAACYAAAAAAAAAwOD//wAAAAAmAAAAZAAAABYAAABMAAAAAAAAAAAAAAAEAAAAAAAAAAEAAACAgIAKAAAAACgAAAAoAAAAZAAAAGQAAAAAAAAAzMzMAAAAAABQAAAAUAAAAGQAAABkAAAAAAAAABcAAAAUAAAAAAAAAAAAAAD/fwAA/38AAAAAAAAJAAAABAAAANw7IAEeAAAAaAAAAAAAAAAAAAAAAAAAAAAAAAAAAAAAECcAABAnAAAAAAAAAAAAAAAAAAAAAAAAAAAAAAAAAAAAAAAAAAAAABQAAAAAAAAAwMD/AAAAAABkAAAAMgAAAAAAAABkAAAAAAAAAH9/fwAKAAAAIgAAABgAAAAAAAAAAAAAAAAAAAAAAAAAAAAAAAAAAAAkAAAAJAAAAAAAAAAHAAAAAAAAAAAAAAAAAAAAAAAAAAAAAAAAAAAAf39/ACUAAABYAAAAAAAAAAAAAAAAAAAAAAAAAAAAAAAAAAAAAAAAAAAAAAAAAAAAAAAAAAAAAAA/AAAAAAAAAKCGAQAAAAAAAAAAAAAAAAAMAAAAAQAAAAAAAAAAAAAAAAAAAB8AAABUAAAAAAAABQAAAAEAAAAAAAAAAAAAAAAAAAAAAAAAAAAAAAAAAAAAAAAAAAAAAAJ/f38AAAAAA8zMzADAwP8Af39/AAAAAAAAAAAAAAAAAAAAAAAAAAAAIQAAABgAAAAUAAAAwAMAALABAABARwAAuAgAABAAAAAmAAAACAAAAAAAAAAAAAAAMAAAABQAAAAAAAAAAAD//wAAAQAAAP//AAABAA=="/>
               </a:ext>
             </a:extLst>
           </p:cNvSpPr>
@@ -1548,7 +1548,7 @@
             <a:spLocks noGrp="1" noChangeArrowheads="1"/>
             <a:extLst>
               <a:ext uri="smNativeData">
-                <pr:smNativeData xmlns:pr="smNativeData" xmlns="smNativeData" val="SMDATA_16_V9F3ZxMAAAAlAAAAZAAAAA8BAAAAkAAAAEgAAACQAAAASAAAAAAAAAACAAAAAAAAAAEAAABQAAAAAAAAAAAA4D8AAAAAAADgPwAAAAAAAOA/AAAAAAAA4D8AAAAAAADgPwAAAAAAAOA/AAAAAAAA4D8AAAAAAADgPwAAAAAAAOA/AAAAAAAA4D8CAAAAjAAAAAAAAAAAAAAAu+DjDP///wgAAAAAAAAAAAAAAAAAAAAAAAAAAAAAAAAAAAAAZAAAAAEAAABAAAAAAAAAAAAAAAAAAAAAAAAAAAAAAAAAAAAAAAAAAAAAAAAAAAAAAAAAAAAAAAAAAAAAAAAAAAAAAAAAAAAAAAAAAAAAAAAAAAAAAAAAAAAAAAAAAAAAFAAAADwAAAAAAAAAAAAAAAAAAAkUAAAAAQAAABQAAAAUAAAAFAAAAAEAAAAAAAAAZAAAAGQAAAAAAAAAZAAAAGQAAAAVAAAAYAAAAAAAAAAAAAAADwAAACADAAAAAAAAAAAAAAEAAACgMgAAVgcAAKr4//8BAAAAf39/AAEAAABkAAAAAAAAABQAAABAHwAAAAAAACYAAAAAAAAAwOD//wAAAAAmAAAAZAAAABYAAABMAAAAAAAAAAAAAAAEAAAAAAAAAAEAAACAgIAKAAAAACgAAAAoAAAAZAAAAGQAAAAAAAAAzMzMAAAAAABQAAAAUAAAAGQAAABkAAAAAAAAABcAAAAUAAAAAAAAAAAAAAD/fwAA/38AAAAAAAAJAAAABAAAANw7IAEeAAAAaAAAAAAAAAAAAAAAAAAAAAAAAAAAAAAAECcAABAnAAAAAAAAAAAAAAAAAAAAAAAAAAAAAAAAAAAAAAAAAAAAABQAAAAAAAAAwMD/AAAAAABkAAAAMgAAAAAAAABkAAAAAAAAAH9/fwAKAAAAIgAAABgAAAAAAAAAAAAAAAAAAAAAAAAAAAAAAAAAAAAkAAAAJAAAAAAAAAAHAAAAAAAAAAAAAAAAAAAAAAAAAAAAAAAAAAAAf39/ACUAAABYAAAAAAAAAAAAAAAAAAAAAAAAAAAAAAAAAAAAAAAAAAAAAAAAAAAAAAAAAAAAAAA/AAAAAAAAAKCGAQAAAAAAAAAAAAAAAAAMAAAAAQAAAAAAAAAAAAAAAAAAAB8AAABUAAAAAAAABQAAAAEAAAAAAAAAAAAAAAAAAAAAAAAAAAAAAAAAAAAAAAAAAAAAAAJ/f38AAAAAA8zMzADAwP8Af39/AAAAAAAAAAAAAAAAAAAAAAAAAAAAIQAAABgAAAAUAAAAwAMAAHEJAADjJAAAYQ0AABAAAAAmAAAACAAAAIGAAAAAAAAAMAAAABQAAAAAAAAAAAD//wAAAQAAAP//AAABAA=="/>
+                <pr:smNativeData xmlns:pr="smNativeData" xmlns="smNativeData" val="SMDATA_16_CqSDZxMAAAAlAAAAZAAAAA8BAAAAkAAAAEgAAACQAAAASAAAAAAAAAACAAAAAAAAAAEAAABQAAAAAAAAAAAA4D8AAAAAAADgPwAAAAAAAOA/AAAAAAAA4D8AAAAAAADgPwAAAAAAAOA/AAAAAAAA4D8AAAAAAADgPwAAAAAAAOA/AAAAAAAA4D8CAAAAjAAAAAAAAAAAAAAAu+DjDP///wgAAAAAAAAAAAAAAAAAAAAAAAAAAAAAAAAAAAAAZAAAAAEAAABAAAAAAAAAAAAAAAAAAAAAAAAAAAAAAAAAAAAAAAAAAAAAAAAAAAAAAAAAAAAAAAAAAAAAAAAAAAAAAAAAAAAAAAAAAAAAAAAAAAAAAAAAAAAAAAAAAAAAFAAAADwAAAAAAAAAAAAAAAAAAAkUAAAAAQAAABQAAAAUAAAAFAAAAAEAAAAAAAAAZAAAAGQAAAAAAAAAZAAAAGQAAAAVAAAAYAAAAAAAAAAAAAAADwAAACADAAAAAAAAAAAAAAEAAACgMgAAVgcAAKr4//8BAAAAf39/AAEAAABkAAAAAAAAABQAAABAHwAAAAAAACYAAAAAAAAAwOD//wAAAAAmAAAAZAAAABYAAABMAAAAAAAAAAAAAAAEAAAAAAAAAAEAAACAgIAKAAAAACgAAAAoAAAAZAAAAGQAAAAAAAAAzMzMAAAAAABQAAAAUAAAAGQAAABkAAAAAAAAABcAAAAUAAAAAAAAAAAAAAD/fwAA/38AAAAAAAAJAAAABAAAANw7IAEeAAAAaAAAAAAAAAAAAAAAAAAAAAAAAAAAAAAAECcAABAnAAAAAAAAAAAAAAAAAAAAAAAAAAAAAAAAAAAAAAAAAAAAABQAAAAAAAAAwMD/AAAAAABkAAAAMgAAAAAAAABkAAAAAAAAAH9/fwAKAAAAIgAAABgAAAAAAAAAAAAAAAAAAAAAAAAAAAAAAAAAAAAkAAAAJAAAAAAAAAAHAAAAAAAAAAAAAAAAAAAAAAAAAAAAAAAAAAAAf39/ACUAAABYAAAAAAAAAAAAAAAAAAAAAAAAAAAAAAAAAAAAAAAAAAAAAAAAAAAAAAAAAAAAAAA/AAAAAAAAAKCGAQAAAAAAAAAAAAAAAAAMAAAAAQAAAAAAAAAAAAAAAAAAAB8AAABUAAAAAAAABQAAAAEAAAAAAAAAAAAAAAAAAAAAAAAAAAAAAAAAAAAAAAAAAAAAAAJ/f38AAAAAA8zMzADAwP8Af39/AAAAAAAAAAAAAAAAAAAAAAAAAAAAIQAAABgAAAAUAAAAwAMAAHEJAADjJAAAYQ0AABAAAAAmAAAACAAAAIGAAAAAAAAAMAAAABQAAAAAAAAAAAD//wAAAQAAAP//AAABAA=="/>
               </a:ext>
             </a:extLst>
           </p:cNvSpPr>
@@ -1621,7 +1621,7 @@
             <a:spLocks noGrp="1" noChangeArrowheads="1"/>
             <a:extLst>
               <a:ext uri="smNativeData">
-                <pr:smNativeData xmlns:pr="smNativeData" xmlns="smNativeData" val="SMDATA_16_V9F3ZxMAAAAlAAAAZAAAAA8BAAAAkAAAAEgAAACQAAAASAAAAAAAAAAAAAAAAAAAAAEAAABQAAAAAAAAAAAA4D8AAAAAAADgPwAAAAAAAOA/AAAAAAAA4D8AAAAAAADgPwAAAAAAAOA/AAAAAAAA4D8AAAAAAADgPwAAAAAAAOA/AAAAAAAA4D8CAAAAjAAAAAAAAAAAAAAAu+DjDP///wgAAAAAAAAAAAAAAAAAAAAAAAAAAAAAAAAAAAAAZAAAAAEAAABAAAAAAAAAAAAAAAAAAAAAAAAAAAAAAAAAAAAAAAAAAAAAAAAAAAAAAAAAAAAAAAAAAAAAAAAAAAAAAAAAAAAAAAAAAAAAAAAAAAAAAAAAAAAAAAAAAAAAFAAAADwAAAAAAAAAAAAAAAAAAAkUAAAAAQAAABQAAAAUAAAAFAAAAAEAAAAAAAAAZAAAAGQAAAAAAAAAZAAAAGQAAAAVAAAAYAAAAAAAAAAAAAAADwAAACADAAAAAAAAAAAAAAEAAACgMgAAVgcAAKr4//8BAAAAf39/AAEAAABkAAAAAAAAABQAAABAHwAAAAAAACYAAAAAAAAAwOD//wAAAAAmAAAAZAAAABYAAABMAAAAAAAAAAAAAAAEAAAAAAAAAAEAAACAgIAKAAAAACgAAAAoAAAAZAAAAGQAAAAAAAAAzMzMAAAAAABQAAAAUAAAAGQAAABkAAAAAAAAABcAAAAUAAAAAAAAAAAAAAD/fwAA/38AAAAAAAAJAAAABAAAANw7IAEeAAAAaAAAAAAAAAAAAAAAAAAAAAAAAAAAAAAAECcAABAnAAAAAAAAAAAAAAAAAAAAAAAAAAAAAAAAAAAAAAAAAAAAABQAAAAAAAAAwMD/AAAAAABkAAAAMgAAAAAAAABkAAAAAAAAAH9/fwAKAAAAIgAAABgAAAAAAAAAAAAAAAAAAAAAAAAAAAAAAAAAAAAkAAAAJAAAAAAAAAAHAAAAAAAAAAAAAAAAAAAAAAAAAAAAAAAAAAAAf39/ACUAAABYAAAAAAAAAAAAAAAAAAAAAAAAAAAAAAAAAAAAAAAAAAAAAAAAAAAAAAAAAAAAAAA/AAAAAAAAAKCGAQAAAAAAAAAAAAAAAAAMAAAAAQAAAAAAAAAAAAAAAAAAAB8AAABUAAAAAAAABQAAAAEAAAAAAAAAAAAAAAAAAAAAAAAAAAAAAAAAAAAAAAAAAAAAAAJ/f38AAAAAA8zMzADAwP8Af39/AAAAAAAAAAAAAAAAAAAAAAAAAAAAIQAAABgAAAAUAAAAwAMAAGENAADjJAAAsCUAABAAAAAmAAAACAAAAAGAAAAAAAAAMAAAABQAAAAAAAAAAAD//wAAAQAAAP//AAABAA=="/>
+                <pr:smNativeData xmlns:pr="smNativeData" xmlns="smNativeData" val="SMDATA_16_CqSDZxMAAAAlAAAAZAAAAA8BAAAAkAAAAEgAAACQAAAASAAAAAAAAAAAAAAAAAAAAAEAAABQAAAAAAAAAAAA4D8AAAAAAADgPwAAAAAAAOA/AAAAAAAA4D8AAAAAAADgPwAAAAAAAOA/AAAAAAAA4D8AAAAAAADgPwAAAAAAAOA/AAAAAAAA4D8CAAAAjAAAAAAAAAAAAAAAu+DjDP///wgAAAAAAAAAAAAAAAAAAAAAAAAAAAAAAAAAAAAAZAAAAAEAAABAAAAAAAAAAAAAAAAAAAAAAAAAAAAAAAAAAAAAAAAAAAAAAAAAAAAAAAAAAAAAAAAAAAAAAAAAAAAAAAAAAAAAAAAAAAAAAAAAAAAAAAAAAAAAAAAAAAAAFAAAADwAAAAAAAAAAAAAAAAAAAkUAAAAAQAAABQAAAAUAAAAFAAAAAEAAAAAAAAAZAAAAGQAAAAAAAAAZAAAAGQAAAAVAAAAYAAAAAAAAAAAAAAADwAAACADAAAAAAAAAAAAAAEAAACgMgAAVgcAAKr4//8BAAAAf39/AAEAAABkAAAAAAAAABQAAABAHwAAAAAAACYAAAAAAAAAwOD//wAAAAAmAAAAZAAAABYAAABMAAAAAAAAAAAAAAAEAAAAAAAAAAEAAACAgIAKAAAAACgAAAAoAAAAZAAAAGQAAAAAAAAAzMzMAAAAAABQAAAAUAAAAGQAAABkAAAAAAAAABcAAAAUAAAAAAAAAAAAAAD/fwAA/38AAAAAAAAJAAAABAAAANw7IAEeAAAAaAAAAAAAAAAAAAAAAAAAAAAAAAAAAAAAECcAABAnAAAAAAAAAAAAAAAAAAAAAAAAAAAAAAAAAAAAAAAAAAAAABQAAAAAAAAAwMD/AAAAAABkAAAAMgAAAAAAAABkAAAAAAAAAH9/fwAKAAAAIgAAABgAAAAAAAAAAAAAAAAAAAAAAAAAAAAAAAAAAAAkAAAAJAAAAAAAAAAHAAAAAAAAAAAAAAAAAAAAAAAAAAAAAAAAAAAAf39/ACUAAABYAAAAAAAAAAAAAAAAAAAAAAAAAAAAAAAAAAAAAAAAAAAAAAAAAAAAAAAAAAAAAAA/AAAAAAAAAKCGAQAAAAAAAAAAAAAAAAAMAAAAAQAAAAAAAAAAAAAAAAAAAB8AAABUAAAAAAAABQAAAAEAAAAAAAAAAAAAAAAAAAAAAAAAAAAAAAAAAAAAAAAAAAAAAAJ/f38AAAAAA8zMzADAwP8Af39/AAAAAAAAAAAAAAAAAAAAAAAAAAAAIQAAABgAAAAUAAAAwAMAAGENAADjJAAAsCUAABAAAAAmAAAACAAAAAGAAAAAAAAAMAAAABQAAAAAAAAAAAD//wAAAQAAAP//AAABAA=="/>
               </a:ext>
             </a:extLst>
           </p:cNvSpPr>
@@ -1705,7 +1705,7 @@
             <a:spLocks noGrp="1" noChangeArrowheads="1"/>
             <a:extLst>
               <a:ext uri="smNativeData">
-                <pr:smNativeData xmlns:pr="smNativeData" xmlns="smNativeData" val="SMDATA_16_V9F3ZxMAAAAlAAAAZAAAAA8BAAAAkAAAAEgAAACQAAAASAAAAAAAAAACAAAAAAAAAAEAAABQAAAAAAAAAAAA4D8AAAAAAADgPwAAAAAAAOA/AAAAAAAA4D8AAAAAAADgPwAAAAAAAOA/AAAAAAAA4D8AAAAAAADgPwAAAAAAAOA/AAAAAAAA4D8CAAAAjAAAAAAAAAAAAAAAu+DjDP///wgAAAAAAAAAAAAAAAAAAAAAAAAAAAAAAAAAAAAAZAAAAAEAAABAAAAAAAAAAAAAAAAAAAAAAAAAAAAAAAAAAAAAAAAAAAAAAAAAAAAAAAAAAAAAAAAAAAAAAAAAAAAAAAAAAAAAAAAAAAAAAAAAAAAAAAAAAAAAAAAAAAAAFAAAADwAAAAAAAAAAAAAAAAAAAkUAAAAAQAAABQAAAAUAAAAFAAAAAEAAAAAAAAAZAAAAGQAAAAAAAAAZAAAAGQAAAAVAAAAYAAAAAAAAAAAAAAADwAAACADAAAAAAAAAAAAAAEAAACgMgAAVgcAAKr4//8BAAAAf39/AAEAAABkAAAAAAAAABQAAABAHwAAAAAAACYAAAAAAAAAwOD//wAAAAAmAAAAZAAAABYAAABMAAAAAAAAAAAAAAAEAAAAAAAAAAEAAACAgIAKAAAAACgAAAAoAAAAZAAAAGQAAAAAAAAAzMzMAAAAAABQAAAAUAAAAGQAAABkAAAAAAAAABcAAAAUAAAAAAAAAAAAAAD/fwAA/38AAAAAAAAJAAAABAAAANw7IAEeAAAAaAAAAAAAAAAAAAAAAAAAAAAAAAAAAAAAECcAABAnAAAAAAAAAAAAAAAAAAAAAAAAAAAAAAAAAAAAAAAAAAAAABQAAAAAAAAAwMD/AAAAAABkAAAAMgAAAAAAAABkAAAAAAAAAH9/fwAKAAAAIgAAABgAAAAAAAAAAAAAAAAAAAAAAAAAAAAAAAAAAAAkAAAAJAAAAAAAAAAHAAAAAAAAAAAAAAAAAAAAAAAAAAAAAAAAAAAAf39/ACUAAABYAAAAAAAAAAAAAAAAAAAAAAAAAAAAAAAAAAAAAAAAAAAAAAAAAAAAAAAAAAAAAAA/AAAAAAAAAKCGAQAAAAAAAAAAAAAAAAAMAAAAAQAAAAAAAAAAAAAAAAAAAB8AAABUAAAAAAAABQAAAAEAAAAAAAAAAAAAAAAAAAAAAAAAAAAAAAAAAAAAAAAAAAAAAAJ/f38AAAAAA8zMzADAwP8Af39/AAAAAAAAAAAAAAAAAAAAAAAAAAAAIQAAABgAAAAUAAAAHSYAAHEJAABARwAAYQ0AABAAAAAmAAAACAAAAIGAAAAAAAAAMAAAABQAAAAAAAAAAAD//wAAAQAAAP//AAABAA=="/>
+                <pr:smNativeData xmlns:pr="smNativeData" xmlns="smNativeData" val="SMDATA_16_CqSDZxMAAAAlAAAAZAAAAA8BAAAAkAAAAEgAAACQAAAASAAAAAAAAAACAAAAAAAAAAEAAABQAAAAAAAAAAAA4D8AAAAAAADgPwAAAAAAAOA/AAAAAAAA4D8AAAAAAADgPwAAAAAAAOA/AAAAAAAA4D8AAAAAAADgPwAAAAAAAOA/AAAAAAAA4D8CAAAAjAAAAAAAAAAAAAAAu+DjDP///wgAAAAAAAAAAAAAAAAAAAAAAAAAAAAAAAAAAAAAZAAAAAEAAABAAAAAAAAAAAAAAAAAAAAAAAAAAAAAAAAAAAAAAAAAAAAAAAAAAAAAAAAAAAAAAAAAAAAAAAAAAAAAAAAAAAAAAAAAAAAAAAAAAAAAAAAAAAAAAAAAAAAAFAAAADwAAAAAAAAAAAAAAAAAAAkUAAAAAQAAABQAAAAUAAAAFAAAAAEAAAAAAAAAZAAAAGQAAAAAAAAAZAAAAGQAAAAVAAAAYAAAAAAAAAAAAAAADwAAACADAAAAAAAAAAAAAAEAAACgMgAAVgcAAKr4//8BAAAAf39/AAEAAABkAAAAAAAAABQAAABAHwAAAAAAACYAAAAAAAAAwOD//wAAAAAmAAAAZAAAABYAAABMAAAAAAAAAAAAAAAEAAAAAAAAAAEAAACAgIAKAAAAACgAAAAoAAAAZAAAAGQAAAAAAAAAzMzMAAAAAABQAAAAUAAAAGQAAABkAAAAAAAAABcAAAAUAAAAAAAAAAAAAAD/fwAA/38AAAAAAAAJAAAABAAAANw7IAEeAAAAaAAAAAAAAAAAAAAAAAAAAAAAAAAAAAAAECcAABAnAAAAAAAAAAAAAAAAAAAAAAAAAAAAAAAAAAAAAAAAAAAAABQAAAAAAAAAwMD/AAAAAABkAAAAMgAAAAAAAABkAAAAAAAAAH9/fwAKAAAAIgAAABgAAAAAAAAAAAAAAAAAAAAAAAAAAAAAAAAAAAAkAAAAJAAAAAAAAAAHAAAAAAAAAAAAAAAAAAAAAAAAAAAAAAAAAAAAf39/ACUAAABYAAAAAAAAAAAAAAAAAAAAAAAAAAAAAAAAAAAAAAAAAAAAAAAAAAAAAAAAAAAAAAA/AAAAAAAAAKCGAQAAAAAAAAAAAAAAAAAMAAAAAQAAAAAAAAAAAAAAAAAAAB8AAABUAAAAAAAABQAAAAEAAAAAAAAAAAAAAAAAAAAAAAAAAAAAAAAAAAAAAAAAAAAAAAJ/f38AAAAAA8zMzADAwP8Af39/AAAAAAAAAAAAAAAAAAAAAAAAAAAAIQAAABgAAAAUAAAAHSYAAHEJAABARwAAYQ0AABAAAAAmAAAACAAAAIGAAAAAAAAAMAAAABQAAAAAAAAAAAD//wAAAQAAAP//AAABAA=="/>
               </a:ext>
             </a:extLst>
           </p:cNvSpPr>
@@ -1778,7 +1778,7 @@
             <a:spLocks noGrp="1" noChangeArrowheads="1"/>
             <a:extLst>
               <a:ext uri="smNativeData">
-                <pr:smNativeData xmlns:pr="smNativeData" xmlns="smNativeData" val="SMDATA_16_V9F3ZxMAAAAlAAAAZAAAAA8BAAAAkAAAAEgAAACQAAAASAAAAAAAAAAAAAAAAAAAAAEAAABQAAAAAAAAAAAA4D8AAAAAAADgPwAAAAAAAOA/AAAAAAAA4D8AAAAAAADgPwAAAAAAAOA/AAAAAAAA4D8AAAAAAADgPwAAAAAAAOA/AAAAAAAA4D8CAAAAjAAAAAAAAAAAAAAAu+DjDP///wgAAAAAAAAAAAAAAAAAAAAAAAAAAAAAAAAAAAAAZAAAAAEAAABAAAAAAAAAAAAAAAAAAAAAAAAAAAAAAAAAAAAAAAAAAAAAAAAAAAAAAAAAAAAAAAAAAAAAAAAAAAAAAAAAAAAAAAAAAAAAAAAAAAAAAAAAAAAAAAAAAAAAFAAAADwAAAAAAAAAAAAAAAAAAAkUAAAAAQAAABQAAAAUAAAAFAAAAAEAAAAAAAAAZAAAAGQAAAAAAAAAZAAAAGQAAAAVAAAAYAAAAAAAAAAAAAAADwAAACADAAAAAAAAAAAAAAEAAACgMgAAVgcAAKr4//8BAAAAf39/AAEAAABkAAAAAAAAABQAAABAHwAAAAAAACYAAAAAAAAAwOD//wAAAAAmAAAAZAAAABYAAABMAAAAAAAAAAAAAAAEAAAAAAAAAAEAAACAgIAKAAAAACgAAAAoAAAAZAAAAGQAAAAAAAAAzMzMAAAAAABQAAAAUAAAAGQAAABkAAAAAAAAABcAAAAUAAAAAAAAAAAAAAD/fwAA/38AAAAAAAAJAAAABAAAANw7IAEeAAAAaAAAAAAAAAAAAAAAAAAAAAAAAAAAAAAAECcAABAnAAAAAAAAAAAAAAAAAAAAAAAAAAAAAAAAAAAAAAAAAAAAABQAAAAAAAAAwMD/AAAAAABkAAAAMgAAAAAAAABkAAAAAAAAAH9/fwAKAAAAIgAAABgAAAAAAAAAAAAAAAAAAAAAAAAAAAAAAAAAAAAkAAAAJAAAAAAAAAAHAAAAAAAAAAAAAAAAAAAAAAAAAAAAAAAAAAAAf39/ACUAAABYAAAAAAAAAAAAAAAAAAAAAAAAAAAAAAAAAAAAAAAAAAAAAAAAAAAAAAAAAAAAAAA/AAAAAAAAAKCGAQAAAAAAAAAAAAAAAAAMAAAAAQAAAAAAAAAAAAAAAAAAAB8AAABUAAAAAAAABQAAAAEAAAAAAAAAAAAAAAAAAAAAAAAAAAAAAAAAAAAAAAAAAAAAAAJ/f38AAAAAA8zMzADAwP8Af39/AAAAAAAAAAAAAAAAAAAAAAAAAAAAIQAAABgAAAAUAAAAHSYAAGENAABARwAAsCUAABAAAAAmAAAACAAAAAGAAAAAAAAAMAAAABQAAAAAAAAAAAD//wAAAQAAAP//AAABAA=="/>
+                <pr:smNativeData xmlns:pr="smNativeData" xmlns="smNativeData" val="SMDATA_16_CqSDZxMAAAAlAAAAZAAAAA8BAAAAkAAAAEgAAACQAAAASAAAAAAAAAAAAAAAAAAAAAEAAABQAAAAAAAAAAAA4D8AAAAAAADgPwAAAAAAAOA/AAAAAAAA4D8AAAAAAADgPwAAAAAAAOA/AAAAAAAA4D8AAAAAAADgPwAAAAAAAOA/AAAAAAAA4D8CAAAAjAAAAAAAAAAAAAAAu+DjDP///wgAAAAAAAAAAAAAAAAAAAAAAAAAAAAAAAAAAAAAZAAAAAEAAABAAAAAAAAAAAAAAAAAAAAAAAAAAAAAAAAAAAAAAAAAAAAAAAAAAAAAAAAAAAAAAAAAAAAAAAAAAAAAAAAAAAAAAAAAAAAAAAAAAAAAAAAAAAAAAAAAAAAAFAAAADwAAAAAAAAAAAAAAAAAAAkUAAAAAQAAABQAAAAUAAAAFAAAAAEAAAAAAAAAZAAAAGQAAAAAAAAAZAAAAGQAAAAVAAAAYAAAAAAAAAAAAAAADwAAACADAAAAAAAAAAAAAAEAAACgMgAAVgcAAKr4//8BAAAAf39/AAEAAABkAAAAAAAAABQAAABAHwAAAAAAACYAAAAAAAAAwOD//wAAAAAmAAAAZAAAABYAAABMAAAAAAAAAAAAAAAEAAAAAAAAAAEAAACAgIAKAAAAACgAAAAoAAAAZAAAAGQAAAAAAAAAzMzMAAAAAABQAAAAUAAAAGQAAABkAAAAAAAAABcAAAAUAAAAAAAAAAAAAAD/fwAA/38AAAAAAAAJAAAABAAAANw7IAEeAAAAaAAAAAAAAAAAAAAAAAAAAAAAAAAAAAAAECcAABAnAAAAAAAAAAAAAAAAAAAAAAAAAAAAAAAAAAAAAAAAAAAAABQAAAAAAAAAwMD/AAAAAABkAAAAMgAAAAAAAABkAAAAAAAAAH9/fwAKAAAAIgAAABgAAAAAAAAAAAAAAAAAAAAAAAAAAAAAAAAAAAAkAAAAJAAAAAAAAAAHAAAAAAAAAAAAAAAAAAAAAAAAAAAAAAAAAAAAf39/ACUAAABYAAAAAAAAAAAAAAAAAAAAAAAAAAAAAAAAAAAAAAAAAAAAAAAAAAAAAAAAAAAAAAA/AAAAAAAAAKCGAQAAAAAAAAAAAAAAAAAMAAAAAQAAAAAAAAAAAAAAAAAAAB8AAABUAAAAAAAABQAAAAEAAAAAAAAAAAAAAAAAAAAAAAAAAAAAAAAAAAAAAAAAAAAAAAJ/f38AAAAAA8zMzADAwP8Af39/AAAAAAAAAAAAAAAAAAAAAAAAAAAAIQAAABgAAAAUAAAAHSYAAGENAABARwAAsCUAABAAAAAmAAAACAAAAAGAAAAAAAAAMAAAABQAAAAAAAAAAAD//wAAAQAAAP//AAABAA=="/>
               </a:ext>
             </a:extLst>
           </p:cNvSpPr>
@@ -1862,7 +1862,7 @@
             <a:spLocks noGrp="1" noChangeArrowheads="1"/>
             <a:extLst>
               <a:ext uri="smNativeData">
-                <pr:smNativeData xmlns:pr="smNativeData" xmlns="smNativeData" val="SMDATA_16_V9F3ZxMAAAAlAAAAZAAAAA8BAAAAkAAAAEgAAACQAAAASAAAAAAAAAABAAAAAAAAAAEAAABQAAAAAAAAAAAA4D8AAAAAAADgPwAAAAAAAOA/AAAAAAAA4D8AAAAAAADgPwAAAAAAAOA/AAAAAAAA4D8AAAAAAADgPwAAAAAAAOA/AAAAAAAA4D8CAAAAjAAAAAAAAAAAAAAAu+DjDP///wgAAAAAAAAAAAAAAAAAAAAAAAAAAAAAAAAAAAAAZAAAAAEAAABAAAAAAAAAAAAAAAAAAAAAAAAAAAAAAAAAAAAAAAAAAAAAAAAAAAAAAAAAAAAAAAAAAAAAAAAAAAAAAAAAAAAAAAAAAAAAAAAAAAAAAAAAAAAAAAAAAAAAFAAAADwAAAAAAAAAAAAAAAAAAAkUAAAAAQAAABQAAAAUAAAAFAAAAAEAAAAAAAAAZAAAAGQAAAAAAAAAZAAAAGQAAAAVAAAAYAAAAAAAAAAAAAAADwAAACADAAAAAAAAAAAAAAEAAACgMgAAVgcAAKr4//8BAAAAf39/AAEAAABkAAAAAAAAABQAAABAHwAAAAAAACYAAAAAAAAAwOD//wAAAAAmAAAAZAAAABYAAABMAAAAAAAAAAAAAAAEAAAAAAAAAAEAAACAgIAKAAAAACgAAAAoAAAAZAAAAGQAAAAAAAAAzMzMAAAAAABQAAAAUAAAAGQAAABkAAAAAAAAABcAAAAUAAAAAAAAAAAAAAD/fwAA/38AAAAAAAAJAAAABAAAANw7IAEeAAAAaAAAAAAAAAAAAAAAAAAAAAAAAAAAAAAAECcAABAnAAAAAAAAAAAAAAAAAAAAAAAAAAAAAAAAAAAAAAAAAAAAABQAAAAAAAAAwMD/AAAAAABkAAAAMgAAAAAAAABkAAAAAAAAAH9/fwAKAAAAIgAAABgAAAAAAAAAAAAAAAAAAAAAAAAAAAAAAAAAAAAkAAAAJAAAAAAAAAAHAAAAAAAAAAAAAAAAAAAAAAAAAAAAAAAAAAAAf39/ACUAAABYAAAAAAAAAAAAAAAAAAAAAAAAAAAAAAAAAAAAAAAAAAAAAAAAAAAAAAAAAAAAAAA/AAAAAAAAAKCGAQAAAAAAAAAAAAAAAAAMAAAAAQAAAAAAAAAAAAAAAAAAAB8AAABUAAAAAAAABQAAAAEAAAAAAAAAAAAAAAAAAAAAAAAAAAAAAAAAAAAAAAAAAAAAAAJ/f38AAAAAA8zMzADAwP8Af39/AAAAAAAAAAAAAAAAAAAAAAAAAAAAIQAAABgAAAAUAAAAwAMAABsnAAA/FQAAWSkAABAAAAAmAAAACAAAAAAAAAAAAAAAMAAAABQAAAAAAAAAAAD//wAAAQAAAP//AAABAA=="/>
+                <pr:smNativeData xmlns:pr="smNativeData" xmlns="smNativeData" val="SMDATA_16_CqSDZxMAAAAlAAAAZAAAAA8BAAAAkAAAAEgAAACQAAAASAAAAAAAAAABAAAAAAAAAAEAAABQAAAAAAAAAAAA4D8AAAAAAADgPwAAAAAAAOA/AAAAAAAA4D8AAAAAAADgPwAAAAAAAOA/AAAAAAAA4D8AAAAAAADgPwAAAAAAAOA/AAAAAAAA4D8CAAAAjAAAAAAAAAAAAAAAu+DjDP///wgAAAAAAAAAAAAAAAAAAAAAAAAAAAAAAAAAAAAAZAAAAAEAAABAAAAAAAAAAAAAAAAAAAAAAAAAAAAAAAAAAAAAAAAAAAAAAAAAAAAAAAAAAAAAAAAAAAAAAAAAAAAAAAAAAAAAAAAAAAAAAAAAAAAAAAAAAAAAAAAAAAAAFAAAADwAAAAAAAAAAAAAAAAAAAkUAAAAAQAAABQAAAAUAAAAFAAAAAEAAAAAAAAAZAAAAGQAAAAAAAAAZAAAAGQAAAAVAAAAYAAAAAAAAAAAAAAADwAAACADAAAAAAAAAAAAAAEAAACgMgAAVgcAAKr4//8BAAAAf39/AAEAAABkAAAAAAAAABQAAABAHwAAAAAAACYAAAAAAAAAwOD//wAAAAAmAAAAZAAAABYAAABMAAAAAAAAAAAAAAAEAAAAAAAAAAEAAACAgIAKAAAAACgAAAAoAAAAZAAAAGQAAAAAAAAAzMzMAAAAAABQAAAAUAAAAGQAAABkAAAAAAAAABcAAAAUAAAAAAAAAAAAAAD/fwAA/38AAAAAAAAJAAAABAAAANw7IAEeAAAAaAAAAAAAAAAAAAAAAAAAAAAAAAAAAAAAECcAABAnAAAAAAAAAAAAAAAAAAAAAAAAAAAAAAAAAAAAAAAAAAAAABQAAAAAAAAAwMD/AAAAAABkAAAAMgAAAAAAAABkAAAAAAAAAH9/fwAKAAAAIgAAABgAAAAAAAAAAAAAAAAAAAAAAAAAAAAAAAAAAAAkAAAAJAAAAAAAAAAHAAAAAAAAAAAAAAAAAAAAAAAAAAAAAAAAAAAAf39/ACUAAABYAAAAAAAAAAAAAAAAAAAAAAAAAAAAAAAAAAAAAAAAAAAAAAAAAAAAAAAAAAAAAAA/AAAAAAAAAKCGAQAAAAAAAAAAAAAAAAAMAAAAAQAAAAAAAAAAAAAAAAAAAB8AAABUAAAAAAAABQAAAAEAAAAAAAAAAAAAAAAAAAAAAAAAAAAAAAAAAAAAAAAAAAAAAAJ/f38AAAAAA8zMzADAwP8Af39/AAAAAAAAAAAAAAAAAAAAAAAAAAAAIQAAABgAAAAUAAAAwAMAABsnAAA/FQAAWSkAABAAAAAmAAAACAAAAAAAAAAAAAAAMAAAABQAAAAAAAAAAAD//wAAAQAAAP//AAABAA=="/>
               </a:ext>
             </a:extLst>
           </p:cNvSpPr>
@@ -1876,7 +1876,7 @@
           <a:lstStyle/>
           <a:p>
             <a:pPr/>
-            <a:fld id="{3F80FFEB-A5D2-D509-9C38-535CB1766A06}" type="datetime1">
+            <a:fld id="{3F53AB7F-31D2-065D-9CEB-C708E5A56A92}" type="datetime1">
               <a:t/>
             </a:fld>
           </a:p>
@@ -1889,7 +1889,7 @@
             <a:spLocks noGrp="1" noChangeArrowheads="1"/>
             <a:extLst>
               <a:ext uri="smNativeData">
-                <pr:smNativeData xmlns:pr="smNativeData" xmlns="smNativeData" val="SMDATA_16_V9F3ZxMAAAAlAAAAZAAAAA8BAAAAkAAAAEgAAACQAAAASAAAAAAAAAABAAAAAAAAAAEAAABQAAAAAAAAAAAA4D8AAAAAAADgPwAAAAAAAOA/AAAAAAAA4D8AAAAAAADgPwAAAAAAAOA/AAAAAAAA4D8AAAAAAADgPwAAAAAAAOA/AAAAAAAA4D8CAAAAjAAAAAAAAAAAAAAAu+DjDP///wgAAAAAAAAAAAAAAAAAAAAAAAAAAAAAAAAAAAAAZAAAAAEAAABAAAAAAAAAAAAAAAAAAAAAAAAAAAAAAAAAAAAAAAAAAAAAAAAAAAAAAAAAAAAAAAAAAAAAAAAAAAAAAAAAAAAAAAAAAAAAAAAAAAAAAAAAAAAAAAAAAAAAFAAAADwAAAAAAAAAAAAAAAAAAAkUAAAAAQAAABQAAAAUAAAAFAAAAAEAAAAAAAAAZAAAAGQAAAAAAAAAZAAAAGQAAAAVAAAAYAAAAAAAAAAAAAAADwAAACADAAAAAAAAAAAAAAEAAACgMgAAVgcAAKr4//8BAAAAf39/AAEAAABkAAAAAAAAABQAAABAHwAAAAAAACYAAAAAAAAAwOD//wAAAAAmAAAAZAAAABYAAABMAAAAAAAAAAAAAAAEAAAAAAAAAAEAAACAgIAKAAAAACgAAAAoAAAAZAAAAGQAAAAAAAAAzMzMAAAAAABQAAAAUAAAAGQAAABkAAAAAAAAABcAAAAUAAAAAAAAAAAAAAD/fwAA/38AAAAAAAAJAAAABAAAANw7IAEeAAAAaAAAAAAAAAAAAAAAAAAAAAAAAAAAAAAAECcAABAnAAAAAAAAAAAAAAAAAAAAAAAAAAAAAAAAAAAAAAAAAAAAABQAAAAAAAAAwMD/AAAAAABkAAAAMgAAAAAAAABkAAAAAAAAAH9/fwAKAAAAIgAAABgAAAAAAAAAAAAAAAAAAAAAAAAAAAAAAAAAAAAkAAAAJAAAAAAAAAAHAAAAAAAAAAAAAAAAAAAAAAAAAAAAAAAAAAAAf39/ACUAAABYAAAAAAAAAAAAAAAAAAAAAAAAAAAAAAAAAAAAAAAAAAAAAAAAAAAAAAAAAAAAAAA/AAAAAAAAAKCGAQAAAAAAAAAAAAAAAAAMAAAAAQAAAAAAAAAAAAAAAAAAAB8AAABUAAAAAAAABQAAAAEAAAAAAAAAAAAAAAAAAAAAAAAAAAAAAAAAAAAAAAAAAAAAAAJ/f38AAAAAA8zMzADAwP8Af39/AAAAAAAAAAAAAAAAAAAAAAAAAAAAIQAAABgAAAAUAAAAoRkAABsnAABfMQAAWSkAABAAAAAmAAAACAAAAAAAAAAAAAAAMAAAABQAAAAAAAAAAAD//wAAAQAAAP//AAABAA=="/>
+                <pr:smNativeData xmlns:pr="smNativeData" xmlns="smNativeData" val="SMDATA_16_CqSDZxMAAAAlAAAAZAAAAA8BAAAAkAAAAEgAAACQAAAASAAAAAAAAAABAAAAAAAAAAEAAABQAAAAAAAAAAAA4D8AAAAAAADgPwAAAAAAAOA/AAAAAAAA4D8AAAAAAADgPwAAAAAAAOA/AAAAAAAA4D8AAAAAAADgPwAAAAAAAOA/AAAAAAAA4D8CAAAAjAAAAAAAAAAAAAAAu+DjDP///wgAAAAAAAAAAAAAAAAAAAAAAAAAAAAAAAAAAAAAZAAAAAEAAABAAAAAAAAAAAAAAAAAAAAAAAAAAAAAAAAAAAAAAAAAAAAAAAAAAAAAAAAAAAAAAAAAAAAAAAAAAAAAAAAAAAAAAAAAAAAAAAAAAAAAAAAAAAAAAAAAAAAAFAAAADwAAAAAAAAAAAAAAAAAAAkUAAAAAQAAABQAAAAUAAAAFAAAAAEAAAAAAAAAZAAAAGQAAAAAAAAAZAAAAGQAAAAVAAAAYAAAAAAAAAAAAAAADwAAACADAAAAAAAAAAAAAAEAAACgMgAAVgcAAKr4//8BAAAAf39/AAEAAABkAAAAAAAAABQAAABAHwAAAAAAACYAAAAAAAAAwOD//wAAAAAmAAAAZAAAABYAAABMAAAAAAAAAAAAAAAEAAAAAAAAAAEAAACAgIAKAAAAACgAAAAoAAAAZAAAAGQAAAAAAAAAzMzMAAAAAABQAAAAUAAAAGQAAABkAAAAAAAAABcAAAAUAAAAAAAAAAAAAAD/fwAA/38AAAAAAAAJAAAABAAAANw7IAEeAAAAaAAAAAAAAAAAAAAAAAAAAAAAAAAAAAAAECcAABAnAAAAAAAAAAAAAAAAAAAAAAAAAAAAAAAAAAAAAAAAAAAAABQAAAAAAAAAwMD/AAAAAABkAAAAMgAAAAAAAABkAAAAAAAAAH9/fwAKAAAAIgAAABgAAAAAAAAAAAAAAAAAAAAAAAAAAAAAAAAAAAAkAAAAJAAAAAAAAAAHAAAAAAAAAAAAAAAAAAAAAAAAAAAAAAAAAAAAf39/ACUAAABYAAAAAAAAAAAAAAAAAAAAAAAAAAAAAAAAAAAAAAAAAAAAAAAAAAAAAAAAAAAAAAA/AAAAAAAAAKCGAQAAAAAAAAAAAAAAAAAMAAAAAQAAAAAAAAAAAAAAAAAAAB8AAABUAAAAAAAABQAAAAEAAAAAAAAAAAAAAAAAAAAAAAAAAAAAAAAAAAAAAAAAAAAAAAJ/f38AAAAAA8zMzADAwP8Af39/AAAAAAAAAAAAAAAAAAAAAAAAAAAAIQAAABgAAAAUAAAAoRkAABsnAABfMQAAWSkAABAAAAAmAAAACAAAAAAAAAAAAAAAMAAAABQAAAAAAAAAAAD//wAAAQAAAP//AAABAA=="/>
               </a:ext>
             </a:extLst>
           </p:cNvSpPr>
@@ -1913,7 +1913,7 @@
             <a:spLocks noGrp="1" noChangeArrowheads="1"/>
             <a:extLst>
               <a:ext uri="smNativeData">
-                <pr:smNativeData xmlns:pr="smNativeData" xmlns="smNativeData" val="SMDATA_16_V9F3ZxMAAAAlAAAAZAAAAA8BAAAAkAAAAEgAAACQAAAASAAAAAAAAAABAAAAAAAAAAEAAABQAAAAAAAAAAAA4D8AAAAAAADgPwAAAAAAAOA/AAAAAAAA4D8AAAAAAADgPwAAAAAAAOA/AAAAAAAA4D8AAAAAAADgPwAAAAAAAOA/AAAAAAAA4D8CAAAAjAAAAAAAAAAAAAAAu+DjDP///wgAAAAAAAAAAAAAAAAAAAAAAAAAAAAAAAAAAAAAZAAAAAEAAABAAAAAAAAAAAAAAAAAAAAAAAAAAAAAAAAAAAAAAAAAAAAAAAAAAAAAAAAAAAAAAAAAAAAAAAAAAAAAAAAAAAAAAAAAAAAAAAAAAAAAAAAAAAAAAAAAAAAAFAAAADwAAAAAAAAAAAAAAAAAAAkUAAAAAQAAABQAAAAUAAAAFAAAAAEAAAAAAAAAZAAAAGQAAAAAAAAAZAAAAGQAAAAVAAAAYAAAAAAAAAAAAAAADwAAACADAAAAAAAAAAAAAAEAAACgMgAAVgcAAKr4//8BAAAAf39/AAEAAABkAAAAAAAAABQAAABAHwAAAAAAACYAAAAAAAAAwOD//wAAAAAmAAAAZAAAABYAAABMAAAAAAAAAAAAAAAEAAAAAAAAAAEAAACAgIAKAAAAACgAAAAoAAAAZAAAAGQAAAAAAAAAzMzMAAAAAABQAAAAUAAAAGQAAABkAAAAAAAAABcAAAAUAAAAAAAAAAAAAAD/fwAA/38AAAAAAAAJAAAABAAAANw7IAEeAAAAaAAAAAAAAAAAAAAAAAAAAAAAAAAAAAAAECcAABAnAAAAAAAAAAAAAAAAAAAAAAAAAAAAAAAAAAAAAAAAAAAAABQAAAAAAAAAwMD/AAAAAABkAAAAMgAAAAAAAABkAAAAAAAAAH9/fwAKAAAAIgAAABgAAAAAAAAAAAAAAAAAAAAAAAAAAAAAAAAAAAAkAAAAJAAAAAAAAAAHAAAAAAAAAAAAAAAAAAAAAAAAAAAAAAAAAAAAf39/ACUAAABYAAAAAAAAAAAAAAAAAAAAAAAAAAAAAAAAAAAAAAAAAAAAAAAAAAAAAAAAAAAAAAA/AAAAAAAAAKCGAQAAAAAAAAAAAAAAAAAMAAAAAQAAAAAAAAAAAAAAAAAAAB8AAABUAAAAAAAABQAAAAEAAAAAAAAAAAAAAAAAAAAAAAAAAAAAAAAAAAAAAAAAAAAAAAJ/f38AAAAAA8zMzADAwP8Af39/AAAAAAAAAAAAAAAAAAAAAAAAAAAAIQAAABgAAAAUAAAAwTUAABsnAABARwAAWSkAABAAAAAmAAAACAAAAAAAAAAAAAAAMAAAABQAAAAAAAAAAAD//wAAAQAAAP//AAABAA=="/>
+                <pr:smNativeData xmlns:pr="smNativeData" xmlns="smNativeData" val="SMDATA_16_CqSDZxMAAAAlAAAAZAAAAA8BAAAAkAAAAEgAAACQAAAASAAAAAAAAAABAAAAAAAAAAEAAABQAAAAAAAAAAAA4D8AAAAAAADgPwAAAAAAAOA/AAAAAAAA4D8AAAAAAADgPwAAAAAAAOA/AAAAAAAA4D8AAAAAAADgPwAAAAAAAOA/AAAAAAAA4D8CAAAAjAAAAAAAAAAAAAAAu+DjDP///wgAAAAAAAAAAAAAAAAAAAAAAAAAAAAAAAAAAAAAZAAAAAEAAABAAAAAAAAAAAAAAAAAAAAAAAAAAAAAAAAAAAAAAAAAAAAAAAAAAAAAAAAAAAAAAAAAAAAAAAAAAAAAAAAAAAAAAAAAAAAAAAAAAAAAAAAAAAAAAAAAAAAAFAAAADwAAAAAAAAAAAAAAAAAAAkUAAAAAQAAABQAAAAUAAAAFAAAAAEAAAAAAAAAZAAAAGQAAAAAAAAAZAAAAGQAAAAVAAAAYAAAAAAAAAAAAAAADwAAACADAAAAAAAAAAAAAAEAAACgMgAAVgcAAKr4//8BAAAAf39/AAEAAABkAAAAAAAAABQAAABAHwAAAAAAACYAAAAAAAAAwOD//wAAAAAmAAAAZAAAABYAAABMAAAAAAAAAAAAAAAEAAAAAAAAAAEAAACAgIAKAAAAACgAAAAoAAAAZAAAAGQAAAAAAAAAzMzMAAAAAABQAAAAUAAAAGQAAABkAAAAAAAAABcAAAAUAAAAAAAAAAAAAAD/fwAA/38AAAAAAAAJAAAABAAAANw7IAEeAAAAaAAAAAAAAAAAAAAAAAAAAAAAAAAAAAAAECcAABAnAAAAAAAAAAAAAAAAAAAAAAAAAAAAAAAAAAAAAAAAAAAAABQAAAAAAAAAwMD/AAAAAABkAAAAMgAAAAAAAABkAAAAAAAAAH9/fwAKAAAAIgAAABgAAAAAAAAAAAAAAAAAAAAAAAAAAAAAAAAAAAAkAAAAJAAAAAAAAAAHAAAAAAAAAAAAAAAAAAAAAAAAAAAAAAAAAAAAf39/ACUAAABYAAAAAAAAAAAAAAAAAAAAAAAAAAAAAAAAAAAAAAAAAAAAAAAAAAAAAAAAAAAAAAA/AAAAAAAAAKCGAQAAAAAAAAAAAAAAAAAMAAAAAQAAAAAAAAAAAAAAAAAAAB8AAABUAAAAAAAABQAAAAEAAAAAAAAAAAAAAAAAAAAAAAAAAAAAAAAAAAAAAAAAAAAAAAJ/f38AAAAAA8zMzADAwP8Af39/AAAAAAAAAAAAAAAAAAAAAAAAAAAAIQAAABgAAAAUAAAAwTUAABsnAABARwAAWSkAABAAAAAmAAAACAAAAAAAAAAAAAAAMAAAABQAAAAAAAAAAAD//wAAAQAAAP//AAABAA=="/>
               </a:ext>
             </a:extLst>
           </p:cNvSpPr>
@@ -1927,7 +1927,7 @@
           <a:lstStyle/>
           <a:p>
             <a:pPr/>
-            <a:fld id="{3F80B4F0-BED2-D542-9C38-4817FA766A1D}" type="slidenum">
+            <a:fld id="{3F539397-D9D2-0665-9CEB-2F30DDA56A7A}" type="slidenum">
               <a:t/>
             </a:fld>
           </a:p>
@@ -1966,7 +1966,7 @@
             <a:spLocks noGrp="1" noChangeArrowheads="1"/>
             <a:extLst>
               <a:ext uri="smNativeData">
-                <pr:smNativeData xmlns:pr="smNativeData" xmlns="smNativeData" val="SMDATA_16_V9F3ZxMAAAAlAAAAZAAAAA8BAAAAkAAAAEgAAACQAAAASAAAAAAAAAABAAAAAAAAAAEAAABQAAAAAAAAAAAA4D8AAAAAAADgPwAAAAAAAOA/AAAAAAAA4D8AAAAAAADgPwAAAAAAAOA/AAAAAAAA4D8AAAAAAADgPwAAAAAAAOA/AAAAAAAA4D8CAAAAjAAAAAAAAAAAAAAAu+DjDP///wgAAAAAAAAAAAAAAAAAAAAAAAAAAAAAAAAAAAAAZAAAAAEAAABAAAAAAAAAAAAAAAAAAAAAAAAAAAAAAAAAAAAAAAAAAAAAAAAAAAAAAAAAAAAAAAAAAAAAAAAAAAAAAAAAAAAAAAAAAAAAAAAAAAAAAAAAAAAAAAAAAAAAFAAAADwAAAAAAAAAAAAAAAAAAAkUAAAAAQAAABQAAAAUAAAAFAAAAAEAAAAAAAAAZAAAAGQAAAAAAAAAZAAAAGQAAAAVAAAAYAAAAAAAAAAAAAAADwAAACADAAAAAAAAAAAAAAEAAACgMgAAVgcAAKr4//8BAAAAf39/AAEAAABkAAAAAAAAABQAAABAHwAAAAAAACYAAAAAAAAAwOD//wAAAAAmAAAAZAAAABYAAABMAAAAAAAAAAAAAAAEAAAAAAAAAAEAAACAgIAKAAAAACgAAAAoAAAAZAAAAGQAAAAAAAAAzMzMAAAAAABQAAAAUAAAAGQAAABkAAAAAAAAABcAAAAUAAAAAAAAAAAAAAD/fwAA/38AAAAAAAAJAAAABAAAANw7IAEeAAAAaAAAAAAAAAAAAAAAAAAAAAAAAAAAAAAAECcAABAnAAAAAAAAAAAAAAAAAAAAAAAAAAAAAAAAAAAAAAAAAAAAABQAAAAAAAAAwMD/AAAAAABkAAAAMgAAAAAAAABkAAAAAAAAAH9/fwAKAAAAIgAAABgAAAAAAAAAAAAAAAAAAAAAAAAAAAAAAAAAAAAkAAAAJAAAAAAAAAAHAAAAAAAAAAAAAAAAAAAAAAAAAAAAAAAAAAAAf39/ACUAAABYAAAAAAAAAAAAAAAAAAAAAAAAAAAAAAAAAAAAAAAAAAAAAAAAAAAAAAAAAAAAAAA/AAAAAAAAAKCGAQAAAAAAAAAAAAAAAAAMAAAAAQAAAAAAAAAAAAAAAAAAAB8AAABUAAAAAAAABQAAAAEAAAAAAAAAAAAAAAAAAAAAAAAAAAAAAAAAAAAAAAAAAAAAAAJ/f38AAAAAA8zMzADAwP8Af39/AAAAAAAAAAAAAAAAAAAAAAAAAAAAIQAAABgAAAAUAAAAwAMAALABAABARwAAuAgAABAAAAAmAAAACAAAAAAAAAAAAAAAMAAAABQAAAAAAAAAAAD//wAAAQAAAP//AAABAA=="/>
+                <pr:smNativeData xmlns:pr="smNativeData" xmlns="smNativeData" val="SMDATA_16_CqSDZxMAAAAlAAAAZAAAAA8BAAAAkAAAAEgAAACQAAAASAAAAAAAAAABAAAAAAAAAAEAAABQAAAAAAAAAAAA4D8AAAAAAADgPwAAAAAAAOA/AAAAAAAA4D8AAAAAAADgPwAAAAAAAOA/AAAAAAAA4D8AAAAAAADgPwAAAAAAAOA/AAAAAAAA4D8CAAAAjAAAAAAAAAAAAAAAu+DjDP///wgAAAAAAAAAAAAAAAAAAAAAAAAAAAAAAAAAAAAAZAAAAAEAAABAAAAAAAAAAAAAAAAAAAAAAAAAAAAAAAAAAAAAAAAAAAAAAAAAAAAAAAAAAAAAAAAAAAAAAAAAAAAAAAAAAAAAAAAAAAAAAAAAAAAAAAAAAAAAAAAAAAAAFAAAADwAAAAAAAAAAAAAAAAAAAkUAAAAAQAAABQAAAAUAAAAFAAAAAEAAAAAAAAAZAAAAGQAAAAAAAAAZAAAAGQAAAAVAAAAYAAAAAAAAAAAAAAADwAAACADAAAAAAAAAAAAAAEAAACgMgAAVgcAAKr4//8BAAAAf39/AAEAAABkAAAAAAAAABQAAABAHwAAAAAAACYAAAAAAAAAwOD//wAAAAAmAAAAZAAAABYAAABMAAAAAAAAAAAAAAAEAAAAAAAAAAEAAACAgIAKAAAAACgAAAAoAAAAZAAAAGQAAAAAAAAAzMzMAAAAAABQAAAAUAAAAGQAAABkAAAAAAAAABcAAAAUAAAAAAAAAAAAAAD/fwAA/38AAAAAAAAJAAAABAAAANw7IAEeAAAAaAAAAAAAAAAAAAAAAAAAAAAAAAAAAAAAECcAABAnAAAAAAAAAAAAAAAAAAAAAAAAAAAAAAAAAAAAAAAAAAAAABQAAAAAAAAAwMD/AAAAAABkAAAAMgAAAAAAAABkAAAAAAAAAH9/fwAKAAAAIgAAABgAAAAAAAAAAAAAAAAAAAAAAAAAAAAAAAAAAAAkAAAAJAAAAAAAAAAHAAAAAAAAAAAAAAAAAAAAAAAAAAAAAAAAAAAAf39/ACUAAABYAAAAAAAAAAAAAAAAAAAAAAAAAAAAAAAAAAAAAAAAAAAAAAAAAAAAAAAAAAAAAAA/AAAAAAAAAKCGAQAAAAAAAAAAAAAAAAAMAAAAAQAAAAAAAAAAAAAAAAAAAB8AAABUAAAAAAAABQAAAAEAAAAAAAAAAAAAAAAAAAAAAAAAAAAAAAAAAAAAAAAAAAAAAAJ/f38AAAAAA8zMzADAwP8Af39/AAAAAAAAAAAAAAAAAAAAAAAAAAAAIQAAABgAAAAUAAAAwAMAALABAABARwAAuAgAABAAAAAmAAAACAAAAAAAAAAAAAAAMAAAABQAAAAAAAAAAAD//wAAAQAAAP//AAABAA=="/>
               </a:ext>
             </a:extLst>
           </p:cNvSpPr>
@@ -1993,7 +1993,7 @@
             <a:spLocks noGrp="1" noChangeArrowheads="1"/>
             <a:extLst>
               <a:ext uri="smNativeData">
-                <pr:smNativeData xmlns:pr="smNativeData" xmlns="smNativeData" val="SMDATA_16_V9F3ZxMAAAAlAAAAZAAAAA8BAAAAkAAAAEgAAACQAAAASAAAAAAAAAABAAAAAAAAAAEAAABQAAAAAAAAAAAA4D8AAAAAAADgPwAAAAAAAOA/AAAAAAAA4D8AAAAAAADgPwAAAAAAAOA/AAAAAAAA4D8AAAAAAADgPwAAAAAAAOA/AAAAAAAA4D8CAAAAjAAAAAAAAAAAAAAAu+DjDP///wgAAAAAAAAAAAAAAAAAAAAAAAAAAAAAAAAAAAAAZAAAAAEAAABAAAAAAAAAAAAAAAAAAAAAAAAAAAAAAAAAAAAAAAAAAAAAAAAAAAAAAAAAAAAAAAAAAAAAAAAAAAAAAAAAAAAAAAAAAAAAAAAAAAAAAAAAAAAAAAAAAAAAFAAAADwAAAAAAAAAAAAAAAAAAAkUAAAAAQAAABQAAAAUAAAAFAAAAAEAAAAAAAAAZAAAAGQAAAAAAAAAZAAAAGQAAAAVAAAAYAAAAAAAAAAAAAAADwAAACADAAAAAAAAAAAAAAEAAACgMgAAVgcAAKr4//8BAAAAf39/AAEAAABkAAAAAAAAABQAAABAHwAAAAAAACYAAAAAAAAAwOD//wAAAAAmAAAAZAAAABYAAABMAAAAAAAAAAAAAAAEAAAAAAAAAAEAAACAgIAKAAAAACgAAAAoAAAAZAAAAGQAAAAAAAAAzMzMAAAAAABQAAAAUAAAAGQAAABkAAAAAAAAABcAAAAUAAAAAAAAAAAAAAD/fwAA/38AAAAAAAAJAAAABAAAANw7IAEeAAAAaAAAAAAAAAAAAAAAAAAAAAAAAAAAAAAAECcAABAnAAAAAAAAAAAAAAAAAAAAAAAAAAAAAAAAAAAAAAAAAAAAABQAAAAAAAAAwMD/AAAAAABkAAAAMgAAAAAAAABkAAAAAAAAAH9/fwAKAAAAIgAAABgAAAAAAAAAAAAAAAAAAAAAAAAAAAAAAAAAAAAkAAAAJAAAAAAAAAAHAAAAAAAAAAAAAAAAAAAAAAAAAAAAAAAAAAAAf39/ACUAAABYAAAAAAAAAAAAAAAAAAAAAAAAAAAAAAAAAAAAAAAAAAAAAAAAAAAAAAAAAAAAAAA/AAAAAAAAAKCGAQAAAAAAAAAAAAAAAAAMAAAAAQAAAAAAAAAAAAAAAAAAAB8AAABUAAAAAAAABQAAAAEAAAAAAAAAAAAAAAAAAAAAAAAAAAAAAAAAAAAAAAAAAAAAAAJ/f38AAAAAA8zMzADAwP8Af39/AAAAAAAAAAAAAAAAAAAAAAAAAAAAIQAAABgAAAAUAAAAwAMAABsnAAA/FQAAWSkAABAAAAAmAAAACAAAAAAAAAAAAAAAMAAAABQAAAAAAAAAAAD//wAAAQAAAP//AAABAA=="/>
+                <pr:smNativeData xmlns:pr="smNativeData" xmlns="smNativeData" val="SMDATA_16_CqSDZxMAAAAlAAAAZAAAAA8BAAAAkAAAAEgAAACQAAAASAAAAAAAAAABAAAAAAAAAAEAAABQAAAAAAAAAAAA4D8AAAAAAADgPwAAAAAAAOA/AAAAAAAA4D8AAAAAAADgPwAAAAAAAOA/AAAAAAAA4D8AAAAAAADgPwAAAAAAAOA/AAAAAAAA4D8CAAAAjAAAAAAAAAAAAAAAu+DjDP///wgAAAAAAAAAAAAAAAAAAAAAAAAAAAAAAAAAAAAAZAAAAAEAAABAAAAAAAAAAAAAAAAAAAAAAAAAAAAAAAAAAAAAAAAAAAAAAAAAAAAAAAAAAAAAAAAAAAAAAAAAAAAAAAAAAAAAAAAAAAAAAAAAAAAAAAAAAAAAAAAAAAAAFAAAADwAAAAAAAAAAAAAAAAAAAkUAAAAAQAAABQAAAAUAAAAFAAAAAEAAAAAAAAAZAAAAGQAAAAAAAAAZAAAAGQAAAAVAAAAYAAAAAAAAAAAAAAADwAAACADAAAAAAAAAAAAAAEAAACgMgAAVgcAAKr4//8BAAAAf39/AAEAAABkAAAAAAAAABQAAABAHwAAAAAAACYAAAAAAAAAwOD//wAAAAAmAAAAZAAAABYAAABMAAAAAAAAAAAAAAAEAAAAAAAAAAEAAACAgIAKAAAAACgAAAAoAAAAZAAAAGQAAAAAAAAAzMzMAAAAAABQAAAAUAAAAGQAAABkAAAAAAAAABcAAAAUAAAAAAAAAAAAAAD/fwAA/38AAAAAAAAJAAAABAAAANw7IAEeAAAAaAAAAAAAAAAAAAAAAAAAAAAAAAAAAAAAECcAABAnAAAAAAAAAAAAAAAAAAAAAAAAAAAAAAAAAAAAAAAAAAAAABQAAAAAAAAAwMD/AAAAAABkAAAAMgAAAAAAAABkAAAAAAAAAH9/fwAKAAAAIgAAABgAAAAAAAAAAAAAAAAAAAAAAAAAAAAAAAAAAAAkAAAAJAAAAAAAAAAHAAAAAAAAAAAAAAAAAAAAAAAAAAAAAAAAAAAAf39/ACUAAABYAAAAAAAAAAAAAAAAAAAAAAAAAAAAAAAAAAAAAAAAAAAAAAAAAAAAAAAAAAAAAAA/AAAAAAAAAKCGAQAAAAAAAAAAAAAAAAAMAAAAAQAAAAAAAAAAAAAAAAAAAB8AAABUAAAAAAAABQAAAAEAAAAAAAAAAAAAAAAAAAAAAAAAAAAAAAAAAAAAAAAAAAAAAAJ/f38AAAAAA8zMzADAwP8Af39/AAAAAAAAAAAAAAAAAAAAAAAAAAAAIQAAABgAAAAUAAAAwAMAABsnAAA/FQAAWSkAABAAAAAmAAAACAAAAAAAAAAAAAAAMAAAABQAAAAAAAAAAAD//wAAAQAAAP//AAABAA=="/>
               </a:ext>
             </a:extLst>
           </p:cNvSpPr>
@@ -2007,7 +2007,7 @@
           <a:lstStyle/>
           <a:p>
             <a:pPr/>
-            <a:fld id="{3F80F7B4-FAD2-D501-9C38-0C54B9766A59}" type="datetime1">
+            <a:fld id="{3F53AD49-07D2-065B-9CEB-F10EE3A56AA4}" type="datetime1">
               <a:t/>
             </a:fld>
           </a:p>
@@ -2020,7 +2020,7 @@
             <a:spLocks noGrp="1" noChangeArrowheads="1"/>
             <a:extLst>
               <a:ext uri="smNativeData">
-                <pr:smNativeData xmlns:pr="smNativeData" xmlns="smNativeData" val="SMDATA_16_V9F3ZxMAAAAlAAAAZAAAAA8BAAAAkAAAAEgAAACQAAAASAAAAAAAAAABAAAAAAAAAAEAAABQAAAAAAAAAAAA4D8AAAAAAADgPwAAAAAAAOA/AAAAAAAA4D8AAAAAAADgPwAAAAAAAOA/AAAAAAAA4D8AAAAAAADgPwAAAAAAAOA/AAAAAAAA4D8CAAAAjAAAAAAAAAAAAAAAu+DjDP///wgAAAAAAAAAAAAAAAAAAAAAAAAAAAAAAAAAAAAAZAAAAAEAAABAAAAAAAAAAAAAAAAAAAAAAAAAAAAAAAAAAAAAAAAAAAAAAAAAAAAAAAAAAAAAAAAAAAAAAAAAAAAAAAAAAAAAAAAAAAAAAAAAAAAAAAAAAAAAAAAAAAAAFAAAADwAAAAAAAAAAAAAAAAAAAkUAAAAAQAAABQAAAAUAAAAFAAAAAEAAAAAAAAAZAAAAGQAAAAAAAAAZAAAAGQAAAAVAAAAYAAAAAAAAAAAAAAADwAAACADAAAAAAAAAAAAAAEAAACgMgAAVgcAAKr4//8BAAAAf39/AAEAAABkAAAAAAAAABQAAABAHwAAAAAAACYAAAAAAAAAwOD//wAAAAAmAAAAZAAAABYAAABMAAAAAAAAAAAAAAAEAAAAAAAAAAEAAACAgIAKAAAAACgAAAAoAAAAZAAAAGQAAAAAAAAAzMzMAAAAAABQAAAAUAAAAGQAAABkAAAAAAAAABcAAAAUAAAAAAAAAAAAAAD/fwAA/38AAAAAAAAJAAAABAAAANw7IAEeAAAAaAAAAAAAAAAAAAAAAAAAAAAAAAAAAAAAECcAABAnAAAAAAAAAAAAAAAAAAAAAAAAAAAAAAAAAAAAAAAAAAAAABQAAAAAAAAAwMD/AAAAAABkAAAAMgAAAAAAAABkAAAAAAAAAH9/fwAKAAAAIgAAABgAAAAAAAAAAAAAAAAAAAAAAAAAAAAAAAAAAAAkAAAAJAAAAAAAAAAHAAAAAAAAAAAAAAAAAAAAAAAAAAAAAAAAAAAAf39/ACUAAABYAAAAAAAAAAAAAAAAAAAAAAAAAAAAAAAAAAAAAAAAAAAAAAAAAAAAAAAAAAAAAAA/AAAAAAAAAKCGAQAAAAAAAAAAAAAAAAAMAAAAAQAAAAAAAAAAAAAAAAAAAB8AAABUAAAAAAAABQAAAAEAAAAAAAAAAAAAAAAAAAAAAAAAAAAAAAAAAAAAAAAAAAAAAAJ/f38AAAAAA8zMzADAwP8Af39/AAAAAAAAAAAAAAAAAAAAAAAAAAAAIQAAABgAAAAUAAAAoRkAABsnAABfMQAAWSkAABAAAAAmAAAACAAAAAAAAAAAAAAAMAAAABQAAAAAAAAAAAD//wAAAQAAAP//AAABAA=="/>
+                <pr:smNativeData xmlns:pr="smNativeData" xmlns="smNativeData" val="SMDATA_16_CqSDZxMAAAAlAAAAZAAAAA8BAAAAkAAAAEgAAACQAAAASAAAAAAAAAABAAAAAAAAAAEAAABQAAAAAAAAAAAA4D8AAAAAAADgPwAAAAAAAOA/AAAAAAAA4D8AAAAAAADgPwAAAAAAAOA/AAAAAAAA4D8AAAAAAADgPwAAAAAAAOA/AAAAAAAA4D8CAAAAjAAAAAAAAAAAAAAAu+DjDP///wgAAAAAAAAAAAAAAAAAAAAAAAAAAAAAAAAAAAAAZAAAAAEAAABAAAAAAAAAAAAAAAAAAAAAAAAAAAAAAAAAAAAAAAAAAAAAAAAAAAAAAAAAAAAAAAAAAAAAAAAAAAAAAAAAAAAAAAAAAAAAAAAAAAAAAAAAAAAAAAAAAAAAFAAAADwAAAAAAAAAAAAAAAAAAAkUAAAAAQAAABQAAAAUAAAAFAAAAAEAAAAAAAAAZAAAAGQAAAAAAAAAZAAAAGQAAAAVAAAAYAAAAAAAAAAAAAAADwAAACADAAAAAAAAAAAAAAEAAACgMgAAVgcAAKr4//8BAAAAf39/AAEAAABkAAAAAAAAABQAAABAHwAAAAAAACYAAAAAAAAAwOD//wAAAAAmAAAAZAAAABYAAABMAAAAAAAAAAAAAAAEAAAAAAAAAAEAAACAgIAKAAAAACgAAAAoAAAAZAAAAGQAAAAAAAAAzMzMAAAAAABQAAAAUAAAAGQAAABkAAAAAAAAABcAAAAUAAAAAAAAAAAAAAD/fwAA/38AAAAAAAAJAAAABAAAANw7IAEeAAAAaAAAAAAAAAAAAAAAAAAAAAAAAAAAAAAAECcAABAnAAAAAAAAAAAAAAAAAAAAAAAAAAAAAAAAAAAAAAAAAAAAABQAAAAAAAAAwMD/AAAAAABkAAAAMgAAAAAAAABkAAAAAAAAAH9/fwAKAAAAIgAAABgAAAAAAAAAAAAAAAAAAAAAAAAAAAAAAAAAAAAkAAAAJAAAAAAAAAAHAAAAAAAAAAAAAAAAAAAAAAAAAAAAAAAAAAAAf39/ACUAAABYAAAAAAAAAAAAAAAAAAAAAAAAAAAAAAAAAAAAAAAAAAAAAAAAAAAAAAAAAAAAAAA/AAAAAAAAAKCGAQAAAAAAAAAAAAAAAAAMAAAAAQAAAAAAAAAAAAAAAAAAAB8AAABUAAAAAAAABQAAAAEAAAAAAAAAAAAAAAAAAAAAAAAAAAAAAAAAAAAAAAAAAAAAAAJ/f38AAAAAA8zMzADAwP8Af39/AAAAAAAAAAAAAAAAAAAAAAAAAAAAIQAAABgAAAAUAAAAoRkAABsnAABfMQAAWSkAABAAAAAmAAAACAAAAAAAAAAAAAAAMAAAABQAAAAAAAAAAAD//wAAAQAAAP//AAABAA=="/>
               </a:ext>
             </a:extLst>
           </p:cNvSpPr>
@@ -2044,7 +2044,7 @@
             <a:spLocks noGrp="1" noChangeArrowheads="1"/>
             <a:extLst>
               <a:ext uri="smNativeData">
-                <pr:smNativeData xmlns:pr="smNativeData" xmlns="smNativeData" val="SMDATA_16_V9F3ZxMAAAAlAAAAZAAAAA8BAAAAkAAAAEgAAACQAAAASAAAAAAAAAABAAAAAAAAAAEAAABQAAAAAAAAAAAA4D8AAAAAAADgPwAAAAAAAOA/AAAAAAAA4D8AAAAAAADgPwAAAAAAAOA/AAAAAAAA4D8AAAAAAADgPwAAAAAAAOA/AAAAAAAA4D8CAAAAjAAAAAAAAAAAAAAAu+DjDP///wgAAAAAAAAAAAAAAAAAAAAAAAAAAAAAAAAAAAAAZAAAAAEAAABAAAAAAAAAAAAAAAAAAAAAAAAAAAAAAAAAAAAAAAAAAAAAAAAAAAAAAAAAAAAAAAAAAAAAAAAAAAAAAAAAAAAAAAAAAAAAAAAAAAAAAAAAAAAAAAAAAAAAFAAAADwAAAAAAAAAAAAAAAAAAAkUAAAAAQAAABQAAAAUAAAAFAAAAAEAAAAAAAAAZAAAAGQAAAAAAAAAZAAAAGQAAAAVAAAAYAAAAAAAAAAAAAAADwAAACADAAAAAAAAAAAAAAEAAACgMgAAVgcAAKr4//8BAAAAf39/AAEAAABkAAAAAAAAABQAAABAHwAAAAAAACYAAAAAAAAAwOD//wAAAAAmAAAAZAAAABYAAABMAAAAAAAAAAAAAAAEAAAAAAAAAAEAAACAgIAKAAAAACgAAAAoAAAAZAAAAGQAAAAAAAAAzMzMAAAAAABQAAAAUAAAAGQAAABkAAAAAAAAABcAAAAUAAAAAAAAAAAAAAD/fwAA/38AAAAAAAAJAAAABAAAANw7IAEeAAAAaAAAAAAAAAAAAAAAAAAAAAAAAAAAAAAAECcAABAnAAAAAAAAAAAAAAAAAAAAAAAAAAAAAAAAAAAAAAAAAAAAABQAAAAAAAAAwMD/AAAAAABkAAAAMgAAAAAAAABkAAAAAAAAAH9/fwAKAAAAIgAAABgAAAAAAAAAAAAAAAAAAAAAAAAAAAAAAAAAAAAkAAAAJAAAAAAAAAAHAAAAAAAAAAAAAAAAAAAAAAAAAAAAAAAAAAAAf39/ACUAAABYAAAAAAAAAAAAAAAAAAAAAAAAAAAAAAAAAAAAAAAAAAAAAAAAAAAAAAAAAAAAAAA/AAAAAAAAAKCGAQAAAAAAAAAAAAAAAAAMAAAAAQAAAAAAAAAAAAAAAAAAAB8AAABUAAAAAAAABQAAAAEAAAAAAAAAAAAAAAAAAAAAAAAAAAAAAAAAAAAAAAAAAAAAAAJ/f38AAAAAA8zMzADAwP8Af39/AAAAAAAAAAAAAAAAAAAAAAAAAAAAIQAAABgAAAAUAAAAwTUAABsnAABARwAAWSkAABAAAAAmAAAACAAAAAAAAAAAAAAAMAAAABQAAAAAAAAAAAD//wAAAQAAAP//AAABAA=="/>
+                <pr:smNativeData xmlns:pr="smNativeData" xmlns="smNativeData" val="SMDATA_16_CqSDZxMAAAAlAAAAZAAAAA8BAAAAkAAAAEgAAACQAAAASAAAAAAAAAABAAAAAAAAAAEAAABQAAAAAAAAAAAA4D8AAAAAAADgPwAAAAAAAOA/AAAAAAAA4D8AAAAAAADgPwAAAAAAAOA/AAAAAAAA4D8AAAAAAADgPwAAAAAAAOA/AAAAAAAA4D8CAAAAjAAAAAAAAAAAAAAAu+DjDP///wgAAAAAAAAAAAAAAAAAAAAAAAAAAAAAAAAAAAAAZAAAAAEAAABAAAAAAAAAAAAAAAAAAAAAAAAAAAAAAAAAAAAAAAAAAAAAAAAAAAAAAAAAAAAAAAAAAAAAAAAAAAAAAAAAAAAAAAAAAAAAAAAAAAAAAAAAAAAAAAAAAAAAFAAAADwAAAAAAAAAAAAAAAAAAAkUAAAAAQAAABQAAAAUAAAAFAAAAAEAAAAAAAAAZAAAAGQAAAAAAAAAZAAAAGQAAAAVAAAAYAAAAAAAAAAAAAAADwAAACADAAAAAAAAAAAAAAEAAACgMgAAVgcAAKr4//8BAAAAf39/AAEAAABkAAAAAAAAABQAAABAHwAAAAAAACYAAAAAAAAAwOD//wAAAAAmAAAAZAAAABYAAABMAAAAAAAAAAAAAAAEAAAAAAAAAAEAAACAgIAKAAAAACgAAAAoAAAAZAAAAGQAAAAAAAAAzMzMAAAAAABQAAAAUAAAAGQAAABkAAAAAAAAABcAAAAUAAAAAAAAAAAAAAD/fwAA/38AAAAAAAAJAAAABAAAANw7IAEeAAAAaAAAAAAAAAAAAAAAAAAAAAAAAAAAAAAAECcAABAnAAAAAAAAAAAAAAAAAAAAAAAAAAAAAAAAAAAAAAAAAAAAABQAAAAAAAAAwMD/AAAAAABkAAAAMgAAAAAAAABkAAAAAAAAAH9/fwAKAAAAIgAAABgAAAAAAAAAAAAAAAAAAAAAAAAAAAAAAAAAAAAkAAAAJAAAAAAAAAAHAAAAAAAAAAAAAAAAAAAAAAAAAAAAAAAAAAAAf39/ACUAAABYAAAAAAAAAAAAAAAAAAAAAAAAAAAAAAAAAAAAAAAAAAAAAAAAAAAAAAAAAAAAAAA/AAAAAAAAAKCGAQAAAAAAAAAAAAAAAAAMAAAAAQAAAAAAAAAAAAAAAAAAAB8AAABUAAAAAAAABQAAAAEAAAAAAAAAAAAAAAAAAAAAAAAAAAAAAAAAAAAAAAAAAAAAAAJ/f38AAAAAA8zMzADAwP8Af39/AAAAAAAAAAAAAAAAAAAAAAAAAAAAIQAAABgAAAAUAAAAwTUAABsnAABARwAAWSkAABAAAAAmAAAACAAAAAAAAAAAAAAAMAAAABQAAAAAAAAAAAD//wAAAQAAAP//AAABAA=="/>
               </a:ext>
             </a:extLst>
           </p:cNvSpPr>
@@ -2058,7 +2058,7 @@
           <a:lstStyle/>
           <a:p>
             <a:pPr/>
-            <a:fld id="{3F809CC1-8FD2-D56A-9C38-793FD2766A2C}" type="slidenum">
+            <a:fld id="{3F53F11D-53D2-0607-9CEB-A552BFA56AF0}" type="slidenum">
               <a:t/>
             </a:fld>
           </a:p>
@@ -2097,7 +2097,7 @@
             <a:spLocks noGrp="1" noChangeArrowheads="1"/>
             <a:extLst>
               <a:ext uri="smNativeData">
-                <pr:smNativeData xmlns:pr="smNativeData" xmlns="smNativeData" val="SMDATA_16_V9F3ZxMAAAAlAAAAZAAAAA8BAAAAkAAAAEgAAACQAAAASAAAAAAAAAABAAAAAAAAAAEAAABQAAAAAAAAAAAA4D8AAAAAAADgPwAAAAAAAOA/AAAAAAAA4D8AAAAAAADgPwAAAAAAAOA/AAAAAAAA4D8AAAAAAADgPwAAAAAAAOA/AAAAAAAA4D8CAAAAjAAAAAAAAAAAAAAAu+DjDP///wgAAAAAAAAAAAAAAAAAAAAAAAAAAAAAAAAAAAAAZAAAAAEAAABAAAAAAAAAAAAAAAAAAAAAAAAAAAAAAAAAAAAAAAAAAAAAAAAAAAAAAAAAAAAAAAAAAAAAAAAAAAAAAAAAAAAAAAAAAAAAAAAAAAAAAAAAAAAAAAAAAAAAFAAAADwAAAAAAAAAAAAAAAAAAAkUAAAAAQAAABQAAAAUAAAAFAAAAAEAAAAAAAAAZAAAAGQAAAAAAAAAZAAAAGQAAAAVAAAAYAAAAAAAAAAAAAAADwAAACADAAAAAAAAAAAAAAEAAACgMgAAVgcAAKr4//8BAAAAf39/AAEAAABkAAAAAAAAABQAAABAHwAAAAAAACYAAAAAAAAAwOD//wAAAAAmAAAAZAAAABYAAABMAAAAAAAAAAAAAAAEAAAAAAAAAAEAAACAgIAKAAAAACgAAAAoAAAAZAAAAGQAAAAAAAAAzMzMAAAAAABQAAAAUAAAAGQAAABkAAAAAAAAABcAAAAUAAAAAAAAAAAAAAD/fwAA/38AAAAAAAAJAAAABAAAANw7IAEeAAAAaAAAAAAAAAAAAAAAAAAAAAAAAAAAAAAAECcAABAnAAAAAAAAAAAAAAAAAAAAAAAAAAAAAAAAAAAAAAAAAAAAABQAAAAAAAAAwMD/AAAAAABkAAAAMgAAAAAAAABkAAAAAAAAAH9/fwAKAAAAIgAAABgAAAAAAAAAAAAAAAAAAAAAAAAAAAAAAAAAAAAkAAAAJAAAAAAAAAAHAAAAAAAAAAAAAAAAAAAAAAAAAAAAAAAAAAAAf39/ACUAAABYAAAAAAAAAAAAAAAAAAAAAAAAAAAAAAAAAAAAAAAAAAAAAAAAAAAAAAAAAAAAAAA/AAAAAAAAAKCGAQAAAAAAAAAAAAAAAAAMAAAAAQAAAAAAAAAAAAAAAAAAAB8AAABUAAAAAAAABQAAAAEAAAAAAAAAAAAAAAAAAAAAAAAAAAAAAAAAAAAAAAAAAAAAAAJ/f38AAAAAA8zMzADAwP8Af39/AAAAAAAAAAAAAAAAAAAAAAAAAAAAIQAAABgAAAAUAAAAwAMAABsnAAA/FQAAWSkAABAAAAAmAAAACAAAAAAAAAAAAAAAMAAAABQAAAAAAAAAAAD//wAAAQAAAP//AAABAA=="/>
+                <pr:smNativeData xmlns:pr="smNativeData" xmlns="smNativeData" val="SMDATA_16_CqSDZxMAAAAlAAAAZAAAAA8BAAAAkAAAAEgAAACQAAAASAAAAAAAAAABAAAAAAAAAAEAAABQAAAAAAAAAAAA4D8AAAAAAADgPwAAAAAAAOA/AAAAAAAA4D8AAAAAAADgPwAAAAAAAOA/AAAAAAAA4D8AAAAAAADgPwAAAAAAAOA/AAAAAAAA4D8CAAAAjAAAAAAAAAAAAAAAu+DjDP///wgAAAAAAAAAAAAAAAAAAAAAAAAAAAAAAAAAAAAAZAAAAAEAAABAAAAAAAAAAAAAAAAAAAAAAAAAAAAAAAAAAAAAAAAAAAAAAAAAAAAAAAAAAAAAAAAAAAAAAAAAAAAAAAAAAAAAAAAAAAAAAAAAAAAAAAAAAAAAAAAAAAAAFAAAADwAAAAAAAAAAAAAAAAAAAkUAAAAAQAAABQAAAAUAAAAFAAAAAEAAAAAAAAAZAAAAGQAAAAAAAAAZAAAAGQAAAAVAAAAYAAAAAAAAAAAAAAADwAAACADAAAAAAAAAAAAAAEAAACgMgAAVgcAAKr4//8BAAAAf39/AAEAAABkAAAAAAAAABQAAABAHwAAAAAAACYAAAAAAAAAwOD//wAAAAAmAAAAZAAAABYAAABMAAAAAAAAAAAAAAAEAAAAAAAAAAEAAACAgIAKAAAAACgAAAAoAAAAZAAAAGQAAAAAAAAAzMzMAAAAAABQAAAAUAAAAGQAAABkAAAAAAAAABcAAAAUAAAAAAAAAAAAAAD/fwAA/38AAAAAAAAJAAAABAAAANw7IAEeAAAAaAAAAAAAAAAAAAAAAAAAAAAAAAAAAAAAECcAABAnAAAAAAAAAAAAAAAAAAAAAAAAAAAAAAAAAAAAAAAAAAAAABQAAAAAAAAAwMD/AAAAAABkAAAAMgAAAAAAAABkAAAAAAAAAH9/fwAKAAAAIgAAABgAAAAAAAAAAAAAAAAAAAAAAAAAAAAAAAAAAAAkAAAAJAAAAAAAAAAHAAAAAAAAAAAAAAAAAAAAAAAAAAAAAAAAAAAAf39/ACUAAABYAAAAAAAAAAAAAAAAAAAAAAAAAAAAAAAAAAAAAAAAAAAAAAAAAAAAAAAAAAAAAAA/AAAAAAAAAKCGAQAAAAAAAAAAAAAAAAAMAAAAAQAAAAAAAAAAAAAAAAAAAB8AAABUAAAAAAAABQAAAAEAAAAAAAAAAAAAAAAAAAAAAAAAAAAAAAAAAAAAAAAAAAAAAAJ/f38AAAAAA8zMzADAwP8Af39/AAAAAAAAAAAAAAAAAAAAAAAAAAAAIQAAABgAAAAUAAAAwAMAABsnAAA/FQAAWSkAABAAAAAmAAAACAAAAAAAAAAAAAAAMAAAABQAAAAAAAAAAAD//wAAAQAAAP//AAABAA=="/>
               </a:ext>
             </a:extLst>
           </p:cNvSpPr>
@@ -2111,7 +2111,7 @@
           <a:lstStyle/>
           <a:p>
             <a:pPr/>
-            <a:fld id="{3F80CB7D-33D2-D53D-9C38-C56885766A90}" type="datetime1">
+            <a:fld id="{3F53A08E-C0D2-0656-9CEB-3603EEA56A63}" type="datetime1">
               <a:t/>
             </a:fld>
           </a:p>
@@ -2124,7 +2124,7 @@
             <a:spLocks noGrp="1" noChangeArrowheads="1"/>
             <a:extLst>
               <a:ext uri="smNativeData">
-                <pr:smNativeData xmlns:pr="smNativeData" xmlns="smNativeData" val="SMDATA_16_V9F3ZxMAAAAlAAAAZAAAAA8BAAAAkAAAAEgAAACQAAAASAAAAAAAAAABAAAAAAAAAAEAAABQAAAAAAAAAAAA4D8AAAAAAADgPwAAAAAAAOA/AAAAAAAA4D8AAAAAAADgPwAAAAAAAOA/AAAAAAAA4D8AAAAAAADgPwAAAAAAAOA/AAAAAAAA4D8CAAAAjAAAAAAAAAAAAAAAu+DjDP///wgAAAAAAAAAAAAAAAAAAAAAAAAAAAAAAAAAAAAAZAAAAAEAAABAAAAAAAAAAAAAAAAAAAAAAAAAAAAAAAAAAAAAAAAAAAAAAAAAAAAAAAAAAAAAAAAAAAAAAAAAAAAAAAAAAAAAAAAAAAAAAAAAAAAAAAAAAAAAAAAAAAAAFAAAADwAAAAAAAAAAAAAAAAAAAkUAAAAAQAAABQAAAAUAAAAFAAAAAEAAAAAAAAAZAAAAGQAAAAAAAAAZAAAAGQAAAAVAAAAYAAAAAAAAAAAAAAADwAAACADAAAAAAAAAAAAAAEAAACgMgAAVgcAAKr4//8BAAAAf39/AAEAAABkAAAAAAAAABQAAABAHwAAAAAAACYAAAAAAAAAwOD//wAAAAAmAAAAZAAAABYAAABMAAAAAAAAAAAAAAAEAAAAAAAAAAEAAACAgIAKAAAAACgAAAAoAAAAZAAAAGQAAAAAAAAAzMzMAAAAAABQAAAAUAAAAGQAAABkAAAAAAAAABcAAAAUAAAAAAAAAAAAAAD/fwAA/38AAAAAAAAJAAAABAAAAAAAAAAeAAAAaAAAAAAAAAAAAAAAAAAAAAAAAAAAAAAAECcAABAnAAAAAAAAAAAAAAAAAAAAAAAAAAAAAAAAAAAAAAAAAAAAABQAAAAAAAAAwMD/AAAAAABkAAAAMgAAAAAAAABkAAAAAAAAAH9/fwAKAAAAIgAAABgAAAAAAAAAAAAAAAAAAAAAAAAAAAAAAAAAAAAkAAAAJAAAAAAAAAAHAAAAAAAAAAAAAAAAAAAAAAAAAAAAAAAAAAAAf39/ACUAAABYAAAAAAAAAAAAAAAAAAAAAAAAAAAAAAAAAAAAAAAAAAAAAAAAAAAAAAAAAAAAAAA/AAAAAAAAAKCGAQAAAAAAAAAAAAAAAAAMAAAAAQAAAAAAAAAAAAAAAAAAAB8AAABUAAAAAAAABQAAAAEAAAAAAAAAAAAAAAAAAAAAAAAAAAAAAAAAAAAAAAAAAAAAAAJ/f38AAAAAA8zMzADAwP8Af39/AAAAAAAAAAAAAAAAAAAAAAAAAAAAIQAAABgAAAAUAAAAoRkAABsnAABfMQAAWSkAABAAAAAmAAAACAAAAAAAAAAAAAAAMAAAABQAAAAAAAAAAAD//wAAAQAAAP//AAABAA=="/>
+                <pr:smNativeData xmlns:pr="smNativeData" xmlns="smNativeData" val="SMDATA_16_CqSDZxMAAAAlAAAAZAAAAA8BAAAAkAAAAEgAAACQAAAASAAAAAAAAAABAAAAAAAAAAEAAABQAAAAAAAAAAAA4D8AAAAAAADgPwAAAAAAAOA/AAAAAAAA4D8AAAAAAADgPwAAAAAAAOA/AAAAAAAA4D8AAAAAAADgPwAAAAAAAOA/AAAAAAAA4D8CAAAAjAAAAAAAAAAAAAAAu+DjDP///wgAAAAAAAAAAAAAAAAAAAAAAAAAAAAAAAAAAAAAZAAAAAEAAABAAAAAAAAAAAAAAAAAAAAAAAAAAAAAAAAAAAAAAAAAAAAAAAAAAAAAAAAAAAAAAAAAAAAAAAAAAAAAAAAAAAAAAAAAAAAAAAAAAAAAAAAAAAAAAAAAAAAAFAAAADwAAAAAAAAAAAAAAAAAAAkUAAAAAQAAABQAAAAUAAAAFAAAAAEAAAAAAAAAZAAAAGQAAAAAAAAAZAAAAGQAAAAVAAAAYAAAAAAAAAAAAAAADwAAACADAAAAAAAAAAAAAAEAAACgMgAAVgcAAKr4//8BAAAAf39/AAEAAABkAAAAAAAAABQAAABAHwAAAAAAACYAAAAAAAAAwOD//wAAAAAmAAAAZAAAABYAAABMAAAAAAAAAAAAAAAEAAAAAAAAAAEAAACAgIAKAAAAACgAAAAoAAAAZAAAAGQAAAAAAAAAzMzMAAAAAABQAAAAUAAAAGQAAABkAAAAAAAAABcAAAAUAAAAAAAAAAAAAAD/fwAA/38AAAAAAAAJAAAABAAAAAAAAAAeAAAAaAAAAAAAAAAAAAAAAAAAAAAAAAAAAAAAECcAABAnAAAAAAAAAAAAAAAAAAAAAAAAAAAAAAAAAAAAAAAAAAAAABQAAAAAAAAAwMD/AAAAAABkAAAAMgAAAAAAAABkAAAAAAAAAH9/fwAKAAAAIgAAABgAAAAAAAAAAAAAAAAAAAAAAAAAAAAAAAAAAAAkAAAAJAAAAAAAAAAHAAAAAAAAAAAAAAAAAAAAAAAAAAAAAAAAAAAAf39/ACUAAABYAAAAAAAAAAAAAAAAAAAAAAAAAAAAAAAAAAAAAAAAAAAAAAAAAAAAAAAAAAAAAAA/AAAAAAAAAKCGAQAAAAAAAAAAAAAAAAAMAAAAAQAAAAAAAAAAAAAAAAAAAB8AAABUAAAAAAAABQAAAAEAAAAAAAAAAAAAAAAAAAAAAAAAAAAAAAAAAAAAAAAAAAAAAAJ/f38AAAAAA8zMzADAwP8Af39/AAAAAAAAAAAAAAAAAAAAAAAAAAAAIQAAABgAAAAUAAAAoRkAABsnAABfMQAAWSkAABAAAAAmAAAACAAAAAAAAAAAAAAAMAAAABQAAAAAAAAAAAD//wAAAQAAAP//AAABAA=="/>
               </a:ext>
             </a:extLst>
           </p:cNvSpPr>
@@ -2148,7 +2148,7 @@
             <a:spLocks noGrp="1" noChangeArrowheads="1"/>
             <a:extLst>
               <a:ext uri="smNativeData">
-                <pr:smNativeData xmlns:pr="smNativeData" xmlns="smNativeData" val="SMDATA_16_V9F3ZxMAAAAlAAAAZAAAAA8BAAAAkAAAAEgAAACQAAAASAAAAAAAAAABAAAAAAAAAAEAAABQAAAAAAAAAAAA4D8AAAAAAADgPwAAAAAAAOA/AAAAAAAA4D8AAAAAAADgPwAAAAAAAOA/AAAAAAAA4D8AAAAAAADgPwAAAAAAAOA/AAAAAAAA4D8CAAAAjAAAAAAAAAAAAAAAu+DjDP///wgAAAAAAAAAAAAAAAAAAAAAAAAAAAAAAAAAAAAAZAAAAAEAAABAAAAAAAAAAAAAAAAAAAAAAAAAAAAAAAAAAAAAAAAAAAAAAAAAAAAAAAAAAAAAAAAAAAAAAAAAAAAAAAAAAAAAAAAAAAAAAAAAAAAAAAAAAAAAAAAAAAAAFAAAADwAAAAAAAAAAAAAAAAAAAkUAAAAAQAAABQAAAAUAAAAFAAAAAEAAAAAAAAAZAAAAGQAAAAAAAAAZAAAAGQAAAAVAAAAYAAAAAAAAAAAAAAADwAAACADAAAAAAAAAAAAAAEAAACgMgAAVgcAAKr4//8BAAAAf39/AAEAAABkAAAAAAAAABQAAABAHwAAAAAAACYAAAAAAAAAwOD//wAAAAAmAAAAZAAAABYAAABMAAAAAAAAAAAAAAAEAAAAAAAAAAEAAACAgIAKAAAAACgAAAAoAAAAZAAAAGQAAAAAAAAAzMzMAAAAAABQAAAAUAAAAGQAAABkAAAAAAAAABcAAAAUAAAAAAAAAAAAAAD/fwAA/38AAAAAAAAJAAAABAAAAAAAAAAeAAAAaAAAAAAAAAAAAAAAAAAAAAAAAAAAAAAAECcAABAnAAAAAAAAAAAAAAAAAAAAAAAAAAAAAAAAAAAAAAAAAAAAABQAAAAAAAAAwMD/AAAAAABkAAAAMgAAAAAAAABkAAAAAAAAAH9/fwAKAAAAIgAAABgAAAAAAAAAAAAAAAAAAAAAAAAAAAAAAAAAAAAkAAAAJAAAAAAAAAAHAAAAAAAAAAAAAAAAAAAAAAAAAAAAAAAAAAAAf39/ACUAAABYAAAAAAAAAAAAAAAAAAAAAAAAAAAAAAAAAAAAAAAAAAAAAAAAAAAAAAAAAAAAAAA/AAAAAAAAAKCGAQAAAAAAAAAAAAAAAAAMAAAAAQAAAAAAAAAAAAAAAAAAAB8AAABUAAAAAAAABQAAAAEAAAAAAAAAAAAAAAAAAAAAAAAAAAAAAAAAAAAAAAAAAAAAAAJ/f38AAAAAA8zMzADAwP8Af39/AAAAAAAAAAAAAAAAAAAAAAAAAAAAIQAAABgAAAAUAAAAwTUAABsnAABARwAAWSkAABAAAAAmAAAACAAAAAAAAAAAAAAAMAAAABQAAAAAAAAAAAD//wAAAQAAAP//AAABAA=="/>
+                <pr:smNativeData xmlns:pr="smNativeData" xmlns="smNativeData" val="SMDATA_16_CqSDZxMAAAAlAAAAZAAAAA8BAAAAkAAAAEgAAACQAAAASAAAAAAAAAABAAAAAAAAAAEAAABQAAAAAAAAAAAA4D8AAAAAAADgPwAAAAAAAOA/AAAAAAAA4D8AAAAAAADgPwAAAAAAAOA/AAAAAAAA4D8AAAAAAADgPwAAAAAAAOA/AAAAAAAA4D8CAAAAjAAAAAAAAAAAAAAAu+DjDP///wgAAAAAAAAAAAAAAAAAAAAAAAAAAAAAAAAAAAAAZAAAAAEAAABAAAAAAAAAAAAAAAAAAAAAAAAAAAAAAAAAAAAAAAAAAAAAAAAAAAAAAAAAAAAAAAAAAAAAAAAAAAAAAAAAAAAAAAAAAAAAAAAAAAAAAAAAAAAAAAAAAAAAFAAAADwAAAAAAAAAAAAAAAAAAAkUAAAAAQAAABQAAAAUAAAAFAAAAAEAAAAAAAAAZAAAAGQAAAAAAAAAZAAAAGQAAAAVAAAAYAAAAAAAAAAAAAAADwAAACADAAAAAAAAAAAAAAEAAACgMgAAVgcAAKr4//8BAAAAf39/AAEAAABkAAAAAAAAABQAAABAHwAAAAAAACYAAAAAAAAAwOD//wAAAAAmAAAAZAAAABYAAABMAAAAAAAAAAAAAAAEAAAAAAAAAAEAAACAgIAKAAAAACgAAAAoAAAAZAAAAGQAAAAAAAAAzMzMAAAAAABQAAAAUAAAAGQAAABkAAAAAAAAABcAAAAUAAAAAAAAAAAAAAD/fwAA/38AAAAAAAAJAAAABAAAAAAAAAAeAAAAaAAAAAAAAAAAAAAAAAAAAAAAAAAAAAAAECcAABAnAAAAAAAAAAAAAAAAAAAAAAAAAAAAAAAAAAAAAAAAAAAAABQAAAAAAAAAwMD/AAAAAABkAAAAMgAAAAAAAABkAAAAAAAAAH9/fwAKAAAAIgAAABgAAAAAAAAAAAAAAAAAAAAAAAAAAAAAAAAAAAAkAAAAJAAAAAAAAAAHAAAAAAAAAAAAAAAAAAAAAAAAAAAAAAAAAAAAf39/ACUAAABYAAAAAAAAAAAAAAAAAAAAAAAAAAAAAAAAAAAAAAAAAAAAAAAAAAAAAAAAAAAAAAA/AAAAAAAAAKCGAQAAAAAAAAAAAAAAAAAMAAAAAQAAAAAAAAAAAAAAAAAAAB8AAABUAAAAAAAABQAAAAEAAAAAAAAAAAAAAAAAAAAAAAAAAAAAAAAAAAAAAAAAAAAAAAJ/f38AAAAAA8zMzADAwP8Af39/AAAAAAAAAAAAAAAAAAAAAAAAAAAAIQAAABgAAAAUAAAAwTUAABsnAABARwAAWSkAABAAAAAmAAAACAAAAAAAAAAAAAAAMAAAABQAAAAAAAAAAAD//wAAAQAAAP//AAABAA=="/>
               </a:ext>
             </a:extLst>
           </p:cNvSpPr>
@@ -2162,7 +2162,7 @@
           <a:lstStyle/>
           <a:p>
             <a:pPr/>
-            <a:fld id="{3F8094D6-98D2-D562-9C38-6E37DA766A3B}" type="slidenum">
+            <a:fld id="{3F53A8E8-A6D2-065E-9CEB-500BE6A56A05}" type="slidenum">
               <a:t/>
             </a:fld>
           </a:p>
@@ -2201,7 +2201,7 @@
             <a:spLocks noGrp="1" noChangeArrowheads="1"/>
             <a:extLst>
               <a:ext uri="smNativeData">
-                <pr:smNativeData xmlns:pr="smNativeData" xmlns="smNativeData" val="SMDATA_16_V9F3ZxMAAAAlAAAAZAAAAA8BAAAAkAAAAEgAAACQAAAASAAAAAAAAAACAAAAAAAAAAEAAABQAAAAAAAAAAAA4D8AAAAAAADgPwAAAAAAAOA/AAAAAAAA4D8AAAAAAADgPwAAAAAAAOA/AAAAAAAA4D8AAAAAAADgPwAAAAAAAOA/AAAAAAAA4D8CAAAAjAAAAAAAAAAAAAAAu+DjDP///wgAAAAAAAAAAAAAAAAAAAAAAAAAAAAAAAAAAAAAZAAAAAEAAABAAAAAAAAAAAAAAAAAAAAAAAAAAAAAAAAAAAAAAAAAAAAAAAAAAAAAAAAAAAAAAAAAAAAAAAAAAAAAAAAAAAAAAAAAAAAAAAAAAAAAAAAAAAAAAAAAAAAAFAAAADwAAAAAAAAAAAAAAAAAAAkUAAAAAQAAABQAAAAUAAAAFAAAAAEAAAAAAAAAZAAAAGQAAAAAAAAAZAAAAGQAAAAVAAAAYAAAAAAAAAAAAAAADwAAACADAAAAAAAAAAAAAAEAAACgMgAAVgcAAKr4//8BAAAAf39/AAEAAABkAAAAAAAAABQAAABAHwAAAAAAACYAAAAAAAAAwOD//wAAAAAmAAAAZAAAABYAAABMAAAAAAAAAAAAAAAEAAAAAAAAAAEAAACAgIAKAAAAACgAAAAoAAAAZAAAAGQAAAAAAAAAzMzMAAAAAABQAAAAUAAAAGQAAABkAAAAAAAAABcAAAAUAAAAAAAAAAAAAAD/fwAA/38AAAAAAAAJAAAABAAAAAAAAAAeAAAAaAAAAAAAAAAAAAAAAAAAAAAAAAAAAAAAECcAABAnAAAAAAAAAAAAAAAAAAAAAAAAAAAAAAAAAAAAAAAAAAAAABQAAAAAAAAAwMD/AAAAAABkAAAAMgAAAAAAAABkAAAAAAAAAH9/fwAKAAAAIgAAABgAAAAAAAAAAAAAAAAAAAAAAAAAAAAAAAAAAAAkAAAAJAAAAAAAAAAHAAAAAAAAAAAAAAAAAAAAAAAAAAAAAAAAAAAAf39/ACUAAABYAAAAAAAAAAAAAAAAAAAAAAAAAAAAAAAAAAAAAAAAAAAAAAAAAAAAAAAAAAAAAAA/AAAAAAAAAKCGAQAAAAAAAAAAAAAAAAAMAAAAAQAAAAAAAAAAAAAAAAAAAB8AAABUAAAAAAAABQAAAAEAAAAAAAAAAAAAAAAAAAAAAAAAAAAAAAAAAAAAAAAAAAAAAAJ/f38AAAAAA8zMzADAwP8Af39/AAAAAAAAAAAAAAAAAAAAAAAAAAAAIQAAABgAAAAUAAAAwAMAAK4BAABtHAAA1AgAABAAAAAmAAAACAAAAIGAAAAAAAAAMAAAABQAAAAAAAAAAAD//wAAAQAAAP//AAABAA=="/>
+                <pr:smNativeData xmlns:pr="smNativeData" xmlns="smNativeData" val="SMDATA_16_CqSDZxMAAAAlAAAAZAAAAA8BAAAAkAAAAEgAAACQAAAASAAAAAAAAAACAAAAAAAAAAEAAABQAAAAAAAAAAAA4D8AAAAAAADgPwAAAAAAAOA/AAAAAAAA4D8AAAAAAADgPwAAAAAAAOA/AAAAAAAA4D8AAAAAAADgPwAAAAAAAOA/AAAAAAAA4D8CAAAAjAAAAAAAAAAAAAAAu+DjDP///wgAAAAAAAAAAAAAAAAAAAAAAAAAAAAAAAAAAAAAZAAAAAEAAABAAAAAAAAAAAAAAAAAAAAAAAAAAAAAAAAAAAAAAAAAAAAAAAAAAAAAAAAAAAAAAAAAAAAAAAAAAAAAAAAAAAAAAAAAAAAAAAAAAAAAAAAAAAAAAAAAAAAAFAAAADwAAAAAAAAAAAAAAAAAAAkUAAAAAQAAABQAAAAUAAAAFAAAAAEAAAAAAAAAZAAAAGQAAAAAAAAAZAAAAGQAAAAVAAAAYAAAAAAAAAAAAAAADwAAACADAAAAAAAAAAAAAAEAAACgMgAAVgcAAKr4//8BAAAAf39/AAEAAABkAAAAAAAAABQAAABAHwAAAAAAACYAAAAAAAAAwOD//wAAAAAmAAAAZAAAABYAAABMAAAAAAAAAAAAAAAEAAAAAAAAAAEAAACAgIAKAAAAACgAAAAoAAAAZAAAAGQAAAAAAAAAzMzMAAAAAABQAAAAUAAAAGQAAABkAAAAAAAAABcAAAAUAAAAAAAAAAAAAAD/fwAA/38AAAAAAAAJAAAABAAAAAAAAAAeAAAAaAAAAAAAAAAAAAAAAAAAAAAAAAAAAAAAECcAABAnAAAAAAAAAAAAAAAAAAAAAAAAAAAAAAAAAAAAAAAAAAAAABQAAAAAAAAAwMD/AAAAAABkAAAAMgAAAAAAAABkAAAAAAAAAH9/fwAKAAAAIgAAABgAAAAAAAAAAAAAAAAAAAAAAAAAAAAAAAAAAAAkAAAAJAAAAAAAAAAHAAAAAAAAAAAAAAAAAAAAAAAAAAAAAAAAAAAAf39/ACUAAABYAAAAAAAAAAAAAAAAAAAAAAAAAAAAAAAAAAAAAAAAAAAAAAAAAAAAAAAAAAAAAAA/AAAAAAAAAKCGAQAAAAAAAAAAAAAAAAAMAAAAAQAAAAAAAAAAAAAAAAAAAB8AAABUAAAAAAAABQAAAAEAAAAAAAAAAAAAAAAAAAAAAAAAAAAAAAAAAAAAAAAAAAAAAAJ/f38AAAAAA8zMzADAwP8Af39/AAAAAAAAAAAAAAAAAAAAAAAAAAAAIQAAABgAAAAUAAAAwAMAAK4BAABtHAAA1AgAABAAAAAmAAAACAAAAIGAAAAAAAAAMAAAABQAAAAAAAAAAAD//wAAAQAAAP//AAABAA=="/>
               </a:ext>
             </a:extLst>
           </p:cNvSpPr>
@@ -2241,7 +2241,7 @@
             <a:spLocks noGrp="1" noChangeArrowheads="1"/>
             <a:extLst>
               <a:ext uri="smNativeData">
-                <pr:smNativeData xmlns:pr="smNativeData" xmlns="smNativeData" val="SMDATA_16_V9F3ZxMAAAAlAAAAZAAAAA8BAAAAkAAAAEgAAACQAAAASAAAAAAAAAAAAAAAAAAAAAEAAABQAAAAAAAAAAAA4D8AAAAAAADgPwAAAAAAAOA/AAAAAAAA4D8AAAAAAADgPwAAAAAAAOA/AAAAAAAA4D8AAAAAAADgPwAAAAAAAOA/AAAAAAAA4D8CAAAAjAAAAAAAAAAAAAAAu+DjDP///wgAAAAAAAAAAAAAAAAAAAAAAAAAAAAAAAAAAAAAZAAAAAEAAABAAAAAAAAAAAAAAAAAAAAAAAAAAAAAAAAAAAAAAAAAAAAAAAAAAAAAAAAAAAAAAAAAAAAAAAAAAAAAAAAAAAAAAAAAAAAAAAAAAAAAAAAAAAAAAAAAAAAAFAAAADwAAAAAAAAAAAAAAAAAAAkUAAAAAQAAABQAAAAUAAAAFAAAAAEAAAAAAAAAZAAAAGQAAAAAAAAAZAAAAGQAAAAVAAAAYAAAAAAAAAAAAAAADwAAACADAAAAAAAAAAAAAAEAAACgMgAAVgcAAKr4//8BAAAAf39/AAEAAABkAAAAAAAAABQAAABAHwAAAAAAACYAAAAAAAAAwOD//wAAAAAmAAAAZAAAABYAAABMAAAAAAAAAAAAAAAEAAAAAAAAAAEAAACAgIAKAAAAACgAAAAoAAAAZAAAAGQAAAAAAAAAzMzMAAAAAABQAAAAUAAAAGQAAABkAAAAAAAAABcAAAAUAAAAAAAAAAAAAAD/fwAA/38AAAAAAAAJAAAABAAAAAAAAAAeAAAAaAAAAAAAAAAAAAAAAAAAAAAAAAAAAAAAECcAABAnAAAAAAAAAAAAAAAAAAAAAAAAAAAAAAAAAAAAAAAAAAAAABQAAAAAAAAAwMD/AAAAAABkAAAAMgAAAAAAAABkAAAAAAAAAH9/fwAKAAAAIgAAABgAAAAAAAAAAAAAAAAAAAAAAAAAAAAAAAAAAAAkAAAAJAAAAAAAAAAHAAAAAAAAAAAAAAAAAAAAAAAAAAAAAAAAAAAAf39/ACUAAABYAAAAAAAAAAAAAAAAAAAAAAAAAAAAAAAAAAAAAAAAAAAAAAAAAAAAAAAAAAAAAAA/AAAAAAAAAKCGAQAAAAAAAAAAAAAAAAAMAAAAAQAAAAAAAAAAAAAAAAAAAB8AAABUAAAAAAAABQAAAAEAAAAAAAAAAAAAAAAAAAAAAAAAAAAAAAAAAAAAAAAAAAAAAAJ/f38AAAAAA8zMzADAwP8Af39/AAAAAAAAAAAAAAAAAAAAAAAAAAAAIQAAABgAAAAUAAAAUx0AAK4BAABARwAAsCUAABAAAAAmAAAACAAAAAGAAAAAAAAAMAAAABQAAAAAAAAAAAD//wAAAQAAAP//AAABAA=="/>
+                <pr:smNativeData xmlns:pr="smNativeData" xmlns="smNativeData" val="SMDATA_16_CqSDZxMAAAAlAAAAZAAAAA8BAAAAkAAAAEgAAACQAAAASAAAAAAAAAAAAAAAAAAAAAEAAABQAAAAAAAAAAAA4D8AAAAAAADgPwAAAAAAAOA/AAAAAAAA4D8AAAAAAADgPwAAAAAAAOA/AAAAAAAA4D8AAAAAAADgPwAAAAAAAOA/AAAAAAAA4D8CAAAAjAAAAAAAAAAAAAAAu+DjDP///wgAAAAAAAAAAAAAAAAAAAAAAAAAAAAAAAAAAAAAZAAAAAEAAABAAAAAAAAAAAAAAAAAAAAAAAAAAAAAAAAAAAAAAAAAAAAAAAAAAAAAAAAAAAAAAAAAAAAAAAAAAAAAAAAAAAAAAAAAAAAAAAAAAAAAAAAAAAAAAAAAAAAAFAAAADwAAAAAAAAAAAAAAAAAAAkUAAAAAQAAABQAAAAUAAAAFAAAAAEAAAAAAAAAZAAAAGQAAAAAAAAAZAAAAGQAAAAVAAAAYAAAAAAAAAAAAAAADwAAACADAAAAAAAAAAAAAAEAAACgMgAAVgcAAKr4//8BAAAAf39/AAEAAABkAAAAAAAAABQAAABAHwAAAAAAACYAAAAAAAAAwOD//wAAAAAmAAAAZAAAABYAAABMAAAAAAAAAAAAAAAEAAAAAAAAAAEAAACAgIAKAAAAACgAAAAoAAAAZAAAAGQAAAAAAAAAzMzMAAAAAABQAAAAUAAAAGQAAABkAAAAAAAAABcAAAAUAAAAAAAAAAAAAAD/fwAA/38AAAAAAAAJAAAABAAAAAAAAAAeAAAAaAAAAAAAAAAAAAAAAAAAAAAAAAAAAAAAECcAABAnAAAAAAAAAAAAAAAAAAAAAAAAAAAAAAAAAAAAAAAAAAAAABQAAAAAAAAAwMD/AAAAAABkAAAAMgAAAAAAAABkAAAAAAAAAH9/fwAKAAAAIgAAABgAAAAAAAAAAAAAAAAAAAAAAAAAAAAAAAAAAAAkAAAAJAAAAAAAAAAHAAAAAAAAAAAAAAAAAAAAAAAAAAAAAAAAAAAAf39/ACUAAABYAAAAAAAAAAAAAAAAAAAAAAAAAAAAAAAAAAAAAAAAAAAAAAAAAAAAAAAAAAAAAAA/AAAAAAAAAKCGAQAAAAAAAAAAAAAAAAAMAAAAAQAAAAAAAAAAAAAAAAAAAB8AAABUAAAAAAAABQAAAAEAAAAAAAAAAAAAAAAAAAAAAAAAAAAAAAAAAAAAAAAAAAAAAAJ/f38AAAAAA8zMzADAwP8Af39/AAAAAAAAAAAAAAAAAAAAAAAAAAAAIQAAABgAAAAUAAAAUx0AAK4BAABARwAAsCUAABAAAAAmAAAACAAAAAGAAAAAAAAAMAAAABQAAAAAAAAAAAD//wAAAQAAAP//AAABAA=="/>
               </a:ext>
             </a:extLst>
           </p:cNvSpPr>
@@ -2325,7 +2325,7 @@
             <a:spLocks noGrp="1" noChangeArrowheads="1"/>
             <a:extLst>
               <a:ext uri="smNativeData">
-                <pr:smNativeData xmlns:pr="smNativeData" xmlns="smNativeData" val="SMDATA_16_V9F3ZxMAAAAlAAAAZAAAAA8BAAAAkAAAAEgAAACQAAAASAAAAAAAAAAAAAAAAAAAAAEAAABQAAAAAAAAAAAA4D8AAAAAAADgPwAAAAAAAOA/AAAAAAAA4D8AAAAAAADgPwAAAAAAAOA/AAAAAAAA4D8AAAAAAADgPwAAAAAAAOA/AAAAAAAA4D8CAAAAjAAAAAAAAAAAAAAAu+DjDP///wgAAAAAAAAAAAAAAAAAAAAAAAAAAAAAAAAAAAAAZAAAAAEAAABAAAAAAAAAAAAAAAAAAAAAAAAAAAAAAAAAAAAAAAAAAAAAAAAAAAAAAAAAAAAAAAAAAAAAAAAAAAAAAAAAAAAAAAAAAAAAAAAAAAAAAAAAAAAAAAAAAAAAFAAAADwAAAAAAAAAAAAAAAAAAAkUAAAAAQAAABQAAAAUAAAAFAAAAAEAAAAAAAAAZAAAAGQAAAAAAAAAZAAAAGQAAAAVAAAAYAAAAAAAAAAAAAAADwAAACADAAAAAAAAAAAAAAEAAACgMgAAVgcAAKr4//8BAAAAf39/AAEAAABkAAAAAAAAABQAAABAHwAAAAAAACYAAAAAAAAAwOD//wAAAAAmAAAAZAAAABYAAABMAAAAAAAAAAAAAAAEAAAAAAAAAAEAAACAgIAKAAAAACgAAAAoAAAAZAAAAGQAAAAAAAAAzMzMAAAAAABQAAAAUAAAAGQAAABkAAAAAAAAABcAAAAUAAAAAAAAAAAAAAD/fwAA/38AAAAAAAAJAAAABAAAAAAAAAAeAAAAaAAAAAAAAAAAAAAAAAAAAAAAAAAAAAAAECcAABAnAAAAAAAAAAAAAAAAAAAAAAAAAAAAAAAAAAAAAAAAAAAAABQAAAAAAAAAwMD/AAAAAABkAAAAMgAAAAAAAABkAAAAAAAAAH9/fwAKAAAAIgAAABgAAAAAAAAAAAAAAAAAAAAAAAAAAAAAAAAAAAAkAAAAJAAAAAAAAAAHAAAAAAAAAAAAAAAAAAAAAAAAAAAAAAAAAAAAf39/ACUAAABYAAAAAAAAAAAAAAAAAAAAAAAAAAAAAAAAAAAAAAAAAAAAAAAAAAAAAAAAAAAAAAA/AAAAAAAAAKCGAQAAAAAAAAAAAAAAAAAMAAAAAQAAAAAAAAAAAAAAAAAAAB8AAABUAAAAAAAABQAAAAEAAAAAAAAAAAAAAAAAAAAAAAAAAAAAAAAAAAAAAAAAAAAAAAJ/f38AAAAAA8zMzADAwP8Af39/AAAAAAAAAAAAAAAAAAAAAAAAAAAAIQAAABgAAAAUAAAAwAMAANQIAABtHAAAsCUAABAAAAAmAAAACAAAAAGAAAAAAAAAMAAAABQAAAAAAAAAAAD//wAAAQAAAP//AAABAA=="/>
+                <pr:smNativeData xmlns:pr="smNativeData" xmlns="smNativeData" val="SMDATA_16_CqSDZxMAAAAlAAAAZAAAAA8BAAAAkAAAAEgAAACQAAAASAAAAAAAAAAAAAAAAAAAAAEAAABQAAAAAAAAAAAA4D8AAAAAAADgPwAAAAAAAOA/AAAAAAAA4D8AAAAAAADgPwAAAAAAAOA/AAAAAAAA4D8AAAAAAADgPwAAAAAAAOA/AAAAAAAA4D8CAAAAjAAAAAAAAAAAAAAAu+DjDP///wgAAAAAAAAAAAAAAAAAAAAAAAAAAAAAAAAAAAAAZAAAAAEAAABAAAAAAAAAAAAAAAAAAAAAAAAAAAAAAAAAAAAAAAAAAAAAAAAAAAAAAAAAAAAAAAAAAAAAAAAAAAAAAAAAAAAAAAAAAAAAAAAAAAAAAAAAAAAAAAAAAAAAFAAAADwAAAAAAAAAAAAAAAAAAAkUAAAAAQAAABQAAAAUAAAAFAAAAAEAAAAAAAAAZAAAAGQAAAAAAAAAZAAAAGQAAAAVAAAAYAAAAAAAAAAAAAAADwAAACADAAAAAAAAAAAAAAEAAACgMgAAVgcAAKr4//8BAAAAf39/AAEAAABkAAAAAAAAABQAAABAHwAAAAAAACYAAAAAAAAAwOD//wAAAAAmAAAAZAAAABYAAABMAAAAAAAAAAAAAAAEAAAAAAAAAAEAAACAgIAKAAAAACgAAAAoAAAAZAAAAGQAAAAAAAAAzMzMAAAAAABQAAAAUAAAAGQAAABkAAAAAAAAABcAAAAUAAAAAAAAAAAAAAD/fwAA/38AAAAAAAAJAAAABAAAAAAAAAAeAAAAaAAAAAAAAAAAAAAAAAAAAAAAAAAAAAAAECcAABAnAAAAAAAAAAAAAAAAAAAAAAAAAAAAAAAAAAAAAAAAAAAAABQAAAAAAAAAwMD/AAAAAABkAAAAMgAAAAAAAABkAAAAAAAAAH9/fwAKAAAAIgAAABgAAAAAAAAAAAAAAAAAAAAAAAAAAAAAAAAAAAAkAAAAJAAAAAAAAAAHAAAAAAAAAAAAAAAAAAAAAAAAAAAAAAAAAAAAf39/ACUAAABYAAAAAAAAAAAAAAAAAAAAAAAAAAAAAAAAAAAAAAAAAAAAAAAAAAAAAAAAAAAAAAA/AAAAAAAAAKCGAQAAAAAAAAAAAAAAAAAMAAAAAQAAAAAAAAAAAAAAAAAAAB8AAABUAAAAAAAABQAAAAEAAAAAAAAAAAAAAAAAAAAAAAAAAAAAAAAAAAAAAAAAAAAAAAJ/f38AAAAAA8zMzADAwP8Af39/AAAAAAAAAAAAAAAAAAAAAAAAAAAAIQAAABgAAAAUAAAAwAMAANQIAABtHAAAsCUAABAAAAAmAAAACAAAAAGAAAAAAAAAMAAAABQAAAAAAAAAAAD//wAAAQAAAP//AAABAA=="/>
               </a:ext>
             </a:extLst>
           </p:cNvSpPr>
@@ -2394,7 +2394,7 @@
             <a:spLocks noGrp="1" noChangeArrowheads="1"/>
             <a:extLst>
               <a:ext uri="smNativeData">
-                <pr:smNativeData xmlns:pr="smNativeData" xmlns="smNativeData" val="SMDATA_16_V9F3ZxMAAAAlAAAAZAAAAA8BAAAAkAAAAEgAAACQAAAASAAAAAAAAAABAAAAAAAAAAEAAABQAAAAAAAAAAAA4D8AAAAAAADgPwAAAAAAAOA/AAAAAAAA4D8AAAAAAADgPwAAAAAAAOA/AAAAAAAA4D8AAAAAAADgPwAAAAAAAOA/AAAAAAAA4D8CAAAAjAAAAAAAAAAAAAAAu+DjDP///wgAAAAAAAAAAAAAAAAAAAAAAAAAAAAAAAAAAAAAZAAAAAEAAABAAAAAAAAAAAAAAAAAAAAAAAAAAAAAAAAAAAAAAAAAAAAAAAAAAAAAAAAAAAAAAAAAAAAAAAAAAAAAAAAAAAAAAAAAAAAAAAAAAAAAAAAAAAAAAAAAAAAAFAAAADwAAAAAAAAAAAAAAAAAAAkUAAAAAQAAABQAAAAUAAAAFAAAAAEAAAAAAAAAZAAAAGQAAAAAAAAAZAAAAGQAAAAVAAAAYAAAAAAAAAAAAAAADwAAACADAAAAAAAAAAAAAAEAAACgMgAAVgcAAKr4//8BAAAAf39/AAEAAABkAAAAAAAAABQAAABAHwAAAAAAACYAAAAAAAAAwOD//wAAAAAmAAAAZAAAABYAAABMAAAAAAAAAAAAAAAEAAAAAAAAAAEAAACAgIAKAAAAACgAAAAoAAAAZAAAAGQAAAAAAAAAzMzMAAAAAABQAAAAUAAAAGQAAABkAAAAAAAAABcAAAAUAAAAAAAAAAAAAAD/fwAA/38AAAAAAAAJAAAABAAAAAAAAAAeAAAAaAAAAAAAAAAAAAAAAAAAAAAAAAAAAAAAECcAABAnAAAAAAAAAAAAAAAAAAAAAAAAAAAAAAAAAAAAAAAAAAAAABQAAAAAAAAAwMD/AAAAAABkAAAAMgAAAAAAAABkAAAAAAAAAH9/fwAKAAAAIgAAABgAAAAAAAAAAAAAAAAAAAAAAAAAAAAAAAAAAAAkAAAAJAAAAAAAAAAHAAAAAAAAAAAAAAAAAAAAAAAAAAAAAAAAAAAAf39/ACUAAABYAAAAAAAAAAAAAAAAAAAAAAAAAAAAAAAAAAAAAAAAAAAAAAAAAAAAAAAAAAAAAAA/AAAAAAAAAKCGAQAAAAAAAAAAAAAAAAAMAAAAAQAAAAAAAAAAAAAAAAAAAB8AAABUAAAAAAAABQAAAAEAAAAAAAAAAAAAAAAAAAAAAAAAAAAAAAAAAAAAAAAAAAAAAAJ/f38AAAAAA8zMzADAwP8Af39/AAAAAAAAAAAAAAAAAAAAAAAAAAAAIQAAABgAAAAUAAAAwAMAABsnAAA/FQAAWSkAABAAAAAmAAAACAAAAAAAAAAAAAAAMAAAABQAAAAAAAAAAAD//wAAAQAAAP//AAABAA=="/>
+                <pr:smNativeData xmlns:pr="smNativeData" xmlns="smNativeData" val="SMDATA_16_CqSDZxMAAAAlAAAAZAAAAA8BAAAAkAAAAEgAAACQAAAASAAAAAAAAAABAAAAAAAAAAEAAABQAAAAAAAAAAAA4D8AAAAAAADgPwAAAAAAAOA/AAAAAAAA4D8AAAAAAADgPwAAAAAAAOA/AAAAAAAA4D8AAAAAAADgPwAAAAAAAOA/AAAAAAAA4D8CAAAAjAAAAAAAAAAAAAAAu+DjDP///wgAAAAAAAAAAAAAAAAAAAAAAAAAAAAAAAAAAAAAZAAAAAEAAABAAAAAAAAAAAAAAAAAAAAAAAAAAAAAAAAAAAAAAAAAAAAAAAAAAAAAAAAAAAAAAAAAAAAAAAAAAAAAAAAAAAAAAAAAAAAAAAAAAAAAAAAAAAAAAAAAAAAAFAAAADwAAAAAAAAAAAAAAAAAAAkUAAAAAQAAABQAAAAUAAAAFAAAAAEAAAAAAAAAZAAAAGQAAAAAAAAAZAAAAGQAAAAVAAAAYAAAAAAAAAAAAAAADwAAACADAAAAAAAAAAAAAAEAAACgMgAAVgcAAKr4//8BAAAAf39/AAEAAABkAAAAAAAAABQAAABAHwAAAAAAACYAAAAAAAAAwOD//wAAAAAmAAAAZAAAABYAAABMAAAAAAAAAAAAAAAEAAAAAAAAAAEAAACAgIAKAAAAACgAAAAoAAAAZAAAAGQAAAAAAAAAzMzMAAAAAABQAAAAUAAAAGQAAABkAAAAAAAAABcAAAAUAAAAAAAAAAAAAAD/fwAA/38AAAAAAAAJAAAABAAAAAAAAAAeAAAAaAAAAAAAAAAAAAAAAAAAAAAAAAAAAAAAECcAABAnAAAAAAAAAAAAAAAAAAAAAAAAAAAAAAAAAAAAAAAAAAAAABQAAAAAAAAAwMD/AAAAAABkAAAAMgAAAAAAAABkAAAAAAAAAH9/fwAKAAAAIgAAABgAAAAAAAAAAAAAAAAAAAAAAAAAAAAAAAAAAAAkAAAAJAAAAAAAAAAHAAAAAAAAAAAAAAAAAAAAAAAAAAAAAAAAAAAAf39/ACUAAABYAAAAAAAAAAAAAAAAAAAAAAAAAAAAAAAAAAAAAAAAAAAAAAAAAAAAAAAAAAAAAAA/AAAAAAAAAKCGAQAAAAAAAAAAAAAAAAAMAAAAAQAAAAAAAAAAAAAAAAAAAB8AAABUAAAAAAAABQAAAAEAAAAAAAAAAAAAAAAAAAAAAAAAAAAAAAAAAAAAAAAAAAAAAAJ/f38AAAAAA8zMzADAwP8Af39/AAAAAAAAAAAAAAAAAAAAAAAAAAAAIQAAABgAAAAUAAAAwAMAABsnAAA/FQAAWSkAABAAAAAmAAAACAAAAAAAAAAAAAAAMAAAABQAAAAAAAAAAAD//wAAAQAAAP//AAABAA=="/>
               </a:ext>
             </a:extLst>
           </p:cNvSpPr>
@@ -2408,7 +2408,7 @@
           <a:lstStyle/>
           <a:p>
             <a:pPr/>
-            <a:fld id="{3F809BD2-9CD2-D56D-9C38-6A38D5766A3F}" type="datetime1">
+            <a:fld id="{3F53E085-CBD2-0616-9CEB-3D43AEA56A68}" type="datetime1">
               <a:t/>
             </a:fld>
           </a:p>
@@ -2421,7 +2421,7 @@
             <a:spLocks noGrp="1" noChangeArrowheads="1"/>
             <a:extLst>
               <a:ext uri="smNativeData">
-                <pr:smNativeData xmlns:pr="smNativeData" xmlns="smNativeData" val="SMDATA_16_V9F3ZxMAAAAlAAAAZAAAAA8BAAAAkAAAAEgAAACQAAAASAAAAAAAAAABAAAAAAAAAAEAAABQAAAAAAAAAAAA4D8AAAAAAADgPwAAAAAAAOA/AAAAAAAA4D8AAAAAAADgPwAAAAAAAOA/AAAAAAAA4D8AAAAAAADgPwAAAAAAAOA/AAAAAAAA4D8CAAAAjAAAAAAAAAAAAAAAu+DjDP///wgAAAAAAAAAAAAAAAAAAAAAAAAAAAAAAAAAAAAAZAAAAAEAAABAAAAAAAAAAAAAAAAAAAAAAAAAAAAAAAAAAAAAAAAAAAAAAAAAAAAAAAAAAAAAAAAAAAAAAAAAAAAAAAAAAAAAAAAAAAAAAAAAAAAAAAAAAAAAAAAAAAAAFAAAADwAAAAAAAAAAAAAAAAAAAkUAAAAAQAAABQAAAAUAAAAFAAAAAEAAAAAAAAAZAAAAGQAAAAAAAAAZAAAAGQAAAAVAAAAYAAAAAAAAAAAAAAADwAAACADAAAAAAAAAAAAAAEAAACgMgAAVgcAAKr4//8BAAAAf39/AAEAAABkAAAAAAAAABQAAABAHwAAAAAAACYAAAAAAAAAwOD//wAAAAAmAAAAZAAAABYAAABMAAAAAAAAAAAAAAAEAAAAAAAAAAEAAACAgIAKAAAAACgAAAAoAAAAZAAAAGQAAAAAAAAAzMzMAAAAAABQAAAAUAAAAGQAAABkAAAAAAAAABcAAAAUAAAAAAAAAAAAAAD/fwAA/38AAAAAAAAJAAAABAAAAHNwY0IeAAAAaAAAAAAAAAAAAAAAAAAAAAAAAAAAAAAAECcAABAnAAAAAAAAAAAAAAAAAAAAAAAAAAAAAAAAAAAAAAAAAAAAABQAAAAAAAAAwMD/AAAAAABkAAAAMgAAAAAAAABkAAAAAAAAAH9/fwAKAAAAIgAAABgAAAAAAAAAAAAAAAAAAAAAAAAAAAAAAAAAAAAkAAAAJAAAAAAAAAAHAAAAAAAAAAAAAAAAAAAAAAAAAAAAAAAAAAAAf39/ACUAAABYAAAAAAAAAAAAAAAAAAAAAAAAAAAAAAAAAAAAAAAAAAAAAAAAAAAAAAAAAAAAAAA/AAAAAAAAAKCGAQAAAAAAAAAAAAAAAAAMAAAAAQAAAAAAAAAAAAAAAAAAAB8AAABUAAAAAAAABQAAAAEAAAAAAAAAAAAAAAAAAAAAAAAAAAAAAAAAAAAAAAAAAAAAAAJ/f38AAAAAA8zMzADAwP8Af39/AAAAAAAAAAAAAAAAAAAAAAAAAAAAIQAAABgAAAAUAAAAoRkAABsnAABfMQAAWSkAABAAAAAmAAAACAAAAAAAAAAAAAAAMAAAABQAAAAAAAAAAAD//wAAAQAAAP//AAABAA=="/>
+                <pr:smNativeData xmlns:pr="smNativeData" xmlns="smNativeData" val="SMDATA_16_CqSDZxMAAAAlAAAAZAAAAA8BAAAAkAAAAEgAAACQAAAASAAAAAAAAAABAAAAAAAAAAEAAABQAAAAAAAAAAAA4D8AAAAAAADgPwAAAAAAAOA/AAAAAAAA4D8AAAAAAADgPwAAAAAAAOA/AAAAAAAA4D8AAAAAAADgPwAAAAAAAOA/AAAAAAAA4D8CAAAAjAAAAAAAAAAAAAAAu+DjDP///wgAAAAAAAAAAAAAAAAAAAAAAAAAAAAAAAAAAAAAZAAAAAEAAABAAAAAAAAAAAAAAAAAAAAAAAAAAAAAAAAAAAAAAAAAAAAAAAAAAAAAAAAAAAAAAAAAAAAAAAAAAAAAAAAAAAAAAAAAAAAAAAAAAAAAAAAAAAAAAAAAAAAAFAAAADwAAAAAAAAAAAAAAAAAAAkUAAAAAQAAABQAAAAUAAAAFAAAAAEAAAAAAAAAZAAAAGQAAAAAAAAAZAAAAGQAAAAVAAAAYAAAAAAAAAAAAAAADwAAACADAAAAAAAAAAAAAAEAAACgMgAAVgcAAKr4//8BAAAAf39/AAEAAABkAAAAAAAAABQAAABAHwAAAAAAACYAAAAAAAAAwOD//wAAAAAmAAAAZAAAABYAAABMAAAAAAAAAAAAAAAEAAAAAAAAAAEAAACAgIAKAAAAACgAAAAoAAAAZAAAAGQAAAAAAAAAzMzMAAAAAABQAAAAUAAAAGQAAABkAAAAAAAAABcAAAAUAAAAAAAAAAAAAAD/fwAA/38AAAAAAAAJAAAABAAAAHNwY0IeAAAAaAAAAAAAAAAAAAAAAAAAAAAAAAAAAAAAECcAABAnAAAAAAAAAAAAAAAAAAAAAAAAAAAAAAAAAAAAAAAAAAAAABQAAAAAAAAAwMD/AAAAAABkAAAAMgAAAAAAAABkAAAAAAAAAH9/fwAKAAAAIgAAABgAAAAAAAAAAAAAAAAAAAAAAAAAAAAAAAAAAAAkAAAAJAAAAAAAAAAHAAAAAAAAAAAAAAAAAAAAAAAAAAAAAAAAAAAAf39/ACUAAABYAAAAAAAAAAAAAAAAAAAAAAAAAAAAAAAAAAAAAAAAAAAAAAAAAAAAAAAAAAAAAAA/AAAAAAAAAKCGAQAAAAAAAAAAAAAAAAAMAAAAAQAAAAAAAAAAAAAAAAAAAB8AAABUAAAAAAAABQAAAAEAAAAAAAAAAAAAAAAAAAAAAAAAAAAAAAAAAAAAAAAAAAAAAAJ/f38AAAAAA8zMzADAwP8Af39/AAAAAAAAAAAAAAAAAAAAAAAAAAAAIQAAABgAAAAUAAAAoRkAABsnAABfMQAAWSkAABAAAAAmAAAACAAAAAAAAAAAAAAAMAAAABQAAAAAAAAAAAD//wAAAQAAAP//AAABAA=="/>
               </a:ext>
             </a:extLst>
           </p:cNvSpPr>
@@ -2445,7 +2445,7 @@
             <a:spLocks noGrp="1" noChangeArrowheads="1"/>
             <a:extLst>
               <a:ext uri="smNativeData">
-                <pr:smNativeData xmlns:pr="smNativeData" xmlns="smNativeData" val="SMDATA_16_V9F3ZxMAAAAlAAAAZAAAAA8BAAAAkAAAAEgAAACQAAAASAAAAAAAAAABAAAAAAAAAAEAAABQAAAAAAAAAAAA4D8AAAAAAADgPwAAAAAAAOA/AAAAAAAA4D8AAAAAAADgPwAAAAAAAOA/AAAAAAAA4D8AAAAAAADgPwAAAAAAAOA/AAAAAAAA4D8CAAAAjAAAAAAAAAAAAAAAu+DjDP///wgAAAAAAAAAAAAAAAAAAAAAAAAAAAAAAAAAAAAAZAAAAAEAAABAAAAAAAAAAAAAAAAAAAAAAAAAAAAAAAAAAAAAAAAAAAAAAAAAAAAAAAAAAAAAAAAAAAAAAAAAAAAAAAAAAAAAAAAAAAAAAAAAAAAAAAAAAAAAAAAAAAAAFAAAADwAAAAAAAAAAAAAAAAAAAkUAAAAAQAAABQAAAAUAAAAFAAAAAEAAAAAAAAAZAAAAGQAAAAAAAAAZAAAAGQAAAAVAAAAYAAAAAAAAAAAAAAADwAAACADAAAAAAAAAAAAAAEAAACgMgAAVgcAAKr4//8BAAAAf39/AAEAAABkAAAAAAAAABQAAABAHwAAAAAAACYAAAAAAAAAwOD//wAAAAAmAAAAZAAAABYAAABMAAAAAAAAAAAAAAAEAAAAAAAAAAEAAACAgIAKAAAAACgAAAAoAAAAZAAAAGQAAAAAAAAAzMzMAAAAAABQAAAAUAAAAGQAAABkAAAAAAAAABcAAAAUAAAAAAAAAAAAAAD/fwAA/38AAAAAAAAJAAAABAAAAAAAAAAeAAAAaAAAAAAAAAAAAAAAAAAAAAAAAAAAAAAAECcAABAnAAAAAAAAAAAAAAAAAAAAAAAAAAAAAAAAAAAAAAAAAAAAABQAAAAAAAAAwMD/AAAAAABkAAAAMgAAAAAAAABkAAAAAAAAAH9/fwAKAAAAIgAAABgAAAAAAAAAAAAAAAAAAAAAAAAAAAAAAAAAAAAkAAAAJAAAAAAAAAAHAAAAAAAAAAAAAAAAAAAAAAAAAAAAAAAAAAAAf39/ACUAAABYAAAAAAAAAAAAAAAAAAAAAAAAAAAAAAAAAAAAAAAAAAAAAAAAAAAAAAAAAAAAAAA/AAAAAAAAAKCGAQAAAAAAAAAAAAAAAAAMAAAAAQAAAAAAAAAAAAAAAAAAAB8AAABUAAAAAAAABQAAAAEAAAAAAAAAAAAAAAAAAAAAAAAAAAAAAAAAAAAAAAAAAAAAAAJ/f38AAAAAA8zMzADAwP8Af39/AAAAAAAAAAAAAAAAAAAAAAAAAAAAIQAAABgAAAAUAAAAwTUAABsnAABARwAAWSkAABAAAAAmAAAACAAAAAAAAAAAAAAAMAAAABQAAAAAAAAAAAD//wAAAQAAAP//AAABAA=="/>
+                <pr:smNativeData xmlns:pr="smNativeData" xmlns="smNativeData" val="SMDATA_16_CqSDZxMAAAAlAAAAZAAAAA8BAAAAkAAAAEgAAACQAAAASAAAAAAAAAABAAAAAAAAAAEAAABQAAAAAAAAAAAA4D8AAAAAAADgPwAAAAAAAOA/AAAAAAAA4D8AAAAAAADgPwAAAAAAAOA/AAAAAAAA4D8AAAAAAADgPwAAAAAAAOA/AAAAAAAA4D8CAAAAjAAAAAAAAAAAAAAAu+DjDP///wgAAAAAAAAAAAAAAAAAAAAAAAAAAAAAAAAAAAAAZAAAAAEAAABAAAAAAAAAAAAAAAAAAAAAAAAAAAAAAAAAAAAAAAAAAAAAAAAAAAAAAAAAAAAAAAAAAAAAAAAAAAAAAAAAAAAAAAAAAAAAAAAAAAAAAAAAAAAAAAAAAAAAFAAAADwAAAAAAAAAAAAAAAAAAAkUAAAAAQAAABQAAAAUAAAAFAAAAAEAAAAAAAAAZAAAAGQAAAAAAAAAZAAAAGQAAAAVAAAAYAAAAAAAAAAAAAAADwAAACADAAAAAAAAAAAAAAEAAACgMgAAVgcAAKr4//8BAAAAf39/AAEAAABkAAAAAAAAABQAAABAHwAAAAAAACYAAAAAAAAAwOD//wAAAAAmAAAAZAAAABYAAABMAAAAAAAAAAAAAAAEAAAAAAAAAAEAAACAgIAKAAAAACgAAAAoAAAAZAAAAGQAAAAAAAAAzMzMAAAAAABQAAAAUAAAAGQAAABkAAAAAAAAABcAAAAUAAAAAAAAAAAAAAD/fwAA/38AAAAAAAAJAAAABAAAAAAAAAAeAAAAaAAAAAAAAAAAAAAAAAAAAAAAAAAAAAAAECcAABAnAAAAAAAAAAAAAAAAAAAAAAAAAAAAAAAAAAAAAAAAAAAAABQAAAAAAAAAwMD/AAAAAABkAAAAMgAAAAAAAABkAAAAAAAAAH9/fwAKAAAAIgAAABgAAAAAAAAAAAAAAAAAAAAAAAAAAAAAAAAAAAAkAAAAJAAAAAAAAAAHAAAAAAAAAAAAAAAAAAAAAAAAAAAAAAAAAAAAf39/ACUAAABYAAAAAAAAAAAAAAAAAAAAAAAAAAAAAAAAAAAAAAAAAAAAAAAAAAAAAAAAAAAAAAA/AAAAAAAAAKCGAQAAAAAAAAAAAAAAAAAMAAAAAQAAAAAAAAAAAAAAAAAAAB8AAABUAAAAAAAABQAAAAEAAAAAAAAAAAAAAAAAAAAAAAAAAAAAAAAAAAAAAAAAAAAAAAJ/f38AAAAAA8zMzADAwP8Af39/AAAAAAAAAAAAAAAAAAAAAAAAAAAAIQAAABgAAAAUAAAAwTUAABsnAABARwAAWSkAABAAAAAmAAAACAAAAAAAAAAAAAAAMAAAABQAAAAAAAAAAAD//wAAAQAAAP//AAABAA=="/>
               </a:ext>
             </a:extLst>
           </p:cNvSpPr>
@@ -2459,7 +2459,7 @@
           <a:lstStyle/>
           <a:p>
             <a:pPr/>
-            <a:fld id="{3F80C393-DDD2-D535-9C38-2B608D766A7E}" type="slidenum">
+            <a:fld id="{3F53C020-6ED2-0636-9CEB-98638EA56ACD}" type="slidenum">
               <a:t/>
             </a:fld>
           </a:p>
@@ -2498,7 +2498,7 @@
             <a:spLocks noGrp="1" noChangeArrowheads="1"/>
             <a:extLst>
               <a:ext uri="smNativeData">
-                <pr:smNativeData xmlns:pr="smNativeData" xmlns="smNativeData" val="SMDATA_16_V9F3ZxMAAAAlAAAAZAAAAA8BAAAAkAAAAEgAAACQAAAASAAAAAAAAAACAAAAAAAAAAEAAABQAAAAAAAAAAAA4D8AAAAAAADgPwAAAAAAAOA/AAAAAAAA4D8AAAAAAADgPwAAAAAAAOA/AAAAAAAA4D8AAAAAAADgPwAAAAAAAOA/AAAAAAAA4D8CAAAAjAAAAAAAAAAAAAAAu+DjDP///wgAAAAAAAAAAAAAAAAAAAAAAAAAAAAAAAAAAAAAZAAAAAEAAABAAAAAAAAAAAAAAAAAAAAAAAAAAAAAAAAAAAAAAAAAAAAAAAAAAAAAAAAAAAAAAAAAAAAAAAAAAAAAAAAAAAAAAAAAAAAAAAAAAAAAAAAAAAAAAAAAAAAAFAAAADwAAAAAAAAAAAAAAAAAAAkUAAAAAQAAABQAAAAUAAAAFAAAAAEAAAAAAAAAZAAAAGQAAAAAAAAAZAAAAGQAAAAVAAAAYAAAAAAAAAAAAAAADwAAACADAAAAAAAAAAAAAAEAAACgMgAAVgcAAKr4//8BAAAAf39/AAEAAABkAAAAAAAAABQAAABAHwAAAAAAACYAAAAAAAAAwOD//wAAAAAmAAAAZAAAABYAAABMAAAAAAAAAAAAAAAEAAAAAAAAAAEAAACAgIAKAAAAACgAAAAoAAAAZAAAAGQAAAAAAAAAzMzMAAAAAABQAAAAUAAAAGQAAABkAAAAAAAAABcAAAAUAAAAAAAAAAAAAAD/fwAA/38AAAAAAAAJAAAABAAAAAAAAAAeAAAAaAAAAAAAAAAAAAAAAAAAAAAAAAAAAAAAECcAABAnAAAAAAAAAAAAAAAAAAAAAAAAAAAAAAAAAAAAAAAAAAAAABQAAAAAAAAAwMD/AAAAAABkAAAAMgAAAAAAAABkAAAAAAAAAH9/fwAKAAAAIgAAABgAAAAAAAAAAAAAAAAAAAAAAAAAAAAAAAAAAAAkAAAAJAAAAAAAAAAHAAAAAAAAAAAAAAAAAAAAAAAAAAAAAAAAAAAAf39/ACUAAABYAAAAAAAAAAAAAAAAAAAAAAAAAAAAAAAAAAAAAAAAAAAAAAAAAAAAAAAAAAAAAAA/AAAAAAAAAKCGAQAAAAAAAAAAAAAAAAAMAAAAAQAAAAAAAAAAAAAAAAAAAB8AAABUAAAAAAAABQAAAAEAAAAAAAAAAAAAAAAAAAAAAAAAAAAAAAAAAAAAAAAAAAAAAAJ/f38AAAAAA8zMzADAwP8Af39/AAAAAAAAAAAAAAAAAAAAAAAAAAAAIQAAABgAAAAUAAAAsw4AAIgdAACzOwAABCEAABAAAAAmAAAACAAAAIGAAAAAAAAAMAAAABQAAAAAAAAAAAD//wAAAQAAAP//AAABAA=="/>
+                <pr:smNativeData xmlns:pr="smNativeData" xmlns="smNativeData" val="SMDATA_16_CqSDZxMAAAAlAAAAZAAAAA8BAAAAkAAAAEgAAACQAAAASAAAAAAAAAACAAAAAAAAAAEAAABQAAAAAAAAAAAA4D8AAAAAAADgPwAAAAAAAOA/AAAAAAAA4D8AAAAAAADgPwAAAAAAAOA/AAAAAAAA4D8AAAAAAADgPwAAAAAAAOA/AAAAAAAA4D8CAAAAjAAAAAAAAAAAAAAAu+DjDP///wgAAAAAAAAAAAAAAAAAAAAAAAAAAAAAAAAAAAAAZAAAAAEAAABAAAAAAAAAAAAAAAAAAAAAAAAAAAAAAAAAAAAAAAAAAAAAAAAAAAAAAAAAAAAAAAAAAAAAAAAAAAAAAAAAAAAAAAAAAAAAAAAAAAAAAAAAAAAAAAAAAAAAFAAAADwAAAAAAAAAAAAAAAAAAAkUAAAAAQAAABQAAAAUAAAAFAAAAAEAAAAAAAAAZAAAAGQAAAAAAAAAZAAAAGQAAAAVAAAAYAAAAAAAAAAAAAAADwAAACADAAAAAAAAAAAAAAEAAACgMgAAVgcAAKr4//8BAAAAf39/AAEAAABkAAAAAAAAABQAAABAHwAAAAAAACYAAAAAAAAAwOD//wAAAAAmAAAAZAAAABYAAABMAAAAAAAAAAAAAAAEAAAAAAAAAAEAAACAgIAKAAAAACgAAAAoAAAAZAAAAGQAAAAAAAAAzMzMAAAAAABQAAAAUAAAAGQAAABkAAAAAAAAABcAAAAUAAAAAAAAAAAAAAD/fwAA/38AAAAAAAAJAAAABAAAAAAAAAAeAAAAaAAAAAAAAAAAAAAAAAAAAAAAAAAAAAAAECcAABAnAAAAAAAAAAAAAAAAAAAAAAAAAAAAAAAAAAAAAAAAAAAAABQAAAAAAAAAwMD/AAAAAABkAAAAMgAAAAAAAABkAAAAAAAAAH9/fwAKAAAAIgAAABgAAAAAAAAAAAAAAAAAAAAAAAAAAAAAAAAAAAAkAAAAJAAAAAAAAAAHAAAAAAAAAAAAAAAAAAAAAAAAAAAAAAAAAAAAf39/ACUAAABYAAAAAAAAAAAAAAAAAAAAAAAAAAAAAAAAAAAAAAAAAAAAAAAAAAAAAAAAAAAAAAA/AAAAAAAAAKCGAQAAAAAAAAAAAAAAAAAMAAAAAQAAAAAAAAAAAAAAAAAAAB8AAABUAAAAAAAABQAAAAEAAAAAAAAAAAAAAAAAAAAAAAAAAAAAAAAAAAAAAAAAAAAAAAJ/f38AAAAAA8zMzADAwP8Af39/AAAAAAAAAAAAAAAAAAAAAAAAAAAAIQAAABgAAAAUAAAAsw4AAIgdAACzOwAABCEAABAAAAAmAAAACAAAAIGAAAAAAAAAMAAAABQAAAAAAAAAAAD//wAAAQAAAP//AAABAA=="/>
               </a:ext>
             </a:extLst>
           </p:cNvSpPr>
@@ -2538,7 +2538,7 @@
             <a:spLocks noGrp="1" noChangeArrowheads="1"/>
             <a:extLst>
               <a:ext uri="smNativeData">
-                <pr:smNativeData xmlns:pr="smNativeData" xmlns="smNativeData" val="SMDATA_16_V9F3ZxMAAAAlAAAAZAAAAA8BAAAAkAAAAEgAAACQAAAASAAAAAAAAAAAAAAAAAAAAAEAAABQAAAAAAAAAAAA4D8AAAAAAADgPwAAAAAAAOA/AAAAAAAA4D8AAAAAAADgPwAAAAAAAOA/AAAAAAAA4D8AAAAAAADgPwAAAAAAAOA/AAAAAAAA4D8CAAAAjAAAAAAAAAAAAAAAu+DjDP///wgAAAAAAAAAAAAAAAAAAAAAAAAAAAAAAAAAAAAAZAAAAAEAAABAAAAAAAAAAAAAAAAAAAAAAAAAAAAAAAAAAAAAAAAAAAAAAAAAAAAAAAAAAAAAAAAAAAAAAAAAAAAAAAAAAAAAAAAAAAAAAAAAAAAAAAAAAAAAAAAAAAAAFAAAADwAAAAAAAAAAAAAAAAAAAkUAAAAAQAAABQAAAAUAAAAFAAAAAEAAAAAAAAAZAAAAGQAAAAAAAAAZAAAAGQAAAAVAAAAYAAAAAAAAAAAAAAADwAAACADAAAAAAAAAAAAAAEAAACgMgAAVgcAAKr4//8BAAAAf39/AAEAAABkAAAAAAAAABQAAABAHwAAAAAAACYAAAAAAAAAwOD//wAAAAAmAAAAZAAAABYAAABMAAAAAAAAAAAAAAAEAAAAAAAAAAEAAACAgIAKAAAAACgAAAAoAAAAZAAAAGQAAAAAAAAAzMzMAAAAAABQAAAAUAAAAGQAAABkAAAAAAAAABcAAAAUAAAAAAAAAAAAAAD/fwAA/38AAAAAAAAJAAAABAAAAAAAAAAeAAAAaAAAAAAAAAAAAAAAAAAAAAAAAAAAAAAAECcAABAnAAAAAAAAAAAAAAAAAAAAAAAAAAAAAAAAAAAAAAAAAAAAABQAAAAAAAAAwMD/AAAAAABkAAAAMgAAAAAAAABkAAAAAAAAAH9/fwAKAAAAIgAAABgAAAAAAAAAAAAAAAAAAAAAAAAAAAAAAAAAAAAkAAAAJAAAAAAAAAAHAAAAAAAAAAAAAAAAAAAAAAAAAAAAAAAAAAAAf39/ACUAAABYAAAAAAAAAAAAAAAAAAAAAAAAAAAAAAAAAAAAAAAAAAAAAAAAAAAAAAAAAAAAAAA/AAAAAAAAAKCGAQAAAAAAAAAAAAAAAAAMAAAAAQAAAAAAAAAAAAAAAAAAAB8AAABUAAAAAAAABQAAAAEAAAAAAAAAAAAAAAAAAAAAAAAAAAAAAAAAAAAAAAAAAAAAAAJ/f38AAAAAA8zMzADAwP8Af39/AAAAAAAAAAAAAAAAAAAAAAAAAAAAIQAAABgAAAAUAAAAsw4AAMYDAACzOwAAFh0AABAAAAAmAAAACAAAAAGAAAAAAAAAMAAAABQAAAAAAAAAAAD//wAAAQAAAP//AAABAA=="/>
+                <pr:smNativeData xmlns:pr="smNativeData" xmlns="smNativeData" val="SMDATA_16_CqSDZxMAAAAlAAAAZAAAAA8BAAAAkAAAAEgAAACQAAAASAAAAAAAAAAAAAAAAAAAAAEAAABQAAAAAAAAAAAA4D8AAAAAAADgPwAAAAAAAOA/AAAAAAAA4D8AAAAAAADgPwAAAAAAAOA/AAAAAAAA4D8AAAAAAADgPwAAAAAAAOA/AAAAAAAA4D8CAAAAjAAAAAAAAAAAAAAAu+DjDP///wgAAAAAAAAAAAAAAAAAAAAAAAAAAAAAAAAAAAAAZAAAAAEAAABAAAAAAAAAAAAAAAAAAAAAAAAAAAAAAAAAAAAAAAAAAAAAAAAAAAAAAAAAAAAAAAAAAAAAAAAAAAAAAAAAAAAAAAAAAAAAAAAAAAAAAAAAAAAAAAAAAAAAFAAAADwAAAAAAAAAAAAAAAAAAAkUAAAAAQAAABQAAAAUAAAAFAAAAAEAAAAAAAAAZAAAAGQAAAAAAAAAZAAAAGQAAAAVAAAAYAAAAAAAAAAAAAAADwAAACADAAAAAAAAAAAAAAEAAACgMgAAVgcAAKr4//8BAAAAf39/AAEAAABkAAAAAAAAABQAAABAHwAAAAAAACYAAAAAAAAAwOD//wAAAAAmAAAAZAAAABYAAABMAAAAAAAAAAAAAAAEAAAAAAAAAAEAAACAgIAKAAAAACgAAAAoAAAAZAAAAGQAAAAAAAAAzMzMAAAAAABQAAAAUAAAAGQAAABkAAAAAAAAABcAAAAUAAAAAAAAAAAAAAD/fwAA/38AAAAAAAAJAAAABAAAAAAAAAAeAAAAaAAAAAAAAAAAAAAAAAAAAAAAAAAAAAAAECcAABAnAAAAAAAAAAAAAAAAAAAAAAAAAAAAAAAAAAAAAAAAAAAAABQAAAAAAAAAwMD/AAAAAABkAAAAMgAAAAAAAABkAAAAAAAAAH9/fwAKAAAAIgAAABgAAAAAAAAAAAAAAAAAAAAAAAAAAAAAAAAAAAAkAAAAJAAAAAAAAAAHAAAAAAAAAAAAAAAAAAAAAAAAAAAAAAAAAAAAf39/ACUAAABYAAAAAAAAAAAAAAAAAAAAAAAAAAAAAAAAAAAAAAAAAAAAAAAAAAAAAAAAAAAAAAA/AAAAAAAAAKCGAQAAAAAAAAAAAAAAAAAMAAAAAQAAAAAAAAAAAAAAAAAAAB8AAABUAAAAAAAABQAAAAEAAAAAAAAAAAAAAAAAAAAAAAAAAAAAAAAAAAAAAAAAAAAAAAJ/f38AAAAAA8zMzADAwP8Af39/AAAAAAAAAAAAAAAAAAAAAAAAAAAAIQAAABgAAAAUAAAAsw4AAMYDAACzOwAAFh0AABAAAAAmAAAACAAAAAGAAAAAAAAAMAAAABQAAAAAAAAAAAD//wAAAQAAAP//AAABAA=="/>
               </a:ext>
             </a:extLst>
           </p:cNvSpPr>
@@ -2607,7 +2607,7 @@
             <a:spLocks noGrp="1" noChangeArrowheads="1"/>
             <a:extLst>
               <a:ext uri="smNativeData">
-                <pr:smNativeData xmlns:pr="smNativeData" xmlns="smNativeData" val="SMDATA_16_V9F3ZxMAAAAlAAAAZAAAAA8BAAAAkAAAAEgAAACQAAAASAAAAAAAAAAAAAAAAAAAAAEAAABQAAAAAAAAAAAA4D8AAAAAAADgPwAAAAAAAOA/AAAAAAAA4D8AAAAAAADgPwAAAAAAAOA/AAAAAAAA4D8AAAAAAADgPwAAAAAAAOA/AAAAAAAA4D8CAAAAjAAAAAAAAAAAAAAAu+DjDP///wgAAAAAAAAAAAAAAAAAAAAAAAAAAAAAAAAAAAAAZAAAAAEAAABAAAAAAAAAAAAAAAAAAAAAAAAAAAAAAAAAAAAAAAAAAAAAAAAAAAAAAAAAAAAAAAAAAAAAAAAAAAAAAAAAAAAAAAAAAAAAAAAAAAAAAAAAAAAAAAAAAAAAFAAAADwAAAAAAAAAAAAAAAAAAAkUAAAAAQAAABQAAAAUAAAAFAAAAAEAAAAAAAAAZAAAAGQAAAAAAAAAZAAAAGQAAAAVAAAAYAAAAAAAAAAAAAAADwAAACADAAAAAAAAAAAAAAEAAACgMgAAVgcAAKr4//8BAAAAf39/AAEAAABkAAAAAAAAABQAAABAHwAAAAAAACYAAAAAAAAAwOD//wAAAAAmAAAAZAAAABYAAABMAAAAAAAAAAAAAAAEAAAAAAAAAAEAAACAgIAKAAAAACgAAAAoAAAAZAAAAGQAAAAAAAAAzMzMAAAAAABQAAAAUAAAAGQAAABkAAAAAAAAABcAAAAUAAAAAAAAAAAAAAD/fwAA/38AAAAAAAAJAAAABAAAAAAAAAAeAAAAaAAAAAAAAAAAAAAAAAAAAAAAAAAAAAAAECcAABAnAAAAAAAAAAAAAAAAAAAAAAAAAAAAAAAAAAAAAAAAAAAAABQAAAAAAAAAwMD/AAAAAABkAAAAMgAAAAAAAABkAAAAAAAAAH9/fwAKAAAAIgAAABgAAAAAAAAAAAAAAAAAAAAAAAAAAAAAAAAAAAAkAAAAJAAAAAAAAAAHAAAAAAAAAAAAAAAAAAAAAAAAAAAAAAAAAAAAf39/ACUAAABYAAAAAAAAAAAAAAAAAAAAAAAAAAAAAAAAAAAAAAAAAAAAAAAAAAAAAAAAAAAAAAA/AAAAAAAAAKCGAQAAAAAAAAAAAAAAAAAMAAAAAQAAAAAAAAAAAAAAAAAAAB8AAABUAAAAAAAABQAAAAEAAAAAAAAAAAAAAAAAAAAAAAAAAAAAAAAAAAAAAAAAAAAAAAJ/f38AAAAAA8zMzADAwP8Af39/AAAAAAAAAAAAAAAAAAAAAAAAAAAAIQAAABgAAAAUAAAAsw4AAAQhAACzOwAA+CUAABAAAAAmAAAACAAAAAGAAAAAAAAAMAAAABQAAAAAAAAAAAD//wAAAQAAAP//AAABAA=="/>
+                <pr:smNativeData xmlns:pr="smNativeData" xmlns="smNativeData" val="SMDATA_16_CqSDZxMAAAAlAAAAZAAAAA8BAAAAkAAAAEgAAACQAAAASAAAAAAAAAAAAAAAAAAAAAEAAABQAAAAAAAAAAAA4D8AAAAAAADgPwAAAAAAAOA/AAAAAAAA4D8AAAAAAADgPwAAAAAAAOA/AAAAAAAA4D8AAAAAAADgPwAAAAAAAOA/AAAAAAAA4D8CAAAAjAAAAAAAAAAAAAAAu+DjDP///wgAAAAAAAAAAAAAAAAAAAAAAAAAAAAAAAAAAAAAZAAAAAEAAABAAAAAAAAAAAAAAAAAAAAAAAAAAAAAAAAAAAAAAAAAAAAAAAAAAAAAAAAAAAAAAAAAAAAAAAAAAAAAAAAAAAAAAAAAAAAAAAAAAAAAAAAAAAAAAAAAAAAAFAAAADwAAAAAAAAAAAAAAAAAAAkUAAAAAQAAABQAAAAUAAAAFAAAAAEAAAAAAAAAZAAAAGQAAAAAAAAAZAAAAGQAAAAVAAAAYAAAAAAAAAAAAAAADwAAACADAAAAAAAAAAAAAAEAAACgMgAAVgcAAKr4//8BAAAAf39/AAEAAABkAAAAAAAAABQAAABAHwAAAAAAACYAAAAAAAAAwOD//wAAAAAmAAAAZAAAABYAAABMAAAAAAAAAAAAAAAEAAAAAAAAAAEAAACAgIAKAAAAACgAAAAoAAAAZAAAAGQAAAAAAAAAzMzMAAAAAABQAAAAUAAAAGQAAABkAAAAAAAAABcAAAAUAAAAAAAAAAAAAAD/fwAA/38AAAAAAAAJAAAABAAAAAAAAAAeAAAAaAAAAAAAAAAAAAAAAAAAAAAAAAAAAAAAECcAABAnAAAAAAAAAAAAAAAAAAAAAAAAAAAAAAAAAAAAAAAAAAAAABQAAAAAAAAAwMD/AAAAAABkAAAAMgAAAAAAAABkAAAAAAAAAH9/fwAKAAAAIgAAABgAAAAAAAAAAAAAAAAAAAAAAAAAAAAAAAAAAAAkAAAAJAAAAAAAAAAHAAAAAAAAAAAAAAAAAAAAAAAAAAAAAAAAAAAAf39/ACUAAABYAAAAAAAAAAAAAAAAAAAAAAAAAAAAAAAAAAAAAAAAAAAAAAAAAAAAAAAAAAAAAAA/AAAAAAAAAKCGAQAAAAAAAAAAAAAAAAAMAAAAAQAAAAAAAAAAAAAAAAAAAB8AAABUAAAAAAAABQAAAAEAAAAAAAAAAAAAAAAAAAAAAAAAAAAAAAAAAAAAAAAAAAAAAAJ/f38AAAAAA8zMzADAwP8Af39/AAAAAAAAAAAAAAAAAAAAAAAAAAAAIQAAABgAAAAUAAAAsw4AAAQhAACzOwAA+CUAABAAAAAmAAAACAAAAAGAAAAAAAAAMAAAABQAAAAAAAAAAAD//wAAAQAAAP//AAABAA=="/>
               </a:ext>
             </a:extLst>
           </p:cNvSpPr>
@@ -2676,7 +2676,7 @@
             <a:spLocks noGrp="1" noChangeArrowheads="1"/>
             <a:extLst>
               <a:ext uri="smNativeData">
-                <pr:smNativeData xmlns:pr="smNativeData" xmlns="smNativeData" val="SMDATA_16_V9F3ZxMAAAAlAAAAZAAAAA8BAAAAkAAAAEgAAACQAAAASAAAAAAAAAABAAAAAAAAAAEAAABQAAAAAAAAAAAA4D8AAAAAAADgPwAAAAAAAOA/AAAAAAAA4D8AAAAAAADgPwAAAAAAAOA/AAAAAAAA4D8AAAAAAADgPwAAAAAAAOA/AAAAAAAA4D8CAAAAjAAAAAAAAAAAAAAAu+DjDP///wgAAAAAAAAAAAAAAAAAAAAAAAAAAAAAAAAAAAAAZAAAAAEAAABAAAAAAAAAAAAAAAAAAAAAAAAAAAAAAAAAAAAAAAAAAAAAAAAAAAAAAAAAAAAAAAAAAAAAAAAAAAAAAAAAAAAAAAAAAAAAAAAAAAAAAAAAAAAAAAAAAAAAFAAAADwAAAAAAAAAAAAAAAAAAAkUAAAAAQAAABQAAAAUAAAAFAAAAAEAAAAAAAAAZAAAAGQAAAAAAAAAZAAAAGQAAAAVAAAAYAAAAAAAAAAAAAAADwAAACADAAAAAAAAAAAAAAEAAACgMgAAVgcAAKr4//8BAAAAf39/AAEAAABkAAAAAAAAABQAAABAHwAAAAAAACYAAAAAAAAAwOD//wAAAAAmAAAAZAAAABYAAABMAAAAAAAAAAAAAAAEAAAAAAAAAAEAAACAgIAKAAAAACgAAAAoAAAAZAAAAGQAAAAAAAAAzMzMAAAAAABQAAAAUAAAAGQAAABkAAAAAAAAABcAAAAUAAAAAAAAAAAAAAD/fwAA/38AAAAAAAAJAAAABAAAAAAAAAAeAAAAaAAAAAAAAAAAAAAAAAAAAAAAAAAAAAAAECcAABAnAAAAAAAAAAAAAAAAAAAAAAAAAAAAAAAAAAAAAAAAAAAAABQAAAAAAAAAwMD/AAAAAABkAAAAMgAAAAAAAABkAAAAAAAAAH9/fwAKAAAAIgAAABgAAAAAAAAAAAAAAAAAAAAAAAAAAAAAAAAAAAAkAAAAJAAAAAAAAAAHAAAAAAAAAAAAAAAAAAAAAAAAAAAAAAAAAAAAf39/ACUAAABYAAAAAAAAAAAAAAAAAAAAAAAAAAAAAAAAAAAAAAAAAAAAAAAAAAAAAAAAAAAAAAA/AAAAAAAAAKCGAQAAAAAAAAAAAAAAAAAMAAAAAQAAAAAAAAAAAAAAAAAAAB8AAABUAAAAAAAABQAAAAEAAAAAAAAAAAAAAAAAAAAAAAAAAAAAAAAAAAAAAAAAAAAAAAJ/f38AAAAAA8zMzADAwP8Af39/AAAAAAAAAAAAAAAAAAAAAAAAAAAAIQAAABgAAAAUAAAAwAMAABsnAAA/FQAAWSkAABAAAAAmAAAACAAAAAAAAAAAAAAAMAAAABQAAAAAAAAAAAD//wAAAQAAAP//AAABAA=="/>
+                <pr:smNativeData xmlns:pr="smNativeData" xmlns="smNativeData" val="SMDATA_16_CqSDZxMAAAAlAAAAZAAAAA8BAAAAkAAAAEgAAACQAAAASAAAAAAAAAABAAAAAAAAAAEAAABQAAAAAAAAAAAA4D8AAAAAAADgPwAAAAAAAOA/AAAAAAAA4D8AAAAAAADgPwAAAAAAAOA/AAAAAAAA4D8AAAAAAADgPwAAAAAAAOA/AAAAAAAA4D8CAAAAjAAAAAAAAAAAAAAAu+DjDP///wgAAAAAAAAAAAAAAAAAAAAAAAAAAAAAAAAAAAAAZAAAAAEAAABAAAAAAAAAAAAAAAAAAAAAAAAAAAAAAAAAAAAAAAAAAAAAAAAAAAAAAAAAAAAAAAAAAAAAAAAAAAAAAAAAAAAAAAAAAAAAAAAAAAAAAAAAAAAAAAAAAAAAFAAAADwAAAAAAAAAAAAAAAAAAAkUAAAAAQAAABQAAAAUAAAAFAAAAAEAAAAAAAAAZAAAAGQAAAAAAAAAZAAAAGQAAAAVAAAAYAAAAAAAAAAAAAAADwAAACADAAAAAAAAAAAAAAEAAACgMgAAVgcAAKr4//8BAAAAf39/AAEAAABkAAAAAAAAABQAAABAHwAAAAAAACYAAAAAAAAAwOD//wAAAAAmAAAAZAAAABYAAABMAAAAAAAAAAAAAAAEAAAAAAAAAAEAAACAgIAKAAAAACgAAAAoAAAAZAAAAGQAAAAAAAAAzMzMAAAAAABQAAAAUAAAAGQAAABkAAAAAAAAABcAAAAUAAAAAAAAAAAAAAD/fwAA/38AAAAAAAAJAAAABAAAAAAAAAAeAAAAaAAAAAAAAAAAAAAAAAAAAAAAAAAAAAAAECcAABAnAAAAAAAAAAAAAAAAAAAAAAAAAAAAAAAAAAAAAAAAAAAAABQAAAAAAAAAwMD/AAAAAABkAAAAMgAAAAAAAABkAAAAAAAAAH9/fwAKAAAAIgAAABgAAAAAAAAAAAAAAAAAAAAAAAAAAAAAAAAAAAAkAAAAJAAAAAAAAAAHAAAAAAAAAAAAAAAAAAAAAAAAAAAAAAAAAAAAf39/ACUAAABYAAAAAAAAAAAAAAAAAAAAAAAAAAAAAAAAAAAAAAAAAAAAAAAAAAAAAAAAAAAAAAA/AAAAAAAAAKCGAQAAAAAAAAAAAAAAAAAMAAAAAQAAAAAAAAAAAAAAAAAAAB8AAABUAAAAAAAABQAAAAEAAAAAAAAAAAAAAAAAAAAAAAAAAAAAAAAAAAAAAAAAAAAAAAJ/f38AAAAAA8zMzADAwP8Af39/AAAAAAAAAAAAAAAAAAAAAAAAAAAAIQAAABgAAAAUAAAAwAMAABsnAAA/FQAAWSkAABAAAAAmAAAACAAAAAAAAAAAAAAAMAAAABQAAAAAAAAAAAD//wAAAQAAAP//AAABAA=="/>
               </a:ext>
             </a:extLst>
           </p:cNvSpPr>
@@ -2690,7 +2690,7 @@
           <a:lstStyle/>
           <a:p>
             <a:pPr/>
-            <a:fld id="{3F8092A3-EDD2-D564-9C38-1B31DC766A4E}" type="datetime1">
+            <a:fld id="{3F53EF48-06D2-0619-9CEB-F04CA1A56AA5}" type="datetime1">
               <a:t/>
             </a:fld>
           </a:p>
@@ -2703,7 +2703,7 @@
             <a:spLocks noGrp="1" noChangeArrowheads="1"/>
             <a:extLst>
               <a:ext uri="smNativeData">
-                <pr:smNativeData xmlns:pr="smNativeData" xmlns="smNativeData" val="SMDATA_16_V9F3ZxMAAAAlAAAAZAAAAA8BAAAAkAAAAEgAAACQAAAASAAAAAAAAAABAAAAAAAAAAEAAABQAAAAAAAAAAAA4D8AAAAAAADgPwAAAAAAAOA/AAAAAAAA4D8AAAAAAADgPwAAAAAAAOA/AAAAAAAA4D8AAAAAAADgPwAAAAAAAOA/AAAAAAAA4D8CAAAAjAAAAAAAAAAAAAAAu+DjDP///wgAAAAAAAAAAAAAAAAAAAAAAAAAAAAAAAAAAAAAZAAAAAEAAABAAAAAAAAAAAAAAAAAAAAAAAAAAAAAAAAAAAAAAAAAAAAAAAAAAAAAAAAAAAAAAAAAAAAAAAAAAAAAAAAAAAAAAAAAAAAAAAAAAAAAAAAAAAAAAAAAAAAAFAAAADwAAAAAAAAAAAAAAAAAAAkUAAAAAQAAABQAAAAUAAAAFAAAAAEAAAAAAAAAZAAAAGQAAAAAAAAAZAAAAGQAAAAVAAAAYAAAAAAAAAAAAAAADwAAACADAAAAAAAAAAAAAAEAAACgMgAAVgcAAKr4//8BAAAAf39/AAEAAABkAAAAAAAAABQAAABAHwAAAAAAACYAAAAAAAAAwOD//wAAAAAmAAAAZAAAABYAAABMAAAAAAAAAAAAAAAEAAAAAAAAAAEAAACAgIAKAAAAACgAAAAoAAAAZAAAAGQAAAAAAAAAzMzMAAAAAABQAAAAUAAAAGQAAABkAAAAAAAAABcAAAAUAAAAAAAAAAAAAAD/fwAA/38AAAAAAAAJAAAABAAAAAAAAAAeAAAAaAAAAAAAAAAAAAAAAAAAAAAAAAAAAAAAECcAABAnAAAAAAAAAAAAAAAAAAAAAAAAAAAAAAAAAAAAAAAAAAAAABQAAAAAAAAAwMD/AAAAAABkAAAAMgAAAAAAAABkAAAAAAAAAH9/fwAKAAAAIgAAABgAAAAAAAAAAAAAAAAAAAAAAAAAAAAAAAAAAAAkAAAAJAAAAAAAAAAHAAAAAAAAAAAAAAAAAAAAAAAAAAAAAAAAAAAAf39/ACUAAABYAAAAAAAAAAAAAAAAAAAAAAAAAAAAAAAAAAAAAAAAAAAAAAAAAAAAAAAAAAAAAAA/AAAAAAAAAKCGAQAAAAAAAAAAAAAAAAAMAAAAAQAAAAAAAAAAAAAAAAAAAB8AAABUAAAAAAAABQAAAAEAAAAAAAAAAAAAAAAAAAAAAAAAAAAAAAAAAAAAAAAAAAAAAAJ/f38AAAAAA8zMzADAwP8Af39/AAAAAAAAAAAAAAAAAAAAAAAAAAAAIQAAABgAAAAUAAAAoRkAABsnAABfMQAAWSkAABAAAAAmAAAACAAAAAAAAAAAAAAAMAAAABQAAAAAAAAAAAD//wAAAQAAAP//AAABAA=="/>
+                <pr:smNativeData xmlns:pr="smNativeData" xmlns="smNativeData" val="SMDATA_16_CqSDZxMAAAAlAAAAZAAAAA8BAAAAkAAAAEgAAACQAAAASAAAAAAAAAABAAAAAAAAAAEAAABQAAAAAAAAAAAA4D8AAAAAAADgPwAAAAAAAOA/AAAAAAAA4D8AAAAAAADgPwAAAAAAAOA/AAAAAAAA4D8AAAAAAADgPwAAAAAAAOA/AAAAAAAA4D8CAAAAjAAAAAAAAAAAAAAAu+DjDP///wgAAAAAAAAAAAAAAAAAAAAAAAAAAAAAAAAAAAAAZAAAAAEAAABAAAAAAAAAAAAAAAAAAAAAAAAAAAAAAAAAAAAAAAAAAAAAAAAAAAAAAAAAAAAAAAAAAAAAAAAAAAAAAAAAAAAAAAAAAAAAAAAAAAAAAAAAAAAAAAAAAAAAFAAAADwAAAAAAAAAAAAAAAAAAAkUAAAAAQAAABQAAAAUAAAAFAAAAAEAAAAAAAAAZAAAAGQAAAAAAAAAZAAAAGQAAAAVAAAAYAAAAAAAAAAAAAAADwAAACADAAAAAAAAAAAAAAEAAACgMgAAVgcAAKr4//8BAAAAf39/AAEAAABkAAAAAAAAABQAAABAHwAAAAAAACYAAAAAAAAAwOD//wAAAAAmAAAAZAAAABYAAABMAAAAAAAAAAAAAAAEAAAAAAAAAAEAAACAgIAKAAAAACgAAAAoAAAAZAAAAGQAAAAAAAAAzMzMAAAAAABQAAAAUAAAAGQAAABkAAAAAAAAABcAAAAUAAAAAAAAAAAAAAD/fwAA/38AAAAAAAAJAAAABAAAAAAAAAAeAAAAaAAAAAAAAAAAAAAAAAAAAAAAAAAAAAAAECcAABAnAAAAAAAAAAAAAAAAAAAAAAAAAAAAAAAAAAAAAAAAAAAAABQAAAAAAAAAwMD/AAAAAABkAAAAMgAAAAAAAABkAAAAAAAAAH9/fwAKAAAAIgAAABgAAAAAAAAAAAAAAAAAAAAAAAAAAAAAAAAAAAAkAAAAJAAAAAAAAAAHAAAAAAAAAAAAAAAAAAAAAAAAAAAAAAAAAAAAf39/ACUAAABYAAAAAAAAAAAAAAAAAAAAAAAAAAAAAAAAAAAAAAAAAAAAAAAAAAAAAAAAAAAAAAA/AAAAAAAAAKCGAQAAAAAAAAAAAAAAAAAMAAAAAQAAAAAAAAAAAAAAAAAAAB8AAABUAAAAAAAABQAAAAEAAAAAAAAAAAAAAAAAAAAAAAAAAAAAAAAAAAAAAAAAAAAAAAJ/f38AAAAAA8zMzADAwP8Af39/AAAAAAAAAAAAAAAAAAAAAAAAAAAAIQAAABgAAAAUAAAAoRkAABsnAABfMQAAWSkAABAAAAAmAAAACAAAAAAAAAAAAAAAMAAAABQAAAAAAAAAAAD//wAAAQAAAP//AAABAA=="/>
               </a:ext>
             </a:extLst>
           </p:cNvSpPr>
@@ -2727,7 +2727,7 @@
             <a:spLocks noGrp="1" noChangeArrowheads="1"/>
             <a:extLst>
               <a:ext uri="smNativeData">
-                <pr:smNativeData xmlns:pr="smNativeData" xmlns="smNativeData" val="SMDATA_16_V9F3ZxMAAAAlAAAAZAAAAA8BAAAAkAAAAEgAAACQAAAASAAAAAAAAAABAAAAAAAAAAEAAABQAAAAAAAAAAAA4D8AAAAAAADgPwAAAAAAAOA/AAAAAAAA4D8AAAAAAADgPwAAAAAAAOA/AAAAAAAA4D8AAAAAAADgPwAAAAAAAOA/AAAAAAAA4D8CAAAAjAAAAAAAAAAAAAAAu+DjDP///wgAAAAAAAAAAAAAAAAAAAAAAAAAAAAAAAAAAAAAZAAAAAEAAABAAAAAAAAAAAAAAAAAAAAAAAAAAAAAAAAAAAAAAAAAAAAAAAAAAAAAAAAAAAAAAAAAAAAAAAAAAAAAAAAAAAAAAAAAAAAAAAAAAAAAAAAAAAAAAAAAAAAAFAAAADwAAAAAAAAAAAAAAAAAAAkUAAAAAQAAABQAAAAUAAAAFAAAAAEAAAAAAAAAZAAAAGQAAAAAAAAAZAAAAGQAAAAVAAAAYAAAAAAAAAAAAAAADwAAACADAAAAAAAAAAAAAAEAAACgMgAAVgcAAKr4//8BAAAAf39/AAEAAABkAAAAAAAAABQAAABAHwAAAAAAACYAAAAAAAAAwOD//wAAAAAmAAAAZAAAABYAAABMAAAAAAAAAAAAAAAEAAAAAAAAAAEAAACAgIAKAAAAACgAAAAoAAAAZAAAAGQAAAAAAAAAzMzMAAAAAABQAAAAUAAAAGQAAABkAAAAAAAAABcAAAAUAAAAAAAAAAAAAAD/fwAA/38AAAAAAAAJAAAABAAAAAAAAAAeAAAAaAAAAAAAAAAAAAAAAAAAAAAAAAAAAAAAECcAABAnAAAAAAAAAAAAAAAAAAAAAAAAAAAAAAAAAAAAAAAAAAAAABQAAAAAAAAAwMD/AAAAAABkAAAAMgAAAAAAAABkAAAAAAAAAH9/fwAKAAAAIgAAABgAAAAAAAAAAAAAAAAAAAAAAAAAAAAAAAAAAAAkAAAAJAAAAAAAAAAHAAAAAAAAAAAAAAAAAAAAAAAAAAAAAAAAAAAAf39/ACUAAABYAAAAAAAAAAAAAAAAAAAAAAAAAAAAAAAAAAAAAAAAAAAAAAAAAAAAAAAAAAAAAAA/AAAAAAAAAKCGAQAAAAAAAAAAAAAAAAAMAAAAAQAAAAAAAAAAAAAAAAAAAB8AAABUAAAAAAAABQAAAAEAAAAAAAAAAAAAAAAAAAAAAAAAAAAAAAAAAAAAAAAAAAAAAAJ/f38AAAAAA8zMzADAwP8Af39/AAAAAAAAAAAAAAAAAAAAAAAAAAAAIQAAABgAAAAUAAAAwTUAABsnAABARwAAWSkAABAAAAAmAAAACAAAAAAAAAAAAAAAMAAAABQAAAAAAAAAAAD//wAAAQAAAP//AAABAA=="/>
+                <pr:smNativeData xmlns:pr="smNativeData" xmlns="smNativeData" val="SMDATA_16_CqSDZxMAAAAlAAAAZAAAAA8BAAAAkAAAAEgAAACQAAAASAAAAAAAAAABAAAAAAAAAAEAAABQAAAAAAAAAAAA4D8AAAAAAADgPwAAAAAAAOA/AAAAAAAA4D8AAAAAAADgPwAAAAAAAOA/AAAAAAAA4D8AAAAAAADgPwAAAAAAAOA/AAAAAAAA4D8CAAAAjAAAAAAAAAAAAAAAu+DjDP///wgAAAAAAAAAAAAAAAAAAAAAAAAAAAAAAAAAAAAAZAAAAAEAAABAAAAAAAAAAAAAAAAAAAAAAAAAAAAAAAAAAAAAAAAAAAAAAAAAAAAAAAAAAAAAAAAAAAAAAAAAAAAAAAAAAAAAAAAAAAAAAAAAAAAAAAAAAAAAAAAAAAAAFAAAADwAAAAAAAAAAAAAAAAAAAkUAAAAAQAAABQAAAAUAAAAFAAAAAEAAAAAAAAAZAAAAGQAAAAAAAAAZAAAAGQAAAAVAAAAYAAAAAAAAAAAAAAADwAAACADAAAAAAAAAAAAAAEAAACgMgAAVgcAAKr4//8BAAAAf39/AAEAAABkAAAAAAAAABQAAABAHwAAAAAAACYAAAAAAAAAwOD//wAAAAAmAAAAZAAAABYAAABMAAAAAAAAAAAAAAAEAAAAAAAAAAEAAACAgIAKAAAAACgAAAAoAAAAZAAAAGQAAAAAAAAAzMzMAAAAAABQAAAAUAAAAGQAAABkAAAAAAAAABcAAAAUAAAAAAAAAAAAAAD/fwAA/38AAAAAAAAJAAAABAAAAAAAAAAeAAAAaAAAAAAAAAAAAAAAAAAAAAAAAAAAAAAAECcAABAnAAAAAAAAAAAAAAAAAAAAAAAAAAAAAAAAAAAAAAAAAAAAABQAAAAAAAAAwMD/AAAAAABkAAAAMgAAAAAAAABkAAAAAAAAAH9/fwAKAAAAIgAAABgAAAAAAAAAAAAAAAAAAAAAAAAAAAAAAAAAAAAkAAAAJAAAAAAAAAAHAAAAAAAAAAAAAAAAAAAAAAAAAAAAAAAAAAAAf39/ACUAAABYAAAAAAAAAAAAAAAAAAAAAAAAAAAAAAAAAAAAAAAAAAAAAAAAAAAAAAAAAAAAAAA/AAAAAAAAAKCGAQAAAAAAAAAAAAAAAAAMAAAAAQAAAAAAAAAAAAAAAAAAAB8AAABUAAAAAAAABQAAAAEAAAAAAAAAAAAAAAAAAAAAAAAAAAAAAAAAAAAAAAAAAAAAAAJ/f38AAAAAA8zMzADAwP8Af39/AAAAAAAAAAAAAAAAAAAAAAAAAAAAIQAAABgAAAAUAAAAwTUAABsnAABARwAAWSkAABAAAAAmAAAACAAAAAAAAAAAAAAAMAAAABQAAAAAAAAAAAD//wAAAQAAAP//AAABAA=="/>
               </a:ext>
             </a:extLst>
           </p:cNvSpPr>
@@ -2741,7 +2741,7 @@
           <a:lstStyle/>
           <a:p>
             <a:pPr/>
-            <a:fld id="{3F80AC8B-C5D2-D55A-9C38-330FE2766A66}" type="slidenum">
+            <a:fld id="{3F53F9E9-A7D2-060F-9CEB-515AB7A56A04}" type="slidenum">
               <a:t/>
             </a:fld>
           </a:p>
@@ -2788,7 +2788,7 @@
             <a:spLocks noGrp="1" noChangeArrowheads="1"/>
             <a:extLst>
               <a:ext uri="smNativeData">
-                <pr:smNativeData xmlns:pr="smNativeData" xmlns="smNativeData" val="SMDATA_16_V9F3ZxMAAAAlAAAAZAAAAA8BAAAAkAAAAEgAAACQAAAASAAAAAAAAAABAAAAAAAAAAEAAABQAAAAAAAAAAAA4D8AAAAAAADgPwAAAAAAAOA/AAAAAAAA4D8AAAAAAADgPwAAAAAAAOA/AAAAAAAA4D8AAAAAAADgPwAAAAAAAOA/AAAAAAAA4D8CAAAAjAAAAAAAAAAAAAAAu+DjDP///wgAAAAAAAAAAAAAAAAAAAAAAAAAAAAAAAAAAAAAZAAAAAEAAABAAAAAAAAAAAAAAAAAAAAAAAAAAAAAAAAAAAAAAAAAAAAAAAAAAAAAAAAAAAAAAAAAAAAAAAAAAAAAAAAAAAAAAAAAAAAAAAAAAAAAAAAAAAAAAAAAAAAAFAAAADwAAAAAAAAAAAAAAAAAAAkUAAAAAQAAABQAAAAUAAAAFAAAAAEAAAAAAAAAZAAAAGQAAAAAAAAAZAAAAGQAAAAVAAAAYAAAAAAAAAAAAAAADwAAACADAAAAAAAAAAAAAAEAAACgMgAAVgcAAKr4//8BAAAAf39/AAEAAABkAAAAAAAAABQAAABAHwAAAAAAACYAAAAAAAAAwOD//wAAAAAmAAAAZAAAABYAAABMAAAAAAAAAAAAAAAEAAAAAAAAAAEAAACAgIAKAAAAACgAAAAoAAAAZAAAAGQAAAAAAAAAzMzMAAAAAABQAAAAUAAAAGQAAABkAAAAAAAAABcAAAAUAAAAAAAAAAAAAAD/fwAA/38AAAAAAAAJAAAABAAAAHsAfAAeAAAAaAAAAAAAAAAAAAAAAAAAAAAAAAAAAAAAECcAABAnAAAAAAAAAAAAAAAAAAAAAAAAAAAAAAAAAAAAAAAAAAAAABQAAAAAAAAAwMD/AAAAAABkAAAAMgAAAAAAAABkAAAAAAAAAH9/fwAKAAAAIgAAABgAAAAAAAAAAAAAAAAAAAAAAAAAAAAAAAAAAAAkAAAAJAAAAAAAAAAHAAAAAAAAAAAAAAAAAAAAAAAAAAAAAAAAAAAAf39/ACUAAABYAAAAAAAAAAAAAAAAAAAAAAAAAAAAAAAAAAAAAAAAAAAAAAAAAAAAAAAAAAAAAAA/AAAAAAAAAKCGAQAAAAAAAAAAAAAAAAAMAAAAAQAAAAAAAAAAAAAAAAAAAB8AAABUAAAAAAAABQAAAAEAAAAAAAAAAAAAAAAAAAAAAAAAAAAAAAAAAAAAAAAAAAAAAAJ/f38AAAAAA8zMzADAwP8Af39/AAAAAAAAAAAAAAAAAAAAAAAAAAAAIQAAABgAAAAUAAAAwAMAALABAABARwAAuAgAABAAAAAmAAAACAAAAP//////////MAAAABQAAAAAAAAAAAD//wAAAQAAAP//AAABAA=="/>
+                <pr:smNativeData xmlns:pr="smNativeData" xmlns="smNativeData" val="SMDATA_16_CqSDZxMAAAAlAAAAZAAAAA8BAAAAkAAAAEgAAACQAAAASAAAAAAAAAABAAAAAAAAAAEAAABQAAAAAAAAAAAA4D8AAAAAAADgPwAAAAAAAOA/AAAAAAAA4D8AAAAAAADgPwAAAAAAAOA/AAAAAAAA4D8AAAAAAADgPwAAAAAAAOA/AAAAAAAA4D8CAAAAjAAAAAAAAAAAAAAAu+DjDP///wgAAAAAAAAAAAAAAAAAAAAAAAAAAAAAAAAAAAAAZAAAAAEAAABAAAAAAAAAAAAAAAAAAAAAAAAAAAAAAAAAAAAAAAAAAAAAAAAAAAAAAAAAAAAAAAAAAAAAAAAAAAAAAAAAAAAAAAAAAAAAAAAAAAAAAAAAAAAAAAAAAAAAFAAAADwAAAAAAAAAAAAAAAAAAAkUAAAAAQAAABQAAAAUAAAAFAAAAAEAAAAAAAAAZAAAAGQAAAAAAAAAZAAAAGQAAAAVAAAAYAAAAAAAAAAAAAAADwAAACADAAAAAAAAAAAAAAEAAACgMgAAVgcAAKr4//8BAAAAf39/AAEAAABkAAAAAAAAABQAAABAHwAAAAAAACYAAAAAAAAAwOD//wAAAAAmAAAAZAAAABYAAABMAAAAAAAAAAAAAAAEAAAAAAAAAAEAAACAgIAKAAAAACgAAAAoAAAAZAAAAGQAAAAAAAAAzMzMAAAAAABQAAAAUAAAAGQAAABkAAAAAAAAABcAAAAUAAAAAAAAAAAAAAD/fwAA/38AAAAAAAAJAAAABAAAAHsAfAAeAAAAaAAAAAAAAAAAAAAAAAAAAAAAAAAAAAAAECcAABAnAAAAAAAAAAAAAAAAAAAAAAAAAAAAAAAAAAAAAAAAAAAAABQAAAAAAAAAwMD/AAAAAABkAAAAMgAAAAAAAABkAAAAAAAAAH9/fwAKAAAAIgAAABgAAAAAAAAAAAAAAAAAAAAAAAAAAAAAAAAAAAAkAAAAJAAAAAAAAAAHAAAAAAAAAAAAAAAAAAAAAAAAAAAAAAAAAAAAf39/ACUAAABYAAAAAAAAAAAAAAAAAAAAAAAAAAAAAAAAAAAAAAAAAAAAAAAAAAAAAAAAAAAAAAA/AAAAAAAAAKCGAQAAAAAAAAAAAAAAAAAMAAAAAQAAAAAAAAAAAAAAAAAAAB8AAABUAAAAAAAABQAAAAEAAAAAAAAAAAAAAAAAAAAAAAAAAAAAAAAAAAAAAAAAAAAAAAJ/f38AAAAAA8zMzADAwP8Af39/AAAAAAAAAAAAAAAAAAAAAAAAAAAAIQAAABgAAAAUAAAAwAMAALABAABARwAAuAgAABAAAAAmAAAACAAAAP//////////MAAAABQAAAAAAAAAAAD//wAAAQAAAP//AAABAA=="/>
               </a:ext>
             </a:extLst>
           </p:cNvSpPr>
@@ -2832,7 +2832,7 @@
             <a:spLocks noGrp="1" noChangeArrowheads="1"/>
             <a:extLst>
               <a:ext uri="smNativeData">
-                <pr:smNativeData xmlns:pr="smNativeData" xmlns="smNativeData" val="SMDATA_16_V9F3ZxMAAAAlAAAAZAAAAA8BAAAAkAAAAEgAAACQAAAASAAAAAAAAAAAAAAAAAAAAAEAAABQAAAAAAAAAAAA4D8AAAAAAADgPwAAAAAAAOA/AAAAAAAA4D8AAAAAAADgPwAAAAAAAOA/AAAAAAAA4D8AAAAAAADgPwAAAAAAAOA/AAAAAAAA4D8CAAAAjAAAAAAAAAAAAAAAu+DjDP///wgAAAAAAAAAAAAAAAAAAAAAAAAAAAAAAAAAAAAAZAAAAAEAAABAAAAAAAAAAAAAAAAAAAAAAAAAAAAAAAAAAAAAAAAAAAAAAAAAAAAAAAAAAAAAAAAAAAAAAAAAAAAAAAAAAAAAAAAAAAAAAAAAAAAAAAAAAAAAAAAAAAAAFAAAADwAAAAAAAAAAAAAAAAAAAkUAAAAAQAAABQAAAAUAAAAFAAAAAEAAAAAAAAAZAAAAGQAAAAAAAAAZAAAAGQAAAAVAAAAYAAAAAAAAAAAAAAADwAAACADAAAAAAAAAAAAAAEAAACgMgAAVgcAAKr4//8BAAAAf39/AAEAAABkAAAAAAAAABQAAABAHwAAAAAAACYAAAAAAAAAwOD//wAAAAAmAAAAZAAAABYAAABMAAAAAAAAAAAAAAAEAAAAAAAAAAEAAACAgIAKAAAAACgAAAAoAAAAZAAAAGQAAAAAAAAAzMzMAAAAAABQAAAAUAAAAGQAAABkAAAAAAAAABcAAAAUAAAAAAAAAAAAAAD/fwAA/38AAAAAAAAJAAAABAAAAHsAfAAeAAAAaAAAAAAAAAAAAAAAAAAAAAAAAAAAAAAAECcAABAnAAAAAAAAAAAAAAAAAAAAAAAAAAAAAAAAAAAAAAAAAAAAABQAAAAAAAAAwMD/AAAAAABkAAAAMgAAAAAAAABkAAAAAAAAAH9/fwAKAAAAIgAAABgAAAAAAAAAAAAAAAAAAAAAAAAAAAAAAAAAAAAkAAAAJAAAAAAAAAAHAAAAAAAAAAAAAAAAAAAAAAAAAAAAAAAAAAAAf39/ACUAAABYAAAAAAAAAAAAAAAAAAAAAAAAAAAAAAAAAAAAAAAAAAAAAAAAAAAAAAAAAAAAAAA/AAAAAAAAAKCGAQAAAAAAAAAAAAAAAAAMAAAAAQAAAAAAAAAAAAAAAAAAAB8AAABUAAAAAAAABQAAAAEAAAAAAAAAAAAAAAAAAAAAAAAAAAAAAAAAAAAAAAAAAAAAAAJ/f38AAAAAA8zMzADAwP8Af39/AAAAAAAAAAAAAAAAAAAAAAAAAAAAIQAAABgAAAAUAAAAwAMAANgJAABARwAAsCUAABAAAAAmAAAACAAAAP//////////MAAAABQAAAAAAAAAAAD//wAAAQAAAP//AAABAA=="/>
+                <pr:smNativeData xmlns:pr="smNativeData" xmlns="smNativeData" val="SMDATA_16_CqSDZxMAAAAlAAAAZAAAAA8BAAAAkAAAAEgAAACQAAAASAAAAAAAAAAAAAAAAAAAAAEAAABQAAAAAAAAAAAA4D8AAAAAAADgPwAAAAAAAOA/AAAAAAAA4D8AAAAAAADgPwAAAAAAAOA/AAAAAAAA4D8AAAAAAADgPwAAAAAAAOA/AAAAAAAA4D8CAAAAjAAAAAAAAAAAAAAAu+DjDP///wgAAAAAAAAAAAAAAAAAAAAAAAAAAAAAAAAAAAAAZAAAAAEAAABAAAAAAAAAAAAAAAAAAAAAAAAAAAAAAAAAAAAAAAAAAAAAAAAAAAAAAAAAAAAAAAAAAAAAAAAAAAAAAAAAAAAAAAAAAAAAAAAAAAAAAAAAAAAAAAAAAAAAFAAAADwAAAAAAAAAAAAAAAAAAAkUAAAAAQAAABQAAAAUAAAAFAAAAAEAAAAAAAAAZAAAAGQAAAAAAAAAZAAAAGQAAAAVAAAAYAAAAAAAAAAAAAAADwAAACADAAAAAAAAAAAAAAEAAACgMgAAVgcAAKr4//8BAAAAf39/AAEAAABkAAAAAAAAABQAAABAHwAAAAAAACYAAAAAAAAAwOD//wAAAAAmAAAAZAAAABYAAABMAAAAAAAAAAAAAAAEAAAAAAAAAAEAAACAgIAKAAAAACgAAAAoAAAAZAAAAGQAAAAAAAAAzMzMAAAAAABQAAAAUAAAAGQAAABkAAAAAAAAABcAAAAUAAAAAAAAAAAAAAD/fwAA/38AAAAAAAAJAAAABAAAAHsAfAAeAAAAaAAAAAAAAAAAAAAAAAAAAAAAAAAAAAAAECcAABAnAAAAAAAAAAAAAAAAAAAAAAAAAAAAAAAAAAAAAAAAAAAAABQAAAAAAAAAwMD/AAAAAABkAAAAMgAAAAAAAABkAAAAAAAAAH9/fwAKAAAAIgAAABgAAAAAAAAAAAAAAAAAAAAAAAAAAAAAAAAAAAAkAAAAJAAAAAAAAAAHAAAAAAAAAAAAAAAAAAAAAAAAAAAAAAAAAAAAf39/ACUAAABYAAAAAAAAAAAAAAAAAAAAAAAAAAAAAAAAAAAAAAAAAAAAAAAAAAAAAAAAAAAAAAA/AAAAAAAAAKCGAQAAAAAAAAAAAAAAAAAMAAAAAQAAAAAAAAAAAAAAAAAAAB8AAABUAAAAAAAABQAAAAEAAAAAAAAAAAAAAAAAAAAAAAAAAAAAAAAAAAAAAAAAAAAAAAJ/f38AAAAAA8zMzADAwP8Af39/AAAAAAAAAAAAAAAAAAAAAAAAAAAAIQAAABgAAAAUAAAAwAMAANgJAABARwAAsCUAABAAAAAmAAAACAAAAP//////////MAAAABQAAAAAAAAAAAD//wAAAQAAAP//AAABAA=="/>
               </a:ext>
             </a:extLst>
           </p:cNvSpPr>
@@ -2900,7 +2900,7 @@
             <a:spLocks noGrp="1" noChangeArrowheads="1"/>
             <a:extLst>
               <a:ext uri="smNativeData">
-                <pr:smNativeData xmlns:pr="smNativeData" xmlns="smNativeData" val="SMDATA_16_V9F3ZxMAAAAlAAAAZAAAAA8BAAAAkAAAAEgAAACQAAAASAAAAAAAAAABAAAAAAAAAAEAAABQAAAAAAAAAAAA4D8AAAAAAADgPwAAAAAAAOA/AAAAAAAA4D8AAAAAAADgPwAAAAAAAOA/AAAAAAAA4D8AAAAAAADgPwAAAAAAAOA/AAAAAAAA4D8CAAAAjAAAAAAAAAAAAAAAu+DjDP///wgAAAAAAAAAAAAAAAAAAAAAAAAAAAAAAAAAAAAAZAAAAAEAAABAAAAAAAAAAAAAAAAAAAAAAAAAAAAAAAAAAAAAAAAAAAAAAAAAAAAAAAAAAAAAAAAAAAAAAAAAAAAAAAAAAAAAAAAAAAAAAAAAAAAAAAAAAAAAAAAAAAAAFAAAADwAAAAAAAAAAAAAAAAAAAkUAAAAAQAAABQAAAAUAAAAFAAAAAEAAAAAAAAAZAAAAGQAAAAAAAAAZAAAAGQAAAAVAAAAYAAAAAAAAAAAAAAADwAAACADAAAAAAAAAAAAAAEAAACgMgAAVgcAAKr4//8BAAAAf39/AAEAAABkAAAAAAAAABQAAABAHwAAAAAAACYAAAAAAAAAwOD//wAAAAAmAAAAZAAAABYAAABMAAAAAAAAAAAAAAAEAAAAAAAAAAEAAACAgIAKAAAAACgAAAAoAAAAZAAAAGQAAAAAAAAAzMzMAAAAAABQAAAAUAAAAGQAAABkAAAAAAAAABcAAAAUAAAAAAAAAAAAAAD/fwAA/38AAAAAAAAJAAAABAAAAHsAfAAeAAAAaAAAAAAAAAAAAAAAAAAAAAAAAAAAAAAAECcAABAnAAAAAAAAAAAAAAAAAAAAAAAAAAAAAAAAAAAAAAAAAAAAABQAAAAAAAAAwMD/AAAAAABkAAAAMgAAAAAAAABkAAAAAAAAAH9/fwAKAAAAIgAAABgAAAAAAAAAAAAAAAAAAAAAAAAAAAAAAAAAAAAkAAAAJAAAAAAAAAAHAAAAAAAAAAAAAAAAAAAAAAAAAAAAAAAAAAAAf39/ACUAAABYAAAAAAAAAAAAAAAAAAAAAAAAAAAAAAAAAAAAAAAAAAAAAAAAAAAAAAAAAAAAAAA/AAAAAAAAAKCGAQAAAAAAAAAAAAAAAAAMAAAAAQAAAAAAAAAAAAAAAAAAAB8AAABUAAAAAAAABQAAAAEAAAAAAAAAAAAAAAAAAAAAAAAAAAAAAAAAAAAAAAAAAAAAAAJ/f38AAAAAA8zMzADAwP8Af39/AAAAAAAAAAAAAAAAAAAAAAAAAAAAIQAAABgAAAAUAAAAwAMAABsnAAA/FQAAWSkAABAAAAAmAAAACAAAAP//////////MAAAABQAAAAAAAAAAAD//wAAAQAAAP//AAABAA=="/>
+                <pr:smNativeData xmlns:pr="smNativeData" xmlns="smNativeData" val="SMDATA_16_CqSDZxMAAAAlAAAAZAAAAA8BAAAAkAAAAEgAAACQAAAASAAAAAAAAAABAAAAAAAAAAEAAABQAAAAAAAAAAAA4D8AAAAAAADgPwAAAAAAAOA/AAAAAAAA4D8AAAAAAADgPwAAAAAAAOA/AAAAAAAA4D8AAAAAAADgPwAAAAAAAOA/AAAAAAAA4D8CAAAAjAAAAAAAAAAAAAAAu+DjDP///wgAAAAAAAAAAAAAAAAAAAAAAAAAAAAAAAAAAAAAZAAAAAEAAABAAAAAAAAAAAAAAAAAAAAAAAAAAAAAAAAAAAAAAAAAAAAAAAAAAAAAAAAAAAAAAAAAAAAAAAAAAAAAAAAAAAAAAAAAAAAAAAAAAAAAAAAAAAAAAAAAAAAAFAAAADwAAAAAAAAAAAAAAAAAAAkUAAAAAQAAABQAAAAUAAAAFAAAAAEAAAAAAAAAZAAAAGQAAAAAAAAAZAAAAGQAAAAVAAAAYAAAAAAAAAAAAAAADwAAACADAAAAAAAAAAAAAAEAAACgMgAAVgcAAKr4//8BAAAAf39/AAEAAABkAAAAAAAAABQAAABAHwAAAAAAACYAAAAAAAAAwOD//wAAAAAmAAAAZAAAABYAAABMAAAAAAAAAAAAAAAEAAAAAAAAAAEAAACAgIAKAAAAACgAAAAoAAAAZAAAAGQAAAAAAAAAzMzMAAAAAABQAAAAUAAAAGQAAABkAAAAAAAAABcAAAAUAAAAAAAAAAAAAAD/fwAA/38AAAAAAAAJAAAABAAAAHsAfAAeAAAAaAAAAAAAAAAAAAAAAAAAAAAAAAAAAAAAECcAABAnAAAAAAAAAAAAAAAAAAAAAAAAAAAAAAAAAAAAAAAAAAAAABQAAAAAAAAAwMD/AAAAAABkAAAAMgAAAAAAAABkAAAAAAAAAH9/fwAKAAAAIgAAABgAAAAAAAAAAAAAAAAAAAAAAAAAAAAAAAAAAAAkAAAAJAAAAAAAAAAHAAAAAAAAAAAAAAAAAAAAAAAAAAAAAAAAAAAAf39/ACUAAABYAAAAAAAAAAAAAAAAAAAAAAAAAAAAAAAAAAAAAAAAAAAAAAAAAAAAAAAAAAAAAAA/AAAAAAAAAKCGAQAAAAAAAAAAAAAAAAAMAAAAAQAAAAAAAAAAAAAAAAAAAB8AAABUAAAAAAAABQAAAAEAAAAAAAAAAAAAAAAAAAAAAAAAAAAAAAAAAAAAAAAAAAAAAAJ/f38AAAAAA8zMzADAwP8Af39/AAAAAAAAAAAAAAAAAAAAAAAAAAAAIQAAABgAAAAUAAAAwAMAABsnAAA/FQAAWSkAABAAAAAmAAAACAAAAP//////////MAAAABQAAAAAAAAAAAD//wAAAQAAAP//AAABAA=="/>
               </a:ext>
             </a:extLst>
           </p:cNvSpPr>
@@ -2935,7 +2935,7 @@
           </a:lstStyle>
           <a:p>
             <a:pPr/>
-            <a:fld id="{3F80B6EC-A2D2-D540-9C38-5415F8766A01}" type="datetime1">
+            <a:fld id="{3F53D494-DAD2-0622-9CEB-2C779AA56A79}" type="datetime1">
               <a:t/>
             </a:fld>
           </a:p>
@@ -2948,7 +2948,7 @@
             <a:spLocks noGrp="1" noChangeArrowheads="1"/>
             <a:extLst>
               <a:ext uri="smNativeData">
-                <pr:smNativeData xmlns:pr="smNativeData" xmlns="smNativeData" val="SMDATA_16_V9F3ZxMAAAAlAAAAZAAAAA8BAAAAkAAAAEgAAACQAAAASAAAAAAAAAABAAAAAAAAAAEAAABQAAAAAAAAAAAA4D8AAAAAAADgPwAAAAAAAOA/AAAAAAAA4D8AAAAAAADgPwAAAAAAAOA/AAAAAAAA4D8AAAAAAADgPwAAAAAAAOA/AAAAAAAA4D8CAAAAjAAAAAAAAAAAAAAAu+DjDP///wgAAAAAAAAAAAAAAAAAAAAAAAAAAAAAAAAAAAAAZAAAAAEAAABAAAAAAAAAAAAAAAAAAAAAAAAAAAAAAAAAAAAAAAAAAAAAAAAAAAAAAAAAAAAAAAAAAAAAAAAAAAAAAAAAAAAAAAAAAAAAAAAAAAAAAAAAAAAAAAAAAAAAFAAAADwAAAAAAAAAAAAAAAAAAAkUAAAAAQAAABQAAAAUAAAAFAAAAAEAAAAAAAAAZAAAAGQAAAAAAAAAZAAAAGQAAAAVAAAAYAAAAAAAAAAAAAAADwAAACADAAAAAAAAAAAAAAEAAACgMgAAVgcAAKr4//8BAAAAf39/AAEAAABkAAAAAAAAABQAAABAHwAAAAAAACYAAAAAAAAAwOD//wAAAAAmAAAAZAAAABYAAABMAAAAAAAAAAAAAAAEAAAAAAAAAAEAAACAgIAKAAAAACgAAAAoAAAAZAAAAGQAAAAAAAAAzMzMAAAAAABQAAAAUAAAAGQAAABkAAAAAAAAABcAAAAUAAAAAAAAAAAAAAD/fwAA/38AAAAAAAAJAAAABAAAAAAAAAAeAAAAaAAAAAAAAAAAAAAAAAAAAAAAAAAAAAAAECcAABAnAAAAAAAAAAAAAAAAAAAAAAAAAAAAAAAAAAAAAAAAAAAAABQAAAAAAAAAwMD/AAAAAABkAAAAMgAAAAAAAABkAAAAAAAAAH9/fwAKAAAAIgAAABgAAAAAAAAAAAAAAAAAAAAAAAAAAAAAAAAAAAAkAAAAJAAAAAAAAAAHAAAAAAAAAAAAAAAAAAAAAAAAAAAAAAAAAAAAf39/ACUAAABYAAAAAAAAAAAAAAAAAAAAAAAAAAAAAAAAAAAAAAAAAAAAAAAAAAAAAAAAAAAAAAA/AAAAAAAAAKCGAQAAAAAAAAAAAAAAAAAMAAAAAQAAAAAAAAAAAAAAAAAAAB8AAABUAAAAAAAABQAAAAEAAAAAAAAAAAAAAAAAAAAAAAAAAAAAAAAAAAAAAAAAAAAAAAJ/f38AAAAAA8zMzADAwP8Af39/AAAAAAAAAAAAAAAAAAAAAAAAAAAAIQAAABgAAAAUAAAAoRkAABsnAABfMQAAWSkAABAAAAAmAAAACAAAAP//////////MAAAABQAAAAAAAAAAAD//wAAAQAAAP//AAABAA=="/>
+                <pr:smNativeData xmlns:pr="smNativeData" xmlns="smNativeData" val="SMDATA_16_CqSDZxMAAAAlAAAAZAAAAA8BAAAAkAAAAEgAAACQAAAASAAAAAAAAAABAAAAAAAAAAEAAABQAAAAAAAAAAAA4D8AAAAAAADgPwAAAAAAAOA/AAAAAAAA4D8AAAAAAADgPwAAAAAAAOA/AAAAAAAA4D8AAAAAAADgPwAAAAAAAOA/AAAAAAAA4D8CAAAAjAAAAAAAAAAAAAAAu+DjDP///wgAAAAAAAAAAAAAAAAAAAAAAAAAAAAAAAAAAAAAZAAAAAEAAABAAAAAAAAAAAAAAAAAAAAAAAAAAAAAAAAAAAAAAAAAAAAAAAAAAAAAAAAAAAAAAAAAAAAAAAAAAAAAAAAAAAAAAAAAAAAAAAAAAAAAAAAAAAAAAAAAAAAAFAAAADwAAAAAAAAAAAAAAAAAAAkUAAAAAQAAABQAAAAUAAAAFAAAAAEAAAAAAAAAZAAAAGQAAAAAAAAAZAAAAGQAAAAVAAAAYAAAAAAAAAAAAAAADwAAACADAAAAAAAAAAAAAAEAAACgMgAAVgcAAKr4//8BAAAAf39/AAEAAABkAAAAAAAAABQAAABAHwAAAAAAACYAAAAAAAAAwOD//wAAAAAmAAAAZAAAABYAAABMAAAAAAAAAAAAAAAEAAAAAAAAAAEAAACAgIAKAAAAACgAAAAoAAAAZAAAAGQAAAAAAAAAzMzMAAAAAABQAAAAUAAAAGQAAABkAAAAAAAAABcAAAAUAAAAAAAAAAAAAAD/fwAA/38AAAAAAAAJAAAABAAAAAAAAAAeAAAAaAAAAAAAAAAAAAAAAAAAAAAAAAAAAAAAECcAABAnAAAAAAAAAAAAAAAAAAAAAAAAAAAAAAAAAAAAAAAAAAAAABQAAAAAAAAAwMD/AAAAAABkAAAAMgAAAAAAAABkAAAAAAAAAH9/fwAKAAAAIgAAABgAAAAAAAAAAAAAAAAAAAAAAAAAAAAAAAAAAAAkAAAAJAAAAAAAAAAHAAAAAAAAAAAAAAAAAAAAAAAAAAAAAAAAAAAAf39/ACUAAABYAAAAAAAAAAAAAAAAAAAAAAAAAAAAAAAAAAAAAAAAAAAAAAAAAAAAAAAAAAAAAAA/AAAAAAAAAKCGAQAAAAAAAAAAAAAAAAAMAAAAAQAAAAAAAAAAAAAAAAAAAB8AAABUAAAAAAAABQAAAAEAAAAAAAAAAAAAAAAAAAAAAAAAAAAAAAAAAAAAAAAAAAAAAAJ/f38AAAAAA8zMzADAwP8Af39/AAAAAAAAAAAAAAAAAAAAAAAAAAAAIQAAABgAAAAUAAAAoRkAABsnAABfMQAAWSkAABAAAAAmAAAACAAAAP//////////MAAAABQAAAAAAAAAAAD//wAAAQAAAP//AAABAA=="/>
               </a:ext>
             </a:extLst>
           </p:cNvSpPr>
@@ -2993,7 +2993,7 @@
             <a:spLocks noGrp="1" noChangeArrowheads="1"/>
             <a:extLst>
               <a:ext uri="smNativeData">
-                <pr:smNativeData xmlns:pr="smNativeData" xmlns="smNativeData" val="SMDATA_16_V9F3ZxMAAAAlAAAAZAAAAA8BAAAAkAAAAEgAAACQAAAASAAAAAAAAAABAAAAAAAAAAEAAABQAAAAAAAAAAAA4D8AAAAAAADgPwAAAAAAAOA/AAAAAAAA4D8AAAAAAADgPwAAAAAAAOA/AAAAAAAA4D8AAAAAAADgPwAAAAAAAOA/AAAAAAAA4D8CAAAAjAAAAAAAAAAAAAAAu+DjDP///wgAAAAAAAAAAAAAAAAAAAAAAAAAAAAAAAAAAAAAZAAAAAEAAABAAAAAAAAAAAAAAAAAAAAAAAAAAAAAAAAAAAAAAAAAAAAAAAAAAAAAAAAAAAAAAAAAAAAAAAAAAAAAAAAAAAAAAAAAAAAAAAAAAAAAAAAAAAAAAAAAAAAAFAAAADwAAAAAAAAAAAAAAAAAAAkUAAAAAQAAABQAAAAUAAAAFAAAAAEAAAAAAAAAZAAAAGQAAAAAAAAAZAAAAGQAAAAVAAAAYAAAAAAAAAAAAAAADwAAACADAAAAAAAAAAAAAAEAAACgMgAAVgcAAKr4//8BAAAAf39/AAEAAABkAAAAAAAAABQAAABAHwAAAAAAACYAAAAAAAAAwOD//wAAAAAmAAAAZAAAABYAAABMAAAAAAAAAAAAAAAEAAAAAAAAAAEAAACAgIAKAAAAACgAAAAoAAAAZAAAAGQAAAAAAAAAzMzMAAAAAABQAAAAUAAAAGQAAABkAAAAAAAAABcAAAAUAAAAAAAAAAAAAAD/fwAA/38AAAAAAAAJAAAABAAAAP////8eAAAAaAAAAAAAAAAAAAAAAAAAAAAAAAAAAAAAECcAABAnAAAAAAAAAAAAAAAAAAAAAAAAAAAAAAAAAAAAAAAAAAAAABQAAAAAAAAAwMD/AAAAAABkAAAAMgAAAAAAAABkAAAAAAAAAH9/fwAKAAAAIgAAABgAAAAAAAAAAAAAAAAAAAAAAAAAAAAAAAAAAAAkAAAAJAAAAAAAAAAHAAAAAAAAAAAAAAAAAAAAAAAAAAAAAAAAAAAAf39/ACUAAABYAAAAAAAAAAAAAAAAAAAAAAAAAAAAAAAAAAAAAAAAAAAAAAAAAAAAAAAAAAAAAAA/AAAAAAAAAKCGAQAAAAAAAAAAAAAAAAAMAAAAAQAAAAAAAAAAAAAAAAAAAB8AAABUAAAAAAAABQAAAAEAAAAAAAAAAAAAAAAAAAAAAAAAAAAAAAAAAAAAAAAAAAAAAAJ/f38AAAAAA8zMzADAwP8Af39/AAAAAAAAAAAAAAAAAAAAAAAAAAAAIQAAABgAAAAUAAAAwTUAABsnAABARwAAWSkAABAAAAAmAAAACAAAAP//////////MAAAABQAAAAAAAAAAAD//wAAAQAAAP//AAABAA=="/>
+                <pr:smNativeData xmlns:pr="smNativeData" xmlns="smNativeData" val="SMDATA_16_CqSDZxMAAAAlAAAAZAAAAA8BAAAAkAAAAEgAAACQAAAASAAAAAAAAAABAAAAAAAAAAEAAABQAAAAAAAAAAAA4D8AAAAAAADgPwAAAAAAAOA/AAAAAAAA4D8AAAAAAADgPwAAAAAAAOA/AAAAAAAA4D8AAAAAAADgPwAAAAAAAOA/AAAAAAAA4D8CAAAAjAAAAAAAAAAAAAAAu+DjDP///wgAAAAAAAAAAAAAAAAAAAAAAAAAAAAAAAAAAAAAZAAAAAEAAABAAAAAAAAAAAAAAAAAAAAAAAAAAAAAAAAAAAAAAAAAAAAAAAAAAAAAAAAAAAAAAAAAAAAAAAAAAAAAAAAAAAAAAAAAAAAAAAAAAAAAAAAAAAAAAAAAAAAAFAAAADwAAAAAAAAAAAAAAAAAAAkUAAAAAQAAABQAAAAUAAAAFAAAAAEAAAAAAAAAZAAAAGQAAAAAAAAAZAAAAGQAAAAVAAAAYAAAAAAAAAAAAAAADwAAACADAAAAAAAAAAAAAAEAAACgMgAAVgcAAKr4//8BAAAAf39/AAEAAABkAAAAAAAAABQAAABAHwAAAAAAACYAAAAAAAAAwOD//wAAAAAmAAAAZAAAABYAAABMAAAAAAAAAAAAAAAEAAAAAAAAAAEAAACAgIAKAAAAACgAAAAoAAAAZAAAAGQAAAAAAAAAzMzMAAAAAABQAAAAUAAAAGQAAABkAAAAAAAAABcAAAAUAAAAAAAAAAAAAAD/fwAA/38AAAAAAAAJAAAABAAAAP////8eAAAAaAAAAAAAAAAAAAAAAAAAAAAAAAAAAAAAECcAABAnAAAAAAAAAAAAAAAAAAAAAAAAAAAAAAAAAAAAAAAAAAAAABQAAAAAAAAAwMD/AAAAAABkAAAAMgAAAAAAAABkAAAAAAAAAH9/fwAKAAAAIgAAABgAAAAAAAAAAAAAAAAAAAAAAAAAAAAAAAAAAAAkAAAAJAAAAAAAAAAHAAAAAAAAAAAAAAAAAAAAAAAAAAAAAAAAAAAAf39/ACUAAABYAAAAAAAAAAAAAAAAAAAAAAAAAAAAAAAAAAAAAAAAAAAAAAAAAAAAAAAAAAAAAAA/AAAAAAAAAKCGAQAAAAAAAAAAAAAAAAAMAAAAAQAAAAAAAAAAAAAAAAAAAB8AAABUAAAAAAAABQAAAAEAAAAAAAAAAAAAAAAAAAAAAAAAAAAAAAAAAAAAAAAAAAAAAAJ/f38AAAAAA8zMzADAwP8Af39/AAAAAAAAAAAAAAAAAAAAAAAAAAAAIQAAABgAAAAUAAAAwTUAABsnAABARwAAWSkAABAAAAAmAAAACAAAAP//////////MAAAABQAAAAAAAAAAAD//wAAAQAAAP//AAABAA=="/>
               </a:ext>
             </a:extLst>
           </p:cNvSpPr>
@@ -3028,7 +3028,7 @@
           </a:lstStyle>
           <a:p>
             <a:pPr/>
-            <a:fld id="{3F80A69B-D5D2-D550-9C38-2305E8766A76}" type="slidenum">
+            <a:fld id="{3F538EED-A3D2-0678-9CEB-552DC0A56A00}" type="slidenum">
               <a:t/>
             </a:fld>
           </a:p>
@@ -3707,7 +3707,7 @@
             <a:spLocks noGrp="1" noChangeArrowheads="1"/>
             <a:extLst>
               <a:ext uri="smNativeData">
-                <pr:smNativeData xmlns:pr="smNativeData" xmlns="smNativeData" val="SMDATA_16_V9F3ZxMAAAAlAAAAZAAAAA8BAAAAkAAAAEgAAACQAAAASAAAAAAAAAABAAAAAAAAAAEAAABQAAAAAAAAAAAA4D8AAAAAAADgPwAAAAAAAOA/AAAAAAAA4D8AAAAAAADgPwAAAAAAAOA/AAAAAAAA4D8AAAAAAADgPwAAAAAAAOA/AAAAAAAA4D8CAAAAjAAAAAAAAAAAAAAAu+DjDP///wgAAAAAAAAAAAAAAAAAAAAAAAAAAAAAAAAAAAAAZAAAAAEAAABAAAAAAAAAAAAAAAAAAAAAAAAAAAAAAAAAAAAAAAAAAAAAAAAAAAAAAAAAAAAAAAAAAAAAAAAAAAAAAAAAAAAAAAAAAAAAAAAAAAAAAAAAAAAAAAAAAAAAFAAAADwAAAAAAAAAAAAAAAAAAAkUAAAAAQAAABQAAAAUAAAAFAAAAAEAAAAAAAAAZAAAAGQAAAAAAAAAZAAAAGQAAAAVAAAAYAAAAAAAAAAAAAAADwAAACADAAAAAAAAAAAAAAEAAACgMgAAVgcAAKr4//8BAAAAf39/AAEAAABkAAAAAAAAABQAAABAHwAAAAAAACYAAAAAAAAAwOD//wAAAAAmAAAAZAAAABYAAABMAAAAAAAAAAAAAAAEAAAAAAAAAAEAAACAgIAKAAAAACgAAAAoAAAAZAAAAGQAAAAAAAAAzMzMAAAAAABQAAAAUAAAAGQAAABkAAAAAAAAABcAAAAUAAAAAAAAAAAAAAD/fwAA/38AAAAAAAAJAAAABAAAAAAAAAAeAAAAaAAAAAAAAAAAAAAAAAAAAAAAAAAAAAAAECcAABAnAAAAAAAAAAAAAAAAAAAAAAAAAAAAAAAAAAAAAAAAAAAAABQAAAAAAAAAwMD/AAAAAABkAAAAMgAAAAAAAABkAAAAAAAAAH9/fwAKAAAAIgAAABgAAAAAAAAAAAAAAAAAAAAAAAAAAAAAAAAAAAAkAAAAJAAAAAAAAAAHAAAAAAAAAAAAAAAAAAAAAAAAAAAAAAAAAAAAf39/ACUAAABYAAAAAAAAAAAAAAAAAAAAAAAAAAAAAAAAAAAAAAAAAAAAAAAAAAAAAAAAAAAAAAA/AAAAAAAAAKCGAQAAAAAAAAAAAAAAAAAMAAAAAQAAAAAAAAAAAAAAAAAAAB8AAABUAAAAAAAABQAAAAEAAAAAAAAAAAAAAAAAAAAAAAAAAAAAAAAAAAAAAAAAAAAAAAJ/f38AAAAAA8zMzADAwP8Af39/AAAAAAAAAAAAAAAAAAAAAAAAAAAAIQAAABgAAAAUAAAAoAUAABoNAABgRQAAJhYAAAAAAAAmAAAACAAAAAEAAAAAAAAAMAAAABQAAAAAAAAAAAD//wAAAQAAAP//AAABAA=="/>
+                <pr:smNativeData xmlns:pr="smNativeData" xmlns="smNativeData" val="SMDATA_16_CqSDZxMAAAAlAAAAZAAAAA8BAAAAkAAAAEgAAACQAAAASAAAAAAAAAABAAAAAAAAAAEAAABQAAAAAAAAAAAA4D8AAAAAAADgPwAAAAAAAOA/AAAAAAAA4D8AAAAAAADgPwAAAAAAAOA/AAAAAAAA4D8AAAAAAADgPwAAAAAAAOA/AAAAAAAA4D8CAAAAjAAAAAAAAAAAAAAAu+DjDP///wgAAAAAAAAAAAAAAAAAAAAAAAAAAAAAAAAAAAAAZAAAAAEAAABAAAAAAAAAAAAAAAAAAAAAAAAAAAAAAAAAAAAAAAAAAAAAAAAAAAAAAAAAAAAAAAAAAAAAAAAAAAAAAAAAAAAAAAAAAAAAAAAAAAAAAAAAAAAAAAAAAAAAFAAAADwAAAAAAAAAAAAAAAAAAAkUAAAAAQAAABQAAAAUAAAAFAAAAAEAAAAAAAAAZAAAAGQAAAAAAAAAZAAAAGQAAAAVAAAAYAAAAAAAAAAAAAAADwAAACADAAAAAAAAAAAAAAEAAACgMgAAVgcAAKr4//8BAAAAf39/AAEAAABkAAAAAAAAABQAAABAHwAAAAAAACYAAAAAAAAAwOD//wAAAAAmAAAAZAAAABYAAABMAAAAAAAAAAAAAAAEAAAAAAAAAAEAAACAgIAKAAAAACgAAAAoAAAAZAAAAGQAAAAAAAAAzMzMAAAAAABQAAAAUAAAAGQAAABkAAAAAAAAABcAAAAUAAAAAAAAAAAAAAD/fwAA/38AAAAAAAAJAAAABAAAAAAAAAAeAAAAaAAAAAAAAAAAAAAAAAAAAAAAAAAAAAAAECcAABAnAAAAAAAAAAAAAAAAAAAAAAAAAAAAAAAAAAAAAAAAAAAAABQAAAAAAAAAwMD/AAAAAABkAAAAMgAAAAAAAABkAAAAAAAAAH9/fwAKAAAAIgAAABgAAAAAAAAAAAAAAAAAAAAAAAAAAAAAAAAAAAAkAAAAJAAAAAAAAAAHAAAAAAAAAAAAAAAAAAAAAAAAAAAAAAAAAAAAf39/ACUAAABYAAAAAAAAAAAAAAAAAAAAAAAAAAAAAAAAAAAAAAAAAAAAAAAAAAAAAAAAAAAAAAA/AAAAAAAAAKCGAQAAAAAAAAAAAAAAAAAMAAAAAQAAAAAAAAAAAAAAAAAAAB8AAABUAAAAAAAABQAAAAEAAAAAAAAAAAAAAAAAAAAAAAAAAAAAAAAAAAAAAAAAAAAAAAJ/f38AAAAAA8zMzADAwP8Af39/AAAAAAAAAAAAAAAAAAAAAAAAAAAAIQAAABgAAAAUAAAAoAUAABoNAABgRQAAJhYAABAAAAAmAAAACAAAAAAAAAAAAAAAMAAAABQAAAAAAAAAAAD//wAAAQAAAP//AAABAA=="/>
               </a:ext>
             </a:extLst>
           </p:cNvSpPr>
@@ -3715,12 +3715,7 @@
             <p:ph type="ctrTitle"/>
           </p:nvPr>
         </p:nvSpPr>
-        <p:spPr>
-          <a:xfrm>
-            <a:off x="914400" y="2129790"/>
-            <a:ext cx="10363200" cy="1470660"/>
-          </a:xfrm>
-        </p:spPr>
+        <p:spPr/>
         <p:txBody>
           <a:bodyPr/>
           <a:lstStyle/>
@@ -3739,7 +3734,7 @@
             <a:spLocks noGrp="1" noChangeArrowheads="1"/>
             <a:extLst>
               <a:ext uri="smNativeData">
-                <pr:smNativeData xmlns:pr="smNativeData" xmlns="smNativeData" val="SMDATA_16_V9F3ZxMAAAAlAAAAZAAAAA8BAAAAkAAAAEgAAACQAAAASAAAAAAAAAAAAAAAAAAAAAEAAABQAAAAAAAAAAAA4D8AAAAAAADgPwAAAAAAAOA/AAAAAAAA4D8AAAAAAADgPwAAAAAAAOA/AAAAAAAA4D8AAAAAAADgPwAAAAAAAOA/AAAAAAAA4D8CAAAAjAAAAAAAAAAAAAAAu+DjDP///wgAAAAAAAAAAAAAAAAAAAAAAAAAAAAAAAAAAAAAZAAAAAEAAABAAAAAAAAAAAAAAAAAAAAAAAAAAAAAAAAAAAAAAAAAAAAAAAAAAAAAAAAAAAAAAAAAAAAAAAAAAAAAAAAAAAAAAAAAAAAAAAAAAAAAAAAAAAAAAAAAAAAAFAAAADwAAAAAAAAAAAAAAAAAAAkUAAAAAQAAABQAAAAUAAAAFAAAAAEAAAAAAAAAZAAAAGQAAAAAAAAAZAAAAGQAAAAVAAAAYAAAAAAAAAAAAAAADwAAACADAAAAAAAAAAAAAAEAAACgMgAAVgcAAKr4//8BAAAAf39/AAEAAABkAAAAAAAAABQAAABAHwAAAAAAACYAAAAAAAAAwOD//wAAAAAmAAAAZAAAABYAAABMAAAAAAAAAAAAAAAEAAAAAAAAAAEAAACAgIAKAAAAACgAAAAoAAAAZAAAAGQAAAAAAAAAzMzMAAAAAABQAAAAUAAAAGQAAABkAAAAAAAAABcAAAAUAAAAAAAAAAAAAAD/fwAA/38AAAAAAAAJAAAABAAAAAAAAAAeAAAAaAAAAAAAAAAAAAAAAAAAAAAAAAAAAAAAECcAABAnAAAAAAAAAAAAAAAAAAAAAAAAAAAAAAAAAAAAAAAAAAAAABQAAAAAAAAAwMD/AAAAAABkAAAAMgAAAAAAAABkAAAAAAAAAH9/fwAKAAAAIgAAABgAAAAAAAAAAAAAAAAAAAAAAAAAAAAAAAAAAAAkAAAAJAAAAAAAAAAHAAAAAAAAAAAAAAAAAAAAAAAAAAAAAAAAAAAAf39/ACUAAABYAAAAAAAAAAAAAAAAAAAAAAAAAAAAAAAAAAAAAAAAAAAAAAAAAAAAAAAAAAAAAAA/AAAAAAAAAKCGAQAAAAAAAAAAAAAAAAAMAAAAAQAAAAAAAAAAAAAAAAAAAB8AAABUAAAAAAAABQAAAAEAAAAAAAAAAAAAAAAAAAAAAAAAAAAAAAAAAAAAAAAAAAAAAAJ/f38AAAAAA8zMzADAwP8Af39/AAAAAAAAAAAAAAAAAAAAAAAAAAAAIQAAABgAAAAUAAAAQAsAAOgXAADAPwAAsCIAABAAAAAmAAAACAAAAAAAAAAAAAAAMAAAABQAAAAAAAAAAAD//wAAAQAAAP//AAABAA=="/>
+                <pr:smNativeData xmlns:pr="smNativeData" xmlns="smNativeData" val="SMDATA_16_CqSDZxMAAAAlAAAAZAAAAA8BAAAAkAAAAEgAAACQAAAASAAAAAAAAAAAAAAAAAAAAAEAAABQAAAAAAAAAAAA4D8AAAAAAADgPwAAAAAAAOA/AAAAAAAA4D8AAAAAAADgPwAAAAAAAOA/AAAAAAAA4D8AAAAAAADgPwAAAAAAAOA/AAAAAAAA4D8CAAAAjAAAAAAAAAAAAAAAu+DjDP///wgAAAAAAAAAAAAAAAAAAAAAAAAAAAAAAAAAAAAAZAAAAAEAAABAAAAAAAAAAAAAAAAAAAAAAAAAAAAAAAAAAAAAAAAAAAAAAAAAAAAAAAAAAAAAAAAAAAAAAAAAAAAAAAAAAAAAAAAAAAAAAAAAAAAAAAAAAAAAAAAAAAAAFAAAADwAAAAAAAAAAAAAAAAAAAkUAAAAAQAAABQAAAAUAAAAFAAAAAEAAAAAAAAAZAAAAGQAAAAAAAAAZAAAAGQAAAAVAAAAYAAAAAAAAAAAAAAADwAAACADAAAAAAAAAAAAAAEAAACgMgAAVgcAAKr4//8BAAAAf39/AAEAAABkAAAAAAAAABQAAABAHwAAAAAAACYAAAAAAAAAwOD//wAAAAAmAAAAZAAAABYAAABMAAAAAAAAAAAAAAAEAAAAAAAAAAEAAACAgIAKAAAAACgAAAAoAAAAZAAAAGQAAAAAAAAAzMzMAAAAAABQAAAAUAAAAGQAAABkAAAAAAAAABcAAAAUAAAAAAAAAAAAAAD/fwAA/38AAAAAAAAJAAAABAAAAAAAAAAeAAAAaAAAAAAAAAAAAAAAAAAAAAAAAAAAAAAAECcAABAnAAAAAAAAAAAAAAAAAAAAAAAAAAAAAAAAAAAAAAAAAAAAABQAAAAAAAAAwMD/AAAAAABkAAAAMgAAAAAAAABkAAAAAAAAAH9/fwAKAAAAIgAAABgAAAAAAAAAAAAAAAAAAAAAAAAAAAAAAAAAAAAkAAAAJAAAAAAAAAAHAAAAAAAAAAAAAAAAAAAAAAAAAAAAAAAAAAAAf39/ACUAAABYAAAAAAAAAAAAAAAAAAAAAAAAAAAAAAAAAAAAAAAAAAAAAAAAAAAAAAAAAAAAAAA/AAAAAAAAAKCGAQAAAAAAAAAAAAAAAAAMAAAAAQAAAAAAAAAAAAAAAAAAAB8AAABUAAAAAAAABQAAAAEAAAAAAAAAAAAAAAAAAAAAAAAAAAAAAAAAAAAAAAAAAAAAAAJ/f38AAAAAA8zMzADAwP8Af39/AAAAAAAAAAAAAAAAAAAAAAAAAAAAIQAAABgAAAAUAAAAQAsAAOgXAADAPwAAsCIAABAAAAAmAAAACAAAAAAAAAAAAAAAMAAAABQAAAAAAAAAAAD//wAAAQAAAP//AAABAA=="/>
               </a:ext>
             </a:extLst>
           </p:cNvSpPr>
@@ -3798,7 +3793,7 @@
             <a:spLocks noGrp="1" noChangeArrowheads="1"/>
             <a:extLst>
               <a:ext uri="smNativeData">
-                <pr:smNativeData xmlns:pr="smNativeData" xmlns="smNativeData" val="SMDATA_16_V9F3ZxMAAAAlAAAAZAAAAA8BAAAAkAAAAEgAAACQAAAASAAAAAAAAAABAAAAAAAAAAEAAABQAAAAAAAAAAAA4D8AAAAAAADgPwAAAAAAAOA/AAAAAAAA4D8AAAAAAADgPwAAAAAAAOA/AAAAAAAA4D8AAAAAAADgPwAAAAAAAOA/AAAAAAAA4D8CAAAAjAAAAAAAAAAAAAAAu+DjDP///wgAAAAAAAAAAAAAAAAAAAAAAAAAAAAAAAAAAAAAZAAAAAEAAABAAAAAAAAAAAAAAAAAAAAAAAAAAAAAAAAAAAAAAAAAAAAAAAAAAAAAAAAAAAAAAAAAAAAAAAAAAAAAAAAAAAAAAAAAAAAAAAAAAAAAAAAAAAAAAAAAAAAAFAAAADwAAAAAAAAAAAAAAAAAAAkUAAAAAQAAABQAAAAUAAAAFAAAAAEAAAAAAAAAZAAAAGQAAAAAAAAAZAAAAGQAAAAVAAAAYAAAAAAAAAAAAAAADwAAACADAAAAAAAAAAAAAAEAAACgMgAAVgcAAKr4//8BAAAAf39/AAEAAABkAAAAAAAAABQAAABAHwAAAAAAACYAAAAAAAAAwOD//wAAAAAmAAAAZAAAABYAAABMAAAAAAAAAAAAAAAEAAAAAAAAAAEAAACAgIAKAAAAACgAAAAoAAAAZAAAAGQAAAAAAAAAzMzMAAAAAABQAAAAUAAAAGQAAABkAAAAAAAAABcAAAAUAAAAAAAAAAAAAAD/fwAA/38AAAAAAAAJAAAABAAAAAAAACAeAAAAaAAAAAAAAAAAAAAAAAAAAAAAAAAAAAAAECcAABAnAAAAAAAAAAAAAAAAAAAAAAAAAAAAAAAAAAAAAAAAAAAAABQAAAAAAAAAwMD/AAAAAABkAAAAMgAAAAAAAABkAAAAAAAAAH9/fwAKAAAAIgAAABgAAAAAAAAAAAAAAAAAAAAAAAAAAAAAAAAAAAAkAAAAJAAAAAAAAAAHAAAAAAAAAAAAAAAAAAAAAAAAAAAAAAAAAAAAf39/ACUAAABYAAAAAAAAAAAAAAAAAAAAAAAAAAAAAAAAAAAAAAAAAAAAAAAAAAAAAAAAAAAAAAA/AAAAAAAAAKCGAQAAAAAAAAAAAAAAAAAMAAAAAQAAAAAAAAAAAAAAAAAAAB8AAABUAAAAAAAABQAAAAEAAAAAAAAAAAAAAAAAAAAAAAAAAAAAAAAAAAAAAAAAAAAAAAJ/f38AAAAAA8zMzADAwP8Af39/AAAAAAAAAAAAAAAAAAAAAAAAAAAAIQAAABgAAAAUAAAAwAMAALABAABARwAAuAgAABAAAAAmAAAACAAAAAAAAAAAAAAAMAAAABQAAAAAAAAAAAD//wAAAQAAAP//AAABAA=="/>
+                <pr:smNativeData xmlns:pr="smNativeData" xmlns="smNativeData" val="SMDATA_16_CqSDZxMAAAAlAAAAZAAAAA8BAAAAkAAAAEgAAACQAAAASAAAAAAAAAABAAAAAAAAAAEAAABQAAAAAAAAAAAA4D8AAAAAAADgPwAAAAAAAOA/AAAAAAAA4D8AAAAAAADgPwAAAAAAAOA/AAAAAAAA4D8AAAAAAADgPwAAAAAAAOA/AAAAAAAA4D8CAAAAjAAAAAAAAAAAAAAAu+DjDP///wgAAAAAAAAAAAAAAAAAAAAAAAAAAAAAAAAAAAAAZAAAAAEAAABAAAAAAAAAAAAAAAAAAAAAAAAAAAAAAAAAAAAAAAAAAAAAAAAAAAAAAAAAAAAAAAAAAAAAAAAAAAAAAAAAAAAAAAAAAAAAAAAAAAAAAAAAAAAAAAAAAAAAFAAAADwAAAAAAAAAAAAAAAAAAAkUAAAAAQAAABQAAAAUAAAAFAAAAAEAAAAAAAAAZAAAAGQAAAAAAAAAZAAAAGQAAAAVAAAAYAAAAAAAAAAAAAAADwAAACADAAAAAAAAAAAAAAEAAACgMgAAVgcAAKr4//8BAAAAf39/AAEAAABkAAAAAAAAABQAAABAHwAAAAAAACYAAAAAAAAAwOD//wAAAAAmAAAAZAAAABYAAABMAAAAAAAAAAAAAAAEAAAAAAAAAAEAAACAgIAKAAAAACgAAAAoAAAAZAAAAGQAAAAAAAAAzMzMAAAAAABQAAAAUAAAAGQAAABkAAAAAAAAABcAAAAUAAAAAAAAAAAAAAD/fwAA/38AAAAAAAAJAAAABAAAAAAAACAeAAAAaAAAAAAAAAAAAAAAAAAAAAAAAAAAAAAAECcAABAnAAAAAAAAAAAAAAAAAAAAAAAAAAAAAAAAAAAAAAAAAAAAABQAAAAAAAAAwMD/AAAAAABkAAAAMgAAAAAAAABkAAAAAAAAAH9/fwAKAAAAIgAAABgAAAAAAAAAAAAAAAAAAAAAAAAAAAAAAAAAAAAkAAAAJAAAAAAAAAAHAAAAAAAAAAAAAAAAAAAAAAAAAAAAAAAAAAAAf39/ACUAAABYAAAAAAAAAAAAAAAAAAAAAAAAAAAAAAAAAAAAAAAAAAAAAAAAAAAAAAAAAAAAAAA/AAAAAAAAAKCGAQAAAAAAAAAAAAAAAAAMAAAAAQAAAAAAAAAAAAAAAAAAAB8AAABUAAAAAAAABQAAAAEAAAAAAAAAAAAAAAAAAAAAAAAAAAAAAAAAAAAAAAAAAAAAAAJ/f38AAAAAA8zMzADAwP8Af39/AAAAAAAAAAAAAAAAAAAAAAAAAAAAIQAAABgAAAAUAAAAwAMAALABAABARwAAuAgAABAAAAAmAAAACAAAAAAAAAAAAAAAMAAAABQAAAAAAAAAAAD//wAAAQAAAP//AAABAA=="/>
               </a:ext>
             </a:extLst>
           </p:cNvSpPr>
@@ -3825,7 +3820,7 @@
             <a:spLocks noGrp="1" noChangeArrowheads="1"/>
             <a:extLst>
               <a:ext uri="smNativeData">
-                <pr:smNativeData xmlns:pr="smNativeData" xmlns="smNativeData" val="SMDATA_16_V9F3ZxMAAAAlAAAAZAAAAA8BAAAAkAAAAEgAAACQAAAASAAAAAAAAAAAAAAAAAAAAAEAAABQAAAAAAAAAAAA4D8AAAAAAADgPwAAAAAAAOA/AAAAAAAA4D8AAAAAAADgPwAAAAAAAOA/AAAAAAAA4D8AAAAAAADgPwAAAAAAAOA/AAAAAAAA4D8CAAAAjAAAAAAAAAAAAAAAu+DjDP///wgAAAAAAAAAAAAAAAAAAAAAAAAAAAAAAAAAAAAAZAAAAAEAAABAAAAAAAAAAAAAAAAAAAAAAAAAAAAAAAAAAAAAAAAAAAAAAAAAAAAAAAAAAAAAAAAAAAAAAAAAAAAAAAAAAAAAAAAAAAAAAAAAAAAAAAAAAAAAAAAAAAAAFAAAADwAAAAAAAAAAAAAAAAAAAkUAAAAAQAAABQAAAAUAAAAFAAAAAEAAAAAAAAAZAAAAGQAAAAAAAAAZAAAAGQAAAAVAAAAYAAAAAAAAAAAAAAADwAAACADAAAAAAAAAAAAAAEAAACgMgAAVgcAAKr4//8BAAAAf39/AAEAAABkAAAAAAAAABQAAABAHwAAAAAAACYAAAAAAAAAwOD//wAAAAAmAAAAZAAAABYAAABMAAAAAAAAAAAAAAAEAAAAAAAAAAEAAACAgIAKAAAAACgAAAAoAAAAZAAAAGQAAAAAAAAAzMzMAAAAAABQAAAAUAAAAGQAAABkAAAAAAAAABcAAAAUAAAAAAAAAAAAAAD/fwAA/38AAAAAAAAJAAAABAAAAAYAAAAeAAAAaAAAAAAAAAAAAAAAAAAAAAAAAAAAAAAAECcAABAnAAAAAAAAAAAAAAAAAAAAAAAAAAAAAAAAAAAAAAAAAAAAABQAAAAAAAAAwMD/AAAAAABkAAAAMgAAAAAAAABkAAAAAAAAAH9/fwAKAAAAIgAAABgAAAAAAAAAAAAAAAAAAAAAAAAAAAAAAAAAAAAkAAAAJAAAAAAAAAAHAAAAAAAAAAAAAAAAAAAAAAAAAAAAAAAAAAAAf39/ACUAAABYAAAAAAAAAAAAAAAAAAAAAAAAAAAAAAAAAAAAAAAAAAAAAAAAAAAAAAAAAAAAAAA/AAAAAAAAAKCGAQAAAAAAAAAAAAAAAAAMAAAAAQAAAAAAAAAAAAAAAAAAAB8AAABUAAAAAAAABQAAAAEAAAAAAAAAAAAAAAAAAAAAAAAAAAAAAAAAAAAAAAAAAAAAAAJ/f38AAAAAA8zMzADAwP8Af39/AAAAAAAAAAAAAAAAAAAAAAAAAAAAIQAAABgAAAAUAAAAwAMAANgJAADhJAAAsCUAABAAAAAmAAAACAAAAAEAAAAAAAAAMAAAABQAAAAAAAAAAAD//wAAAQAAAP//AAABAA=="/>
+                <pr:smNativeData xmlns:pr="smNativeData" xmlns="smNativeData" val="SMDATA_16_CqSDZxMAAAAlAAAAZAAAAA8BAAAAkAAAAEgAAACQAAAASAAAAAAAAAAAAAAAAAAAAAEAAABQAAAAAAAAAAAA4D8AAAAAAADgPwAAAAAAAOA/AAAAAAAA4D8AAAAAAADgPwAAAAAAAOA/AAAAAAAA4D8AAAAAAADgPwAAAAAAAOA/AAAAAAAA4D8CAAAAjAAAAAAAAAAAAAAAu+DjDP///wgAAAAAAAAAAAAAAAAAAAAAAAAAAAAAAAAAAAAAZAAAAAEAAABAAAAAAAAAAAAAAAAAAAAAAAAAAAAAAAAAAAAAAAAAAAAAAAAAAAAAAAAAAAAAAAAAAAAAAAAAAAAAAAAAAAAAAAAAAAAAAAAAAAAAAAAAAAAAAAAAAAAAFAAAADwAAAAAAAAAAAAAAAAAAAkUAAAAAQAAABQAAAAUAAAAFAAAAAEAAAAAAAAAZAAAAGQAAAAAAAAAZAAAAGQAAAAVAAAAYAAAAAAAAAAAAAAADwAAACADAAAAAAAAAAAAAAEAAACgMgAAVgcAAKr4//8BAAAAf39/AAEAAABkAAAAAAAAABQAAABAHwAAAAAAACYAAAAAAAAAwOD//wAAAAAmAAAAZAAAABYAAABMAAAAAAAAAAAAAAAEAAAAAAAAAAEAAACAgIAKAAAAACgAAAAoAAAAZAAAAGQAAAAAAAAAzMzMAAAAAABQAAAAUAAAAGQAAABkAAAAAAAAABcAAAAUAAAAAAAAAAAAAAD/fwAA/38AAAAAAAAJAAAABAAAAAYAAAAeAAAAaAAAAAAAAAAAAAAAAAAAAAAAAAAAAAAAECcAABAnAAAAAAAAAAAAAAAAAAAAAAAAAAAAAAAAAAAAAAAAAAAAABQAAAAAAAAAwMD/AAAAAABkAAAAMgAAAAAAAABkAAAAAAAAAH9/fwAKAAAAIgAAABgAAAAAAAAAAAAAAAAAAAAAAAAAAAAAAAAAAAAkAAAAJAAAAAAAAAAHAAAAAAAAAAAAAAAAAAAAAAAAAAAAAAAAAAAAf39/ACUAAABYAAAAAAAAAAAAAAAAAAAAAAAAAAAAAAAAAAAAAAAAAAAAAAAAAAAAAAAAAAAAAAA/AAAAAAAAAKCGAQAAAAAAAAAAAAAAAAAMAAAAAQAAAAAAAAAAAAAAAAAAAB8AAABUAAAAAAAABQAAAAEAAAAAAAAAAAAAAAAAAAAAAAAAAAAAAAAAAAAAAAAAAAAAAAJ/f38AAAAAA8zMzADAwP8Af39/AAAAAAAAAAAAAAAAAAAAAAAAAAAAIQAAABgAAAAUAAAAwAMAANgJAADhJAAAsCUAABAAAAAmAAAACAAAAAEAAAAAAAAAMAAAABQAAAAAAAAAAAD//wAAAQAAAP//AAABAA=="/>
               </a:ext>
             </a:extLst>
           </p:cNvSpPr>
@@ -3857,7 +3852,7 @@
             <a:spLocks noGrp="1" noChangeArrowheads="1"/>
             <a:extLst>
               <a:ext uri="smNativeData">
-                <pr:smNativeData xmlns:pr="smNativeData" xmlns="smNativeData" val="SMDATA_16_V9F3ZxMAAAAlAAAAZAAAAA8BAAAAkAAAAEgAAACQAAAASAAAAAAAAAAAAAAAAAAAAAEAAABQAAAAAAAAAAAA4D8AAAAAAADgPwAAAAAAAOA/AAAAAAAA4D8AAAAAAADgPwAAAAAAAOA/AAAAAAAA4D8AAAAAAADgPwAAAAAAAOA/AAAAAAAA4D8CAAAAjAAAAAAAAAAAAAAAu+DjDP///wgAAAAAAAAAAAAAAAAAAAAAAAAAAAAAAAAAAAAAZAAAAAEAAABAAAAAAAAAAAAAAAAAAAAAAAAAAAAAAAAAAAAAAAAAAAAAAAAAAAAAAAAAAAAAAAAAAAAAAAAAAAAAAAAAAAAAAAAAAAAAAAAAAAAAAAAAAAAAAAAAAAAAFAAAADwAAAAAAAAAAAAAAAAAAAkUAAAAAQAAABQAAAAUAAAAFAAAAAEAAAAAAAAAZAAAAGQAAAAAAAAAZAAAAGQAAAAVAAAAYAAAAAAAAAAAAAAADwAAACADAAAAAAAAAAAAAAEAAACgMgAAVgcAAKr4//8BAAAAf39/AAEAAABkAAAAAAAAABQAAABAHwAAAAAAACYAAAAAAAAAwOD//wAAAAAmAAAAZAAAABYAAABMAAAAAAAAAAAAAAAEAAAAAAAAAAEAAACAgIAKAAAAACgAAAAoAAAAZAAAAGQAAAAAAAAAzMzMAAAAAABQAAAAUAAAAGQAAABkAAAAAAAAABcAAAAUAAAAAAAAAAAAAAD/fwAA/38AAAAAAAAJAAAABAAAAAB1AHMeAAAAaAAAAAAAAAAAAAAAAAAAAAAAAAAAAAAAECcAABAnAAAAAAAAAAAAAAAAAAAAAAAAAAAAAAAAAAAAAAAAAAAAABQAAAAAAAAAwMD/AAAAAABkAAAAMgAAAAAAAABkAAAAAAAAAH9/fwAKAAAAIgAAABgAAAAAAAAAAAAAAAAAAAAAAAAAAAAAAAAAAAAkAAAAJAAAAAAAAAAHAAAAAAAAAAAAAAAAAAAAAAAAAAAAAAAAAAAAf39/ACUAAABYAAAAAAAAAAAAAAAAAAAAAAAAAAAAAAAAAAAAAAAAAAAAAAAAAAAAAAAAAAAAAAA/AAAAAAAAAKCGAQAAAAAAAAAAAAAAAAAMAAAAAQAAAAAAAAAAAAAAAAAAAB8AAABUAAAAAAAABQAAAAEAAAAAAAAAAAAAAAAAAAAAAAAAAAAAAAAAAAAAAAAAAAAAAAJ/f38AAAAAA8zMzADAwP8Af39/AAAAAAAAAAAAAAAAAAAAAAAAAAAAIQAAABgAAAAUAAAAHyYAANgJAABARwAAsCUAABAAAAAmAAAACAAAAAAAAAAAAAAAMAAAABQAAAAAAAAAAAD//wAAAQAAAP//AAABAA=="/>
+                <pr:smNativeData xmlns:pr="smNativeData" xmlns="smNativeData" val="SMDATA_16_CqSDZxMAAAAlAAAAZAAAAA8BAAAAkAAAAEgAAACQAAAASAAAAAAAAAAAAAAAAAAAAAEAAABQAAAAAAAAAAAA4D8AAAAAAADgPwAAAAAAAOA/AAAAAAAA4D8AAAAAAADgPwAAAAAAAOA/AAAAAAAA4D8AAAAAAADgPwAAAAAAAOA/AAAAAAAA4D8CAAAAjAAAAAAAAAAAAAAAu+DjDP///wgAAAAAAAAAAAAAAAAAAAAAAAAAAAAAAAAAAAAAZAAAAAEAAABAAAAAAAAAAAAAAAAAAAAAAAAAAAAAAAAAAAAAAAAAAAAAAAAAAAAAAAAAAAAAAAAAAAAAAAAAAAAAAAAAAAAAAAAAAAAAAAAAAAAAAAAAAAAAAAAAAAAAFAAAADwAAAAAAAAAAAAAAAAAAAkUAAAAAQAAABQAAAAUAAAAFAAAAAEAAAAAAAAAZAAAAGQAAAAAAAAAZAAAAGQAAAAVAAAAYAAAAAAAAAAAAAAADwAAACADAAAAAAAAAAAAAAEAAACgMgAAVgcAAKr4//8BAAAAf39/AAEAAABkAAAAAAAAABQAAABAHwAAAAAAACYAAAAAAAAAwOD//wAAAAAmAAAAZAAAABYAAABMAAAAAAAAAAAAAAAEAAAAAAAAAAEAAACAgIAKAAAAACgAAAAoAAAAZAAAAGQAAAAAAAAAzMzMAAAAAABQAAAAUAAAAGQAAABkAAAAAAAAABcAAAAUAAAAAAAAAAAAAAD/fwAA/38AAAAAAAAJAAAABAAAAAB1AHMeAAAAaAAAAAAAAAAAAAAAAAAAAAAAAAAAAAAAECcAABAnAAAAAAAAAAAAAAAAAAAAAAAAAAAAAAAAAAAAAAAAAAAAABQAAAAAAAAAwMD/AAAAAABkAAAAMgAAAAAAAABkAAAAAAAAAH9/fwAKAAAAIgAAABgAAAAAAAAAAAAAAAAAAAAAAAAAAAAAAAAAAAAkAAAAJAAAAAAAAAAHAAAAAAAAAAAAAAAAAAAAAAAAAAAAAAAAAAAAf39/ACUAAABYAAAAAAAAAAAAAAAAAAAAAAAAAAAAAAAAAAAAAAAAAAAAAAAAAAAAAAAAAAAAAAA/AAAAAAAAAKCGAQAAAAAAAAAAAAAAAAAMAAAAAQAAAAAAAAAAAAAAAAAAAB8AAABUAAAAAAAABQAAAAEAAAAAAAAAAAAAAAAAAAAAAAAAAAAAAAAAAAAAAAAAAAAAAAJ/f38AAAAAA8zMzADAwP8Af39/AAAAAAAAAAAAAAAAAAAAAAAAAAAAIQAAABgAAAAUAAAAHyYAANgJAABARwAAsCUAABAAAAAmAAAACAAAAAAAAAAAAAAAMAAAABQAAAAAAAAAAAD//wAAAQAAAP//AAABAA=="/>
               </a:ext>
             </a:extLst>
           </p:cNvSpPr>
@@ -3916,7 +3911,7 @@
             <a:spLocks noGrp="1" noChangeArrowheads="1"/>
             <a:extLst>
               <a:ext uri="smNativeData">
-                <pr:smNativeData xmlns:pr="smNativeData" xmlns="smNativeData" val="SMDATA_16_V9F3ZxMAAAAlAAAAZAAAAA8BAAAAkAAAAEgAAACQAAAASAAAAAAAAAABAAAAAAAAAAEAAABQAAAAAAAAAAAA4D8AAAAAAADgPwAAAAAAAOA/AAAAAAAA4D8AAAAAAADgPwAAAAAAAOA/AAAAAAAA4D8AAAAAAADgPwAAAAAAAOA/AAAAAAAA4D8CAAAAjAAAAAAAAAAAAAAAu+DjDP///wgAAAAAAAAAAAAAAAAAAAAAAAAAAAAAAAAAAAAAZAAAAAEAAABAAAAAAAAAAAAAAAAAAAAAAAAAAAAAAAAAAAAAAAAAAAAAAAAAAAAAAAAAAAAAAAAAAAAAAAAAAAAAAAAAAAAAAAAAAAAAAAAAAAAAAAAAAAAAAAAAAAAAFAAAADwAAAAAAAAAAAAAAAAAAAkUAAAAAQAAABQAAAAUAAAAFAAAAAEAAAAAAAAAZAAAAGQAAAAAAAAAZAAAAGQAAAAVAAAAYAAAAAAAAAAAAAAADwAAACADAAAAAAAAAAAAAAEAAACgMgAAVgcAAKr4//8BAAAAf39/AAEAAABkAAAAAAAAABQAAABAHwAAAAAAACYAAAAAAAAAwOD//wAAAAAmAAAAZAAAABYAAABMAAAAAAAAAAAAAAAEAAAAAAAAAAEAAACAgIAKAAAAACgAAAAoAAAAZAAAAGQAAAAAAAAAzMzMAAAAAABQAAAAUAAAAGQAAABkAAAAAAAAABcAAAAUAAAAAAAAAAAAAAD/fwAA/38AAAAAAAAJAAAABAAAAP////8eAAAAaAAAAAAAAAAAAAAAAAAAAAAAAAAAAAAAECcAABAnAAAAAAAAAAAAAAAAAAAAAAAAAAAAAAAAAAAAAAAAAAAAABQAAAAAAAAAwMD/AAAAAABkAAAAMgAAAAAAAABkAAAAAAAAAH9/fwAKAAAAIgAAABgAAAAAAAAAAAAAAAAAAAAAAAAAAAAAAAAAAAAkAAAAJAAAAAAAAAAHAAAAAAAAAAAAAAAAAAAAAAAAAAAAAAAAAAAAf39/ACUAAABYAAAAAAAAAAAAAAAAAAAAAAAAAAAAAAAAAAAAAAAAAAAAAAAAAAAAAAAAAAAAAAA/AAAAAAAAAKCGAQAAAAAAAAAAAAAAAAAMAAAAAQAAAAAAAAAAAAAAAAAAAB8AAABUAAAAAAAABQAAAAEAAAAAAAAAAAAAAAAAAAAAAAAAAAAAAAAAAAAAAAAAAAAAAAJ/f38AAAAAA8zMzADAwP8Af39/AAAAAAAAAAAAAAAAAAAAAAAAAAAAIQAAABgAAAAUAAAAwAMAALABAABARwAAuAgAABAAAAAmAAAACAAAAAAAAAAAAAAAMAAAABQAAAAAAAAAAAD//wAAAQAAAP//AAABAA=="/>
+                <pr:smNativeData xmlns:pr="smNativeData" xmlns="smNativeData" val="SMDATA_16_CqSDZxMAAAAlAAAAZAAAAA8BAAAAkAAAAEgAAACQAAAASAAAAAAAAAABAAAAAAAAAAEAAABQAAAAAAAAAAAA4D8AAAAAAADgPwAAAAAAAOA/AAAAAAAA4D8AAAAAAADgPwAAAAAAAOA/AAAAAAAA4D8AAAAAAADgPwAAAAAAAOA/AAAAAAAA4D8CAAAAjAAAAAAAAAAAAAAAu+DjDP///wgAAAAAAAAAAAAAAAAAAAAAAAAAAAAAAAAAAAAAZAAAAAEAAABAAAAAAAAAAAAAAAAAAAAAAAAAAAAAAAAAAAAAAAAAAAAAAAAAAAAAAAAAAAAAAAAAAAAAAAAAAAAAAAAAAAAAAAAAAAAAAAAAAAAAAAAAAAAAAAAAAAAAFAAAADwAAAAAAAAAAAAAAAAAAAkUAAAAAQAAABQAAAAUAAAAFAAAAAEAAAAAAAAAZAAAAGQAAAAAAAAAZAAAAGQAAAAVAAAAYAAAAAAAAAAAAAAADwAAACADAAAAAAAAAAAAAAEAAACgMgAAVgcAAKr4//8BAAAAf39/AAEAAABkAAAAAAAAABQAAABAHwAAAAAAACYAAAAAAAAAwOD//wAAAAAmAAAAZAAAABYAAABMAAAAAAAAAAAAAAAEAAAAAAAAAAEAAACAgIAKAAAAACgAAAAoAAAAZAAAAGQAAAAAAAAAzMzMAAAAAABQAAAAUAAAAGQAAABkAAAAAAAAABcAAAAUAAAAAAAAAAAAAAD/fwAA/38AAAAAAAAJAAAABAAAAP////8eAAAAaAAAAAAAAAAAAAAAAAAAAAAAAAAAAAAAECcAABAnAAAAAAAAAAAAAAAAAAAAAAAAAAAAAAAAAAAAAAAAAAAAABQAAAAAAAAAwMD/AAAAAABkAAAAMgAAAAAAAABkAAAAAAAAAH9/fwAKAAAAIgAAABgAAAAAAAAAAAAAAAAAAAAAAAAAAAAAAAAAAAAkAAAAJAAAAAAAAAAHAAAAAAAAAAAAAAAAAAAAAAAAAAAAAAAAAAAAf39/ACUAAABYAAAAAAAAAAAAAAAAAAAAAAAAAAAAAAAAAAAAAAAAAAAAAAAAAAAAAAAAAAAAAAA/AAAAAAAAAKCGAQAAAAAAAAAAAAAAAAAMAAAAAQAAAAAAAAAAAAAAAAAAAB8AAABUAAAAAAAABQAAAAEAAAAAAAAAAAAAAAAAAAAAAAAAAAAAAAAAAAAAAAAAAAAAAAJ/f38AAAAAA8zMzADAwP8Af39/AAAAAAAAAAAAAAAAAAAAAAAAAAAAIQAAABgAAAAUAAAAwAMAALABAABARwAAuAgAABAAAAAmAAAACAAAAAAAAAAAAAAAMAAAABQAAAAAAAAAAAD//wAAAQAAAP//AAABAA=="/>
               </a:ext>
             </a:extLst>
           </p:cNvSpPr>
@@ -3943,7 +3938,7 @@
             <a:spLocks noGrp="1" noChangeArrowheads="1"/>
             <a:extLst>
               <a:ext uri="smNativeData">
-                <pr:smNativeData xmlns:pr="smNativeData" xmlns="smNativeData" val="SMDATA_16_V9F3ZxMAAAAlAAAAZAAAAA8BAAAAkAAAAEgAAACQAAAASAAAAAAAAAAAAAAAAAAAAAEAAABQAAAAAAAAAAAA4D8AAAAAAADgPwAAAAAAAOA/AAAAAAAA4D8AAAAAAADgPwAAAAAAAOA/AAAAAAAA4D8AAAAAAADgPwAAAAAAAOA/AAAAAAAA4D8CAAAAjAAAAAAAAAAAAAAAu+DjDP///wgAAAAAAAAAAAAAAAAAAAAAAAAAAAAAAAAAAAAAZAAAAAEAAABAAAAAAAAAAAAAAAAAAAAAAAAAAAAAAAAAAAAAAAAAAAAAAAAAAAAAAAAAAAAAAAAAAAAAAAAAAAAAAAAAAAAAAAAAAAAAAAAAAAAAAAAAAAAAAAAAAAAAFAAAADwAAAAAAAAAAAAAAAAAAAkUAAAAAQAAABQAAAAUAAAAFAAAAAEAAAAAAAAAZAAAAGQAAAAAAAAAZAAAAGQAAAAVAAAAYAAAAAAAAAAAAAAADwAAACADAAAAAAAAAAAAAAEAAACgMgAAVgcAAKr4//8BAAAAf39/AAEAAABkAAAAAAAAABQAAABAHwAAAAAAACYAAAAAAAAAwOD//wAAAAAmAAAAZAAAABYAAABMAAAAAAAAAAAAAAAEAAAAAAAAAAEAAACAgIAKAAAAACgAAAAoAAAAZAAAAGQAAAAAAAAAzMzMAAAAAABQAAAAUAAAAGQAAABkAAAAAAAAABcAAAAUAAAAAAAAAAAAAAD/fwAA/38AAAAAAAAJAAAABAAAALrm1/8eAAAAaAAAAAAAAAAAAAAAAAAAAAAAAAAAAAAAECcAABAnAAAAAAAAAAAAAAAAAAAAAAAAAAAAAAAAAAAAAAAAAAAAABQAAAAAAAAAwMD/AAAAAABkAAAAMgAAAAAAAABkAAAAAAAAAH9/fwAKAAAAIgAAABgAAAAAAAAAAAAAAAAAAAAAAAAAAAAAAAAAAAAkAAAAJAAAAAAAAAAHAAAAAAAAAAAAAAAAAAAAAAAAAAAAAAAAAAAAf39/ACUAAABYAAAAAAAAAAAAAAAAAAAAAAAAAAAAAAAAAAAAAAAAAAAAAAAAAAAAAAAAAAAAAAA/AAAAAAAAAKCGAQAAAAAAAAAAAAAAAAAMAAAAAQAAAAAAAAAAAAAAAAAAAB8AAABUAAAAAAAABQAAAAEAAAAAAAAAAAAAAAAAAAAAAAAAAAAAAAAAAAAAAAAAAAAAAAJ/f38AAAAAA8zMzADAwP8Af39/AAAAAAAAAAAAAAAAAAAAAAAAAAAAIQAAABgAAAAUAAAAwAMAANgJAABARwAAsCUAAAAAAAAmAAAACAAAAAEAAAAAAAAAMAAAABQAAAAAAAAAAAD//wAAAQAAAP//AAABAA=="/>
+                <pr:smNativeData xmlns:pr="smNativeData" xmlns="smNativeData" val="SMDATA_16_CqSDZxMAAAAlAAAAZAAAAA8BAAAAkAAAAEgAAACQAAAASAAAAAAAAAAAAAAAAAAAAAEAAABQAAAAAAAAAAAA4D8AAAAAAADgPwAAAAAAAOA/AAAAAAAA4D8AAAAAAADgPwAAAAAAAOA/AAAAAAAA4D8AAAAAAADgPwAAAAAAAOA/AAAAAAAA4D8CAAAAjAAAAAAAAAAAAAAAu+DjDP///wgAAAAAAAAAAAAAAAAAAAAAAAAAAAAAAAAAAAAAZAAAAAEAAABAAAAAAAAAAAAAAAAAAAAAAAAAAAAAAAAAAAAAAAAAAAAAAAAAAAAAAAAAAAAAAAAAAAAAAAAAAAAAAAAAAAAAAAAAAAAAAAAAAAAAAAAAAAAAAAAAAAAAFAAAADwAAAAAAAAAAAAAAAAAAAkUAAAAAQAAABQAAAAUAAAAFAAAAAEAAAAAAAAAZAAAAGQAAAAAAAAAZAAAAGQAAAAVAAAAYAAAAAAAAAAAAAAADwAAACADAAAAAAAAAAAAAAEAAACgMgAAVgcAAKr4//8BAAAAf39/AAEAAABkAAAAAAAAABQAAABAHwAAAAAAACYAAAAAAAAAwOD//wAAAAAmAAAAZAAAABYAAABMAAAAAAAAAAAAAAAEAAAAAAAAAAEAAACAgIAKAAAAACgAAAAoAAAAZAAAAGQAAAAAAAAAzMzMAAAAAABQAAAAUAAAAGQAAABkAAAAAAAAABcAAAAUAAAAAAAAAAAAAAD/fwAA/38AAAAAAAAJAAAABAAAALrm1/8eAAAAaAAAAAAAAAAAAAAAAAAAAAAAAAAAAAAAECcAABAnAAAAAAAAAAAAAAAAAAAAAAAAAAAAAAAAAAAAAAAAAAAAABQAAAAAAAAAwMD/AAAAAABkAAAAMgAAAAAAAABkAAAAAAAAAH9/fwAKAAAAIgAAABgAAAAAAAAAAAAAAAAAAAAAAAAAAAAAAAAAAAAkAAAAJAAAAAAAAAAHAAAAAAAAAAAAAAAAAAAAAAAAAAAAAAAAAAAAf39/ACUAAABYAAAAAAAAAAAAAAAAAAAAAAAAAAAAAAAAAAAAAAAAAAAAAAAAAAAAAAAAAAAAAAA/AAAAAAAAAKCGAQAAAAAAAAAAAAAAAAAMAAAAAQAAAAAAAAAAAAAAAAAAAB8AAABUAAAAAAAABQAAAAEAAAAAAAAAAAAAAAAAAAAAAAAAAAAAAAAAAAAAAAAAAAAAAAJ/f38AAAAAA8zMzADAwP8Af39/AAAAAAAAAAAAAAAAAAAAAAAAAAAAIQAAABgAAAAUAAAAwAMAANgJAABARwAAsCUAABAAAAAmAAAACAAAAAAAAAAAAAAAMAAAABQAAAAAAAAAAAD//wAAAQAAAP//AAABAA=="/>
               </a:ext>
             </a:extLst>
           </p:cNvSpPr>
@@ -3951,12 +3946,7 @@
             <p:ph type="body" idx="1"/>
           </p:nvPr>
         </p:nvSpPr>
-        <p:spPr>
-          <a:xfrm>
-            <a:off x="609600" y="1600200"/>
-            <a:ext cx="10972800" cy="4526280"/>
-          </a:xfrm>
-        </p:spPr>
+        <p:spPr/>
         <p:txBody>
           <a:bodyPr/>
           <a:lstStyle/>
@@ -4013,7 +4003,7 @@
             <a:spLocks noGrp="1" noChangeArrowheads="1"/>
             <a:extLst>
               <a:ext uri="smNativeData">
-                <pr:smNativeData xmlns:pr="smNativeData" xmlns="smNativeData" val="SMDATA_16_V9F3ZxMAAAAlAAAAZAAAAA8BAAAAkAAAAEgAAACQAAAASAAAAAAAAAABAAAAAAAAAAEAAABQAAAAAAAAAAAA4D8AAAAAAADgPwAAAAAAAOA/AAAAAAAA4D8AAAAAAADgPwAAAAAAAOA/AAAAAAAA4D8AAAAAAADgPwAAAAAAAOA/AAAAAAAA4D8CAAAAjAAAAAAAAAAAAAAAu+DjDP///wgAAAAAAAAAAAAAAAAAAAAAAAAAAAAAAAAAAAAAZAAAAAEAAABAAAAAAAAAAAAAAAAAAAAAAAAAAAAAAAAAAAAAAAAAAAAAAAAAAAAAAAAAAAAAAAAAAAAAAAAAAAAAAAAAAAAAAAAAAAAAAAAAAAAAAAAAAAAAAAAAAAAAFAAAADwAAAAAAAAAAAAAAAAAAAkUAAAAAQAAABQAAAAUAAAAFAAAAAEAAAAAAAAAZAAAAGQAAAAAAAAAZAAAAGQAAAAVAAAAYAAAAAAAAAAAAAAADwAAACADAAAAAAAAAAAAAAEAAACgMgAAVgcAAKr4//8BAAAAf39/AAEAAABkAAAAAAAAABQAAABAHwAAAAAAACYAAAAAAAAAwOD//wAAAAAmAAAAZAAAABYAAABMAAAAAAAAAAAAAAAEAAAAAAAAAAEAAACAgIAKAAAAACgAAAAoAAAAZAAAAGQAAAAAAAAAzMzMAAAAAABQAAAAUAAAAGQAAABkAAAAAAAAABcAAAAUAAAAAAAAAAAAAAD/fwAA/38AAAAAAAAJAAAABAAAAP////8eAAAAaAAAAAAAAAAAAAAAAAAAAAAAAAAAAAAAECcAABAnAAAAAAAAAAAAAAAAAAAAAAAAAAAAAAAAAAAAAAAAAAAAABQAAAAAAAAAwMD/AAAAAABkAAAAMgAAAAAAAABkAAAAAAAAAH9/fwAKAAAAIgAAABgAAAAAAAAAAAAAAAAAAAAAAAAAAAAAAAAAAAAkAAAAJAAAAAAAAAAHAAAAAAAAAAAAAAAAAAAAAAAAAAAAAAAAAAAAf39/ACUAAABYAAAAAAAAAAAAAAAAAAAAAAAAAAAAAAAAAAAAAAAAAAAAAAAAAAAAAAAAAAAAAAA/AAAAAAAAAKCGAQAAAAAAAAAAAAAAAAAMAAAAAQAAAAAAAAAAAAAAAAAAAB8AAABUAAAAAAAABQAAAAEAAAAAAAAAAAAAAAAAAAAAAAAAAAAAAAAAAAAAAAAAAAAAAAJ/f38AAAAAA8zMzADAwP8Af39/AAAAAAAAAAAAAAAAAAAAAAAAAAAAIQAAABgAAAAUAAAAwAMAALABAABARwAAuAgAABAAAAAmAAAACAAAAAAAAAAAAAAAMAAAABQAAAAAAAAAAAD//wAAAQAAAP//AAABAA=="/>
+                <pr:smNativeData xmlns:pr="smNativeData" xmlns="smNativeData" val="SMDATA_16_CqSDZxMAAAAlAAAAZAAAAA8BAAAAkAAAAEgAAACQAAAASAAAAAAAAAABAAAAAAAAAAEAAABQAAAAAAAAAAAA4D8AAAAAAADgPwAAAAAAAOA/AAAAAAAA4D8AAAAAAADgPwAAAAAAAOA/AAAAAAAA4D8AAAAAAADgPwAAAAAAAOA/AAAAAAAA4D8CAAAAjAAAAAAAAAAAAAAAu+DjDP///wgAAAAAAAAAAAAAAAAAAAAAAAAAAAAAAAAAAAAAZAAAAAEAAABAAAAAAAAAAAAAAAAAAAAAAAAAAAAAAAAAAAAAAAAAAAAAAAAAAAAAAAAAAAAAAAAAAAAAAAAAAAAAAAAAAAAAAAAAAAAAAAAAAAAAAAAAAAAAAAAAAAAAFAAAADwAAAAAAAAAAAAAAAAAAAkUAAAAAQAAABQAAAAUAAAAFAAAAAEAAAAAAAAAZAAAAGQAAAAAAAAAZAAAAGQAAAAVAAAAYAAAAAAAAAAAAAAADwAAACADAAAAAAAAAAAAAAEAAACgMgAAVgcAAKr4//8BAAAAf39/AAEAAABkAAAAAAAAABQAAABAHwAAAAAAACYAAAAAAAAAwOD//wAAAAAmAAAAZAAAABYAAABMAAAAAAAAAAAAAAAEAAAAAAAAAAEAAACAgIAKAAAAACgAAAAoAAAAZAAAAGQAAAAAAAAAzMzMAAAAAABQAAAAUAAAAGQAAABkAAAAAAAAABcAAAAUAAAAAAAAAAAAAAD/fwAA/38AAAAAAAAJAAAABAAAAP////8eAAAAaAAAAAAAAAAAAAAAAAAAAAAAAAAAAAAAECcAABAnAAAAAAAAAAAAAAAAAAAAAAAAAAAAAAAAAAAAAAAAAAAAABQAAAAAAAAAwMD/AAAAAABkAAAAMgAAAAAAAABkAAAAAAAAAH9/fwAKAAAAIgAAABgAAAAAAAAAAAAAAAAAAAAAAAAAAAAAAAAAAAAkAAAAJAAAAAAAAAAHAAAAAAAAAAAAAAAAAAAAAAAAAAAAAAAAAAAAf39/ACUAAABYAAAAAAAAAAAAAAAAAAAAAAAAAAAAAAAAAAAAAAAAAAAAAAAAAAAAAAAAAAAAAAA/AAAAAAAAAKCGAQAAAAAAAAAAAAAAAAAMAAAAAQAAAAAAAAAAAAAAAAAAAB8AAABUAAAAAAAABQAAAAEAAAAAAAAAAAAAAAAAAAAAAAAAAAAAAAAAAAAAAAAAAAAAAAJ/f38AAAAAA8zMzADAwP8Af39/AAAAAAAAAAAAAAAAAAAAAAAAAAAAIQAAABgAAAAUAAAAwAMAALABAABARwAAuAgAABAAAAAmAAAACAAAAAAAAAAAAAAAMAAAABQAAAAAAAAAAAD//wAAAQAAAP//AAABAA=="/>
               </a:ext>
             </a:extLst>
           </p:cNvSpPr>
@@ -4040,7 +4030,7 @@
             <a:spLocks noGrp="1" noChangeArrowheads="1"/>
             <a:extLst>
               <a:ext uri="smNativeData">
-                <pr:smNativeData xmlns:pr="smNativeData" xmlns="smNativeData" val="SMDATA_16_V9F3ZxMAAAAlAAAAZAAAAA8BAAAAkAAAAEgAAACQAAAASAAAAAAAAAAAAAAAAAAAAAEAAABQAAAAAAAAAAAA4D8AAAAAAADgPwAAAAAAAOA/AAAAAAAA4D8AAAAAAADgPwAAAAAAAOA/AAAAAAAA4D8AAAAAAADgPwAAAAAAAOA/AAAAAAAA4D8CAAAAjAAAAAAAAAAAAAAAu+DjDP///wgAAAAAAAAAAAAAAAAAAAAAAAAAAAAAAAAAAAAAZAAAAAEAAABAAAAAAAAAAAAAAAAAAAAAAAAAAAAAAAAAAAAAAAAAAAAAAAAAAAAAAAAAAAAAAAAAAAAAAAAAAAAAAAAAAAAAAAAAAAAAAAAAAAAAAAAAAAAAAAAAAAAAFAAAADwAAAAAAAAAAAAAAAAAAAkUAAAAAQAAABQAAAAUAAAAFAAAAAEAAAAAAAAAZAAAAGQAAAAAAAAAZAAAAGQAAAAVAAAAYAAAAAAAAAAAAAAADwAAACADAAAAAAAAAAAAAAEAAACgMgAAVgcAAKr4//8BAAAAf39/AAEAAABkAAAAAAAAABQAAABAHwAAAAAAACYAAAAAAAAAwOD//wAAAAAmAAAAZAAAABYAAABMAAAAAAAAAAAAAAAEAAAAAAAAAAEAAACAgIAKAAAAACgAAAAoAAAAZAAAAGQAAAAAAAAAzMzMAAAAAABQAAAAUAAAAGQAAABkAAAAAAAAABcAAAAUAAAAAAAAAAAAAAD/fwAA/38AAAAAAAAJAAAABAAAAP////8eAAAAaAAAAAAAAAAAAAAAAAAAAAAAAAAAAAAAECcAABAnAAAAAAAAAAAAAAAAAAAAAAAAAAAAAAAAAAAAAAAAAAAAABQAAAAAAAAAwMD/AAAAAABkAAAAMgAAAAAAAABkAAAAAAAAAH9/fwAKAAAAIgAAABgAAAAAAAAAAAAAAAAAAAAAAAAAAAAAAAAAAAAkAAAAJAAAAAAAAAAHAAAAAAAAAAAAAAAAAAAAAAAAAAAAAAAAAAAAf39/ACUAAABYAAAAAAAAAAAAAAAAAAAAAAAAAAAAAAAAAAAAAAAAAAAAAAAAAAAAAAAAAAAAAAA/AAAAAAAAAKCGAQAAAAAAAAAAAAAAAAAMAAAAAQAAAAAAAAAAAAAAAAAAAB8AAABUAAAAAAAABQAAAAEAAAAAAAAAAAAAAAAAAAAAAAAAAAAAAAAAAAAAAAAAAAAAAAJ/f38AAAAAA8zMzADAwP8Af39/AAAAAAAAAAAAAAAAAAAAAAAAAAAAIQAAABgAAAAUAAAAwAMAANgJAABARwAAsCUAAAAAAAAmAAAACAAAAAEAAAAAAAAAMAAAABQAAAAAAAAAAAD//wAAAQAAAP//AAABAA=="/>
+                <pr:smNativeData xmlns:pr="smNativeData" xmlns="smNativeData" val="SMDATA_16_CqSDZxMAAAAlAAAAZAAAAA8BAAAAkAAAAEgAAACQAAAASAAAAAAAAAAAAAAAAAAAAAEAAABQAAAAAAAAAAAA4D8AAAAAAADgPwAAAAAAAOA/AAAAAAAA4D8AAAAAAADgPwAAAAAAAOA/AAAAAAAA4D8AAAAAAADgPwAAAAAAAOA/AAAAAAAA4D8CAAAAjAAAAAAAAAAAAAAAu+DjDP///wgAAAAAAAAAAAAAAAAAAAAAAAAAAAAAAAAAAAAAZAAAAAEAAABAAAAAAAAAAAAAAAAAAAAAAAAAAAAAAAAAAAAAAAAAAAAAAAAAAAAAAAAAAAAAAAAAAAAAAAAAAAAAAAAAAAAAAAAAAAAAAAAAAAAAAAAAAAAAAAAAAAAAFAAAADwAAAAAAAAAAAAAAAAAAAkUAAAAAQAAABQAAAAUAAAAFAAAAAEAAAAAAAAAZAAAAGQAAAAAAAAAZAAAAGQAAAAVAAAAYAAAAAAAAAAAAAAADwAAACADAAAAAAAAAAAAAAEAAACgMgAAVgcAAKr4//8BAAAAf39/AAEAAABkAAAAAAAAABQAAABAHwAAAAAAACYAAAAAAAAAwOD//wAAAAAmAAAAZAAAABYAAABMAAAAAAAAAAAAAAAEAAAAAAAAAAEAAACAgIAKAAAAACgAAAAoAAAAZAAAAGQAAAAAAAAAzMzMAAAAAABQAAAAUAAAAGQAAABkAAAAAAAAABcAAAAUAAAAAAAAAAAAAAD/fwAA/38AAAAAAAAJAAAABAAAAP////8eAAAAaAAAAAAAAAAAAAAAAAAAAAAAAAAAAAAAECcAABAnAAAAAAAAAAAAAAAAAAAAAAAAAAAAAAAAAAAAAAAAAAAAABQAAAAAAAAAwMD/AAAAAABkAAAAMgAAAAAAAABkAAAAAAAAAH9/fwAKAAAAIgAAABgAAAAAAAAAAAAAAAAAAAAAAAAAAAAAAAAAAAAkAAAAJAAAAAAAAAAHAAAAAAAAAAAAAAAAAAAAAAAAAAAAAAAAAAAAf39/ACUAAABYAAAAAAAAAAAAAAAAAAAAAAAAAAAAAAAAAAAAAAAAAAAAAAAAAAAAAAAAAAAAAAA/AAAAAAAAAKCGAQAAAAAAAAAAAAAAAAAMAAAAAQAAAAAAAAAAAAAAAAAAAB8AAABUAAAAAAAABQAAAAEAAAAAAAAAAAAAAAAAAAAAAAAAAAAAAAAAAAAAAAAAAAAAAAJ/f38AAAAAA8zMzADAwP8Af39/AAAAAAAAAAAAAAAAAAAAAAAAAAAAIQAAABgAAAAUAAAAwAMAANgJAABARwAAsCUAABAAAAAmAAAACAAAAAAAAAAAAAAAMAAAABQAAAAAAAAAAAD//wAAAQAAAP//AAABAA=="/>
               </a:ext>
             </a:extLst>
           </p:cNvSpPr>
@@ -4048,12 +4038,7 @@
             <p:ph type="body" idx="1"/>
           </p:nvPr>
         </p:nvSpPr>
-        <p:spPr>
-          <a:xfrm>
-            <a:off x="609600" y="1600200"/>
-            <a:ext cx="10972800" cy="4526280"/>
-          </a:xfrm>
-        </p:spPr>
+        <p:spPr/>
         <p:txBody>
           <a:bodyPr/>
           <a:lstStyle/>
@@ -4114,7 +4099,7 @@
             <a:spLocks noGrp="1" noChangeArrowheads="1"/>
             <a:extLst>
               <a:ext uri="smNativeData">
-                <pr:smNativeData xmlns:pr="smNativeData" xmlns="smNativeData" val="SMDATA_16_V9F3ZxMAAAAlAAAAZAAAAA8BAAAAkAAAAEgAAACQAAAASAAAAAAAAAABAAAAAAAAAAEAAABQAAAAAAAAAAAA4D8AAAAAAADgPwAAAAAAAOA/AAAAAAAA4D8AAAAAAADgPwAAAAAAAOA/AAAAAAAA4D8AAAAAAADgPwAAAAAAAOA/AAAAAAAA4D8CAAAAjAAAAAAAAAAAAAAAu+DjDP///wgAAAAAAAAAAAAAAAAAAAAAAAAAAAAAAAAAAAAAZAAAAAEAAABAAAAAAAAAAAAAAAAAAAAAAAAAAAAAAAAAAAAAAAAAAAAAAAAAAAAAAAAAAAAAAAAAAAAAAAAAAAAAAAAAAAAAAAAAAAAAAAAAAAAAAAAAAAAAAAAAAAAAFAAAADwAAAAAAAAAAAAAAAAAAAkUAAAAAQAAABQAAAAUAAAAFAAAAAEAAAAAAAAAZAAAAGQAAAAAAAAAZAAAAGQAAAAVAAAAYAAAAAAAAAAAAAAADwAAACADAAAAAAAAAAAAAAEAAACgMgAAVgcAAKr4//8BAAAAf39/AAEAAABkAAAAAAAAABQAAABAHwAAAAAAACYAAAAAAAAAwOD//wAAAAAmAAAAZAAAABYAAABMAAAAAAAAAAAAAAAEAAAAAAAAAAEAAACAgIAKAAAAACgAAAAoAAAAZAAAAGQAAAAAAAAAzMzMAAAAAABQAAAAUAAAAGQAAABkAAAAAAAAABcAAAAUAAAAAAAAAAAAAAD/fwAA/38AAAAAAAAJAAAABAAAAP////8eAAAAaAAAAAAAAAAAAAAAAAAAAAAAAAAAAAAAECcAABAnAAAAAAAAAAAAAAAAAAAAAAAAAAAAAAAAAAAAAAAAAAAAABQAAAAAAAAAwMD/AAAAAABkAAAAMgAAAAAAAABkAAAAAAAAAH9/fwAKAAAAIgAAABgAAAAAAAAAAAAAAAAAAAAAAAAAAAAAAAAAAAAkAAAAJAAAAAAAAAAHAAAAAAAAAAAAAAAAAAAAAAAAAAAAAAAAAAAAf39/ACUAAABYAAAAAAAAAAAAAAAAAAAAAAAAAAAAAAAAAAAAAAAAAAAAAAAAAAAAAAAAAAAAAAA/AAAAAAAAAKCGAQAAAAAAAAAAAAAAAAAMAAAAAQAAAAAAAAAAAAAAAAAAAB8AAABUAAAAAAAABQAAAAEAAAAAAAAAAAAAAAAAAAAAAAAAAAAAAAAAAAAAAAAAAAAAAAJ/f38AAAAAA8zMzADAwP8Af39/AAAAAAAAAAAAAAAAAAAAAAAAAAAAIQAAABgAAAAUAAAAwAMAALABAABARwAAuAgAABAAAAAmAAAACAAAAAAAAAAAAAAAMAAAABQAAAAAAAAAAAD//wAAAQAAAP//AAABAA=="/>
+                <pr:smNativeData xmlns:pr="smNativeData" xmlns="smNativeData" val="SMDATA_16_CqSDZxMAAAAlAAAAZAAAAA8BAAAAkAAAAEgAAACQAAAASAAAAAAAAAABAAAAAAAAAAEAAABQAAAAAAAAAAAA4D8AAAAAAADgPwAAAAAAAOA/AAAAAAAA4D8AAAAAAADgPwAAAAAAAOA/AAAAAAAA4D8AAAAAAADgPwAAAAAAAOA/AAAAAAAA4D8CAAAAjAAAAAAAAAAAAAAAu+DjDP///wgAAAAAAAAAAAAAAAAAAAAAAAAAAAAAAAAAAAAAZAAAAAEAAABAAAAAAAAAAAAAAAAAAAAAAAAAAAAAAAAAAAAAAAAAAAAAAAAAAAAAAAAAAAAAAAAAAAAAAAAAAAAAAAAAAAAAAAAAAAAAAAAAAAAAAAAAAAAAAAAAAAAAFAAAADwAAAAAAAAAAAAAAAAAAAkUAAAAAQAAABQAAAAUAAAAFAAAAAEAAAAAAAAAZAAAAGQAAAAAAAAAZAAAAGQAAAAVAAAAYAAAAAAAAAAAAAAADwAAACADAAAAAAAAAAAAAAEAAACgMgAAVgcAAKr4//8BAAAAf39/AAEAAABkAAAAAAAAABQAAABAHwAAAAAAACYAAAAAAAAAwOD//wAAAAAmAAAAZAAAABYAAABMAAAAAAAAAAAAAAAEAAAAAAAAAAEAAACAgIAKAAAAACgAAAAoAAAAZAAAAGQAAAAAAAAAzMzMAAAAAABQAAAAUAAAAGQAAABkAAAAAAAAABcAAAAUAAAAAAAAAAAAAAD/fwAA/38AAAAAAAAJAAAABAAAAP////8eAAAAaAAAAAAAAAAAAAAAAAAAAAAAAAAAAAAAECcAABAnAAAAAAAAAAAAAAAAAAAAAAAAAAAAAAAAAAAAAAAAAAAAABQAAAAAAAAAwMD/AAAAAABkAAAAMgAAAAAAAABkAAAAAAAAAH9/fwAKAAAAIgAAABgAAAAAAAAAAAAAAAAAAAAAAAAAAAAAAAAAAAAkAAAAJAAAAAAAAAAHAAAAAAAAAAAAAAAAAAAAAAAAAAAAAAAAAAAAf39/ACUAAABYAAAAAAAAAAAAAAAAAAAAAAAAAAAAAAAAAAAAAAAAAAAAAAAAAAAAAAAAAAAAAAA/AAAAAAAAAKCGAQAAAAAAAAAAAAAAAAAMAAAAAQAAAAAAAAAAAAAAAAAAAB8AAABUAAAAAAAABQAAAAEAAAAAAAAAAAAAAAAAAAAAAAAAAAAAAAAAAAAAAAAAAAAAAAJ/f38AAAAAA8zMzADAwP8Af39/AAAAAAAAAAAAAAAAAAAAAAAAAAAAIQAAABgAAAAUAAAAwAMAALABAABARwAAuAgAABAAAAAmAAAACAAAAAAAAAAAAAAAMAAAABQAAAAAAAAAAAD//wAAAQAAAP//AAABAA=="/>
               </a:ext>
             </a:extLst>
           </p:cNvSpPr>
@@ -4141,7 +4126,7 @@
             <a:spLocks noGrp="1" noChangeArrowheads="1"/>
             <a:extLst>
               <a:ext uri="smNativeData">
-                <pr:smNativeData xmlns:pr="smNativeData" xmlns="smNativeData" val="SMDATA_16_V9F3ZxMAAAAlAAAAZAAAAA8BAAAAkAAAAEgAAACQAAAASAAAAAAAAAAAAAAAAAAAAAEAAABQAAAAAAAAAAAA4D8AAAAAAADgPwAAAAAAAOA/AAAAAAAA4D8AAAAAAADgPwAAAAAAAOA/AAAAAAAA4D8AAAAAAADgPwAAAAAAAOA/AAAAAAAA4D8CAAAAjAAAAAAAAAAAAAAAu+DjDP///wgAAAAAAAAAAAAAAAAAAAAAAAAAAAAAAAAAAAAAZAAAAAEAAABAAAAAAAAAAAAAAAAAAAAAAAAAAAAAAAAAAAAAAAAAAAAAAAAAAAAAAAAAAAAAAAAAAAAAAAAAAAAAAAAAAAAAAAAAAAAAAAAAAAAAAAAAAAAAAAAAAAAAFAAAADwAAAAAAAAAAAAAAAAAAAkUAAAAAQAAABQAAAAUAAAAFAAAAAEAAAAAAAAAZAAAAGQAAAAAAAAAZAAAAGQAAAAVAAAAYAAAAAAAAAAAAAAADwAAACADAAAAAAAAAAAAAAEAAACgMgAAVgcAAKr4//8BAAAAf39/AAEAAABkAAAAAAAAABQAAABAHwAAAAAAACYAAAAAAAAAwOD//wAAAAAmAAAAZAAAABYAAABMAAAAAAAAAAAAAAAEAAAAAAAAAAEAAACAgIAKAAAAACgAAAAoAAAAZAAAAGQAAAAAAAAAzMzMAAAAAABQAAAAUAAAAGQAAABkAAAAAAAAABcAAAAUAAAAAAAAAAAAAAD/fwAA/38AAAAAAAAJAAAABAAAAAAwADIeAAAAaAAAAAAAAAAAAAAAAAAAAAAAAAAAAAAAECcAABAnAAAAAAAAAAAAAAAAAAAAAAAAAAAAAAAAAAAAAAAAAAAAABQAAAAAAAAAwMD/AAAAAABkAAAAMgAAAAAAAABkAAAAAAAAAH9/fwAKAAAAIgAAABgAAAAAAAAAAAAAAAAAAAAAAAAAAAAAAAAAAAAkAAAAJAAAAAAAAAAHAAAAAAAAAAAAAAAAAAAAAAAAAAAAAAAAAAAAf39/ACUAAABYAAAAAAAAAAAAAAAAAAAAAAAAAAAAAAAAAAAAAAAAAAAAAAAAAAAAAAAAAAAAAAA/AAAAAAAAAKCGAQAAAAAAAAAAAAAAAAAMAAAAAQAAAAAAAAAAAAAAAAAAAB8AAABUAAAAAAAABQAAAAEAAAAAAAAAAAAAAAAAAAAAAAAAAAAAAAAAAAAAAAAAAAAAAAJ/f38AAAAAA8zMzADAwP8Af39/AAAAAAAAAAAAAAAAAAAAAAAAAAAAIQAAABgAAAAUAAAAwAMAANgJAABARwAAsCUAABAAAAAmAAAACAAAAAAAAAAAAAAAMAAAABQAAAAAAAAAAAD//wAAAQAAAP//AAABAA=="/>
+                <pr:smNativeData xmlns:pr="smNativeData" xmlns="smNativeData" val="SMDATA_16_CqSDZxMAAAAlAAAAZAAAAA8BAAAAkAAAAEgAAACQAAAASAAAAAAAAAAAAAAAAAAAAAEAAABQAAAAAAAAAAAA4D8AAAAAAADgPwAAAAAAAOA/AAAAAAAA4D8AAAAAAADgPwAAAAAAAOA/AAAAAAAA4D8AAAAAAADgPwAAAAAAAOA/AAAAAAAA4D8CAAAAjAAAAAAAAAAAAAAAu+DjDP///wgAAAAAAAAAAAAAAAAAAAAAAAAAAAAAAAAAAAAAZAAAAAEAAABAAAAAAAAAAAAAAAAAAAAAAAAAAAAAAAAAAAAAAAAAAAAAAAAAAAAAAAAAAAAAAAAAAAAAAAAAAAAAAAAAAAAAAAAAAAAAAAAAAAAAAAAAAAAAAAAAAAAAFAAAADwAAAAAAAAAAAAAAAAAAAkUAAAAAQAAABQAAAAUAAAAFAAAAAEAAAAAAAAAZAAAAGQAAAAAAAAAZAAAAGQAAAAVAAAAYAAAAAAAAAAAAAAADwAAACADAAAAAAAAAAAAAAEAAACgMgAAVgcAAKr4//8BAAAAf39/AAEAAABkAAAAAAAAABQAAABAHwAAAAAAACYAAAAAAAAAwOD//wAAAAAmAAAAZAAAABYAAABMAAAAAAAAAAAAAAAEAAAAAAAAAAEAAACAgIAKAAAAACgAAAAoAAAAZAAAAGQAAAAAAAAAzMzMAAAAAABQAAAAUAAAAGQAAABkAAAAAAAAABcAAAAUAAAAAAAAAAAAAAD/fwAA/38AAAAAAAAJAAAABAAAAAAwADIeAAAAaAAAAAAAAAAAAAAAAAAAAAAAAAAAAAAAECcAABAnAAAAAAAAAAAAAAAAAAAAAAAAAAAAAAAAAAAAAAAAAAAAABQAAAAAAAAAwMD/AAAAAABkAAAAMgAAAAAAAABkAAAAAAAAAH9/fwAKAAAAIgAAABgAAAAAAAAAAAAAAAAAAAAAAAAAAAAAAAAAAAAkAAAAJAAAAAAAAAAHAAAAAAAAAAAAAAAAAAAAAAAAAAAAAAAAAAAAf39/ACUAAABYAAAAAAAAAAAAAAAAAAAAAAAAAAAAAAAAAAAAAAAAAAAAAAAAAAAAAAAAAAAAAAA/AAAAAAAAAKCGAQAAAAAAAAAAAAAAAAAMAAAAAQAAAAAAAAAAAAAAAAAAAB8AAABUAAAAAAAABQAAAAEAAAAAAAAAAAAAAAAAAAAAAAAAAAAAAAAAAAAAAAAAAAAAAAJ/f38AAAAAA8zMzADAwP8Af39/AAAAAAAAAAAAAAAAAAAAAAAAAAAAIQAAABgAAAAUAAAAwAMAANgJAABARwAAsCUAABAAAAAmAAAACAAAAAAAAAAAAAAAMAAAABQAAAAAAAAAAAD//wAAAQAAAP//AAABAA=="/>
               </a:ext>
             </a:extLst>
           </p:cNvSpPr>
@@ -4169,7 +4154,7 @@
             <a:picLocks noChangeAspect="1"/>
             <a:extLst>
               <a:ext uri="smNativeData">
-                <pr:smNativeData xmlns:pr="smNativeData" xmlns="smNativeData" val="SMDATA_18_V9F3ZxMAAAAlAAAAEQAAAC8BAAAAkAAAAEgAAACQAAAASAAAAAAAAAAAAAAAAAAAAAEAAABQAAAAAAAAAAAA4D8AAAAAAADgPwAAAAAAAOA/AAAAAAAA4D8AAAAAAADgPwAAAAAAAOA/AAAAAAAA4D8AAAAAAADgPwAAAAAAAOA/AAAAAAAA4D8CAAAAjAAAAAAAAAAAAAAAu+DjDP///wgAAAAAAAAAAAAAAAAAAAAAAAAAAAAAAAAAAAAAZAAAAAEAAABAAAAAAAAAAAAAAAAAAAAAAAAAAAAAAAAAAAAAAAAAAAAAAAAAAAAAAAAAAAAAAAAAAAAAAAAAAAAAAAAAAAAAAAAAAAAAAAAAAAAAAAAAAAAAAAAAAAAAFAAAADwAAAAAAAAAAAAAAAAAAAkUAAAAAQAAABQAAAAUAAAAFAAAAAEAAAAAAAAAZAAAAGQAAAAAAAAAZAAAAGQAAAAVAAAAYAAAAAAAAAAAAAAADwAAACADAAAAAAAAAAAAAAEAAACgMgAAVgcAAKr4//8BAAAAf39/AAEAAABkAAAAAAAAABQAAABAHwAAAAAAACYAAAAAAAAAwOD//wAAAAAmAAAAZAAAABYAAABMAAAAAAAAAAAAAAAEAAAAAAAAAAEAAACAgIAKAAAAACgAAAAoAAAAZAAAAGQAAAAAAAAAzMzMAAAAAABQAAAAUAAAAGQAAABkAAAAAAAAAAcAAAA4AAAAAAAAAAAAAAAAAAAA////AAAAAAAAAAAAAAAAAAAAAAAAAAAAAAAAAAAAAABkAAAAZAAAAAAAAAAjAAAABAAAAGQAAAAXAAAAFAAAAAAAAAAAAAAA/38AAP9/AAAAAAAACQAAAAQAAAByb3NvHgAAAGgAAAAAAAAAAAAAAAAAAAAAAAAAAAAAABAnAAAQJwAAAAAAAAAAAAAAAAAAAAAAAAAAAAAAAAAAAAAAAAAAAAAUAAAAAAAAAMDA/wAAAAAAZAAAADIAAAAAAAAAZAAAAAAAAAB/f38ACgAAACIAAAAYAAAAAAAAAAAAAAAAAAAAAAAAAAAAAAAAAAAAJAAAACQAAAAAAAAABwAAAAAAAAAAAAAAAAAAAAAAAAAAAAAAAAAAAH9/fwAlAAAAWAAAAAAAAAAAAAAAAAAAAAAAAAAAAAAAAAAAAAAAAAAAAAAAAAAAAAAAAAAAAAAAPwAAAAAAAACghgEAAAAAAAAAAAAAAAAADAAAAAEAAAAAAAAAAAAAAAAAAAAfAAAAVAAAALvg4wX///8BAAAAAAAAAAAAAAAAAAAAAAAAAAAAAAAAAAAAAAAAAAAAAAACf39/AICAgAPMzMwAwMD/AH9/fwAAAAAAAAAAAAAAAAD///8AAAAAACEAAAAYAAAAFAAAAAwQAABVEAAAXjYAALAlAAAQAAAAJgAAAAgAAAD//////////zAAAAAUAAAAAAAAAAAA//8AAAEAAAD//wAAAQA="/>
+                <pr:smNativeData xmlns:pr="smNativeData" xmlns="smNativeData" val="SMDATA_18_CqSDZxMAAAAlAAAAEQAAAC8BAAAAkAAAAEgAAACQAAAASAAAAAAAAAAAAAAAAAAAAAEAAABQAAAAAAAAAAAA4D8AAAAAAADgPwAAAAAAAOA/AAAAAAAA4D8AAAAAAADgPwAAAAAAAOA/AAAAAAAA4D8AAAAAAADgPwAAAAAAAOA/AAAAAAAA4D8CAAAAjAAAAAAAAAAAAAAAu+DjDP///wgAAAAAAAAAAAAAAAAAAAAAAAAAAAAAAAAAAAAAZAAAAAEAAABAAAAAAAAAAAAAAAAAAAAAAAAAAAAAAAAAAAAAAAAAAAAAAAAAAAAAAAAAAAAAAAAAAAAAAAAAAAAAAAAAAAAAAAAAAAAAAAAAAAAAAAAAAAAAAAAAAAAAFAAAADwAAAAAAAAAAAAAAAAAAAkUAAAAAQAAABQAAAAUAAAAFAAAAAEAAAAAAAAAZAAAAGQAAAAAAAAAZAAAAGQAAAAVAAAAYAAAAAAAAAAAAAAADwAAACADAAAAAAAAAAAAAAEAAACgMgAAVgcAAKr4//8BAAAAf39/AAEAAABkAAAAAAAAABQAAABAHwAAAAAAACYAAAAAAAAAwOD//wAAAAAmAAAAZAAAABYAAABMAAAAAAAAAAAAAAAEAAAAAAAAAAEAAACAgIAKAAAAACgAAAAoAAAAZAAAAGQAAAAAAAAAzMzMAAAAAABQAAAAUAAAAGQAAABkAAAAAAAAAAcAAAA4AAAAAAAAAAAAAAAAAAAA////AAAAAAAAAAAAAAAAAAAAAAAAAAAAAAAAAAAAAABkAAAAZAAAAAAAAAAjAAAABAAAAGQAAAAXAAAAFAAAAAAAAAAAAAAA/38AAP9/AAAAAAAACQAAAAQAAAByb3NvHgAAAGgAAAAAAAAAAAAAAAAAAAAAAAAAAAAAABAnAAAQJwAAAAAAAAAAAAAAAAAAAAAAAAAAAAAAAAAAAAAAAAAAAAAUAAAAAAAAAMDA/wAAAAAAZAAAADIAAAAAAAAAZAAAAAAAAAB/f38ACgAAACIAAAAYAAAAAAAAAAAAAAAAAAAAAAAAAAAAAAAAAAAAJAAAACQAAAAAAAAABwAAAAAAAAAAAAAAAAAAAAAAAAAAAAAAAAAAAH9/fwAlAAAAWAAAAAAAAAAAAAAAAAAAAAAAAAAAAAAAAAAAAAAAAAAAAAAAAAAAAAAAAAAAAAAAPwAAAAAAAACghgEAAAAAAAAAAAAAAAAADAAAAAEAAAAAAAAAAAAAAAAAAAAfAAAAVAAAALvg4wX///8BAAAAAAAAAAAAAAAAAAAAAAAAAAAAAAAAAAAAAAAAAAAAAAACf39/AICAgAPMzMwAwMD/AH9/fwAAAAAAAAAAAAAAAAD///8AAAAAACEAAAAYAAAAFAAAAAwQAABVEAAAXjYAALAlAAAQAAAAJgAAAAgAAAD//////////zAAAAAUAAAAAAAAAAAA//8AAAEAAAD//wAAAQA="/>
               </a:ext>
             </a:extLst>
           </p:cNvPicPr>
@@ -4235,7 +4220,7 @@
             <a:spLocks noGrp="1" noChangeArrowheads="1"/>
             <a:extLst>
               <a:ext uri="smNativeData">
-                <pr:smNativeData xmlns:pr="smNativeData" xmlns="smNativeData" val="SMDATA_16_V9F3ZxMAAAAlAAAAZAAAAA8BAAAAkAAAAEgAAACQAAAASAAAAAAAAAABAAAAAAAAAAEAAABQAAAAAAAAAAAA4D8AAAAAAADgPwAAAAAAAOA/AAAAAAAA4D8AAAAAAADgPwAAAAAAAOA/AAAAAAAA4D8AAAAAAADgPwAAAAAAAOA/AAAAAAAA4D8CAAAAjAAAAAAAAAAAAAAAu+DjDP///wgAAAAAAAAAAAAAAAAAAAAAAAAAAAAAAAAAAAAAZAAAAAEAAABAAAAAAAAAAAAAAAAAAAAAAAAAAAAAAAAAAAAAAAAAAAAAAAAAAAAAAAAAAAAAAAAAAAAAAAAAAAAAAAAAAAAAAAAAAAAAAAAAAAAAAAAAAAAAAAAAAAAAFAAAADwAAAAAAAAAAAAAAAAAAAkUAAAAAQAAABQAAAAUAAAAFAAAAAEAAAAAAAAAZAAAAGQAAAAAAAAAZAAAAGQAAAAVAAAAYAAAAAAAAAAAAAAADwAAACADAAAAAAAAAAAAAAEAAACgMgAAVgcAAKr4//8BAAAAf39/AAEAAABkAAAAAAAAABQAAABAHwAAAAAAACYAAAAAAAAAwOD//wAAAAAmAAAAZAAAABYAAABMAAAAAAAAAAAAAAAEAAAAAAAAAAEAAACAgIAKAAAAACgAAAAoAAAAZAAAAGQAAAAAAAAAzMzMAAAAAABQAAAAUAAAAGQAAABkAAAAAAAAABcAAAAUAAAAAAAAAAAAAAD/fwAA/38AAAAAAAAJAAAABAAAAP///wAeAAAAaAAAAAAAAAAAAAAAAAAAAAAAAAAAAAAAECcAABAnAAAAAAAAAAAAAAAAAAAAAAAAAAAAAAAAAAAAAAAAAAAAABQAAAAAAAAAwMD/AAAAAABkAAAAMgAAAAAAAABkAAAAAAAAAH9/fwAKAAAAIgAAABgAAAAAAAAAAAAAAAAAAAAAAAAAAAAAAAAAAAAkAAAAJAAAAAAAAAAHAAAAAAAAAAAAAAAAAAAAAAAAAAAAAAAAAAAAf39/ACUAAABYAAAAAAAAAAAAAAAAAAAAAAAAAAAAAAAAAAAAAAAAAAAAAAAAAAAAAAAAAAAAAAA/AAAAAAAAAKCGAQAAAAAAAAAAAAAAAAAMAAAAAQAAAAAAAAAAAAAAAAAAAB8AAABUAAAAAAAABQAAAAEAAAAAAAAAAAAAAAAAAAAAAAAAAAAAAAAAAAAAAAAAAAAAAAJ/f38AAAAAA8zMzADAwP8Af39/AAAAAAAAAAAAAAAAAAAAAAAAAAAAIQAAABgAAAAUAAAAwAMAALABAABARwAAuAgAABAAAAAmAAAACAAAAAAAAAAAAAAAMAAAABQAAAAAAAAAAAD//wAAAQAAAP//AAABAA=="/>
+                <pr:smNativeData xmlns:pr="smNativeData" xmlns="smNativeData" val="SMDATA_16_CqSDZxMAAAAlAAAAZAAAAA8BAAAAkAAAAEgAAACQAAAASAAAAAAAAAABAAAAAAAAAAEAAABQAAAAAAAAAAAA4D8AAAAAAADgPwAAAAAAAOA/AAAAAAAA4D8AAAAAAADgPwAAAAAAAOA/AAAAAAAA4D8AAAAAAADgPwAAAAAAAOA/AAAAAAAA4D8CAAAAjAAAAAAAAAAAAAAAu+DjDP///wgAAAAAAAAAAAAAAAAAAAAAAAAAAAAAAAAAAAAAZAAAAAEAAABAAAAAAAAAAAAAAAAAAAAAAAAAAAAAAAAAAAAAAAAAAAAAAAAAAAAAAAAAAAAAAAAAAAAAAAAAAAAAAAAAAAAAAAAAAAAAAAAAAAAAAAAAAAAAAAAAAAAAFAAAADwAAAAAAAAAAAAAAAAAAAkUAAAAAQAAABQAAAAUAAAAFAAAAAEAAAAAAAAAZAAAAGQAAAAAAAAAZAAAAGQAAAAVAAAAYAAAAAAAAAAAAAAADwAAACADAAAAAAAAAAAAAAEAAACgMgAAVgcAAKr4//8BAAAAf39/AAEAAABkAAAAAAAAABQAAABAHwAAAAAAACYAAAAAAAAAwOD//wAAAAAmAAAAZAAAABYAAABMAAAAAAAAAAAAAAAEAAAAAAAAAAEAAACAgIAKAAAAACgAAAAoAAAAZAAAAGQAAAAAAAAAzMzMAAAAAABQAAAAUAAAAGQAAABkAAAAAAAAABcAAAAUAAAAAAAAAAAAAAD/fwAA/38AAAAAAAAJAAAABAAAAP///wAeAAAAaAAAAAAAAAAAAAAAAAAAAAAAAAAAAAAAECcAABAnAAAAAAAAAAAAAAAAAAAAAAAAAAAAAAAAAAAAAAAAAAAAABQAAAAAAAAAwMD/AAAAAABkAAAAMgAAAAAAAABkAAAAAAAAAH9/fwAKAAAAIgAAABgAAAAAAAAAAAAAAAAAAAAAAAAAAAAAAAAAAAAkAAAAJAAAAAAAAAAHAAAAAAAAAAAAAAAAAAAAAAAAAAAAAAAAAAAAf39/ACUAAABYAAAAAAAAAAAAAAAAAAAAAAAAAAAAAAAAAAAAAAAAAAAAAAAAAAAAAAAAAAAAAAA/AAAAAAAAAKCGAQAAAAAAAAAAAAAAAAAMAAAAAQAAAAAAAAAAAAAAAAAAAB8AAABUAAAAAAAABQAAAAEAAAAAAAAAAAAAAAAAAAAAAAAAAAAAAAAAAAAAAAAAAAAAAAJ/f38AAAAAA8zMzADAwP8Af39/AAAAAAAAAAAAAAAAAAAAAAAAAAAAIQAAABgAAAAUAAAAwAMAALABAABARwAAuAgAABAAAAAmAAAACAAAAAAAAAAAAAAAMAAAABQAAAAAAAAAAAD//wAAAQAAAP//AAABAA=="/>
               </a:ext>
             </a:extLst>
           </p:cNvSpPr>
@@ -4262,7 +4247,7 @@
             <a:spLocks noGrp="1" noChangeArrowheads="1"/>
             <a:extLst>
               <a:ext uri="smNativeData">
-                <pr:smNativeData xmlns:pr="smNativeData" xmlns="smNativeData" val="SMDATA_16_V9F3ZxMAAAAlAAAAZAAAAA8BAAAAkAAAAEgAAACQAAAASAAAAAAAAAAAAAAAAAAAAAEAAABQAAAAAAAAAAAA4D8AAAAAAADgPwAAAAAAAOA/AAAAAAAA4D8AAAAAAADgPwAAAAAAAOA/AAAAAAAA4D8AAAAAAADgPwAAAAAAAOA/AAAAAAAA4D8CAAAAjAAAAAAAAAAAAAAAu+DjDP///wgAAAAAAAAAAAAAAAAAAAAAAAAAAAAAAAAAAAAAZAAAAAEAAABAAAAAAAAAAAAAAAAAAAAAAAAAAAAAAAAAAAAAAAAAAAAAAAAAAAAAAAAAAAAAAAAAAAAAAAAAAAAAAAAAAAAAAAAAAAAAAAAAAAAAAAAAAAAAAAAAAAAAFAAAADwAAAAAAAAAAAAAAAAAAAkUAAAAAQAAABQAAAAUAAAAFAAAAAEAAAAAAAAAZAAAAGQAAAAAAAAAZAAAAGQAAAAVAAAAYAAAAAAAAAAAAAAADwAAACADAAAAAAAAAAAAAAEAAACgMgAAVgcAAKr4//8BAAAAf39/AAEAAABkAAAAAAAAABQAAABAHwAAAAAAACYAAAAAAAAAwOD//wAAAAAmAAAAZAAAABYAAABMAAAAAAAAAAAAAAAEAAAAAAAAAAEAAACAgIAKAAAAACgAAAAoAAAAZAAAAGQAAAAAAAAAzMzMAAAAAABQAAAAUAAAAGQAAABkAAAAAAAAABcAAAAUAAAAAAAAAAAAAAD/fwAA/38AAAAAAAAJAAAABAAAAPr6+v8eAAAAaAAAAAAAAAAAAAAAAAAAAAAAAAAAAAAAECcAABAnAAAAAAAAAAAAAAAAAAAAAAAAAAAAAAAAAAAAAAAAAAAAABQAAAAAAAAAwMD/AAAAAABkAAAAMgAAAAAAAABkAAAAAAAAAH9/fwAKAAAAIgAAABgAAAAAAAAAAAAAAAAAAAAAAAAAAAAAAAAAAAAkAAAAJAAAAAAAAAAHAAAAAAAAAAAAAAAAAAAAAAAAAAAAAAAAAAAAf39/ACUAAABYAAAAAAAAAAAAAAAAAAAAAAAAAAAAAAAAAAAAAAAAAAAAAAAAAAAAAAAAAAAAAAA/AAAAAAAAAKCGAQAAAAAAAAAAAAAAAAAMAAAAAQAAAAAAAAAAAAAAAAAAAB8AAABUAAAAAAAABQAAAAEAAAAAAAAAAAAAAAAAAAAAAAAAAAAAAAAAAAAAAAAAAAAAAAJ/f38AAAAAA8zMzADAwP8Af39/AAAAAAAAAAAAAAAAAAAAAAAAAAAAIQAAABgAAAAUAAAAwAMAANgJAABARwAAsCUAABAAAAAmAAAACAAAAAAAAAAAAAAAMAAAABQAAAAAAAAAAAD//wAAAQAAAP//AAABAA=="/>
+                <pr:smNativeData xmlns:pr="smNativeData" xmlns="smNativeData" val="SMDATA_16_CqSDZxMAAAAlAAAAZAAAAA8BAAAAkAAAAEgAAACQAAAASAAAAAAAAAAAAAAAAAAAAAEAAABQAAAAAAAAAAAA4D8AAAAAAADgPwAAAAAAAOA/AAAAAAAA4D8AAAAAAADgPwAAAAAAAOA/AAAAAAAA4D8AAAAAAADgPwAAAAAAAOA/AAAAAAAA4D8CAAAAjAAAAAAAAAAAAAAAu+DjDP///wgAAAAAAAAAAAAAAAAAAAAAAAAAAAAAAAAAAAAAZAAAAAEAAABAAAAAAAAAAAAAAAAAAAAAAAAAAAAAAAAAAAAAAAAAAAAAAAAAAAAAAAAAAAAAAAAAAAAAAAAAAAAAAAAAAAAAAAAAAAAAAAAAAAAAAAAAAAAAAAAAAAAAFAAAADwAAAAAAAAAAAAAAAAAAAkUAAAAAQAAABQAAAAUAAAAFAAAAAEAAAAAAAAAZAAAAGQAAAAAAAAAZAAAAGQAAAAVAAAAYAAAAAAAAAAAAAAADwAAACADAAAAAAAAAAAAAAEAAACgMgAAVgcAAKr4//8BAAAAf39/AAEAAABkAAAAAAAAABQAAABAHwAAAAAAACYAAAAAAAAAwOD//wAAAAAmAAAAZAAAABYAAABMAAAAAAAAAAAAAAAEAAAAAAAAAAEAAACAgIAKAAAAACgAAAAoAAAAZAAAAGQAAAAAAAAAzMzMAAAAAABQAAAAUAAAAGQAAABkAAAAAAAAABcAAAAUAAAAAAAAAAAAAAD/fwAA/38AAAAAAAAJAAAABAAAAPr6+v8eAAAAaAAAAAAAAAAAAAAAAAAAAAAAAAAAAAAAECcAABAnAAAAAAAAAAAAAAAAAAAAAAAAAAAAAAAAAAAAAAAAAAAAABQAAAAAAAAAwMD/AAAAAABkAAAAMgAAAAAAAABkAAAAAAAAAH9/fwAKAAAAIgAAABgAAAAAAAAAAAAAAAAAAAAAAAAAAAAAAAAAAAAkAAAAJAAAAAAAAAAHAAAAAAAAAAAAAAAAAAAAAAAAAAAAAAAAAAAAf39/ACUAAABYAAAAAAAAAAAAAAAAAAAAAAAAAAAAAAAAAAAAAAAAAAAAAAAAAAAAAAAAAAAAAAA/AAAAAAAAAKCGAQAAAAAAAAAAAAAAAAAMAAAAAQAAAAAAAAAAAAAAAAAAAB8AAABUAAAAAAAABQAAAAEAAAAAAAAAAAAAAAAAAAAAAAAAAAAAAAAAAAAAAAAAAAAAAAJ/f38AAAAAA8zMzADAwP8Af39/AAAAAAAAAAAAAAAAAAAAAAAAAAAAIQAAABgAAAAUAAAAwAMAANgJAABARwAAsCUAAAAAAAAmAAAACAAAAAEAAAAAAAAAMAAAABQAAAAAAAAAAAD//wAAAQAAAP//AAABAA=="/>
               </a:ext>
             </a:extLst>
           </p:cNvSpPr>
@@ -4270,20 +4255,65 @@
             <p:ph type="body" idx="1"/>
           </p:nvPr>
         </p:nvSpPr>
-        <p:spPr/>
-        <p:txBody>
-          <a:bodyPr/>
-          <a:lstStyle/>
-          <a:p>
-            <a:pPr/>
+        <p:spPr>
+          <a:xfrm>
+            <a:off x="609600" y="1600200"/>
+            <a:ext cx="10972800" cy="4526280"/>
+          </a:xfrm>
+        </p:spPr>
+        <p:txBody>
+          <a:bodyPr/>
+          <a:lstStyle/>
+          <a:p>
+            <a:pPr>
+              <a:defRPr sz="2600" cap="none"/>
+            </a:pPr>
             <a:r>
               <a:t>Пользователь может применять микросервис отдельно или интегрировать в развитую программную систему.</a:t>
             </a:r>
           </a:p>
           <a:p>
-            <a:pPr/>
-            <a:r>
-              <a:t>Пользователь получает возможность отбирать акции по уникальной кастомной категории с целью инвестиций по выбранной стратегии.</a:t>
+            <a:pPr>
+              <a:defRPr sz="2600" cap="none"/>
+            </a:pPr>
+            <a:r>
+              <a:t>Пользователь получает возможность отбирать акции по уникальной кастомной категории с целью инвестиций по выбранной стратегии. Также, ML модель позволяет:</a:t>
+            </a:r>
+          </a:p>
+          <a:p>
+            <a:pPr marL="742950" indent="-285750">
+              <a:buChar char="–"/>
+              <a:defRPr sz="1600" cap="none"/>
+            </a:pPr>
+            <a:r>
+              <a:t>расширить число акций в активе, потому что модель фильтрует акции беспристрастно и внимательно с высоким покрытием, исключается человеческий фактор;</a:t>
+            </a:r>
+          </a:p>
+          <a:p>
+            <a:pPr marL="742950" indent="-285750">
+              <a:buChar char="–"/>
+              <a:defRPr sz="1600" cap="none"/>
+            </a:pPr>
+            <a:r>
+              <a:t>пользователь автоматически получит информацию о новых появляющихся на бирже компаниях, которые будут захвачены классификатором;</a:t>
+            </a:r>
+          </a:p>
+          <a:p>
+            <a:pPr marL="742950" indent="-285750">
+              <a:buChar char="–"/>
+              <a:defRPr sz="1600" cap="none"/>
+            </a:pPr>
+            <a:r>
+              <a:t>исследовать рынок по выбранному категориальному критерию, потому что модель может «заметить» акции, на которые не обратил внимание человек (например, в случаях, когда неочевидно, что акция на самом деле подходит под критерии, а модель такие случаи может обнаружить) и привести к некоторым «открытиям»;</a:t>
+            </a:r>
+          </a:p>
+          <a:p>
+            <a:pPr marL="742950" indent="-285750">
+              <a:buChar char="–"/>
+              <a:defRPr sz="1600" cap="none"/>
+            </a:pPr>
+            <a:r>
+              <a:t>также, модель экономит время при многократном/периодическом использовании inference, потому что человеку пришлось бы неоднократно просматривать и анализировать информацию по всем акциям, на такую работу ушло бы больше времени. </a:t>
             </a:r>
           </a:p>
         </p:txBody>
@@ -5210,6 +5240,47 @@
       </a:clrScheme>
       <a:clrMap bg1="lt1" tx1="dk1" bg2="lt2" tx2="dk2" accent1="accent1" accent2="accent2" accent3="accent3" accent4="accent4" accent5="accent5" accent6="accent6" hlink="hlink" folHlink="folHlink"/>
     </a:extraClrScheme>
+    <a:extraClrScheme>
+      <a:clrScheme name="Presentation 17">
+        <a:dk1>
+          <a:srgbClr val="000000"/>
+        </a:dk1>
+        <a:lt1>
+          <a:srgbClr val="FFFFFF"/>
+        </a:lt1>
+        <a:dk2>
+          <a:srgbClr val="000000"/>
+        </a:dk2>
+        <a:lt2>
+          <a:srgbClr val="808080"/>
+        </a:lt2>
+        <a:accent1>
+          <a:srgbClr val="BBE0E3"/>
+        </a:accent1>
+        <a:accent2>
+          <a:srgbClr val="333399"/>
+        </a:accent2>
+        <a:accent3>
+          <a:srgbClr val="535379"/>
+        </a:accent3>
+        <a:accent4>
+          <a:srgbClr val="737359"/>
+        </a:accent4>
+        <a:accent5>
+          <a:srgbClr val="939339"/>
+        </a:accent5>
+        <a:accent6>
+          <a:srgbClr val="B3B319"/>
+        </a:accent6>
+        <a:hlink>
+          <a:srgbClr val="009999"/>
+        </a:hlink>
+        <a:folHlink>
+          <a:srgbClr val="99CC00"/>
+        </a:folHlink>
+      </a:clrScheme>
+      <a:clrMap bg1="lt1" tx1="dk1" bg2="lt2" tx2="dk2" accent1="accent1" accent2="accent2" accent3="accent3" accent4="accent4" accent5="accent5" accent6="accent6" hlink="hlink" folHlink="folHlink"/>
+    </a:extraClrScheme>
   </a:extraClrSchemeLst>
 </a:theme>
 </file>
--- a/Diploma/Кастомная категория акций.pptx
+++ b/Diploma/Кастомная категория акций.pptx
@@ -9,8 +9,9 @@
     <p:sldId id="257" r:id="rId7"/>
     <p:sldId id="260" r:id="rId8"/>
     <p:sldId id="258" r:id="rId9"/>
-    <p:sldId id="259" r:id="rId10"/>
-    <p:sldId id="261" r:id="rId11"/>
+    <p:sldId id="262" r:id="rId10"/>
+    <p:sldId id="259" r:id="rId11"/>
+    <p:sldId id="261" r:id="rId12"/>
   </p:sldIdLst>
   <p:sldSz cx="12192000" cy="6858000"/>
   <p:notesSz cx="6858000" cy="12192000"/>
@@ -241,7 +242,7 @@
             <a:spLocks noGrp="1" noChangeArrowheads="1"/>
             <a:extLst>
               <a:ext uri="smNativeData">
-                <pr:smNativeData xmlns:pr="smNativeData" xmlns="smNativeData" val="SMDATA_16_CqSDZxMAAAAlAAAAZAAAAA8BAAAAkAAAAEgAAACQAAAASAAAAAAAAAABAAAAAAAAAAEAAABQAAAAAAAAAAAA4D8AAAAAAADgPwAAAAAAAOA/AAAAAAAA4D8AAAAAAADgPwAAAAAAAOA/AAAAAAAA4D8AAAAAAADgPwAAAAAAAOA/AAAAAAAA4D8CAAAAjAAAAAAAAAAAAAAAu+DjDP///wgAAAAAAAAAAAAAAAAAAAAAAAAAAAAAAAAAAAAAZAAAAAEAAABAAAAAAAAAAAAAAAAAAAAAAAAAAAAAAAAAAAAAAAAAAAAAAAAAAAAAAAAAAAAAAAAAAAAAAAAAAAAAAAAAAAAAAAAAAAAAAAAAAAAAAAAAAAAAAAAAAAAAFAAAADwAAAAAAAAAAAAAAAAAAAkUAAAAAQAAABQAAAAUAAAAFAAAAAEAAAAAAAAAZAAAAGQAAAAAAAAAZAAAAGQAAAAVAAAAYAAAAAAAAAAAAAAADwAAACADAAAAAAAAAAAAAAEAAACgMgAAVgcAAKr4//8BAAAAf39/AAEAAABkAAAAAAAAABQAAABAHwAAAAAAACYAAAAAAAAAwOD//wAAAAAmAAAAZAAAABYAAABMAAAAAAAAAAAAAAAEAAAAAAAAAAEAAACAgIAKAAAAACgAAAAoAAAAZAAAAGQAAAAAAAAAzMzMAAAAAABQAAAAUAAAAGQAAABkAAAAAAAAABcAAAAUAAAAAAAAAAAAAAD/fwAA/38AAAAAAAAJAAAABAAAAAAAAAAeAAAAaAAAAAAAAAAAAAAAAAAAAAAAAAAAAAAAECcAABAnAAAAAAAAAAAAAAAAAAAAAAAAAAAAAAAAAAAAAAAAAAAAABQAAAAAAAAAwMD/AAAAAABkAAAAMgAAAAAAAABkAAAAAAAAAH9/fwAKAAAAIgAAABgAAAAAAAAAAAAAAAAAAAAAAAAAAAAAAAAAAAAkAAAAJAAAAAAAAAAHAAAAAAAAAAAAAAAAAAAAAAAAAAAAAAAAAAAAf39/ACUAAABYAAAAAAAAAAAAAAAAAAAAAAAAAAAAAAAAAAAAAAAAAAAAAAAAAAAAAAAAAAAAAAA/AAAAAAAAAKCGAQAAAAAAAAAAAAAAAAAMAAAAAQAAAAAAAAAAAAAAAAAAAB8AAABUAAAAAAAABQAAAAEAAAAAAAAAAAAAAAAAAAAAAAAAAAAAAAAAAAAAAAAAAAAAAAJ/f38AAAAAA8zMzADAwP8Af39/AAAAAAAAAAAAAAAAAAAAAAAAAAAAIQAAABgAAAAUAAAAoAUAABoNAABgRQAAJhYAABAAAAAmAAAACAAAAAEAAAAAAAAAMAAAABQAAAAAAAAAAAD//wAAAQAAAP//AAABAA=="/>
+                <pr:smNativeData xmlns:pr="smNativeData" xmlns="smNativeData" val="SMDATA_16_ZvmgZxMAAAAlAAAAZAAAAA8BAAAAkAAAAEgAAACQAAAASAAAAAAAAAABAAAAAAAAAAEAAABQAAAAAAAAAAAA4D8AAAAAAADgPwAAAAAAAOA/AAAAAAAA4D8AAAAAAADgPwAAAAAAAOA/AAAAAAAA4D8AAAAAAADgPwAAAAAAAOA/AAAAAAAA4D8CAAAAjAAAAAAAAAAAAAAAu+DjDP///wgAAAAAAAAAAAAAAAAAAAAAAAAAAAAAAAAAAAAAZAAAAAEAAABAAAAAAAAAAAAAAAAAAAAAAAAAAAAAAAAAAAAAAAAAAAAAAAAAAAAAAAAAAAAAAAAAAAAAAAAAAAAAAAAAAAAAAAAAAAAAAAAAAAAAAAAAAAAAAAAAAAAAFAAAADwAAAAAAAAAAAAAAAAAAAkUAAAAAQAAABQAAAAUAAAAFAAAAAEAAAAAAAAAZAAAAGQAAAAAAAAAZAAAAGQAAAAVAAAAYAAAAAAAAAAAAAAADwAAACADAAAAAAAAAAAAAAEAAACgMgAAVgcAAKr4//8BAAAAf39/AAEAAABkAAAAAAAAABQAAABAHwAAAAAAACYAAAAAAAAAwOD//wAAAAAmAAAAZAAAABYAAABMAAAAAAAAAAAAAAAEAAAAAAAAAAEAAACAgIAKAAAAACgAAAAoAAAAZAAAAGQAAAAAAAAAzMzMAAAAAABQAAAAUAAAAGQAAABkAAAAAAAAABcAAAAUAAAAAAAAAAAAAAD/fwAA/38AAAAAAAAJAAAABAAAAAAAAAAeAAAAaAAAAAAAAAAAAAAAAAAAAAAAAAAAAAAAECcAABAnAAAAAAAAAAAAAAAAAAAAAAAAAAAAAAAAAAAAAAAAAAAAABQAAAAAAAAAwMD/AAAAAABkAAAAMgAAAAAAAABkAAAAAAAAAH9/fwAKAAAAIgAAABgAAAAAAAAAAAAAAAAAAAAAAAAAAAAAAAAAAAAkAAAAJAAAAAAAAAAHAAAAAAAAAAAAAAAAAAAAAAAAAAAAAAAAAAAAf39/ACUAAABYAAAAAAAAAAAAAAAAAAAAAAAAAAAAAAAAAAAAAAAAAAAAAAAAAAAAAAAAAAAAAAA/AAAAAAAAAKCGAQAAAAAAAAAAAAAAAAAMAAAAAQAAAAAAAAAAAAAAAAAAAB8AAABUAAAAAAAABQAAAAEAAAAAAAAAAAAAAAAAAAAAAAAAAAAAAAAAAAAAAAAAAAAAAAJ/f38AAAAAA8zMzADAwP8Af39/AAAAAAAAAAAAAAAAAAAAAAAAAAAAIQAAABgAAAAUAAAAoAUAABoNAABgRQAAJhYAABAAAAAmAAAACAAAAAEAAAAAAAAAMAAAABQAAAAAAAAAAAD//wAAAQAAAP//AAABAA=="/>
               </a:ext>
             </a:extLst>
           </p:cNvSpPr>
@@ -273,7 +274,7 @@
             <a:spLocks noGrp="1" noChangeArrowheads="1"/>
             <a:extLst>
               <a:ext uri="smNativeData">
-                <pr:smNativeData xmlns:pr="smNativeData" xmlns="smNativeData" val="SMDATA_16_CqSDZxMAAAAlAAAAZAAAAA8BAAAAkAAAAEgAAACQAAAASAAAAAAAAAAAAAAAAAAAAAEAAABQAAAAAAAAAAAA4D8AAAAAAADgPwAAAAAAAOA/AAAAAAAA4D8AAAAAAADgPwAAAAAAAOA/AAAAAAAA4D8AAAAAAADgPwAAAAAAAOA/AAAAAAAA4D8CAAAAjAAAAAAAAAAAAAAAu+DjDP///wgAAAAAAAAAAAAAAAAAAAAAAAAAAAAAAAAAAAAAZAAAAAEAAABAAAAAAAAAAAAAAAAAAAAAAAAAAAAAAAAAAAAAAAAAAAAAAAAAAAAAAAAAAAAAAAAAAAAAAAAAAAAAAAAAAAAAAAAAAAAAAAAAAAAAAAAAAAAAAAAAAAAAFAAAADwAAAAAAAAAAAAAAAAAAAkUAAAAAQAAABQAAAAUAAAAFAAAAAEAAAAAAAAAZAAAAGQAAAAAAAAAZAAAAGQAAAAVAAAAYAAAAAAAAAAAAAAADwAAACADAAAAAAAAAAAAAAEAAACgMgAAVgcAAKr4//8BAAAAf39/AAEAAABkAAAAAAAAABQAAABAHwAAAAAAACYAAAAAAAAAwOD//wAAAAAmAAAAZAAAABYAAABMAAAAAAAAAAAAAAAEAAAAAAAAAAEAAACAgIAKAAAAACgAAAAoAAAAZAAAAGQAAAAAAAAAzMzMAAAAAABQAAAAUAAAAGQAAABkAAAAAAAAABcAAAAUAAAAAAAAAAAAAAD/fwAA/38AAAAAAAAJAAAABAAAAAAAAAAeAAAAaAAAAAAAAAAAAAAAAAAAAAAAAAAAAAAAECcAABAnAAAAAAAAAAAAAAAAAAAAAAAAAAAAAAAAAAAAAAAAAAAAABQAAAAAAAAAwMD/AAAAAABkAAAAMgAAAAAAAABkAAAAAAAAAH9/fwAKAAAAIgAAABgAAAAAAAAAAAAAAAAAAAAAAAAAAAAAAAAAAAAkAAAAJAAAAAAAAAAHAAAAAAAAAAAAAAAAAAAAAAAAAAAAAAAAAAAAf39/ACUAAABYAAAAAAAAAAAAAAAAAAAAAAAAAAAAAAAAAAAAAAAAAAAAAAAAAAAAAAAAAAAAAAA/AAAAAAAAAKCGAQAAAAAAAAAAAAAAAAAMAAAAAQAAAAAAAAAAAAAAAAAAAB8AAABUAAAAAAAABQAAAAEAAAAAAAAAAAAAAAAAAAAAAAAAAAAAAAAAAAAAAAAAAAAAAAJ/f38AAAAAA8zMzADAwP8Af39/AAAAAAAAAAAAAAAAAAAAAAAAAAAAIQAAABgAAAAUAAAAQAsAAOgXAADAPwAAsCIAABAAAAAmAAAACAAAAAGAAAAAAAAAMAAAABQAAAAAAAAAAAD//wAAAQAAAP//AAABAA=="/>
+                <pr:smNativeData xmlns:pr="smNativeData" xmlns="smNativeData" val="SMDATA_16_ZvmgZxMAAAAlAAAAZAAAAA8BAAAAkAAAAEgAAACQAAAASAAAAAAAAAAAAAAAAAAAAAEAAABQAAAAAAAAAAAA4D8AAAAAAADgPwAAAAAAAOA/AAAAAAAA4D8AAAAAAADgPwAAAAAAAOA/AAAAAAAA4D8AAAAAAADgPwAAAAAAAOA/AAAAAAAA4D8CAAAAjAAAAAAAAAAAAAAAu+DjDP///wgAAAAAAAAAAAAAAAAAAAAAAAAAAAAAAAAAAAAAZAAAAAEAAABAAAAAAAAAAAAAAAAAAAAAAAAAAAAAAAAAAAAAAAAAAAAAAAAAAAAAAAAAAAAAAAAAAAAAAAAAAAAAAAAAAAAAAAAAAAAAAAAAAAAAAAAAAAAAAAAAAAAAFAAAADwAAAAAAAAAAAAAAAAAAAkUAAAAAQAAABQAAAAUAAAAFAAAAAEAAAAAAAAAZAAAAGQAAAAAAAAAZAAAAGQAAAAVAAAAYAAAAAAAAAAAAAAADwAAACADAAAAAAAAAAAAAAEAAACgMgAAVgcAAKr4//8BAAAAf39/AAEAAABkAAAAAAAAABQAAABAHwAAAAAAACYAAAAAAAAAwOD//wAAAAAmAAAAZAAAABYAAABMAAAAAAAAAAAAAAAEAAAAAAAAAAEAAACAgIAKAAAAACgAAAAoAAAAZAAAAGQAAAAAAAAAzMzMAAAAAABQAAAAUAAAAGQAAABkAAAAAAAAABcAAAAUAAAAAAAAAAAAAAD/fwAA/38AAAAAAAAJAAAABAAAAAAAAAAeAAAAaAAAAAAAAAAAAAAAAAAAAAAAAAAAAAAAECcAABAnAAAAAAAAAAAAAAAAAAAAAAAAAAAAAAAAAAAAAAAAAAAAABQAAAAAAAAAwMD/AAAAAABkAAAAMgAAAAAAAABkAAAAAAAAAH9/fwAKAAAAIgAAABgAAAAAAAAAAAAAAAAAAAAAAAAAAAAAAAAAAAAkAAAAJAAAAAAAAAAHAAAAAAAAAAAAAAAAAAAAAAAAAAAAAAAAAAAAf39/ACUAAABYAAAAAAAAAAAAAAAAAAAAAAAAAAAAAAAAAAAAAAAAAAAAAAAAAAAAAAAAAAAAAAA/AAAAAAAAAKCGAQAAAAAAAAAAAAAAAAAMAAAAAQAAAAAAAAAAAAAAAAAAAB8AAABUAAAAAAAABQAAAAEAAAAAAAAAAAAAAAAAAAAAAAAAAAAAAAAAAAAAAAAAAAAAAAJ/f38AAAAAA8zMzADAwP8Af39/AAAAAAAAAAAAAAAAAAAAAAAAAAAAIQAAABgAAAAUAAAAQAsAAOgXAADAPwAAsCIAABAAAAAmAAAACAAAAAGAAAAAAAAAMAAAABQAAAAAAAAAAAD//wAAAQAAAP//AAABAA=="/>
               </a:ext>
             </a:extLst>
           </p:cNvSpPr>
@@ -333,7 +334,7 @@
             <a:spLocks noGrp="1" noChangeArrowheads="1"/>
             <a:extLst>
               <a:ext uri="smNativeData">
-                <pr:smNativeData xmlns:pr="smNativeData" xmlns="smNativeData" val="SMDATA_16_CqSDZxMAAAAlAAAAZAAAAA8BAAAAkAAAAEgAAACQAAAASAAAAAAAAAABAAAAAAAAAAEAAABQAAAAAAAAAAAA4D8AAAAAAADgPwAAAAAAAOA/AAAAAAAA4D8AAAAAAADgPwAAAAAAAOA/AAAAAAAA4D8AAAAAAADgPwAAAAAAAOA/AAAAAAAA4D8CAAAAjAAAAAAAAAAAAAAAu+DjDP///wgAAAAAAAAAAAAAAAAAAAAAAAAAAAAAAAAAAAAAZAAAAAEAAABAAAAAAAAAAAAAAAAAAAAAAAAAAAAAAAAAAAAAAAAAAAAAAAAAAAAAAAAAAAAAAAAAAAAAAAAAAAAAAAAAAAAAAAAAAAAAAAAAAAAAAAAAAAAAAAAAAAAAFAAAADwAAAAAAAAAAAAAAAAAAAkUAAAAAQAAABQAAAAUAAAAFAAAAAEAAAAAAAAAZAAAAGQAAAAAAAAAZAAAAGQAAAAVAAAAYAAAAAAAAAAAAAAADwAAACADAAAAAAAAAAAAAAEAAACgMgAAVgcAAKr4//8BAAAAf39/AAEAAABkAAAAAAAAABQAAABAHwAAAAAAACYAAAAAAAAAwOD//wAAAAAmAAAAZAAAABYAAABMAAAAAAAAAAAAAAAEAAAAAAAAAAEAAACAgIAKAAAAACgAAAAoAAAAZAAAAGQAAAAAAAAAzMzMAAAAAABQAAAAUAAAAGQAAABkAAAAAAAAABcAAAAUAAAAAAAAAAAAAAD/fwAA/38AAAAAAAAJAAAABAAAAAAAAAAeAAAAaAAAAAAAAAAAAAAAAAAAAAAAAAAAAAAAECcAABAnAAAAAAAAAAAAAAAAAAAAAAAAAAAAAAAAAAAAAAAAAAAAABQAAAAAAAAAwMD/AAAAAABkAAAAMgAAAAAAAABkAAAAAAAAAH9/fwAKAAAAIgAAABgAAAAAAAAAAAAAAAAAAAAAAAAAAAAAAAAAAAAkAAAAJAAAAAAAAAAHAAAAAAAAAAAAAAAAAAAAAAAAAAAAAAAAAAAAf39/ACUAAABYAAAAAAAAAAAAAAAAAAAAAAAAAAAAAAAAAAAAAAAAAAAAAAAAAAAAAAAAAAAAAAA/AAAAAAAAAKCGAQAAAAAAAAAAAAAAAAAMAAAAAQAAAAAAAAAAAAAAAAAAAB8AAABUAAAAAAAABQAAAAEAAAAAAAAAAAAAAAAAAAAAAAAAAAAAAAAAAAAAAAAAAAAAAAJ/f38AAAAAA8zMzADAwP8Af39/AAAAAAAAAAAAAAAAAAAAAAAAAAAAIQAAABgAAAAUAAAAwAMAABsnAAA/FQAAWSkAABAAAAAmAAAACAAAAAAAAAAAAAAAMAAAABQAAAAAAAAAAAD//wAAAQAAAP//AAABAA=="/>
+                <pr:smNativeData xmlns:pr="smNativeData" xmlns="smNativeData" val="SMDATA_16_ZvmgZxMAAAAlAAAAZAAAAA8BAAAAkAAAAEgAAACQAAAASAAAAAAAAAABAAAAAAAAAAEAAABQAAAAAAAAAAAA4D8AAAAAAADgPwAAAAAAAOA/AAAAAAAA4D8AAAAAAADgPwAAAAAAAOA/AAAAAAAA4D8AAAAAAADgPwAAAAAAAOA/AAAAAAAA4D8CAAAAjAAAAAAAAAAAAAAAu+DjDP///wgAAAAAAAAAAAAAAAAAAAAAAAAAAAAAAAAAAAAAZAAAAAEAAABAAAAAAAAAAAAAAAAAAAAAAAAAAAAAAAAAAAAAAAAAAAAAAAAAAAAAAAAAAAAAAAAAAAAAAAAAAAAAAAAAAAAAAAAAAAAAAAAAAAAAAAAAAAAAAAAAAAAAFAAAADwAAAAAAAAAAAAAAAAAAAkUAAAAAQAAABQAAAAUAAAAFAAAAAEAAAAAAAAAZAAAAGQAAAAAAAAAZAAAAGQAAAAVAAAAYAAAAAAAAAAAAAAADwAAACADAAAAAAAAAAAAAAEAAACgMgAAVgcAAKr4//8BAAAAf39/AAEAAABkAAAAAAAAABQAAABAHwAAAAAAACYAAAAAAAAAwOD//wAAAAAmAAAAZAAAABYAAABMAAAAAAAAAAAAAAAEAAAAAAAAAAEAAACAgIAKAAAAACgAAAAoAAAAZAAAAGQAAAAAAAAAzMzMAAAAAABQAAAAUAAAAGQAAABkAAAAAAAAABcAAAAUAAAAAAAAAAAAAAD/fwAA/38AAAAAAAAJAAAABAAAAAAAAAAeAAAAaAAAAAAAAAAAAAAAAAAAAAAAAAAAAAAAECcAABAnAAAAAAAAAAAAAAAAAAAAAAAAAAAAAAAAAAAAAAAAAAAAABQAAAAAAAAAwMD/AAAAAABkAAAAMgAAAAAAAABkAAAAAAAAAH9/fwAKAAAAIgAAABgAAAAAAAAAAAAAAAAAAAAAAAAAAAAAAAAAAAAkAAAAJAAAAAAAAAAHAAAAAAAAAAAAAAAAAAAAAAAAAAAAAAAAAAAAf39/ACUAAABYAAAAAAAAAAAAAAAAAAAAAAAAAAAAAAAAAAAAAAAAAAAAAAAAAAAAAAAAAAAAAAA/AAAAAAAAAKCGAQAAAAAAAAAAAAAAAAAMAAAAAQAAAAAAAAAAAAAAAAAAAB8AAABUAAAAAAAABQAAAAEAAAAAAAAAAAAAAAAAAAAAAAAAAAAAAAAAAAAAAAAAAAAAAAJ/f38AAAAAA8zMzADAwP8Af39/AAAAAAAAAAAAAAAAAAAAAAAAAAAAIQAAABgAAAAUAAAAwAMAABsnAAA/FQAAWSkAABAAAAAmAAAACAAAAAAAAAAAAAAAMAAAABQAAAAAAAAAAAD//wAAAQAAAP//AAABAA=="/>
               </a:ext>
             </a:extLst>
           </p:cNvSpPr>
@@ -347,7 +348,7 @@
           <a:lstStyle/>
           <a:p>
             <a:pPr/>
-            <a:fld id="{3F53BE3A-74D2-0648-9CEB-821DF0A56AD7}" type="datetime1">
+            <a:fld id="{3DEF0377-39D0-BAF5-9E57-CFA04D19689A}" type="datetime1">
               <a:t/>
             </a:fld>
           </a:p>
@@ -360,7 +361,7 @@
             <a:spLocks noGrp="1" noChangeArrowheads="1"/>
             <a:extLst>
               <a:ext uri="smNativeData">
-                <pr:smNativeData xmlns:pr="smNativeData" xmlns="smNativeData" val="SMDATA_16_CqSDZxMAAAAlAAAAZAAAAA8BAAAAkAAAAEgAAACQAAAASAAAAAAAAAABAAAAAAAAAAEAAABQAAAAAAAAAAAA4D8AAAAAAADgPwAAAAAAAOA/AAAAAAAA4D8AAAAAAADgPwAAAAAAAOA/AAAAAAAA4D8AAAAAAADgPwAAAAAAAOA/AAAAAAAA4D8CAAAAjAAAAAAAAAAAAAAAu+DjDP///wgAAAAAAAAAAAAAAAAAAAAAAAAAAAAAAAAAAAAAZAAAAAEAAABAAAAAAAAAAAAAAAAAAAAAAAAAAAAAAAAAAAAAAAAAAAAAAAAAAAAAAAAAAAAAAAAAAAAAAAAAAAAAAAAAAAAAAAAAAAAAAAAAAAAAAAAAAAAAAAAAAAAAFAAAADwAAAAAAAAAAAAAAAAAAAkUAAAAAQAAABQAAAAUAAAAFAAAAAEAAAAAAAAAZAAAAGQAAAAAAAAAZAAAAGQAAAAVAAAAYAAAAAAAAAAAAAAADwAAACADAAAAAAAAAAAAAAEAAACgMgAAVgcAAKr4//8BAAAAf39/AAEAAABkAAAAAAAAABQAAABAHwAAAAAAACYAAAAAAAAAwOD//wAAAAAmAAAAZAAAABYAAABMAAAAAAAAAAAAAAAEAAAAAAAAAAEAAACAgIAKAAAAACgAAAAoAAAAZAAAAGQAAAAAAAAAzMzMAAAAAABQAAAAUAAAAGQAAABkAAAAAAAAABcAAAAUAAAAAAAAAAAAAAD/fwAA/38AAAAAAAAJAAAABAAAAAAAAAAeAAAAaAAAAAAAAAAAAAAAAAAAAAAAAAAAAAAAECcAABAnAAAAAAAAAAAAAAAAAAAAAAAAAAAAAAAAAAAAAAAAAAAAABQAAAAAAAAAwMD/AAAAAABkAAAAMgAAAAAAAABkAAAAAAAAAH9/fwAKAAAAIgAAABgAAAAAAAAAAAAAAAAAAAAAAAAAAAAAAAAAAAAkAAAAJAAAAAAAAAAHAAAAAAAAAAAAAAAAAAAAAAAAAAAAAAAAAAAAf39/ACUAAABYAAAAAAAAAAAAAAAAAAAAAAAAAAAAAAAAAAAAAAAAAAAAAAAAAAAAAAAAAAAAAAA/AAAAAAAAAKCGAQAAAAAAAAAAAAAAAAAMAAAAAQAAAAAAAAAAAAAAAAAAAB8AAABUAAAAAAAABQAAAAEAAAAAAAAAAAAAAAAAAAAAAAAAAAAAAAAAAAAAAAAAAAAAAAJ/f38AAAAAA8zMzADAwP8Af39/AAAAAAAAAAAAAAAAAAAAAAAAAAAAIQAAABgAAAAUAAAAoRkAABsnAABfMQAAWSkAABAAAAAmAAAACAAAAAAAAAAAAAAAMAAAABQAAAAAAAAAAAD//wAAAQAAAP//AAABAA=="/>
+                <pr:smNativeData xmlns:pr="smNativeData" xmlns="smNativeData" val="SMDATA_16_ZvmgZxMAAAAlAAAAZAAAAA8BAAAAkAAAAEgAAACQAAAASAAAAAAAAAABAAAAAAAAAAEAAABQAAAAAAAAAAAA4D8AAAAAAADgPwAAAAAAAOA/AAAAAAAA4D8AAAAAAADgPwAAAAAAAOA/AAAAAAAA4D8AAAAAAADgPwAAAAAAAOA/AAAAAAAA4D8CAAAAjAAAAAAAAAAAAAAAu+DjDP///wgAAAAAAAAAAAAAAAAAAAAAAAAAAAAAAAAAAAAAZAAAAAEAAABAAAAAAAAAAAAAAAAAAAAAAAAAAAAAAAAAAAAAAAAAAAAAAAAAAAAAAAAAAAAAAAAAAAAAAAAAAAAAAAAAAAAAAAAAAAAAAAAAAAAAAAAAAAAAAAAAAAAAFAAAADwAAAAAAAAAAAAAAAAAAAkUAAAAAQAAABQAAAAUAAAAFAAAAAEAAAAAAAAAZAAAAGQAAAAAAAAAZAAAAGQAAAAVAAAAYAAAAAAAAAAAAAAADwAAACADAAAAAAAAAAAAAAEAAACgMgAAVgcAAKr4//8BAAAAf39/AAEAAABkAAAAAAAAABQAAABAHwAAAAAAACYAAAAAAAAAwOD//wAAAAAmAAAAZAAAABYAAABMAAAAAAAAAAAAAAAEAAAAAAAAAAEAAACAgIAKAAAAACgAAAAoAAAAZAAAAGQAAAAAAAAAzMzMAAAAAABQAAAAUAAAAGQAAABkAAAAAAAAABcAAAAUAAAAAAAAAAAAAAD/fwAA/38AAAAAAAAJAAAABAAAAAAAAAAeAAAAaAAAAAAAAAAAAAAAAAAAAAAAAAAAAAAAECcAABAnAAAAAAAAAAAAAAAAAAAAAAAAAAAAAAAAAAAAAAAAAAAAABQAAAAAAAAAwMD/AAAAAABkAAAAMgAAAAAAAABkAAAAAAAAAH9/fwAKAAAAIgAAABgAAAAAAAAAAAAAAAAAAAAAAAAAAAAAAAAAAAAkAAAAJAAAAAAAAAAHAAAAAAAAAAAAAAAAAAAAAAAAAAAAAAAAAAAAf39/ACUAAABYAAAAAAAAAAAAAAAAAAAAAAAAAAAAAAAAAAAAAAAAAAAAAAAAAAAAAAAAAAAAAAA/AAAAAAAAAKCGAQAAAAAAAAAAAAAAAAAMAAAAAQAAAAAAAAAAAAAAAAAAAB8AAABUAAAAAAAABQAAAAEAAAAAAAAAAAAAAAAAAAAAAAAAAAAAAAAAAAAAAAAAAAAAAAJ/f38AAAAAA8zMzADAwP8Af39/AAAAAAAAAAAAAAAAAAAAAAAAAAAAIQAAABgAAAAUAAAAoRkAABsnAABfMQAAWSkAABAAAAAmAAAACAAAAAAAAAAAAAAAMAAAABQAAAAAAAAAAAD//wAAAQAAAP//AAABAA=="/>
               </a:ext>
             </a:extLst>
           </p:cNvSpPr>
@@ -384,7 +385,7 @@
             <a:spLocks noGrp="1" noChangeArrowheads="1"/>
             <a:extLst>
               <a:ext uri="smNativeData">
-                <pr:smNativeData xmlns:pr="smNativeData" xmlns="smNativeData" val="SMDATA_16_CqSDZxMAAAAlAAAAZAAAAA8BAAAAkAAAAEgAAACQAAAASAAAAAAAAAABAAAAAAAAAAEAAABQAAAAAAAAAAAA4D8AAAAAAADgPwAAAAAAAOA/AAAAAAAA4D8AAAAAAADgPwAAAAAAAOA/AAAAAAAA4D8AAAAAAADgPwAAAAAAAOA/AAAAAAAA4D8CAAAAjAAAAAAAAAAAAAAAu+DjDP///wgAAAAAAAAAAAAAAAAAAAAAAAAAAAAAAAAAAAAAZAAAAAEAAABAAAAAAAAAAAAAAAAAAAAAAAAAAAAAAAAAAAAAAAAAAAAAAAAAAAAAAAAAAAAAAAAAAAAAAAAAAAAAAAAAAAAAAAAAAAAAAAAAAAAAAAAAAAAAAAAAAAAAFAAAADwAAAAAAAAAAAAAAAAAAAkUAAAAAQAAABQAAAAUAAAAFAAAAAEAAAAAAAAAZAAAAGQAAAAAAAAAZAAAAGQAAAAVAAAAYAAAAAAAAAAAAAAADwAAACADAAAAAAAAAAAAAAEAAACgMgAAVgcAAKr4//8BAAAAf39/AAEAAABkAAAAAAAAABQAAABAHwAAAAAAACYAAAAAAAAAwOD//wAAAAAmAAAAZAAAABYAAABMAAAAAAAAAAAAAAAEAAAAAAAAAAEAAACAgIAKAAAAACgAAAAoAAAAZAAAAGQAAAAAAAAAzMzMAAAAAABQAAAAUAAAAGQAAABkAAAAAAAAABcAAAAUAAAAAAAAAAAAAAD/fwAA/38AAAAAAAAJAAAABAAAAHsAfAAeAAAAaAAAAAAAAAAAAAAAAAAAAAAAAAAAAAAAECcAABAnAAAAAAAAAAAAAAAAAAAAAAAAAAAAAAAAAAAAAAAAAAAAABQAAAAAAAAAwMD/AAAAAABkAAAAMgAAAAAAAABkAAAAAAAAAH9/fwAKAAAAIgAAABgAAAAAAAAAAAAAAAAAAAAAAAAAAAAAAAAAAAAkAAAAJAAAAAAAAAAHAAAAAAAAAAAAAAAAAAAAAAAAAAAAAAAAAAAAf39/ACUAAABYAAAAAAAAAAAAAAAAAAAAAAAAAAAAAAAAAAAAAAAAAAAAAAAAAAAAAAAAAAAAAAA/AAAAAAAAAKCGAQAAAAAAAAAAAAAAAAAMAAAAAQAAAAAAAAAAAAAAAAAAAB8AAABUAAAAAAAABQAAAAEAAAAAAAAAAAAAAAAAAAAAAAAAAAAAAAAAAAAAAAAAAAAAAAJ/f38AAAAAA8zMzADAwP8Af39/AAAAAAAAAAAAAAAAAAAAAAAAAAAAIQAAABgAAAAUAAAAwTUAABsnAABARwAAWSkAABAAAAAmAAAACAAAAAAAAAAAAAAAMAAAABQAAAAAAAAAAAD//wAAAQAAAP//AAABAA=="/>
+                <pr:smNativeData xmlns:pr="smNativeData" xmlns="smNativeData" val="SMDATA_16_ZvmgZxMAAAAlAAAAZAAAAA8BAAAAkAAAAEgAAACQAAAASAAAAAAAAAABAAAAAAAAAAEAAABQAAAAAAAAAAAA4D8AAAAAAADgPwAAAAAAAOA/AAAAAAAA4D8AAAAAAADgPwAAAAAAAOA/AAAAAAAA4D8AAAAAAADgPwAAAAAAAOA/AAAAAAAA4D8CAAAAjAAAAAAAAAAAAAAAu+DjDP///wgAAAAAAAAAAAAAAAAAAAAAAAAAAAAAAAAAAAAAZAAAAAEAAABAAAAAAAAAAAAAAAAAAAAAAAAAAAAAAAAAAAAAAAAAAAAAAAAAAAAAAAAAAAAAAAAAAAAAAAAAAAAAAAAAAAAAAAAAAAAAAAAAAAAAAAAAAAAAAAAAAAAAFAAAADwAAAAAAAAAAAAAAAAAAAkUAAAAAQAAABQAAAAUAAAAFAAAAAEAAAAAAAAAZAAAAGQAAAAAAAAAZAAAAGQAAAAVAAAAYAAAAAAAAAAAAAAADwAAACADAAAAAAAAAAAAAAEAAACgMgAAVgcAAKr4//8BAAAAf39/AAEAAABkAAAAAAAAABQAAABAHwAAAAAAACYAAAAAAAAAwOD//wAAAAAmAAAAZAAAABYAAABMAAAAAAAAAAAAAAAEAAAAAAAAAAEAAACAgIAKAAAAACgAAAAoAAAAZAAAAGQAAAAAAAAAzMzMAAAAAABQAAAAUAAAAGQAAABkAAAAAAAAABcAAAAUAAAAAAAAAAAAAAD/fwAA/38AAAAAAAAJAAAABAAAAHsAfAAeAAAAaAAAAAAAAAAAAAAAAAAAAAAAAAAAAAAAECcAABAnAAAAAAAAAAAAAAAAAAAAAAAAAAAAAAAAAAAAAAAAAAAAABQAAAAAAAAAwMD/AAAAAABkAAAAMgAAAAAAAABkAAAAAAAAAH9/fwAKAAAAIgAAABgAAAAAAAAAAAAAAAAAAAAAAAAAAAAAAAAAAAAkAAAAJAAAAAAAAAAHAAAAAAAAAAAAAAAAAAAAAAAAAAAAAAAAAAAAf39/ACUAAABYAAAAAAAAAAAAAAAAAAAAAAAAAAAAAAAAAAAAAAAAAAAAAAAAAAAAAAAAAAAAAAA/AAAAAAAAAKCGAQAAAAAAAAAAAAAAAAAMAAAAAQAAAAAAAAAAAAAAAAAAAB8AAABUAAAAAAAABQAAAAEAAAAAAAAAAAAAAAAAAAAAAAAAAAAAAAAAAAAAAAAAAAAAAAJ/f38AAAAAA8zMzADAwP8Af39/AAAAAAAAAAAAAAAAAAAAAAAAAAAAIQAAABgAAAAUAAAAwTUAABsnAABARwAAWSkAABAAAAAmAAAACAAAAAAAAAAAAAAAMAAAABQAAAAAAAAAAAD//wAAAQAAAP//AAABAA=="/>
               </a:ext>
             </a:extLst>
           </p:cNvSpPr>
@@ -398,7 +399,7 @@
           <a:lstStyle/>
           <a:p>
             <a:pPr/>
-            <a:fld id="{3F53D116-58D2-0627-9CEB-AE729FA56AFB}" type="slidenum">
+            <a:fld id="{3DEF6307-49D0-BA95-9E57-BFC02D1968EA}" type="slidenum">
               <a:t/>
             </a:fld>
           </a:p>
@@ -437,7 +438,7 @@
             <a:spLocks noGrp="1" noChangeArrowheads="1"/>
             <a:extLst>
               <a:ext uri="smNativeData">
-                <pr:smNativeData xmlns:pr="smNativeData" xmlns="smNativeData" val="SMDATA_16_CqSDZxMAAAAlAAAAZAAAAA8BAAAAkAAAAEgAAACQAAAASAAAAAAAAAABAAAAAAAAAAEAAABQAAAAAAAAAAAA4D8AAAAAAADgPwAAAAAAAOA/AAAAAAAA4D8AAAAAAADgPwAAAAAAAOA/AAAAAAAA4D8AAAAAAADgPwAAAAAAAOA/AAAAAAAA4D8CAAAAjAAAAAAAAAAAAAAAu+DjDP///wgAAAAAAAAAAAAAAAAAAAAAAAAAAAAAAAAAAAAAZAAAAAEAAABAAAAAAAAAAAAAAAAAAAAAAAAAAAAAAAAAAAAAAAAAAAAAAAAAAAAAAAAAAAAAAAAAAAAAAAAAAAAAAAAAAAAAAAAAAAAAAAAAAAAAAAAAAAAAAAAAAAAAFAAAADwAAAAAAAAAAAAAAAAAAAkUAAAAAQAAABQAAAAUAAAAFAAAAAEAAAAAAAAAZAAAAGQAAAAAAAAAZAAAAGQAAAAVAAAAYAAAAAAAAAAAAAAADwAAACADAAAAAAAAAAAAAAEAAACgMgAAVgcAAKr4//8BAAAAf39/AAEAAABkAAAAAAAAABQAAABAHwAAAAAAACYAAAAAAAAAwOD//wAAAAAmAAAAZAAAABYAAABMAAAAAAAAAAAAAAAEAAAAAAAAAAEAAACAgIAKAAAAACgAAAAoAAAAZAAAAGQAAAAAAAAAzMzMAAAAAABQAAAAUAAAAGQAAABkAAAAAAAAABcAAAAUAAAAAAAAAAAAAAD/fwAA/38AAAAAAAAJAAAABAAAAG49IjEeAAAAaAAAAAAAAAAAAAAAAAAAAAAAAAAAAAAAECcAABAnAAAAAAAAAAAAAAAAAAAAAAAAAAAAAAAAAAAAAAAAAAAAABQAAAAAAAAAwMD/AAAAAABkAAAAMgAAAAAAAABkAAAAAAAAAH9/fwAKAAAAIgAAABgAAAAAAAAAAAAAAAAAAAAAAAAAAAAAAAAAAAAkAAAAJAAAAAAAAAAHAAAAAAAAAAAAAAAAAAAAAAAAAAAAAAAAAAAAf39/ACUAAABYAAAAAAAAAAAAAAAAAAAAAAAAAAAAAAAAAAAAAAAAAAAAAAAAAAAAAAAAAAAAAAA/AAAAAAAAAKCGAQAAAAAAAAAAAAAAAAAMAAAAAQAAAAAAAAAAAAAAAAAAAB8AAABUAAAAAAAABQAAAAEAAAAAAAAAAAAAAAAAAAAAAAAAAAAAAAAAAAAAAAAAAAAAAAJ/f38AAAAAA8zMzADAwP8Af39/AAAAAAAAAAAAAAAAAAAAAAAAAAAAIQAAABgAAAAUAAAAwAMAALABAABARwAAuAgAABAAAAAmAAAACAAAAAAAAAAAAAAAMAAAABQAAAAAAAAAAAD//wAAAQAAAP//AAABAA=="/>
+                <pr:smNativeData xmlns:pr="smNativeData" xmlns="smNativeData" val="SMDATA_16_ZvmgZxMAAAAlAAAAZAAAAA8BAAAAkAAAAEgAAACQAAAASAAAAAAAAAABAAAAAAAAAAEAAABQAAAAAAAAAAAA4D8AAAAAAADgPwAAAAAAAOA/AAAAAAAA4D8AAAAAAADgPwAAAAAAAOA/AAAAAAAA4D8AAAAAAADgPwAAAAAAAOA/AAAAAAAA4D8CAAAAjAAAAAAAAAAAAAAAu+DjDP///wgAAAAAAAAAAAAAAAAAAAAAAAAAAAAAAAAAAAAAZAAAAAEAAABAAAAAAAAAAAAAAAAAAAAAAAAAAAAAAAAAAAAAAAAAAAAAAAAAAAAAAAAAAAAAAAAAAAAAAAAAAAAAAAAAAAAAAAAAAAAAAAAAAAAAAAAAAAAAAAAAAAAAFAAAADwAAAAAAAAAAAAAAAAAAAkUAAAAAQAAABQAAAAUAAAAFAAAAAEAAAAAAAAAZAAAAGQAAAAAAAAAZAAAAGQAAAAVAAAAYAAAAAAAAAAAAAAADwAAACADAAAAAAAAAAAAAAEAAACgMgAAVgcAAKr4//8BAAAAf39/AAEAAABkAAAAAAAAABQAAABAHwAAAAAAACYAAAAAAAAAwOD//wAAAAAmAAAAZAAAABYAAABMAAAAAAAAAAAAAAAEAAAAAAAAAAEAAACAgIAKAAAAACgAAAAoAAAAZAAAAGQAAAAAAAAAzMzMAAAAAABQAAAAUAAAAGQAAABkAAAAAAAAABcAAAAUAAAAAAAAAAAAAAD/fwAA/38AAAAAAAAJAAAABAAAAG49IjEeAAAAaAAAAAAAAAAAAAAAAAAAAAAAAAAAAAAAECcAABAnAAAAAAAAAAAAAAAAAAAAAAAAAAAAAAAAAAAAAAAAAAAAABQAAAAAAAAAwMD/AAAAAABkAAAAMgAAAAAAAABkAAAAAAAAAH9/fwAKAAAAIgAAABgAAAAAAAAAAAAAAAAAAAAAAAAAAAAAAAAAAAAkAAAAJAAAAAAAAAAHAAAAAAAAAAAAAAAAAAAAAAAAAAAAAAAAAAAAf39/ACUAAABYAAAAAAAAAAAAAAAAAAAAAAAAAAAAAAAAAAAAAAAAAAAAAAAAAAAAAAAAAAAAAAA/AAAAAAAAAKCGAQAAAAAAAAAAAAAAAAAMAAAAAQAAAAAAAAAAAAAAAAAAAB8AAABUAAAAAAAABQAAAAEAAAAAAAAAAAAAAAAAAAAAAAAAAAAAAAAAAAAAAAAAAAAAAAJ/f38AAAAAA8zMzADAwP8Af39/AAAAAAAAAAAAAAAAAAAAAAAAAAAAIQAAABgAAAAUAAAAwAMAALABAABARwAAuAgAABAAAAAmAAAACAAAAAAAAAAAAAAAMAAAABQAAAAAAAAAAAD//wAAAQAAAP//AAABAA=="/>
               </a:ext>
             </a:extLst>
           </p:cNvSpPr>
@@ -464,7 +465,7 @@
             <a:spLocks noGrp="1" noChangeArrowheads="1"/>
             <a:extLst>
               <a:ext uri="smNativeData">
-                <pr:smNativeData xmlns:pr="smNativeData" xmlns="smNativeData" val="SMDATA_16_CqSDZxMAAAAlAAAAZAAAAA8BAAAAkAAAAEgAAACQAAAASAAAAAAAAAAAAAAAAQAAAAEAAABQAAAAAAAAAAAA4D8AAAAAAADgPwAAAAAAAOA/AAAAAAAA4D8AAAAAAADgPwAAAAAAAOA/AAAAAAAA4D8AAAAAAADgPwAAAAAAAOA/AAAAAAAA4D8CAAAAjAAAAAAAAAAAAAAAu+DjDP///wgAAAAAAAAAAAAAAAAAAAAAAAAAAAAAAAAAAAAAZAAAAAEAAABAAAAAAAAAAAAAAAAAAAAAAAAAAAAAAAAAAAAAAAAAAAAAAAAAAAAAAAAAAAAAAAAAAAAAAAAAAAAAAAAAAAAAAAAAAAAAAAAAAAAAAAAAAAAAAAAAAAAAFAAAADwAAAAAAAAAAAAAAAAAAAkUAAAAAQAAABQAAAAUAAAAFAAAAAEAAAAAAAAAZAAAAGQAAAAAAAAAZAAAAGQAAAAVAAAAYAAAAAAAAAAAAAAADwAAACADAAAAAAAAAAAAAAEAAACgMgAAVgcAAKr4//8BAAAAf39/AAEAAABkAAAAAAAAABQAAABAHwAAAAAAACYAAAAAAAAAwOD//wAAAAAmAAAAZAAAABYAAABMAAAAAAAAAAAAAAAEAAAAAAAAAAEAAACAgIAKAAAAACgAAAAoAAAAZAAAAGQAAAAAAAAAzMzMAAAAAABQAAAAUAAAAGQAAABkAAAAAAAAABcAAAAUAAAAAAAAAAAAAAD/fwAA/38AAAAAAAAJAAAABAAAAAAAAAAeAAAAaAAAAAAAAAAAAAAAAAAAAAAAAAAAAAAAECcAABAnAAAAAAAAAAAAAAAAAAAAAAAAAAAAAAAAAAAAAAAAAAAAABQAAAAAAAAAwMD/AAAAAABkAAAAMgAAAAAAAABkAAAAAAAAAH9/fwAKAAAAIgAAABgAAAAAAAAAAAAAAAAAAAAAAAAAAAAAAAAAAAAkAAAAJAAAAAAAAAAHAAAAAAAAAAAAAAAAAAAAAAAAAAAAAAAAAAAAf39/ACUAAABYAAAAAAAAAAAAAAAAAAAAAAAAAAAAAAAAAAAAAAAAAAAAAAAAAAAAAAAAAAAAAAA/AAAAAAAAAKCGAQAAAAAAAAAAAAAAAAAMAAAAAQAAAAAAAAAAAAAAAAAAAB8AAABUAAAAAAAABQAAAAEAAAAAAAAAAAAAAAAAAAAAAAAAAAAAAAAAAAAAAAAAAAAAAAJ/f38AAAAAA8zMzADAwP8Af39/AAAAAAAAAAAAAAAAAAAAAAAAAAAAIQAAABgAAAAUAAAAwAMAANgJAABARwAAsCUAABAAAAAmAAAACAAAAAIAAAAAAAAAMAAAABQAAAAAAAAAAAD//wAAAQAAAP//AAABAA=="/>
+                <pr:smNativeData xmlns:pr="smNativeData" xmlns="smNativeData" val="SMDATA_16_ZvmgZxMAAAAlAAAAZAAAAA8BAAAAkAAAAEgAAACQAAAASAAAAAAAAAAAAAAAAQAAAAEAAABQAAAAAAAAAAAA4D8AAAAAAADgPwAAAAAAAOA/AAAAAAAA4D8AAAAAAADgPwAAAAAAAOA/AAAAAAAA4D8AAAAAAADgPwAAAAAAAOA/AAAAAAAA4D8CAAAAjAAAAAAAAAAAAAAAu+DjDP///wgAAAAAAAAAAAAAAAAAAAAAAAAAAAAAAAAAAAAAZAAAAAEAAABAAAAAAAAAAAAAAAAAAAAAAAAAAAAAAAAAAAAAAAAAAAAAAAAAAAAAAAAAAAAAAAAAAAAAAAAAAAAAAAAAAAAAAAAAAAAAAAAAAAAAAAAAAAAAAAAAAAAAFAAAADwAAAAAAAAAAAAAAAAAAAkUAAAAAQAAABQAAAAUAAAAFAAAAAEAAAAAAAAAZAAAAGQAAAAAAAAAZAAAAGQAAAAVAAAAYAAAAAAAAAAAAAAADwAAACADAAAAAAAAAAAAAAEAAACgMgAAVgcAAKr4//8BAAAAf39/AAEAAABkAAAAAAAAABQAAABAHwAAAAAAACYAAAAAAAAAwOD//wAAAAAmAAAAZAAAABYAAABMAAAAAAAAAAAAAAAEAAAAAAAAAAEAAACAgIAKAAAAACgAAAAoAAAAZAAAAGQAAAAAAAAAzMzMAAAAAABQAAAAUAAAAGQAAABkAAAAAAAAABcAAAAUAAAAAAAAAAAAAAD/fwAA/38AAAAAAAAJAAAABAAAAAAAAAAeAAAAaAAAAAAAAAAAAAAAAAAAAAAAAAAAAAAAECcAABAnAAAAAAAAAAAAAAAAAAAAAAAAAAAAAAAAAAAAAAAAAAAAABQAAAAAAAAAwMD/AAAAAABkAAAAMgAAAAAAAABkAAAAAAAAAH9/fwAKAAAAIgAAABgAAAAAAAAAAAAAAAAAAAAAAAAAAAAAAAAAAAAkAAAAJAAAAAAAAAAHAAAAAAAAAAAAAAAAAAAAAAAAAAAAAAAAAAAAf39/ACUAAABYAAAAAAAAAAAAAAAAAAAAAAAAAAAAAAAAAAAAAAAAAAAAAAAAAAAAAAAAAAAAAAA/AAAAAAAAAKCGAQAAAAAAAAAAAAAAAAAMAAAAAQAAAAAAAAAAAAAAAAAAAB8AAABUAAAAAAAABQAAAAEAAAAAAAAAAAAAAAAAAAAAAAAAAAAAAAAAAAAAAAAAAAAAAAJ/f38AAAAAA8zMzADAwP8Af39/AAAAAAAAAAAAAAAAAAAAAAAAAAAAIQAAABgAAAAUAAAAwAMAANgJAABARwAAsCUAABAAAAAmAAAACAAAAAIAAAAAAAAAMAAAABQAAAAAAAAAAAD//wAAAQAAAP//AAABAA=="/>
               </a:ext>
             </a:extLst>
           </p:cNvSpPr>
@@ -519,7 +520,7 @@
             <a:spLocks noGrp="1" noChangeArrowheads="1"/>
             <a:extLst>
               <a:ext uri="smNativeData">
-                <pr:smNativeData xmlns:pr="smNativeData" xmlns="smNativeData" val="SMDATA_16_CqSDZxMAAAAlAAAAZAAAAA8BAAAAkAAAAEgAAACQAAAASAAAAAAAAAABAAAAAAAAAAEAAABQAAAAAAAAAAAA4D8AAAAAAADgPwAAAAAAAOA/AAAAAAAA4D8AAAAAAADgPwAAAAAAAOA/AAAAAAAA4D8AAAAAAADgPwAAAAAAAOA/AAAAAAAA4D8CAAAAjAAAAAAAAAAAAAAAu+DjDP///wgAAAAAAAAAAAAAAAAAAAAAAAAAAAAAAAAAAAAAZAAAAAEAAABAAAAAAAAAAAAAAAAAAAAAAAAAAAAAAAAAAAAAAAAAAAAAAAAAAAAAAAAAAAAAAAAAAAAAAAAAAAAAAAAAAAAAAAAAAAAAAAAAAAAAAAAAAAAAAAAAAAAAFAAAADwAAAAAAAAAAAAAAAAAAAkUAAAAAQAAABQAAAAUAAAAFAAAAAEAAAAAAAAAZAAAAGQAAAAAAAAAZAAAAGQAAAAVAAAAYAAAAAAAAAAAAAAADwAAACADAAAAAAAAAAAAAAEAAACgMgAAVgcAAKr4//8BAAAAf39/AAEAAABkAAAAAAAAABQAAABAHwAAAAAAACYAAAAAAAAAwOD//wAAAAAmAAAAZAAAABYAAABMAAAAAAAAAAAAAAAEAAAAAAAAAAEAAACAgIAKAAAAACgAAAAoAAAAZAAAAGQAAAAAAAAAzMzMAAAAAABQAAAAUAAAAGQAAABkAAAAAAAAABcAAAAUAAAAAAAAAAAAAAD/fwAA/38AAAAAAAAJAAAABAAAAAAAAAAeAAAAaAAAAAAAAAAAAAAAAAAAAAAAAAAAAAAAECcAABAnAAAAAAAAAAAAAAAAAAAAAAAAAAAAAAAAAAAAAAAAAAAAABQAAAAAAAAAwMD/AAAAAABkAAAAMgAAAAAAAABkAAAAAAAAAH9/fwAKAAAAIgAAABgAAAAAAAAAAAAAAAAAAAAAAAAAAAAAAAAAAAAkAAAAJAAAAAAAAAAHAAAAAAAAAAAAAAAAAAAAAAAAAAAAAAAAAAAAf39/ACUAAABYAAAAAAAAAAAAAAAAAAAAAAAAAAAAAAAAAAAAAAAAAAAAAAAAAAAAAAAAAAAAAAA/AAAAAAAAAKCGAQAAAAAAAAAAAAAAAAAMAAAAAQAAAAAAAAAAAAAAAAAAAB8AAABUAAAAAAAABQAAAAEAAAAAAAAAAAAAAAAAAAAAAAAAAAAAAAAAAAAAAAAAAAAAAAJ/f38AAAAAA8zMzADAwP8Af39/AAAAAAAAAAAAAAAAAAAAAAAAAAAAIQAAABgAAAAUAAAAwAMAABsnAAA/FQAAWSkAABAAAAAmAAAACAAAAAAAAAAAAAAAMAAAABQAAAAAAAAAAAD//wAAAQAAAP//AAABAA=="/>
+                <pr:smNativeData xmlns:pr="smNativeData" xmlns="smNativeData" val="SMDATA_16_ZvmgZxMAAAAlAAAAZAAAAA8BAAAAkAAAAEgAAACQAAAASAAAAAAAAAABAAAAAAAAAAEAAABQAAAAAAAAAAAA4D8AAAAAAADgPwAAAAAAAOA/AAAAAAAA4D8AAAAAAADgPwAAAAAAAOA/AAAAAAAA4D8AAAAAAADgPwAAAAAAAOA/AAAAAAAA4D8CAAAAjAAAAAAAAAAAAAAAu+DjDP///wgAAAAAAAAAAAAAAAAAAAAAAAAAAAAAAAAAAAAAZAAAAAEAAABAAAAAAAAAAAAAAAAAAAAAAAAAAAAAAAAAAAAAAAAAAAAAAAAAAAAAAAAAAAAAAAAAAAAAAAAAAAAAAAAAAAAAAAAAAAAAAAAAAAAAAAAAAAAAAAAAAAAAFAAAADwAAAAAAAAAAAAAAAAAAAkUAAAAAQAAABQAAAAUAAAAFAAAAAEAAAAAAAAAZAAAAGQAAAAAAAAAZAAAAGQAAAAVAAAAYAAAAAAAAAAAAAAADwAAACADAAAAAAAAAAAAAAEAAACgMgAAVgcAAKr4//8BAAAAf39/AAEAAABkAAAAAAAAABQAAABAHwAAAAAAACYAAAAAAAAAwOD//wAAAAAmAAAAZAAAABYAAABMAAAAAAAAAAAAAAAEAAAAAAAAAAEAAACAgIAKAAAAACgAAAAoAAAAZAAAAGQAAAAAAAAAzMzMAAAAAABQAAAAUAAAAGQAAABkAAAAAAAAABcAAAAUAAAAAAAAAAAAAAD/fwAA/38AAAAAAAAJAAAABAAAAAAAAAAeAAAAaAAAAAAAAAAAAAAAAAAAAAAAAAAAAAAAECcAABAnAAAAAAAAAAAAAAAAAAAAAAAAAAAAAAAAAAAAAAAAAAAAABQAAAAAAAAAwMD/AAAAAABkAAAAMgAAAAAAAABkAAAAAAAAAH9/fwAKAAAAIgAAABgAAAAAAAAAAAAAAAAAAAAAAAAAAAAAAAAAAAAkAAAAJAAAAAAAAAAHAAAAAAAAAAAAAAAAAAAAAAAAAAAAAAAAAAAAf39/ACUAAABYAAAAAAAAAAAAAAAAAAAAAAAAAAAAAAAAAAAAAAAAAAAAAAAAAAAAAAAAAAAAAAA/AAAAAAAAAKCGAQAAAAAAAAAAAAAAAAAMAAAAAQAAAAAAAAAAAAAAAAAAAB8AAABUAAAAAAAABQAAAAEAAAAAAAAAAAAAAAAAAAAAAAAAAAAAAAAAAAAAAAAAAAAAAAJ/f38AAAAAA8zMzADAwP8Af39/AAAAAAAAAAAAAAAAAAAAAAAAAAAAIQAAABgAAAAUAAAAwAMAABsnAAA/FQAAWSkAABAAAAAmAAAACAAAAAAAAAAAAAAAMAAAABQAAAAAAAAAAAD//wAAAQAAAP//AAABAA=="/>
               </a:ext>
             </a:extLst>
           </p:cNvSpPr>
@@ -533,7 +534,7 @@
           <a:lstStyle/>
           <a:p>
             <a:pPr/>
-            <a:fld id="{3F53A1BF-F1D2-0657-9CEB-0702EFA56A52}" type="datetime1">
+            <a:fld id="{3DEF0298-D6D0-BAF4-9E57-20A14C196875}" type="datetime1">
               <a:t/>
             </a:fld>
           </a:p>
@@ -546,7 +547,7 @@
             <a:spLocks noGrp="1" noChangeArrowheads="1"/>
             <a:extLst>
               <a:ext uri="smNativeData">
-                <pr:smNativeData xmlns:pr="smNativeData" xmlns="smNativeData" val="SMDATA_16_CqSDZxMAAAAlAAAAZAAAAA8BAAAAkAAAAEgAAACQAAAASAAAAAAAAAABAAAAAAAAAAEAAABQAAAAAAAAAAAA4D8AAAAAAADgPwAAAAAAAOA/AAAAAAAA4D8AAAAAAADgPwAAAAAAAOA/AAAAAAAA4D8AAAAAAADgPwAAAAAAAOA/AAAAAAAA4D8CAAAAjAAAAAAAAAAAAAAAu+DjDP///wgAAAAAAAAAAAAAAAAAAAAAAAAAAAAAAAAAAAAAZAAAAAEAAABAAAAAAAAAAAAAAAAAAAAAAAAAAAAAAAAAAAAAAAAAAAAAAAAAAAAAAAAAAAAAAAAAAAAAAAAAAAAAAAAAAAAAAAAAAAAAAAAAAAAAAAAAAAAAAAAAAAAAFAAAADwAAAAAAAAAAAAAAAAAAAkUAAAAAQAAABQAAAAUAAAAFAAAAAEAAAAAAAAAZAAAAGQAAAAAAAAAZAAAAGQAAAAVAAAAYAAAAAAAAAAAAAAADwAAACADAAAAAAAAAAAAAAEAAACgMgAAVgcAAKr4//8BAAAAf39/AAEAAABkAAAAAAAAABQAAABAHwAAAAAAACYAAAAAAAAAwOD//wAAAAAmAAAAZAAAABYAAABMAAAAAAAAAAAAAAAEAAAAAAAAAAEAAACAgIAKAAAAACgAAAAoAAAAZAAAAGQAAAAAAAAAzMzMAAAAAABQAAAAUAAAAGQAAABkAAAAAAAAABcAAAAUAAAAAAAAAAAAAAD/fwAA/38AAAAAAAAJAAAABAAAAGE6c3AeAAAAaAAAAAAAAAAAAAAAAAAAAAAAAAAAAAAAECcAABAnAAAAAAAAAAAAAAAAAAAAAAAAAAAAAAAAAAAAAAAAAAAAABQAAAAAAAAAwMD/AAAAAABkAAAAMgAAAAAAAABkAAAAAAAAAH9/fwAKAAAAIgAAABgAAAAAAAAAAAAAAAAAAAAAAAAAAAAAAAAAAAAkAAAAJAAAAAAAAAAHAAAAAAAAAAAAAAAAAAAAAAAAAAAAAAAAAAAAf39/ACUAAABYAAAAAAAAAAAAAAAAAAAAAAAAAAAAAAAAAAAAAAAAAAAAAAAAAAAAAAAAAAAAAAA/AAAAAAAAAKCGAQAAAAAAAAAAAAAAAAAMAAAAAQAAAAAAAAAAAAAAAAAAAB8AAABUAAAAAAAABQAAAAEAAAAAAAAAAAAAAAAAAAAAAAAAAAAAAAAAAAAAAAAAAAAAAAJ/f38AAAAAA8zMzADAwP8Af39/AAAAAAAAAAAAAAAAAAAAAAAAAAAAIQAAABgAAAAUAAAAoRkAABsnAABfMQAAWSkAABAAAAAmAAAACAAAAAAAAAAAAAAAMAAAABQAAAAAAAAAAAD//wAAAQAAAP//AAABAA=="/>
+                <pr:smNativeData xmlns:pr="smNativeData" xmlns="smNativeData" val="SMDATA_16_ZvmgZxMAAAAlAAAAZAAAAA8BAAAAkAAAAEgAAACQAAAASAAAAAAAAAABAAAAAAAAAAEAAABQAAAAAAAAAAAA4D8AAAAAAADgPwAAAAAAAOA/AAAAAAAA4D8AAAAAAADgPwAAAAAAAOA/AAAAAAAA4D8AAAAAAADgPwAAAAAAAOA/AAAAAAAA4D8CAAAAjAAAAAAAAAAAAAAAu+DjDP///wgAAAAAAAAAAAAAAAAAAAAAAAAAAAAAAAAAAAAAZAAAAAEAAABAAAAAAAAAAAAAAAAAAAAAAAAAAAAAAAAAAAAAAAAAAAAAAAAAAAAAAAAAAAAAAAAAAAAAAAAAAAAAAAAAAAAAAAAAAAAAAAAAAAAAAAAAAAAAAAAAAAAAFAAAADwAAAAAAAAAAAAAAAAAAAkUAAAAAQAAABQAAAAUAAAAFAAAAAEAAAAAAAAAZAAAAGQAAAAAAAAAZAAAAGQAAAAVAAAAYAAAAAAAAAAAAAAADwAAACADAAAAAAAAAAAAAAEAAACgMgAAVgcAAKr4//8BAAAAf39/AAEAAABkAAAAAAAAABQAAABAHwAAAAAAACYAAAAAAAAAwOD//wAAAAAmAAAAZAAAABYAAABMAAAAAAAAAAAAAAAEAAAAAAAAAAEAAACAgIAKAAAAACgAAAAoAAAAZAAAAGQAAAAAAAAAzMzMAAAAAABQAAAAUAAAAGQAAABkAAAAAAAAABcAAAAUAAAAAAAAAAAAAAD/fwAA/38AAAAAAAAJAAAABAAAAGE6c3AeAAAAaAAAAAAAAAAAAAAAAAAAAAAAAAAAAAAAECcAABAnAAAAAAAAAAAAAAAAAAAAAAAAAAAAAAAAAAAAAAAAAAAAABQAAAAAAAAAwMD/AAAAAABkAAAAMgAAAAAAAABkAAAAAAAAAH9/fwAKAAAAIgAAABgAAAAAAAAAAAAAAAAAAAAAAAAAAAAAAAAAAAAkAAAAJAAAAAAAAAAHAAAAAAAAAAAAAAAAAAAAAAAAAAAAAAAAAAAAf39/ACUAAABYAAAAAAAAAAAAAAAAAAAAAAAAAAAAAAAAAAAAAAAAAAAAAAAAAAAAAAAAAAAAAAA/AAAAAAAAAKCGAQAAAAAAAAAAAAAAAAAMAAAAAQAAAAAAAAAAAAAAAAAAAB8AAABUAAAAAAAABQAAAAEAAAAAAAAAAAAAAAAAAAAAAAAAAAAAAAAAAAAAAAAAAAAAAAJ/f38AAAAAA8zMzADAwP8Af39/AAAAAAAAAAAAAAAAAAAAAAAAAAAAIQAAABgAAAAUAAAAoRkAABsnAABfMQAAWSkAABAAAAAmAAAACAAAAAAAAAAAAAAAMAAAABQAAAAAAAAAAAD//wAAAQAAAP//AAABAA=="/>
               </a:ext>
             </a:extLst>
           </p:cNvSpPr>
@@ -570,7 +571,7 @@
             <a:spLocks noGrp="1" noChangeArrowheads="1"/>
             <a:extLst>
               <a:ext uri="smNativeData">
-                <pr:smNativeData xmlns:pr="smNativeData" xmlns="smNativeData" val="SMDATA_16_CqSDZxMAAAAlAAAAZAAAAA8BAAAAkAAAAEgAAACQAAAASAAAAAAAAAABAAAAAAAAAAEAAABQAAAAAAAAAAAA4D8AAAAAAADgPwAAAAAAAOA/AAAAAAAA4D8AAAAAAADgPwAAAAAAAOA/AAAAAAAA4D8AAAAAAADgPwAAAAAAAOA/AAAAAAAA4D8CAAAAjAAAAAAAAAAAAAAAu+DjDP///wgAAAAAAAAAAAAAAAAAAAAAAAAAAAAAAAAAAAAAZAAAAAEAAABAAAAAAAAAAAAAAAAAAAAAAAAAAAAAAAAAAAAAAAAAAAAAAAAAAAAAAAAAAAAAAAAAAAAAAAAAAAAAAAAAAAAAAAAAAAAAAAAAAAAAAAAAAAAAAAAAAAAAFAAAADwAAAAAAAAAAAAAAAAAAAkUAAAAAQAAABQAAAAUAAAAFAAAAAEAAAAAAAAAZAAAAGQAAAAAAAAAZAAAAGQAAAAVAAAAYAAAAAAAAAAAAAAADwAAACADAAAAAAAAAAAAAAEAAACgMgAAVgcAAKr4//8BAAAAf39/AAEAAABkAAAAAAAAABQAAABAHwAAAAAAACYAAAAAAAAAwOD//wAAAAAmAAAAZAAAABYAAABMAAAAAAAAAAAAAAAEAAAAAAAAAAEAAACAgIAKAAAAACgAAAAoAAAAZAAAAGQAAAAAAAAAzMzMAAAAAABQAAAAUAAAAGQAAABkAAAAAAAAABcAAAAUAAAAAAAAAAAAAAD/fwAA/38AAAAAAAAJAAAABAAAAAAAAAAeAAAAaAAAAAAAAAAAAAAAAAAAAAAAAAAAAAAAECcAABAnAAAAAAAAAAAAAAAAAAAAAAAAAAAAAAAAAAAAAAAAAAAAABQAAAAAAAAAwMD/AAAAAABkAAAAMgAAAAAAAABkAAAAAAAAAH9/fwAKAAAAIgAAABgAAAAAAAAAAAAAAAAAAAAAAAAAAAAAAAAAAAAkAAAAJAAAAAAAAAAHAAAAAAAAAAAAAAAAAAAAAAAAAAAAAAAAAAAAf39/ACUAAABYAAAAAAAAAAAAAAAAAAAAAAAAAAAAAAAAAAAAAAAAAAAAAAAAAAAAAAAAAAAAAAA/AAAAAAAAAKCGAQAAAAAAAAAAAAAAAAAMAAAAAQAAAAAAAAAAAAAAAAAAAB8AAABUAAAAAAAABQAAAAEAAAAAAAAAAAAAAAAAAAAAAAAAAAAAAAAAAAAAAAAAAAAAAAJ/f38AAAAAA8zMzADAwP8Af39/AAAAAAAAAAAAAAAAAAAAAAAAAAAAIQAAABgAAAAUAAAAwTUAABsnAABARwAAWSkAABAAAAAmAAAACAAAAAAAAAAAAAAAMAAAABQAAAAAAAAAAAD//wAAAQAAAP//AAABAA=="/>
+                <pr:smNativeData xmlns:pr="smNativeData" xmlns="smNativeData" val="SMDATA_16_ZvmgZxMAAAAlAAAAZAAAAA8BAAAAkAAAAEgAAACQAAAASAAAAAAAAAABAAAAAAAAAAEAAABQAAAAAAAAAAAA4D8AAAAAAADgPwAAAAAAAOA/AAAAAAAA4D8AAAAAAADgPwAAAAAAAOA/AAAAAAAA4D8AAAAAAADgPwAAAAAAAOA/AAAAAAAA4D8CAAAAjAAAAAAAAAAAAAAAu+DjDP///wgAAAAAAAAAAAAAAAAAAAAAAAAAAAAAAAAAAAAAZAAAAAEAAABAAAAAAAAAAAAAAAAAAAAAAAAAAAAAAAAAAAAAAAAAAAAAAAAAAAAAAAAAAAAAAAAAAAAAAAAAAAAAAAAAAAAAAAAAAAAAAAAAAAAAAAAAAAAAAAAAAAAAFAAAADwAAAAAAAAAAAAAAAAAAAkUAAAAAQAAABQAAAAUAAAAFAAAAAEAAAAAAAAAZAAAAGQAAAAAAAAAZAAAAGQAAAAVAAAAYAAAAAAAAAAAAAAADwAAACADAAAAAAAAAAAAAAEAAACgMgAAVgcAAKr4//8BAAAAf39/AAEAAABkAAAAAAAAABQAAABAHwAAAAAAACYAAAAAAAAAwOD//wAAAAAmAAAAZAAAABYAAABMAAAAAAAAAAAAAAAEAAAAAAAAAAEAAACAgIAKAAAAACgAAAAoAAAAZAAAAGQAAAAAAAAAzMzMAAAAAABQAAAAUAAAAGQAAABkAAAAAAAAABcAAAAUAAAAAAAAAAAAAAD/fwAA/38AAAAAAAAJAAAABAAAAAAAAAAeAAAAaAAAAAAAAAAAAAAAAAAAAAAAAAAAAAAAECcAABAnAAAAAAAAAAAAAAAAAAAAAAAAAAAAAAAAAAAAAAAAAAAAABQAAAAAAAAAwMD/AAAAAABkAAAAMgAAAAAAAABkAAAAAAAAAH9/fwAKAAAAIgAAABgAAAAAAAAAAAAAAAAAAAAAAAAAAAAAAAAAAAAkAAAAJAAAAAAAAAAHAAAAAAAAAAAAAAAAAAAAAAAAAAAAAAAAAAAAf39/ACUAAABYAAAAAAAAAAAAAAAAAAAAAAAAAAAAAAAAAAAAAAAAAAAAAAAAAAAAAAAAAAAAAAA/AAAAAAAAAKCGAQAAAAAAAAAAAAAAAAAMAAAAAQAAAAAAAAAAAAAAAAAAAB8AAABUAAAAAAAABQAAAAEAAAAAAAAAAAAAAAAAAAAAAAAAAAAAAAAAAAAAAAAAAAAAAAJ/f38AAAAAA8zMzADAwP8Af39/AAAAAAAAAAAAAAAAAAAAAAAAAAAAIQAAABgAAAAUAAAAwTUAABsnAABARwAAWSkAABAAAAAmAAAACAAAAAAAAAAAAAAAMAAAABQAAAAAAAAAAAD//wAAAQAAAP//AAABAA=="/>
               </a:ext>
             </a:extLst>
           </p:cNvSpPr>
@@ -584,7 +585,7 @@
           <a:lstStyle/>
           <a:p>
             <a:pPr/>
-            <a:fld id="{3F53E266-28D2-0614-9CEB-DE41ACA56A8B}" type="slidenum">
+            <a:fld id="{3DEF59DF-91D0-BAAF-9E57-67FA17196832}" type="slidenum">
               <a:t/>
             </a:fld>
           </a:p>
@@ -623,7 +624,7 @@
             <a:spLocks noGrp="1" noChangeArrowheads="1"/>
             <a:extLst>
               <a:ext uri="smNativeData">
-                <pr:smNativeData xmlns:pr="smNativeData" xmlns="smNativeData" val="SMDATA_16_CqSDZxMAAAAlAAAAZAAAAA8BAAAAkAAAAEgAAACQAAAASAAAAAAAAAACAAAAAQAAAAEAAABQAAAAAAAAAAAA4D8AAAAAAADgPwAAAAAAAOA/AAAAAAAA4D8AAAAAAADgPwAAAAAAAOA/AAAAAAAA4D8AAAAAAADgPwAAAAAAAOA/AAAAAAAA4D8CAAAAjAAAAAAAAAAAAAAAu+DjDP///wgAAAAAAAAAAAAAAAAAAAAAAAAAAAAAAAAAAAAAZAAAAAEAAABAAAAAAAAAAAAAAAAAAAAAAAAAAAAAAAAAAAAAAAAAAAAAAAAAAAAAAAAAAAAAAAAAAAAAAAAAAAAAAAAAAAAAAAAAAAAAAAAAAAAAAAAAAAAAAAAAAAAAFAAAADwAAAAAAAAAAAAAAAAAAAkUAAAAAQAAABQAAAAUAAAAFAAAAAEAAAAAAAAAZAAAAGQAAAAAAAAAZAAAAGQAAAAVAAAAYAAAAAAAAAAAAAAADwAAACADAAAAAAAAAAAAAAEAAACgMgAAVgcAAKr4//8BAAAAf39/AAEAAABkAAAAAAAAABQAAABAHwAAAAAAACYAAAAAAAAAwOD//wAAAAAmAAAAZAAAABYAAABMAAAAAAAAAAAAAAAEAAAAAAAAAAEAAACAgIAKAAAAACgAAAAoAAAAZAAAAGQAAAAAAAAAzMzMAAAAAABQAAAAUAAAAGQAAABkAAAAAAAAABcAAAAUAAAAAAAAAAAAAAD/fwAA/38AAAAAAAAJAAAABAAAAAAAAAAeAAAAaAAAAAAAAAAAAAAAAAAAAAAAAAAAAAAAECcAABAnAAAAAAAAAAAAAAAAAAAAAAAAAAAAAAAAAAAAAAAAAAAAABQAAAAAAAAAwMD/AAAAAABkAAAAMgAAAAAAAABkAAAAAAAAAH9/fwAKAAAAIgAAABgAAAAAAAAAAAAAAAAAAAAAAAAAAAAAAAAAAAAkAAAAJAAAAAAAAAAHAAAAAAAAAAAAAAAAAAAAAAAAAAAAAAAAAAAAf39/ACUAAABYAAAAAAAAAAAAAAAAAAAAAAAAAAAAAAAAAAAAAAAAAAAAAAAAAAAAAAAAAAAAAAA/AAAAAAAAAKCGAQAAAAAAAAAAAAAAAAAMAAAAAQAAAAAAAAAAAAAAAAAAAB8AAABUAAAAAAAABQAAAAEAAAAAAAAAAAAAAAAAAAAAAAAAAAAAAAAAAAAAAAAAAAAAAAJ/f38AAAAAA8zMzADAwP8Af39/AAAAAAAAAAAAAAAAAAAAAAAAAAAAIQAAABgAAAAUAAAAYDYAALABAABARwAAsCUAABAAAAAmAAAACAAAAIMAAAAAAAAAMAAAABQAAAAAAAAAAAD//wAAAQAAAP//AAABAA=="/>
+                <pr:smNativeData xmlns:pr="smNativeData" xmlns="smNativeData" val="SMDATA_16_ZvmgZxMAAAAlAAAAZAAAAA8BAAAAkAAAAEgAAACQAAAASAAAAAAAAAACAAAAAQAAAAEAAABQAAAAAAAAAAAA4D8AAAAAAADgPwAAAAAAAOA/AAAAAAAA4D8AAAAAAADgPwAAAAAAAOA/AAAAAAAA4D8AAAAAAADgPwAAAAAAAOA/AAAAAAAA4D8CAAAAjAAAAAAAAAAAAAAAu+DjDP///wgAAAAAAAAAAAAAAAAAAAAAAAAAAAAAAAAAAAAAZAAAAAEAAABAAAAAAAAAAAAAAAAAAAAAAAAAAAAAAAAAAAAAAAAAAAAAAAAAAAAAAAAAAAAAAAAAAAAAAAAAAAAAAAAAAAAAAAAAAAAAAAAAAAAAAAAAAAAAAAAAAAAAFAAAADwAAAAAAAAAAAAAAAAAAAkUAAAAAQAAABQAAAAUAAAAFAAAAAEAAAAAAAAAZAAAAGQAAAAAAAAAZAAAAGQAAAAVAAAAYAAAAAAAAAAAAAAADwAAACADAAAAAAAAAAAAAAEAAACgMgAAVgcAAKr4//8BAAAAf39/AAEAAABkAAAAAAAAABQAAABAHwAAAAAAACYAAAAAAAAAwOD//wAAAAAmAAAAZAAAABYAAABMAAAAAAAAAAAAAAAEAAAAAAAAAAEAAACAgIAKAAAAACgAAAAoAAAAZAAAAGQAAAAAAAAAzMzMAAAAAABQAAAAUAAAAGQAAABkAAAAAAAAABcAAAAUAAAAAAAAAAAAAAD/fwAA/38AAAAAAAAJAAAABAAAAAAAAAAeAAAAaAAAAAAAAAAAAAAAAAAAAAAAAAAAAAAAECcAABAnAAAAAAAAAAAAAAAAAAAAAAAAAAAAAAAAAAAAAAAAAAAAABQAAAAAAAAAwMD/AAAAAABkAAAAMgAAAAAAAABkAAAAAAAAAH9/fwAKAAAAIgAAABgAAAAAAAAAAAAAAAAAAAAAAAAAAAAAAAAAAAAkAAAAJAAAAAAAAAAHAAAAAAAAAAAAAAAAAAAAAAAAAAAAAAAAAAAAf39/ACUAAABYAAAAAAAAAAAAAAAAAAAAAAAAAAAAAAAAAAAAAAAAAAAAAAAAAAAAAAAAAAAAAAA/AAAAAAAAAKCGAQAAAAAAAAAAAAAAAAAMAAAAAQAAAAAAAAAAAAAAAAAAAB8AAABUAAAAAAAABQAAAAEAAAAAAAAAAAAAAAAAAAAAAAAAAAAAAAAAAAAAAAAAAAAAAAJ/f38AAAAAA8zMzADAwP8Af39/AAAAAAAAAAAAAAAAAAAAAAAAAAAAIQAAABgAAAAUAAAAYDYAALABAABARwAAsCUAABAAAAAmAAAACAAAAIMAAAAAAAAAMAAAABQAAAAAAAAAAAD//wAAAQAAAP//AAABAA=="/>
               </a:ext>
             </a:extLst>
           </p:cNvSpPr>
@@ -659,7 +660,7 @@
             <a:spLocks noGrp="1" noChangeArrowheads="1"/>
             <a:extLst>
               <a:ext uri="smNativeData">
-                <pr:smNativeData xmlns:pr="smNativeData" xmlns="smNativeData" val="SMDATA_16_CqSDZxMAAAAlAAAAZAAAAA8BAAAAkAAAAEgAAACQAAAASAAAAAAAAAAAAAAAAQAAAAEAAABQAAAAAAAAAAAA4D8AAAAAAADgPwAAAAAAAOA/AAAAAAAA4D8AAAAAAADgPwAAAAAAAOA/AAAAAAAA4D8AAAAAAADgPwAAAAAAAOA/AAAAAAAA4D8CAAAAjAAAAAAAAAAAAAAAu+DjDP///wgAAAAAAAAAAAAAAAAAAAAAAAAAAAAAAAAAAAAAZAAAAAEAAABAAAAAAAAAAAAAAAAAAAAAAAAAAAAAAAAAAAAAAAAAAAAAAAAAAAAAAAAAAAAAAAAAAAAAAAAAAAAAAAAAAAAAAAAAAAAAAAAAAAAAAAAAAAAAAAAAAAAAFAAAADwAAAAAAAAAAAAAAAAAAAkUAAAAAQAAABQAAAAUAAAAFAAAAAEAAAAAAAAAZAAAAGQAAAAAAAAAZAAAAGQAAAAVAAAAYAAAAAAAAAAAAAAADwAAACADAAAAAAAAAAAAAAEAAACgMgAAVgcAAKr4//8BAAAAf39/AAEAAABkAAAAAAAAABQAAABAHwAAAAAAACYAAAAAAAAAwOD//wAAAAAmAAAAZAAAABYAAABMAAAAAAAAAAAAAAAEAAAAAAAAAAEAAACAgIAKAAAAACgAAAAoAAAAZAAAAGQAAAAAAAAAzMzMAAAAAABQAAAAUAAAAGQAAABkAAAAAAAAABcAAAAUAAAAAAAAAAAAAAD/fwAA/38AAAAAAAAJAAAABAAAAAAAAAAeAAAAaAAAAAAAAAAAAAAAAAAAAAAAAAAAAAAAECcAABAnAAAAAAAAAAAAAAAAAAAAAAAAAAAAAAAAAAAAAAAAAAAAABQAAAAAAAAAwMD/AAAAAABkAAAAMgAAAAAAAABkAAAAAAAAAH9/fwAKAAAAIgAAABgAAAAAAAAAAAAAAAAAAAAAAAAAAAAAAAAAAAAkAAAAJAAAAAAAAAAHAAAAAAAAAAAAAAAAAAAAAAAAAAAAAAAAAAAAf39/ACUAAABYAAAAAAAAAAAAAAAAAAAAAAAAAAAAAAAAAAAAAAAAAAAAAAAAAAAAAAAAAAAAAAA/AAAAAAAAAKCGAQAAAAAAAAAAAAAAAAAMAAAAAQAAAAAAAAAAAAAAAAAAAB8AAABUAAAAAAAABQAAAAEAAAAAAAAAAAAAAAAAAAAAAAAAAAAAAAAAAAAAAAAAAAAAAAJ/f38AAAAAA8zMzADAwP8Af39/AAAAAAAAAAAAAAAAAAAAAAAAAAAAIQAAABgAAAAUAAAAwAMAALABAAAfNQAAsCUAABAAAAAmAAAACAAAAAMAAAAAAAAAMAAAABQAAAAAAAAAAAD//wAAAQAAAP//AAABAA=="/>
+                <pr:smNativeData xmlns:pr="smNativeData" xmlns="smNativeData" val="SMDATA_16_ZvmgZxMAAAAlAAAAZAAAAA8BAAAAkAAAAEgAAACQAAAASAAAAAAAAAAAAAAAAQAAAAEAAABQAAAAAAAAAAAA4D8AAAAAAADgPwAAAAAAAOA/AAAAAAAA4D8AAAAAAADgPwAAAAAAAOA/AAAAAAAA4D8AAAAAAADgPwAAAAAAAOA/AAAAAAAA4D8CAAAAjAAAAAAAAAAAAAAAu+DjDP///wgAAAAAAAAAAAAAAAAAAAAAAAAAAAAAAAAAAAAAZAAAAAEAAABAAAAAAAAAAAAAAAAAAAAAAAAAAAAAAAAAAAAAAAAAAAAAAAAAAAAAAAAAAAAAAAAAAAAAAAAAAAAAAAAAAAAAAAAAAAAAAAAAAAAAAAAAAAAAAAAAAAAAFAAAADwAAAAAAAAAAAAAAAAAAAkUAAAAAQAAABQAAAAUAAAAFAAAAAEAAAAAAAAAZAAAAGQAAAAAAAAAZAAAAGQAAAAVAAAAYAAAAAAAAAAAAAAADwAAACADAAAAAAAAAAAAAAEAAACgMgAAVgcAAKr4//8BAAAAf39/AAEAAABkAAAAAAAAABQAAABAHwAAAAAAACYAAAAAAAAAwOD//wAAAAAmAAAAZAAAABYAAABMAAAAAAAAAAAAAAAEAAAAAAAAAAEAAACAgIAKAAAAACgAAAAoAAAAZAAAAGQAAAAAAAAAzMzMAAAAAABQAAAAUAAAAGQAAABkAAAAAAAAABcAAAAUAAAAAAAAAAAAAAD/fwAA/38AAAAAAAAJAAAABAAAAAAAAAAeAAAAaAAAAAAAAAAAAAAAAAAAAAAAAAAAAAAAECcAABAnAAAAAAAAAAAAAAAAAAAAAAAAAAAAAAAAAAAAAAAAAAAAABQAAAAAAAAAwMD/AAAAAABkAAAAMgAAAAAAAABkAAAAAAAAAH9/fwAKAAAAIgAAABgAAAAAAAAAAAAAAAAAAAAAAAAAAAAAAAAAAAAkAAAAJAAAAAAAAAAHAAAAAAAAAAAAAAAAAAAAAAAAAAAAAAAAAAAAf39/ACUAAABYAAAAAAAAAAAAAAAAAAAAAAAAAAAAAAAAAAAAAAAAAAAAAAAAAAAAAAAAAAAAAAA/AAAAAAAAAKCGAQAAAAAAAAAAAAAAAAAMAAAAAQAAAAAAAAAAAAAAAAAAAB8AAABUAAAAAAAABQAAAAEAAAAAAAAAAAAAAAAAAAAAAAAAAAAAAAAAAAAAAAAAAAAAAAJ/f38AAAAAA8zMzADAwP8Af39/AAAAAAAAAAAAAAAAAAAAAAAAAAAAIQAAABgAAAAUAAAAwAMAALABAAAfNQAAsCUAABAAAAAmAAAACAAAAAMAAAAAAAAAMAAAABQAAAAAAAAAAAD//wAAAQAAAP//AAABAA=="/>
               </a:ext>
             </a:extLst>
           </p:cNvSpPr>
@@ -719,7 +720,7 @@
             <a:spLocks noGrp="1" noChangeArrowheads="1"/>
             <a:extLst>
               <a:ext uri="smNativeData">
-                <pr:smNativeData xmlns:pr="smNativeData" xmlns="smNativeData" val="SMDATA_16_CqSDZxMAAAAlAAAAZAAAAA8BAAAAkAAAAEgAAACQAAAASAAAAAAAAAABAAAAAAAAAAEAAABQAAAAAAAAAAAA4D8AAAAAAADgPwAAAAAAAOA/AAAAAAAA4D8AAAAAAADgPwAAAAAAAOA/AAAAAAAA4D8AAAAAAADgPwAAAAAAAOA/AAAAAAAA4D8CAAAAjAAAAAAAAAAAAAAAu+DjDP///wgAAAAAAAAAAAAAAAAAAAAAAAAAAAAAAAAAAAAAZAAAAAEAAABAAAAAAAAAAAAAAAAAAAAAAAAAAAAAAAAAAAAAAAAAAAAAAAAAAAAAAAAAAAAAAAAAAAAAAAAAAAAAAAAAAAAAAAAAAAAAAAAAAAAAAAAAAAAAAAAAAAAAFAAAADwAAAAAAAAAAAAAAAAAAAkUAAAAAQAAABQAAAAUAAAAFAAAAAEAAAAAAAAAZAAAAGQAAAAAAAAAZAAAAGQAAAAVAAAAYAAAAAAAAAAAAAAADwAAACADAAAAAAAAAAAAAAEAAACgMgAAVgcAAKr4//8BAAAAf39/AAEAAABkAAAAAAAAABQAAABAHwAAAAAAACYAAAAAAAAAwOD//wAAAAAmAAAAZAAAABYAAABMAAAAAAAAAAAAAAAEAAAAAAAAAAEAAACAgIAKAAAAACgAAAAoAAAAZAAAAGQAAAAAAAAAzMzMAAAAAABQAAAAUAAAAGQAAABkAAAAAAAAABcAAAAUAAAAAAAAAAAAAAD/fwAA/38AAAAAAAAJAAAABAAAAAAAAAAeAAAAaAAAAAAAAAAAAAAAAAAAAAAAAAAAAAAAECcAABAnAAAAAAAAAAAAAAAAAAAAAAAAAAAAAAAAAAAAAAAAAAAAABQAAAAAAAAAwMD/AAAAAABkAAAAMgAAAAAAAABkAAAAAAAAAH9/fwAKAAAAIgAAABgAAAAAAAAAAAAAAAAAAAAAAAAAAAAAAAAAAAAkAAAAJAAAAAAAAAAHAAAAAAAAAAAAAAAAAAAAAAAAAAAAAAAAAAAAf39/ACUAAABYAAAAAAAAAAAAAAAAAAAAAAAAAAAAAAAAAAAAAAAAAAAAAAAAAAAAAAAAAAAAAAA/AAAAAAAAAKCGAQAAAAAAAAAAAAAAAAAMAAAAAQAAAAAAAAAAAAAAAAAAAB8AAABUAAAAAAAABQAAAAEAAAAAAAAAAAAAAAAAAAAAAAAAAAAAAAAAAAAAAAAAAAAAAAJ/f38AAAAAA8zMzADAwP8Af39/AAAAAAAAAAAAAAAAAAAAAAAAAAAAIQAAABgAAAAUAAAAwAMAABsnAAA/FQAAWSkAABAAAAAmAAAACAAAAAAAAAAAAAAAMAAAABQAAAAAAAAAAAD//wAAAQAAAP//AAABAA=="/>
+                <pr:smNativeData xmlns:pr="smNativeData" xmlns="smNativeData" val="SMDATA_16_ZvmgZxMAAAAlAAAAZAAAAA8BAAAAkAAAAEgAAACQAAAASAAAAAAAAAABAAAAAAAAAAEAAABQAAAAAAAAAAAA4D8AAAAAAADgPwAAAAAAAOA/AAAAAAAA4D8AAAAAAADgPwAAAAAAAOA/AAAAAAAA4D8AAAAAAADgPwAAAAAAAOA/AAAAAAAA4D8CAAAAjAAAAAAAAAAAAAAAu+DjDP///wgAAAAAAAAAAAAAAAAAAAAAAAAAAAAAAAAAAAAAZAAAAAEAAABAAAAAAAAAAAAAAAAAAAAAAAAAAAAAAAAAAAAAAAAAAAAAAAAAAAAAAAAAAAAAAAAAAAAAAAAAAAAAAAAAAAAAAAAAAAAAAAAAAAAAAAAAAAAAAAAAAAAAFAAAADwAAAAAAAAAAAAAAAAAAAkUAAAAAQAAABQAAAAUAAAAFAAAAAEAAAAAAAAAZAAAAGQAAAAAAAAAZAAAAGQAAAAVAAAAYAAAAAAAAAAAAAAADwAAACADAAAAAAAAAAAAAAEAAACgMgAAVgcAAKr4//8BAAAAf39/AAEAAABkAAAAAAAAABQAAABAHwAAAAAAACYAAAAAAAAAwOD//wAAAAAmAAAAZAAAABYAAABMAAAAAAAAAAAAAAAEAAAAAAAAAAEAAACAgIAKAAAAACgAAAAoAAAAZAAAAGQAAAAAAAAAzMzMAAAAAABQAAAAUAAAAGQAAABkAAAAAAAAABcAAAAUAAAAAAAAAAAAAAD/fwAA/38AAAAAAAAJAAAABAAAAAAAAAAeAAAAaAAAAAAAAAAAAAAAAAAAAAAAAAAAAAAAECcAABAnAAAAAAAAAAAAAAAAAAAAAAAAAAAAAAAAAAAAAAAAAAAAABQAAAAAAAAAwMD/AAAAAABkAAAAMgAAAAAAAABkAAAAAAAAAH9/fwAKAAAAIgAAABgAAAAAAAAAAAAAAAAAAAAAAAAAAAAAAAAAAAAkAAAAJAAAAAAAAAAHAAAAAAAAAAAAAAAAAAAAAAAAAAAAAAAAAAAAf39/ACUAAABYAAAAAAAAAAAAAAAAAAAAAAAAAAAAAAAAAAAAAAAAAAAAAAAAAAAAAAAAAAAAAAA/AAAAAAAAAKCGAQAAAAAAAAAAAAAAAAAMAAAAAQAAAAAAAAAAAAAAAAAAAB8AAABUAAAAAAAABQAAAAEAAAAAAAAAAAAAAAAAAAAAAAAAAAAAAAAAAAAAAAAAAAAAAAJ/f38AAAAAA8zMzADAwP8Af39/AAAAAAAAAAAAAAAAAAAAAAAAAAAAIQAAABgAAAAUAAAAwAMAABsnAAA/FQAAWSkAABAAAAAmAAAACAAAAAAAAAAAAAAAMAAAABQAAAAAAAAAAAD//wAAAQAAAP//AAABAA=="/>
               </a:ext>
             </a:extLst>
           </p:cNvSpPr>
@@ -733,7 +734,7 @@
           <a:lstStyle/>
           <a:p>
             <a:pPr/>
-            <a:fld id="{3F53A7DE-90D2-0651-9CEB-6604E9A56A33}" type="datetime1">
+            <a:fld id="{3DEF3959-17D0-BACF-9E57-E19A771968B4}" type="datetime1">
               <a:t/>
             </a:fld>
           </a:p>
@@ -746,7 +747,7 @@
             <a:spLocks noGrp="1" noChangeArrowheads="1"/>
             <a:extLst>
               <a:ext uri="smNativeData">
-                <pr:smNativeData xmlns:pr="smNativeData" xmlns="smNativeData" val="SMDATA_16_CqSDZxMAAAAlAAAAZAAAAA8BAAAAkAAAAEgAAACQAAAASAAAAAAAAAABAAAAAAAAAAEAAABQAAAAAAAAAAAA4D8AAAAAAADgPwAAAAAAAOA/AAAAAAAA4D8AAAAAAADgPwAAAAAAAOA/AAAAAAAA4D8AAAAAAADgPwAAAAAAAOA/AAAAAAAA4D8CAAAAjAAAAAAAAAAAAAAAu+DjDP///wgAAAAAAAAAAAAAAAAAAAAAAAAAAAAAAAAAAAAAZAAAAAEAAABAAAAAAAAAAAAAAAAAAAAAAAAAAAAAAAAAAAAAAAAAAAAAAAAAAAAAAAAAAAAAAAAAAAAAAAAAAAAAAAAAAAAAAAAAAAAAAAAAAAAAAAAAAAAAAAAAAAAAFAAAADwAAAAAAAAAAAAAAAAAAAkUAAAAAQAAABQAAAAUAAAAFAAAAAEAAAAAAAAAZAAAAGQAAAAAAAAAZAAAAGQAAAAVAAAAYAAAAAAAAAAAAAAADwAAACADAAAAAAAAAAAAAAEAAACgMgAAVgcAAKr4//8BAAAAf39/AAEAAABkAAAAAAAAABQAAABAHwAAAAAAACYAAAAAAAAAwOD//wAAAAAmAAAAZAAAABYAAABMAAAAAAAAAAAAAAAEAAAAAAAAAAEAAACAgIAKAAAAACgAAAAoAAAAZAAAAGQAAAAAAAAAzMzMAAAAAABQAAAAUAAAAGQAAABkAAAAAAAAABcAAAAUAAAAAAAAAAAAAAD/fwAA/38AAAAAAAAJAAAABAAAAAAAAAAeAAAAaAAAAAAAAAAAAAAAAAAAAAAAAAAAAAAAECcAABAnAAAAAAAAAAAAAAAAAAAAAAAAAAAAAAAAAAAAAAAAAAAAABQAAAAAAAAAwMD/AAAAAABkAAAAMgAAAAAAAABkAAAAAAAAAH9/fwAKAAAAIgAAABgAAAAAAAAAAAAAAAAAAAAAAAAAAAAAAAAAAAAkAAAAJAAAAAAAAAAHAAAAAAAAAAAAAAAAAAAAAAAAAAAAAAAAAAAAf39/ACUAAABYAAAAAAAAAAAAAAAAAAAAAAAAAAAAAAAAAAAAAAAAAAAAAAAAAAAAAAAAAAAAAAA/AAAAAAAAAKCGAQAAAAAAAAAAAAAAAAAMAAAAAQAAAAAAAAAAAAAAAAAAAB8AAABUAAAAAAAABQAAAAEAAAAAAAAAAAAAAAAAAAAAAAAAAAAAAAAAAAAAAAAAAAAAAAJ/f38AAAAAA8zMzADAwP8Af39/AAAAAAAAAAAAAAAAAAAAAAAAAAAAIQAAABgAAAAUAAAAoRkAABsnAABfMQAAWSkAABAAAAAmAAAACAAAAAAAAAAAAAAAMAAAABQAAAAAAAAAAAD//wAAAQAAAP//AAABAA=="/>
+                <pr:smNativeData xmlns:pr="smNativeData" xmlns="smNativeData" val="SMDATA_16_ZvmgZxMAAAAlAAAAZAAAAA8BAAAAkAAAAEgAAACQAAAASAAAAAAAAAABAAAAAAAAAAEAAABQAAAAAAAAAAAA4D8AAAAAAADgPwAAAAAAAOA/AAAAAAAA4D8AAAAAAADgPwAAAAAAAOA/AAAAAAAA4D8AAAAAAADgPwAAAAAAAOA/AAAAAAAA4D8CAAAAjAAAAAAAAAAAAAAAu+DjDP///wgAAAAAAAAAAAAAAAAAAAAAAAAAAAAAAAAAAAAAZAAAAAEAAABAAAAAAAAAAAAAAAAAAAAAAAAAAAAAAAAAAAAAAAAAAAAAAAAAAAAAAAAAAAAAAAAAAAAAAAAAAAAAAAAAAAAAAAAAAAAAAAAAAAAAAAAAAAAAAAAAAAAAFAAAADwAAAAAAAAAAAAAAAAAAAkUAAAAAQAAABQAAAAUAAAAFAAAAAEAAAAAAAAAZAAAAGQAAAAAAAAAZAAAAGQAAAAVAAAAYAAAAAAAAAAAAAAADwAAACADAAAAAAAAAAAAAAEAAACgMgAAVgcAAKr4//8BAAAAf39/AAEAAABkAAAAAAAAABQAAABAHwAAAAAAACYAAAAAAAAAwOD//wAAAAAmAAAAZAAAABYAAABMAAAAAAAAAAAAAAAEAAAAAAAAAAEAAACAgIAKAAAAACgAAAAoAAAAZAAAAGQAAAAAAAAAzMzMAAAAAABQAAAAUAAAAGQAAABkAAAAAAAAABcAAAAUAAAAAAAAAAAAAAD/fwAA/38AAAAAAAAJAAAABAAAAAAAAAAeAAAAaAAAAAAAAAAAAAAAAAAAAAAAAAAAAAAAECcAABAnAAAAAAAAAAAAAAAAAAAAAAAAAAAAAAAAAAAAAAAAAAAAABQAAAAAAAAAwMD/AAAAAABkAAAAMgAAAAAAAABkAAAAAAAAAH9/fwAKAAAAIgAAABgAAAAAAAAAAAAAAAAAAAAAAAAAAAAAAAAAAAAkAAAAJAAAAAAAAAAHAAAAAAAAAAAAAAAAAAAAAAAAAAAAAAAAAAAAf39/ACUAAABYAAAAAAAAAAAAAAAAAAAAAAAAAAAAAAAAAAAAAAAAAAAAAAAAAAAAAAAAAAAAAAA/AAAAAAAAAKCGAQAAAAAAAAAAAAAAAAAMAAAAAQAAAAAAAAAAAAAAAAAAAB8AAABUAAAAAAAABQAAAAEAAAAAAAAAAAAAAAAAAAAAAAAAAAAAAAAAAAAAAAAAAAAAAAJ/f38AAAAAA8zMzADAwP8Af39/AAAAAAAAAAAAAAAAAAAAAAAAAAAAIQAAABgAAAAUAAAAoRkAABsnAABfMQAAWSkAABAAAAAmAAAACAAAAAAAAAAAAAAAMAAAABQAAAAAAAAAAAD//wAAAQAAAP//AAABAA=="/>
               </a:ext>
             </a:extLst>
           </p:cNvSpPr>
@@ -770,7 +771,7 @@
             <a:spLocks noGrp="1" noChangeArrowheads="1"/>
             <a:extLst>
               <a:ext uri="smNativeData">
-                <pr:smNativeData xmlns:pr="smNativeData" xmlns="smNativeData" val="SMDATA_16_CqSDZxMAAAAlAAAAZAAAAA8BAAAAkAAAAEgAAACQAAAASAAAAAAAAAABAAAAAAAAAAEAAABQAAAAAAAAAAAA4D8AAAAAAADgPwAAAAAAAOA/AAAAAAAA4D8AAAAAAADgPwAAAAAAAOA/AAAAAAAA4D8AAAAAAADgPwAAAAAAAOA/AAAAAAAA4D8CAAAAjAAAAAAAAAAAAAAAu+DjDP///wgAAAAAAAAAAAAAAAAAAAAAAAAAAAAAAAAAAAAAZAAAAAEAAABAAAAAAAAAAAAAAAAAAAAAAAAAAAAAAAAAAAAAAAAAAAAAAAAAAAAAAAAAAAAAAAAAAAAAAAAAAAAAAAAAAAAAAAAAAAAAAAAAAAAAAAAAAAAAAAAAAAAAFAAAADwAAAAAAAAAAAAAAAAAAAkUAAAAAQAAABQAAAAUAAAAFAAAAAEAAAAAAAAAZAAAAGQAAAAAAAAAZAAAAGQAAAAVAAAAYAAAAAAAAAAAAAAADwAAACADAAAAAAAAAAAAAAEAAACgMgAAVgcAAKr4//8BAAAAf39/AAEAAABkAAAAAAAAABQAAABAHwAAAAAAACYAAAAAAAAAwOD//wAAAAAmAAAAZAAAABYAAABMAAAAAAAAAAAAAAAEAAAAAAAAAAEAAACAgIAKAAAAACgAAAAoAAAAZAAAAGQAAAAAAAAAzMzMAAAAAABQAAAAUAAAAGQAAABkAAAAAAAAABcAAAAUAAAAAAAAAAAAAAD/fwAA/38AAAAAAAAJAAAABAAAAAAAAAAeAAAAaAAAAAAAAAAAAAAAAAAAAAAAAAAAAAAAECcAABAnAAAAAAAAAAAAAAAAAAAAAAAAAAAAAAAAAAAAAAAAAAAAABQAAAAAAAAAwMD/AAAAAABkAAAAMgAAAAAAAABkAAAAAAAAAH9/fwAKAAAAIgAAABgAAAAAAAAAAAAAAAAAAAAAAAAAAAAAAAAAAAAkAAAAJAAAAAAAAAAHAAAAAAAAAAAAAAAAAAAAAAAAAAAAAAAAAAAAf39/ACUAAABYAAAAAAAAAAAAAAAAAAAAAAAAAAAAAAAAAAAAAAAAAAAAAAAAAAAAAAAAAAAAAAA/AAAAAAAAAKCGAQAAAAAAAAAAAAAAAAAMAAAAAQAAAAAAAAAAAAAAAAAAAB8AAABUAAAAAAAABQAAAAEAAAAAAAAAAAAAAAAAAAAAAAAAAAAAAAAAAAAAAAAAAAAAAAJ/f38AAAAAA8zMzADAwP8Af39/AAAAAAAAAAAAAAAAAAAAAAAAAAAAIQAAABgAAAAUAAAAwTUAABsnAABARwAAWSkAABAAAAAmAAAACAAAAAAAAAAAAAAAMAAAABQAAAAAAAAAAAD//wAAAQAAAP//AAABAA=="/>
+                <pr:smNativeData xmlns:pr="smNativeData" xmlns="smNativeData" val="SMDATA_16_ZvmgZxMAAAAlAAAAZAAAAA8BAAAAkAAAAEgAAACQAAAASAAAAAAAAAABAAAAAAAAAAEAAABQAAAAAAAAAAAA4D8AAAAAAADgPwAAAAAAAOA/AAAAAAAA4D8AAAAAAADgPwAAAAAAAOA/AAAAAAAA4D8AAAAAAADgPwAAAAAAAOA/AAAAAAAA4D8CAAAAjAAAAAAAAAAAAAAAu+DjDP///wgAAAAAAAAAAAAAAAAAAAAAAAAAAAAAAAAAAAAAZAAAAAEAAABAAAAAAAAAAAAAAAAAAAAAAAAAAAAAAAAAAAAAAAAAAAAAAAAAAAAAAAAAAAAAAAAAAAAAAAAAAAAAAAAAAAAAAAAAAAAAAAAAAAAAAAAAAAAAAAAAAAAAFAAAADwAAAAAAAAAAAAAAAAAAAkUAAAAAQAAABQAAAAUAAAAFAAAAAEAAAAAAAAAZAAAAGQAAAAAAAAAZAAAAGQAAAAVAAAAYAAAAAAAAAAAAAAADwAAACADAAAAAAAAAAAAAAEAAACgMgAAVgcAAKr4//8BAAAAf39/AAEAAABkAAAAAAAAABQAAABAHwAAAAAAACYAAAAAAAAAwOD//wAAAAAmAAAAZAAAABYAAABMAAAAAAAAAAAAAAAEAAAAAAAAAAEAAACAgIAKAAAAACgAAAAoAAAAZAAAAGQAAAAAAAAAzMzMAAAAAABQAAAAUAAAAGQAAABkAAAAAAAAABcAAAAUAAAAAAAAAAAAAAD/fwAA/38AAAAAAAAJAAAABAAAAAAAAAAeAAAAaAAAAAAAAAAAAAAAAAAAAAAAAAAAAAAAECcAABAnAAAAAAAAAAAAAAAAAAAAAAAAAAAAAAAAAAAAAAAAAAAAABQAAAAAAAAAwMD/AAAAAABkAAAAMgAAAAAAAABkAAAAAAAAAH9/fwAKAAAAIgAAABgAAAAAAAAAAAAAAAAAAAAAAAAAAAAAAAAAAAAkAAAAJAAAAAAAAAAHAAAAAAAAAAAAAAAAAAAAAAAAAAAAAAAAAAAAf39/ACUAAABYAAAAAAAAAAAAAAAAAAAAAAAAAAAAAAAAAAAAAAAAAAAAAAAAAAAAAAAAAAAAAAA/AAAAAAAAAKCGAQAAAAAAAAAAAAAAAAAMAAAAAQAAAAAAAAAAAAAAAAAAAB8AAABUAAAAAAAABQAAAAEAAAAAAAAAAAAAAAAAAAAAAAAAAAAAAAAAAAAAAAAAAAAAAAJ/f38AAAAAA8zMzADAwP8Af39/AAAAAAAAAAAAAAAAAAAAAAAAAAAAIQAAABgAAAAUAAAAwTUAABsnAABARwAAWSkAABAAAAAmAAAACAAAAAAAAAAAAAAAMAAAABQAAAAAAAAAAAD//wAAAQAAAP//AAABAA=="/>
               </a:ext>
             </a:extLst>
           </p:cNvSpPr>
@@ -784,7 +785,7 @@
           <a:lstStyle/>
           <a:p>
             <a:pPr/>
-            <a:fld id="{3F53A8A8-E6D2-065E-9CEB-100BE6A56A45}" type="slidenum">
+            <a:fld id="{3DEF5FFE-B0D0-BAA9-9E57-46FC11196813}" type="slidenum">
               <a:t/>
             </a:fld>
           </a:p>
@@ -823,7 +824,7 @@
             <a:spLocks noGrp="1" noChangeArrowheads="1"/>
             <a:extLst>
               <a:ext uri="smNativeData">
-                <pr:smNativeData xmlns:pr="smNativeData" xmlns="smNativeData" val="SMDATA_16_CqSDZxMAAAAlAAAAZAAAAA8BAAAAkAAAAEgAAACQAAAASAAAAAAAAAABAAAAAAAAAAEAAABQAAAAAAAAAAAA4D8AAAAAAADgPwAAAAAAAOA/AAAAAAAA4D8AAAAAAADgPwAAAAAAAOA/AAAAAAAA4D8AAAAAAADgPwAAAAAAAOA/AAAAAAAA4D8CAAAAjAAAAAAAAAAAAAAAu+DjDP///wgAAAAAAAAAAAAAAAAAAAAAAAAAAAAAAAAAAAAAZAAAAAEAAABAAAAAAAAAAAAAAAAAAAAAAAAAAAAAAAAAAAAAAAAAAAAAAAAAAAAAAAAAAAAAAAAAAAAAAAAAAAAAAAAAAAAAAAAAAAAAAAAAAAAAAAAAAAAAAAAAAAAAFAAAADwAAAAAAAAAAAAAAAAAAAkUAAAAAQAAABQAAAAUAAAAFAAAAAEAAAAAAAAAZAAAAGQAAAAAAAAAZAAAAGQAAAAVAAAAYAAAAAAAAAAAAAAADwAAACADAAAAAAAAAAAAAAEAAACgMgAAVgcAAKr4//8BAAAAf39/AAEAAABkAAAAAAAAABQAAABAHwAAAAAAACYAAAAAAAAAwOD//wAAAAAmAAAAZAAAABYAAABMAAAAAAAAAAAAAAAEAAAAAAAAAAEAAACAgIAKAAAAACgAAAAoAAAAZAAAAGQAAAAAAAAAzMzMAAAAAABQAAAAUAAAAGQAAABkAAAAAAAAABcAAAAUAAAAAAAAAAAAAAD/fwAA/38AAAAAAAAJAAAABAAAAAAAAAAeAAAAaAAAAAAAAAAAAAAAAAAAAAAAAAAAAAAAECcAABAnAAAAAAAAAAAAAAAAAAAAAAAAAAAAAAAAAAAAAAAAAAAAABQAAAAAAAAAwMD/AAAAAABkAAAAMgAAAAAAAABkAAAAAAAAAH9/fwAKAAAAIgAAABgAAAAAAAAAAAAAAAAAAAAAAAAAAAAAAAAAAAAkAAAAJAAAAAAAAAAHAAAAAAAAAAAAAAAAAAAAAAAAAAAAAAAAAAAAf39/ACUAAABYAAAAAAAAAAAAAAAAAAAAAAAAAAAAAAAAAAAAAAAAAAAAAAAAAAAAAAAAAAAAAAA/AAAAAAAAAKCGAQAAAAAAAAAAAAAAAAAMAAAAAQAAAAAAAAAAAAAAAAAAAB8AAABUAAAAAAAABQAAAAEAAAAAAAAAAAAAAAAAAAAAAAAAAAAAAAAAAAAAAAAAAAAAAAJ/f38AAAAAA8zMzADAwP8Af39/AAAAAAAAAAAAAAAAAAAAAAAAAAAAIQAAABgAAAAUAAAAwAMAALABAABARwAAuAgAABAAAAAmAAAACAAAAAAAAAAAAAAAMAAAABQAAAAAAAAAAAD//wAAAQAAAP//AAABAA=="/>
+                <pr:smNativeData xmlns:pr="smNativeData" xmlns="smNativeData" val="SMDATA_16_ZvmgZxMAAAAlAAAAZAAAAA8BAAAAkAAAAEgAAACQAAAASAAAAAAAAAABAAAAAAAAAAEAAABQAAAAAAAAAAAA4D8AAAAAAADgPwAAAAAAAOA/AAAAAAAA4D8AAAAAAADgPwAAAAAAAOA/AAAAAAAA4D8AAAAAAADgPwAAAAAAAOA/AAAAAAAA4D8CAAAAjAAAAAAAAAAAAAAAu+DjDP///wgAAAAAAAAAAAAAAAAAAAAAAAAAAAAAAAAAAAAAZAAAAAEAAABAAAAAAAAAAAAAAAAAAAAAAAAAAAAAAAAAAAAAAAAAAAAAAAAAAAAAAAAAAAAAAAAAAAAAAAAAAAAAAAAAAAAAAAAAAAAAAAAAAAAAAAAAAAAAAAAAAAAAFAAAADwAAAAAAAAAAAAAAAAAAAkUAAAAAQAAABQAAAAUAAAAFAAAAAEAAAAAAAAAZAAAAGQAAAAAAAAAZAAAAGQAAAAVAAAAYAAAAAAAAAAAAAAADwAAACADAAAAAAAAAAAAAAEAAACgMgAAVgcAAKr4//8BAAAAf39/AAEAAABkAAAAAAAAABQAAABAHwAAAAAAACYAAAAAAAAAwOD//wAAAAAmAAAAZAAAABYAAABMAAAAAAAAAAAAAAAEAAAAAAAAAAEAAACAgIAKAAAAACgAAAAoAAAAZAAAAGQAAAAAAAAAzMzMAAAAAABQAAAAUAAAAGQAAABkAAAAAAAAABcAAAAUAAAAAAAAAAAAAAD/fwAA/38AAAAAAAAJAAAABAAAAAAAAAAeAAAAaAAAAAAAAAAAAAAAAAAAAAAAAAAAAAAAECcAABAnAAAAAAAAAAAAAAAAAAAAAAAAAAAAAAAAAAAAAAAAAAAAABQAAAAAAAAAwMD/AAAAAABkAAAAMgAAAAAAAABkAAAAAAAAAH9/fwAKAAAAIgAAABgAAAAAAAAAAAAAAAAAAAAAAAAAAAAAAAAAAAAkAAAAJAAAAAAAAAAHAAAAAAAAAAAAAAAAAAAAAAAAAAAAAAAAAAAAf39/ACUAAABYAAAAAAAAAAAAAAAAAAAAAAAAAAAAAAAAAAAAAAAAAAAAAAAAAAAAAAAAAAAAAAA/AAAAAAAAAKCGAQAAAAAAAAAAAAAAAAAMAAAAAQAAAAAAAAAAAAAAAAAAAB8AAABUAAAAAAAABQAAAAEAAAAAAAAAAAAAAAAAAAAAAAAAAAAAAAAAAAAAAAAAAAAAAAJ/f38AAAAAA8zMzADAwP8Af39/AAAAAAAAAAAAAAAAAAAAAAAAAAAAIQAAABgAAAAUAAAAwAMAALABAABARwAAuAgAABAAAAAmAAAACAAAAAAAAAAAAAAAMAAAABQAAAAAAAAAAAD//wAAAQAAAP//AAABAA=="/>
               </a:ext>
             </a:extLst>
           </p:cNvSpPr>
@@ -850,7 +851,7 @@
             <a:spLocks noGrp="1" noChangeArrowheads="1"/>
             <a:extLst>
               <a:ext uri="smNativeData">
-                <pr:smNativeData xmlns:pr="smNativeData" xmlns="smNativeData" val="SMDATA_16_CqSDZxMAAAAlAAAAZAAAAA8BAAAAkAAAAEgAAACQAAAASAAAAAAAAAAAAAAAAAAAAAEAAABQAAAAAAAAAAAA4D8AAAAAAADgPwAAAAAAAOA/AAAAAAAA4D8AAAAAAADgPwAAAAAAAOA/AAAAAAAA4D8AAAAAAADgPwAAAAAAAOA/AAAAAAAA4D8CAAAAjAAAAAAAAAAAAAAAu+DjDP///wgAAAAAAAAAAAAAAAAAAAAAAAAAAAAAAAAAAAAAZAAAAAEAAABAAAAAAAAAAAAAAAAAAAAAAAAAAAAAAAAAAAAAAAAAAAAAAAAAAAAAAAAAAAAAAAAAAAAAAAAAAAAAAAAAAAAAAAAAAAAAAAAAAAAAAAAAAAAAAAAAAAAAFAAAADwAAAAAAAAAAAAAAAAAAAkUAAAAAQAAABQAAAAUAAAAFAAAAAEAAAAAAAAAZAAAAGQAAAAAAAAAZAAAAGQAAAAVAAAAYAAAAAAAAAAAAAAADwAAACADAAAAAAAAAAAAAAEAAACgMgAAVgcAAKr4//8BAAAAf39/AAEAAABkAAAAAAAAABQAAABAHwAAAAAAACYAAAAAAAAAwOD//wAAAAAmAAAAZAAAABYAAABMAAAAAAAAAAAAAAAEAAAAAAAAAAEAAACAgIAKAAAAACgAAAAoAAAAZAAAAGQAAAAAAAAAzMzMAAAAAABQAAAAUAAAAGQAAABkAAAAAAAAABcAAAAUAAAAAAAAAAAAAAD/fwAA/38AAAAAAAAJAAAABAAAAAAAAAAeAAAAaAAAAAAAAAAAAAAAAAAAAAAAAAAAAAAAECcAABAnAAAAAAAAAAAAAAAAAAAAAAAAAAAAAAAAAAAAAAAAAAAAABQAAAAAAAAAwMD/AAAAAABkAAAAMgAAAAAAAABkAAAAAAAAAH9/fwAKAAAAIgAAABgAAAAAAAAAAAAAAAAAAAAAAAAAAAAAAAAAAAAkAAAAJAAAAAAAAAAHAAAAAAAAAAAAAAAAAAAAAAAAAAAAAAAAAAAAf39/ACUAAABYAAAAAAAAAAAAAAAAAAAAAAAAAAAAAAAAAAAAAAAAAAAAAAAAAAAAAAAAAAAAAAA/AAAAAAAAAKCGAQAAAAAAAAAAAAAAAAAMAAAAAQAAAAAAAAAAAAAAAAAAAB8AAABUAAAAAAAABQAAAAEAAAAAAAAAAAAAAAAAAAAAAAAAAAAAAAAAAAAAAAAAAAAAAAJ/f38AAAAAA8zMzADAwP8Af39/AAAAAAAAAAAAAAAAAAAAAAAAAAAAIQAAABgAAAAUAAAAwAMAANgJAABARwAAsCUAABAAAAAmAAAACAAAAAAAAAAAAAAAMAAAABQAAAAAAAAAAAD//wAAAQAAAP//AAABAA=="/>
+                <pr:smNativeData xmlns:pr="smNativeData" xmlns="smNativeData" val="SMDATA_16_ZvmgZxMAAAAlAAAAZAAAAA8BAAAAkAAAAEgAAACQAAAASAAAAAAAAAAAAAAAAAAAAAEAAABQAAAAAAAAAAAA4D8AAAAAAADgPwAAAAAAAOA/AAAAAAAA4D8AAAAAAADgPwAAAAAAAOA/AAAAAAAA4D8AAAAAAADgPwAAAAAAAOA/AAAAAAAA4D8CAAAAjAAAAAAAAAAAAAAAu+DjDP///wgAAAAAAAAAAAAAAAAAAAAAAAAAAAAAAAAAAAAAZAAAAAEAAABAAAAAAAAAAAAAAAAAAAAAAAAAAAAAAAAAAAAAAAAAAAAAAAAAAAAAAAAAAAAAAAAAAAAAAAAAAAAAAAAAAAAAAAAAAAAAAAAAAAAAAAAAAAAAAAAAAAAAFAAAADwAAAAAAAAAAAAAAAAAAAkUAAAAAQAAABQAAAAUAAAAFAAAAAEAAAAAAAAAZAAAAGQAAAAAAAAAZAAAAGQAAAAVAAAAYAAAAAAAAAAAAAAADwAAACADAAAAAAAAAAAAAAEAAACgMgAAVgcAAKr4//8BAAAAf39/AAEAAABkAAAAAAAAABQAAABAHwAAAAAAACYAAAAAAAAAwOD//wAAAAAmAAAAZAAAABYAAABMAAAAAAAAAAAAAAAEAAAAAAAAAAEAAACAgIAKAAAAACgAAAAoAAAAZAAAAGQAAAAAAAAAzMzMAAAAAABQAAAAUAAAAGQAAABkAAAAAAAAABcAAAAUAAAAAAAAAAAAAAD/fwAA/38AAAAAAAAJAAAABAAAAAAAAAAeAAAAaAAAAAAAAAAAAAAAAAAAAAAAAAAAAAAAECcAABAnAAAAAAAAAAAAAAAAAAAAAAAAAAAAAAAAAAAAAAAAAAAAABQAAAAAAAAAwMD/AAAAAABkAAAAMgAAAAAAAABkAAAAAAAAAH9/fwAKAAAAIgAAABgAAAAAAAAAAAAAAAAAAAAAAAAAAAAAAAAAAAAkAAAAJAAAAAAAAAAHAAAAAAAAAAAAAAAAAAAAAAAAAAAAAAAAAAAAf39/ACUAAABYAAAAAAAAAAAAAAAAAAAAAAAAAAAAAAAAAAAAAAAAAAAAAAAAAAAAAAAAAAAAAAA/AAAAAAAAAKCGAQAAAAAAAAAAAAAAAAAMAAAAAQAAAAAAAAAAAAAAAAAAAB8AAABUAAAAAAAABQAAAAEAAAAAAAAAAAAAAAAAAAAAAAAAAAAAAAAAAAAAAAAAAAAAAAJ/f38AAAAAA8zMzADAwP8Af39/AAAAAAAAAAAAAAAAAAAAAAAAAAAAIQAAABgAAAAUAAAAwAMAANgJAABARwAAsCUAABAAAAAmAAAACAAAAAAAAAAAAAAAMAAAABQAAAAAAAAAAAD//wAAAQAAAP//AAABAA=="/>
               </a:ext>
             </a:extLst>
           </p:cNvSpPr>
@@ -901,7 +902,7 @@
             <a:spLocks noGrp="1" noChangeArrowheads="1"/>
             <a:extLst>
               <a:ext uri="smNativeData">
-                <pr:smNativeData xmlns:pr="smNativeData" xmlns="smNativeData" val="SMDATA_16_CqSDZxMAAAAlAAAAZAAAAA8BAAAAkAAAAEgAAACQAAAASAAAAAAAAAABAAAAAAAAAAEAAABQAAAAAAAAAAAA4D8AAAAAAADgPwAAAAAAAOA/AAAAAAAA4D8AAAAAAADgPwAAAAAAAOA/AAAAAAAA4D8AAAAAAADgPwAAAAAAAOA/AAAAAAAA4D8CAAAAjAAAAAAAAAAAAAAAu+DjDP///wgAAAAAAAAAAAAAAAAAAAAAAAAAAAAAAAAAAAAAZAAAAAEAAABAAAAAAAAAAAAAAAAAAAAAAAAAAAAAAAAAAAAAAAAAAAAAAAAAAAAAAAAAAAAAAAAAAAAAAAAAAAAAAAAAAAAAAAAAAAAAAAAAAAAAAAAAAAAAAAAAAAAAFAAAADwAAAAAAAAAAAAAAAAAAAkUAAAAAQAAABQAAAAUAAAAFAAAAAEAAAAAAAAAZAAAAGQAAAAAAAAAZAAAAGQAAAAVAAAAYAAAAAAAAAAAAAAADwAAACADAAAAAAAAAAAAAAEAAACgMgAAVgcAAKr4//8BAAAAf39/AAEAAABkAAAAAAAAABQAAABAHwAAAAAAACYAAAAAAAAAwOD//wAAAAAmAAAAZAAAABYAAABMAAAAAAAAAAAAAAAEAAAAAAAAAAEAAACAgIAKAAAAACgAAAAoAAAAZAAAAGQAAAAAAAAAzMzMAAAAAABQAAAAUAAAAGQAAABkAAAAAAAAABcAAAAUAAAAAAAAAAAAAAD/fwAA/38AAAAAAAAJAAAABAAAANw7IAEeAAAAaAAAAAAAAAAAAAAAAAAAAAAAAAAAAAAAECcAABAnAAAAAAAAAAAAAAAAAAAAAAAAAAAAAAAAAAAAAAAAAAAAABQAAAAAAAAAwMD/AAAAAABkAAAAMgAAAAAAAABkAAAAAAAAAH9/fwAKAAAAIgAAABgAAAAAAAAAAAAAAAAAAAAAAAAAAAAAAAAAAAAkAAAAJAAAAAAAAAAHAAAAAAAAAAAAAAAAAAAAAAAAAAAAAAAAAAAAf39/ACUAAABYAAAAAAAAAAAAAAAAAAAAAAAAAAAAAAAAAAAAAAAAAAAAAAAAAAAAAAAAAAAAAAA/AAAAAAAAAKCGAQAAAAAAAAAAAAAAAAAMAAAAAQAAAAAAAAAAAAAAAAAAAB8AAABUAAAAAAAABQAAAAEAAAAAAAAAAAAAAAAAAAAAAAAAAAAAAAAAAAAAAAAAAAAAAAJ/f38AAAAAA8zMzADAwP8Af39/AAAAAAAAAAAAAAAAAAAAAAAAAAAAIQAAABgAAAAUAAAAwAMAABsnAAA/FQAAWSkAABAAAAAmAAAACAAAAAAAAAAAAAAAMAAAABQAAAAAAAAAAAD//wAAAQAAAP//AAABAA=="/>
+                <pr:smNativeData xmlns:pr="smNativeData" xmlns="smNativeData" val="SMDATA_16_ZvmgZxMAAAAlAAAAZAAAAA8BAAAAkAAAAEgAAACQAAAASAAAAAAAAAABAAAAAAAAAAEAAABQAAAAAAAAAAAA4D8AAAAAAADgPwAAAAAAAOA/AAAAAAAA4D8AAAAAAADgPwAAAAAAAOA/AAAAAAAA4D8AAAAAAADgPwAAAAAAAOA/AAAAAAAA4D8CAAAAjAAAAAAAAAAAAAAAu+DjDP///wgAAAAAAAAAAAAAAAAAAAAAAAAAAAAAAAAAAAAAZAAAAAEAAABAAAAAAAAAAAAAAAAAAAAAAAAAAAAAAAAAAAAAAAAAAAAAAAAAAAAAAAAAAAAAAAAAAAAAAAAAAAAAAAAAAAAAAAAAAAAAAAAAAAAAAAAAAAAAAAAAAAAAFAAAADwAAAAAAAAAAAAAAAAAAAkUAAAAAQAAABQAAAAUAAAAFAAAAAEAAAAAAAAAZAAAAGQAAAAAAAAAZAAAAGQAAAAVAAAAYAAAAAAAAAAAAAAADwAAACADAAAAAAAAAAAAAAEAAACgMgAAVgcAAKr4//8BAAAAf39/AAEAAABkAAAAAAAAABQAAABAHwAAAAAAACYAAAAAAAAAwOD//wAAAAAmAAAAZAAAABYAAABMAAAAAAAAAAAAAAAEAAAAAAAAAAEAAACAgIAKAAAAACgAAAAoAAAAZAAAAGQAAAAAAAAAzMzMAAAAAABQAAAAUAAAAGQAAABkAAAAAAAAABcAAAAUAAAAAAAAAAAAAAD/fwAA/38AAAAAAAAJAAAABAAAANw7IAEeAAAAaAAAAAAAAAAAAAAAAAAAAAAAAAAAAAAAECcAABAnAAAAAAAAAAAAAAAAAAAAAAAAAAAAAAAAAAAAAAAAAAAAABQAAAAAAAAAwMD/AAAAAABkAAAAMgAAAAAAAABkAAAAAAAAAH9/fwAKAAAAIgAAABgAAAAAAAAAAAAAAAAAAAAAAAAAAAAAAAAAAAAkAAAAJAAAAAAAAAAHAAAAAAAAAAAAAAAAAAAAAAAAAAAAAAAAAAAAf39/ACUAAABYAAAAAAAAAAAAAAAAAAAAAAAAAAAAAAAAAAAAAAAAAAAAAAAAAAAAAAAAAAAAAAA/AAAAAAAAAKCGAQAAAAAAAAAAAAAAAAAMAAAAAQAAAAAAAAAAAAAAAAAAAB8AAABUAAAAAAAABQAAAAEAAAAAAAAAAAAAAAAAAAAAAAAAAAAAAAAAAAAAAAAAAAAAAAJ/f38AAAAAA8zMzADAwP8Af39/AAAAAAAAAAAAAAAAAAAAAAAAAAAAIQAAABgAAAAUAAAAwAMAABsnAAA/FQAAWSkAABAAAAAmAAAACAAAAAAAAAAAAAAAMAAAABQAAAAAAAAAAAD//wAAAQAAAP//AAABAA=="/>
               </a:ext>
             </a:extLst>
           </p:cNvSpPr>
@@ -915,7 +916,7 @@
           <a:lstStyle/>
           <a:p>
             <a:pPr/>
-            <a:fld id="{3F53903F-71D2-0666-9CEB-8733DEA56AD2}" type="datetime1">
+            <a:fld id="{3DEF03AF-E1D0-BAF5-9E57-17A04D196842}" type="datetime1">
               <a:t/>
             </a:fld>
           </a:p>
@@ -928,7 +929,7 @@
             <a:spLocks noGrp="1" noChangeArrowheads="1"/>
             <a:extLst>
               <a:ext uri="smNativeData">
-                <pr:smNativeData xmlns:pr="smNativeData" xmlns="smNativeData" val="SMDATA_16_CqSDZxMAAAAlAAAAZAAAAA8BAAAAkAAAAEgAAACQAAAASAAAAAAAAAABAAAAAAAAAAEAAABQAAAAAAAAAAAA4D8AAAAAAADgPwAAAAAAAOA/AAAAAAAA4D8AAAAAAADgPwAAAAAAAOA/AAAAAAAA4D8AAAAAAADgPwAAAAAAAOA/AAAAAAAA4D8CAAAAjAAAAAAAAAAAAAAAu+DjDP///wgAAAAAAAAAAAAAAAAAAAAAAAAAAAAAAAAAAAAAZAAAAAEAAABAAAAAAAAAAAAAAAAAAAAAAAAAAAAAAAAAAAAAAAAAAAAAAAAAAAAAAAAAAAAAAAAAAAAAAAAAAAAAAAAAAAAAAAAAAAAAAAAAAAAAAAAAAAAAAAAAAAAAFAAAADwAAAAAAAAAAAAAAAAAAAkUAAAAAQAAABQAAAAUAAAAFAAAAAEAAAAAAAAAZAAAAGQAAAAAAAAAZAAAAGQAAAAVAAAAYAAAAAAAAAAAAAAADwAAACADAAAAAAAAAAAAAAEAAACgMgAAVgcAAKr4//8BAAAAf39/AAEAAABkAAAAAAAAABQAAABAHwAAAAAAACYAAAAAAAAAwOD//wAAAAAmAAAAZAAAABYAAABMAAAAAAAAAAAAAAAEAAAAAAAAAAEAAACAgIAKAAAAACgAAAAoAAAAZAAAAGQAAAAAAAAAzMzMAAAAAABQAAAAUAAAAGQAAABkAAAAAAAAABcAAAAUAAAAAAAAAAAAAAD/fwAA/38AAAAAAAAJAAAABAAAANw7IAEeAAAAaAAAAAAAAAAAAAAAAAAAAAAAAAAAAAAAECcAABAnAAAAAAAAAAAAAAAAAAAAAAAAAAAAAAAAAAAAAAAAAAAAABQAAAAAAAAAwMD/AAAAAABkAAAAMgAAAAAAAABkAAAAAAAAAH9/fwAKAAAAIgAAABgAAAAAAAAAAAAAAAAAAAAAAAAAAAAAAAAAAAAkAAAAJAAAAAAAAAAHAAAAAAAAAAAAAAAAAAAAAAAAAAAAAAAAAAAAf39/ACUAAABYAAAAAAAAAAAAAAAAAAAAAAAAAAAAAAAAAAAAAAAAAAAAAAAAAAAAAAAAAAAAAAA/AAAAAAAAAKCGAQAAAAAAAAAAAAAAAAAMAAAAAQAAAAAAAAAAAAAAAAAAAB8AAABUAAAAAAAABQAAAAEAAAAAAAAAAAAAAAAAAAAAAAAAAAAAAAAAAAAAAAAAAAAAAAJ/f38AAAAAA8zMzADAwP8Af39/AAAAAAAAAAAAAAAAAAAAAAAAAAAAIQAAABgAAAAUAAAAoRkAABsnAABfMQAAWSkAABAAAAAmAAAACAAAAAAAAAAAAAAAMAAAABQAAAAAAAAAAAD//wAAAQAAAP//AAABAA=="/>
+                <pr:smNativeData xmlns:pr="smNativeData" xmlns="smNativeData" val="SMDATA_16_ZvmgZxMAAAAlAAAAZAAAAA8BAAAAkAAAAEgAAACQAAAASAAAAAAAAAABAAAAAAAAAAEAAABQAAAAAAAAAAAA4D8AAAAAAADgPwAAAAAAAOA/AAAAAAAA4D8AAAAAAADgPwAAAAAAAOA/AAAAAAAA4D8AAAAAAADgPwAAAAAAAOA/AAAAAAAA4D8CAAAAjAAAAAAAAAAAAAAAu+DjDP///wgAAAAAAAAAAAAAAAAAAAAAAAAAAAAAAAAAAAAAZAAAAAEAAABAAAAAAAAAAAAAAAAAAAAAAAAAAAAAAAAAAAAAAAAAAAAAAAAAAAAAAAAAAAAAAAAAAAAAAAAAAAAAAAAAAAAAAAAAAAAAAAAAAAAAAAAAAAAAAAAAAAAAFAAAADwAAAAAAAAAAAAAAAAAAAkUAAAAAQAAABQAAAAUAAAAFAAAAAEAAAAAAAAAZAAAAGQAAAAAAAAAZAAAAGQAAAAVAAAAYAAAAAAAAAAAAAAADwAAACADAAAAAAAAAAAAAAEAAACgMgAAVgcAAKr4//8BAAAAf39/AAEAAABkAAAAAAAAABQAAABAHwAAAAAAACYAAAAAAAAAwOD//wAAAAAmAAAAZAAAABYAAABMAAAAAAAAAAAAAAAEAAAAAAAAAAEAAACAgIAKAAAAACgAAAAoAAAAZAAAAGQAAAAAAAAAzMzMAAAAAABQAAAAUAAAAGQAAABkAAAAAAAAABcAAAAUAAAAAAAAAAAAAAD/fwAA/38AAAAAAAAJAAAABAAAANw7IAEeAAAAaAAAAAAAAAAAAAAAAAAAAAAAAAAAAAAAECcAABAnAAAAAAAAAAAAAAAAAAAAAAAAAAAAAAAAAAAAAAAAAAAAABQAAAAAAAAAwMD/AAAAAABkAAAAMgAAAAAAAABkAAAAAAAAAH9/fwAKAAAAIgAAABgAAAAAAAAAAAAAAAAAAAAAAAAAAAAAAAAAAAAkAAAAJAAAAAAAAAAHAAAAAAAAAAAAAAAAAAAAAAAAAAAAAAAAAAAAf39/ACUAAABYAAAAAAAAAAAAAAAAAAAAAAAAAAAAAAAAAAAAAAAAAAAAAAAAAAAAAAAAAAAAAAA/AAAAAAAAAKCGAQAAAAAAAAAAAAAAAAAMAAAAAQAAAAAAAAAAAAAAAAAAAB8AAABUAAAAAAAABQAAAAEAAAAAAAAAAAAAAAAAAAAAAAAAAAAAAAAAAAAAAAAAAAAAAAJ/f38AAAAAA8zMzADAwP8Af39/AAAAAAAAAAAAAAAAAAAAAAAAAAAAIQAAABgAAAAUAAAAoRkAABsnAABfMQAAWSkAABAAAAAmAAAACAAAAAAAAAAAAAAAMAAAABQAAAAAAAAAAAD//wAAAQAAAP//AAABAA=="/>
               </a:ext>
             </a:extLst>
           </p:cNvSpPr>
@@ -952,7 +953,7 @@
             <a:spLocks noGrp="1" noChangeArrowheads="1"/>
             <a:extLst>
               <a:ext uri="smNativeData">
-                <pr:smNativeData xmlns:pr="smNativeData" xmlns="smNativeData" val="SMDATA_16_CqSDZxMAAAAlAAAAZAAAAA8BAAAAkAAAAEgAAACQAAAASAAAAAAAAAABAAAAAAAAAAEAAABQAAAAAAAAAAAA4D8AAAAAAADgPwAAAAAAAOA/AAAAAAAA4D8AAAAAAADgPwAAAAAAAOA/AAAAAAAA4D8AAAAAAADgPwAAAAAAAOA/AAAAAAAA4D8CAAAAjAAAAAAAAAAAAAAAu+DjDP///wgAAAAAAAAAAAAAAAAAAAAAAAAAAAAAAAAAAAAAZAAAAAEAAABAAAAAAAAAAAAAAAAAAAAAAAAAAAAAAAAAAAAAAAAAAAAAAAAAAAAAAAAAAAAAAAAAAAAAAAAAAAAAAAAAAAAAAAAAAAAAAAAAAAAAAAAAAAAAAAAAAAAAFAAAADwAAAAAAAAAAAAAAAAAAAkUAAAAAQAAABQAAAAUAAAAFAAAAAEAAAAAAAAAZAAAAGQAAAAAAAAAZAAAAGQAAAAVAAAAYAAAAAAAAAAAAAAADwAAACADAAAAAAAAAAAAAAEAAACgMgAAVgcAAKr4//8BAAAAf39/AAEAAABkAAAAAAAAABQAAABAHwAAAAAAACYAAAAAAAAAwOD//wAAAAAmAAAAZAAAABYAAABMAAAAAAAAAAAAAAAEAAAAAAAAAAEAAACAgIAKAAAAACgAAAAoAAAAZAAAAGQAAAAAAAAAzMzMAAAAAABQAAAAUAAAAGQAAABkAAAAAAAAABcAAAAUAAAAAAAAAAAAAAD/fwAA/38AAAAAAAAJAAAABAAAAAAAAAAeAAAAaAAAAAAAAAAAAAAAAAAAAAAAAAAAAAAAECcAABAnAAAAAAAAAAAAAAAAAAAAAAAAAAAAAAAAAAAAAAAAAAAAABQAAAAAAAAAwMD/AAAAAABkAAAAMgAAAAAAAABkAAAAAAAAAH9/fwAKAAAAIgAAABgAAAAAAAAAAAAAAAAAAAAAAAAAAAAAAAAAAAAkAAAAJAAAAAAAAAAHAAAAAAAAAAAAAAAAAAAAAAAAAAAAAAAAAAAAf39/ACUAAABYAAAAAAAAAAAAAAAAAAAAAAAAAAAAAAAAAAAAAAAAAAAAAAAAAAAAAAAAAAAAAAA/AAAAAAAAAKCGAQAAAAAAAAAAAAAAAAAMAAAAAQAAAAAAAAAAAAAAAAAAAB8AAABUAAAAAAAABQAAAAEAAAAAAAAAAAAAAAAAAAAAAAAAAAAAAAAAAAAAAAAAAAAAAAJ/f38AAAAAA8zMzADAwP8Af39/AAAAAAAAAAAAAAAAAAAAAAAAAAAAIQAAABgAAAAUAAAAwTUAABsnAABARwAAWSkAABAAAAAmAAAACAAAAAAAAAAAAAAAMAAAABQAAAAAAAAAAAD//wAAAQAAAP//AAABAA=="/>
+                <pr:smNativeData xmlns:pr="smNativeData" xmlns="smNativeData" val="SMDATA_16_ZvmgZxMAAAAlAAAAZAAAAA8BAAAAkAAAAEgAAACQAAAASAAAAAAAAAABAAAAAAAAAAEAAABQAAAAAAAAAAAA4D8AAAAAAADgPwAAAAAAAOA/AAAAAAAA4D8AAAAAAADgPwAAAAAAAOA/AAAAAAAA4D8AAAAAAADgPwAAAAAAAOA/AAAAAAAA4D8CAAAAjAAAAAAAAAAAAAAAu+DjDP///wgAAAAAAAAAAAAAAAAAAAAAAAAAAAAAAAAAAAAAZAAAAAEAAABAAAAAAAAAAAAAAAAAAAAAAAAAAAAAAAAAAAAAAAAAAAAAAAAAAAAAAAAAAAAAAAAAAAAAAAAAAAAAAAAAAAAAAAAAAAAAAAAAAAAAAAAAAAAAAAAAAAAAFAAAADwAAAAAAAAAAAAAAAAAAAkUAAAAAQAAABQAAAAUAAAAFAAAAAEAAAAAAAAAZAAAAGQAAAAAAAAAZAAAAGQAAAAVAAAAYAAAAAAAAAAAAAAADwAAACADAAAAAAAAAAAAAAEAAACgMgAAVgcAAKr4//8BAAAAf39/AAEAAABkAAAAAAAAABQAAABAHwAAAAAAACYAAAAAAAAAwOD//wAAAAAmAAAAZAAAABYAAABMAAAAAAAAAAAAAAAEAAAAAAAAAAEAAACAgIAKAAAAACgAAAAoAAAAZAAAAGQAAAAAAAAAzMzMAAAAAABQAAAAUAAAAGQAAABkAAAAAAAAABcAAAAUAAAAAAAAAAAAAAD/fwAA/38AAAAAAAAJAAAABAAAAAAAAAAeAAAAaAAAAAAAAAAAAAAAAAAAAAAAAAAAAAAAECcAABAnAAAAAAAAAAAAAAAAAAAAAAAAAAAAAAAAAAAAAAAAAAAAABQAAAAAAAAAwMD/AAAAAABkAAAAMgAAAAAAAABkAAAAAAAAAH9/fwAKAAAAIgAAABgAAAAAAAAAAAAAAAAAAAAAAAAAAAAAAAAAAAAkAAAAJAAAAAAAAAAHAAAAAAAAAAAAAAAAAAAAAAAAAAAAAAAAAAAAf39/ACUAAABYAAAAAAAAAAAAAAAAAAAAAAAAAAAAAAAAAAAAAAAAAAAAAAAAAAAAAAAAAAAAAAA/AAAAAAAAAKCGAQAAAAAAAAAAAAAAAAAMAAAAAQAAAAAAAAAAAAAAAAAAAB8AAABUAAAAAAAABQAAAAEAAAAAAAAAAAAAAAAAAAAAAAAAAAAAAAAAAAAAAAAAAAAAAAJ/f38AAAAAA8zMzADAwP8Af39/AAAAAAAAAAAAAAAAAAAAAAAAAAAAIQAAABgAAAAUAAAAwTUAABsnAABARwAAWSkAABAAAAAmAAAACAAAAAAAAAAAAAAAMAAAABQAAAAAAAAAAAD//wAAAQAAAP//AAABAA=="/>
               </a:ext>
             </a:extLst>
           </p:cNvSpPr>
@@ -966,7 +967,7 @@
           <a:lstStyle/>
           <a:p>
             <a:pPr/>
-            <a:fld id="{3F53BE05-4BD2-0648-9CEB-BD1DF0A56AE8}" type="slidenum">
+            <a:fld id="{3DEF1CD9-97D0-BAEA-9E57-61BF52196834}" type="slidenum">
               <a:t/>
             </a:fld>
           </a:p>
@@ -1005,7 +1006,7 @@
             <a:spLocks noGrp="1" noChangeArrowheads="1"/>
             <a:extLst>
               <a:ext uri="smNativeData">
-                <pr:smNativeData xmlns:pr="smNativeData" xmlns="smNativeData" val="SMDATA_16_CqSDZxMAAAAlAAAAZAAAAA8BAAAAkAAAAEgAAACQAAAASAAAAAAAAAAAAAAAAAAAAAEAAABQAAAAAAAAAAAA4D8AAAAAAADgPwAAAAAAAOA/AAAAAAAA4D8AAAAAAADgPwAAAAAAAOA/AAAAAAAA4D8AAAAAAADgPwAAAAAAAOA/AAAAAAAA4D8CAAAAjAAAAAAAAAAAAAAAu+DjDP///wgAAAAAAAAAAAAAAAAAAAAAAAAAAAAAAAAAAAAAZAAAAAEAAABAAAAAAAAAAAAAAAAAAAAAAAAAAAAAAAAAAAAAAAAAAAAAAAAAAAAAAAAAAAAAAAAAAAAAAAAAAAAAAAAAAAAAAAAAAAAAAAAAAAAAAAAAAAAAAAAAAAAAFAAAADwAAAAAAAAAAAAAAAAAAAkUAAAAAQAAABQAAAAUAAAAFAAAAAEAAAAAAAAAZAAAAGQAAAAAAAAAZAAAAGQAAAAVAAAAYAAAAAAAAAAAAAAADwAAACADAAAAAAAAAAAAAAEAAACgMgAAVgcAAKr4//8BAAAAf39/AAEAAABkAAAAAAAAABQAAABAHwAAAAAAACYAAAAAAAAAwOD//wAAAAAmAAAAZAAAABYAAABMAAAAAAAAAAAAAAAEAAAAAAAAAAEAAACAgIAKAAAAACgAAAAoAAAAZAAAAGQAAAAAAAAAzMzMAAAAAABQAAAAUAAAAGQAAABkAAAAAAAAABcAAAAUAAAAAAAAAAAAAAD/fwAA/38AAAAAAAAJAAAABAAAANw7IAEeAAAAaAAAAAAAAAAAAAAAAAAAAAAAAAAAAAAAECcAABAnAAAAAAAAAAAAAAAAAAAAAAAAAAAAAAAAAAAAAAAAAAAAABQAAAAAAAAAwMD/AAAAAABkAAAAMgAAAAAAAABkAAAAAAAAAH9/fwAKAAAAIgAAABgAAAAAAAAAAAAAAAAAAAAAAAAAAAAAAAAAAAAkAAAAJAAAAAAAAAAHAAAAAAAAAAAAAAAAAAAAAAAAAAAAAAAAAAAAf39/ACUAAABYAAAAAAAAAAAAAAAAAAAAAAAAAAAAAAAAAAAAAAAAAAAAAAAAAAAAAAAAAAAAAAA/AAAAAAAAAKCGAQAAAAAAAAAAAAAAAAAMAAAAAQAAAAAAAAAAAAAAAAAAAB8AAABUAAAAAAAABQAAAAEAAAAAAAAAAAAAAAAAAAAAAAAAAAAAAAAAAAAAAAAAAAAAAAJ/f38AAAAAA8zMzADAwP8Af39/AAAAAAAAAAAAAAAAAAAAAAAAAAAAIQAAABgAAAAUAAAA7QUAABwbAACtRQAAfSMAABAAAAAmAAAACAAAAIGAAAAAAAAAMAAAABQAAAAAAAAAAAD//wAAAQAAAP//AAABAA=="/>
+                <pr:smNativeData xmlns:pr="smNativeData" xmlns="smNativeData" val="SMDATA_16_ZvmgZxMAAAAlAAAAZAAAAA8BAAAAkAAAAEgAAACQAAAASAAAAAAAAAAAAAAAAAAAAAEAAABQAAAAAAAAAAAA4D8AAAAAAADgPwAAAAAAAOA/AAAAAAAA4D8AAAAAAADgPwAAAAAAAOA/AAAAAAAA4D8AAAAAAADgPwAAAAAAAOA/AAAAAAAA4D8CAAAAjAAAAAAAAAAAAAAAu+DjDP///wgAAAAAAAAAAAAAAAAAAAAAAAAAAAAAAAAAAAAAZAAAAAEAAABAAAAAAAAAAAAAAAAAAAAAAAAAAAAAAAAAAAAAAAAAAAAAAAAAAAAAAAAAAAAAAAAAAAAAAAAAAAAAAAAAAAAAAAAAAAAAAAAAAAAAAAAAAAAAAAAAAAAAFAAAADwAAAAAAAAAAAAAAAAAAAkUAAAAAQAAABQAAAAUAAAAFAAAAAEAAAAAAAAAZAAAAGQAAAAAAAAAZAAAAGQAAAAVAAAAYAAAAAAAAAAAAAAADwAAACADAAAAAAAAAAAAAAEAAACgMgAAVgcAAKr4//8BAAAAf39/AAEAAABkAAAAAAAAABQAAABAHwAAAAAAACYAAAAAAAAAwOD//wAAAAAmAAAAZAAAABYAAABMAAAAAAAAAAAAAAAEAAAAAAAAAAEAAACAgIAKAAAAACgAAAAoAAAAZAAAAGQAAAAAAAAAzMzMAAAAAABQAAAAUAAAAGQAAABkAAAAAAAAABcAAAAUAAAAAAAAAAAAAAD/fwAA/38AAAAAAAAJAAAABAAAANw7IAEeAAAAaAAAAAAAAAAAAAAAAAAAAAAAAAAAAAAAECcAABAnAAAAAAAAAAAAAAAAAAAAAAAAAAAAAAAAAAAAAAAAAAAAABQAAAAAAAAAwMD/AAAAAABkAAAAMgAAAAAAAABkAAAAAAAAAH9/fwAKAAAAIgAAABgAAAAAAAAAAAAAAAAAAAAAAAAAAAAAAAAAAAAkAAAAJAAAAAAAAAAHAAAAAAAAAAAAAAAAAAAAAAAAAAAAAAAAAAAAf39/ACUAAABYAAAAAAAAAAAAAAAAAAAAAAAAAAAAAAAAAAAAAAAAAAAAAAAAAAAAAAAAAAAAAAA/AAAAAAAAAKCGAQAAAAAAAAAAAAAAAAAMAAAAAQAAAAAAAAAAAAAAAAAAAB8AAABUAAAAAAAABQAAAAEAAAAAAAAAAAAAAAAAAAAAAAAAAAAAAAAAAAAAAAAAAAAAAAJ/f38AAAAAA8zMzADAwP8Af39/AAAAAAAAAAAAAAAAAAAAAAAAAAAAIQAAABgAAAAUAAAA7QUAABwbAACtRQAAfSMAABAAAAAmAAAACAAAAIGAAAAAAAAAMAAAABQAAAAAAAAAAAD//wAAAQAAAP//AAABAA=="/>
               </a:ext>
             </a:extLst>
           </p:cNvSpPr>
@@ -1045,7 +1046,7 @@
             <a:spLocks noGrp="1" noChangeArrowheads="1"/>
             <a:extLst>
               <a:ext uri="smNativeData">
-                <pr:smNativeData xmlns:pr="smNativeData" xmlns="smNativeData" val="SMDATA_16_CqSDZxMAAAAlAAAAZAAAAA8BAAAAkAAAAEgAAACQAAAASAAAAAAAAAACAAAAAAAAAAEAAABQAAAAAAAAAAAA4D8AAAAAAADgPwAAAAAAAOA/AAAAAAAA4D8AAAAAAADgPwAAAAAAAOA/AAAAAAAA4D8AAAAAAADgPwAAAAAAAOA/AAAAAAAA4D8CAAAAjAAAAAAAAAAAAAAAu+DjDP///wgAAAAAAAAAAAAAAAAAAAAAAAAAAAAAAAAAAAAAZAAAAAEAAABAAAAAAAAAAAAAAAAAAAAAAAAAAAAAAAAAAAAAAAAAAAAAAAAAAAAAAAAAAAAAAAAAAAAAAAAAAAAAAAAAAAAAAAAAAAAAAAAAAAAAAAAAAAAAAAAAAAAAFAAAADwAAAAAAAAAAAAAAAAAAAkUAAAAAQAAABQAAAAUAAAAFAAAAAEAAAAAAAAAZAAAAGQAAAAAAAAAZAAAAGQAAAAVAAAAYAAAAAAAAAAAAAAADwAAACADAAAAAAAAAAAAAAEAAACgMgAAVgcAAKr4//8BAAAAf39/AAEAAABkAAAAAAAAABQAAABAHwAAAAAAACYAAAAAAAAAwOD//wAAAAAmAAAAZAAAABYAAABMAAAAAAAAAAAAAAAEAAAAAAAAAAEAAACAgIAKAAAAACgAAAAoAAAAZAAAAGQAAAAAAAAAzMzMAAAAAABQAAAAUAAAAGQAAABkAAAAAAAAABcAAAAUAAAAAAAAAAAAAAD/fwAA/38AAAAAAAAJAAAABAAAANw7IAEeAAAAaAAAAAAAAAAAAAAAAAAAAAAAAAAAAAAAECcAABAnAAAAAAAAAAAAAAAAAAAAAAAAAAAAAAAAAAAAAAAAAAAAABQAAAAAAAAAwMD/AAAAAABkAAAAMgAAAAAAAABkAAAAAAAAAH9/fwAKAAAAIgAAABgAAAAAAAAAAAAAAAAAAAAAAAAAAAAAAAAAAAAkAAAAJAAAAAAAAAAHAAAAAAAAAAAAAAAAAAAAAAAAAAAAAAAAAAAAf39/ACUAAABYAAAAAAAAAAAAAAAAAAAAAAAAAAAAAAAAAAAAAAAAAAAAAAAAAAAAAAAAAAAAAAA/AAAAAAAAAKCGAQAAAAAAAAAAAAAAAAAMAAAAAQAAAAAAAAAAAAAAAAAAAB8AAABUAAAAAAAABQAAAAEAAAAAAAAAAAAAAAAAAAAAAAAAAAAAAAAAAAAAAAAAAAAAAAJ/f38AAAAAA8zMzADAwP8Af39/AAAAAAAAAAAAAAAAAAAAAAAAAAAAIQAAABgAAAAUAAAA7QUAAOERAACtRQAAHBsAABAAAAAmAAAACAAAAIGAAAAAAAAAMAAAABQAAAAAAAAAAAD//wAAAQAAAP//AAABAA=="/>
+                <pr:smNativeData xmlns:pr="smNativeData" xmlns="smNativeData" val="SMDATA_16_ZvmgZxMAAAAlAAAAZAAAAA8BAAAAkAAAAEgAAACQAAAASAAAAAAAAAACAAAAAAAAAAEAAABQAAAAAAAAAAAA4D8AAAAAAADgPwAAAAAAAOA/AAAAAAAA4D8AAAAAAADgPwAAAAAAAOA/AAAAAAAA4D8AAAAAAADgPwAAAAAAAOA/AAAAAAAA4D8CAAAAjAAAAAAAAAAAAAAAu+DjDP///wgAAAAAAAAAAAAAAAAAAAAAAAAAAAAAAAAAAAAAZAAAAAEAAABAAAAAAAAAAAAAAAAAAAAAAAAAAAAAAAAAAAAAAAAAAAAAAAAAAAAAAAAAAAAAAAAAAAAAAAAAAAAAAAAAAAAAAAAAAAAAAAAAAAAAAAAAAAAAAAAAAAAAFAAAADwAAAAAAAAAAAAAAAAAAAkUAAAAAQAAABQAAAAUAAAAFAAAAAEAAAAAAAAAZAAAAGQAAAAAAAAAZAAAAGQAAAAVAAAAYAAAAAAAAAAAAAAADwAAACADAAAAAAAAAAAAAAEAAACgMgAAVgcAAKr4//8BAAAAf39/AAEAAABkAAAAAAAAABQAAABAHwAAAAAAACYAAAAAAAAAwOD//wAAAAAmAAAAZAAAABYAAABMAAAAAAAAAAAAAAAEAAAAAAAAAAEAAACAgIAKAAAAACgAAAAoAAAAZAAAAGQAAAAAAAAAzMzMAAAAAABQAAAAUAAAAGQAAABkAAAAAAAAABcAAAAUAAAAAAAAAAAAAAD/fwAA/38AAAAAAAAJAAAABAAAANw7IAEeAAAAaAAAAAAAAAAAAAAAAAAAAAAAAAAAAAAAECcAABAnAAAAAAAAAAAAAAAAAAAAAAAAAAAAAAAAAAAAAAAAAAAAABQAAAAAAAAAwMD/AAAAAABkAAAAMgAAAAAAAABkAAAAAAAAAH9/fwAKAAAAIgAAABgAAAAAAAAAAAAAAAAAAAAAAAAAAAAAAAAAAAAkAAAAJAAAAAAAAAAHAAAAAAAAAAAAAAAAAAAAAAAAAAAAAAAAAAAAf39/ACUAAABYAAAAAAAAAAAAAAAAAAAAAAAAAAAAAAAAAAAAAAAAAAAAAAAAAAAAAAAAAAAAAAA/AAAAAAAAAKCGAQAAAAAAAAAAAAAAAAAMAAAAAQAAAAAAAAAAAAAAAAAAAB8AAABUAAAAAAAABQAAAAEAAAAAAAAAAAAAAAAAAAAAAAAAAAAAAAAAAAAAAAAAAAAAAAJ/f38AAAAAA8zMzADAwP8Af39/AAAAAAAAAAAAAAAAAAAAAAAAAAAAIQAAABgAAAAUAAAA7QUAAOERAACtRQAAHBsAABAAAAAmAAAACAAAAIGAAAAAAAAAMAAAABQAAAAAAAAAAAD//wAAAQAAAP//AAABAA=="/>
               </a:ext>
             </a:extLst>
           </p:cNvSpPr>
@@ -1118,7 +1119,7 @@
             <a:spLocks noGrp="1" noChangeArrowheads="1"/>
             <a:extLst>
               <a:ext uri="smNativeData">
-                <pr:smNativeData xmlns:pr="smNativeData" xmlns="smNativeData" val="SMDATA_16_CqSDZxMAAAAlAAAAZAAAAA8BAAAAkAAAAEgAAACQAAAASAAAAAAAAAABAAAAAAAAAAEAAABQAAAAAAAAAAAA4D8AAAAAAADgPwAAAAAAAOA/AAAAAAAA4D8AAAAAAADgPwAAAAAAAOA/AAAAAAAA4D8AAAAAAADgPwAAAAAAAOA/AAAAAAAA4D8CAAAAjAAAAAAAAAAAAAAAu+DjDP///wgAAAAAAAAAAAAAAAAAAAAAAAAAAAAAAAAAAAAAZAAAAAEAAABAAAAAAAAAAAAAAAAAAAAAAAAAAAAAAAAAAAAAAAAAAAAAAAAAAAAAAAAAAAAAAAAAAAAAAAAAAAAAAAAAAAAAAAAAAAAAAAAAAAAAAAAAAAAAAAAAAAAAFAAAADwAAAAAAAAAAAAAAAAAAAkUAAAAAQAAABQAAAAUAAAAFAAAAAEAAAAAAAAAZAAAAGQAAAAAAAAAZAAAAGQAAAAVAAAAYAAAAAAAAAAAAAAADwAAACADAAAAAAAAAAAAAAEAAACgMgAAVgcAAKr4//8BAAAAf39/AAEAAABkAAAAAAAAABQAAABAHwAAAAAAACYAAAAAAAAAwOD//wAAAAAmAAAAZAAAABYAAABMAAAAAAAAAAAAAAAEAAAAAAAAAAEAAACAgIAKAAAAACgAAAAoAAAAZAAAAGQAAAAAAAAAzMzMAAAAAABQAAAAUAAAAGQAAABkAAAAAAAAABcAAAAUAAAAAAAAAAAAAAD/fwAA/38AAAAAAAAJAAAABAAAAAAAAAAeAAAAaAAAAAAAAAAAAAAAAAAAAAAAAAAAAAAAECcAABAnAAAAAAAAAAAAAAAAAAAAAAAAAAAAAAAAAAAAAAAAAAAAABQAAAAAAAAAwMD/AAAAAABkAAAAMgAAAAAAAABkAAAAAAAAAH9/fwAKAAAAIgAAABgAAAAAAAAAAAAAAAAAAAAAAAAAAAAAAAAAAAAkAAAAJAAAAAAAAAAHAAAAAAAAAAAAAAAAAAAAAAAAAAAAAAAAAAAAf39/ACUAAABYAAAAAAAAAAAAAAAAAAAAAAAAAAAAAAAAAAAAAAAAAAAAAAAAAAAAAAAAAAAAAAA/AAAAAAAAAKCGAQAAAAAAAAAAAAAAAAAMAAAAAQAAAAAAAAAAAAAAAAAAAB8AAABUAAAAAAAABQAAAAEAAAAAAAAAAAAAAAAAAAAAAAAAAAAAAAAAAAAAAAAAAAAAAAJ/f38AAAAAA8zMzADAwP8Af39/AAAAAAAAAAAAAAAAAAAAAAAAAAAAIQAAABgAAAAUAAAAwAMAABsnAAA/FQAAWSkAABAAAAAmAAAACAAAAAAAAAAAAAAAMAAAABQAAAAAAAAAAAD//wAAAQAAAP//AAABAA=="/>
+                <pr:smNativeData xmlns:pr="smNativeData" xmlns="smNativeData" val="SMDATA_16_ZvmgZxMAAAAlAAAAZAAAAA8BAAAAkAAAAEgAAACQAAAASAAAAAAAAAABAAAAAAAAAAEAAABQAAAAAAAAAAAA4D8AAAAAAADgPwAAAAAAAOA/AAAAAAAA4D8AAAAAAADgPwAAAAAAAOA/AAAAAAAA4D8AAAAAAADgPwAAAAAAAOA/AAAAAAAA4D8CAAAAjAAAAAAAAAAAAAAAu+DjDP///wgAAAAAAAAAAAAAAAAAAAAAAAAAAAAAAAAAAAAAZAAAAAEAAABAAAAAAAAAAAAAAAAAAAAAAAAAAAAAAAAAAAAAAAAAAAAAAAAAAAAAAAAAAAAAAAAAAAAAAAAAAAAAAAAAAAAAAAAAAAAAAAAAAAAAAAAAAAAAAAAAAAAAFAAAADwAAAAAAAAAAAAAAAAAAAkUAAAAAQAAABQAAAAUAAAAFAAAAAEAAAAAAAAAZAAAAGQAAAAAAAAAZAAAAGQAAAAVAAAAYAAAAAAAAAAAAAAADwAAACADAAAAAAAAAAAAAAEAAACgMgAAVgcAAKr4//8BAAAAf39/AAEAAABkAAAAAAAAABQAAABAHwAAAAAAACYAAAAAAAAAwOD//wAAAAAmAAAAZAAAABYAAABMAAAAAAAAAAAAAAAEAAAAAAAAAAEAAACAgIAKAAAAACgAAAAoAAAAZAAAAGQAAAAAAAAAzMzMAAAAAABQAAAAUAAAAGQAAABkAAAAAAAAABcAAAAUAAAAAAAAAAAAAAD/fwAA/38AAAAAAAAJAAAABAAAAAAAAAAeAAAAaAAAAAAAAAAAAAAAAAAAAAAAAAAAAAAAECcAABAnAAAAAAAAAAAAAAAAAAAAAAAAAAAAAAAAAAAAAAAAAAAAABQAAAAAAAAAwMD/AAAAAABkAAAAMgAAAAAAAABkAAAAAAAAAH9/fwAKAAAAIgAAABgAAAAAAAAAAAAAAAAAAAAAAAAAAAAAAAAAAAAkAAAAJAAAAAAAAAAHAAAAAAAAAAAAAAAAAAAAAAAAAAAAAAAAAAAAf39/ACUAAABYAAAAAAAAAAAAAAAAAAAAAAAAAAAAAAAAAAAAAAAAAAAAAAAAAAAAAAAAAAAAAAA/AAAAAAAAAKCGAQAAAAAAAAAAAAAAAAAMAAAAAQAAAAAAAAAAAAAAAAAAAB8AAABUAAAAAAAABQAAAAEAAAAAAAAAAAAAAAAAAAAAAAAAAAAAAAAAAAAAAAAAAAAAAAJ/f38AAAAAA8zMzADAwP8Af39/AAAAAAAAAAAAAAAAAAAAAAAAAAAAIQAAABgAAAAUAAAAwAMAABsnAAA/FQAAWSkAABAAAAAmAAAACAAAAAAAAAAAAAAAMAAAABQAAAAAAAAAAAD//wAAAQAAAP//AAABAA=="/>
               </a:ext>
             </a:extLst>
           </p:cNvSpPr>
@@ -1132,7 +1133,7 @@
           <a:lstStyle/>
           <a:p>
             <a:pPr/>
-            <a:fld id="{3F53839E-D0D2-0675-9CEB-2620CDA56A73}" type="datetime1">
+            <a:fld id="{3DEF1B02-4CD0-BAED-9E57-BAB8551968EF}" type="datetime1">
               <a:t/>
             </a:fld>
           </a:p>
@@ -1145,7 +1146,7 @@
             <a:spLocks noGrp="1" noChangeArrowheads="1"/>
             <a:extLst>
               <a:ext uri="smNativeData">
-                <pr:smNativeData xmlns:pr="smNativeData" xmlns="smNativeData" val="SMDATA_16_CqSDZxMAAAAlAAAAZAAAAA8BAAAAkAAAAEgAAACQAAAASAAAAAAAAAABAAAAAAAAAAEAAABQAAAAAAAAAAAA4D8AAAAAAADgPwAAAAAAAOA/AAAAAAAA4D8AAAAAAADgPwAAAAAAAOA/AAAAAAAA4D8AAAAAAADgPwAAAAAAAOA/AAAAAAAA4D8CAAAAjAAAAAAAAAAAAAAAu+DjDP///wgAAAAAAAAAAAAAAAAAAAAAAAAAAAAAAAAAAAAAZAAAAAEAAABAAAAAAAAAAAAAAAAAAAAAAAAAAAAAAAAAAAAAAAAAAAAAAAAAAAAAAAAAAAAAAAAAAAAAAAAAAAAAAAAAAAAAAAAAAAAAAAAAAAAAAAAAAAAAAAAAAAAAFAAAADwAAAAAAAAAAAAAAAAAAAkUAAAAAQAAABQAAAAUAAAAFAAAAAEAAAAAAAAAZAAAAGQAAAAAAAAAZAAAAGQAAAAVAAAAYAAAAAAAAAAAAAAADwAAACADAAAAAAAAAAAAAAEAAACgMgAAVgcAAKr4//8BAAAAf39/AAEAAABkAAAAAAAAABQAAABAHwAAAAAAACYAAAAAAAAAwOD//wAAAAAmAAAAZAAAABYAAABMAAAAAAAAAAAAAAAEAAAAAAAAAAEAAACAgIAKAAAAACgAAAAoAAAAZAAAAGQAAAAAAAAAzMzMAAAAAABQAAAAUAAAAGQAAABkAAAAAAAAABcAAAAUAAAAAAAAAAAAAAD/fwAA/38AAAAAAAAJAAAABAAAANw7IAEeAAAAaAAAAAAAAAAAAAAAAAAAAAAAAAAAAAAAECcAABAnAAAAAAAAAAAAAAAAAAAAAAAAAAAAAAAAAAAAAAAAAAAAABQAAAAAAAAAwMD/AAAAAABkAAAAMgAAAAAAAABkAAAAAAAAAH9/fwAKAAAAIgAAABgAAAAAAAAAAAAAAAAAAAAAAAAAAAAAAAAAAAAkAAAAJAAAAAAAAAAHAAAAAAAAAAAAAAAAAAAAAAAAAAAAAAAAAAAAf39/ACUAAABYAAAAAAAAAAAAAAAAAAAAAAAAAAAAAAAAAAAAAAAAAAAAAAAAAAAAAAAAAAAAAAA/AAAAAAAAAKCGAQAAAAAAAAAAAAAAAAAMAAAAAQAAAAAAAAAAAAAAAAAAAB8AAABUAAAAAAAABQAAAAEAAAAAAAAAAAAAAAAAAAAAAAAAAAAAAAAAAAAAAAAAAAAAAAJ/f38AAAAAA8zMzADAwP8Af39/AAAAAAAAAAAAAAAAAAAAAAAAAAAAIQAAABgAAAAUAAAAoRkAABsnAABfMQAAWSkAABAAAAAmAAAACAAAAAAAAAAAAAAAMAAAABQAAAAAAAAAAAD//wAAAQAAAP//AAABAA=="/>
+                <pr:smNativeData xmlns:pr="smNativeData" xmlns="smNativeData" val="SMDATA_16_ZvmgZxMAAAAlAAAAZAAAAA8BAAAAkAAAAEgAAACQAAAASAAAAAAAAAABAAAAAAAAAAEAAABQAAAAAAAAAAAA4D8AAAAAAADgPwAAAAAAAOA/AAAAAAAA4D8AAAAAAADgPwAAAAAAAOA/AAAAAAAA4D8AAAAAAADgPwAAAAAAAOA/AAAAAAAA4D8CAAAAjAAAAAAAAAAAAAAAu+DjDP///wgAAAAAAAAAAAAAAAAAAAAAAAAAAAAAAAAAAAAAZAAAAAEAAABAAAAAAAAAAAAAAAAAAAAAAAAAAAAAAAAAAAAAAAAAAAAAAAAAAAAAAAAAAAAAAAAAAAAAAAAAAAAAAAAAAAAAAAAAAAAAAAAAAAAAAAAAAAAAAAAAAAAAFAAAADwAAAAAAAAAAAAAAAAAAAkUAAAAAQAAABQAAAAUAAAAFAAAAAEAAAAAAAAAZAAAAGQAAAAAAAAAZAAAAGQAAAAVAAAAYAAAAAAAAAAAAAAADwAAACADAAAAAAAAAAAAAAEAAACgMgAAVgcAAKr4//8BAAAAf39/AAEAAABkAAAAAAAAABQAAABAHwAAAAAAACYAAAAAAAAAwOD//wAAAAAmAAAAZAAAABYAAABMAAAAAAAAAAAAAAAEAAAAAAAAAAEAAACAgIAKAAAAACgAAAAoAAAAZAAAAGQAAAAAAAAAzMzMAAAAAABQAAAAUAAAAGQAAABkAAAAAAAAABcAAAAUAAAAAAAAAAAAAAD/fwAA/38AAAAAAAAJAAAABAAAANw7IAEeAAAAaAAAAAAAAAAAAAAAAAAAAAAAAAAAAAAAECcAABAnAAAAAAAAAAAAAAAAAAAAAAAAAAAAAAAAAAAAAAAAAAAAABQAAAAAAAAAwMD/AAAAAABkAAAAMgAAAAAAAABkAAAAAAAAAH9/fwAKAAAAIgAAABgAAAAAAAAAAAAAAAAAAAAAAAAAAAAAAAAAAAAkAAAAJAAAAAAAAAAHAAAAAAAAAAAAAAAAAAAAAAAAAAAAAAAAAAAAf39/ACUAAABYAAAAAAAAAAAAAAAAAAAAAAAAAAAAAAAAAAAAAAAAAAAAAAAAAAAAAAAAAAAAAAA/AAAAAAAAAKCGAQAAAAAAAAAAAAAAAAAMAAAAAQAAAAAAAAAAAAAAAAAAAB8AAABUAAAAAAAABQAAAAEAAAAAAAAAAAAAAAAAAAAAAAAAAAAAAAAAAAAAAAAAAAAAAAJ/f38AAAAAA8zMzADAwP8Af39/AAAAAAAAAAAAAAAAAAAAAAAAAAAAIQAAABgAAAAUAAAAoRkAABsnAABfMQAAWSkAABAAAAAmAAAACAAAAAAAAAAAAAAAMAAAABQAAAAAAAAAAAD//wAAAQAAAP//AAABAA=="/>
               </a:ext>
             </a:extLst>
           </p:cNvSpPr>
@@ -1169,7 +1170,7 @@
             <a:spLocks noGrp="1" noChangeArrowheads="1"/>
             <a:extLst>
               <a:ext uri="smNativeData">
-                <pr:smNativeData xmlns:pr="smNativeData" xmlns="smNativeData" val="SMDATA_16_CqSDZxMAAAAlAAAAZAAAAA8BAAAAkAAAAEgAAACQAAAASAAAAAAAAAABAAAAAAAAAAEAAABQAAAAAAAAAAAA4D8AAAAAAADgPwAAAAAAAOA/AAAAAAAA4D8AAAAAAADgPwAAAAAAAOA/AAAAAAAA4D8AAAAAAADgPwAAAAAAAOA/AAAAAAAA4D8CAAAAjAAAAAAAAAAAAAAAu+DjDP///wgAAAAAAAAAAAAAAAAAAAAAAAAAAAAAAAAAAAAAZAAAAAEAAABAAAAAAAAAAAAAAAAAAAAAAAAAAAAAAAAAAAAAAAAAAAAAAAAAAAAAAAAAAAAAAAAAAAAAAAAAAAAAAAAAAAAAAAAAAAAAAAAAAAAAAAAAAAAAAAAAAAAAFAAAADwAAAAAAAAAAAAAAAAAAAkUAAAAAQAAABQAAAAUAAAAFAAAAAEAAAAAAAAAZAAAAGQAAAAAAAAAZAAAAGQAAAAVAAAAYAAAAAAAAAAAAAAADwAAACADAAAAAAAAAAAAAAEAAACgMgAAVgcAAKr4//8BAAAAf39/AAEAAABkAAAAAAAAABQAAABAHwAAAAAAACYAAAAAAAAAwOD//wAAAAAmAAAAZAAAABYAAABMAAAAAAAAAAAAAAAEAAAAAAAAAAEAAACAgIAKAAAAACgAAAAoAAAAZAAAAGQAAAAAAAAAzMzMAAAAAABQAAAAUAAAAGQAAABkAAAAAAAAABcAAAAUAAAAAAAAAAAAAAD/fwAA/38AAAAAAAAJAAAABAAAANw7IAEeAAAAaAAAAAAAAAAAAAAAAAAAAAAAAAAAAAAAECcAABAnAAAAAAAAAAAAAAAAAAAAAAAAAAAAAAAAAAAAAAAAAAAAABQAAAAAAAAAwMD/AAAAAABkAAAAMgAAAAAAAABkAAAAAAAAAH9/fwAKAAAAIgAAABgAAAAAAAAAAAAAAAAAAAAAAAAAAAAAAAAAAAAkAAAAJAAAAAAAAAAHAAAAAAAAAAAAAAAAAAAAAAAAAAAAAAAAAAAAf39/ACUAAABYAAAAAAAAAAAAAAAAAAAAAAAAAAAAAAAAAAAAAAAAAAAAAAAAAAAAAAAAAAAAAAA/AAAAAAAAAKCGAQAAAAAAAAAAAAAAAAAMAAAAAQAAAAAAAAAAAAAAAAAAAB8AAABUAAAAAAAABQAAAAEAAAAAAAAAAAAAAAAAAAAAAAAAAAAAAAAAAAAAAAAAAAAAAAJ/f38AAAAAA8zMzADAwP8Af39/AAAAAAAAAAAAAAAAAAAAAAAAAAAAIQAAABgAAAAUAAAAwTUAABsnAABARwAAWSkAABAAAAAmAAAACAAAAAAAAAAAAAAAMAAAABQAAAAAAAAAAAD//wAAAQAAAP//AAABAA=="/>
+                <pr:smNativeData xmlns:pr="smNativeData" xmlns="smNativeData" val="SMDATA_16_ZvmgZxMAAAAlAAAAZAAAAA8BAAAAkAAAAEgAAACQAAAASAAAAAAAAAABAAAAAAAAAAEAAABQAAAAAAAAAAAA4D8AAAAAAADgPwAAAAAAAOA/AAAAAAAA4D8AAAAAAADgPwAAAAAAAOA/AAAAAAAA4D8AAAAAAADgPwAAAAAAAOA/AAAAAAAA4D8CAAAAjAAAAAAAAAAAAAAAu+DjDP///wgAAAAAAAAAAAAAAAAAAAAAAAAAAAAAAAAAAAAAZAAAAAEAAABAAAAAAAAAAAAAAAAAAAAAAAAAAAAAAAAAAAAAAAAAAAAAAAAAAAAAAAAAAAAAAAAAAAAAAAAAAAAAAAAAAAAAAAAAAAAAAAAAAAAAAAAAAAAAAAAAAAAAFAAAADwAAAAAAAAAAAAAAAAAAAkUAAAAAQAAABQAAAAUAAAAFAAAAAEAAAAAAAAAZAAAAGQAAAAAAAAAZAAAAGQAAAAVAAAAYAAAAAAAAAAAAAAADwAAACADAAAAAAAAAAAAAAEAAACgMgAAVgcAAKr4//8BAAAAf39/AAEAAABkAAAAAAAAABQAAABAHwAAAAAAACYAAAAAAAAAwOD//wAAAAAmAAAAZAAAABYAAABMAAAAAAAAAAAAAAAEAAAAAAAAAAEAAACAgIAKAAAAACgAAAAoAAAAZAAAAGQAAAAAAAAAzMzMAAAAAABQAAAAUAAAAGQAAABkAAAAAAAAABcAAAAUAAAAAAAAAAAAAAD/fwAA/38AAAAAAAAJAAAABAAAANw7IAEeAAAAaAAAAAAAAAAAAAAAAAAAAAAAAAAAAAAAECcAABAnAAAAAAAAAAAAAAAAAAAAAAAAAAAAAAAAAAAAAAAAAAAAABQAAAAAAAAAwMD/AAAAAABkAAAAMgAAAAAAAABkAAAAAAAAAH9/fwAKAAAAIgAAABgAAAAAAAAAAAAAAAAAAAAAAAAAAAAAAAAAAAAkAAAAJAAAAAAAAAAHAAAAAAAAAAAAAAAAAAAAAAAAAAAAAAAAAAAAf39/ACUAAABYAAAAAAAAAAAAAAAAAAAAAAAAAAAAAAAAAAAAAAAAAAAAAAAAAAAAAAAAAAAAAAA/AAAAAAAAAKCGAQAAAAAAAAAAAAAAAAAMAAAAAQAAAAAAAAAAAAAAAAAAAB8AAABUAAAAAAAABQAAAAEAAAAAAAAAAAAAAAAAAAAAAAAAAAAAAAAAAAAAAAAAAAAAAAJ/f38AAAAAA8zMzADAwP8Af39/AAAAAAAAAAAAAAAAAAAAAAAAAAAAIQAAABgAAAAUAAAAwTUAABsnAABARwAAWSkAABAAAAAmAAAACAAAAAAAAAAAAAAAMAAAABQAAAAAAAAAAAD//wAAAQAAAP//AAABAA=="/>
               </a:ext>
             </a:extLst>
           </p:cNvSpPr>
@@ -1183,7 +1184,7 @@
           <a:lstStyle/>
           <a:p>
             <a:pPr/>
-            <a:fld id="{3F53A687-C9D2-0650-9CEB-3F05E8A56A6A}" type="slidenum">
+            <a:fld id="{3DEF3679-37D0-BAC0-9E57-C19578196894}" type="slidenum">
               <a:t/>
             </a:fld>
           </a:p>
@@ -1222,7 +1223,7 @@
             <a:spLocks noGrp="1" noChangeArrowheads="1"/>
             <a:extLst>
               <a:ext uri="smNativeData">
-                <pr:smNativeData xmlns:pr="smNativeData" xmlns="smNativeData" val="SMDATA_16_CqSDZxMAAAAlAAAAZAAAAA8BAAAAkAAAAEgAAACQAAAASAAAAAAAAAABAAAAAAAAAAEAAABQAAAAAAAAAAAA4D8AAAAAAADgPwAAAAAAAOA/AAAAAAAA4D8AAAAAAADgPwAAAAAAAOA/AAAAAAAA4D8AAAAAAADgPwAAAAAAAOA/AAAAAAAA4D8CAAAAjAAAAAAAAAAAAAAAu+DjDP///wgAAAAAAAAAAAAAAAAAAAAAAAAAAAAAAAAAAAAAZAAAAAEAAABAAAAAAAAAAAAAAAAAAAAAAAAAAAAAAAAAAAAAAAAAAAAAAAAAAAAAAAAAAAAAAAAAAAAAAAAAAAAAAAAAAAAAAAAAAAAAAAAAAAAAAAAAAAAAAAAAAAAAFAAAADwAAAAAAAAAAAAAAAAAAAkUAAAAAQAAABQAAAAUAAAAFAAAAAEAAAAAAAAAZAAAAGQAAAAAAAAAZAAAAGQAAAAVAAAAYAAAAAAAAAAAAAAADwAAACADAAAAAAAAAAAAAAEAAACgMgAAVgcAAKr4//8BAAAAf39/AAEAAABkAAAAAAAAABQAAABAHwAAAAAAACYAAAAAAAAAwOD//wAAAAAmAAAAZAAAABYAAABMAAAAAAAAAAAAAAAEAAAAAAAAAAEAAACAgIAKAAAAACgAAAAoAAAAZAAAAGQAAAAAAAAAzMzMAAAAAABQAAAAUAAAAGQAAABkAAAAAAAAABcAAAAUAAAAAAAAAAAAAAD/fwAA/38AAAAAAAAJAAAABAAAANw7IAEeAAAAaAAAAAAAAAAAAAAAAAAAAAAAAAAAAAAAECcAABAnAAAAAAAAAAAAAAAAAAAAAAAAAAAAAAAAAAAAAAAAAAAAABQAAAAAAAAAwMD/AAAAAABkAAAAMgAAAAAAAABkAAAAAAAAAH9/fwAKAAAAIgAAABgAAAAAAAAAAAAAAAAAAAAAAAAAAAAAAAAAAAAkAAAAJAAAAAAAAAAHAAAAAAAAAAAAAAAAAAAAAAAAAAAAAAAAAAAAf39/ACUAAABYAAAAAAAAAAAAAAAAAAAAAAAAAAAAAAAAAAAAAAAAAAAAAAAAAAAAAAAAAAAAAAA/AAAAAAAAAKCGAQAAAAAAAAAAAAAAAAAMAAAAAQAAAAAAAAAAAAAAAAAAAB8AAABUAAAAAAAABQAAAAEAAAAAAAAAAAAAAAAAAAAAAAAAAAAAAAAAAAAAAAAAAAAAAAJ/f38AAAAAA8zMzADAwP8Af39/AAAAAAAAAAAAAAAAAAAAAAAAAAAAIQAAABgAAAAUAAAAwAMAALABAABARwAAuAgAABAAAAAmAAAACAAAAAAAAAAAAAAAMAAAABQAAAAAAAAAAAD//wAAAQAAAP//AAABAA=="/>
+                <pr:smNativeData xmlns:pr="smNativeData" xmlns="smNativeData" val="SMDATA_16_ZvmgZxMAAAAlAAAAZAAAAA8BAAAAkAAAAEgAAACQAAAASAAAAAAAAAABAAAAAAAAAAEAAABQAAAAAAAAAAAA4D8AAAAAAADgPwAAAAAAAOA/AAAAAAAA4D8AAAAAAADgPwAAAAAAAOA/AAAAAAAA4D8AAAAAAADgPwAAAAAAAOA/AAAAAAAA4D8CAAAAjAAAAAAAAAAAAAAAu+DjDP///wgAAAAAAAAAAAAAAAAAAAAAAAAAAAAAAAAAAAAAZAAAAAEAAABAAAAAAAAAAAAAAAAAAAAAAAAAAAAAAAAAAAAAAAAAAAAAAAAAAAAAAAAAAAAAAAAAAAAAAAAAAAAAAAAAAAAAAAAAAAAAAAAAAAAAAAAAAAAAAAAAAAAAFAAAADwAAAAAAAAAAAAAAAAAAAkUAAAAAQAAABQAAAAUAAAAFAAAAAEAAAAAAAAAZAAAAGQAAAAAAAAAZAAAAGQAAAAVAAAAYAAAAAAAAAAAAAAADwAAACADAAAAAAAAAAAAAAEAAACgMgAAVgcAAKr4//8BAAAAf39/AAEAAABkAAAAAAAAABQAAABAHwAAAAAAACYAAAAAAAAAwOD//wAAAAAmAAAAZAAAABYAAABMAAAAAAAAAAAAAAAEAAAAAAAAAAEAAACAgIAKAAAAACgAAAAoAAAAZAAAAGQAAAAAAAAAzMzMAAAAAABQAAAAUAAAAGQAAABkAAAAAAAAABcAAAAUAAAAAAAAAAAAAAD/fwAA/38AAAAAAAAJAAAABAAAANw7IAEeAAAAaAAAAAAAAAAAAAAAAAAAAAAAAAAAAAAAECcAABAnAAAAAAAAAAAAAAAAAAAAAAAAAAAAAAAAAAAAAAAAAAAAABQAAAAAAAAAwMD/AAAAAABkAAAAMgAAAAAAAABkAAAAAAAAAH9/fwAKAAAAIgAAABgAAAAAAAAAAAAAAAAAAAAAAAAAAAAAAAAAAAAkAAAAJAAAAAAAAAAHAAAAAAAAAAAAAAAAAAAAAAAAAAAAAAAAAAAAf39/ACUAAABYAAAAAAAAAAAAAAAAAAAAAAAAAAAAAAAAAAAAAAAAAAAAAAAAAAAAAAAAAAAAAAA/AAAAAAAAAKCGAQAAAAAAAAAAAAAAAAAMAAAAAQAAAAAAAAAAAAAAAAAAAB8AAABUAAAAAAAABQAAAAEAAAAAAAAAAAAAAAAAAAAAAAAAAAAAAAAAAAAAAAAAAAAAAAJ/f38AAAAAA8zMzADAwP8Af39/AAAAAAAAAAAAAAAAAAAAAAAAAAAAIQAAABgAAAAUAAAAwAMAALABAABARwAAuAgAABAAAAAmAAAACAAAAAAAAAAAAAAAMAAAABQAAAAAAAAAAAD//wAAAQAAAP//AAABAA=="/>
               </a:ext>
             </a:extLst>
           </p:cNvSpPr>
@@ -1249,7 +1250,7 @@
             <a:spLocks noGrp="1" noChangeArrowheads="1"/>
             <a:extLst>
               <a:ext uri="smNativeData">
-                <pr:smNativeData xmlns:pr="smNativeData" xmlns="smNativeData" val="SMDATA_16_CqSDZxMAAAAlAAAAZAAAAA8BAAAAkAAAAEgAAACQAAAASAAAAAAAAAAAAAAAAAAAAAEAAABQAAAAAAAAAAAA4D8AAAAAAADgPwAAAAAAAOA/AAAAAAAA4D8AAAAAAADgPwAAAAAAAOA/AAAAAAAA4D8AAAAAAADgPwAAAAAAAOA/AAAAAAAA4D8CAAAAjAAAAAAAAAAAAAAAu+DjDP///wgAAAAAAAAAAAAAAAAAAAAAAAAAAAAAAAAAAAAAZAAAAAEAAABAAAAAAAAAAAAAAAAAAAAAAAAAAAAAAAAAAAAAAAAAAAAAAAAAAAAAAAAAAAAAAAAAAAAAAAAAAAAAAAAAAAAAAAAAAAAAAAAAAAAAAAAAAAAAAAAAAAAAFAAAADwAAAAAAAAAAAAAAAAAAAkUAAAAAQAAABQAAAAUAAAAFAAAAAEAAAAAAAAAZAAAAGQAAAAAAAAAZAAAAGQAAAAVAAAAYAAAAAAAAAAAAAAADwAAACADAAAAAAAAAAAAAAEAAACgMgAAVgcAAKr4//8BAAAAf39/AAEAAABkAAAAAAAAABQAAABAHwAAAAAAACYAAAAAAAAAwOD//wAAAAAmAAAAZAAAABYAAABMAAAAAAAAAAAAAAAEAAAAAAAAAAEAAACAgIAKAAAAACgAAAAoAAAAZAAAAGQAAAAAAAAAzMzMAAAAAABQAAAAUAAAAGQAAABkAAAAAAAAABcAAAAUAAAAAAAAAAAAAAD/fwAA/38AAAAAAAAJAAAABAAAANw7IAEeAAAAaAAAAAAAAAAAAAAAAAAAAAAAAAAAAAAAECcAABAnAAAAAAAAAAAAAAAAAAAAAAAAAAAAAAAAAAAAAAAAAAAAABQAAAAAAAAAwMD/AAAAAABkAAAAMgAAAAAAAABkAAAAAAAAAH9/fwAKAAAAIgAAABgAAAAAAAAAAAAAAAAAAAAAAAAAAAAAAAAAAAAkAAAAJAAAAAAAAAAHAAAAAAAAAAAAAAAAAAAAAAAAAAAAAAAAAAAAf39/ACUAAABYAAAAAAAAAAAAAAAAAAAAAAAAAAAAAAAAAAAAAAAAAAAAAAAAAAAAAAAAAAAAAAA/AAAAAAAAAKCGAQAAAAAAAAAAAAAAAAAMAAAAAQAAAAAAAAAAAAAAAAAAAB8AAABUAAAAAAAABQAAAAEAAAAAAAAAAAAAAAAAAAAAAAAAAAAAAAAAAAAAAAAAAAAAAAJ/f38AAAAAA8zMzADAwP8Af39/AAAAAAAAAAAAAAAAAAAAAAAAAAAAIQAAABgAAAAUAAAAwAMAANgJAADhJAAAsCUAABAAAAAmAAAACAAAAAGAAAAAAAAAMAAAABQAAAAAAAAAAAD//wAAAQAAAP//AAABAA=="/>
+                <pr:smNativeData xmlns:pr="smNativeData" xmlns="smNativeData" val="SMDATA_16_ZvmgZxMAAAAlAAAAZAAAAA8BAAAAkAAAAEgAAACQAAAASAAAAAAAAAAAAAAAAAAAAAEAAABQAAAAAAAAAAAA4D8AAAAAAADgPwAAAAAAAOA/AAAAAAAA4D8AAAAAAADgPwAAAAAAAOA/AAAAAAAA4D8AAAAAAADgPwAAAAAAAOA/AAAAAAAA4D8CAAAAjAAAAAAAAAAAAAAAu+DjDP///wgAAAAAAAAAAAAAAAAAAAAAAAAAAAAAAAAAAAAAZAAAAAEAAABAAAAAAAAAAAAAAAAAAAAAAAAAAAAAAAAAAAAAAAAAAAAAAAAAAAAAAAAAAAAAAAAAAAAAAAAAAAAAAAAAAAAAAAAAAAAAAAAAAAAAAAAAAAAAAAAAAAAAFAAAADwAAAAAAAAAAAAAAAAAAAkUAAAAAQAAABQAAAAUAAAAFAAAAAEAAAAAAAAAZAAAAGQAAAAAAAAAZAAAAGQAAAAVAAAAYAAAAAAAAAAAAAAADwAAACADAAAAAAAAAAAAAAEAAACgMgAAVgcAAKr4//8BAAAAf39/AAEAAABkAAAAAAAAABQAAABAHwAAAAAAACYAAAAAAAAAwOD//wAAAAAmAAAAZAAAABYAAABMAAAAAAAAAAAAAAAEAAAAAAAAAAEAAACAgIAKAAAAACgAAAAoAAAAZAAAAGQAAAAAAAAAzMzMAAAAAABQAAAAUAAAAGQAAABkAAAAAAAAABcAAAAUAAAAAAAAAAAAAAD/fwAA/38AAAAAAAAJAAAABAAAANw7IAEeAAAAaAAAAAAAAAAAAAAAAAAAAAAAAAAAAAAAECcAABAnAAAAAAAAAAAAAAAAAAAAAAAAAAAAAAAAAAAAAAAAAAAAABQAAAAAAAAAwMD/AAAAAABkAAAAMgAAAAAAAABkAAAAAAAAAH9/fwAKAAAAIgAAABgAAAAAAAAAAAAAAAAAAAAAAAAAAAAAAAAAAAAkAAAAJAAAAAAAAAAHAAAAAAAAAAAAAAAAAAAAAAAAAAAAAAAAAAAAf39/ACUAAABYAAAAAAAAAAAAAAAAAAAAAAAAAAAAAAAAAAAAAAAAAAAAAAAAAAAAAAAAAAAAAAA/AAAAAAAAAKCGAQAAAAAAAAAAAAAAAAAMAAAAAQAAAAAAAAAAAAAAAAAAAB8AAABUAAAAAAAABQAAAAEAAAAAAAAAAAAAAAAAAAAAAAAAAAAAAAAAAAAAAAAAAAAAAAJ/f38AAAAAA8zMzADAwP8Af39/AAAAAAAAAAAAAAAAAAAAAAAAAAAAIQAAABgAAAAUAAAAwAMAANgJAADhJAAAsCUAABAAAAAmAAAACAAAAAGAAAAAAAAAMAAAABQAAAAAAAAAAAD//wAAAQAAAP//AAABAA=="/>
               </a:ext>
             </a:extLst>
           </p:cNvSpPr>
@@ -1333,7 +1334,7 @@
             <a:spLocks noGrp="1" noChangeArrowheads="1"/>
             <a:extLst>
               <a:ext uri="smNativeData">
-                <pr:smNativeData xmlns:pr="smNativeData" xmlns="smNativeData" val="SMDATA_16_CqSDZxMAAAAlAAAAZAAAAA8BAAAAkAAAAEgAAACQAAAASAAAAAAAAAAAAAAAAAAAAAEAAABQAAAAAAAAAAAA4D8AAAAAAADgPwAAAAAAAOA/AAAAAAAA4D8AAAAAAADgPwAAAAAAAOA/AAAAAAAA4D8AAAAAAADgPwAAAAAAAOA/AAAAAAAA4D8CAAAAjAAAAAAAAAAAAAAAu+DjDP///wgAAAAAAAAAAAAAAAAAAAAAAAAAAAAAAAAAAAAAZAAAAAEAAABAAAAAAAAAAAAAAAAAAAAAAAAAAAAAAAAAAAAAAAAAAAAAAAAAAAAAAAAAAAAAAAAAAAAAAAAAAAAAAAAAAAAAAAAAAAAAAAAAAAAAAAAAAAAAAAAAAAAAFAAAADwAAAAAAAAAAAAAAAAAAAkUAAAAAQAAABQAAAAUAAAAFAAAAAEAAAAAAAAAZAAAAGQAAAAAAAAAZAAAAGQAAAAVAAAAYAAAAAAAAAAAAAAADwAAACADAAAAAAAAAAAAAAEAAACgMgAAVgcAAKr4//8BAAAAf39/AAEAAABkAAAAAAAAABQAAABAHwAAAAAAACYAAAAAAAAAwOD//wAAAAAmAAAAZAAAABYAAABMAAAAAAAAAAAAAAAEAAAAAAAAAAEAAACAgIAKAAAAACgAAAAoAAAAZAAAAGQAAAAAAAAAzMzMAAAAAABQAAAAUAAAAGQAAABkAAAAAAAAABcAAAAUAAAAAAAAAAAAAAD/fwAA/38AAAAAAAAJAAAABAAAANw7IAEeAAAAaAAAAAAAAAAAAAAAAAAAAAAAAAAAAAAAECcAABAnAAAAAAAAAAAAAAAAAAAAAAAAAAAAAAAAAAAAAAAAAAAAABQAAAAAAAAAwMD/AAAAAABkAAAAMgAAAAAAAABkAAAAAAAAAH9/fwAKAAAAIgAAABgAAAAAAAAAAAAAAAAAAAAAAAAAAAAAAAAAAAAkAAAAJAAAAAAAAAAHAAAAAAAAAAAAAAAAAAAAAAAAAAAAAAAAAAAAf39/ACUAAABYAAAAAAAAAAAAAAAAAAAAAAAAAAAAAAAAAAAAAAAAAAAAAAAAAAAAAAAAAAAAAAA/AAAAAAAAAKCGAQAAAAAAAAAAAAAAAAAMAAAAAQAAAAAAAAAAAAAAAAAAAB8AAABUAAAAAAAABQAAAAEAAAAAAAAAAAAAAAAAAAAAAAAAAAAAAAAAAAAAAAAAAAAAAAJ/f38AAAAAA8zMzADAwP8Af39/AAAAAAAAAAAAAAAAAAAAAAAAAAAAIQAAABgAAAAUAAAAHyYAANgJAABARwAAsCUAABAAAAAmAAAACAAAAAGAAAAAAAAAMAAAABQAAAAAAAAAAAD//wAAAQAAAP//AAABAA=="/>
+                <pr:smNativeData xmlns:pr="smNativeData" xmlns="smNativeData" val="SMDATA_16_ZvmgZxMAAAAlAAAAZAAAAA8BAAAAkAAAAEgAAACQAAAASAAAAAAAAAAAAAAAAAAAAAEAAABQAAAAAAAAAAAA4D8AAAAAAADgPwAAAAAAAOA/AAAAAAAA4D8AAAAAAADgPwAAAAAAAOA/AAAAAAAA4D8AAAAAAADgPwAAAAAAAOA/AAAAAAAA4D8CAAAAjAAAAAAAAAAAAAAAu+DjDP///wgAAAAAAAAAAAAAAAAAAAAAAAAAAAAAAAAAAAAAZAAAAAEAAABAAAAAAAAAAAAAAAAAAAAAAAAAAAAAAAAAAAAAAAAAAAAAAAAAAAAAAAAAAAAAAAAAAAAAAAAAAAAAAAAAAAAAAAAAAAAAAAAAAAAAAAAAAAAAAAAAAAAAFAAAADwAAAAAAAAAAAAAAAAAAAkUAAAAAQAAABQAAAAUAAAAFAAAAAEAAAAAAAAAZAAAAGQAAAAAAAAAZAAAAGQAAAAVAAAAYAAAAAAAAAAAAAAADwAAACADAAAAAAAAAAAAAAEAAACgMgAAVgcAAKr4//8BAAAAf39/AAEAAABkAAAAAAAAABQAAABAHwAAAAAAACYAAAAAAAAAwOD//wAAAAAmAAAAZAAAABYAAABMAAAAAAAAAAAAAAAEAAAAAAAAAAEAAACAgIAKAAAAACgAAAAoAAAAZAAAAGQAAAAAAAAAzMzMAAAAAABQAAAAUAAAAGQAAABkAAAAAAAAABcAAAAUAAAAAAAAAAAAAAD/fwAA/38AAAAAAAAJAAAABAAAANw7IAEeAAAAaAAAAAAAAAAAAAAAAAAAAAAAAAAAAAAAECcAABAnAAAAAAAAAAAAAAAAAAAAAAAAAAAAAAAAAAAAAAAAAAAAABQAAAAAAAAAwMD/AAAAAABkAAAAMgAAAAAAAABkAAAAAAAAAH9/fwAKAAAAIgAAABgAAAAAAAAAAAAAAAAAAAAAAAAAAAAAAAAAAAAkAAAAJAAAAAAAAAAHAAAAAAAAAAAAAAAAAAAAAAAAAAAAAAAAAAAAf39/ACUAAABYAAAAAAAAAAAAAAAAAAAAAAAAAAAAAAAAAAAAAAAAAAAAAAAAAAAAAAAAAAAAAAA/AAAAAAAAAKCGAQAAAAAAAAAAAAAAAAAMAAAAAQAAAAAAAAAAAAAAAAAAAB8AAABUAAAAAAAABQAAAAEAAAAAAAAAAAAAAAAAAAAAAAAAAAAAAAAAAAAAAAAAAAAAAAJ/f38AAAAAA8zMzADAwP8Af39/AAAAAAAAAAAAAAAAAAAAAAAAAAAAIQAAABgAAAAUAAAAHyYAANgJAABARwAAsCUAABAAAAAmAAAACAAAAAGAAAAAAAAAMAAAABQAAAAAAAAAAAD//wAAAQAAAP//AAABAA=="/>
               </a:ext>
             </a:extLst>
           </p:cNvSpPr>
@@ -1417,7 +1418,7 @@
             <a:spLocks noGrp="1" noChangeArrowheads="1"/>
             <a:extLst>
               <a:ext uri="smNativeData">
-                <pr:smNativeData xmlns:pr="smNativeData" xmlns="smNativeData" val="SMDATA_16_CqSDZxMAAAAlAAAAZAAAAA8BAAAAkAAAAEgAAACQAAAASAAAAAAAAAABAAAAAAAAAAEAAABQAAAAAAAAAAAA4D8AAAAAAADgPwAAAAAAAOA/AAAAAAAA4D8AAAAAAADgPwAAAAAAAOA/AAAAAAAA4D8AAAAAAADgPwAAAAAAAOA/AAAAAAAA4D8CAAAAjAAAAAAAAAAAAAAAu+DjDP///wgAAAAAAAAAAAAAAAAAAAAAAAAAAAAAAAAAAAAAZAAAAAEAAABAAAAAAAAAAAAAAAAAAAAAAAAAAAAAAAAAAAAAAAAAAAAAAAAAAAAAAAAAAAAAAAAAAAAAAAAAAAAAAAAAAAAAAAAAAAAAAAAAAAAAAAAAAAAAAAAAAAAAFAAAADwAAAAAAAAAAAAAAAAAAAkUAAAAAQAAABQAAAAUAAAAFAAAAAEAAAAAAAAAZAAAAGQAAAAAAAAAZAAAAGQAAAAVAAAAYAAAAAAAAAAAAAAADwAAACADAAAAAAAAAAAAAAEAAACgMgAAVgcAAKr4//8BAAAAf39/AAEAAABkAAAAAAAAABQAAABAHwAAAAAAACYAAAAAAAAAwOD//wAAAAAmAAAAZAAAABYAAABMAAAAAAAAAAAAAAAEAAAAAAAAAAEAAACAgIAKAAAAACgAAAAoAAAAZAAAAGQAAAAAAAAAzMzMAAAAAABQAAAAUAAAAGQAAABkAAAAAAAAABcAAAAUAAAAAAAAAAAAAAD/fwAA/38AAAAAAAAJAAAABAAAANw7IAEeAAAAaAAAAAAAAAAAAAAAAAAAAAAAAAAAAAAAECcAABAnAAAAAAAAAAAAAAAAAAAAAAAAAAAAAAAAAAAAAAAAAAAAABQAAAAAAAAAwMD/AAAAAABkAAAAMgAAAAAAAABkAAAAAAAAAH9/fwAKAAAAIgAAABgAAAAAAAAAAAAAAAAAAAAAAAAAAAAAAAAAAAAkAAAAJAAAAAAAAAAHAAAAAAAAAAAAAAAAAAAAAAAAAAAAAAAAAAAAf39/ACUAAABYAAAAAAAAAAAAAAAAAAAAAAAAAAAAAAAAAAAAAAAAAAAAAAAAAAAAAAAAAAAAAAA/AAAAAAAAAKCGAQAAAAAAAAAAAAAAAAAMAAAAAQAAAAAAAAAAAAAAAAAAAB8AAABUAAAAAAAABQAAAAEAAAAAAAAAAAAAAAAAAAAAAAAAAAAAAAAAAAAAAAAAAAAAAAJ/f38AAAAAA8zMzADAwP8Af39/AAAAAAAAAAAAAAAAAAAAAAAAAAAAIQAAABgAAAAUAAAAwAMAABsnAAA/FQAAWSkAABAAAAAmAAAACAAAAAAAAAAAAAAAMAAAABQAAAAAAAAAAAD//wAAAQAAAP//AAABAA=="/>
+                <pr:smNativeData xmlns:pr="smNativeData" xmlns="smNativeData" val="SMDATA_16_ZvmgZxMAAAAlAAAAZAAAAA8BAAAAkAAAAEgAAACQAAAASAAAAAAAAAABAAAAAAAAAAEAAABQAAAAAAAAAAAA4D8AAAAAAADgPwAAAAAAAOA/AAAAAAAA4D8AAAAAAADgPwAAAAAAAOA/AAAAAAAA4D8AAAAAAADgPwAAAAAAAOA/AAAAAAAA4D8CAAAAjAAAAAAAAAAAAAAAu+DjDP///wgAAAAAAAAAAAAAAAAAAAAAAAAAAAAAAAAAAAAAZAAAAAEAAABAAAAAAAAAAAAAAAAAAAAAAAAAAAAAAAAAAAAAAAAAAAAAAAAAAAAAAAAAAAAAAAAAAAAAAAAAAAAAAAAAAAAAAAAAAAAAAAAAAAAAAAAAAAAAAAAAAAAAFAAAADwAAAAAAAAAAAAAAAAAAAkUAAAAAQAAABQAAAAUAAAAFAAAAAEAAAAAAAAAZAAAAGQAAAAAAAAAZAAAAGQAAAAVAAAAYAAAAAAAAAAAAAAADwAAACADAAAAAAAAAAAAAAEAAACgMgAAVgcAAKr4//8BAAAAf39/AAEAAABkAAAAAAAAABQAAABAHwAAAAAAACYAAAAAAAAAwOD//wAAAAAmAAAAZAAAABYAAABMAAAAAAAAAAAAAAAEAAAAAAAAAAEAAACAgIAKAAAAACgAAAAoAAAAZAAAAGQAAAAAAAAAzMzMAAAAAABQAAAAUAAAAGQAAABkAAAAAAAAABcAAAAUAAAAAAAAAAAAAAD/fwAA/38AAAAAAAAJAAAABAAAANw7IAEeAAAAaAAAAAAAAAAAAAAAAAAAAAAAAAAAAAAAECcAABAnAAAAAAAAAAAAAAAAAAAAAAAAAAAAAAAAAAAAAAAAAAAAABQAAAAAAAAAwMD/AAAAAABkAAAAMgAAAAAAAABkAAAAAAAAAH9/fwAKAAAAIgAAABgAAAAAAAAAAAAAAAAAAAAAAAAAAAAAAAAAAAAkAAAAJAAAAAAAAAAHAAAAAAAAAAAAAAAAAAAAAAAAAAAAAAAAAAAAf39/ACUAAABYAAAAAAAAAAAAAAAAAAAAAAAAAAAAAAAAAAAAAAAAAAAAAAAAAAAAAAAAAAAAAAA/AAAAAAAAAKCGAQAAAAAAAAAAAAAAAAAMAAAAAQAAAAAAAAAAAAAAAAAAAB8AAABUAAAAAAAABQAAAAEAAAAAAAAAAAAAAAAAAAAAAAAAAAAAAAAAAAAAAAAAAAAAAAJ/f38AAAAAA8zMzADAwP8Af39/AAAAAAAAAAAAAAAAAAAAAAAAAAAAIQAAABgAAAAUAAAAwAMAABsnAAA/FQAAWSkAABAAAAAmAAAACAAAAAAAAAAAAAAAMAAAABQAAAAAAAAAAAD//wAAAQAAAP//AAABAA=="/>
               </a:ext>
             </a:extLst>
           </p:cNvSpPr>
@@ -1431,7 +1432,7 @@
           <a:lstStyle/>
           <a:p>
             <a:pPr/>
-            <a:fld id="{3F538619-57D2-0670-9CEB-A125C8A56AF4}" type="datetime1">
+            <a:fld id="{3DEF5695-DBD0-BAA0-9E57-2DF518196878}" type="datetime1">
               <a:t/>
             </a:fld>
           </a:p>
@@ -1444,7 +1445,7 @@
             <a:spLocks noGrp="1" noChangeArrowheads="1"/>
             <a:extLst>
               <a:ext uri="smNativeData">
-                <pr:smNativeData xmlns:pr="smNativeData" xmlns="smNativeData" val="SMDATA_16_CqSDZxMAAAAlAAAAZAAAAA8BAAAAkAAAAEgAAACQAAAASAAAAAAAAAABAAAAAAAAAAEAAABQAAAAAAAAAAAA4D8AAAAAAADgPwAAAAAAAOA/AAAAAAAA4D8AAAAAAADgPwAAAAAAAOA/AAAAAAAA4D8AAAAAAADgPwAAAAAAAOA/AAAAAAAA4D8CAAAAjAAAAAAAAAAAAAAAu+DjDP///wgAAAAAAAAAAAAAAAAAAAAAAAAAAAAAAAAAAAAAZAAAAAEAAABAAAAAAAAAAAAAAAAAAAAAAAAAAAAAAAAAAAAAAAAAAAAAAAAAAAAAAAAAAAAAAAAAAAAAAAAAAAAAAAAAAAAAAAAAAAAAAAAAAAAAAAAAAAAAAAAAAAAAFAAAADwAAAAAAAAAAAAAAAAAAAkUAAAAAQAAABQAAAAUAAAAFAAAAAEAAAAAAAAAZAAAAGQAAAAAAAAAZAAAAGQAAAAVAAAAYAAAAAAAAAAAAAAADwAAACADAAAAAAAAAAAAAAEAAACgMgAAVgcAAKr4//8BAAAAf39/AAEAAABkAAAAAAAAABQAAABAHwAAAAAAACYAAAAAAAAAwOD//wAAAAAmAAAAZAAAABYAAABMAAAAAAAAAAAAAAAEAAAAAAAAAAEAAACAgIAKAAAAACgAAAAoAAAAZAAAAGQAAAAAAAAAzMzMAAAAAABQAAAAUAAAAGQAAABkAAAAAAAAABcAAAAUAAAAAAAAAAAAAAD/fwAA/38AAAAAAAAJAAAABAAAANw7IAEeAAAAaAAAAAAAAAAAAAAAAAAAAAAAAAAAAAAAECcAABAnAAAAAAAAAAAAAAAAAAAAAAAAAAAAAAAAAAAAAAAAAAAAABQAAAAAAAAAwMD/AAAAAABkAAAAMgAAAAAAAABkAAAAAAAAAH9/fwAKAAAAIgAAABgAAAAAAAAAAAAAAAAAAAAAAAAAAAAAAAAAAAAkAAAAJAAAAAAAAAAHAAAAAAAAAAAAAAAAAAAAAAAAAAAAAAAAAAAAf39/ACUAAABYAAAAAAAAAAAAAAAAAAAAAAAAAAAAAAAAAAAAAAAAAAAAAAAAAAAAAAAAAAAAAAA/AAAAAAAAAKCGAQAAAAAAAAAAAAAAAAAMAAAAAQAAAAAAAAAAAAAAAAAAAB8AAABUAAAAAAAABQAAAAEAAAAAAAAAAAAAAAAAAAAAAAAAAAAAAAAAAAAAAAAAAAAAAAJ/f38AAAAAA8zMzADAwP8Af39/AAAAAAAAAAAAAAAAAAAAAAAAAAAAIQAAABgAAAAUAAAAoRkAABsnAABfMQAAWSkAABAAAAAmAAAACAAAAAAAAAAAAAAAMAAAABQAAAAAAAAAAAD//wAAAQAAAP//AAABAA=="/>
+                <pr:smNativeData xmlns:pr="smNativeData" xmlns="smNativeData" val="SMDATA_16_ZvmgZxMAAAAlAAAAZAAAAA8BAAAAkAAAAEgAAACQAAAASAAAAAAAAAABAAAAAAAAAAEAAABQAAAAAAAAAAAA4D8AAAAAAADgPwAAAAAAAOA/AAAAAAAA4D8AAAAAAADgPwAAAAAAAOA/AAAAAAAA4D8AAAAAAADgPwAAAAAAAOA/AAAAAAAA4D8CAAAAjAAAAAAAAAAAAAAAu+DjDP///wgAAAAAAAAAAAAAAAAAAAAAAAAAAAAAAAAAAAAAZAAAAAEAAABAAAAAAAAAAAAAAAAAAAAAAAAAAAAAAAAAAAAAAAAAAAAAAAAAAAAAAAAAAAAAAAAAAAAAAAAAAAAAAAAAAAAAAAAAAAAAAAAAAAAAAAAAAAAAAAAAAAAAFAAAADwAAAAAAAAAAAAAAAAAAAkUAAAAAQAAABQAAAAUAAAAFAAAAAEAAAAAAAAAZAAAAGQAAAAAAAAAZAAAAGQAAAAVAAAAYAAAAAAAAAAAAAAADwAAACADAAAAAAAAAAAAAAEAAACgMgAAVgcAAKr4//8BAAAAf39/AAEAAABkAAAAAAAAABQAAABAHwAAAAAAACYAAAAAAAAAwOD//wAAAAAmAAAAZAAAABYAAABMAAAAAAAAAAAAAAAEAAAAAAAAAAEAAACAgIAKAAAAACgAAAAoAAAAZAAAAGQAAAAAAAAAzMzMAAAAAABQAAAAUAAAAGQAAABkAAAAAAAAABcAAAAUAAAAAAAAAAAAAAD/fwAA/38AAAAAAAAJAAAABAAAANw7IAEeAAAAaAAAAAAAAAAAAAAAAAAAAAAAAAAAAAAAECcAABAnAAAAAAAAAAAAAAAAAAAAAAAAAAAAAAAAAAAAAAAAAAAAABQAAAAAAAAAwMD/AAAAAABkAAAAMgAAAAAAAABkAAAAAAAAAH9/fwAKAAAAIgAAABgAAAAAAAAAAAAAAAAAAAAAAAAAAAAAAAAAAAAkAAAAJAAAAAAAAAAHAAAAAAAAAAAAAAAAAAAAAAAAAAAAAAAAAAAAf39/ACUAAABYAAAAAAAAAAAAAAAAAAAAAAAAAAAAAAAAAAAAAAAAAAAAAAAAAAAAAAAAAAAAAAA/AAAAAAAAAKCGAQAAAAAAAAAAAAAAAAAMAAAAAQAAAAAAAAAAAAAAAAAAAB8AAABUAAAAAAAABQAAAAEAAAAAAAAAAAAAAAAAAAAAAAAAAAAAAAAAAAAAAAAAAAAAAAJ/f38AAAAAA8zMzADAwP8Af39/AAAAAAAAAAAAAAAAAAAAAAAAAAAAIQAAABgAAAAUAAAAoRkAABsnAABfMQAAWSkAABAAAAAmAAAACAAAAAAAAAAAAAAAMAAAABQAAAAAAAAAAAD//wAAAQAAAP//AAABAA=="/>
               </a:ext>
             </a:extLst>
           </p:cNvSpPr>
@@ -1468,7 +1469,7 @@
             <a:spLocks noGrp="1" noChangeArrowheads="1"/>
             <a:extLst>
               <a:ext uri="smNativeData">
-                <pr:smNativeData xmlns:pr="smNativeData" xmlns="smNativeData" val="SMDATA_16_CqSDZxMAAAAlAAAAZAAAAA8BAAAAkAAAAEgAAACQAAAASAAAAAAAAAABAAAAAAAAAAEAAABQAAAAAAAAAAAA4D8AAAAAAADgPwAAAAAAAOA/AAAAAAAA4D8AAAAAAADgPwAAAAAAAOA/AAAAAAAA4D8AAAAAAADgPwAAAAAAAOA/AAAAAAAA4D8CAAAAjAAAAAAAAAAAAAAAu+DjDP///wgAAAAAAAAAAAAAAAAAAAAAAAAAAAAAAAAAAAAAZAAAAAEAAABAAAAAAAAAAAAAAAAAAAAAAAAAAAAAAAAAAAAAAAAAAAAAAAAAAAAAAAAAAAAAAAAAAAAAAAAAAAAAAAAAAAAAAAAAAAAAAAAAAAAAAAAAAAAAAAAAAAAAFAAAADwAAAAAAAAAAAAAAAAAAAkUAAAAAQAAABQAAAAUAAAAFAAAAAEAAAAAAAAAZAAAAGQAAAAAAAAAZAAAAGQAAAAVAAAAYAAAAAAAAAAAAAAADwAAACADAAAAAAAAAAAAAAEAAACgMgAAVgcAAKr4//8BAAAAf39/AAEAAABkAAAAAAAAABQAAABAHwAAAAAAACYAAAAAAAAAwOD//wAAAAAmAAAAZAAAABYAAABMAAAAAAAAAAAAAAAEAAAAAAAAAAEAAACAgIAKAAAAACgAAAAoAAAAZAAAAGQAAAAAAAAAzMzMAAAAAABQAAAAUAAAAGQAAABkAAAAAAAAABcAAAAUAAAAAAAAAAAAAAD/fwAA/38AAAAAAAAJAAAABAAAANw7IAEeAAAAaAAAAAAAAAAAAAAAAAAAAAAAAAAAAAAAECcAABAnAAAAAAAAAAAAAAAAAAAAAAAAAAAAAAAAAAAAAAAAAAAAABQAAAAAAAAAwMD/AAAAAABkAAAAMgAAAAAAAABkAAAAAAAAAH9/fwAKAAAAIgAAABgAAAAAAAAAAAAAAAAAAAAAAAAAAAAAAAAAAAAkAAAAJAAAAAAAAAAHAAAAAAAAAAAAAAAAAAAAAAAAAAAAAAAAAAAAf39/ACUAAABYAAAAAAAAAAAAAAAAAAAAAAAAAAAAAAAAAAAAAAAAAAAAAAAAAAAAAAAAAAAAAAA/AAAAAAAAAKCGAQAAAAAAAAAAAAAAAAAMAAAAAQAAAAAAAAAAAAAAAAAAAB8AAABUAAAAAAAABQAAAAEAAAAAAAAAAAAAAAAAAAAAAAAAAAAAAAAAAAAAAAAAAAAAAAJ/f38AAAAAA8zMzADAwP8Af39/AAAAAAAAAAAAAAAAAAAAAAAAAAAAIQAAABgAAAAUAAAAwTUAABsnAABARwAAWSkAABAAAAAmAAAACAAAAAAAAAAAAAAAMAAAABQAAAAAAAAAAAD//wAAAQAAAP//AAABAA=="/>
+                <pr:smNativeData xmlns:pr="smNativeData" xmlns="smNativeData" val="SMDATA_16_ZvmgZxMAAAAlAAAAZAAAAA8BAAAAkAAAAEgAAACQAAAASAAAAAAAAAABAAAAAAAAAAEAAABQAAAAAAAAAAAA4D8AAAAAAADgPwAAAAAAAOA/AAAAAAAA4D8AAAAAAADgPwAAAAAAAOA/AAAAAAAA4D8AAAAAAADgPwAAAAAAAOA/AAAAAAAA4D8CAAAAjAAAAAAAAAAAAAAAu+DjDP///wgAAAAAAAAAAAAAAAAAAAAAAAAAAAAAAAAAAAAAZAAAAAEAAABAAAAAAAAAAAAAAAAAAAAAAAAAAAAAAAAAAAAAAAAAAAAAAAAAAAAAAAAAAAAAAAAAAAAAAAAAAAAAAAAAAAAAAAAAAAAAAAAAAAAAAAAAAAAAAAAAAAAAFAAAADwAAAAAAAAAAAAAAAAAAAkUAAAAAQAAABQAAAAUAAAAFAAAAAEAAAAAAAAAZAAAAGQAAAAAAAAAZAAAAGQAAAAVAAAAYAAAAAAAAAAAAAAADwAAACADAAAAAAAAAAAAAAEAAACgMgAAVgcAAKr4//8BAAAAf39/AAEAAABkAAAAAAAAABQAAABAHwAAAAAAACYAAAAAAAAAwOD//wAAAAAmAAAAZAAAABYAAABMAAAAAAAAAAAAAAAEAAAAAAAAAAEAAACAgIAKAAAAACgAAAAoAAAAZAAAAGQAAAAAAAAAzMzMAAAAAABQAAAAUAAAAGQAAABkAAAAAAAAABcAAAAUAAAAAAAAAAAAAAD/fwAA/38AAAAAAAAJAAAABAAAANw7IAEeAAAAaAAAAAAAAAAAAAAAAAAAAAAAAAAAAAAAECcAABAnAAAAAAAAAAAAAAAAAAAAAAAAAAAAAAAAAAAAAAAAAAAAABQAAAAAAAAAwMD/AAAAAABkAAAAMgAAAAAAAABkAAAAAAAAAH9/fwAKAAAAIgAAABgAAAAAAAAAAAAAAAAAAAAAAAAAAAAAAAAAAAAkAAAAJAAAAAAAAAAHAAAAAAAAAAAAAAAAAAAAAAAAAAAAAAAAAAAAf39/ACUAAABYAAAAAAAAAAAAAAAAAAAAAAAAAAAAAAAAAAAAAAAAAAAAAAAAAAAAAAAAAAAAAAA/AAAAAAAAAKCGAQAAAAAAAAAAAAAAAAAMAAAAAQAAAAAAAAAAAAAAAAAAAB8AAABUAAAAAAAABQAAAAEAAAAAAAAAAAAAAAAAAAAAAAAAAAAAAAAAAAAAAAAAAAAAAAJ/f38AAAAAA8zMzADAwP8Af39/AAAAAAAAAAAAAAAAAAAAAAAAAAAAIQAAABgAAAAUAAAAwTUAABsnAABARwAAWSkAABAAAAAmAAAACAAAAAAAAAAAAAAAMAAAABQAAAAAAAAAAAD//wAAAQAAAP//AAABAA=="/>
               </a:ext>
             </a:extLst>
           </p:cNvSpPr>
@@ -1482,7 +1483,7 @@
           <a:lstStyle/>
           <a:p>
             <a:pPr/>
-            <a:fld id="{3F53848A-C4D2-0672-9CEB-3227CAA56A67}" type="slidenum">
+            <a:fld id="{3DEF2507-49D0-BAD3-9E57-BF866B1968EA}" type="slidenum">
               <a:t/>
             </a:fld>
           </a:p>
@@ -1521,7 +1522,7 @@
             <a:spLocks noGrp="1" noChangeArrowheads="1"/>
             <a:extLst>
               <a:ext uri="smNativeData">
-                <pr:smNativeData xmlns:pr="smNativeData" xmlns="smNativeData" val="SMDATA_16_CqSDZxMAAAAlAAAAZAAAAA8BAAAAkAAAAEgAAACQAAAASAAAAAAAAAABAAAAAAAAAAEAAABQAAAAAAAAAAAA4D8AAAAAAADgPwAAAAAAAOA/AAAAAAAA4D8AAAAAAADgPwAAAAAAAOA/AAAAAAAA4D8AAAAAAADgPwAAAAAAAOA/AAAAAAAA4D8CAAAAjAAAAAAAAAAAAAAAu+DjDP///wgAAAAAAAAAAAAAAAAAAAAAAAAAAAAAAAAAAAAAZAAAAAEAAABAAAAAAAAAAAAAAAAAAAAAAAAAAAAAAAAAAAAAAAAAAAAAAAAAAAAAAAAAAAAAAAAAAAAAAAAAAAAAAAAAAAAAAAAAAAAAAAAAAAAAAAAAAAAAAAAAAAAAFAAAADwAAAAAAAAAAAAAAAAAAAkUAAAAAQAAABQAAAAUAAAAFAAAAAEAAAAAAAAAZAAAAGQAAAAAAAAAZAAAAGQAAAAVAAAAYAAAAAAAAAAAAAAADwAAACADAAAAAAAAAAAAAAEAAACgMgAAVgcAAKr4//8BAAAAf39/AAEAAABkAAAAAAAAABQAAABAHwAAAAAAACYAAAAAAAAAwOD//wAAAAAmAAAAZAAAABYAAABMAAAAAAAAAAAAAAAEAAAAAAAAAAEAAACAgIAKAAAAACgAAAAoAAAAZAAAAGQAAAAAAAAAzMzMAAAAAABQAAAAUAAAAGQAAABkAAAAAAAAABcAAAAUAAAAAAAAAAAAAAD/fwAA/38AAAAAAAAJAAAABAAAANw7IAEeAAAAaAAAAAAAAAAAAAAAAAAAAAAAAAAAAAAAECcAABAnAAAAAAAAAAAAAAAAAAAAAAAAAAAAAAAAAAAAAAAAAAAAABQAAAAAAAAAwMD/AAAAAABkAAAAMgAAAAAAAABkAAAAAAAAAH9/fwAKAAAAIgAAABgAAAAAAAAAAAAAAAAAAAAAAAAAAAAAAAAAAAAkAAAAJAAAAAAAAAAHAAAAAAAAAAAAAAAAAAAAAAAAAAAAAAAAAAAAf39/ACUAAABYAAAAAAAAAAAAAAAAAAAAAAAAAAAAAAAAAAAAAAAAAAAAAAAAAAAAAAAAAAAAAAA/AAAAAAAAAKCGAQAAAAAAAAAAAAAAAAAMAAAAAQAAAAAAAAAAAAAAAAAAAB8AAABUAAAAAAAABQAAAAEAAAAAAAAAAAAAAAAAAAAAAAAAAAAAAAAAAAAAAAAAAAAAAAJ/f38AAAAAA8zMzADAwP8Af39/AAAAAAAAAAAAAAAAAAAAAAAAAAAAIQAAABgAAAAUAAAAwAMAALABAABARwAAuAgAABAAAAAmAAAACAAAAAAAAAAAAAAAMAAAABQAAAAAAAAAAAD//wAAAQAAAP//AAABAA=="/>
+                <pr:smNativeData xmlns:pr="smNativeData" xmlns="smNativeData" val="SMDATA_16_ZvmgZxMAAAAlAAAAZAAAAA8BAAAAkAAAAEgAAACQAAAASAAAAAAAAAABAAAAAAAAAAEAAABQAAAAAAAAAAAA4D8AAAAAAADgPwAAAAAAAOA/AAAAAAAA4D8AAAAAAADgPwAAAAAAAOA/AAAAAAAA4D8AAAAAAADgPwAAAAAAAOA/AAAAAAAA4D8CAAAAjAAAAAAAAAAAAAAAu+DjDP///wgAAAAAAAAAAAAAAAAAAAAAAAAAAAAAAAAAAAAAZAAAAAEAAABAAAAAAAAAAAAAAAAAAAAAAAAAAAAAAAAAAAAAAAAAAAAAAAAAAAAAAAAAAAAAAAAAAAAAAAAAAAAAAAAAAAAAAAAAAAAAAAAAAAAAAAAAAAAAAAAAAAAAFAAAADwAAAAAAAAAAAAAAAAAAAkUAAAAAQAAABQAAAAUAAAAFAAAAAEAAAAAAAAAZAAAAGQAAAAAAAAAZAAAAGQAAAAVAAAAYAAAAAAAAAAAAAAADwAAACADAAAAAAAAAAAAAAEAAACgMgAAVgcAAKr4//8BAAAAf39/AAEAAABkAAAAAAAAABQAAABAHwAAAAAAACYAAAAAAAAAwOD//wAAAAAmAAAAZAAAABYAAABMAAAAAAAAAAAAAAAEAAAAAAAAAAEAAACAgIAKAAAAACgAAAAoAAAAZAAAAGQAAAAAAAAAzMzMAAAAAABQAAAAUAAAAGQAAABkAAAAAAAAABcAAAAUAAAAAAAAAAAAAAD/fwAA/38AAAAAAAAJAAAABAAAANw7IAEeAAAAaAAAAAAAAAAAAAAAAAAAAAAAAAAAAAAAECcAABAnAAAAAAAAAAAAAAAAAAAAAAAAAAAAAAAAAAAAAAAAAAAAABQAAAAAAAAAwMD/AAAAAABkAAAAMgAAAAAAAABkAAAAAAAAAH9/fwAKAAAAIgAAABgAAAAAAAAAAAAAAAAAAAAAAAAAAAAAAAAAAAAkAAAAJAAAAAAAAAAHAAAAAAAAAAAAAAAAAAAAAAAAAAAAAAAAAAAAf39/ACUAAABYAAAAAAAAAAAAAAAAAAAAAAAAAAAAAAAAAAAAAAAAAAAAAAAAAAAAAAAAAAAAAAA/AAAAAAAAAKCGAQAAAAAAAAAAAAAAAAAMAAAAAQAAAAAAAAAAAAAAAAAAAB8AAABUAAAAAAAABQAAAAEAAAAAAAAAAAAAAAAAAAAAAAAAAAAAAAAAAAAAAAAAAAAAAAJ/f38AAAAAA8zMzADAwP8Af39/AAAAAAAAAAAAAAAAAAAAAAAAAAAAIQAAABgAAAAUAAAAwAMAALABAABARwAAuAgAABAAAAAmAAAACAAAAAAAAAAAAAAAMAAAABQAAAAAAAAAAAD//wAAAQAAAP//AAABAA=="/>
               </a:ext>
             </a:extLst>
           </p:cNvSpPr>
@@ -1548,7 +1549,7 @@
             <a:spLocks noGrp="1" noChangeArrowheads="1"/>
             <a:extLst>
               <a:ext uri="smNativeData">
-                <pr:smNativeData xmlns:pr="smNativeData" xmlns="smNativeData" val="SMDATA_16_CqSDZxMAAAAlAAAAZAAAAA8BAAAAkAAAAEgAAACQAAAASAAAAAAAAAACAAAAAAAAAAEAAABQAAAAAAAAAAAA4D8AAAAAAADgPwAAAAAAAOA/AAAAAAAA4D8AAAAAAADgPwAAAAAAAOA/AAAAAAAA4D8AAAAAAADgPwAAAAAAAOA/AAAAAAAA4D8CAAAAjAAAAAAAAAAAAAAAu+DjDP///wgAAAAAAAAAAAAAAAAAAAAAAAAAAAAAAAAAAAAAZAAAAAEAAABAAAAAAAAAAAAAAAAAAAAAAAAAAAAAAAAAAAAAAAAAAAAAAAAAAAAAAAAAAAAAAAAAAAAAAAAAAAAAAAAAAAAAAAAAAAAAAAAAAAAAAAAAAAAAAAAAAAAAFAAAADwAAAAAAAAAAAAAAAAAAAkUAAAAAQAAABQAAAAUAAAAFAAAAAEAAAAAAAAAZAAAAGQAAAAAAAAAZAAAAGQAAAAVAAAAYAAAAAAAAAAAAAAADwAAACADAAAAAAAAAAAAAAEAAACgMgAAVgcAAKr4//8BAAAAf39/AAEAAABkAAAAAAAAABQAAABAHwAAAAAAACYAAAAAAAAAwOD//wAAAAAmAAAAZAAAABYAAABMAAAAAAAAAAAAAAAEAAAAAAAAAAEAAACAgIAKAAAAACgAAAAoAAAAZAAAAGQAAAAAAAAAzMzMAAAAAABQAAAAUAAAAGQAAABkAAAAAAAAABcAAAAUAAAAAAAAAAAAAAD/fwAA/38AAAAAAAAJAAAABAAAANw7IAEeAAAAaAAAAAAAAAAAAAAAAAAAAAAAAAAAAAAAECcAABAnAAAAAAAAAAAAAAAAAAAAAAAAAAAAAAAAAAAAAAAAAAAAABQAAAAAAAAAwMD/AAAAAABkAAAAMgAAAAAAAABkAAAAAAAAAH9/fwAKAAAAIgAAABgAAAAAAAAAAAAAAAAAAAAAAAAAAAAAAAAAAAAkAAAAJAAAAAAAAAAHAAAAAAAAAAAAAAAAAAAAAAAAAAAAAAAAAAAAf39/ACUAAABYAAAAAAAAAAAAAAAAAAAAAAAAAAAAAAAAAAAAAAAAAAAAAAAAAAAAAAAAAAAAAAA/AAAAAAAAAKCGAQAAAAAAAAAAAAAAAAAMAAAAAQAAAAAAAAAAAAAAAAAAAB8AAABUAAAAAAAABQAAAAEAAAAAAAAAAAAAAAAAAAAAAAAAAAAAAAAAAAAAAAAAAAAAAAJ/f38AAAAAA8zMzADAwP8Af39/AAAAAAAAAAAAAAAAAAAAAAAAAAAAIQAAABgAAAAUAAAAwAMAAHEJAADjJAAAYQ0AABAAAAAmAAAACAAAAIGAAAAAAAAAMAAAABQAAAAAAAAAAAD//wAAAQAAAP//AAABAA=="/>
+                <pr:smNativeData xmlns:pr="smNativeData" xmlns="smNativeData" val="SMDATA_16_ZvmgZxMAAAAlAAAAZAAAAA8BAAAAkAAAAEgAAACQAAAASAAAAAAAAAACAAAAAAAAAAEAAABQAAAAAAAAAAAA4D8AAAAAAADgPwAAAAAAAOA/AAAAAAAA4D8AAAAAAADgPwAAAAAAAOA/AAAAAAAA4D8AAAAAAADgPwAAAAAAAOA/AAAAAAAA4D8CAAAAjAAAAAAAAAAAAAAAu+DjDP///wgAAAAAAAAAAAAAAAAAAAAAAAAAAAAAAAAAAAAAZAAAAAEAAABAAAAAAAAAAAAAAAAAAAAAAAAAAAAAAAAAAAAAAAAAAAAAAAAAAAAAAAAAAAAAAAAAAAAAAAAAAAAAAAAAAAAAAAAAAAAAAAAAAAAAAAAAAAAAAAAAAAAAFAAAADwAAAAAAAAAAAAAAAAAAAkUAAAAAQAAABQAAAAUAAAAFAAAAAEAAAAAAAAAZAAAAGQAAAAAAAAAZAAAAGQAAAAVAAAAYAAAAAAAAAAAAAAADwAAACADAAAAAAAAAAAAAAEAAACgMgAAVgcAAKr4//8BAAAAf39/AAEAAABkAAAAAAAAABQAAABAHwAAAAAAACYAAAAAAAAAwOD//wAAAAAmAAAAZAAAABYAAABMAAAAAAAAAAAAAAAEAAAAAAAAAAEAAACAgIAKAAAAACgAAAAoAAAAZAAAAGQAAAAAAAAAzMzMAAAAAABQAAAAUAAAAGQAAABkAAAAAAAAABcAAAAUAAAAAAAAAAAAAAD/fwAA/38AAAAAAAAJAAAABAAAANw7IAEeAAAAaAAAAAAAAAAAAAAAAAAAAAAAAAAAAAAAECcAABAnAAAAAAAAAAAAAAAAAAAAAAAAAAAAAAAAAAAAAAAAAAAAABQAAAAAAAAAwMD/AAAAAABkAAAAMgAAAAAAAABkAAAAAAAAAH9/fwAKAAAAIgAAABgAAAAAAAAAAAAAAAAAAAAAAAAAAAAAAAAAAAAkAAAAJAAAAAAAAAAHAAAAAAAAAAAAAAAAAAAAAAAAAAAAAAAAAAAAf39/ACUAAABYAAAAAAAAAAAAAAAAAAAAAAAAAAAAAAAAAAAAAAAAAAAAAAAAAAAAAAAAAAAAAAA/AAAAAAAAAKCGAQAAAAAAAAAAAAAAAAAMAAAAAQAAAAAAAAAAAAAAAAAAAB8AAABUAAAAAAAABQAAAAEAAAAAAAAAAAAAAAAAAAAAAAAAAAAAAAAAAAAAAAAAAAAAAAJ/f38AAAAAA8zMzADAwP8Af39/AAAAAAAAAAAAAAAAAAAAAAAAAAAAIQAAABgAAAAUAAAAwAMAAHEJAADjJAAAYQ0AABAAAAAmAAAACAAAAIGAAAAAAAAAMAAAABQAAAAAAAAAAAD//wAAAQAAAP//AAABAA=="/>
               </a:ext>
             </a:extLst>
           </p:cNvSpPr>
@@ -1621,7 +1622,7 @@
             <a:spLocks noGrp="1" noChangeArrowheads="1"/>
             <a:extLst>
               <a:ext uri="smNativeData">
-                <pr:smNativeData xmlns:pr="smNativeData" xmlns="smNativeData" val="SMDATA_16_CqSDZxMAAAAlAAAAZAAAAA8BAAAAkAAAAEgAAACQAAAASAAAAAAAAAAAAAAAAAAAAAEAAABQAAAAAAAAAAAA4D8AAAAAAADgPwAAAAAAAOA/AAAAAAAA4D8AAAAAAADgPwAAAAAAAOA/AAAAAAAA4D8AAAAAAADgPwAAAAAAAOA/AAAAAAAA4D8CAAAAjAAAAAAAAAAAAAAAu+DjDP///wgAAAAAAAAAAAAAAAAAAAAAAAAAAAAAAAAAAAAAZAAAAAEAAABAAAAAAAAAAAAAAAAAAAAAAAAAAAAAAAAAAAAAAAAAAAAAAAAAAAAAAAAAAAAAAAAAAAAAAAAAAAAAAAAAAAAAAAAAAAAAAAAAAAAAAAAAAAAAAAAAAAAAFAAAADwAAAAAAAAAAAAAAAAAAAkUAAAAAQAAABQAAAAUAAAAFAAAAAEAAAAAAAAAZAAAAGQAAAAAAAAAZAAAAGQAAAAVAAAAYAAAAAAAAAAAAAAADwAAACADAAAAAAAAAAAAAAEAAACgMgAAVgcAAKr4//8BAAAAf39/AAEAAABkAAAAAAAAABQAAABAHwAAAAAAACYAAAAAAAAAwOD//wAAAAAmAAAAZAAAABYAAABMAAAAAAAAAAAAAAAEAAAAAAAAAAEAAACAgIAKAAAAACgAAAAoAAAAZAAAAGQAAAAAAAAAzMzMAAAAAABQAAAAUAAAAGQAAABkAAAAAAAAABcAAAAUAAAAAAAAAAAAAAD/fwAA/38AAAAAAAAJAAAABAAAANw7IAEeAAAAaAAAAAAAAAAAAAAAAAAAAAAAAAAAAAAAECcAABAnAAAAAAAAAAAAAAAAAAAAAAAAAAAAAAAAAAAAAAAAAAAAABQAAAAAAAAAwMD/AAAAAABkAAAAMgAAAAAAAABkAAAAAAAAAH9/fwAKAAAAIgAAABgAAAAAAAAAAAAAAAAAAAAAAAAAAAAAAAAAAAAkAAAAJAAAAAAAAAAHAAAAAAAAAAAAAAAAAAAAAAAAAAAAAAAAAAAAf39/ACUAAABYAAAAAAAAAAAAAAAAAAAAAAAAAAAAAAAAAAAAAAAAAAAAAAAAAAAAAAAAAAAAAAA/AAAAAAAAAKCGAQAAAAAAAAAAAAAAAAAMAAAAAQAAAAAAAAAAAAAAAAAAAB8AAABUAAAAAAAABQAAAAEAAAAAAAAAAAAAAAAAAAAAAAAAAAAAAAAAAAAAAAAAAAAAAAJ/f38AAAAAA8zMzADAwP8Af39/AAAAAAAAAAAAAAAAAAAAAAAAAAAAIQAAABgAAAAUAAAAwAMAAGENAADjJAAAsCUAABAAAAAmAAAACAAAAAGAAAAAAAAAMAAAABQAAAAAAAAAAAD//wAAAQAAAP//AAABAA=="/>
+                <pr:smNativeData xmlns:pr="smNativeData" xmlns="smNativeData" val="SMDATA_16_ZvmgZxMAAAAlAAAAZAAAAA8BAAAAkAAAAEgAAACQAAAASAAAAAAAAAAAAAAAAAAAAAEAAABQAAAAAAAAAAAA4D8AAAAAAADgPwAAAAAAAOA/AAAAAAAA4D8AAAAAAADgPwAAAAAAAOA/AAAAAAAA4D8AAAAAAADgPwAAAAAAAOA/AAAAAAAA4D8CAAAAjAAAAAAAAAAAAAAAu+DjDP///wgAAAAAAAAAAAAAAAAAAAAAAAAAAAAAAAAAAAAAZAAAAAEAAABAAAAAAAAAAAAAAAAAAAAAAAAAAAAAAAAAAAAAAAAAAAAAAAAAAAAAAAAAAAAAAAAAAAAAAAAAAAAAAAAAAAAAAAAAAAAAAAAAAAAAAAAAAAAAAAAAAAAAFAAAADwAAAAAAAAAAAAAAAAAAAkUAAAAAQAAABQAAAAUAAAAFAAAAAEAAAAAAAAAZAAAAGQAAAAAAAAAZAAAAGQAAAAVAAAAYAAAAAAAAAAAAAAADwAAACADAAAAAAAAAAAAAAEAAACgMgAAVgcAAKr4//8BAAAAf39/AAEAAABkAAAAAAAAABQAAABAHwAAAAAAACYAAAAAAAAAwOD//wAAAAAmAAAAZAAAABYAAABMAAAAAAAAAAAAAAAEAAAAAAAAAAEAAACAgIAKAAAAACgAAAAoAAAAZAAAAGQAAAAAAAAAzMzMAAAAAABQAAAAUAAAAGQAAABkAAAAAAAAABcAAAAUAAAAAAAAAAAAAAD/fwAA/38AAAAAAAAJAAAABAAAANw7IAEeAAAAaAAAAAAAAAAAAAAAAAAAAAAAAAAAAAAAECcAABAnAAAAAAAAAAAAAAAAAAAAAAAAAAAAAAAAAAAAAAAAAAAAABQAAAAAAAAAwMD/AAAAAABkAAAAMgAAAAAAAABkAAAAAAAAAH9/fwAKAAAAIgAAABgAAAAAAAAAAAAAAAAAAAAAAAAAAAAAAAAAAAAkAAAAJAAAAAAAAAAHAAAAAAAAAAAAAAAAAAAAAAAAAAAAAAAAAAAAf39/ACUAAABYAAAAAAAAAAAAAAAAAAAAAAAAAAAAAAAAAAAAAAAAAAAAAAAAAAAAAAAAAAAAAAA/AAAAAAAAAKCGAQAAAAAAAAAAAAAAAAAMAAAAAQAAAAAAAAAAAAAAAAAAAB8AAABUAAAAAAAABQAAAAEAAAAAAAAAAAAAAAAAAAAAAAAAAAAAAAAAAAAAAAAAAAAAAAJ/f38AAAAAA8zMzADAwP8Af39/AAAAAAAAAAAAAAAAAAAAAAAAAAAAIQAAABgAAAAUAAAAwAMAAGENAADjJAAAsCUAABAAAAAmAAAACAAAAAGAAAAAAAAAMAAAABQAAAAAAAAAAAD//wAAAQAAAP//AAABAA=="/>
               </a:ext>
             </a:extLst>
           </p:cNvSpPr>
@@ -1705,7 +1706,7 @@
             <a:spLocks noGrp="1" noChangeArrowheads="1"/>
             <a:extLst>
               <a:ext uri="smNativeData">
-                <pr:smNativeData xmlns:pr="smNativeData" xmlns="smNativeData" val="SMDATA_16_CqSDZxMAAAAlAAAAZAAAAA8BAAAAkAAAAEgAAACQAAAASAAAAAAAAAACAAAAAAAAAAEAAABQAAAAAAAAAAAA4D8AAAAAAADgPwAAAAAAAOA/AAAAAAAA4D8AAAAAAADgPwAAAAAAAOA/AAAAAAAA4D8AAAAAAADgPwAAAAAAAOA/AAAAAAAA4D8CAAAAjAAAAAAAAAAAAAAAu+DjDP///wgAAAAAAAAAAAAAAAAAAAAAAAAAAAAAAAAAAAAAZAAAAAEAAABAAAAAAAAAAAAAAAAAAAAAAAAAAAAAAAAAAAAAAAAAAAAAAAAAAAAAAAAAAAAAAAAAAAAAAAAAAAAAAAAAAAAAAAAAAAAAAAAAAAAAAAAAAAAAAAAAAAAAFAAAADwAAAAAAAAAAAAAAAAAAAkUAAAAAQAAABQAAAAUAAAAFAAAAAEAAAAAAAAAZAAAAGQAAAAAAAAAZAAAAGQAAAAVAAAAYAAAAAAAAAAAAAAADwAAACADAAAAAAAAAAAAAAEAAACgMgAAVgcAAKr4//8BAAAAf39/AAEAAABkAAAAAAAAABQAAABAHwAAAAAAACYAAAAAAAAAwOD//wAAAAAmAAAAZAAAABYAAABMAAAAAAAAAAAAAAAEAAAAAAAAAAEAAACAgIAKAAAAACgAAAAoAAAAZAAAAGQAAAAAAAAAzMzMAAAAAABQAAAAUAAAAGQAAABkAAAAAAAAABcAAAAUAAAAAAAAAAAAAAD/fwAA/38AAAAAAAAJAAAABAAAANw7IAEeAAAAaAAAAAAAAAAAAAAAAAAAAAAAAAAAAAAAECcAABAnAAAAAAAAAAAAAAAAAAAAAAAAAAAAAAAAAAAAAAAAAAAAABQAAAAAAAAAwMD/AAAAAABkAAAAMgAAAAAAAABkAAAAAAAAAH9/fwAKAAAAIgAAABgAAAAAAAAAAAAAAAAAAAAAAAAAAAAAAAAAAAAkAAAAJAAAAAAAAAAHAAAAAAAAAAAAAAAAAAAAAAAAAAAAAAAAAAAAf39/ACUAAABYAAAAAAAAAAAAAAAAAAAAAAAAAAAAAAAAAAAAAAAAAAAAAAAAAAAAAAAAAAAAAAA/AAAAAAAAAKCGAQAAAAAAAAAAAAAAAAAMAAAAAQAAAAAAAAAAAAAAAAAAAB8AAABUAAAAAAAABQAAAAEAAAAAAAAAAAAAAAAAAAAAAAAAAAAAAAAAAAAAAAAAAAAAAAJ/f38AAAAAA8zMzADAwP8Af39/AAAAAAAAAAAAAAAAAAAAAAAAAAAAIQAAABgAAAAUAAAAHSYAAHEJAABARwAAYQ0AABAAAAAmAAAACAAAAIGAAAAAAAAAMAAAABQAAAAAAAAAAAD//wAAAQAAAP//AAABAA=="/>
+                <pr:smNativeData xmlns:pr="smNativeData" xmlns="smNativeData" val="SMDATA_16_ZvmgZxMAAAAlAAAAZAAAAA8BAAAAkAAAAEgAAACQAAAASAAAAAAAAAACAAAAAAAAAAEAAABQAAAAAAAAAAAA4D8AAAAAAADgPwAAAAAAAOA/AAAAAAAA4D8AAAAAAADgPwAAAAAAAOA/AAAAAAAA4D8AAAAAAADgPwAAAAAAAOA/AAAAAAAA4D8CAAAAjAAAAAAAAAAAAAAAu+DjDP///wgAAAAAAAAAAAAAAAAAAAAAAAAAAAAAAAAAAAAAZAAAAAEAAABAAAAAAAAAAAAAAAAAAAAAAAAAAAAAAAAAAAAAAAAAAAAAAAAAAAAAAAAAAAAAAAAAAAAAAAAAAAAAAAAAAAAAAAAAAAAAAAAAAAAAAAAAAAAAAAAAAAAAFAAAADwAAAAAAAAAAAAAAAAAAAkUAAAAAQAAABQAAAAUAAAAFAAAAAEAAAAAAAAAZAAAAGQAAAAAAAAAZAAAAGQAAAAVAAAAYAAAAAAAAAAAAAAADwAAACADAAAAAAAAAAAAAAEAAACgMgAAVgcAAKr4//8BAAAAf39/AAEAAABkAAAAAAAAABQAAABAHwAAAAAAACYAAAAAAAAAwOD//wAAAAAmAAAAZAAAABYAAABMAAAAAAAAAAAAAAAEAAAAAAAAAAEAAACAgIAKAAAAACgAAAAoAAAAZAAAAGQAAAAAAAAAzMzMAAAAAABQAAAAUAAAAGQAAABkAAAAAAAAABcAAAAUAAAAAAAAAAAAAAD/fwAA/38AAAAAAAAJAAAABAAAANw7IAEeAAAAaAAAAAAAAAAAAAAAAAAAAAAAAAAAAAAAECcAABAnAAAAAAAAAAAAAAAAAAAAAAAAAAAAAAAAAAAAAAAAAAAAABQAAAAAAAAAwMD/AAAAAABkAAAAMgAAAAAAAABkAAAAAAAAAH9/fwAKAAAAIgAAABgAAAAAAAAAAAAAAAAAAAAAAAAAAAAAAAAAAAAkAAAAJAAAAAAAAAAHAAAAAAAAAAAAAAAAAAAAAAAAAAAAAAAAAAAAf39/ACUAAABYAAAAAAAAAAAAAAAAAAAAAAAAAAAAAAAAAAAAAAAAAAAAAAAAAAAAAAAAAAAAAAA/AAAAAAAAAKCGAQAAAAAAAAAAAAAAAAAMAAAAAQAAAAAAAAAAAAAAAAAAAB8AAABUAAAAAAAABQAAAAEAAAAAAAAAAAAAAAAAAAAAAAAAAAAAAAAAAAAAAAAAAAAAAAJ/f38AAAAAA8zMzADAwP8Af39/AAAAAAAAAAAAAAAAAAAAAAAAAAAAIQAAABgAAAAUAAAAHSYAAHEJAABARwAAYQ0AABAAAAAmAAAACAAAAIGAAAAAAAAAMAAAABQAAAAAAAAAAAD//wAAAQAAAP//AAABAA=="/>
               </a:ext>
             </a:extLst>
           </p:cNvSpPr>
@@ -1778,7 +1779,7 @@
             <a:spLocks noGrp="1" noChangeArrowheads="1"/>
             <a:extLst>
               <a:ext uri="smNativeData">
-                <pr:smNativeData xmlns:pr="smNativeData" xmlns="smNativeData" val="SMDATA_16_CqSDZxMAAAAlAAAAZAAAAA8BAAAAkAAAAEgAAACQAAAASAAAAAAAAAAAAAAAAAAAAAEAAABQAAAAAAAAAAAA4D8AAAAAAADgPwAAAAAAAOA/AAAAAAAA4D8AAAAAAADgPwAAAAAAAOA/AAAAAAAA4D8AAAAAAADgPwAAAAAAAOA/AAAAAAAA4D8CAAAAjAAAAAAAAAAAAAAAu+DjDP///wgAAAAAAAAAAAAAAAAAAAAAAAAAAAAAAAAAAAAAZAAAAAEAAABAAAAAAAAAAAAAAAAAAAAAAAAAAAAAAAAAAAAAAAAAAAAAAAAAAAAAAAAAAAAAAAAAAAAAAAAAAAAAAAAAAAAAAAAAAAAAAAAAAAAAAAAAAAAAAAAAAAAAFAAAADwAAAAAAAAAAAAAAAAAAAkUAAAAAQAAABQAAAAUAAAAFAAAAAEAAAAAAAAAZAAAAGQAAAAAAAAAZAAAAGQAAAAVAAAAYAAAAAAAAAAAAAAADwAAACADAAAAAAAAAAAAAAEAAACgMgAAVgcAAKr4//8BAAAAf39/AAEAAABkAAAAAAAAABQAAABAHwAAAAAAACYAAAAAAAAAwOD//wAAAAAmAAAAZAAAABYAAABMAAAAAAAAAAAAAAAEAAAAAAAAAAEAAACAgIAKAAAAACgAAAAoAAAAZAAAAGQAAAAAAAAAzMzMAAAAAABQAAAAUAAAAGQAAABkAAAAAAAAABcAAAAUAAAAAAAAAAAAAAD/fwAA/38AAAAAAAAJAAAABAAAANw7IAEeAAAAaAAAAAAAAAAAAAAAAAAAAAAAAAAAAAAAECcAABAnAAAAAAAAAAAAAAAAAAAAAAAAAAAAAAAAAAAAAAAAAAAAABQAAAAAAAAAwMD/AAAAAABkAAAAMgAAAAAAAABkAAAAAAAAAH9/fwAKAAAAIgAAABgAAAAAAAAAAAAAAAAAAAAAAAAAAAAAAAAAAAAkAAAAJAAAAAAAAAAHAAAAAAAAAAAAAAAAAAAAAAAAAAAAAAAAAAAAf39/ACUAAABYAAAAAAAAAAAAAAAAAAAAAAAAAAAAAAAAAAAAAAAAAAAAAAAAAAAAAAAAAAAAAAA/AAAAAAAAAKCGAQAAAAAAAAAAAAAAAAAMAAAAAQAAAAAAAAAAAAAAAAAAAB8AAABUAAAAAAAABQAAAAEAAAAAAAAAAAAAAAAAAAAAAAAAAAAAAAAAAAAAAAAAAAAAAAJ/f38AAAAAA8zMzADAwP8Af39/AAAAAAAAAAAAAAAAAAAAAAAAAAAAIQAAABgAAAAUAAAAHSYAAGENAABARwAAsCUAABAAAAAmAAAACAAAAAGAAAAAAAAAMAAAABQAAAAAAAAAAAD//wAAAQAAAP//AAABAA=="/>
+                <pr:smNativeData xmlns:pr="smNativeData" xmlns="smNativeData" val="SMDATA_16_ZvmgZxMAAAAlAAAAZAAAAA8BAAAAkAAAAEgAAACQAAAASAAAAAAAAAAAAAAAAAAAAAEAAABQAAAAAAAAAAAA4D8AAAAAAADgPwAAAAAAAOA/AAAAAAAA4D8AAAAAAADgPwAAAAAAAOA/AAAAAAAA4D8AAAAAAADgPwAAAAAAAOA/AAAAAAAA4D8CAAAAjAAAAAAAAAAAAAAAu+DjDP///wgAAAAAAAAAAAAAAAAAAAAAAAAAAAAAAAAAAAAAZAAAAAEAAABAAAAAAAAAAAAAAAAAAAAAAAAAAAAAAAAAAAAAAAAAAAAAAAAAAAAAAAAAAAAAAAAAAAAAAAAAAAAAAAAAAAAAAAAAAAAAAAAAAAAAAAAAAAAAAAAAAAAAFAAAADwAAAAAAAAAAAAAAAAAAAkUAAAAAQAAABQAAAAUAAAAFAAAAAEAAAAAAAAAZAAAAGQAAAAAAAAAZAAAAGQAAAAVAAAAYAAAAAAAAAAAAAAADwAAACADAAAAAAAAAAAAAAEAAACgMgAAVgcAAKr4//8BAAAAf39/AAEAAABkAAAAAAAAABQAAABAHwAAAAAAACYAAAAAAAAAwOD//wAAAAAmAAAAZAAAABYAAABMAAAAAAAAAAAAAAAEAAAAAAAAAAEAAACAgIAKAAAAACgAAAAoAAAAZAAAAGQAAAAAAAAAzMzMAAAAAABQAAAAUAAAAGQAAABkAAAAAAAAABcAAAAUAAAAAAAAAAAAAAD/fwAA/38AAAAAAAAJAAAABAAAANw7IAEeAAAAaAAAAAAAAAAAAAAAAAAAAAAAAAAAAAAAECcAABAnAAAAAAAAAAAAAAAAAAAAAAAAAAAAAAAAAAAAAAAAAAAAABQAAAAAAAAAwMD/AAAAAABkAAAAMgAAAAAAAABkAAAAAAAAAH9/fwAKAAAAIgAAABgAAAAAAAAAAAAAAAAAAAAAAAAAAAAAAAAAAAAkAAAAJAAAAAAAAAAHAAAAAAAAAAAAAAAAAAAAAAAAAAAAAAAAAAAAf39/ACUAAABYAAAAAAAAAAAAAAAAAAAAAAAAAAAAAAAAAAAAAAAAAAAAAAAAAAAAAAAAAAAAAAA/AAAAAAAAAKCGAQAAAAAAAAAAAAAAAAAMAAAAAQAAAAAAAAAAAAAAAAAAAB8AAABUAAAAAAAABQAAAAEAAAAAAAAAAAAAAAAAAAAAAAAAAAAAAAAAAAAAAAAAAAAAAAJ/f38AAAAAA8zMzADAwP8Af39/AAAAAAAAAAAAAAAAAAAAAAAAAAAAIQAAABgAAAAUAAAAHSYAAGENAABARwAAsCUAABAAAAAmAAAACAAAAAGAAAAAAAAAMAAAABQAAAAAAAAAAAD//wAAAQAAAP//AAABAA=="/>
               </a:ext>
             </a:extLst>
           </p:cNvSpPr>
@@ -1862,7 +1863,7 @@
             <a:spLocks noGrp="1" noChangeArrowheads="1"/>
             <a:extLst>
               <a:ext uri="smNativeData">
-                <pr:smNativeData xmlns:pr="smNativeData" xmlns="smNativeData" val="SMDATA_16_CqSDZxMAAAAlAAAAZAAAAA8BAAAAkAAAAEgAAACQAAAASAAAAAAAAAABAAAAAAAAAAEAAABQAAAAAAAAAAAA4D8AAAAAAADgPwAAAAAAAOA/AAAAAAAA4D8AAAAAAADgPwAAAAAAAOA/AAAAAAAA4D8AAAAAAADgPwAAAAAAAOA/AAAAAAAA4D8CAAAAjAAAAAAAAAAAAAAAu+DjDP///wgAAAAAAAAAAAAAAAAAAAAAAAAAAAAAAAAAAAAAZAAAAAEAAABAAAAAAAAAAAAAAAAAAAAAAAAAAAAAAAAAAAAAAAAAAAAAAAAAAAAAAAAAAAAAAAAAAAAAAAAAAAAAAAAAAAAAAAAAAAAAAAAAAAAAAAAAAAAAAAAAAAAAFAAAADwAAAAAAAAAAAAAAAAAAAkUAAAAAQAAABQAAAAUAAAAFAAAAAEAAAAAAAAAZAAAAGQAAAAAAAAAZAAAAGQAAAAVAAAAYAAAAAAAAAAAAAAADwAAACADAAAAAAAAAAAAAAEAAACgMgAAVgcAAKr4//8BAAAAf39/AAEAAABkAAAAAAAAABQAAABAHwAAAAAAACYAAAAAAAAAwOD//wAAAAAmAAAAZAAAABYAAABMAAAAAAAAAAAAAAAEAAAAAAAAAAEAAACAgIAKAAAAACgAAAAoAAAAZAAAAGQAAAAAAAAAzMzMAAAAAABQAAAAUAAAAGQAAABkAAAAAAAAABcAAAAUAAAAAAAAAAAAAAD/fwAA/38AAAAAAAAJAAAABAAAANw7IAEeAAAAaAAAAAAAAAAAAAAAAAAAAAAAAAAAAAAAECcAABAnAAAAAAAAAAAAAAAAAAAAAAAAAAAAAAAAAAAAAAAAAAAAABQAAAAAAAAAwMD/AAAAAABkAAAAMgAAAAAAAABkAAAAAAAAAH9/fwAKAAAAIgAAABgAAAAAAAAAAAAAAAAAAAAAAAAAAAAAAAAAAAAkAAAAJAAAAAAAAAAHAAAAAAAAAAAAAAAAAAAAAAAAAAAAAAAAAAAAf39/ACUAAABYAAAAAAAAAAAAAAAAAAAAAAAAAAAAAAAAAAAAAAAAAAAAAAAAAAAAAAAAAAAAAAA/AAAAAAAAAKCGAQAAAAAAAAAAAAAAAAAMAAAAAQAAAAAAAAAAAAAAAAAAAB8AAABUAAAAAAAABQAAAAEAAAAAAAAAAAAAAAAAAAAAAAAAAAAAAAAAAAAAAAAAAAAAAAJ/f38AAAAAA8zMzADAwP8Af39/AAAAAAAAAAAAAAAAAAAAAAAAAAAAIQAAABgAAAAUAAAAwAMAABsnAAA/FQAAWSkAABAAAAAmAAAACAAAAAAAAAAAAAAAMAAAABQAAAAAAAAAAAD//wAAAQAAAP//AAABAA=="/>
+                <pr:smNativeData xmlns:pr="smNativeData" xmlns="smNativeData" val="SMDATA_16_ZvmgZxMAAAAlAAAAZAAAAA8BAAAAkAAAAEgAAACQAAAASAAAAAAAAAABAAAAAAAAAAEAAABQAAAAAAAAAAAA4D8AAAAAAADgPwAAAAAAAOA/AAAAAAAA4D8AAAAAAADgPwAAAAAAAOA/AAAAAAAA4D8AAAAAAADgPwAAAAAAAOA/AAAAAAAA4D8CAAAAjAAAAAAAAAAAAAAAu+DjDP///wgAAAAAAAAAAAAAAAAAAAAAAAAAAAAAAAAAAAAAZAAAAAEAAABAAAAAAAAAAAAAAAAAAAAAAAAAAAAAAAAAAAAAAAAAAAAAAAAAAAAAAAAAAAAAAAAAAAAAAAAAAAAAAAAAAAAAAAAAAAAAAAAAAAAAAAAAAAAAAAAAAAAAFAAAADwAAAAAAAAAAAAAAAAAAAkUAAAAAQAAABQAAAAUAAAAFAAAAAEAAAAAAAAAZAAAAGQAAAAAAAAAZAAAAGQAAAAVAAAAYAAAAAAAAAAAAAAADwAAACADAAAAAAAAAAAAAAEAAACgMgAAVgcAAKr4//8BAAAAf39/AAEAAABkAAAAAAAAABQAAABAHwAAAAAAACYAAAAAAAAAwOD//wAAAAAmAAAAZAAAABYAAABMAAAAAAAAAAAAAAAEAAAAAAAAAAEAAACAgIAKAAAAACgAAAAoAAAAZAAAAGQAAAAAAAAAzMzMAAAAAABQAAAAUAAAAGQAAABkAAAAAAAAABcAAAAUAAAAAAAAAAAAAAD/fwAA/38AAAAAAAAJAAAABAAAANw7IAEeAAAAaAAAAAAAAAAAAAAAAAAAAAAAAAAAAAAAECcAABAnAAAAAAAAAAAAAAAAAAAAAAAAAAAAAAAAAAAAAAAAAAAAABQAAAAAAAAAwMD/AAAAAABkAAAAMgAAAAAAAABkAAAAAAAAAH9/fwAKAAAAIgAAABgAAAAAAAAAAAAAAAAAAAAAAAAAAAAAAAAAAAAkAAAAJAAAAAAAAAAHAAAAAAAAAAAAAAAAAAAAAAAAAAAAAAAAAAAAf39/ACUAAABYAAAAAAAAAAAAAAAAAAAAAAAAAAAAAAAAAAAAAAAAAAAAAAAAAAAAAAAAAAAAAAA/AAAAAAAAAKCGAQAAAAAAAAAAAAAAAAAMAAAAAQAAAAAAAAAAAAAAAAAAAB8AAABUAAAAAAAABQAAAAEAAAAAAAAAAAAAAAAAAAAAAAAAAAAAAAAAAAAAAAAAAAAAAAJ/f38AAAAAA8zMzADAwP8Af39/AAAAAAAAAAAAAAAAAAAAAAAAAAAAIQAAABgAAAAUAAAAwAMAABsnAAA/FQAAWSkAABAAAAAmAAAACAAAAAAAAAAAAAAAMAAAABQAAAAAAAAAAAD//wAAAQAAAP//AAABAA=="/>
               </a:ext>
             </a:extLst>
           </p:cNvSpPr>
@@ -1876,7 +1877,7 @@
           <a:lstStyle/>
           <a:p>
             <a:pPr/>
-            <a:fld id="{3F53AB7F-31D2-065D-9CEB-C708E5A56A92}" type="datetime1">
+            <a:fld id="{3DEF08E7-A9D0-BAFE-9E57-5FAB4619680A}" type="datetime1">
               <a:t/>
             </a:fld>
           </a:p>
@@ -1889,7 +1890,7 @@
             <a:spLocks noGrp="1" noChangeArrowheads="1"/>
             <a:extLst>
               <a:ext uri="smNativeData">
-                <pr:smNativeData xmlns:pr="smNativeData" xmlns="smNativeData" val="SMDATA_16_CqSDZxMAAAAlAAAAZAAAAA8BAAAAkAAAAEgAAACQAAAASAAAAAAAAAABAAAAAAAAAAEAAABQAAAAAAAAAAAA4D8AAAAAAADgPwAAAAAAAOA/AAAAAAAA4D8AAAAAAADgPwAAAAAAAOA/AAAAAAAA4D8AAAAAAADgPwAAAAAAAOA/AAAAAAAA4D8CAAAAjAAAAAAAAAAAAAAAu+DjDP///wgAAAAAAAAAAAAAAAAAAAAAAAAAAAAAAAAAAAAAZAAAAAEAAABAAAAAAAAAAAAAAAAAAAAAAAAAAAAAAAAAAAAAAAAAAAAAAAAAAAAAAAAAAAAAAAAAAAAAAAAAAAAAAAAAAAAAAAAAAAAAAAAAAAAAAAAAAAAAAAAAAAAAFAAAADwAAAAAAAAAAAAAAAAAAAkUAAAAAQAAABQAAAAUAAAAFAAAAAEAAAAAAAAAZAAAAGQAAAAAAAAAZAAAAGQAAAAVAAAAYAAAAAAAAAAAAAAADwAAACADAAAAAAAAAAAAAAEAAACgMgAAVgcAAKr4//8BAAAAf39/AAEAAABkAAAAAAAAABQAAABAHwAAAAAAACYAAAAAAAAAwOD//wAAAAAmAAAAZAAAABYAAABMAAAAAAAAAAAAAAAEAAAAAAAAAAEAAACAgIAKAAAAACgAAAAoAAAAZAAAAGQAAAAAAAAAzMzMAAAAAABQAAAAUAAAAGQAAABkAAAAAAAAABcAAAAUAAAAAAAAAAAAAAD/fwAA/38AAAAAAAAJAAAABAAAANw7IAEeAAAAaAAAAAAAAAAAAAAAAAAAAAAAAAAAAAAAECcAABAnAAAAAAAAAAAAAAAAAAAAAAAAAAAAAAAAAAAAAAAAAAAAABQAAAAAAAAAwMD/AAAAAABkAAAAMgAAAAAAAABkAAAAAAAAAH9/fwAKAAAAIgAAABgAAAAAAAAAAAAAAAAAAAAAAAAAAAAAAAAAAAAkAAAAJAAAAAAAAAAHAAAAAAAAAAAAAAAAAAAAAAAAAAAAAAAAAAAAf39/ACUAAABYAAAAAAAAAAAAAAAAAAAAAAAAAAAAAAAAAAAAAAAAAAAAAAAAAAAAAAAAAAAAAAA/AAAAAAAAAKCGAQAAAAAAAAAAAAAAAAAMAAAAAQAAAAAAAAAAAAAAAAAAAB8AAABUAAAAAAAABQAAAAEAAAAAAAAAAAAAAAAAAAAAAAAAAAAAAAAAAAAAAAAAAAAAAAJ/f38AAAAAA8zMzADAwP8Af39/AAAAAAAAAAAAAAAAAAAAAAAAAAAAIQAAABgAAAAUAAAAoRkAABsnAABfMQAAWSkAABAAAAAmAAAACAAAAAAAAAAAAAAAMAAAABQAAAAAAAAAAAD//wAAAQAAAP//AAABAA=="/>
+                <pr:smNativeData xmlns:pr="smNativeData" xmlns="smNativeData" val="SMDATA_16_ZvmgZxMAAAAlAAAAZAAAAA8BAAAAkAAAAEgAAACQAAAASAAAAAAAAAABAAAAAAAAAAEAAABQAAAAAAAAAAAA4D8AAAAAAADgPwAAAAAAAOA/AAAAAAAA4D8AAAAAAADgPwAAAAAAAOA/AAAAAAAA4D8AAAAAAADgPwAAAAAAAOA/AAAAAAAA4D8CAAAAjAAAAAAAAAAAAAAAu+DjDP///wgAAAAAAAAAAAAAAAAAAAAAAAAAAAAAAAAAAAAAZAAAAAEAAABAAAAAAAAAAAAAAAAAAAAAAAAAAAAAAAAAAAAAAAAAAAAAAAAAAAAAAAAAAAAAAAAAAAAAAAAAAAAAAAAAAAAAAAAAAAAAAAAAAAAAAAAAAAAAAAAAAAAAFAAAADwAAAAAAAAAAAAAAAAAAAkUAAAAAQAAABQAAAAUAAAAFAAAAAEAAAAAAAAAZAAAAGQAAAAAAAAAZAAAAGQAAAAVAAAAYAAAAAAAAAAAAAAADwAAACADAAAAAAAAAAAAAAEAAACgMgAAVgcAAKr4//8BAAAAf39/AAEAAABkAAAAAAAAABQAAABAHwAAAAAAACYAAAAAAAAAwOD//wAAAAAmAAAAZAAAABYAAABMAAAAAAAAAAAAAAAEAAAAAAAAAAEAAACAgIAKAAAAACgAAAAoAAAAZAAAAGQAAAAAAAAAzMzMAAAAAABQAAAAUAAAAGQAAABkAAAAAAAAABcAAAAUAAAAAAAAAAAAAAD/fwAA/38AAAAAAAAJAAAABAAAANw7IAEeAAAAaAAAAAAAAAAAAAAAAAAAAAAAAAAAAAAAECcAABAnAAAAAAAAAAAAAAAAAAAAAAAAAAAAAAAAAAAAAAAAAAAAABQAAAAAAAAAwMD/AAAAAABkAAAAMgAAAAAAAABkAAAAAAAAAH9/fwAKAAAAIgAAABgAAAAAAAAAAAAAAAAAAAAAAAAAAAAAAAAAAAAkAAAAJAAAAAAAAAAHAAAAAAAAAAAAAAAAAAAAAAAAAAAAAAAAAAAAf39/ACUAAABYAAAAAAAAAAAAAAAAAAAAAAAAAAAAAAAAAAAAAAAAAAAAAAAAAAAAAAAAAAAAAAA/AAAAAAAAAKCGAQAAAAAAAAAAAAAAAAAMAAAAAQAAAAAAAAAAAAAAAAAAAB8AAABUAAAAAAAABQAAAAEAAAAAAAAAAAAAAAAAAAAAAAAAAAAAAAAAAAAAAAAAAAAAAAJ/f38AAAAAA8zMzADAwP8Af39/AAAAAAAAAAAAAAAAAAAAAAAAAAAAIQAAABgAAAAUAAAAoRkAABsnAABfMQAAWSkAABAAAAAmAAAACAAAAAAAAAAAAAAAMAAAABQAAAAAAAAAAAD//wAAAQAAAP//AAABAA=="/>
               </a:ext>
             </a:extLst>
           </p:cNvSpPr>
@@ -1913,7 +1914,7 @@
             <a:spLocks noGrp="1" noChangeArrowheads="1"/>
             <a:extLst>
               <a:ext uri="smNativeData">
-                <pr:smNativeData xmlns:pr="smNativeData" xmlns="smNativeData" val="SMDATA_16_CqSDZxMAAAAlAAAAZAAAAA8BAAAAkAAAAEgAAACQAAAASAAAAAAAAAABAAAAAAAAAAEAAABQAAAAAAAAAAAA4D8AAAAAAADgPwAAAAAAAOA/AAAAAAAA4D8AAAAAAADgPwAAAAAAAOA/AAAAAAAA4D8AAAAAAADgPwAAAAAAAOA/AAAAAAAA4D8CAAAAjAAAAAAAAAAAAAAAu+DjDP///wgAAAAAAAAAAAAAAAAAAAAAAAAAAAAAAAAAAAAAZAAAAAEAAABAAAAAAAAAAAAAAAAAAAAAAAAAAAAAAAAAAAAAAAAAAAAAAAAAAAAAAAAAAAAAAAAAAAAAAAAAAAAAAAAAAAAAAAAAAAAAAAAAAAAAAAAAAAAAAAAAAAAAFAAAADwAAAAAAAAAAAAAAAAAAAkUAAAAAQAAABQAAAAUAAAAFAAAAAEAAAAAAAAAZAAAAGQAAAAAAAAAZAAAAGQAAAAVAAAAYAAAAAAAAAAAAAAADwAAACADAAAAAAAAAAAAAAEAAACgMgAAVgcAAKr4//8BAAAAf39/AAEAAABkAAAAAAAAABQAAABAHwAAAAAAACYAAAAAAAAAwOD//wAAAAAmAAAAZAAAABYAAABMAAAAAAAAAAAAAAAEAAAAAAAAAAEAAACAgIAKAAAAACgAAAAoAAAAZAAAAGQAAAAAAAAAzMzMAAAAAABQAAAAUAAAAGQAAABkAAAAAAAAABcAAAAUAAAAAAAAAAAAAAD/fwAA/38AAAAAAAAJAAAABAAAANw7IAEeAAAAaAAAAAAAAAAAAAAAAAAAAAAAAAAAAAAAECcAABAnAAAAAAAAAAAAAAAAAAAAAAAAAAAAAAAAAAAAAAAAAAAAABQAAAAAAAAAwMD/AAAAAABkAAAAMgAAAAAAAABkAAAAAAAAAH9/fwAKAAAAIgAAABgAAAAAAAAAAAAAAAAAAAAAAAAAAAAAAAAAAAAkAAAAJAAAAAAAAAAHAAAAAAAAAAAAAAAAAAAAAAAAAAAAAAAAAAAAf39/ACUAAABYAAAAAAAAAAAAAAAAAAAAAAAAAAAAAAAAAAAAAAAAAAAAAAAAAAAAAAAAAAAAAAA/AAAAAAAAAKCGAQAAAAAAAAAAAAAAAAAMAAAAAQAAAAAAAAAAAAAAAAAAAB8AAABUAAAAAAAABQAAAAEAAAAAAAAAAAAAAAAAAAAAAAAAAAAAAAAAAAAAAAAAAAAAAAJ/f38AAAAAA8zMzADAwP8Af39/AAAAAAAAAAAAAAAAAAAAAAAAAAAAIQAAABgAAAAUAAAAwTUAABsnAABARwAAWSkAABAAAAAmAAAACAAAAAAAAAAAAAAAMAAAABQAAAAAAAAAAAD//wAAAQAAAP//AAABAA=="/>
+                <pr:smNativeData xmlns:pr="smNativeData" xmlns="smNativeData" val="SMDATA_16_ZvmgZxMAAAAlAAAAZAAAAA8BAAAAkAAAAEgAAACQAAAASAAAAAAAAAABAAAAAAAAAAEAAABQAAAAAAAAAAAA4D8AAAAAAADgPwAAAAAAAOA/AAAAAAAA4D8AAAAAAADgPwAAAAAAAOA/AAAAAAAA4D8AAAAAAADgPwAAAAAAAOA/AAAAAAAA4D8CAAAAjAAAAAAAAAAAAAAAu+DjDP///wgAAAAAAAAAAAAAAAAAAAAAAAAAAAAAAAAAAAAAZAAAAAEAAABAAAAAAAAAAAAAAAAAAAAAAAAAAAAAAAAAAAAAAAAAAAAAAAAAAAAAAAAAAAAAAAAAAAAAAAAAAAAAAAAAAAAAAAAAAAAAAAAAAAAAAAAAAAAAAAAAAAAAFAAAADwAAAAAAAAAAAAAAAAAAAkUAAAAAQAAABQAAAAUAAAAFAAAAAEAAAAAAAAAZAAAAGQAAAAAAAAAZAAAAGQAAAAVAAAAYAAAAAAAAAAAAAAADwAAACADAAAAAAAAAAAAAAEAAACgMgAAVgcAAKr4//8BAAAAf39/AAEAAABkAAAAAAAAABQAAABAHwAAAAAAACYAAAAAAAAAwOD//wAAAAAmAAAAZAAAABYAAABMAAAAAAAAAAAAAAAEAAAAAAAAAAEAAACAgIAKAAAAACgAAAAoAAAAZAAAAGQAAAAAAAAAzMzMAAAAAABQAAAAUAAAAGQAAABkAAAAAAAAABcAAAAUAAAAAAAAAAAAAAD/fwAA/38AAAAAAAAJAAAABAAAANw7IAEeAAAAaAAAAAAAAAAAAAAAAAAAAAAAAAAAAAAAECcAABAnAAAAAAAAAAAAAAAAAAAAAAAAAAAAAAAAAAAAAAAAAAAAABQAAAAAAAAAwMD/AAAAAABkAAAAMgAAAAAAAABkAAAAAAAAAH9/fwAKAAAAIgAAABgAAAAAAAAAAAAAAAAAAAAAAAAAAAAAAAAAAAAkAAAAJAAAAAAAAAAHAAAAAAAAAAAAAAAAAAAAAAAAAAAAAAAAAAAAf39/ACUAAABYAAAAAAAAAAAAAAAAAAAAAAAAAAAAAAAAAAAAAAAAAAAAAAAAAAAAAAAAAAAAAAA/AAAAAAAAAKCGAQAAAAAAAAAAAAAAAAAMAAAAAQAAAAAAAAAAAAAAAAAAAB8AAABUAAAAAAAABQAAAAEAAAAAAAAAAAAAAAAAAAAAAAAAAAAAAAAAAAAAAAAAAAAAAAJ/f38AAAAAA8zMzADAwP8Af39/AAAAAAAAAAAAAAAAAAAAAAAAAAAAIQAAABgAAAAUAAAAwTUAABsnAABARwAAWSkAABAAAAAmAAAACAAAAAAAAAAAAAAAMAAAABQAAAAAAAAAAAD//wAAAQAAAP//AAABAA=="/>
               </a:ext>
             </a:extLst>
           </p:cNvSpPr>
@@ -1927,7 +1928,7 @@
           <a:lstStyle/>
           <a:p>
             <a:pPr/>
-            <a:fld id="{3F539397-D9D2-0665-9CEB-2F30DDA56A7A}" type="slidenum">
+            <a:fld id="{3DEF64BB-F5D0-BA92-9E57-03C72A196856}" type="slidenum">
               <a:t/>
             </a:fld>
           </a:p>
@@ -1966,7 +1967,7 @@
             <a:spLocks noGrp="1" noChangeArrowheads="1"/>
             <a:extLst>
               <a:ext uri="smNativeData">
-                <pr:smNativeData xmlns:pr="smNativeData" xmlns="smNativeData" val="SMDATA_16_CqSDZxMAAAAlAAAAZAAAAA8BAAAAkAAAAEgAAACQAAAASAAAAAAAAAABAAAAAAAAAAEAAABQAAAAAAAAAAAA4D8AAAAAAADgPwAAAAAAAOA/AAAAAAAA4D8AAAAAAADgPwAAAAAAAOA/AAAAAAAA4D8AAAAAAADgPwAAAAAAAOA/AAAAAAAA4D8CAAAAjAAAAAAAAAAAAAAAu+DjDP///wgAAAAAAAAAAAAAAAAAAAAAAAAAAAAAAAAAAAAAZAAAAAEAAABAAAAAAAAAAAAAAAAAAAAAAAAAAAAAAAAAAAAAAAAAAAAAAAAAAAAAAAAAAAAAAAAAAAAAAAAAAAAAAAAAAAAAAAAAAAAAAAAAAAAAAAAAAAAAAAAAAAAAFAAAADwAAAAAAAAAAAAAAAAAAAkUAAAAAQAAABQAAAAUAAAAFAAAAAEAAAAAAAAAZAAAAGQAAAAAAAAAZAAAAGQAAAAVAAAAYAAAAAAAAAAAAAAADwAAACADAAAAAAAAAAAAAAEAAACgMgAAVgcAAKr4//8BAAAAf39/AAEAAABkAAAAAAAAABQAAABAHwAAAAAAACYAAAAAAAAAwOD//wAAAAAmAAAAZAAAABYAAABMAAAAAAAAAAAAAAAEAAAAAAAAAAEAAACAgIAKAAAAACgAAAAoAAAAZAAAAGQAAAAAAAAAzMzMAAAAAABQAAAAUAAAAGQAAABkAAAAAAAAABcAAAAUAAAAAAAAAAAAAAD/fwAA/38AAAAAAAAJAAAABAAAANw7IAEeAAAAaAAAAAAAAAAAAAAAAAAAAAAAAAAAAAAAECcAABAnAAAAAAAAAAAAAAAAAAAAAAAAAAAAAAAAAAAAAAAAAAAAABQAAAAAAAAAwMD/AAAAAABkAAAAMgAAAAAAAABkAAAAAAAAAH9/fwAKAAAAIgAAABgAAAAAAAAAAAAAAAAAAAAAAAAAAAAAAAAAAAAkAAAAJAAAAAAAAAAHAAAAAAAAAAAAAAAAAAAAAAAAAAAAAAAAAAAAf39/ACUAAABYAAAAAAAAAAAAAAAAAAAAAAAAAAAAAAAAAAAAAAAAAAAAAAAAAAAAAAAAAAAAAAA/AAAAAAAAAKCGAQAAAAAAAAAAAAAAAAAMAAAAAQAAAAAAAAAAAAAAAAAAAB8AAABUAAAAAAAABQAAAAEAAAAAAAAAAAAAAAAAAAAAAAAAAAAAAAAAAAAAAAAAAAAAAAJ/f38AAAAAA8zMzADAwP8Af39/AAAAAAAAAAAAAAAAAAAAAAAAAAAAIQAAABgAAAAUAAAAwAMAALABAABARwAAuAgAABAAAAAmAAAACAAAAAAAAAAAAAAAMAAAABQAAAAAAAAAAAD//wAAAQAAAP//AAABAA=="/>
+                <pr:smNativeData xmlns:pr="smNativeData" xmlns="smNativeData" val="SMDATA_16_ZvmgZxMAAAAlAAAAZAAAAA8BAAAAkAAAAEgAAACQAAAASAAAAAAAAAABAAAAAAAAAAEAAABQAAAAAAAAAAAA4D8AAAAAAADgPwAAAAAAAOA/AAAAAAAA4D8AAAAAAADgPwAAAAAAAOA/AAAAAAAA4D8AAAAAAADgPwAAAAAAAOA/AAAAAAAA4D8CAAAAjAAAAAAAAAAAAAAAu+DjDP///wgAAAAAAAAAAAAAAAAAAAAAAAAAAAAAAAAAAAAAZAAAAAEAAABAAAAAAAAAAAAAAAAAAAAAAAAAAAAAAAAAAAAAAAAAAAAAAAAAAAAAAAAAAAAAAAAAAAAAAAAAAAAAAAAAAAAAAAAAAAAAAAAAAAAAAAAAAAAAAAAAAAAAFAAAADwAAAAAAAAAAAAAAAAAAAkUAAAAAQAAABQAAAAUAAAAFAAAAAEAAAAAAAAAZAAAAGQAAAAAAAAAZAAAAGQAAAAVAAAAYAAAAAAAAAAAAAAADwAAACADAAAAAAAAAAAAAAEAAACgMgAAVgcAAKr4//8BAAAAf39/AAEAAABkAAAAAAAAABQAAABAHwAAAAAAACYAAAAAAAAAwOD//wAAAAAmAAAAZAAAABYAAABMAAAAAAAAAAAAAAAEAAAAAAAAAAEAAACAgIAKAAAAACgAAAAoAAAAZAAAAGQAAAAAAAAAzMzMAAAAAABQAAAAUAAAAGQAAABkAAAAAAAAABcAAAAUAAAAAAAAAAAAAAD/fwAA/38AAAAAAAAJAAAABAAAANw7IAEeAAAAaAAAAAAAAAAAAAAAAAAAAAAAAAAAAAAAECcAABAnAAAAAAAAAAAAAAAAAAAAAAAAAAAAAAAAAAAAAAAAAAAAABQAAAAAAAAAwMD/AAAAAABkAAAAMgAAAAAAAABkAAAAAAAAAH9/fwAKAAAAIgAAABgAAAAAAAAAAAAAAAAAAAAAAAAAAAAAAAAAAAAkAAAAJAAAAAAAAAAHAAAAAAAAAAAAAAAAAAAAAAAAAAAAAAAAAAAAf39/ACUAAABYAAAAAAAAAAAAAAAAAAAAAAAAAAAAAAAAAAAAAAAAAAAAAAAAAAAAAAAAAAAAAAA/AAAAAAAAAKCGAQAAAAAAAAAAAAAAAAAMAAAAAQAAAAAAAAAAAAAAAAAAAB8AAABUAAAAAAAABQAAAAEAAAAAAAAAAAAAAAAAAAAAAAAAAAAAAAAAAAAAAAAAAAAAAAJ/f38AAAAAA8zMzADAwP8Af39/AAAAAAAAAAAAAAAAAAAAAAAAAAAAIQAAABgAAAAUAAAAwAMAALABAABARwAAuAgAABAAAAAmAAAACAAAAAAAAAAAAAAAMAAAABQAAAAAAAAAAAD//wAAAQAAAP//AAABAA=="/>
               </a:ext>
             </a:extLst>
           </p:cNvSpPr>
@@ -1993,7 +1994,7 @@
             <a:spLocks noGrp="1" noChangeArrowheads="1"/>
             <a:extLst>
               <a:ext uri="smNativeData">
-                <pr:smNativeData xmlns:pr="smNativeData" xmlns="smNativeData" val="SMDATA_16_CqSDZxMAAAAlAAAAZAAAAA8BAAAAkAAAAEgAAACQAAAASAAAAAAAAAABAAAAAAAAAAEAAABQAAAAAAAAAAAA4D8AAAAAAADgPwAAAAAAAOA/AAAAAAAA4D8AAAAAAADgPwAAAAAAAOA/AAAAAAAA4D8AAAAAAADgPwAAAAAAAOA/AAAAAAAA4D8CAAAAjAAAAAAAAAAAAAAAu+DjDP///wgAAAAAAAAAAAAAAAAAAAAAAAAAAAAAAAAAAAAAZAAAAAEAAABAAAAAAAAAAAAAAAAAAAAAAAAAAAAAAAAAAAAAAAAAAAAAAAAAAAAAAAAAAAAAAAAAAAAAAAAAAAAAAAAAAAAAAAAAAAAAAAAAAAAAAAAAAAAAAAAAAAAAFAAAADwAAAAAAAAAAAAAAAAAAAkUAAAAAQAAABQAAAAUAAAAFAAAAAEAAAAAAAAAZAAAAGQAAAAAAAAAZAAAAGQAAAAVAAAAYAAAAAAAAAAAAAAADwAAACADAAAAAAAAAAAAAAEAAACgMgAAVgcAAKr4//8BAAAAf39/AAEAAABkAAAAAAAAABQAAABAHwAAAAAAACYAAAAAAAAAwOD//wAAAAAmAAAAZAAAABYAAABMAAAAAAAAAAAAAAAEAAAAAAAAAAEAAACAgIAKAAAAACgAAAAoAAAAZAAAAGQAAAAAAAAAzMzMAAAAAABQAAAAUAAAAGQAAABkAAAAAAAAABcAAAAUAAAAAAAAAAAAAAD/fwAA/38AAAAAAAAJAAAABAAAANw7IAEeAAAAaAAAAAAAAAAAAAAAAAAAAAAAAAAAAAAAECcAABAnAAAAAAAAAAAAAAAAAAAAAAAAAAAAAAAAAAAAAAAAAAAAABQAAAAAAAAAwMD/AAAAAABkAAAAMgAAAAAAAABkAAAAAAAAAH9/fwAKAAAAIgAAABgAAAAAAAAAAAAAAAAAAAAAAAAAAAAAAAAAAAAkAAAAJAAAAAAAAAAHAAAAAAAAAAAAAAAAAAAAAAAAAAAAAAAAAAAAf39/ACUAAABYAAAAAAAAAAAAAAAAAAAAAAAAAAAAAAAAAAAAAAAAAAAAAAAAAAAAAAAAAAAAAAA/AAAAAAAAAKCGAQAAAAAAAAAAAAAAAAAMAAAAAQAAAAAAAAAAAAAAAAAAAB8AAABUAAAAAAAABQAAAAEAAAAAAAAAAAAAAAAAAAAAAAAAAAAAAAAAAAAAAAAAAAAAAAJ/f38AAAAAA8zMzADAwP8Af39/AAAAAAAAAAAAAAAAAAAAAAAAAAAAIQAAABgAAAAUAAAAwAMAABsnAAA/FQAAWSkAABAAAAAmAAAACAAAAAAAAAAAAAAAMAAAABQAAAAAAAAAAAD//wAAAQAAAP//AAABAA=="/>
+                <pr:smNativeData xmlns:pr="smNativeData" xmlns="smNativeData" val="SMDATA_16_ZvmgZxMAAAAlAAAAZAAAAA8BAAAAkAAAAEgAAACQAAAASAAAAAAAAAABAAAAAAAAAAEAAABQAAAAAAAAAAAA4D8AAAAAAADgPwAAAAAAAOA/AAAAAAAA4D8AAAAAAADgPwAAAAAAAOA/AAAAAAAA4D8AAAAAAADgPwAAAAAAAOA/AAAAAAAA4D8CAAAAjAAAAAAAAAAAAAAAu+DjDP///wgAAAAAAAAAAAAAAAAAAAAAAAAAAAAAAAAAAAAAZAAAAAEAAABAAAAAAAAAAAAAAAAAAAAAAAAAAAAAAAAAAAAAAAAAAAAAAAAAAAAAAAAAAAAAAAAAAAAAAAAAAAAAAAAAAAAAAAAAAAAAAAAAAAAAAAAAAAAAAAAAAAAAFAAAADwAAAAAAAAAAAAAAAAAAAkUAAAAAQAAABQAAAAUAAAAFAAAAAEAAAAAAAAAZAAAAGQAAAAAAAAAZAAAAGQAAAAVAAAAYAAAAAAAAAAAAAAADwAAACADAAAAAAAAAAAAAAEAAACgMgAAVgcAAKr4//8BAAAAf39/AAEAAABkAAAAAAAAABQAAABAHwAAAAAAACYAAAAAAAAAwOD//wAAAAAmAAAAZAAAABYAAABMAAAAAAAAAAAAAAAEAAAAAAAAAAEAAACAgIAKAAAAACgAAAAoAAAAZAAAAGQAAAAAAAAAzMzMAAAAAABQAAAAUAAAAGQAAABkAAAAAAAAABcAAAAUAAAAAAAAAAAAAAD/fwAA/38AAAAAAAAJAAAABAAAANw7IAEeAAAAaAAAAAAAAAAAAAAAAAAAAAAAAAAAAAAAECcAABAnAAAAAAAAAAAAAAAAAAAAAAAAAAAAAAAAAAAAAAAAAAAAABQAAAAAAAAAwMD/AAAAAABkAAAAMgAAAAAAAABkAAAAAAAAAH9/fwAKAAAAIgAAABgAAAAAAAAAAAAAAAAAAAAAAAAAAAAAAAAAAAAkAAAAJAAAAAAAAAAHAAAAAAAAAAAAAAAAAAAAAAAAAAAAAAAAAAAAf39/ACUAAABYAAAAAAAAAAAAAAAAAAAAAAAAAAAAAAAAAAAAAAAAAAAAAAAAAAAAAAAAAAAAAAA/AAAAAAAAAKCGAQAAAAAAAAAAAAAAAAAMAAAAAQAAAAAAAAAAAAAAAAAAAB8AAABUAAAAAAAABQAAAAEAAAAAAAAAAAAAAAAAAAAAAAAAAAAAAAAAAAAAAAAAAAAAAAJ/f38AAAAAA8zMzADAwP8Af39/AAAAAAAAAAAAAAAAAAAAAAAAAAAAIQAAABgAAAAUAAAAwAMAABsnAAA/FQAAWSkAABAAAAAmAAAACAAAAAAAAAAAAAAAMAAAABQAAAAAAAAAAAD//wAAAQAAAP//AAABAA=="/>
               </a:ext>
             </a:extLst>
           </p:cNvSpPr>
@@ -2007,7 +2008,7 @@
           <a:lstStyle/>
           <a:p>
             <a:pPr/>
-            <a:fld id="{3F53AD49-07D2-065B-9CEB-F10EE3A56AA4}" type="datetime1">
+            <a:fld id="{3DEF2352-1CD0-BAD5-9E57-EA806D1968BF}" type="datetime1">
               <a:t/>
             </a:fld>
           </a:p>
@@ -2020,7 +2021,7 @@
             <a:spLocks noGrp="1" noChangeArrowheads="1"/>
             <a:extLst>
               <a:ext uri="smNativeData">
-                <pr:smNativeData xmlns:pr="smNativeData" xmlns="smNativeData" val="SMDATA_16_CqSDZxMAAAAlAAAAZAAAAA8BAAAAkAAAAEgAAACQAAAASAAAAAAAAAABAAAAAAAAAAEAAABQAAAAAAAAAAAA4D8AAAAAAADgPwAAAAAAAOA/AAAAAAAA4D8AAAAAAADgPwAAAAAAAOA/AAAAAAAA4D8AAAAAAADgPwAAAAAAAOA/AAAAAAAA4D8CAAAAjAAAAAAAAAAAAAAAu+DjDP///wgAAAAAAAAAAAAAAAAAAAAAAAAAAAAAAAAAAAAAZAAAAAEAAABAAAAAAAAAAAAAAAAAAAAAAAAAAAAAAAAAAAAAAAAAAAAAAAAAAAAAAAAAAAAAAAAAAAAAAAAAAAAAAAAAAAAAAAAAAAAAAAAAAAAAAAAAAAAAAAAAAAAAFAAAADwAAAAAAAAAAAAAAAAAAAkUAAAAAQAAABQAAAAUAAAAFAAAAAEAAAAAAAAAZAAAAGQAAAAAAAAAZAAAAGQAAAAVAAAAYAAAAAAAAAAAAAAADwAAACADAAAAAAAAAAAAAAEAAACgMgAAVgcAAKr4//8BAAAAf39/AAEAAABkAAAAAAAAABQAAABAHwAAAAAAACYAAAAAAAAAwOD//wAAAAAmAAAAZAAAABYAAABMAAAAAAAAAAAAAAAEAAAAAAAAAAEAAACAgIAKAAAAACgAAAAoAAAAZAAAAGQAAAAAAAAAzMzMAAAAAABQAAAAUAAAAGQAAABkAAAAAAAAABcAAAAUAAAAAAAAAAAAAAD/fwAA/38AAAAAAAAJAAAABAAAANw7IAEeAAAAaAAAAAAAAAAAAAAAAAAAAAAAAAAAAAAAECcAABAnAAAAAAAAAAAAAAAAAAAAAAAAAAAAAAAAAAAAAAAAAAAAABQAAAAAAAAAwMD/AAAAAABkAAAAMgAAAAAAAABkAAAAAAAAAH9/fwAKAAAAIgAAABgAAAAAAAAAAAAAAAAAAAAAAAAAAAAAAAAAAAAkAAAAJAAAAAAAAAAHAAAAAAAAAAAAAAAAAAAAAAAAAAAAAAAAAAAAf39/ACUAAABYAAAAAAAAAAAAAAAAAAAAAAAAAAAAAAAAAAAAAAAAAAAAAAAAAAAAAAAAAAAAAAA/AAAAAAAAAKCGAQAAAAAAAAAAAAAAAAAMAAAAAQAAAAAAAAAAAAAAAAAAAB8AAABUAAAAAAAABQAAAAEAAAAAAAAAAAAAAAAAAAAAAAAAAAAAAAAAAAAAAAAAAAAAAAJ/f38AAAAAA8zMzADAwP8Af39/AAAAAAAAAAAAAAAAAAAAAAAAAAAAIQAAABgAAAAUAAAAoRkAABsnAABfMQAAWSkAABAAAAAmAAAACAAAAAAAAAAAAAAAMAAAABQAAAAAAAAAAAD//wAAAQAAAP//AAABAA=="/>
+                <pr:smNativeData xmlns:pr="smNativeData" xmlns="smNativeData" val="SMDATA_16_ZvmgZxMAAAAlAAAAZAAAAA8BAAAAkAAAAEgAAACQAAAASAAAAAAAAAABAAAAAAAAAAEAAABQAAAAAAAAAAAA4D8AAAAAAADgPwAAAAAAAOA/AAAAAAAA4D8AAAAAAADgPwAAAAAAAOA/AAAAAAAA4D8AAAAAAADgPwAAAAAAAOA/AAAAAAAA4D8CAAAAjAAAAAAAAAAAAAAAu+DjDP///wgAAAAAAAAAAAAAAAAAAAAAAAAAAAAAAAAAAAAAZAAAAAEAAABAAAAAAAAAAAAAAAAAAAAAAAAAAAAAAAAAAAAAAAAAAAAAAAAAAAAAAAAAAAAAAAAAAAAAAAAAAAAAAAAAAAAAAAAAAAAAAAAAAAAAAAAAAAAAAAAAAAAAFAAAADwAAAAAAAAAAAAAAAAAAAkUAAAAAQAAABQAAAAUAAAAFAAAAAEAAAAAAAAAZAAAAGQAAAAAAAAAZAAAAGQAAAAVAAAAYAAAAAAAAAAAAAAADwAAACADAAAAAAAAAAAAAAEAAACgMgAAVgcAAKr4//8BAAAAf39/AAEAAABkAAAAAAAAABQAAABAHwAAAAAAACYAAAAAAAAAwOD//wAAAAAmAAAAZAAAABYAAABMAAAAAAAAAAAAAAAEAAAAAAAAAAEAAACAgIAKAAAAACgAAAAoAAAAZAAAAGQAAAAAAAAAzMzMAAAAAABQAAAAUAAAAGQAAABkAAAAAAAAABcAAAAUAAAAAAAAAAAAAAD/fwAA/38AAAAAAAAJAAAABAAAANw7IAEeAAAAaAAAAAAAAAAAAAAAAAAAAAAAAAAAAAAAECcAABAnAAAAAAAAAAAAAAAAAAAAAAAAAAAAAAAAAAAAAAAAAAAAABQAAAAAAAAAwMD/AAAAAABkAAAAMgAAAAAAAABkAAAAAAAAAH9/fwAKAAAAIgAAABgAAAAAAAAAAAAAAAAAAAAAAAAAAAAAAAAAAAAkAAAAJAAAAAAAAAAHAAAAAAAAAAAAAAAAAAAAAAAAAAAAAAAAAAAAf39/ACUAAABYAAAAAAAAAAAAAAAAAAAAAAAAAAAAAAAAAAAAAAAAAAAAAAAAAAAAAAAAAAAAAAA/AAAAAAAAAKCGAQAAAAAAAAAAAAAAAAAMAAAAAQAAAAAAAAAAAAAAAAAAAB8AAABUAAAAAAAABQAAAAEAAAAAAAAAAAAAAAAAAAAAAAAAAAAAAAAAAAAAAAAAAAAAAAJ/f38AAAAAA8zMzADAwP8Af39/AAAAAAAAAAAAAAAAAAAAAAAAAAAAIQAAABgAAAAUAAAAoRkAABsnAABfMQAAWSkAABAAAAAmAAAACAAAAAAAAAAAAAAAMAAAABQAAAAAAAAAAAD//wAAAQAAAP//AAABAA=="/>
               </a:ext>
             </a:extLst>
           </p:cNvSpPr>
@@ -2044,7 +2045,7 @@
             <a:spLocks noGrp="1" noChangeArrowheads="1"/>
             <a:extLst>
               <a:ext uri="smNativeData">
-                <pr:smNativeData xmlns:pr="smNativeData" xmlns="smNativeData" val="SMDATA_16_CqSDZxMAAAAlAAAAZAAAAA8BAAAAkAAAAEgAAACQAAAASAAAAAAAAAABAAAAAAAAAAEAAABQAAAAAAAAAAAA4D8AAAAAAADgPwAAAAAAAOA/AAAAAAAA4D8AAAAAAADgPwAAAAAAAOA/AAAAAAAA4D8AAAAAAADgPwAAAAAAAOA/AAAAAAAA4D8CAAAAjAAAAAAAAAAAAAAAu+DjDP///wgAAAAAAAAAAAAAAAAAAAAAAAAAAAAAAAAAAAAAZAAAAAEAAABAAAAAAAAAAAAAAAAAAAAAAAAAAAAAAAAAAAAAAAAAAAAAAAAAAAAAAAAAAAAAAAAAAAAAAAAAAAAAAAAAAAAAAAAAAAAAAAAAAAAAAAAAAAAAAAAAAAAAFAAAADwAAAAAAAAAAAAAAAAAAAkUAAAAAQAAABQAAAAUAAAAFAAAAAEAAAAAAAAAZAAAAGQAAAAAAAAAZAAAAGQAAAAVAAAAYAAAAAAAAAAAAAAADwAAACADAAAAAAAAAAAAAAEAAACgMgAAVgcAAKr4//8BAAAAf39/AAEAAABkAAAAAAAAABQAAABAHwAAAAAAACYAAAAAAAAAwOD//wAAAAAmAAAAZAAAABYAAABMAAAAAAAAAAAAAAAEAAAAAAAAAAEAAACAgIAKAAAAACgAAAAoAAAAZAAAAGQAAAAAAAAAzMzMAAAAAABQAAAAUAAAAGQAAABkAAAAAAAAABcAAAAUAAAAAAAAAAAAAAD/fwAA/38AAAAAAAAJAAAABAAAANw7IAEeAAAAaAAAAAAAAAAAAAAAAAAAAAAAAAAAAAAAECcAABAnAAAAAAAAAAAAAAAAAAAAAAAAAAAAAAAAAAAAAAAAAAAAABQAAAAAAAAAwMD/AAAAAABkAAAAMgAAAAAAAABkAAAAAAAAAH9/fwAKAAAAIgAAABgAAAAAAAAAAAAAAAAAAAAAAAAAAAAAAAAAAAAkAAAAJAAAAAAAAAAHAAAAAAAAAAAAAAAAAAAAAAAAAAAAAAAAAAAAf39/ACUAAABYAAAAAAAAAAAAAAAAAAAAAAAAAAAAAAAAAAAAAAAAAAAAAAAAAAAAAAAAAAAAAAA/AAAAAAAAAKCGAQAAAAAAAAAAAAAAAAAMAAAAAQAAAAAAAAAAAAAAAAAAAB8AAABUAAAAAAAABQAAAAEAAAAAAAAAAAAAAAAAAAAAAAAAAAAAAAAAAAAAAAAAAAAAAAJ/f38AAAAAA8zMzADAwP8Af39/AAAAAAAAAAAAAAAAAAAAAAAAAAAAIQAAABgAAAAUAAAAwTUAABsnAABARwAAWSkAABAAAAAmAAAACAAAAAAAAAAAAAAAMAAAABQAAAAAAAAAAAD//wAAAQAAAP//AAABAA=="/>
+                <pr:smNativeData xmlns:pr="smNativeData" xmlns="smNativeData" val="SMDATA_16_ZvmgZxMAAAAlAAAAZAAAAA8BAAAAkAAAAEgAAACQAAAASAAAAAAAAAABAAAAAAAAAAEAAABQAAAAAAAAAAAA4D8AAAAAAADgPwAAAAAAAOA/AAAAAAAA4D8AAAAAAADgPwAAAAAAAOA/AAAAAAAA4D8AAAAAAADgPwAAAAAAAOA/AAAAAAAA4D8CAAAAjAAAAAAAAAAAAAAAu+DjDP///wgAAAAAAAAAAAAAAAAAAAAAAAAAAAAAAAAAAAAAZAAAAAEAAABAAAAAAAAAAAAAAAAAAAAAAAAAAAAAAAAAAAAAAAAAAAAAAAAAAAAAAAAAAAAAAAAAAAAAAAAAAAAAAAAAAAAAAAAAAAAAAAAAAAAAAAAAAAAAAAAAAAAAFAAAADwAAAAAAAAAAAAAAAAAAAkUAAAAAQAAABQAAAAUAAAAFAAAAAEAAAAAAAAAZAAAAGQAAAAAAAAAZAAAAGQAAAAVAAAAYAAAAAAAAAAAAAAADwAAACADAAAAAAAAAAAAAAEAAACgMgAAVgcAAKr4//8BAAAAf39/AAEAAABkAAAAAAAAABQAAABAHwAAAAAAACYAAAAAAAAAwOD//wAAAAAmAAAAZAAAABYAAABMAAAAAAAAAAAAAAAEAAAAAAAAAAEAAACAgIAKAAAAACgAAAAoAAAAZAAAAGQAAAAAAAAAzMzMAAAAAABQAAAAUAAAAGQAAABkAAAAAAAAABcAAAAUAAAAAAAAAAAAAAD/fwAA/38AAAAAAAAJAAAABAAAANw7IAEeAAAAaAAAAAAAAAAAAAAAAAAAAAAAAAAAAAAAECcAABAnAAAAAAAAAAAAAAAAAAAAAAAAAAAAAAAAAAAAAAAAAAAAABQAAAAAAAAAwMD/AAAAAABkAAAAMgAAAAAAAABkAAAAAAAAAH9/fwAKAAAAIgAAABgAAAAAAAAAAAAAAAAAAAAAAAAAAAAAAAAAAAAkAAAAJAAAAAAAAAAHAAAAAAAAAAAAAAAAAAAAAAAAAAAAAAAAAAAAf39/ACUAAABYAAAAAAAAAAAAAAAAAAAAAAAAAAAAAAAAAAAAAAAAAAAAAAAAAAAAAAAAAAAAAAA/AAAAAAAAAKCGAQAAAAAAAAAAAAAAAAAMAAAAAQAAAAAAAAAAAAAAAAAAAB8AAABUAAAAAAAABQAAAAEAAAAAAAAAAAAAAAAAAAAAAAAAAAAAAAAAAAAAAAAAAAAAAAJ/f38AAAAAA8zMzADAwP8Af39/AAAAAAAAAAAAAAAAAAAAAAAAAAAAIQAAABgAAAAUAAAAwTUAABsnAABARwAAWSkAABAAAAAmAAAACAAAAAAAAAAAAAAAMAAAABQAAAAAAAAAAAD//wAAAQAAAP//AAABAA=="/>
               </a:ext>
             </a:extLst>
           </p:cNvSpPr>
@@ -2058,7 +2059,7 @@
           <a:lstStyle/>
           <a:p>
             <a:pPr/>
-            <a:fld id="{3F53F11D-53D2-0607-9CEB-A552BFA56AF0}" type="slidenum">
+            <a:fld id="{3DEF5BC7-89D0-BAAD-9E57-7FF81519682A}" type="slidenum">
               <a:t/>
             </a:fld>
           </a:p>
@@ -2097,7 +2098,7 @@
             <a:spLocks noGrp="1" noChangeArrowheads="1"/>
             <a:extLst>
               <a:ext uri="smNativeData">
-                <pr:smNativeData xmlns:pr="smNativeData" xmlns="smNativeData" val="SMDATA_16_CqSDZxMAAAAlAAAAZAAAAA8BAAAAkAAAAEgAAACQAAAASAAAAAAAAAABAAAAAAAAAAEAAABQAAAAAAAAAAAA4D8AAAAAAADgPwAAAAAAAOA/AAAAAAAA4D8AAAAAAADgPwAAAAAAAOA/AAAAAAAA4D8AAAAAAADgPwAAAAAAAOA/AAAAAAAA4D8CAAAAjAAAAAAAAAAAAAAAu+DjDP///wgAAAAAAAAAAAAAAAAAAAAAAAAAAAAAAAAAAAAAZAAAAAEAAABAAAAAAAAAAAAAAAAAAAAAAAAAAAAAAAAAAAAAAAAAAAAAAAAAAAAAAAAAAAAAAAAAAAAAAAAAAAAAAAAAAAAAAAAAAAAAAAAAAAAAAAAAAAAAAAAAAAAAFAAAADwAAAAAAAAAAAAAAAAAAAkUAAAAAQAAABQAAAAUAAAAFAAAAAEAAAAAAAAAZAAAAGQAAAAAAAAAZAAAAGQAAAAVAAAAYAAAAAAAAAAAAAAADwAAACADAAAAAAAAAAAAAAEAAACgMgAAVgcAAKr4//8BAAAAf39/AAEAAABkAAAAAAAAABQAAABAHwAAAAAAACYAAAAAAAAAwOD//wAAAAAmAAAAZAAAABYAAABMAAAAAAAAAAAAAAAEAAAAAAAAAAEAAACAgIAKAAAAACgAAAAoAAAAZAAAAGQAAAAAAAAAzMzMAAAAAABQAAAAUAAAAGQAAABkAAAAAAAAABcAAAAUAAAAAAAAAAAAAAD/fwAA/38AAAAAAAAJAAAABAAAANw7IAEeAAAAaAAAAAAAAAAAAAAAAAAAAAAAAAAAAAAAECcAABAnAAAAAAAAAAAAAAAAAAAAAAAAAAAAAAAAAAAAAAAAAAAAABQAAAAAAAAAwMD/AAAAAABkAAAAMgAAAAAAAABkAAAAAAAAAH9/fwAKAAAAIgAAABgAAAAAAAAAAAAAAAAAAAAAAAAAAAAAAAAAAAAkAAAAJAAAAAAAAAAHAAAAAAAAAAAAAAAAAAAAAAAAAAAAAAAAAAAAf39/ACUAAABYAAAAAAAAAAAAAAAAAAAAAAAAAAAAAAAAAAAAAAAAAAAAAAAAAAAAAAAAAAAAAAA/AAAAAAAAAKCGAQAAAAAAAAAAAAAAAAAMAAAAAQAAAAAAAAAAAAAAAAAAAB8AAABUAAAAAAAABQAAAAEAAAAAAAAAAAAAAAAAAAAAAAAAAAAAAAAAAAAAAAAAAAAAAAJ/f38AAAAAA8zMzADAwP8Af39/AAAAAAAAAAAAAAAAAAAAAAAAAAAAIQAAABgAAAAUAAAAwAMAABsnAAA/FQAAWSkAABAAAAAmAAAACAAAAAAAAAAAAAAAMAAAABQAAAAAAAAAAAD//wAAAQAAAP//AAABAA=="/>
+                <pr:smNativeData xmlns:pr="smNativeData" xmlns="smNativeData" val="SMDATA_16_ZvmgZxMAAAAlAAAAZAAAAA8BAAAAkAAAAEgAAACQAAAASAAAAAAAAAABAAAAAAAAAAEAAABQAAAAAAAAAAAA4D8AAAAAAADgPwAAAAAAAOA/AAAAAAAA4D8AAAAAAADgPwAAAAAAAOA/AAAAAAAA4D8AAAAAAADgPwAAAAAAAOA/AAAAAAAA4D8CAAAAjAAAAAAAAAAAAAAAu+DjDP///wgAAAAAAAAAAAAAAAAAAAAAAAAAAAAAAAAAAAAAZAAAAAEAAABAAAAAAAAAAAAAAAAAAAAAAAAAAAAAAAAAAAAAAAAAAAAAAAAAAAAAAAAAAAAAAAAAAAAAAAAAAAAAAAAAAAAAAAAAAAAAAAAAAAAAAAAAAAAAAAAAAAAAFAAAADwAAAAAAAAAAAAAAAAAAAkUAAAAAQAAABQAAAAUAAAAFAAAAAEAAAAAAAAAZAAAAGQAAAAAAAAAZAAAAGQAAAAVAAAAYAAAAAAAAAAAAAAADwAAACADAAAAAAAAAAAAAAEAAACgMgAAVgcAAKr4//8BAAAAf39/AAEAAABkAAAAAAAAABQAAABAHwAAAAAAACYAAAAAAAAAwOD//wAAAAAmAAAAZAAAABYAAABMAAAAAAAAAAAAAAAEAAAAAAAAAAEAAACAgIAKAAAAACgAAAAoAAAAZAAAAGQAAAAAAAAAzMzMAAAAAABQAAAAUAAAAGQAAABkAAAAAAAAABcAAAAUAAAAAAAAAAAAAAD/fwAA/38AAAAAAAAJAAAABAAAANw7IAEeAAAAaAAAAAAAAAAAAAAAAAAAAAAAAAAAAAAAECcAABAnAAAAAAAAAAAAAAAAAAAAAAAAAAAAAAAAAAAAAAAAAAAAABQAAAAAAAAAwMD/AAAAAABkAAAAMgAAAAAAAABkAAAAAAAAAH9/fwAKAAAAIgAAABgAAAAAAAAAAAAAAAAAAAAAAAAAAAAAAAAAAAAkAAAAJAAAAAAAAAAHAAAAAAAAAAAAAAAAAAAAAAAAAAAAAAAAAAAAf39/ACUAAABYAAAAAAAAAAAAAAAAAAAAAAAAAAAAAAAAAAAAAAAAAAAAAAAAAAAAAAAAAAAAAAA/AAAAAAAAAKCGAQAAAAAAAAAAAAAAAAAMAAAAAQAAAAAAAAAAAAAAAAAAAB8AAABUAAAAAAAABQAAAAEAAAAAAAAAAAAAAAAAAAAAAAAAAAAAAAAAAAAAAAAAAAAAAAJ/f38AAAAAA8zMzADAwP8Af39/AAAAAAAAAAAAAAAAAAAAAAAAAAAAIQAAABgAAAAUAAAAwAMAABsnAAA/FQAAWSkAABAAAAAmAAAACAAAAAAAAAAAAAAAMAAAABQAAAAAAAAAAAD//wAAAQAAAP//AAABAA=="/>
               </a:ext>
             </a:extLst>
           </p:cNvSpPr>
@@ -2111,7 +2112,7 @@
           <a:lstStyle/>
           <a:p>
             <a:pPr/>
-            <a:fld id="{3F53A08E-C0D2-0656-9CEB-3603EEA56A63}" type="datetime1">
+            <a:fld id="{3DEF402A-64D0-BAB6-9E57-92E30E1968C7}" type="datetime1">
               <a:t/>
             </a:fld>
           </a:p>
@@ -2124,7 +2125,7 @@
             <a:spLocks noGrp="1" noChangeArrowheads="1"/>
             <a:extLst>
               <a:ext uri="smNativeData">
-                <pr:smNativeData xmlns:pr="smNativeData" xmlns="smNativeData" val="SMDATA_16_CqSDZxMAAAAlAAAAZAAAAA8BAAAAkAAAAEgAAACQAAAASAAAAAAAAAABAAAAAAAAAAEAAABQAAAAAAAAAAAA4D8AAAAAAADgPwAAAAAAAOA/AAAAAAAA4D8AAAAAAADgPwAAAAAAAOA/AAAAAAAA4D8AAAAAAADgPwAAAAAAAOA/AAAAAAAA4D8CAAAAjAAAAAAAAAAAAAAAu+DjDP///wgAAAAAAAAAAAAAAAAAAAAAAAAAAAAAAAAAAAAAZAAAAAEAAABAAAAAAAAAAAAAAAAAAAAAAAAAAAAAAAAAAAAAAAAAAAAAAAAAAAAAAAAAAAAAAAAAAAAAAAAAAAAAAAAAAAAAAAAAAAAAAAAAAAAAAAAAAAAAAAAAAAAAFAAAADwAAAAAAAAAAAAAAAAAAAkUAAAAAQAAABQAAAAUAAAAFAAAAAEAAAAAAAAAZAAAAGQAAAAAAAAAZAAAAGQAAAAVAAAAYAAAAAAAAAAAAAAADwAAACADAAAAAAAAAAAAAAEAAACgMgAAVgcAAKr4//8BAAAAf39/AAEAAABkAAAAAAAAABQAAABAHwAAAAAAACYAAAAAAAAAwOD//wAAAAAmAAAAZAAAABYAAABMAAAAAAAAAAAAAAAEAAAAAAAAAAEAAACAgIAKAAAAACgAAAAoAAAAZAAAAGQAAAAAAAAAzMzMAAAAAABQAAAAUAAAAGQAAABkAAAAAAAAABcAAAAUAAAAAAAAAAAAAAD/fwAA/38AAAAAAAAJAAAABAAAAAAAAAAeAAAAaAAAAAAAAAAAAAAAAAAAAAAAAAAAAAAAECcAABAnAAAAAAAAAAAAAAAAAAAAAAAAAAAAAAAAAAAAAAAAAAAAABQAAAAAAAAAwMD/AAAAAABkAAAAMgAAAAAAAABkAAAAAAAAAH9/fwAKAAAAIgAAABgAAAAAAAAAAAAAAAAAAAAAAAAAAAAAAAAAAAAkAAAAJAAAAAAAAAAHAAAAAAAAAAAAAAAAAAAAAAAAAAAAAAAAAAAAf39/ACUAAABYAAAAAAAAAAAAAAAAAAAAAAAAAAAAAAAAAAAAAAAAAAAAAAAAAAAAAAAAAAAAAAA/AAAAAAAAAKCGAQAAAAAAAAAAAAAAAAAMAAAAAQAAAAAAAAAAAAAAAAAAAB8AAABUAAAAAAAABQAAAAEAAAAAAAAAAAAAAAAAAAAAAAAAAAAAAAAAAAAAAAAAAAAAAAJ/f38AAAAAA8zMzADAwP8Af39/AAAAAAAAAAAAAAAAAAAAAAAAAAAAIQAAABgAAAAUAAAAoRkAABsnAABfMQAAWSkAABAAAAAmAAAACAAAAAAAAAAAAAAAMAAAABQAAAAAAAAAAAD//wAAAQAAAP//AAABAA=="/>
+                <pr:smNativeData xmlns:pr="smNativeData" xmlns="smNativeData" val="SMDATA_16_ZvmgZxMAAAAlAAAAZAAAAA8BAAAAkAAAAEgAAACQAAAASAAAAAAAAAABAAAAAAAAAAEAAABQAAAAAAAAAAAA4D8AAAAAAADgPwAAAAAAAOA/AAAAAAAA4D8AAAAAAADgPwAAAAAAAOA/AAAAAAAA4D8AAAAAAADgPwAAAAAAAOA/AAAAAAAA4D8CAAAAjAAAAAAAAAAAAAAAu+DjDP///wgAAAAAAAAAAAAAAAAAAAAAAAAAAAAAAAAAAAAAZAAAAAEAAABAAAAAAAAAAAAAAAAAAAAAAAAAAAAAAAAAAAAAAAAAAAAAAAAAAAAAAAAAAAAAAAAAAAAAAAAAAAAAAAAAAAAAAAAAAAAAAAAAAAAAAAAAAAAAAAAAAAAAFAAAADwAAAAAAAAAAAAAAAAAAAkUAAAAAQAAABQAAAAUAAAAFAAAAAEAAAAAAAAAZAAAAGQAAAAAAAAAZAAAAGQAAAAVAAAAYAAAAAAAAAAAAAAADwAAACADAAAAAAAAAAAAAAEAAACgMgAAVgcAAKr4//8BAAAAf39/AAEAAABkAAAAAAAAABQAAABAHwAAAAAAACYAAAAAAAAAwOD//wAAAAAmAAAAZAAAABYAAABMAAAAAAAAAAAAAAAEAAAAAAAAAAEAAACAgIAKAAAAACgAAAAoAAAAZAAAAGQAAAAAAAAAzMzMAAAAAABQAAAAUAAAAGQAAABkAAAAAAAAABcAAAAUAAAAAAAAAAAAAAD/fwAA/38AAAAAAAAJAAAABAAAAAAAAAAeAAAAaAAAAAAAAAAAAAAAAAAAAAAAAAAAAAAAECcAABAnAAAAAAAAAAAAAAAAAAAAAAAAAAAAAAAAAAAAAAAAAAAAABQAAAAAAAAAwMD/AAAAAABkAAAAMgAAAAAAAABkAAAAAAAAAH9/fwAKAAAAIgAAABgAAAAAAAAAAAAAAAAAAAAAAAAAAAAAAAAAAAAkAAAAJAAAAAAAAAAHAAAAAAAAAAAAAAAAAAAAAAAAAAAAAAAAAAAAf39/ACUAAABYAAAAAAAAAAAAAAAAAAAAAAAAAAAAAAAAAAAAAAAAAAAAAAAAAAAAAAAAAAAAAAA/AAAAAAAAAKCGAQAAAAAAAAAAAAAAAAAMAAAAAQAAAAAAAAAAAAAAAAAAAB8AAABUAAAAAAAABQAAAAEAAAAAAAAAAAAAAAAAAAAAAAAAAAAAAAAAAAAAAAAAAAAAAAJ/f38AAAAAA8zMzADAwP8Af39/AAAAAAAAAAAAAAAAAAAAAAAAAAAAIQAAABgAAAAUAAAAoRkAABsnAABfMQAAWSkAABAAAAAmAAAACAAAAAAAAAAAAAAAMAAAABQAAAAAAAAAAAD//wAAAQAAAP//AAABAA=="/>
               </a:ext>
             </a:extLst>
           </p:cNvSpPr>
@@ -2148,7 +2149,7 @@
             <a:spLocks noGrp="1" noChangeArrowheads="1"/>
             <a:extLst>
               <a:ext uri="smNativeData">
-                <pr:smNativeData xmlns:pr="smNativeData" xmlns="smNativeData" val="SMDATA_16_CqSDZxMAAAAlAAAAZAAAAA8BAAAAkAAAAEgAAACQAAAASAAAAAAAAAABAAAAAAAAAAEAAABQAAAAAAAAAAAA4D8AAAAAAADgPwAAAAAAAOA/AAAAAAAA4D8AAAAAAADgPwAAAAAAAOA/AAAAAAAA4D8AAAAAAADgPwAAAAAAAOA/AAAAAAAA4D8CAAAAjAAAAAAAAAAAAAAAu+DjDP///wgAAAAAAAAAAAAAAAAAAAAAAAAAAAAAAAAAAAAAZAAAAAEAAABAAAAAAAAAAAAAAAAAAAAAAAAAAAAAAAAAAAAAAAAAAAAAAAAAAAAAAAAAAAAAAAAAAAAAAAAAAAAAAAAAAAAAAAAAAAAAAAAAAAAAAAAAAAAAAAAAAAAAFAAAADwAAAAAAAAAAAAAAAAAAAkUAAAAAQAAABQAAAAUAAAAFAAAAAEAAAAAAAAAZAAAAGQAAAAAAAAAZAAAAGQAAAAVAAAAYAAAAAAAAAAAAAAADwAAACADAAAAAAAAAAAAAAEAAACgMgAAVgcAAKr4//8BAAAAf39/AAEAAABkAAAAAAAAABQAAABAHwAAAAAAACYAAAAAAAAAwOD//wAAAAAmAAAAZAAAABYAAABMAAAAAAAAAAAAAAAEAAAAAAAAAAEAAACAgIAKAAAAACgAAAAoAAAAZAAAAGQAAAAAAAAAzMzMAAAAAABQAAAAUAAAAGQAAABkAAAAAAAAABcAAAAUAAAAAAAAAAAAAAD/fwAA/38AAAAAAAAJAAAABAAAAAAAAAAeAAAAaAAAAAAAAAAAAAAAAAAAAAAAAAAAAAAAECcAABAnAAAAAAAAAAAAAAAAAAAAAAAAAAAAAAAAAAAAAAAAAAAAABQAAAAAAAAAwMD/AAAAAABkAAAAMgAAAAAAAABkAAAAAAAAAH9/fwAKAAAAIgAAABgAAAAAAAAAAAAAAAAAAAAAAAAAAAAAAAAAAAAkAAAAJAAAAAAAAAAHAAAAAAAAAAAAAAAAAAAAAAAAAAAAAAAAAAAAf39/ACUAAABYAAAAAAAAAAAAAAAAAAAAAAAAAAAAAAAAAAAAAAAAAAAAAAAAAAAAAAAAAAAAAAA/AAAAAAAAAKCGAQAAAAAAAAAAAAAAAAAMAAAAAQAAAAAAAAAAAAAAAAAAAB8AAABUAAAAAAAABQAAAAEAAAAAAAAAAAAAAAAAAAAAAAAAAAAAAAAAAAAAAAAAAAAAAAJ/f38AAAAAA8zMzADAwP8Af39/AAAAAAAAAAAAAAAAAAAAAAAAAAAAIQAAABgAAAAUAAAAwTUAABsnAABARwAAWSkAABAAAAAmAAAACAAAAAAAAAAAAAAAMAAAABQAAAAAAAAAAAD//wAAAQAAAP//AAABAA=="/>
+                <pr:smNativeData xmlns:pr="smNativeData" xmlns="smNativeData" val="SMDATA_16_ZvmgZxMAAAAlAAAAZAAAAA8BAAAAkAAAAEgAAACQAAAASAAAAAAAAAABAAAAAAAAAAEAAABQAAAAAAAAAAAA4D8AAAAAAADgPwAAAAAAAOA/AAAAAAAA4D8AAAAAAADgPwAAAAAAAOA/AAAAAAAA4D8AAAAAAADgPwAAAAAAAOA/AAAAAAAA4D8CAAAAjAAAAAAAAAAAAAAAu+DjDP///wgAAAAAAAAAAAAAAAAAAAAAAAAAAAAAAAAAAAAAZAAAAAEAAABAAAAAAAAAAAAAAAAAAAAAAAAAAAAAAAAAAAAAAAAAAAAAAAAAAAAAAAAAAAAAAAAAAAAAAAAAAAAAAAAAAAAAAAAAAAAAAAAAAAAAAAAAAAAAAAAAAAAAFAAAADwAAAAAAAAAAAAAAAAAAAkUAAAAAQAAABQAAAAUAAAAFAAAAAEAAAAAAAAAZAAAAGQAAAAAAAAAZAAAAGQAAAAVAAAAYAAAAAAAAAAAAAAADwAAACADAAAAAAAAAAAAAAEAAACgMgAAVgcAAKr4//8BAAAAf39/AAEAAABkAAAAAAAAABQAAABAHwAAAAAAACYAAAAAAAAAwOD//wAAAAAmAAAAZAAAABYAAABMAAAAAAAAAAAAAAAEAAAAAAAAAAEAAACAgIAKAAAAACgAAAAoAAAAZAAAAGQAAAAAAAAAzMzMAAAAAABQAAAAUAAAAGQAAABkAAAAAAAAABcAAAAUAAAAAAAAAAAAAAD/fwAA/38AAAAAAAAJAAAABAAAAAAAAAAeAAAAaAAAAAAAAAAAAAAAAAAAAAAAAAAAAAAAECcAABAnAAAAAAAAAAAAAAAAAAAAAAAAAAAAAAAAAAAAAAAAAAAAABQAAAAAAAAAwMD/AAAAAABkAAAAMgAAAAAAAABkAAAAAAAAAH9/fwAKAAAAIgAAABgAAAAAAAAAAAAAAAAAAAAAAAAAAAAAAAAAAAAkAAAAJAAAAAAAAAAHAAAAAAAAAAAAAAAAAAAAAAAAAAAAAAAAAAAAf39/ACUAAABYAAAAAAAAAAAAAAAAAAAAAAAAAAAAAAAAAAAAAAAAAAAAAAAAAAAAAAAAAAAAAAA/AAAAAAAAAKCGAQAAAAAAAAAAAAAAAAAMAAAAAQAAAAAAAAAAAAAAAAAAAB8AAABUAAAAAAAABQAAAAEAAAAAAAAAAAAAAAAAAAAAAAAAAAAAAAAAAAAAAAAAAAAAAAJ/f38AAAAAA8zMzADAwP8Af39/AAAAAAAAAAAAAAAAAAAAAAAAAAAAIQAAABgAAAAUAAAAwTUAABsnAABARwAAWSkAABAAAAAmAAAACAAAAAAAAAAAAAAAMAAAABQAAAAAAAAAAAD//wAAAQAAAP//AAABAA=="/>
               </a:ext>
             </a:extLst>
           </p:cNvSpPr>
@@ -2162,7 +2163,7 @@
           <a:lstStyle/>
           <a:p>
             <a:pPr/>
-            <a:fld id="{3F53A8E8-A6D2-065E-9CEB-500BE6A56A05}" type="slidenum">
+            <a:fld id="{3DEF6009-47D0-BA96-9E57-B1C32E1968E4}" type="slidenum">
               <a:t/>
             </a:fld>
           </a:p>
@@ -2201,7 +2202,7 @@
             <a:spLocks noGrp="1" noChangeArrowheads="1"/>
             <a:extLst>
               <a:ext uri="smNativeData">
-                <pr:smNativeData xmlns:pr="smNativeData" xmlns="smNativeData" val="SMDATA_16_CqSDZxMAAAAlAAAAZAAAAA8BAAAAkAAAAEgAAACQAAAASAAAAAAAAAACAAAAAAAAAAEAAABQAAAAAAAAAAAA4D8AAAAAAADgPwAAAAAAAOA/AAAAAAAA4D8AAAAAAADgPwAAAAAAAOA/AAAAAAAA4D8AAAAAAADgPwAAAAAAAOA/AAAAAAAA4D8CAAAAjAAAAAAAAAAAAAAAu+DjDP///wgAAAAAAAAAAAAAAAAAAAAAAAAAAAAAAAAAAAAAZAAAAAEAAABAAAAAAAAAAAAAAAAAAAAAAAAAAAAAAAAAAAAAAAAAAAAAAAAAAAAAAAAAAAAAAAAAAAAAAAAAAAAAAAAAAAAAAAAAAAAAAAAAAAAAAAAAAAAAAAAAAAAAFAAAADwAAAAAAAAAAAAAAAAAAAkUAAAAAQAAABQAAAAUAAAAFAAAAAEAAAAAAAAAZAAAAGQAAAAAAAAAZAAAAGQAAAAVAAAAYAAAAAAAAAAAAAAADwAAACADAAAAAAAAAAAAAAEAAACgMgAAVgcAAKr4//8BAAAAf39/AAEAAABkAAAAAAAAABQAAABAHwAAAAAAACYAAAAAAAAAwOD//wAAAAAmAAAAZAAAABYAAABMAAAAAAAAAAAAAAAEAAAAAAAAAAEAAACAgIAKAAAAACgAAAAoAAAAZAAAAGQAAAAAAAAAzMzMAAAAAABQAAAAUAAAAGQAAABkAAAAAAAAABcAAAAUAAAAAAAAAAAAAAD/fwAA/38AAAAAAAAJAAAABAAAAAAAAAAeAAAAaAAAAAAAAAAAAAAAAAAAAAAAAAAAAAAAECcAABAnAAAAAAAAAAAAAAAAAAAAAAAAAAAAAAAAAAAAAAAAAAAAABQAAAAAAAAAwMD/AAAAAABkAAAAMgAAAAAAAABkAAAAAAAAAH9/fwAKAAAAIgAAABgAAAAAAAAAAAAAAAAAAAAAAAAAAAAAAAAAAAAkAAAAJAAAAAAAAAAHAAAAAAAAAAAAAAAAAAAAAAAAAAAAAAAAAAAAf39/ACUAAABYAAAAAAAAAAAAAAAAAAAAAAAAAAAAAAAAAAAAAAAAAAAAAAAAAAAAAAAAAAAAAAA/AAAAAAAAAKCGAQAAAAAAAAAAAAAAAAAMAAAAAQAAAAAAAAAAAAAAAAAAAB8AAABUAAAAAAAABQAAAAEAAAAAAAAAAAAAAAAAAAAAAAAAAAAAAAAAAAAAAAAAAAAAAAJ/f38AAAAAA8zMzADAwP8Af39/AAAAAAAAAAAAAAAAAAAAAAAAAAAAIQAAABgAAAAUAAAAwAMAAK4BAABtHAAA1AgAABAAAAAmAAAACAAAAIGAAAAAAAAAMAAAABQAAAAAAAAAAAD//wAAAQAAAP//AAABAA=="/>
+                <pr:smNativeData xmlns:pr="smNativeData" xmlns="smNativeData" val="SMDATA_16_ZvmgZxMAAAAlAAAAZAAAAA8BAAAAkAAAAEgAAACQAAAASAAAAAAAAAACAAAAAAAAAAEAAABQAAAAAAAAAAAA4D8AAAAAAADgPwAAAAAAAOA/AAAAAAAA4D8AAAAAAADgPwAAAAAAAOA/AAAAAAAA4D8AAAAAAADgPwAAAAAAAOA/AAAAAAAA4D8CAAAAjAAAAAAAAAAAAAAAu+DjDP///wgAAAAAAAAAAAAAAAAAAAAAAAAAAAAAAAAAAAAAZAAAAAEAAABAAAAAAAAAAAAAAAAAAAAAAAAAAAAAAAAAAAAAAAAAAAAAAAAAAAAAAAAAAAAAAAAAAAAAAAAAAAAAAAAAAAAAAAAAAAAAAAAAAAAAAAAAAAAAAAAAAAAAFAAAADwAAAAAAAAAAAAAAAAAAAkUAAAAAQAAABQAAAAUAAAAFAAAAAEAAAAAAAAAZAAAAGQAAAAAAAAAZAAAAGQAAAAVAAAAYAAAAAAAAAAAAAAADwAAACADAAAAAAAAAAAAAAEAAACgMgAAVgcAAKr4//8BAAAAf39/AAEAAABkAAAAAAAAABQAAABAHwAAAAAAACYAAAAAAAAAwOD//wAAAAAmAAAAZAAAABYAAABMAAAAAAAAAAAAAAAEAAAAAAAAAAEAAACAgIAKAAAAACgAAAAoAAAAZAAAAGQAAAAAAAAAzMzMAAAAAABQAAAAUAAAAGQAAABkAAAAAAAAABcAAAAUAAAAAAAAAAAAAAD/fwAA/38AAAAAAAAJAAAABAAAAAAAAAAeAAAAaAAAAAAAAAAAAAAAAAAAAAAAAAAAAAAAECcAABAnAAAAAAAAAAAAAAAAAAAAAAAAAAAAAAAAAAAAAAAAAAAAABQAAAAAAAAAwMD/AAAAAABkAAAAMgAAAAAAAABkAAAAAAAAAH9/fwAKAAAAIgAAABgAAAAAAAAAAAAAAAAAAAAAAAAAAAAAAAAAAAAkAAAAJAAAAAAAAAAHAAAAAAAAAAAAAAAAAAAAAAAAAAAAAAAAAAAAf39/ACUAAABYAAAAAAAAAAAAAAAAAAAAAAAAAAAAAAAAAAAAAAAAAAAAAAAAAAAAAAAAAAAAAAA/AAAAAAAAAKCGAQAAAAAAAAAAAAAAAAAMAAAAAQAAAAAAAAAAAAAAAAAAAB8AAABUAAAAAAAABQAAAAEAAAAAAAAAAAAAAAAAAAAAAAAAAAAAAAAAAAAAAAAAAAAAAAJ/f38AAAAAA8zMzADAwP8Af39/AAAAAAAAAAAAAAAAAAAAAAAAAAAAIQAAABgAAAAUAAAAwAMAAK4BAABtHAAA1AgAABAAAAAmAAAACAAAAIGAAAAAAAAAMAAAABQAAAAAAAAAAAD//wAAAQAAAP//AAABAA=="/>
               </a:ext>
             </a:extLst>
           </p:cNvSpPr>
@@ -2241,7 +2242,7 @@
             <a:spLocks noGrp="1" noChangeArrowheads="1"/>
             <a:extLst>
               <a:ext uri="smNativeData">
-                <pr:smNativeData xmlns:pr="smNativeData" xmlns="smNativeData" val="SMDATA_16_CqSDZxMAAAAlAAAAZAAAAA8BAAAAkAAAAEgAAACQAAAASAAAAAAAAAAAAAAAAAAAAAEAAABQAAAAAAAAAAAA4D8AAAAAAADgPwAAAAAAAOA/AAAAAAAA4D8AAAAAAADgPwAAAAAAAOA/AAAAAAAA4D8AAAAAAADgPwAAAAAAAOA/AAAAAAAA4D8CAAAAjAAAAAAAAAAAAAAAu+DjDP///wgAAAAAAAAAAAAAAAAAAAAAAAAAAAAAAAAAAAAAZAAAAAEAAABAAAAAAAAAAAAAAAAAAAAAAAAAAAAAAAAAAAAAAAAAAAAAAAAAAAAAAAAAAAAAAAAAAAAAAAAAAAAAAAAAAAAAAAAAAAAAAAAAAAAAAAAAAAAAAAAAAAAAFAAAADwAAAAAAAAAAAAAAAAAAAkUAAAAAQAAABQAAAAUAAAAFAAAAAEAAAAAAAAAZAAAAGQAAAAAAAAAZAAAAGQAAAAVAAAAYAAAAAAAAAAAAAAADwAAACADAAAAAAAAAAAAAAEAAACgMgAAVgcAAKr4//8BAAAAf39/AAEAAABkAAAAAAAAABQAAABAHwAAAAAAACYAAAAAAAAAwOD//wAAAAAmAAAAZAAAABYAAABMAAAAAAAAAAAAAAAEAAAAAAAAAAEAAACAgIAKAAAAACgAAAAoAAAAZAAAAGQAAAAAAAAAzMzMAAAAAABQAAAAUAAAAGQAAABkAAAAAAAAABcAAAAUAAAAAAAAAAAAAAD/fwAA/38AAAAAAAAJAAAABAAAAAAAAAAeAAAAaAAAAAAAAAAAAAAAAAAAAAAAAAAAAAAAECcAABAnAAAAAAAAAAAAAAAAAAAAAAAAAAAAAAAAAAAAAAAAAAAAABQAAAAAAAAAwMD/AAAAAABkAAAAMgAAAAAAAABkAAAAAAAAAH9/fwAKAAAAIgAAABgAAAAAAAAAAAAAAAAAAAAAAAAAAAAAAAAAAAAkAAAAJAAAAAAAAAAHAAAAAAAAAAAAAAAAAAAAAAAAAAAAAAAAAAAAf39/ACUAAABYAAAAAAAAAAAAAAAAAAAAAAAAAAAAAAAAAAAAAAAAAAAAAAAAAAAAAAAAAAAAAAA/AAAAAAAAAKCGAQAAAAAAAAAAAAAAAAAMAAAAAQAAAAAAAAAAAAAAAAAAAB8AAABUAAAAAAAABQAAAAEAAAAAAAAAAAAAAAAAAAAAAAAAAAAAAAAAAAAAAAAAAAAAAAJ/f38AAAAAA8zMzADAwP8Af39/AAAAAAAAAAAAAAAAAAAAAAAAAAAAIQAAABgAAAAUAAAAUx0AAK4BAABARwAAsCUAABAAAAAmAAAACAAAAAGAAAAAAAAAMAAAABQAAAAAAAAAAAD//wAAAQAAAP//AAABAA=="/>
+                <pr:smNativeData xmlns:pr="smNativeData" xmlns="smNativeData" val="SMDATA_16_ZvmgZxMAAAAlAAAAZAAAAA8BAAAAkAAAAEgAAACQAAAASAAAAAAAAAAAAAAAAAAAAAEAAABQAAAAAAAAAAAA4D8AAAAAAADgPwAAAAAAAOA/AAAAAAAA4D8AAAAAAADgPwAAAAAAAOA/AAAAAAAA4D8AAAAAAADgPwAAAAAAAOA/AAAAAAAA4D8CAAAAjAAAAAAAAAAAAAAAu+DjDP///wgAAAAAAAAAAAAAAAAAAAAAAAAAAAAAAAAAAAAAZAAAAAEAAABAAAAAAAAAAAAAAAAAAAAAAAAAAAAAAAAAAAAAAAAAAAAAAAAAAAAAAAAAAAAAAAAAAAAAAAAAAAAAAAAAAAAAAAAAAAAAAAAAAAAAAAAAAAAAAAAAAAAAFAAAADwAAAAAAAAAAAAAAAAAAAkUAAAAAQAAABQAAAAUAAAAFAAAAAEAAAAAAAAAZAAAAGQAAAAAAAAAZAAAAGQAAAAVAAAAYAAAAAAAAAAAAAAADwAAACADAAAAAAAAAAAAAAEAAACgMgAAVgcAAKr4//8BAAAAf39/AAEAAABkAAAAAAAAABQAAABAHwAAAAAAACYAAAAAAAAAwOD//wAAAAAmAAAAZAAAABYAAABMAAAAAAAAAAAAAAAEAAAAAAAAAAEAAACAgIAKAAAAACgAAAAoAAAAZAAAAGQAAAAAAAAAzMzMAAAAAABQAAAAUAAAAGQAAABkAAAAAAAAABcAAAAUAAAAAAAAAAAAAAD/fwAA/38AAAAAAAAJAAAABAAAAAAAAAAeAAAAaAAAAAAAAAAAAAAAAAAAAAAAAAAAAAAAECcAABAnAAAAAAAAAAAAAAAAAAAAAAAAAAAAAAAAAAAAAAAAAAAAABQAAAAAAAAAwMD/AAAAAABkAAAAMgAAAAAAAABkAAAAAAAAAH9/fwAKAAAAIgAAABgAAAAAAAAAAAAAAAAAAAAAAAAAAAAAAAAAAAAkAAAAJAAAAAAAAAAHAAAAAAAAAAAAAAAAAAAAAAAAAAAAAAAAAAAAf39/ACUAAABYAAAAAAAAAAAAAAAAAAAAAAAAAAAAAAAAAAAAAAAAAAAAAAAAAAAAAAAAAAAAAAA/AAAAAAAAAKCGAQAAAAAAAAAAAAAAAAAMAAAAAQAAAAAAAAAAAAAAAAAAAB8AAABUAAAAAAAABQAAAAEAAAAAAAAAAAAAAAAAAAAAAAAAAAAAAAAAAAAAAAAAAAAAAAJ/f38AAAAAA8zMzADAwP8Af39/AAAAAAAAAAAAAAAAAAAAAAAAAAAAIQAAABgAAAAUAAAAUx0AAK4BAABARwAAsCUAABAAAAAmAAAACAAAAAGAAAAAAAAAMAAAABQAAAAAAAAAAAD//wAAAQAAAP//AAABAA=="/>
               </a:ext>
             </a:extLst>
           </p:cNvSpPr>
@@ -2325,7 +2326,7 @@
             <a:spLocks noGrp="1" noChangeArrowheads="1"/>
             <a:extLst>
               <a:ext uri="smNativeData">
-                <pr:smNativeData xmlns:pr="smNativeData" xmlns="smNativeData" val="SMDATA_16_CqSDZxMAAAAlAAAAZAAAAA8BAAAAkAAAAEgAAACQAAAASAAAAAAAAAAAAAAAAAAAAAEAAABQAAAAAAAAAAAA4D8AAAAAAADgPwAAAAAAAOA/AAAAAAAA4D8AAAAAAADgPwAAAAAAAOA/AAAAAAAA4D8AAAAAAADgPwAAAAAAAOA/AAAAAAAA4D8CAAAAjAAAAAAAAAAAAAAAu+DjDP///wgAAAAAAAAAAAAAAAAAAAAAAAAAAAAAAAAAAAAAZAAAAAEAAABAAAAAAAAAAAAAAAAAAAAAAAAAAAAAAAAAAAAAAAAAAAAAAAAAAAAAAAAAAAAAAAAAAAAAAAAAAAAAAAAAAAAAAAAAAAAAAAAAAAAAAAAAAAAAAAAAAAAAFAAAADwAAAAAAAAAAAAAAAAAAAkUAAAAAQAAABQAAAAUAAAAFAAAAAEAAAAAAAAAZAAAAGQAAAAAAAAAZAAAAGQAAAAVAAAAYAAAAAAAAAAAAAAADwAAACADAAAAAAAAAAAAAAEAAACgMgAAVgcAAKr4//8BAAAAf39/AAEAAABkAAAAAAAAABQAAABAHwAAAAAAACYAAAAAAAAAwOD//wAAAAAmAAAAZAAAABYAAABMAAAAAAAAAAAAAAAEAAAAAAAAAAEAAACAgIAKAAAAACgAAAAoAAAAZAAAAGQAAAAAAAAAzMzMAAAAAABQAAAAUAAAAGQAAABkAAAAAAAAABcAAAAUAAAAAAAAAAAAAAD/fwAA/38AAAAAAAAJAAAABAAAAAAAAAAeAAAAaAAAAAAAAAAAAAAAAAAAAAAAAAAAAAAAECcAABAnAAAAAAAAAAAAAAAAAAAAAAAAAAAAAAAAAAAAAAAAAAAAABQAAAAAAAAAwMD/AAAAAABkAAAAMgAAAAAAAABkAAAAAAAAAH9/fwAKAAAAIgAAABgAAAAAAAAAAAAAAAAAAAAAAAAAAAAAAAAAAAAkAAAAJAAAAAAAAAAHAAAAAAAAAAAAAAAAAAAAAAAAAAAAAAAAAAAAf39/ACUAAABYAAAAAAAAAAAAAAAAAAAAAAAAAAAAAAAAAAAAAAAAAAAAAAAAAAAAAAAAAAAAAAA/AAAAAAAAAKCGAQAAAAAAAAAAAAAAAAAMAAAAAQAAAAAAAAAAAAAAAAAAAB8AAABUAAAAAAAABQAAAAEAAAAAAAAAAAAAAAAAAAAAAAAAAAAAAAAAAAAAAAAAAAAAAAJ/f38AAAAAA8zMzADAwP8Af39/AAAAAAAAAAAAAAAAAAAAAAAAAAAAIQAAABgAAAAUAAAAwAMAANQIAABtHAAAsCUAABAAAAAmAAAACAAAAAGAAAAAAAAAMAAAABQAAAAAAAAAAAD//wAAAQAAAP//AAABAA=="/>
+                <pr:smNativeData xmlns:pr="smNativeData" xmlns="smNativeData" val="SMDATA_16_ZvmgZxMAAAAlAAAAZAAAAA8BAAAAkAAAAEgAAACQAAAASAAAAAAAAAAAAAAAAAAAAAEAAABQAAAAAAAAAAAA4D8AAAAAAADgPwAAAAAAAOA/AAAAAAAA4D8AAAAAAADgPwAAAAAAAOA/AAAAAAAA4D8AAAAAAADgPwAAAAAAAOA/AAAAAAAA4D8CAAAAjAAAAAAAAAAAAAAAu+DjDP///wgAAAAAAAAAAAAAAAAAAAAAAAAAAAAAAAAAAAAAZAAAAAEAAABAAAAAAAAAAAAAAAAAAAAAAAAAAAAAAAAAAAAAAAAAAAAAAAAAAAAAAAAAAAAAAAAAAAAAAAAAAAAAAAAAAAAAAAAAAAAAAAAAAAAAAAAAAAAAAAAAAAAAFAAAADwAAAAAAAAAAAAAAAAAAAkUAAAAAQAAABQAAAAUAAAAFAAAAAEAAAAAAAAAZAAAAGQAAAAAAAAAZAAAAGQAAAAVAAAAYAAAAAAAAAAAAAAADwAAACADAAAAAAAAAAAAAAEAAACgMgAAVgcAAKr4//8BAAAAf39/AAEAAABkAAAAAAAAABQAAABAHwAAAAAAACYAAAAAAAAAwOD//wAAAAAmAAAAZAAAABYAAABMAAAAAAAAAAAAAAAEAAAAAAAAAAEAAACAgIAKAAAAACgAAAAoAAAAZAAAAGQAAAAAAAAAzMzMAAAAAABQAAAAUAAAAGQAAABkAAAAAAAAABcAAAAUAAAAAAAAAAAAAAD/fwAA/38AAAAAAAAJAAAABAAAAAAAAAAeAAAAaAAAAAAAAAAAAAAAAAAAAAAAAAAAAAAAECcAABAnAAAAAAAAAAAAAAAAAAAAAAAAAAAAAAAAAAAAAAAAAAAAABQAAAAAAAAAwMD/AAAAAABkAAAAMgAAAAAAAABkAAAAAAAAAH9/fwAKAAAAIgAAABgAAAAAAAAAAAAAAAAAAAAAAAAAAAAAAAAAAAAkAAAAJAAAAAAAAAAHAAAAAAAAAAAAAAAAAAAAAAAAAAAAAAAAAAAAf39/ACUAAABYAAAAAAAAAAAAAAAAAAAAAAAAAAAAAAAAAAAAAAAAAAAAAAAAAAAAAAAAAAAAAAA/AAAAAAAAAKCGAQAAAAAAAAAAAAAAAAAMAAAAAQAAAAAAAAAAAAAAAAAAAB8AAABUAAAAAAAABQAAAAEAAAAAAAAAAAAAAAAAAAAAAAAAAAAAAAAAAAAAAAAAAAAAAAJ/f38AAAAAA8zMzADAwP8Af39/AAAAAAAAAAAAAAAAAAAAAAAAAAAAIQAAABgAAAAUAAAAwAMAANQIAABtHAAAsCUAABAAAAAmAAAACAAAAAGAAAAAAAAAMAAAABQAAAAAAAAAAAD//wAAAQAAAP//AAABAA=="/>
               </a:ext>
             </a:extLst>
           </p:cNvSpPr>
@@ -2394,7 +2395,7 @@
             <a:spLocks noGrp="1" noChangeArrowheads="1"/>
             <a:extLst>
               <a:ext uri="smNativeData">
-                <pr:smNativeData xmlns:pr="smNativeData" xmlns="smNativeData" val="SMDATA_16_CqSDZxMAAAAlAAAAZAAAAA8BAAAAkAAAAEgAAACQAAAASAAAAAAAAAABAAAAAAAAAAEAAABQAAAAAAAAAAAA4D8AAAAAAADgPwAAAAAAAOA/AAAAAAAA4D8AAAAAAADgPwAAAAAAAOA/AAAAAAAA4D8AAAAAAADgPwAAAAAAAOA/AAAAAAAA4D8CAAAAjAAAAAAAAAAAAAAAu+DjDP///wgAAAAAAAAAAAAAAAAAAAAAAAAAAAAAAAAAAAAAZAAAAAEAAABAAAAAAAAAAAAAAAAAAAAAAAAAAAAAAAAAAAAAAAAAAAAAAAAAAAAAAAAAAAAAAAAAAAAAAAAAAAAAAAAAAAAAAAAAAAAAAAAAAAAAAAAAAAAAAAAAAAAAFAAAADwAAAAAAAAAAAAAAAAAAAkUAAAAAQAAABQAAAAUAAAAFAAAAAEAAAAAAAAAZAAAAGQAAAAAAAAAZAAAAGQAAAAVAAAAYAAAAAAAAAAAAAAADwAAACADAAAAAAAAAAAAAAEAAACgMgAAVgcAAKr4//8BAAAAf39/AAEAAABkAAAAAAAAABQAAABAHwAAAAAAACYAAAAAAAAAwOD//wAAAAAmAAAAZAAAABYAAABMAAAAAAAAAAAAAAAEAAAAAAAAAAEAAACAgIAKAAAAACgAAAAoAAAAZAAAAGQAAAAAAAAAzMzMAAAAAABQAAAAUAAAAGQAAABkAAAAAAAAABcAAAAUAAAAAAAAAAAAAAD/fwAA/38AAAAAAAAJAAAABAAAAAAAAAAeAAAAaAAAAAAAAAAAAAAAAAAAAAAAAAAAAAAAECcAABAnAAAAAAAAAAAAAAAAAAAAAAAAAAAAAAAAAAAAAAAAAAAAABQAAAAAAAAAwMD/AAAAAABkAAAAMgAAAAAAAABkAAAAAAAAAH9/fwAKAAAAIgAAABgAAAAAAAAAAAAAAAAAAAAAAAAAAAAAAAAAAAAkAAAAJAAAAAAAAAAHAAAAAAAAAAAAAAAAAAAAAAAAAAAAAAAAAAAAf39/ACUAAABYAAAAAAAAAAAAAAAAAAAAAAAAAAAAAAAAAAAAAAAAAAAAAAAAAAAAAAAAAAAAAAA/AAAAAAAAAKCGAQAAAAAAAAAAAAAAAAAMAAAAAQAAAAAAAAAAAAAAAAAAAB8AAABUAAAAAAAABQAAAAEAAAAAAAAAAAAAAAAAAAAAAAAAAAAAAAAAAAAAAAAAAAAAAAJ/f38AAAAAA8zMzADAwP8Af39/AAAAAAAAAAAAAAAAAAAAAAAAAAAAIQAAABgAAAAUAAAAwAMAABsnAAA/FQAAWSkAABAAAAAmAAAACAAAAAAAAAAAAAAAMAAAABQAAAAAAAAAAAD//wAAAQAAAP//AAABAA=="/>
+                <pr:smNativeData xmlns:pr="smNativeData" xmlns="smNativeData" val="SMDATA_16_ZvmgZxMAAAAlAAAAZAAAAA8BAAAAkAAAAEgAAACQAAAASAAAAAAAAAABAAAAAAAAAAEAAABQAAAAAAAAAAAA4D8AAAAAAADgPwAAAAAAAOA/AAAAAAAA4D8AAAAAAADgPwAAAAAAAOA/AAAAAAAA4D8AAAAAAADgPwAAAAAAAOA/AAAAAAAA4D8CAAAAjAAAAAAAAAAAAAAAu+DjDP///wgAAAAAAAAAAAAAAAAAAAAAAAAAAAAAAAAAAAAAZAAAAAEAAABAAAAAAAAAAAAAAAAAAAAAAAAAAAAAAAAAAAAAAAAAAAAAAAAAAAAAAAAAAAAAAAAAAAAAAAAAAAAAAAAAAAAAAAAAAAAAAAAAAAAAAAAAAAAAAAAAAAAAFAAAADwAAAAAAAAAAAAAAAAAAAkUAAAAAQAAABQAAAAUAAAAFAAAAAEAAAAAAAAAZAAAAGQAAAAAAAAAZAAAAGQAAAAVAAAAYAAAAAAAAAAAAAAADwAAACADAAAAAAAAAAAAAAEAAACgMgAAVgcAAKr4//8BAAAAf39/AAEAAABkAAAAAAAAABQAAABAHwAAAAAAACYAAAAAAAAAwOD//wAAAAAmAAAAZAAAABYAAABMAAAAAAAAAAAAAAAEAAAAAAAAAAEAAACAgIAKAAAAACgAAAAoAAAAZAAAAGQAAAAAAAAAzMzMAAAAAABQAAAAUAAAAGQAAABkAAAAAAAAABcAAAAUAAAAAAAAAAAAAAD/fwAA/38AAAAAAAAJAAAABAAAAAAAAAAeAAAAaAAAAAAAAAAAAAAAAAAAAAAAAAAAAAAAECcAABAnAAAAAAAAAAAAAAAAAAAAAAAAAAAAAAAAAAAAAAAAAAAAABQAAAAAAAAAwMD/AAAAAABkAAAAMgAAAAAAAABkAAAAAAAAAH9/fwAKAAAAIgAAABgAAAAAAAAAAAAAAAAAAAAAAAAAAAAAAAAAAAAkAAAAJAAAAAAAAAAHAAAAAAAAAAAAAAAAAAAAAAAAAAAAAAAAAAAAf39/ACUAAABYAAAAAAAAAAAAAAAAAAAAAAAAAAAAAAAAAAAAAAAAAAAAAAAAAAAAAAAAAAAAAAA/AAAAAAAAAKCGAQAAAAAAAAAAAAAAAAAMAAAAAQAAAAAAAAAAAAAAAAAAAB8AAABUAAAAAAAABQAAAAEAAAAAAAAAAAAAAAAAAAAAAAAAAAAAAAAAAAAAAAAAAAAAAAJ/f38AAAAAA8zMzADAwP8Af39/AAAAAAAAAAAAAAAAAAAAAAAAAAAAIQAAABgAAAAUAAAAwAMAABsnAAA/FQAAWSkAABAAAAAmAAAACAAAAAAAAAAAAAAAMAAAABQAAAAAAAAAAAD//wAAAQAAAP//AAABAA=="/>
               </a:ext>
             </a:extLst>
           </p:cNvSpPr>
@@ -2408,7 +2409,7 @@
           <a:lstStyle/>
           <a:p>
             <a:pPr/>
-            <a:fld id="{3F53E085-CBD2-0616-9CEB-3D43AEA56A68}" type="datetime1">
+            <a:fld id="{3DEF7990-DED0-BA8F-9E57-28DA3719687D}" type="datetime1">
               <a:t/>
             </a:fld>
           </a:p>
@@ -2421,7 +2422,7 @@
             <a:spLocks noGrp="1" noChangeArrowheads="1"/>
             <a:extLst>
               <a:ext uri="smNativeData">
-                <pr:smNativeData xmlns:pr="smNativeData" xmlns="smNativeData" val="SMDATA_16_CqSDZxMAAAAlAAAAZAAAAA8BAAAAkAAAAEgAAACQAAAASAAAAAAAAAABAAAAAAAAAAEAAABQAAAAAAAAAAAA4D8AAAAAAADgPwAAAAAAAOA/AAAAAAAA4D8AAAAAAADgPwAAAAAAAOA/AAAAAAAA4D8AAAAAAADgPwAAAAAAAOA/AAAAAAAA4D8CAAAAjAAAAAAAAAAAAAAAu+DjDP///wgAAAAAAAAAAAAAAAAAAAAAAAAAAAAAAAAAAAAAZAAAAAEAAABAAAAAAAAAAAAAAAAAAAAAAAAAAAAAAAAAAAAAAAAAAAAAAAAAAAAAAAAAAAAAAAAAAAAAAAAAAAAAAAAAAAAAAAAAAAAAAAAAAAAAAAAAAAAAAAAAAAAAFAAAADwAAAAAAAAAAAAAAAAAAAkUAAAAAQAAABQAAAAUAAAAFAAAAAEAAAAAAAAAZAAAAGQAAAAAAAAAZAAAAGQAAAAVAAAAYAAAAAAAAAAAAAAADwAAACADAAAAAAAAAAAAAAEAAACgMgAAVgcAAKr4//8BAAAAf39/AAEAAABkAAAAAAAAABQAAABAHwAAAAAAACYAAAAAAAAAwOD//wAAAAAmAAAAZAAAABYAAABMAAAAAAAAAAAAAAAEAAAAAAAAAAEAAACAgIAKAAAAACgAAAAoAAAAZAAAAGQAAAAAAAAAzMzMAAAAAABQAAAAUAAAAGQAAABkAAAAAAAAABcAAAAUAAAAAAAAAAAAAAD/fwAA/38AAAAAAAAJAAAABAAAAHNwY0IeAAAAaAAAAAAAAAAAAAAAAAAAAAAAAAAAAAAAECcAABAnAAAAAAAAAAAAAAAAAAAAAAAAAAAAAAAAAAAAAAAAAAAAABQAAAAAAAAAwMD/AAAAAABkAAAAMgAAAAAAAABkAAAAAAAAAH9/fwAKAAAAIgAAABgAAAAAAAAAAAAAAAAAAAAAAAAAAAAAAAAAAAAkAAAAJAAAAAAAAAAHAAAAAAAAAAAAAAAAAAAAAAAAAAAAAAAAAAAAf39/ACUAAABYAAAAAAAAAAAAAAAAAAAAAAAAAAAAAAAAAAAAAAAAAAAAAAAAAAAAAAAAAAAAAAA/AAAAAAAAAKCGAQAAAAAAAAAAAAAAAAAMAAAAAQAAAAAAAAAAAAAAAAAAAB8AAABUAAAAAAAABQAAAAEAAAAAAAAAAAAAAAAAAAAAAAAAAAAAAAAAAAAAAAAAAAAAAAJ/f38AAAAAA8zMzADAwP8Af39/AAAAAAAAAAAAAAAAAAAAAAAAAAAAIQAAABgAAAAUAAAAoRkAABsnAABfMQAAWSkAABAAAAAmAAAACAAAAAAAAAAAAAAAMAAAABQAAAAAAAAAAAD//wAAAQAAAP//AAABAA=="/>
+                <pr:smNativeData xmlns:pr="smNativeData" xmlns="smNativeData" val="SMDATA_16_ZvmgZxMAAAAlAAAAZAAAAA8BAAAAkAAAAEgAAACQAAAASAAAAAAAAAABAAAAAAAAAAEAAABQAAAAAAAAAAAA4D8AAAAAAADgPwAAAAAAAOA/AAAAAAAA4D8AAAAAAADgPwAAAAAAAOA/AAAAAAAA4D8AAAAAAADgPwAAAAAAAOA/AAAAAAAA4D8CAAAAjAAAAAAAAAAAAAAAu+DjDP///wgAAAAAAAAAAAAAAAAAAAAAAAAAAAAAAAAAAAAAZAAAAAEAAABAAAAAAAAAAAAAAAAAAAAAAAAAAAAAAAAAAAAAAAAAAAAAAAAAAAAAAAAAAAAAAAAAAAAAAAAAAAAAAAAAAAAAAAAAAAAAAAAAAAAAAAAAAAAAAAAAAAAAFAAAADwAAAAAAAAAAAAAAAAAAAkUAAAAAQAAABQAAAAUAAAAFAAAAAEAAAAAAAAAZAAAAGQAAAAAAAAAZAAAAGQAAAAVAAAAYAAAAAAAAAAAAAAADwAAACADAAAAAAAAAAAAAAEAAACgMgAAVgcAAKr4//8BAAAAf39/AAEAAABkAAAAAAAAABQAAABAHwAAAAAAACYAAAAAAAAAwOD//wAAAAAmAAAAZAAAABYAAABMAAAAAAAAAAAAAAAEAAAAAAAAAAEAAACAgIAKAAAAACgAAAAoAAAAZAAAAGQAAAAAAAAAzMzMAAAAAABQAAAAUAAAAGQAAABkAAAAAAAAABcAAAAUAAAAAAAAAAAAAAD/fwAA/38AAAAAAAAJAAAABAAAAHNwY0IeAAAAaAAAAAAAAAAAAAAAAAAAAAAAAAAAAAAAECcAABAnAAAAAAAAAAAAAAAAAAAAAAAAAAAAAAAAAAAAAAAAAAAAABQAAAAAAAAAwMD/AAAAAABkAAAAMgAAAAAAAABkAAAAAAAAAH9/fwAKAAAAIgAAABgAAAAAAAAAAAAAAAAAAAAAAAAAAAAAAAAAAAAkAAAAJAAAAAAAAAAHAAAAAAAAAAAAAAAAAAAAAAAAAAAAAAAAAAAAf39/ACUAAABYAAAAAAAAAAAAAAAAAAAAAAAAAAAAAAAAAAAAAAAAAAAAAAAAAAAAAAAAAAAAAAA/AAAAAAAAAKCGAQAAAAAAAAAAAAAAAAAMAAAAAQAAAAAAAAAAAAAAAAAAAB8AAABUAAAAAAAABQAAAAEAAAAAAAAAAAAAAAAAAAAAAAAAAAAAAAAAAAAAAAAAAAAAAAJ/f38AAAAAA8zMzADAwP8Af39/AAAAAAAAAAAAAAAAAAAAAAAAAAAAIQAAABgAAAAUAAAAoRkAABsnAABfMQAAWSkAABAAAAAmAAAACAAAAAAAAAAAAAAAMAAAABQAAAAAAAAAAAD//wAAAQAAAP//AAABAA=="/>
               </a:ext>
             </a:extLst>
           </p:cNvSpPr>
@@ -2445,7 +2446,7 @@
             <a:spLocks noGrp="1" noChangeArrowheads="1"/>
             <a:extLst>
               <a:ext uri="smNativeData">
-                <pr:smNativeData xmlns:pr="smNativeData" xmlns="smNativeData" val="SMDATA_16_CqSDZxMAAAAlAAAAZAAAAA8BAAAAkAAAAEgAAACQAAAASAAAAAAAAAABAAAAAAAAAAEAAABQAAAAAAAAAAAA4D8AAAAAAADgPwAAAAAAAOA/AAAAAAAA4D8AAAAAAADgPwAAAAAAAOA/AAAAAAAA4D8AAAAAAADgPwAAAAAAAOA/AAAAAAAA4D8CAAAAjAAAAAAAAAAAAAAAu+DjDP///wgAAAAAAAAAAAAAAAAAAAAAAAAAAAAAAAAAAAAAZAAAAAEAAABAAAAAAAAAAAAAAAAAAAAAAAAAAAAAAAAAAAAAAAAAAAAAAAAAAAAAAAAAAAAAAAAAAAAAAAAAAAAAAAAAAAAAAAAAAAAAAAAAAAAAAAAAAAAAAAAAAAAAFAAAADwAAAAAAAAAAAAAAAAAAAkUAAAAAQAAABQAAAAUAAAAFAAAAAEAAAAAAAAAZAAAAGQAAAAAAAAAZAAAAGQAAAAVAAAAYAAAAAAAAAAAAAAADwAAACADAAAAAAAAAAAAAAEAAACgMgAAVgcAAKr4//8BAAAAf39/AAEAAABkAAAAAAAAABQAAABAHwAAAAAAACYAAAAAAAAAwOD//wAAAAAmAAAAZAAAABYAAABMAAAAAAAAAAAAAAAEAAAAAAAAAAEAAACAgIAKAAAAACgAAAAoAAAAZAAAAGQAAAAAAAAAzMzMAAAAAABQAAAAUAAAAGQAAABkAAAAAAAAABcAAAAUAAAAAAAAAAAAAAD/fwAA/38AAAAAAAAJAAAABAAAAAAAAAAeAAAAaAAAAAAAAAAAAAAAAAAAAAAAAAAAAAAAECcAABAnAAAAAAAAAAAAAAAAAAAAAAAAAAAAAAAAAAAAAAAAAAAAABQAAAAAAAAAwMD/AAAAAABkAAAAMgAAAAAAAABkAAAAAAAAAH9/fwAKAAAAIgAAABgAAAAAAAAAAAAAAAAAAAAAAAAAAAAAAAAAAAAkAAAAJAAAAAAAAAAHAAAAAAAAAAAAAAAAAAAAAAAAAAAAAAAAAAAAf39/ACUAAABYAAAAAAAAAAAAAAAAAAAAAAAAAAAAAAAAAAAAAAAAAAAAAAAAAAAAAAAAAAAAAAA/AAAAAAAAAKCGAQAAAAAAAAAAAAAAAAAMAAAAAQAAAAAAAAAAAAAAAAAAAB8AAABUAAAAAAAABQAAAAEAAAAAAAAAAAAAAAAAAAAAAAAAAAAAAAAAAAAAAAAAAAAAAAJ/f38AAAAAA8zMzADAwP8Af39/AAAAAAAAAAAAAAAAAAAAAAAAAAAAIQAAABgAAAAUAAAAwTUAABsnAABARwAAWSkAABAAAAAmAAAACAAAAAAAAAAAAAAAMAAAABQAAAAAAAAAAAD//wAAAQAAAP//AAABAA=="/>
+                <pr:smNativeData xmlns:pr="smNativeData" xmlns="smNativeData" val="SMDATA_16_ZvmgZxMAAAAlAAAAZAAAAA8BAAAAkAAAAEgAAACQAAAASAAAAAAAAAABAAAAAAAAAAEAAABQAAAAAAAAAAAA4D8AAAAAAADgPwAAAAAAAOA/AAAAAAAA4D8AAAAAAADgPwAAAAAAAOA/AAAAAAAA4D8AAAAAAADgPwAAAAAAAOA/AAAAAAAA4D8CAAAAjAAAAAAAAAAAAAAAu+DjDP///wgAAAAAAAAAAAAAAAAAAAAAAAAAAAAAAAAAAAAAZAAAAAEAAABAAAAAAAAAAAAAAAAAAAAAAAAAAAAAAAAAAAAAAAAAAAAAAAAAAAAAAAAAAAAAAAAAAAAAAAAAAAAAAAAAAAAAAAAAAAAAAAAAAAAAAAAAAAAAAAAAAAAAFAAAADwAAAAAAAAAAAAAAAAAAAkUAAAAAQAAABQAAAAUAAAAFAAAAAEAAAAAAAAAZAAAAGQAAAAAAAAAZAAAAGQAAAAVAAAAYAAAAAAAAAAAAAAADwAAACADAAAAAAAAAAAAAAEAAACgMgAAVgcAAKr4//8BAAAAf39/AAEAAABkAAAAAAAAABQAAABAHwAAAAAAACYAAAAAAAAAwOD//wAAAAAmAAAAZAAAABYAAABMAAAAAAAAAAAAAAAEAAAAAAAAAAEAAACAgIAKAAAAACgAAAAoAAAAZAAAAGQAAAAAAAAAzMzMAAAAAABQAAAAUAAAAGQAAABkAAAAAAAAABcAAAAUAAAAAAAAAAAAAAD/fwAA/38AAAAAAAAJAAAABAAAAAAAAAAeAAAAaAAAAAAAAAAAAAAAAAAAAAAAAAAAAAAAECcAABAnAAAAAAAAAAAAAAAAAAAAAAAAAAAAAAAAAAAAAAAAAAAAABQAAAAAAAAAwMD/AAAAAABkAAAAMgAAAAAAAABkAAAAAAAAAH9/fwAKAAAAIgAAABgAAAAAAAAAAAAAAAAAAAAAAAAAAAAAAAAAAAAkAAAAJAAAAAAAAAAHAAAAAAAAAAAAAAAAAAAAAAAAAAAAAAAAAAAAf39/ACUAAABYAAAAAAAAAAAAAAAAAAAAAAAAAAAAAAAAAAAAAAAAAAAAAAAAAAAAAAAAAAAAAAA/AAAAAAAAAKCGAQAAAAAAAAAAAAAAAAAMAAAAAQAAAAAAAAAAAAAAAAAAAB8AAABUAAAAAAAABQAAAAEAAAAAAAAAAAAAAAAAAAAAAAAAAAAAAAAAAAAAAAAAAAAAAAJ/f38AAAAAA8zMzADAwP8Af39/AAAAAAAAAAAAAAAAAAAAAAAAAAAAIQAAABgAAAAUAAAAwTUAABsnAABARwAAWSkAABAAAAAmAAAACAAAAAAAAAAAAAAAMAAAABQAAAAAAAAAAAD//wAAAQAAAP//AAABAA=="/>
               </a:ext>
             </a:extLst>
           </p:cNvSpPr>
@@ -2459,7 +2460,7 @@
           <a:lstStyle/>
           <a:p>
             <a:pPr/>
-            <a:fld id="{3F53C020-6ED2-0636-9CEB-98638EA56ACD}" type="slidenum">
+            <a:fld id="{3DEF6818-56D0-BA9E-9E57-A0CB261968F5}" type="slidenum">
               <a:t/>
             </a:fld>
           </a:p>
@@ -2498,7 +2499,7 @@
             <a:spLocks noGrp="1" noChangeArrowheads="1"/>
             <a:extLst>
               <a:ext uri="smNativeData">
-                <pr:smNativeData xmlns:pr="smNativeData" xmlns="smNativeData" val="SMDATA_16_CqSDZxMAAAAlAAAAZAAAAA8BAAAAkAAAAEgAAACQAAAASAAAAAAAAAACAAAAAAAAAAEAAABQAAAAAAAAAAAA4D8AAAAAAADgPwAAAAAAAOA/AAAAAAAA4D8AAAAAAADgPwAAAAAAAOA/AAAAAAAA4D8AAAAAAADgPwAAAAAAAOA/AAAAAAAA4D8CAAAAjAAAAAAAAAAAAAAAu+DjDP///wgAAAAAAAAAAAAAAAAAAAAAAAAAAAAAAAAAAAAAZAAAAAEAAABAAAAAAAAAAAAAAAAAAAAAAAAAAAAAAAAAAAAAAAAAAAAAAAAAAAAAAAAAAAAAAAAAAAAAAAAAAAAAAAAAAAAAAAAAAAAAAAAAAAAAAAAAAAAAAAAAAAAAFAAAADwAAAAAAAAAAAAAAAAAAAkUAAAAAQAAABQAAAAUAAAAFAAAAAEAAAAAAAAAZAAAAGQAAAAAAAAAZAAAAGQAAAAVAAAAYAAAAAAAAAAAAAAADwAAACADAAAAAAAAAAAAAAEAAACgMgAAVgcAAKr4//8BAAAAf39/AAEAAABkAAAAAAAAABQAAABAHwAAAAAAACYAAAAAAAAAwOD//wAAAAAmAAAAZAAAABYAAABMAAAAAAAAAAAAAAAEAAAAAAAAAAEAAACAgIAKAAAAACgAAAAoAAAAZAAAAGQAAAAAAAAAzMzMAAAAAABQAAAAUAAAAGQAAABkAAAAAAAAABcAAAAUAAAAAAAAAAAAAAD/fwAA/38AAAAAAAAJAAAABAAAAAAAAAAeAAAAaAAAAAAAAAAAAAAAAAAAAAAAAAAAAAAAECcAABAnAAAAAAAAAAAAAAAAAAAAAAAAAAAAAAAAAAAAAAAAAAAAABQAAAAAAAAAwMD/AAAAAABkAAAAMgAAAAAAAABkAAAAAAAAAH9/fwAKAAAAIgAAABgAAAAAAAAAAAAAAAAAAAAAAAAAAAAAAAAAAAAkAAAAJAAAAAAAAAAHAAAAAAAAAAAAAAAAAAAAAAAAAAAAAAAAAAAAf39/ACUAAABYAAAAAAAAAAAAAAAAAAAAAAAAAAAAAAAAAAAAAAAAAAAAAAAAAAAAAAAAAAAAAAA/AAAAAAAAAKCGAQAAAAAAAAAAAAAAAAAMAAAAAQAAAAAAAAAAAAAAAAAAAB8AAABUAAAAAAAABQAAAAEAAAAAAAAAAAAAAAAAAAAAAAAAAAAAAAAAAAAAAAAAAAAAAAJ/f38AAAAAA8zMzADAwP8Af39/AAAAAAAAAAAAAAAAAAAAAAAAAAAAIQAAABgAAAAUAAAAsw4AAIgdAACzOwAABCEAABAAAAAmAAAACAAAAIGAAAAAAAAAMAAAABQAAAAAAAAAAAD//wAAAQAAAP//AAABAA=="/>
+                <pr:smNativeData xmlns:pr="smNativeData" xmlns="smNativeData" val="SMDATA_16_ZvmgZxMAAAAlAAAAZAAAAA8BAAAAkAAAAEgAAACQAAAASAAAAAAAAAACAAAAAAAAAAEAAABQAAAAAAAAAAAA4D8AAAAAAADgPwAAAAAAAOA/AAAAAAAA4D8AAAAAAADgPwAAAAAAAOA/AAAAAAAA4D8AAAAAAADgPwAAAAAAAOA/AAAAAAAA4D8CAAAAjAAAAAAAAAAAAAAAu+DjDP///wgAAAAAAAAAAAAAAAAAAAAAAAAAAAAAAAAAAAAAZAAAAAEAAABAAAAAAAAAAAAAAAAAAAAAAAAAAAAAAAAAAAAAAAAAAAAAAAAAAAAAAAAAAAAAAAAAAAAAAAAAAAAAAAAAAAAAAAAAAAAAAAAAAAAAAAAAAAAAAAAAAAAAFAAAADwAAAAAAAAAAAAAAAAAAAkUAAAAAQAAABQAAAAUAAAAFAAAAAEAAAAAAAAAZAAAAGQAAAAAAAAAZAAAAGQAAAAVAAAAYAAAAAAAAAAAAAAADwAAACADAAAAAAAAAAAAAAEAAACgMgAAVgcAAKr4//8BAAAAf39/AAEAAABkAAAAAAAAABQAAABAHwAAAAAAACYAAAAAAAAAwOD//wAAAAAmAAAAZAAAABYAAABMAAAAAAAAAAAAAAAEAAAAAAAAAAEAAACAgIAKAAAAACgAAAAoAAAAZAAAAGQAAAAAAAAAzMzMAAAAAABQAAAAUAAAAGQAAABkAAAAAAAAABcAAAAUAAAAAAAAAAAAAAD/fwAA/38AAAAAAAAJAAAABAAAAAAAAAAeAAAAaAAAAAAAAAAAAAAAAAAAAAAAAAAAAAAAECcAABAnAAAAAAAAAAAAAAAAAAAAAAAAAAAAAAAAAAAAAAAAAAAAABQAAAAAAAAAwMD/AAAAAABkAAAAMgAAAAAAAABkAAAAAAAAAH9/fwAKAAAAIgAAABgAAAAAAAAAAAAAAAAAAAAAAAAAAAAAAAAAAAAkAAAAJAAAAAAAAAAHAAAAAAAAAAAAAAAAAAAAAAAAAAAAAAAAAAAAf39/ACUAAABYAAAAAAAAAAAAAAAAAAAAAAAAAAAAAAAAAAAAAAAAAAAAAAAAAAAAAAAAAAAAAAA/AAAAAAAAAKCGAQAAAAAAAAAAAAAAAAAMAAAAAQAAAAAAAAAAAAAAAAAAAB8AAABUAAAAAAAABQAAAAEAAAAAAAAAAAAAAAAAAAAAAAAAAAAAAAAAAAAAAAAAAAAAAAJ/f38AAAAAA8zMzADAwP8Af39/AAAAAAAAAAAAAAAAAAAAAAAAAAAAIQAAABgAAAAUAAAAsw4AAIgdAACzOwAABCEAABAAAAAmAAAACAAAAIGAAAAAAAAAMAAAABQAAAAAAAAAAAD//wAAAQAAAP//AAABAA=="/>
               </a:ext>
             </a:extLst>
           </p:cNvSpPr>
@@ -2538,7 +2539,7 @@
             <a:spLocks noGrp="1" noChangeArrowheads="1"/>
             <a:extLst>
               <a:ext uri="smNativeData">
-                <pr:smNativeData xmlns:pr="smNativeData" xmlns="smNativeData" val="SMDATA_16_CqSDZxMAAAAlAAAAZAAAAA8BAAAAkAAAAEgAAACQAAAASAAAAAAAAAAAAAAAAAAAAAEAAABQAAAAAAAAAAAA4D8AAAAAAADgPwAAAAAAAOA/AAAAAAAA4D8AAAAAAADgPwAAAAAAAOA/AAAAAAAA4D8AAAAAAADgPwAAAAAAAOA/AAAAAAAA4D8CAAAAjAAAAAAAAAAAAAAAu+DjDP///wgAAAAAAAAAAAAAAAAAAAAAAAAAAAAAAAAAAAAAZAAAAAEAAABAAAAAAAAAAAAAAAAAAAAAAAAAAAAAAAAAAAAAAAAAAAAAAAAAAAAAAAAAAAAAAAAAAAAAAAAAAAAAAAAAAAAAAAAAAAAAAAAAAAAAAAAAAAAAAAAAAAAAFAAAADwAAAAAAAAAAAAAAAAAAAkUAAAAAQAAABQAAAAUAAAAFAAAAAEAAAAAAAAAZAAAAGQAAAAAAAAAZAAAAGQAAAAVAAAAYAAAAAAAAAAAAAAADwAAACADAAAAAAAAAAAAAAEAAACgMgAAVgcAAKr4//8BAAAAf39/AAEAAABkAAAAAAAAABQAAABAHwAAAAAAACYAAAAAAAAAwOD//wAAAAAmAAAAZAAAABYAAABMAAAAAAAAAAAAAAAEAAAAAAAAAAEAAACAgIAKAAAAACgAAAAoAAAAZAAAAGQAAAAAAAAAzMzMAAAAAABQAAAAUAAAAGQAAABkAAAAAAAAABcAAAAUAAAAAAAAAAAAAAD/fwAA/38AAAAAAAAJAAAABAAAAAAAAAAeAAAAaAAAAAAAAAAAAAAAAAAAAAAAAAAAAAAAECcAABAnAAAAAAAAAAAAAAAAAAAAAAAAAAAAAAAAAAAAAAAAAAAAABQAAAAAAAAAwMD/AAAAAABkAAAAMgAAAAAAAABkAAAAAAAAAH9/fwAKAAAAIgAAABgAAAAAAAAAAAAAAAAAAAAAAAAAAAAAAAAAAAAkAAAAJAAAAAAAAAAHAAAAAAAAAAAAAAAAAAAAAAAAAAAAAAAAAAAAf39/ACUAAABYAAAAAAAAAAAAAAAAAAAAAAAAAAAAAAAAAAAAAAAAAAAAAAAAAAAAAAAAAAAAAAA/AAAAAAAAAKCGAQAAAAAAAAAAAAAAAAAMAAAAAQAAAAAAAAAAAAAAAAAAAB8AAABUAAAAAAAABQAAAAEAAAAAAAAAAAAAAAAAAAAAAAAAAAAAAAAAAAAAAAAAAAAAAAJ/f38AAAAAA8zMzADAwP8Af39/AAAAAAAAAAAAAAAAAAAAAAAAAAAAIQAAABgAAAAUAAAAsw4AAMYDAACzOwAAFh0AABAAAAAmAAAACAAAAAGAAAAAAAAAMAAAABQAAAAAAAAAAAD//wAAAQAAAP//AAABAA=="/>
+                <pr:smNativeData xmlns:pr="smNativeData" xmlns="smNativeData" val="SMDATA_16_ZvmgZxMAAAAlAAAAZAAAAA8BAAAAkAAAAEgAAACQAAAASAAAAAAAAAAAAAAAAAAAAAEAAABQAAAAAAAAAAAA4D8AAAAAAADgPwAAAAAAAOA/AAAAAAAA4D8AAAAAAADgPwAAAAAAAOA/AAAAAAAA4D8AAAAAAADgPwAAAAAAAOA/AAAAAAAA4D8CAAAAjAAAAAAAAAAAAAAAu+DjDP///wgAAAAAAAAAAAAAAAAAAAAAAAAAAAAAAAAAAAAAZAAAAAEAAABAAAAAAAAAAAAAAAAAAAAAAAAAAAAAAAAAAAAAAAAAAAAAAAAAAAAAAAAAAAAAAAAAAAAAAAAAAAAAAAAAAAAAAAAAAAAAAAAAAAAAAAAAAAAAAAAAAAAAFAAAADwAAAAAAAAAAAAAAAAAAAkUAAAAAQAAABQAAAAUAAAAFAAAAAEAAAAAAAAAZAAAAGQAAAAAAAAAZAAAAGQAAAAVAAAAYAAAAAAAAAAAAAAADwAAACADAAAAAAAAAAAAAAEAAACgMgAAVgcAAKr4//8BAAAAf39/AAEAAABkAAAAAAAAABQAAABAHwAAAAAAACYAAAAAAAAAwOD//wAAAAAmAAAAZAAAABYAAABMAAAAAAAAAAAAAAAEAAAAAAAAAAEAAACAgIAKAAAAACgAAAAoAAAAZAAAAGQAAAAAAAAAzMzMAAAAAABQAAAAUAAAAGQAAABkAAAAAAAAABcAAAAUAAAAAAAAAAAAAAD/fwAA/38AAAAAAAAJAAAABAAAAAAAAAAeAAAAaAAAAAAAAAAAAAAAAAAAAAAAAAAAAAAAECcAABAnAAAAAAAAAAAAAAAAAAAAAAAAAAAAAAAAAAAAAAAAAAAAABQAAAAAAAAAwMD/AAAAAABkAAAAMgAAAAAAAABkAAAAAAAAAH9/fwAKAAAAIgAAABgAAAAAAAAAAAAAAAAAAAAAAAAAAAAAAAAAAAAkAAAAJAAAAAAAAAAHAAAAAAAAAAAAAAAAAAAAAAAAAAAAAAAAAAAAf39/ACUAAABYAAAAAAAAAAAAAAAAAAAAAAAAAAAAAAAAAAAAAAAAAAAAAAAAAAAAAAAAAAAAAAA/AAAAAAAAAKCGAQAAAAAAAAAAAAAAAAAMAAAAAQAAAAAAAAAAAAAAAAAAAB8AAABUAAAAAAAABQAAAAEAAAAAAAAAAAAAAAAAAAAAAAAAAAAAAAAAAAAAAAAAAAAAAAJ/f38AAAAAA8zMzADAwP8Af39/AAAAAAAAAAAAAAAAAAAAAAAAAAAAIQAAABgAAAAUAAAAsw4AAMYDAACzOwAAFh0AABAAAAAmAAAACAAAAAGAAAAAAAAAMAAAABQAAAAAAAAAAAD//wAAAQAAAP//AAABAA=="/>
               </a:ext>
             </a:extLst>
           </p:cNvSpPr>
@@ -2607,7 +2608,7 @@
             <a:spLocks noGrp="1" noChangeArrowheads="1"/>
             <a:extLst>
               <a:ext uri="smNativeData">
-                <pr:smNativeData xmlns:pr="smNativeData" xmlns="smNativeData" val="SMDATA_16_CqSDZxMAAAAlAAAAZAAAAA8BAAAAkAAAAEgAAACQAAAASAAAAAAAAAAAAAAAAAAAAAEAAABQAAAAAAAAAAAA4D8AAAAAAADgPwAAAAAAAOA/AAAAAAAA4D8AAAAAAADgPwAAAAAAAOA/AAAAAAAA4D8AAAAAAADgPwAAAAAAAOA/AAAAAAAA4D8CAAAAjAAAAAAAAAAAAAAAu+DjDP///wgAAAAAAAAAAAAAAAAAAAAAAAAAAAAAAAAAAAAAZAAAAAEAAABAAAAAAAAAAAAAAAAAAAAAAAAAAAAAAAAAAAAAAAAAAAAAAAAAAAAAAAAAAAAAAAAAAAAAAAAAAAAAAAAAAAAAAAAAAAAAAAAAAAAAAAAAAAAAAAAAAAAAFAAAADwAAAAAAAAAAAAAAAAAAAkUAAAAAQAAABQAAAAUAAAAFAAAAAEAAAAAAAAAZAAAAGQAAAAAAAAAZAAAAGQAAAAVAAAAYAAAAAAAAAAAAAAADwAAACADAAAAAAAAAAAAAAEAAACgMgAAVgcAAKr4//8BAAAAf39/AAEAAABkAAAAAAAAABQAAABAHwAAAAAAACYAAAAAAAAAwOD//wAAAAAmAAAAZAAAABYAAABMAAAAAAAAAAAAAAAEAAAAAAAAAAEAAACAgIAKAAAAACgAAAAoAAAAZAAAAGQAAAAAAAAAzMzMAAAAAABQAAAAUAAAAGQAAABkAAAAAAAAABcAAAAUAAAAAAAAAAAAAAD/fwAA/38AAAAAAAAJAAAABAAAAAAAAAAeAAAAaAAAAAAAAAAAAAAAAAAAAAAAAAAAAAAAECcAABAnAAAAAAAAAAAAAAAAAAAAAAAAAAAAAAAAAAAAAAAAAAAAABQAAAAAAAAAwMD/AAAAAABkAAAAMgAAAAAAAABkAAAAAAAAAH9/fwAKAAAAIgAAABgAAAAAAAAAAAAAAAAAAAAAAAAAAAAAAAAAAAAkAAAAJAAAAAAAAAAHAAAAAAAAAAAAAAAAAAAAAAAAAAAAAAAAAAAAf39/ACUAAABYAAAAAAAAAAAAAAAAAAAAAAAAAAAAAAAAAAAAAAAAAAAAAAAAAAAAAAAAAAAAAAA/AAAAAAAAAKCGAQAAAAAAAAAAAAAAAAAMAAAAAQAAAAAAAAAAAAAAAAAAAB8AAABUAAAAAAAABQAAAAEAAAAAAAAAAAAAAAAAAAAAAAAAAAAAAAAAAAAAAAAAAAAAAAJ/f38AAAAAA8zMzADAwP8Af39/AAAAAAAAAAAAAAAAAAAAAAAAAAAAIQAAABgAAAAUAAAAsw4AAAQhAACzOwAA+CUAABAAAAAmAAAACAAAAAGAAAAAAAAAMAAAABQAAAAAAAAAAAD//wAAAQAAAP//AAABAA=="/>
+                <pr:smNativeData xmlns:pr="smNativeData" xmlns="smNativeData" val="SMDATA_16_ZvmgZxMAAAAlAAAAZAAAAA8BAAAAkAAAAEgAAACQAAAASAAAAAAAAAAAAAAAAAAAAAEAAABQAAAAAAAAAAAA4D8AAAAAAADgPwAAAAAAAOA/AAAAAAAA4D8AAAAAAADgPwAAAAAAAOA/AAAAAAAA4D8AAAAAAADgPwAAAAAAAOA/AAAAAAAA4D8CAAAAjAAAAAAAAAAAAAAAu+DjDP///wgAAAAAAAAAAAAAAAAAAAAAAAAAAAAAAAAAAAAAZAAAAAEAAABAAAAAAAAAAAAAAAAAAAAAAAAAAAAAAAAAAAAAAAAAAAAAAAAAAAAAAAAAAAAAAAAAAAAAAAAAAAAAAAAAAAAAAAAAAAAAAAAAAAAAAAAAAAAAAAAAAAAAFAAAADwAAAAAAAAAAAAAAAAAAAkUAAAAAQAAABQAAAAUAAAAFAAAAAEAAAAAAAAAZAAAAGQAAAAAAAAAZAAAAGQAAAAVAAAAYAAAAAAAAAAAAAAADwAAACADAAAAAAAAAAAAAAEAAACgMgAAVgcAAKr4//8BAAAAf39/AAEAAABkAAAAAAAAABQAAABAHwAAAAAAACYAAAAAAAAAwOD//wAAAAAmAAAAZAAAABYAAABMAAAAAAAAAAAAAAAEAAAAAAAAAAEAAACAgIAKAAAAACgAAAAoAAAAZAAAAGQAAAAAAAAAzMzMAAAAAABQAAAAUAAAAGQAAABkAAAAAAAAABcAAAAUAAAAAAAAAAAAAAD/fwAA/38AAAAAAAAJAAAABAAAAAAAAAAeAAAAaAAAAAAAAAAAAAAAAAAAAAAAAAAAAAAAECcAABAnAAAAAAAAAAAAAAAAAAAAAAAAAAAAAAAAAAAAAAAAAAAAABQAAAAAAAAAwMD/AAAAAABkAAAAMgAAAAAAAABkAAAAAAAAAH9/fwAKAAAAIgAAABgAAAAAAAAAAAAAAAAAAAAAAAAAAAAAAAAAAAAkAAAAJAAAAAAAAAAHAAAAAAAAAAAAAAAAAAAAAAAAAAAAAAAAAAAAf39/ACUAAABYAAAAAAAAAAAAAAAAAAAAAAAAAAAAAAAAAAAAAAAAAAAAAAAAAAAAAAAAAAAAAAA/AAAAAAAAAKCGAQAAAAAAAAAAAAAAAAAMAAAAAQAAAAAAAAAAAAAAAAAAAB8AAABUAAAAAAAABQAAAAEAAAAAAAAAAAAAAAAAAAAAAAAAAAAAAAAAAAAAAAAAAAAAAAJ/f38AAAAAA8zMzADAwP8Af39/AAAAAAAAAAAAAAAAAAAAAAAAAAAAIQAAABgAAAAUAAAAsw4AAAQhAACzOwAA+CUAABAAAAAmAAAACAAAAAGAAAAAAAAAMAAAABQAAAAAAAAAAAD//wAAAQAAAP//AAABAA=="/>
               </a:ext>
             </a:extLst>
           </p:cNvSpPr>
@@ -2676,7 +2677,7 @@
             <a:spLocks noGrp="1" noChangeArrowheads="1"/>
             <a:extLst>
               <a:ext uri="smNativeData">
-                <pr:smNativeData xmlns:pr="smNativeData" xmlns="smNativeData" val="SMDATA_16_CqSDZxMAAAAlAAAAZAAAAA8BAAAAkAAAAEgAAACQAAAASAAAAAAAAAABAAAAAAAAAAEAAABQAAAAAAAAAAAA4D8AAAAAAADgPwAAAAAAAOA/AAAAAAAA4D8AAAAAAADgPwAAAAAAAOA/AAAAAAAA4D8AAAAAAADgPwAAAAAAAOA/AAAAAAAA4D8CAAAAjAAAAAAAAAAAAAAAu+DjDP///wgAAAAAAAAAAAAAAAAAAAAAAAAAAAAAAAAAAAAAZAAAAAEAAABAAAAAAAAAAAAAAAAAAAAAAAAAAAAAAAAAAAAAAAAAAAAAAAAAAAAAAAAAAAAAAAAAAAAAAAAAAAAAAAAAAAAAAAAAAAAAAAAAAAAAAAAAAAAAAAAAAAAAFAAAADwAAAAAAAAAAAAAAAAAAAkUAAAAAQAAABQAAAAUAAAAFAAAAAEAAAAAAAAAZAAAAGQAAAAAAAAAZAAAAGQAAAAVAAAAYAAAAAAAAAAAAAAADwAAACADAAAAAAAAAAAAAAEAAACgMgAAVgcAAKr4//8BAAAAf39/AAEAAABkAAAAAAAAABQAAABAHwAAAAAAACYAAAAAAAAAwOD//wAAAAAmAAAAZAAAABYAAABMAAAAAAAAAAAAAAAEAAAAAAAAAAEAAACAgIAKAAAAACgAAAAoAAAAZAAAAGQAAAAAAAAAzMzMAAAAAABQAAAAUAAAAGQAAABkAAAAAAAAABcAAAAUAAAAAAAAAAAAAAD/fwAA/38AAAAAAAAJAAAABAAAAAAAAAAeAAAAaAAAAAAAAAAAAAAAAAAAAAAAAAAAAAAAECcAABAnAAAAAAAAAAAAAAAAAAAAAAAAAAAAAAAAAAAAAAAAAAAAABQAAAAAAAAAwMD/AAAAAABkAAAAMgAAAAAAAABkAAAAAAAAAH9/fwAKAAAAIgAAABgAAAAAAAAAAAAAAAAAAAAAAAAAAAAAAAAAAAAkAAAAJAAAAAAAAAAHAAAAAAAAAAAAAAAAAAAAAAAAAAAAAAAAAAAAf39/ACUAAABYAAAAAAAAAAAAAAAAAAAAAAAAAAAAAAAAAAAAAAAAAAAAAAAAAAAAAAAAAAAAAAA/AAAAAAAAAKCGAQAAAAAAAAAAAAAAAAAMAAAAAQAAAAAAAAAAAAAAAAAAAB8AAABUAAAAAAAABQAAAAEAAAAAAAAAAAAAAAAAAAAAAAAAAAAAAAAAAAAAAAAAAAAAAAJ/f38AAAAAA8zMzADAwP8Af39/AAAAAAAAAAAAAAAAAAAAAAAAAAAAIQAAABgAAAAUAAAAwAMAABsnAAA/FQAAWSkAABAAAAAmAAAACAAAAAAAAAAAAAAAMAAAABQAAAAAAAAAAAD//wAAAQAAAP//AAABAA=="/>
+                <pr:smNativeData xmlns:pr="smNativeData" xmlns="smNativeData" val="SMDATA_16_ZvmgZxMAAAAlAAAAZAAAAA8BAAAAkAAAAEgAAACQAAAASAAAAAAAAAABAAAAAAAAAAEAAABQAAAAAAAAAAAA4D8AAAAAAADgPwAAAAAAAOA/AAAAAAAA4D8AAAAAAADgPwAAAAAAAOA/AAAAAAAA4D8AAAAAAADgPwAAAAAAAOA/AAAAAAAA4D8CAAAAjAAAAAAAAAAAAAAAu+DjDP///wgAAAAAAAAAAAAAAAAAAAAAAAAAAAAAAAAAAAAAZAAAAAEAAABAAAAAAAAAAAAAAAAAAAAAAAAAAAAAAAAAAAAAAAAAAAAAAAAAAAAAAAAAAAAAAAAAAAAAAAAAAAAAAAAAAAAAAAAAAAAAAAAAAAAAAAAAAAAAAAAAAAAAFAAAADwAAAAAAAAAAAAAAAAAAAkUAAAAAQAAABQAAAAUAAAAFAAAAAEAAAAAAAAAZAAAAGQAAAAAAAAAZAAAAGQAAAAVAAAAYAAAAAAAAAAAAAAADwAAACADAAAAAAAAAAAAAAEAAACgMgAAVgcAAKr4//8BAAAAf39/AAEAAABkAAAAAAAAABQAAABAHwAAAAAAACYAAAAAAAAAwOD//wAAAAAmAAAAZAAAABYAAABMAAAAAAAAAAAAAAAEAAAAAAAAAAEAAACAgIAKAAAAACgAAAAoAAAAZAAAAGQAAAAAAAAAzMzMAAAAAABQAAAAUAAAAGQAAABkAAAAAAAAABcAAAAUAAAAAAAAAAAAAAD/fwAA/38AAAAAAAAJAAAABAAAAAAAAAAeAAAAaAAAAAAAAAAAAAAAAAAAAAAAAAAAAAAAECcAABAnAAAAAAAAAAAAAAAAAAAAAAAAAAAAAAAAAAAAAAAAAAAAABQAAAAAAAAAwMD/AAAAAABkAAAAMgAAAAAAAABkAAAAAAAAAH9/fwAKAAAAIgAAABgAAAAAAAAAAAAAAAAAAAAAAAAAAAAAAAAAAAAkAAAAJAAAAAAAAAAHAAAAAAAAAAAAAAAAAAAAAAAAAAAAAAAAAAAAf39/ACUAAABYAAAAAAAAAAAAAAAAAAAAAAAAAAAAAAAAAAAAAAAAAAAAAAAAAAAAAAAAAAAAAAA/AAAAAAAAAKCGAQAAAAAAAAAAAAAAAAAMAAAAAQAAAAAAAAAAAAAAAAAAAB8AAABUAAAAAAAABQAAAAEAAAAAAAAAAAAAAAAAAAAAAAAAAAAAAAAAAAAAAAAAAAAAAAJ/f38AAAAAA8zMzADAwP8Af39/AAAAAAAAAAAAAAAAAAAAAAAAAAAAIQAAABgAAAAUAAAAwAMAABsnAAA/FQAAWSkAABAAAAAmAAAACAAAAAAAAAAAAAAAMAAAABQAAAAAAAAAAAD//wAAAQAAAP//AAABAA=="/>
               </a:ext>
             </a:extLst>
           </p:cNvSpPr>
@@ -2690,7 +2691,7 @@
           <a:lstStyle/>
           <a:p>
             <a:pPr/>
-            <a:fld id="{3F53EF48-06D2-0619-9CEB-F04CA1A56AA5}" type="datetime1">
+            <a:fld id="{3DEF46FA-B4D0-BAB0-9E57-42E508196817}" type="datetime1">
               <a:t/>
             </a:fld>
           </a:p>
@@ -2703,7 +2704,7 @@
             <a:spLocks noGrp="1" noChangeArrowheads="1"/>
             <a:extLst>
               <a:ext uri="smNativeData">
-                <pr:smNativeData xmlns:pr="smNativeData" xmlns="smNativeData" val="SMDATA_16_CqSDZxMAAAAlAAAAZAAAAA8BAAAAkAAAAEgAAACQAAAASAAAAAAAAAABAAAAAAAAAAEAAABQAAAAAAAAAAAA4D8AAAAAAADgPwAAAAAAAOA/AAAAAAAA4D8AAAAAAADgPwAAAAAAAOA/AAAAAAAA4D8AAAAAAADgPwAAAAAAAOA/AAAAAAAA4D8CAAAAjAAAAAAAAAAAAAAAu+DjDP///wgAAAAAAAAAAAAAAAAAAAAAAAAAAAAAAAAAAAAAZAAAAAEAAABAAAAAAAAAAAAAAAAAAAAAAAAAAAAAAAAAAAAAAAAAAAAAAAAAAAAAAAAAAAAAAAAAAAAAAAAAAAAAAAAAAAAAAAAAAAAAAAAAAAAAAAAAAAAAAAAAAAAAFAAAADwAAAAAAAAAAAAAAAAAAAkUAAAAAQAAABQAAAAUAAAAFAAAAAEAAAAAAAAAZAAAAGQAAAAAAAAAZAAAAGQAAAAVAAAAYAAAAAAAAAAAAAAADwAAACADAAAAAAAAAAAAAAEAAACgMgAAVgcAAKr4//8BAAAAf39/AAEAAABkAAAAAAAAABQAAABAHwAAAAAAACYAAAAAAAAAwOD//wAAAAAmAAAAZAAAABYAAABMAAAAAAAAAAAAAAAEAAAAAAAAAAEAAACAgIAKAAAAACgAAAAoAAAAZAAAAGQAAAAAAAAAzMzMAAAAAABQAAAAUAAAAGQAAABkAAAAAAAAABcAAAAUAAAAAAAAAAAAAAD/fwAA/38AAAAAAAAJAAAABAAAAAAAAAAeAAAAaAAAAAAAAAAAAAAAAAAAAAAAAAAAAAAAECcAABAnAAAAAAAAAAAAAAAAAAAAAAAAAAAAAAAAAAAAAAAAAAAAABQAAAAAAAAAwMD/AAAAAABkAAAAMgAAAAAAAABkAAAAAAAAAH9/fwAKAAAAIgAAABgAAAAAAAAAAAAAAAAAAAAAAAAAAAAAAAAAAAAkAAAAJAAAAAAAAAAHAAAAAAAAAAAAAAAAAAAAAAAAAAAAAAAAAAAAf39/ACUAAABYAAAAAAAAAAAAAAAAAAAAAAAAAAAAAAAAAAAAAAAAAAAAAAAAAAAAAAAAAAAAAAA/AAAAAAAAAKCGAQAAAAAAAAAAAAAAAAAMAAAAAQAAAAAAAAAAAAAAAAAAAB8AAABUAAAAAAAABQAAAAEAAAAAAAAAAAAAAAAAAAAAAAAAAAAAAAAAAAAAAAAAAAAAAAJ/f38AAAAAA8zMzADAwP8Af39/AAAAAAAAAAAAAAAAAAAAAAAAAAAAIQAAABgAAAAUAAAAoRkAABsnAABfMQAAWSkAABAAAAAmAAAACAAAAAAAAAAAAAAAMAAAABQAAAAAAAAAAAD//wAAAQAAAP//AAABAA=="/>
+                <pr:smNativeData xmlns:pr="smNativeData" xmlns="smNativeData" val="SMDATA_16_ZvmgZxMAAAAlAAAAZAAAAA8BAAAAkAAAAEgAAACQAAAASAAAAAAAAAABAAAAAAAAAAEAAABQAAAAAAAAAAAA4D8AAAAAAADgPwAAAAAAAOA/AAAAAAAA4D8AAAAAAADgPwAAAAAAAOA/AAAAAAAA4D8AAAAAAADgPwAAAAAAAOA/AAAAAAAA4D8CAAAAjAAAAAAAAAAAAAAAu+DjDP///wgAAAAAAAAAAAAAAAAAAAAAAAAAAAAAAAAAAAAAZAAAAAEAAABAAAAAAAAAAAAAAAAAAAAAAAAAAAAAAAAAAAAAAAAAAAAAAAAAAAAAAAAAAAAAAAAAAAAAAAAAAAAAAAAAAAAAAAAAAAAAAAAAAAAAAAAAAAAAAAAAAAAAFAAAADwAAAAAAAAAAAAAAAAAAAkUAAAAAQAAABQAAAAUAAAAFAAAAAEAAAAAAAAAZAAAAGQAAAAAAAAAZAAAAGQAAAAVAAAAYAAAAAAAAAAAAAAADwAAACADAAAAAAAAAAAAAAEAAACgMgAAVgcAAKr4//8BAAAAf39/AAEAAABkAAAAAAAAABQAAABAHwAAAAAAACYAAAAAAAAAwOD//wAAAAAmAAAAZAAAABYAAABMAAAAAAAAAAAAAAAEAAAAAAAAAAEAAACAgIAKAAAAACgAAAAoAAAAZAAAAGQAAAAAAAAAzMzMAAAAAABQAAAAUAAAAGQAAABkAAAAAAAAABcAAAAUAAAAAAAAAAAAAAD/fwAA/38AAAAAAAAJAAAABAAAAAAAAAAeAAAAaAAAAAAAAAAAAAAAAAAAAAAAAAAAAAAAECcAABAnAAAAAAAAAAAAAAAAAAAAAAAAAAAAAAAAAAAAAAAAAAAAABQAAAAAAAAAwMD/AAAAAABkAAAAMgAAAAAAAABkAAAAAAAAAH9/fwAKAAAAIgAAABgAAAAAAAAAAAAAAAAAAAAAAAAAAAAAAAAAAAAkAAAAJAAAAAAAAAAHAAAAAAAAAAAAAAAAAAAAAAAAAAAAAAAAAAAAf39/ACUAAABYAAAAAAAAAAAAAAAAAAAAAAAAAAAAAAAAAAAAAAAAAAAAAAAAAAAAAAAAAAAAAAA/AAAAAAAAAKCGAQAAAAAAAAAAAAAAAAAMAAAAAQAAAAAAAAAAAAAAAAAAAB8AAABUAAAAAAAABQAAAAEAAAAAAAAAAAAAAAAAAAAAAAAAAAAAAAAAAAAAAAAAAAAAAAJ/f38AAAAAA8zMzADAwP8Af39/AAAAAAAAAAAAAAAAAAAAAAAAAAAAIQAAABgAAAAUAAAAoRkAABsnAABfMQAAWSkAABAAAAAmAAAACAAAAAAAAAAAAAAAMAAAABQAAAAAAAAAAAD//wAAAQAAAP//AAABAA=="/>
               </a:ext>
             </a:extLst>
           </p:cNvSpPr>
@@ -2727,7 +2728,7 @@
             <a:spLocks noGrp="1" noChangeArrowheads="1"/>
             <a:extLst>
               <a:ext uri="smNativeData">
-                <pr:smNativeData xmlns:pr="smNativeData" xmlns="smNativeData" val="SMDATA_16_CqSDZxMAAAAlAAAAZAAAAA8BAAAAkAAAAEgAAACQAAAASAAAAAAAAAABAAAAAAAAAAEAAABQAAAAAAAAAAAA4D8AAAAAAADgPwAAAAAAAOA/AAAAAAAA4D8AAAAAAADgPwAAAAAAAOA/AAAAAAAA4D8AAAAAAADgPwAAAAAAAOA/AAAAAAAA4D8CAAAAjAAAAAAAAAAAAAAAu+DjDP///wgAAAAAAAAAAAAAAAAAAAAAAAAAAAAAAAAAAAAAZAAAAAEAAABAAAAAAAAAAAAAAAAAAAAAAAAAAAAAAAAAAAAAAAAAAAAAAAAAAAAAAAAAAAAAAAAAAAAAAAAAAAAAAAAAAAAAAAAAAAAAAAAAAAAAAAAAAAAAAAAAAAAAFAAAADwAAAAAAAAAAAAAAAAAAAkUAAAAAQAAABQAAAAUAAAAFAAAAAEAAAAAAAAAZAAAAGQAAAAAAAAAZAAAAGQAAAAVAAAAYAAAAAAAAAAAAAAADwAAACADAAAAAAAAAAAAAAEAAACgMgAAVgcAAKr4//8BAAAAf39/AAEAAABkAAAAAAAAABQAAABAHwAAAAAAACYAAAAAAAAAwOD//wAAAAAmAAAAZAAAABYAAABMAAAAAAAAAAAAAAAEAAAAAAAAAAEAAACAgIAKAAAAACgAAAAoAAAAZAAAAGQAAAAAAAAAzMzMAAAAAABQAAAAUAAAAGQAAABkAAAAAAAAABcAAAAUAAAAAAAAAAAAAAD/fwAA/38AAAAAAAAJAAAABAAAAAAAAAAeAAAAaAAAAAAAAAAAAAAAAAAAAAAAAAAAAAAAECcAABAnAAAAAAAAAAAAAAAAAAAAAAAAAAAAAAAAAAAAAAAAAAAAABQAAAAAAAAAwMD/AAAAAABkAAAAMgAAAAAAAABkAAAAAAAAAH9/fwAKAAAAIgAAABgAAAAAAAAAAAAAAAAAAAAAAAAAAAAAAAAAAAAkAAAAJAAAAAAAAAAHAAAAAAAAAAAAAAAAAAAAAAAAAAAAAAAAAAAAf39/ACUAAABYAAAAAAAAAAAAAAAAAAAAAAAAAAAAAAAAAAAAAAAAAAAAAAAAAAAAAAAAAAAAAAA/AAAAAAAAAKCGAQAAAAAAAAAAAAAAAAAMAAAAAQAAAAAAAAAAAAAAAAAAAB8AAABUAAAAAAAABQAAAAEAAAAAAAAAAAAAAAAAAAAAAAAAAAAAAAAAAAAAAAAAAAAAAAJ/f38AAAAAA8zMzADAwP8Af39/AAAAAAAAAAAAAAAAAAAAAAAAAAAAIQAAABgAAAAUAAAAwTUAABsnAABARwAAWSkAABAAAAAmAAAACAAAAAAAAAAAAAAAMAAAABQAAAAAAAAAAAD//wAAAQAAAP//AAABAA=="/>
+                <pr:smNativeData xmlns:pr="smNativeData" xmlns="smNativeData" val="SMDATA_16_ZvmgZxMAAAAlAAAAZAAAAA8BAAAAkAAAAEgAAACQAAAASAAAAAAAAAABAAAAAAAAAAEAAABQAAAAAAAAAAAA4D8AAAAAAADgPwAAAAAAAOA/AAAAAAAA4D8AAAAAAADgPwAAAAAAAOA/AAAAAAAA4D8AAAAAAADgPwAAAAAAAOA/AAAAAAAA4D8CAAAAjAAAAAAAAAAAAAAAu+DjDP///wgAAAAAAAAAAAAAAAAAAAAAAAAAAAAAAAAAAAAAZAAAAAEAAABAAAAAAAAAAAAAAAAAAAAAAAAAAAAAAAAAAAAAAAAAAAAAAAAAAAAAAAAAAAAAAAAAAAAAAAAAAAAAAAAAAAAAAAAAAAAAAAAAAAAAAAAAAAAAAAAAAAAAFAAAADwAAAAAAAAAAAAAAAAAAAkUAAAAAQAAABQAAAAUAAAAFAAAAAEAAAAAAAAAZAAAAGQAAAAAAAAAZAAAAGQAAAAVAAAAYAAAAAAAAAAAAAAADwAAACADAAAAAAAAAAAAAAEAAACgMgAAVgcAAKr4//8BAAAAf39/AAEAAABkAAAAAAAAABQAAABAHwAAAAAAACYAAAAAAAAAwOD//wAAAAAmAAAAZAAAABYAAABMAAAAAAAAAAAAAAAEAAAAAAAAAAEAAACAgIAKAAAAACgAAAAoAAAAZAAAAGQAAAAAAAAAzMzMAAAAAABQAAAAUAAAAGQAAABkAAAAAAAAABcAAAAUAAAAAAAAAAAAAAD/fwAA/38AAAAAAAAJAAAABAAAAAAAAAAeAAAAaAAAAAAAAAAAAAAAAAAAAAAAAAAAAAAAECcAABAnAAAAAAAAAAAAAAAAAAAAAAAAAAAAAAAAAAAAAAAAAAAAABQAAAAAAAAAwMD/AAAAAABkAAAAMgAAAAAAAABkAAAAAAAAAH9/fwAKAAAAIgAAABgAAAAAAAAAAAAAAAAAAAAAAAAAAAAAAAAAAAAkAAAAJAAAAAAAAAAHAAAAAAAAAAAAAAAAAAAAAAAAAAAAAAAAAAAAf39/ACUAAABYAAAAAAAAAAAAAAAAAAAAAAAAAAAAAAAAAAAAAAAAAAAAAAAAAAAAAAAAAAAAAAA/AAAAAAAAAKCGAQAAAAAAAAAAAAAAAAAMAAAAAQAAAAAAAAAAAAAAAAAAAB8AAABUAAAAAAAABQAAAAEAAAAAAAAAAAAAAAAAAAAAAAAAAAAAAAAAAAAAAAAAAAAAAAJ/f38AAAAAA8zMzADAwP8Af39/AAAAAAAAAAAAAAAAAAAAAAAAAAAAIQAAABgAAAAUAAAAwTUAABsnAABARwAAWSkAABAAAAAmAAAACAAAAAAAAAAAAAAAMAAAABQAAAAAAAAAAAD//wAAAQAAAP//AAABAA=="/>
               </a:ext>
             </a:extLst>
           </p:cNvSpPr>
@@ -2741,7 +2742,7 @@
           <a:lstStyle/>
           <a:p>
             <a:pPr/>
-            <a:fld id="{3F53F9E9-A7D2-060F-9CEB-515AB7A56A04}" type="slidenum">
+            <a:fld id="{3DEF434E-00D0-BAB5-9E57-F6E00D1968A3}" type="slidenum">
               <a:t/>
             </a:fld>
           </a:p>
@@ -2788,7 +2789,7 @@
             <a:spLocks noGrp="1" noChangeArrowheads="1"/>
             <a:extLst>
               <a:ext uri="smNativeData">
-                <pr:smNativeData xmlns:pr="smNativeData" xmlns="smNativeData" val="SMDATA_16_CqSDZxMAAAAlAAAAZAAAAA8BAAAAkAAAAEgAAACQAAAASAAAAAAAAAABAAAAAAAAAAEAAABQAAAAAAAAAAAA4D8AAAAAAADgPwAAAAAAAOA/AAAAAAAA4D8AAAAAAADgPwAAAAAAAOA/AAAAAAAA4D8AAAAAAADgPwAAAAAAAOA/AAAAAAAA4D8CAAAAjAAAAAAAAAAAAAAAu+DjDP///wgAAAAAAAAAAAAAAAAAAAAAAAAAAAAAAAAAAAAAZAAAAAEAAABAAAAAAAAAAAAAAAAAAAAAAAAAAAAAAAAAAAAAAAAAAAAAAAAAAAAAAAAAAAAAAAAAAAAAAAAAAAAAAAAAAAAAAAAAAAAAAAAAAAAAAAAAAAAAAAAAAAAAFAAAADwAAAAAAAAAAAAAAAAAAAkUAAAAAQAAABQAAAAUAAAAFAAAAAEAAAAAAAAAZAAAAGQAAAAAAAAAZAAAAGQAAAAVAAAAYAAAAAAAAAAAAAAADwAAACADAAAAAAAAAAAAAAEAAACgMgAAVgcAAKr4//8BAAAAf39/AAEAAABkAAAAAAAAABQAAABAHwAAAAAAACYAAAAAAAAAwOD//wAAAAAmAAAAZAAAABYAAABMAAAAAAAAAAAAAAAEAAAAAAAAAAEAAACAgIAKAAAAACgAAAAoAAAAZAAAAGQAAAAAAAAAzMzMAAAAAABQAAAAUAAAAGQAAABkAAAAAAAAABcAAAAUAAAAAAAAAAAAAAD/fwAA/38AAAAAAAAJAAAABAAAAHsAfAAeAAAAaAAAAAAAAAAAAAAAAAAAAAAAAAAAAAAAECcAABAnAAAAAAAAAAAAAAAAAAAAAAAAAAAAAAAAAAAAAAAAAAAAABQAAAAAAAAAwMD/AAAAAABkAAAAMgAAAAAAAABkAAAAAAAAAH9/fwAKAAAAIgAAABgAAAAAAAAAAAAAAAAAAAAAAAAAAAAAAAAAAAAkAAAAJAAAAAAAAAAHAAAAAAAAAAAAAAAAAAAAAAAAAAAAAAAAAAAAf39/ACUAAABYAAAAAAAAAAAAAAAAAAAAAAAAAAAAAAAAAAAAAAAAAAAAAAAAAAAAAAAAAAAAAAA/AAAAAAAAAKCGAQAAAAAAAAAAAAAAAAAMAAAAAQAAAAAAAAAAAAAAAAAAAB8AAABUAAAAAAAABQAAAAEAAAAAAAAAAAAAAAAAAAAAAAAAAAAAAAAAAAAAAAAAAAAAAAJ/f38AAAAAA8zMzADAwP8Af39/AAAAAAAAAAAAAAAAAAAAAAAAAAAAIQAAABgAAAAUAAAAwAMAALABAABARwAAuAgAABAAAAAmAAAACAAAAP//////////MAAAABQAAAAAAAAAAAD//wAAAQAAAP//AAABAA=="/>
+                <pr:smNativeData xmlns:pr="smNativeData" xmlns="smNativeData" val="SMDATA_16_ZvmgZxMAAAAlAAAAZAAAAA8BAAAAkAAAAEgAAACQAAAASAAAAAAAAAABAAAAAAAAAAEAAABQAAAAAAAAAAAA4D8AAAAAAADgPwAAAAAAAOA/AAAAAAAA4D8AAAAAAADgPwAAAAAAAOA/AAAAAAAA4D8AAAAAAADgPwAAAAAAAOA/AAAAAAAA4D8CAAAAjAAAAAAAAAAAAAAAu+DjDP///wgAAAAAAAAAAAAAAAAAAAAAAAAAAAAAAAAAAAAAZAAAAAEAAABAAAAAAAAAAAAAAAAAAAAAAAAAAAAAAAAAAAAAAAAAAAAAAAAAAAAAAAAAAAAAAAAAAAAAAAAAAAAAAAAAAAAAAAAAAAAAAAAAAAAAAAAAAAAAAAAAAAAAFAAAADwAAAAAAAAAAAAAAAAAAAkUAAAAAQAAABQAAAAUAAAAFAAAAAEAAAAAAAAAZAAAAGQAAAAAAAAAZAAAAGQAAAAVAAAAYAAAAAAAAAAAAAAADwAAACADAAAAAAAAAAAAAAEAAACgMgAAVgcAAKr4//8BAAAAf39/AAEAAABkAAAAAAAAABQAAABAHwAAAAAAACYAAAAAAAAAwOD//wAAAAAmAAAAZAAAABYAAABMAAAAAAAAAAAAAAAEAAAAAAAAAAEAAACAgIAKAAAAACgAAAAoAAAAZAAAAGQAAAAAAAAAzMzMAAAAAABQAAAAUAAAAGQAAABkAAAAAAAAABcAAAAUAAAAAAAAAAAAAAD/fwAA/38AAAAAAAAJAAAABAAAAHsAfAAeAAAAaAAAAAAAAAAAAAAAAAAAAAAAAAAAAAAAECcAABAnAAAAAAAAAAAAAAAAAAAAAAAAAAAAAAAAAAAAAAAAAAAAABQAAAAAAAAAwMD/AAAAAABkAAAAMgAAAAAAAABkAAAAAAAAAH9/fwAKAAAAIgAAABgAAAAAAAAAAAAAAAAAAAAAAAAAAAAAAAAAAAAkAAAAJAAAAAAAAAAHAAAAAAAAAAAAAAAAAAAAAAAAAAAAAAAAAAAAf39/ACUAAABYAAAAAAAAAAAAAAAAAAAAAAAAAAAAAAAAAAAAAAAAAAAAAAAAAAAAAAAAAAAAAAA/AAAAAAAAAKCGAQAAAAAAAAAAAAAAAAAMAAAAAQAAAAAAAAAAAAAAAAAAAB8AAABUAAAAAAAABQAAAAEAAAAAAAAAAAAAAAAAAAAAAAAAAAAAAAAAAAAAAAAAAAAAAAJ/f38AAAAAA8zMzADAwP8Af39/AAAAAAAAAAAAAAAAAAAAAAAAAAAAIQAAABgAAAAUAAAAwAMAALABAABARwAAuAgAABAAAAAmAAAACAAAAP//////////MAAAABQAAAAAAAAAAAD//wAAAQAAAP//AAABAA=="/>
               </a:ext>
             </a:extLst>
           </p:cNvSpPr>
@@ -2832,7 +2833,7 @@
             <a:spLocks noGrp="1" noChangeArrowheads="1"/>
             <a:extLst>
               <a:ext uri="smNativeData">
-                <pr:smNativeData xmlns:pr="smNativeData" xmlns="smNativeData" val="SMDATA_16_CqSDZxMAAAAlAAAAZAAAAA8BAAAAkAAAAEgAAACQAAAASAAAAAAAAAAAAAAAAAAAAAEAAABQAAAAAAAAAAAA4D8AAAAAAADgPwAAAAAAAOA/AAAAAAAA4D8AAAAAAADgPwAAAAAAAOA/AAAAAAAA4D8AAAAAAADgPwAAAAAAAOA/AAAAAAAA4D8CAAAAjAAAAAAAAAAAAAAAu+DjDP///wgAAAAAAAAAAAAAAAAAAAAAAAAAAAAAAAAAAAAAZAAAAAEAAABAAAAAAAAAAAAAAAAAAAAAAAAAAAAAAAAAAAAAAAAAAAAAAAAAAAAAAAAAAAAAAAAAAAAAAAAAAAAAAAAAAAAAAAAAAAAAAAAAAAAAAAAAAAAAAAAAAAAAFAAAADwAAAAAAAAAAAAAAAAAAAkUAAAAAQAAABQAAAAUAAAAFAAAAAEAAAAAAAAAZAAAAGQAAAAAAAAAZAAAAGQAAAAVAAAAYAAAAAAAAAAAAAAADwAAACADAAAAAAAAAAAAAAEAAACgMgAAVgcAAKr4//8BAAAAf39/AAEAAABkAAAAAAAAABQAAABAHwAAAAAAACYAAAAAAAAAwOD//wAAAAAmAAAAZAAAABYAAABMAAAAAAAAAAAAAAAEAAAAAAAAAAEAAACAgIAKAAAAACgAAAAoAAAAZAAAAGQAAAAAAAAAzMzMAAAAAABQAAAAUAAAAGQAAABkAAAAAAAAABcAAAAUAAAAAAAAAAAAAAD/fwAA/38AAAAAAAAJAAAABAAAAHsAfAAeAAAAaAAAAAAAAAAAAAAAAAAAAAAAAAAAAAAAECcAABAnAAAAAAAAAAAAAAAAAAAAAAAAAAAAAAAAAAAAAAAAAAAAABQAAAAAAAAAwMD/AAAAAABkAAAAMgAAAAAAAABkAAAAAAAAAH9/fwAKAAAAIgAAABgAAAAAAAAAAAAAAAAAAAAAAAAAAAAAAAAAAAAkAAAAJAAAAAAAAAAHAAAAAAAAAAAAAAAAAAAAAAAAAAAAAAAAAAAAf39/ACUAAABYAAAAAAAAAAAAAAAAAAAAAAAAAAAAAAAAAAAAAAAAAAAAAAAAAAAAAAAAAAAAAAA/AAAAAAAAAKCGAQAAAAAAAAAAAAAAAAAMAAAAAQAAAAAAAAAAAAAAAAAAAB8AAABUAAAAAAAABQAAAAEAAAAAAAAAAAAAAAAAAAAAAAAAAAAAAAAAAAAAAAAAAAAAAAJ/f38AAAAAA8zMzADAwP8Af39/AAAAAAAAAAAAAAAAAAAAAAAAAAAAIQAAABgAAAAUAAAAwAMAANgJAABARwAAsCUAABAAAAAmAAAACAAAAP//////////MAAAABQAAAAAAAAAAAD//wAAAQAAAP//AAABAA=="/>
+                <pr:smNativeData xmlns:pr="smNativeData" xmlns="smNativeData" val="SMDATA_16_ZvmgZxMAAAAlAAAAZAAAAA8BAAAAkAAAAEgAAACQAAAASAAAAAAAAAAAAAAAAAAAAAEAAABQAAAAAAAAAAAA4D8AAAAAAADgPwAAAAAAAOA/AAAAAAAA4D8AAAAAAADgPwAAAAAAAOA/AAAAAAAA4D8AAAAAAADgPwAAAAAAAOA/AAAAAAAA4D8CAAAAjAAAAAAAAAAAAAAAu+DjDP///wgAAAAAAAAAAAAAAAAAAAAAAAAAAAAAAAAAAAAAZAAAAAEAAABAAAAAAAAAAAAAAAAAAAAAAAAAAAAAAAAAAAAAAAAAAAAAAAAAAAAAAAAAAAAAAAAAAAAAAAAAAAAAAAAAAAAAAAAAAAAAAAAAAAAAAAAAAAAAAAAAAAAAFAAAADwAAAAAAAAAAAAAAAAAAAkUAAAAAQAAABQAAAAUAAAAFAAAAAEAAAAAAAAAZAAAAGQAAAAAAAAAZAAAAGQAAAAVAAAAYAAAAAAAAAAAAAAADwAAACADAAAAAAAAAAAAAAEAAACgMgAAVgcAAKr4//8BAAAAf39/AAEAAABkAAAAAAAAABQAAABAHwAAAAAAACYAAAAAAAAAwOD//wAAAAAmAAAAZAAAABYAAABMAAAAAAAAAAAAAAAEAAAAAAAAAAEAAACAgIAKAAAAACgAAAAoAAAAZAAAAGQAAAAAAAAAzMzMAAAAAABQAAAAUAAAAGQAAABkAAAAAAAAABcAAAAUAAAAAAAAAAAAAAD/fwAA/38AAAAAAAAJAAAABAAAAHsAfAAeAAAAaAAAAAAAAAAAAAAAAAAAAAAAAAAAAAAAECcAABAnAAAAAAAAAAAAAAAAAAAAAAAAAAAAAAAAAAAAAAAAAAAAABQAAAAAAAAAwMD/AAAAAABkAAAAMgAAAAAAAABkAAAAAAAAAH9/fwAKAAAAIgAAABgAAAAAAAAAAAAAAAAAAAAAAAAAAAAAAAAAAAAkAAAAJAAAAAAAAAAHAAAAAAAAAAAAAAAAAAAAAAAAAAAAAAAAAAAAf39/ACUAAABYAAAAAAAAAAAAAAAAAAAAAAAAAAAAAAAAAAAAAAAAAAAAAAAAAAAAAAAAAAAAAAA/AAAAAAAAAKCGAQAAAAAAAAAAAAAAAAAMAAAAAQAAAAAAAAAAAAAAAAAAAB8AAABUAAAAAAAABQAAAAEAAAAAAAAAAAAAAAAAAAAAAAAAAAAAAAAAAAAAAAAAAAAAAAJ/f38AAAAAA8zMzADAwP8Af39/AAAAAAAAAAAAAAAAAAAAAAAAAAAAIQAAABgAAAAUAAAAwAMAANgJAABARwAAsCUAABAAAAAmAAAACAAAAP//////////MAAAABQAAAAAAAAAAAD//wAAAQAAAP//AAABAA=="/>
               </a:ext>
             </a:extLst>
           </p:cNvSpPr>
@@ -2900,7 +2901,7 @@
             <a:spLocks noGrp="1" noChangeArrowheads="1"/>
             <a:extLst>
               <a:ext uri="smNativeData">
-                <pr:smNativeData xmlns:pr="smNativeData" xmlns="smNativeData" val="SMDATA_16_CqSDZxMAAAAlAAAAZAAAAA8BAAAAkAAAAEgAAACQAAAASAAAAAAAAAABAAAAAAAAAAEAAABQAAAAAAAAAAAA4D8AAAAAAADgPwAAAAAAAOA/AAAAAAAA4D8AAAAAAADgPwAAAAAAAOA/AAAAAAAA4D8AAAAAAADgPwAAAAAAAOA/AAAAAAAA4D8CAAAAjAAAAAAAAAAAAAAAu+DjDP///wgAAAAAAAAAAAAAAAAAAAAAAAAAAAAAAAAAAAAAZAAAAAEAAABAAAAAAAAAAAAAAAAAAAAAAAAAAAAAAAAAAAAAAAAAAAAAAAAAAAAAAAAAAAAAAAAAAAAAAAAAAAAAAAAAAAAAAAAAAAAAAAAAAAAAAAAAAAAAAAAAAAAAFAAAADwAAAAAAAAAAAAAAAAAAAkUAAAAAQAAABQAAAAUAAAAFAAAAAEAAAAAAAAAZAAAAGQAAAAAAAAAZAAAAGQAAAAVAAAAYAAAAAAAAAAAAAAADwAAACADAAAAAAAAAAAAAAEAAACgMgAAVgcAAKr4//8BAAAAf39/AAEAAABkAAAAAAAAABQAAABAHwAAAAAAACYAAAAAAAAAwOD//wAAAAAmAAAAZAAAABYAAABMAAAAAAAAAAAAAAAEAAAAAAAAAAEAAACAgIAKAAAAACgAAAAoAAAAZAAAAGQAAAAAAAAAzMzMAAAAAABQAAAAUAAAAGQAAABkAAAAAAAAABcAAAAUAAAAAAAAAAAAAAD/fwAA/38AAAAAAAAJAAAABAAAAHsAfAAeAAAAaAAAAAAAAAAAAAAAAAAAAAAAAAAAAAAAECcAABAnAAAAAAAAAAAAAAAAAAAAAAAAAAAAAAAAAAAAAAAAAAAAABQAAAAAAAAAwMD/AAAAAABkAAAAMgAAAAAAAABkAAAAAAAAAH9/fwAKAAAAIgAAABgAAAAAAAAAAAAAAAAAAAAAAAAAAAAAAAAAAAAkAAAAJAAAAAAAAAAHAAAAAAAAAAAAAAAAAAAAAAAAAAAAAAAAAAAAf39/ACUAAABYAAAAAAAAAAAAAAAAAAAAAAAAAAAAAAAAAAAAAAAAAAAAAAAAAAAAAAAAAAAAAAA/AAAAAAAAAKCGAQAAAAAAAAAAAAAAAAAMAAAAAQAAAAAAAAAAAAAAAAAAAB8AAABUAAAAAAAABQAAAAEAAAAAAAAAAAAAAAAAAAAAAAAAAAAAAAAAAAAAAAAAAAAAAAJ/f38AAAAAA8zMzADAwP8Af39/AAAAAAAAAAAAAAAAAAAAAAAAAAAAIQAAABgAAAAUAAAAwAMAABsnAAA/FQAAWSkAABAAAAAmAAAACAAAAP//////////MAAAABQAAAAAAAAAAAD//wAAAQAAAP//AAABAA=="/>
+                <pr:smNativeData xmlns:pr="smNativeData" xmlns="smNativeData" val="SMDATA_16_ZvmgZxMAAAAlAAAAZAAAAA8BAAAAkAAAAEgAAACQAAAASAAAAAAAAAABAAAAAAAAAAEAAABQAAAAAAAAAAAA4D8AAAAAAADgPwAAAAAAAOA/AAAAAAAA4D8AAAAAAADgPwAAAAAAAOA/AAAAAAAA4D8AAAAAAADgPwAAAAAAAOA/AAAAAAAA4D8CAAAAjAAAAAAAAAAAAAAAu+DjDP///wgAAAAAAAAAAAAAAAAAAAAAAAAAAAAAAAAAAAAAZAAAAAEAAABAAAAAAAAAAAAAAAAAAAAAAAAAAAAAAAAAAAAAAAAAAAAAAAAAAAAAAAAAAAAAAAAAAAAAAAAAAAAAAAAAAAAAAAAAAAAAAAAAAAAAAAAAAAAAAAAAAAAAFAAAADwAAAAAAAAAAAAAAAAAAAkUAAAAAQAAABQAAAAUAAAAFAAAAAEAAAAAAAAAZAAAAGQAAAAAAAAAZAAAAGQAAAAVAAAAYAAAAAAAAAAAAAAADwAAACADAAAAAAAAAAAAAAEAAACgMgAAVgcAAKr4//8BAAAAf39/AAEAAABkAAAAAAAAABQAAABAHwAAAAAAACYAAAAAAAAAwOD//wAAAAAmAAAAZAAAABYAAABMAAAAAAAAAAAAAAAEAAAAAAAAAAEAAACAgIAKAAAAACgAAAAoAAAAZAAAAGQAAAAAAAAAzMzMAAAAAABQAAAAUAAAAGQAAABkAAAAAAAAABcAAAAUAAAAAAAAAAAAAAD/fwAA/38AAAAAAAAJAAAABAAAAHsAfAAeAAAAaAAAAAAAAAAAAAAAAAAAAAAAAAAAAAAAECcAABAnAAAAAAAAAAAAAAAAAAAAAAAAAAAAAAAAAAAAAAAAAAAAABQAAAAAAAAAwMD/AAAAAABkAAAAMgAAAAAAAABkAAAAAAAAAH9/fwAKAAAAIgAAABgAAAAAAAAAAAAAAAAAAAAAAAAAAAAAAAAAAAAkAAAAJAAAAAAAAAAHAAAAAAAAAAAAAAAAAAAAAAAAAAAAAAAAAAAAf39/ACUAAABYAAAAAAAAAAAAAAAAAAAAAAAAAAAAAAAAAAAAAAAAAAAAAAAAAAAAAAAAAAAAAAA/AAAAAAAAAKCGAQAAAAAAAAAAAAAAAAAMAAAAAQAAAAAAAAAAAAAAAAAAAB8AAABUAAAAAAAABQAAAAEAAAAAAAAAAAAAAAAAAAAAAAAAAAAAAAAAAAAAAAAAAAAAAAJ/f38AAAAAA8zMzADAwP8Af39/AAAAAAAAAAAAAAAAAAAAAAAAAAAAIQAAABgAAAAUAAAAwAMAABsnAAA/FQAAWSkAABAAAAAmAAAACAAAAP//////////MAAAABQAAAAAAAAAAAD//wAAAQAAAP//AAABAA=="/>
               </a:ext>
             </a:extLst>
           </p:cNvSpPr>
@@ -2935,7 +2936,7 @@
           </a:lstStyle>
           <a:p>
             <a:pPr/>
-            <a:fld id="{3F53D494-DAD2-0622-9CEB-2C779AA56A79}" type="datetime1">
+            <a:fld id="{3DEF6D17-59D0-BA9B-9E57-AFCE231968FA}" type="datetime1">
               <a:t/>
             </a:fld>
           </a:p>
@@ -2948,7 +2949,7 @@
             <a:spLocks noGrp="1" noChangeArrowheads="1"/>
             <a:extLst>
               <a:ext uri="smNativeData">
-                <pr:smNativeData xmlns:pr="smNativeData" xmlns="smNativeData" val="SMDATA_16_CqSDZxMAAAAlAAAAZAAAAA8BAAAAkAAAAEgAAACQAAAASAAAAAAAAAABAAAAAAAAAAEAAABQAAAAAAAAAAAA4D8AAAAAAADgPwAAAAAAAOA/AAAAAAAA4D8AAAAAAADgPwAAAAAAAOA/AAAAAAAA4D8AAAAAAADgPwAAAAAAAOA/AAAAAAAA4D8CAAAAjAAAAAAAAAAAAAAAu+DjDP///wgAAAAAAAAAAAAAAAAAAAAAAAAAAAAAAAAAAAAAZAAAAAEAAABAAAAAAAAAAAAAAAAAAAAAAAAAAAAAAAAAAAAAAAAAAAAAAAAAAAAAAAAAAAAAAAAAAAAAAAAAAAAAAAAAAAAAAAAAAAAAAAAAAAAAAAAAAAAAAAAAAAAAFAAAADwAAAAAAAAAAAAAAAAAAAkUAAAAAQAAABQAAAAUAAAAFAAAAAEAAAAAAAAAZAAAAGQAAAAAAAAAZAAAAGQAAAAVAAAAYAAAAAAAAAAAAAAADwAAACADAAAAAAAAAAAAAAEAAACgMgAAVgcAAKr4//8BAAAAf39/AAEAAABkAAAAAAAAABQAAABAHwAAAAAAACYAAAAAAAAAwOD//wAAAAAmAAAAZAAAABYAAABMAAAAAAAAAAAAAAAEAAAAAAAAAAEAAACAgIAKAAAAACgAAAAoAAAAZAAAAGQAAAAAAAAAzMzMAAAAAABQAAAAUAAAAGQAAABkAAAAAAAAABcAAAAUAAAAAAAAAAAAAAD/fwAA/38AAAAAAAAJAAAABAAAAAAAAAAeAAAAaAAAAAAAAAAAAAAAAAAAAAAAAAAAAAAAECcAABAnAAAAAAAAAAAAAAAAAAAAAAAAAAAAAAAAAAAAAAAAAAAAABQAAAAAAAAAwMD/AAAAAABkAAAAMgAAAAAAAABkAAAAAAAAAH9/fwAKAAAAIgAAABgAAAAAAAAAAAAAAAAAAAAAAAAAAAAAAAAAAAAkAAAAJAAAAAAAAAAHAAAAAAAAAAAAAAAAAAAAAAAAAAAAAAAAAAAAf39/ACUAAABYAAAAAAAAAAAAAAAAAAAAAAAAAAAAAAAAAAAAAAAAAAAAAAAAAAAAAAAAAAAAAAA/AAAAAAAAAKCGAQAAAAAAAAAAAAAAAAAMAAAAAQAAAAAAAAAAAAAAAAAAAB8AAABUAAAAAAAABQAAAAEAAAAAAAAAAAAAAAAAAAAAAAAAAAAAAAAAAAAAAAAAAAAAAAJ/f38AAAAAA8zMzADAwP8Af39/AAAAAAAAAAAAAAAAAAAAAAAAAAAAIQAAABgAAAAUAAAAoRkAABsnAABfMQAAWSkAABAAAAAmAAAACAAAAP//////////MAAAABQAAAAAAAAAAAD//wAAAQAAAP//AAABAA=="/>
+                <pr:smNativeData xmlns:pr="smNativeData" xmlns="smNativeData" val="SMDATA_16_ZvmgZxMAAAAlAAAAZAAAAA8BAAAAkAAAAEgAAACQAAAASAAAAAAAAAABAAAAAAAAAAEAAABQAAAAAAAAAAAA4D8AAAAAAADgPwAAAAAAAOA/AAAAAAAA4D8AAAAAAADgPwAAAAAAAOA/AAAAAAAA4D8AAAAAAADgPwAAAAAAAOA/AAAAAAAA4D8CAAAAjAAAAAAAAAAAAAAAu+DjDP///wgAAAAAAAAAAAAAAAAAAAAAAAAAAAAAAAAAAAAAZAAAAAEAAABAAAAAAAAAAAAAAAAAAAAAAAAAAAAAAAAAAAAAAAAAAAAAAAAAAAAAAAAAAAAAAAAAAAAAAAAAAAAAAAAAAAAAAAAAAAAAAAAAAAAAAAAAAAAAAAAAAAAAFAAAADwAAAAAAAAAAAAAAAAAAAkUAAAAAQAAABQAAAAUAAAAFAAAAAEAAAAAAAAAZAAAAGQAAAAAAAAAZAAAAGQAAAAVAAAAYAAAAAAAAAAAAAAADwAAACADAAAAAAAAAAAAAAEAAACgMgAAVgcAAKr4//8BAAAAf39/AAEAAABkAAAAAAAAABQAAABAHwAAAAAAACYAAAAAAAAAwOD//wAAAAAmAAAAZAAAABYAAABMAAAAAAAAAAAAAAAEAAAAAAAAAAEAAACAgIAKAAAAACgAAAAoAAAAZAAAAGQAAAAAAAAAzMzMAAAAAABQAAAAUAAAAGQAAABkAAAAAAAAABcAAAAUAAAAAAAAAAAAAAD/fwAA/38AAAAAAAAJAAAABAAAAAAAAAAeAAAAaAAAAAAAAAAAAAAAAAAAAAAAAAAAAAAAECcAABAnAAAAAAAAAAAAAAAAAAAAAAAAAAAAAAAAAAAAAAAAAAAAABQAAAAAAAAAwMD/AAAAAABkAAAAMgAAAAAAAABkAAAAAAAAAH9/fwAKAAAAIgAAABgAAAAAAAAAAAAAAAAAAAAAAAAAAAAAAAAAAAAkAAAAJAAAAAAAAAAHAAAAAAAAAAAAAAAAAAAAAAAAAAAAAAAAAAAAf39/ACUAAABYAAAAAAAAAAAAAAAAAAAAAAAAAAAAAAAAAAAAAAAAAAAAAAAAAAAAAAAAAAAAAAA/AAAAAAAAAKCGAQAAAAAAAAAAAAAAAAAMAAAAAQAAAAAAAAAAAAAAAAAAAB8AAABUAAAAAAAABQAAAAEAAAAAAAAAAAAAAAAAAAAAAAAAAAAAAAAAAAAAAAAAAAAAAAJ/f38AAAAAA8zMzADAwP8Af39/AAAAAAAAAAAAAAAAAAAAAAAAAAAAIQAAABgAAAAUAAAAoRkAABsnAABfMQAAWSkAABAAAAAmAAAACAAAAP//////////MAAAABQAAAAAAAAAAAD//wAAAQAAAP//AAABAA=="/>
               </a:ext>
             </a:extLst>
           </p:cNvSpPr>
@@ -2993,7 +2994,7 @@
             <a:spLocks noGrp="1" noChangeArrowheads="1"/>
             <a:extLst>
               <a:ext uri="smNativeData">
-                <pr:smNativeData xmlns:pr="smNativeData" xmlns="smNativeData" val="SMDATA_16_CqSDZxMAAAAlAAAAZAAAAA8BAAAAkAAAAEgAAACQAAAASAAAAAAAAAABAAAAAAAAAAEAAABQAAAAAAAAAAAA4D8AAAAAAADgPwAAAAAAAOA/AAAAAAAA4D8AAAAAAADgPwAAAAAAAOA/AAAAAAAA4D8AAAAAAADgPwAAAAAAAOA/AAAAAAAA4D8CAAAAjAAAAAAAAAAAAAAAu+DjDP///wgAAAAAAAAAAAAAAAAAAAAAAAAAAAAAAAAAAAAAZAAAAAEAAABAAAAAAAAAAAAAAAAAAAAAAAAAAAAAAAAAAAAAAAAAAAAAAAAAAAAAAAAAAAAAAAAAAAAAAAAAAAAAAAAAAAAAAAAAAAAAAAAAAAAAAAAAAAAAAAAAAAAAFAAAADwAAAAAAAAAAAAAAAAAAAkUAAAAAQAAABQAAAAUAAAAFAAAAAEAAAAAAAAAZAAAAGQAAAAAAAAAZAAAAGQAAAAVAAAAYAAAAAAAAAAAAAAADwAAACADAAAAAAAAAAAAAAEAAACgMgAAVgcAAKr4//8BAAAAf39/AAEAAABkAAAAAAAAABQAAABAHwAAAAAAACYAAAAAAAAAwOD//wAAAAAmAAAAZAAAABYAAABMAAAAAAAAAAAAAAAEAAAAAAAAAAEAAACAgIAKAAAAACgAAAAoAAAAZAAAAGQAAAAAAAAAzMzMAAAAAABQAAAAUAAAAGQAAABkAAAAAAAAABcAAAAUAAAAAAAAAAAAAAD/fwAA/38AAAAAAAAJAAAABAAAAP////8eAAAAaAAAAAAAAAAAAAAAAAAAAAAAAAAAAAAAECcAABAnAAAAAAAAAAAAAAAAAAAAAAAAAAAAAAAAAAAAAAAAAAAAABQAAAAAAAAAwMD/AAAAAABkAAAAMgAAAAAAAABkAAAAAAAAAH9/fwAKAAAAIgAAABgAAAAAAAAAAAAAAAAAAAAAAAAAAAAAAAAAAAAkAAAAJAAAAAAAAAAHAAAAAAAAAAAAAAAAAAAAAAAAAAAAAAAAAAAAf39/ACUAAABYAAAAAAAAAAAAAAAAAAAAAAAAAAAAAAAAAAAAAAAAAAAAAAAAAAAAAAAAAAAAAAA/AAAAAAAAAKCGAQAAAAAAAAAAAAAAAAAMAAAAAQAAAAAAAAAAAAAAAAAAAB8AAABUAAAAAAAABQAAAAEAAAAAAAAAAAAAAAAAAAAAAAAAAAAAAAAAAAAAAAAAAAAAAAJ/f38AAAAAA8zMzADAwP8Af39/AAAAAAAAAAAAAAAAAAAAAAAAAAAAIQAAABgAAAAUAAAAwTUAABsnAABARwAAWSkAABAAAAAmAAAACAAAAP//////////MAAAABQAAAAAAAAAAAD//wAAAQAAAP//AAABAA=="/>
+                <pr:smNativeData xmlns:pr="smNativeData" xmlns="smNativeData" val="SMDATA_16_ZvmgZxMAAAAlAAAAZAAAAA8BAAAAkAAAAEgAAACQAAAASAAAAAAAAAABAAAAAAAAAAEAAABQAAAAAAAAAAAA4D8AAAAAAADgPwAAAAAAAOA/AAAAAAAA4D8AAAAAAADgPwAAAAAAAOA/AAAAAAAA4D8AAAAAAADgPwAAAAAAAOA/AAAAAAAA4D8CAAAAjAAAAAAAAAAAAAAAu+DjDP///wgAAAAAAAAAAAAAAAAAAAAAAAAAAAAAAAAAAAAAZAAAAAEAAABAAAAAAAAAAAAAAAAAAAAAAAAAAAAAAAAAAAAAAAAAAAAAAAAAAAAAAAAAAAAAAAAAAAAAAAAAAAAAAAAAAAAAAAAAAAAAAAAAAAAAAAAAAAAAAAAAAAAAFAAAADwAAAAAAAAAAAAAAAAAAAkUAAAAAQAAABQAAAAUAAAAFAAAAAEAAAAAAAAAZAAAAGQAAAAAAAAAZAAAAGQAAAAVAAAAYAAAAAAAAAAAAAAADwAAACADAAAAAAAAAAAAAAEAAACgMgAAVgcAAKr4//8BAAAAf39/AAEAAABkAAAAAAAAABQAAABAHwAAAAAAACYAAAAAAAAAwOD//wAAAAAmAAAAZAAAABYAAABMAAAAAAAAAAAAAAAEAAAAAAAAAAEAAACAgIAKAAAAACgAAAAoAAAAZAAAAGQAAAAAAAAAzMzMAAAAAABQAAAAUAAAAGQAAABkAAAAAAAAABcAAAAUAAAAAAAAAAAAAAD/fwAA/38AAAAAAAAJAAAABAAAAP////8eAAAAaAAAAAAAAAAAAAAAAAAAAAAAAAAAAAAAECcAABAnAAAAAAAAAAAAAAAAAAAAAAAAAAAAAAAAAAAAAAAAAAAAABQAAAAAAAAAwMD/AAAAAABkAAAAMgAAAAAAAABkAAAAAAAAAH9/fwAKAAAAIgAAABgAAAAAAAAAAAAAAAAAAAAAAAAAAAAAAAAAAAAkAAAAJAAAAAAAAAAHAAAAAAAAAAAAAAAAAAAAAAAAAAAAAAAAAAAAf39/ACUAAABYAAAAAAAAAAAAAAAAAAAAAAAAAAAAAAAAAAAAAAAAAAAAAAAAAAAAAAAAAAAAAAA/AAAAAAAAAKCGAQAAAAAAAAAAAAAAAAAMAAAAAQAAAAAAAAAAAAAAAAAAAB8AAABUAAAAAAAABQAAAAEAAAAAAAAAAAAAAAAAAAAAAAAAAAAAAAAAAAAAAAAAAAAAAAJ/f38AAAAAA8zMzADAwP8Af39/AAAAAAAAAAAAAAAAAAAAAAAAAAAAIQAAABgAAAAUAAAAwTUAABsnAABARwAAWSkAABAAAAAmAAAACAAAAP//////////MAAAABQAAAAAAAAAAAD//wAAAQAAAP//AAABAA=="/>
               </a:ext>
             </a:extLst>
           </p:cNvSpPr>
@@ -3028,7 +3029,7 @@
           </a:lstStyle>
           <a:p>
             <a:pPr/>
-            <a:fld id="{3F538EED-A3D2-0678-9CEB-552DC0A56A00}" type="slidenum">
+            <a:fld id="{3DEF3C09-47D0-BACA-9E57-B19F721968E4}" type="slidenum">
               <a:t/>
             </a:fld>
           </a:p>
@@ -3707,7 +3708,7 @@
             <a:spLocks noGrp="1" noChangeArrowheads="1"/>
             <a:extLst>
               <a:ext uri="smNativeData">
-                <pr:smNativeData xmlns:pr="smNativeData" xmlns="smNativeData" val="SMDATA_16_CqSDZxMAAAAlAAAAZAAAAA8BAAAAkAAAAEgAAACQAAAASAAAAAAAAAABAAAAAAAAAAEAAABQAAAAAAAAAAAA4D8AAAAAAADgPwAAAAAAAOA/AAAAAAAA4D8AAAAAAADgPwAAAAAAAOA/AAAAAAAA4D8AAAAAAADgPwAAAAAAAOA/AAAAAAAA4D8CAAAAjAAAAAAAAAAAAAAAu+DjDP///wgAAAAAAAAAAAAAAAAAAAAAAAAAAAAAAAAAAAAAZAAAAAEAAABAAAAAAAAAAAAAAAAAAAAAAAAAAAAAAAAAAAAAAAAAAAAAAAAAAAAAAAAAAAAAAAAAAAAAAAAAAAAAAAAAAAAAAAAAAAAAAAAAAAAAAAAAAAAAAAAAAAAAFAAAADwAAAAAAAAAAAAAAAAAAAkUAAAAAQAAABQAAAAUAAAAFAAAAAEAAAAAAAAAZAAAAGQAAAAAAAAAZAAAAGQAAAAVAAAAYAAAAAAAAAAAAAAADwAAACADAAAAAAAAAAAAAAEAAACgMgAAVgcAAKr4//8BAAAAf39/AAEAAABkAAAAAAAAABQAAABAHwAAAAAAACYAAAAAAAAAwOD//wAAAAAmAAAAZAAAABYAAABMAAAAAAAAAAAAAAAEAAAAAAAAAAEAAACAgIAKAAAAACgAAAAoAAAAZAAAAGQAAAAAAAAAzMzMAAAAAABQAAAAUAAAAGQAAABkAAAAAAAAABcAAAAUAAAAAAAAAAAAAAD/fwAA/38AAAAAAAAJAAAABAAAAAAAAAAeAAAAaAAAAAAAAAAAAAAAAAAAAAAAAAAAAAAAECcAABAnAAAAAAAAAAAAAAAAAAAAAAAAAAAAAAAAAAAAAAAAAAAAABQAAAAAAAAAwMD/AAAAAABkAAAAMgAAAAAAAABkAAAAAAAAAH9/fwAKAAAAIgAAABgAAAAAAAAAAAAAAAAAAAAAAAAAAAAAAAAAAAAkAAAAJAAAAAAAAAAHAAAAAAAAAAAAAAAAAAAAAAAAAAAAAAAAAAAAf39/ACUAAABYAAAAAAAAAAAAAAAAAAAAAAAAAAAAAAAAAAAAAAAAAAAAAAAAAAAAAAAAAAAAAAA/AAAAAAAAAKCGAQAAAAAAAAAAAAAAAAAMAAAAAQAAAAAAAAAAAAAAAAAAAB8AAABUAAAAAAAABQAAAAEAAAAAAAAAAAAAAAAAAAAAAAAAAAAAAAAAAAAAAAAAAAAAAAJ/f38AAAAAA8zMzADAwP8Af39/AAAAAAAAAAAAAAAAAAAAAAAAAAAAIQAAABgAAAAUAAAAoAUAABoNAABgRQAAJhYAABAAAAAmAAAACAAAAAAAAAAAAAAAMAAAABQAAAAAAAAAAAD//wAAAQAAAP//AAABAA=="/>
+                <pr:smNativeData xmlns:pr="smNativeData" xmlns="smNativeData" val="SMDATA_16_ZvmgZxMAAAAlAAAAZAAAAA8BAAAAkAAAAEgAAACQAAAASAAAAAAAAAABAAAAAAAAAAEAAABQAAAAAAAAAAAA4D8AAAAAAADgPwAAAAAAAOA/AAAAAAAA4D8AAAAAAADgPwAAAAAAAOA/AAAAAAAA4D8AAAAAAADgPwAAAAAAAOA/AAAAAAAA4D8CAAAAjAAAAAAAAAAAAAAAu+DjDP///wgAAAAAAAAAAAAAAAAAAAAAAAAAAAAAAAAAAAAAZAAAAAEAAABAAAAAAAAAAAAAAAAAAAAAAAAAAAAAAAAAAAAAAAAAAAAAAAAAAAAAAAAAAAAAAAAAAAAAAAAAAAAAAAAAAAAAAAAAAAAAAAAAAAAAAAAAAAAAAAAAAAAAFAAAADwAAAAAAAAAAAAAAAAAAAkUAAAAAQAAABQAAAAUAAAAFAAAAAEAAAAAAAAAZAAAAGQAAAAAAAAAZAAAAGQAAAAVAAAAYAAAAAAAAAAAAAAADwAAACADAAAAAAAAAAAAAAEAAACgMgAAVgcAAKr4//8BAAAAf39/AAEAAABkAAAAAAAAABQAAABAHwAAAAAAACYAAAAAAAAAwOD//wAAAAAmAAAAZAAAABYAAABMAAAAAAAAAAAAAAAEAAAAAAAAAAEAAACAgIAKAAAAACgAAAAoAAAAZAAAAGQAAAAAAAAAzMzMAAAAAABQAAAAUAAAAGQAAABkAAAAAAAAABcAAAAUAAAAAAAAAAAAAAD/fwAA/38AAAAAAAAJAAAABAAAAAAAAAAeAAAAaAAAAAAAAAAAAAAAAAAAAAAAAAAAAAAAECcAABAnAAAAAAAAAAAAAAAAAAAAAAAAAAAAAAAAAAAAAAAAAAAAABQAAAAAAAAAwMD/AAAAAABkAAAAMgAAAAAAAABkAAAAAAAAAH9/fwAKAAAAIgAAABgAAAAAAAAAAAAAAAAAAAAAAAAAAAAAAAAAAAAkAAAAJAAAAAAAAAAHAAAAAAAAAAAAAAAAAAAAAAAAAAAAAAAAAAAAf39/ACUAAABYAAAAAAAAAAAAAAAAAAAAAAAAAAAAAAAAAAAAAAAAAAAAAAAAAAAAAAAAAAAAAAA/AAAAAAAAAKCGAQAAAAAAAAAAAAAAAAAMAAAAAQAAAAAAAAAAAAAAAAAAAB8AAABUAAAAAAAABQAAAAEAAAAAAAAAAAAAAAAAAAAAAAAAAAAAAAAAAAAAAAAAAAAAAAJ/f38AAAAAA8zMzADAwP8Af39/AAAAAAAAAAAAAAAAAAAAAAAAAAAAIQAAABgAAAAUAAAAoAUAABoNAABgRQAAJhYAABAAAAAmAAAACAAAAAAAAAAAAAAAMAAAABQAAAAAAAAAAAD//wAAAQAAAP//AAABAA=="/>
               </a:ext>
             </a:extLst>
           </p:cNvSpPr>
@@ -3734,7 +3735,7 @@
             <a:spLocks noGrp="1" noChangeArrowheads="1"/>
             <a:extLst>
               <a:ext uri="smNativeData">
-                <pr:smNativeData xmlns:pr="smNativeData" xmlns="smNativeData" val="SMDATA_16_CqSDZxMAAAAlAAAAZAAAAA8BAAAAkAAAAEgAAACQAAAASAAAAAAAAAAAAAAAAAAAAAEAAABQAAAAAAAAAAAA4D8AAAAAAADgPwAAAAAAAOA/AAAAAAAA4D8AAAAAAADgPwAAAAAAAOA/AAAAAAAA4D8AAAAAAADgPwAAAAAAAOA/AAAAAAAA4D8CAAAAjAAAAAAAAAAAAAAAu+DjDP///wgAAAAAAAAAAAAAAAAAAAAAAAAAAAAAAAAAAAAAZAAAAAEAAABAAAAAAAAAAAAAAAAAAAAAAAAAAAAAAAAAAAAAAAAAAAAAAAAAAAAAAAAAAAAAAAAAAAAAAAAAAAAAAAAAAAAAAAAAAAAAAAAAAAAAAAAAAAAAAAAAAAAAFAAAADwAAAAAAAAAAAAAAAAAAAkUAAAAAQAAABQAAAAUAAAAFAAAAAEAAAAAAAAAZAAAAGQAAAAAAAAAZAAAAGQAAAAVAAAAYAAAAAAAAAAAAAAADwAAACADAAAAAAAAAAAAAAEAAACgMgAAVgcAAKr4//8BAAAAf39/AAEAAABkAAAAAAAAABQAAABAHwAAAAAAACYAAAAAAAAAwOD//wAAAAAmAAAAZAAAABYAAABMAAAAAAAAAAAAAAAEAAAAAAAAAAEAAACAgIAKAAAAACgAAAAoAAAAZAAAAGQAAAAAAAAAzMzMAAAAAABQAAAAUAAAAGQAAABkAAAAAAAAABcAAAAUAAAAAAAAAAAAAAD/fwAA/38AAAAAAAAJAAAABAAAAAAAAAAeAAAAaAAAAAAAAAAAAAAAAAAAAAAAAAAAAAAAECcAABAnAAAAAAAAAAAAAAAAAAAAAAAAAAAAAAAAAAAAAAAAAAAAABQAAAAAAAAAwMD/AAAAAABkAAAAMgAAAAAAAABkAAAAAAAAAH9/fwAKAAAAIgAAABgAAAAAAAAAAAAAAAAAAAAAAAAAAAAAAAAAAAAkAAAAJAAAAAAAAAAHAAAAAAAAAAAAAAAAAAAAAAAAAAAAAAAAAAAAf39/ACUAAABYAAAAAAAAAAAAAAAAAAAAAAAAAAAAAAAAAAAAAAAAAAAAAAAAAAAAAAAAAAAAAAA/AAAAAAAAAKCGAQAAAAAAAAAAAAAAAAAMAAAAAQAAAAAAAAAAAAAAAAAAAB8AAABUAAAAAAAABQAAAAEAAAAAAAAAAAAAAAAAAAAAAAAAAAAAAAAAAAAAAAAAAAAAAAJ/f38AAAAAA8zMzADAwP8Af39/AAAAAAAAAAAAAAAAAAAAAAAAAAAAIQAAABgAAAAUAAAAQAsAAOgXAADAPwAAsCIAABAAAAAmAAAACAAAAAAAAAAAAAAAMAAAABQAAAAAAAAAAAD//wAAAQAAAP//AAABAA=="/>
+                <pr:smNativeData xmlns:pr="smNativeData" xmlns="smNativeData" val="SMDATA_16_ZvmgZxMAAAAlAAAAZAAAAA8BAAAAkAAAAEgAAACQAAAASAAAAAAAAAAAAAAAAAAAAAEAAABQAAAAAAAAAAAA4D8AAAAAAADgPwAAAAAAAOA/AAAAAAAA4D8AAAAAAADgPwAAAAAAAOA/AAAAAAAA4D8AAAAAAADgPwAAAAAAAOA/AAAAAAAA4D8CAAAAjAAAAAAAAAAAAAAAu+DjDP///wgAAAAAAAAAAAAAAAAAAAAAAAAAAAAAAAAAAAAAZAAAAAEAAABAAAAAAAAAAAAAAAAAAAAAAAAAAAAAAAAAAAAAAAAAAAAAAAAAAAAAAAAAAAAAAAAAAAAAAAAAAAAAAAAAAAAAAAAAAAAAAAAAAAAAAAAAAAAAAAAAAAAAFAAAADwAAAAAAAAAAAAAAAAAAAkUAAAAAQAAABQAAAAUAAAAFAAAAAEAAAAAAAAAZAAAAGQAAAAAAAAAZAAAAGQAAAAVAAAAYAAAAAAAAAAAAAAADwAAACADAAAAAAAAAAAAAAEAAACgMgAAVgcAAKr4//8BAAAAf39/AAEAAABkAAAAAAAAABQAAABAHwAAAAAAACYAAAAAAAAAwOD//wAAAAAmAAAAZAAAABYAAABMAAAAAAAAAAAAAAAEAAAAAAAAAAEAAACAgIAKAAAAACgAAAAoAAAAZAAAAGQAAAAAAAAAzMzMAAAAAABQAAAAUAAAAGQAAABkAAAAAAAAABcAAAAUAAAAAAAAAAAAAAD/fwAA/38AAAAAAAAJAAAABAAAAAAAAAAeAAAAaAAAAAAAAAAAAAAAAAAAAAAAAAAAAAAAECcAABAnAAAAAAAAAAAAAAAAAAAAAAAAAAAAAAAAAAAAAAAAAAAAABQAAAAAAAAAwMD/AAAAAABkAAAAMgAAAAAAAABkAAAAAAAAAH9/fwAKAAAAIgAAABgAAAAAAAAAAAAAAAAAAAAAAAAAAAAAAAAAAAAkAAAAJAAAAAAAAAAHAAAAAAAAAAAAAAAAAAAAAAAAAAAAAAAAAAAAf39/ACUAAABYAAAAAAAAAAAAAAAAAAAAAAAAAAAAAAAAAAAAAAAAAAAAAAAAAAAAAAAAAAAAAAA/AAAAAAAAAKCGAQAAAAAAAAAAAAAAAAAMAAAAAQAAAAAAAAAAAAAAAAAAAB8AAABUAAAAAAAABQAAAAEAAAAAAAAAAAAAAAAAAAAAAAAAAAAAAAAAAAAAAAAAAAAAAAJ/f38AAAAAA8zMzADAwP8Af39/AAAAAAAAAAAAAAAAAAAAAAAAAAAAIQAAABgAAAAUAAAAQAsAAOgXAADAPwAAsCIAABAAAAAmAAAACAAAAAAAAAAAAAAAMAAAABQAAAAAAAAAAAD//wAAAQAAAP//AAABAA=="/>
               </a:ext>
             </a:extLst>
           </p:cNvSpPr>
@@ -3793,7 +3794,7 @@
             <a:spLocks noGrp="1" noChangeArrowheads="1"/>
             <a:extLst>
               <a:ext uri="smNativeData">
-                <pr:smNativeData xmlns:pr="smNativeData" xmlns="smNativeData" val="SMDATA_16_CqSDZxMAAAAlAAAAZAAAAA8BAAAAkAAAAEgAAACQAAAASAAAAAAAAAABAAAAAAAAAAEAAABQAAAAAAAAAAAA4D8AAAAAAADgPwAAAAAAAOA/AAAAAAAA4D8AAAAAAADgPwAAAAAAAOA/AAAAAAAA4D8AAAAAAADgPwAAAAAAAOA/AAAAAAAA4D8CAAAAjAAAAAAAAAAAAAAAu+DjDP///wgAAAAAAAAAAAAAAAAAAAAAAAAAAAAAAAAAAAAAZAAAAAEAAABAAAAAAAAAAAAAAAAAAAAAAAAAAAAAAAAAAAAAAAAAAAAAAAAAAAAAAAAAAAAAAAAAAAAAAAAAAAAAAAAAAAAAAAAAAAAAAAAAAAAAAAAAAAAAAAAAAAAAFAAAADwAAAAAAAAAAAAAAAAAAAkUAAAAAQAAABQAAAAUAAAAFAAAAAEAAAAAAAAAZAAAAGQAAAAAAAAAZAAAAGQAAAAVAAAAYAAAAAAAAAAAAAAADwAAACADAAAAAAAAAAAAAAEAAACgMgAAVgcAAKr4//8BAAAAf39/AAEAAABkAAAAAAAAABQAAABAHwAAAAAAACYAAAAAAAAAwOD//wAAAAAmAAAAZAAAABYAAABMAAAAAAAAAAAAAAAEAAAAAAAAAAEAAACAgIAKAAAAACgAAAAoAAAAZAAAAGQAAAAAAAAAzMzMAAAAAABQAAAAUAAAAGQAAABkAAAAAAAAABcAAAAUAAAAAAAAAAAAAAD/fwAA/38AAAAAAAAJAAAABAAAAAAAACAeAAAAaAAAAAAAAAAAAAAAAAAAAAAAAAAAAAAAECcAABAnAAAAAAAAAAAAAAAAAAAAAAAAAAAAAAAAAAAAAAAAAAAAABQAAAAAAAAAwMD/AAAAAABkAAAAMgAAAAAAAABkAAAAAAAAAH9/fwAKAAAAIgAAABgAAAAAAAAAAAAAAAAAAAAAAAAAAAAAAAAAAAAkAAAAJAAAAAAAAAAHAAAAAAAAAAAAAAAAAAAAAAAAAAAAAAAAAAAAf39/ACUAAABYAAAAAAAAAAAAAAAAAAAAAAAAAAAAAAAAAAAAAAAAAAAAAAAAAAAAAAAAAAAAAAA/AAAAAAAAAKCGAQAAAAAAAAAAAAAAAAAMAAAAAQAAAAAAAAAAAAAAAAAAAB8AAABUAAAAAAAABQAAAAEAAAAAAAAAAAAAAAAAAAAAAAAAAAAAAAAAAAAAAAAAAAAAAAJ/f38AAAAAA8zMzADAwP8Af39/AAAAAAAAAAAAAAAAAAAAAAAAAAAAIQAAABgAAAAUAAAAwAMAALABAABARwAAuAgAABAAAAAmAAAACAAAAAAAAAAAAAAAMAAAABQAAAAAAAAAAAD//wAAAQAAAP//AAABAA=="/>
+                <pr:smNativeData xmlns:pr="smNativeData" xmlns="smNativeData" val="SMDATA_16_ZvmgZxMAAAAlAAAAZAAAAA8BAAAAkAAAAEgAAACQAAAASAAAAAAAAAABAAAAAAAAAAEAAABQAAAAAAAAAAAA4D8AAAAAAADgPwAAAAAAAOA/AAAAAAAA4D8AAAAAAADgPwAAAAAAAOA/AAAAAAAA4D8AAAAAAADgPwAAAAAAAOA/AAAAAAAA4D8CAAAAjAAAAAAAAAAAAAAAu+DjDP///wgAAAAAAAAAAAAAAAAAAAAAAAAAAAAAAAAAAAAAZAAAAAEAAABAAAAAAAAAAAAAAAAAAAAAAAAAAAAAAAAAAAAAAAAAAAAAAAAAAAAAAAAAAAAAAAAAAAAAAAAAAAAAAAAAAAAAAAAAAAAAAAAAAAAAAAAAAAAAAAAAAAAAFAAAADwAAAAAAAAAAAAAAAAAAAkUAAAAAQAAABQAAAAUAAAAFAAAAAEAAAAAAAAAZAAAAGQAAAAAAAAAZAAAAGQAAAAVAAAAYAAAAAAAAAAAAAAADwAAACADAAAAAAAAAAAAAAEAAACgMgAAVgcAAKr4//8BAAAAf39/AAEAAABkAAAAAAAAABQAAABAHwAAAAAAACYAAAAAAAAAwOD//wAAAAAmAAAAZAAAABYAAABMAAAAAAAAAAAAAAAEAAAAAAAAAAEAAACAgIAKAAAAACgAAAAoAAAAZAAAAGQAAAAAAAAAzMzMAAAAAABQAAAAUAAAAGQAAABkAAAAAAAAABcAAAAUAAAAAAAAAAAAAAD/fwAA/38AAAAAAAAJAAAABAAAAAAAACAeAAAAaAAAAAAAAAAAAAAAAAAAAAAAAAAAAAAAECcAABAnAAAAAAAAAAAAAAAAAAAAAAAAAAAAAAAAAAAAAAAAAAAAABQAAAAAAAAAwMD/AAAAAABkAAAAMgAAAAAAAABkAAAAAAAAAH9/fwAKAAAAIgAAABgAAAAAAAAAAAAAAAAAAAAAAAAAAAAAAAAAAAAkAAAAJAAAAAAAAAAHAAAAAAAAAAAAAAAAAAAAAAAAAAAAAAAAAAAAf39/ACUAAABYAAAAAAAAAAAAAAAAAAAAAAAAAAAAAAAAAAAAAAAAAAAAAAAAAAAAAAAAAAAAAAA/AAAAAAAAAKCGAQAAAAAAAAAAAAAAAAAMAAAAAQAAAAAAAAAAAAAAAAAAAB8AAABUAAAAAAAABQAAAAEAAAAAAAAAAAAAAAAAAAAAAAAAAAAAAAAAAAAAAAAAAAAAAAJ/f38AAAAAA8zMzADAwP8Af39/AAAAAAAAAAAAAAAAAAAAAAAAAAAAIQAAABgAAAAUAAAAwAMAALABAABARwAAuAgAABAAAAAmAAAACAAAAAAAAAAAAAAAMAAAABQAAAAAAAAAAAD//wAAAQAAAP//AAABAA=="/>
               </a:ext>
             </a:extLst>
           </p:cNvSpPr>
@@ -3820,7 +3821,7 @@
             <a:spLocks noGrp="1" noChangeArrowheads="1"/>
             <a:extLst>
               <a:ext uri="smNativeData">
-                <pr:smNativeData xmlns:pr="smNativeData" xmlns="smNativeData" val="SMDATA_16_CqSDZxMAAAAlAAAAZAAAAA8BAAAAkAAAAEgAAACQAAAASAAAAAAAAAAAAAAAAAAAAAEAAABQAAAAAAAAAAAA4D8AAAAAAADgPwAAAAAAAOA/AAAAAAAA4D8AAAAAAADgPwAAAAAAAOA/AAAAAAAA4D8AAAAAAADgPwAAAAAAAOA/AAAAAAAA4D8CAAAAjAAAAAAAAAAAAAAAu+DjDP///wgAAAAAAAAAAAAAAAAAAAAAAAAAAAAAAAAAAAAAZAAAAAEAAABAAAAAAAAAAAAAAAAAAAAAAAAAAAAAAAAAAAAAAAAAAAAAAAAAAAAAAAAAAAAAAAAAAAAAAAAAAAAAAAAAAAAAAAAAAAAAAAAAAAAAAAAAAAAAAAAAAAAAFAAAADwAAAAAAAAAAAAAAAAAAAkUAAAAAQAAABQAAAAUAAAAFAAAAAEAAAAAAAAAZAAAAGQAAAAAAAAAZAAAAGQAAAAVAAAAYAAAAAAAAAAAAAAADwAAACADAAAAAAAAAAAAAAEAAACgMgAAVgcAAKr4//8BAAAAf39/AAEAAABkAAAAAAAAABQAAABAHwAAAAAAACYAAAAAAAAAwOD//wAAAAAmAAAAZAAAABYAAABMAAAAAAAAAAAAAAAEAAAAAAAAAAEAAACAgIAKAAAAACgAAAAoAAAAZAAAAGQAAAAAAAAAzMzMAAAAAABQAAAAUAAAAGQAAABkAAAAAAAAABcAAAAUAAAAAAAAAAAAAAD/fwAA/38AAAAAAAAJAAAABAAAAAYAAAAeAAAAaAAAAAAAAAAAAAAAAAAAAAAAAAAAAAAAECcAABAnAAAAAAAAAAAAAAAAAAAAAAAAAAAAAAAAAAAAAAAAAAAAABQAAAAAAAAAwMD/AAAAAABkAAAAMgAAAAAAAABkAAAAAAAAAH9/fwAKAAAAIgAAABgAAAAAAAAAAAAAAAAAAAAAAAAAAAAAAAAAAAAkAAAAJAAAAAAAAAAHAAAAAAAAAAAAAAAAAAAAAAAAAAAAAAAAAAAAf39/ACUAAABYAAAAAAAAAAAAAAAAAAAAAAAAAAAAAAAAAAAAAAAAAAAAAAAAAAAAAAAAAAAAAAA/AAAAAAAAAKCGAQAAAAAAAAAAAAAAAAAMAAAAAQAAAAAAAAAAAAAAAAAAAB8AAABUAAAAAAAABQAAAAEAAAAAAAAAAAAAAAAAAAAAAAAAAAAAAAAAAAAAAAAAAAAAAAJ/f38AAAAAA8zMzADAwP8Af39/AAAAAAAAAAAAAAAAAAAAAAAAAAAAIQAAABgAAAAUAAAAwAMAANgJAADhJAAAsCUAABAAAAAmAAAACAAAAAEAAAAAAAAAMAAAABQAAAAAAAAAAAD//wAAAQAAAP//AAABAA=="/>
+                <pr:smNativeData xmlns:pr="smNativeData" xmlns="smNativeData" val="SMDATA_16_ZvmgZxMAAAAlAAAAZAAAAA8BAAAAkAAAAEgAAACQAAAASAAAAAAAAAAAAAAAAAAAAAEAAABQAAAAAAAAAAAA4D8AAAAAAADgPwAAAAAAAOA/AAAAAAAA4D8AAAAAAADgPwAAAAAAAOA/AAAAAAAA4D8AAAAAAADgPwAAAAAAAOA/AAAAAAAA4D8CAAAAjAAAAAAAAAAAAAAAu+DjDP///wgAAAAAAAAAAAAAAAAAAAAAAAAAAAAAAAAAAAAAZAAAAAEAAABAAAAAAAAAAAAAAAAAAAAAAAAAAAAAAAAAAAAAAAAAAAAAAAAAAAAAAAAAAAAAAAAAAAAAAAAAAAAAAAAAAAAAAAAAAAAAAAAAAAAAAAAAAAAAAAAAAAAAFAAAADwAAAAAAAAAAAAAAAAAAAkUAAAAAQAAABQAAAAUAAAAFAAAAAEAAAAAAAAAZAAAAGQAAAAAAAAAZAAAAGQAAAAVAAAAYAAAAAAAAAAAAAAADwAAACADAAAAAAAAAAAAAAEAAACgMgAAVgcAAKr4//8BAAAAf39/AAEAAABkAAAAAAAAABQAAABAHwAAAAAAACYAAAAAAAAAwOD//wAAAAAmAAAAZAAAABYAAABMAAAAAAAAAAAAAAAEAAAAAAAAAAEAAACAgIAKAAAAACgAAAAoAAAAZAAAAGQAAAAAAAAAzMzMAAAAAABQAAAAUAAAAGQAAABkAAAAAAAAABcAAAAUAAAAAAAAAAAAAAD/fwAA/38AAAAAAAAJAAAABAAAAAYAAAAeAAAAaAAAAAAAAAAAAAAAAAAAAAAAAAAAAAAAECcAABAnAAAAAAAAAAAAAAAAAAAAAAAAAAAAAAAAAAAAAAAAAAAAABQAAAAAAAAAwMD/AAAAAABkAAAAMgAAAAAAAABkAAAAAAAAAH9/fwAKAAAAIgAAABgAAAAAAAAAAAAAAAAAAAAAAAAAAAAAAAAAAAAkAAAAJAAAAAAAAAAHAAAAAAAAAAAAAAAAAAAAAAAAAAAAAAAAAAAAf39/ACUAAABYAAAAAAAAAAAAAAAAAAAAAAAAAAAAAAAAAAAAAAAAAAAAAAAAAAAAAAAAAAAAAAA/AAAAAAAAAKCGAQAAAAAAAAAAAAAAAAAMAAAAAQAAAAAAAAAAAAAAAAAAAB8AAABUAAAAAAAABQAAAAEAAAAAAAAAAAAAAAAAAAAAAAAAAAAAAAAAAAAAAAAAAAAAAAJ/f38AAAAAA8zMzADAwP8Af39/AAAAAAAAAAAAAAAAAAAAAAAAAAAAIQAAABgAAAAUAAAAwAMAANgJAADhJAAAsCUAABAAAAAmAAAACAAAAAEAAAAAAAAAMAAAABQAAAAAAAAAAAD//wAAAQAAAP//AAABAA=="/>
               </a:ext>
             </a:extLst>
           </p:cNvSpPr>
@@ -3852,7 +3853,7 @@
             <a:spLocks noGrp="1" noChangeArrowheads="1"/>
             <a:extLst>
               <a:ext uri="smNativeData">
-                <pr:smNativeData xmlns:pr="smNativeData" xmlns="smNativeData" val="SMDATA_16_CqSDZxMAAAAlAAAAZAAAAA8BAAAAkAAAAEgAAACQAAAASAAAAAAAAAAAAAAAAAAAAAEAAABQAAAAAAAAAAAA4D8AAAAAAADgPwAAAAAAAOA/AAAAAAAA4D8AAAAAAADgPwAAAAAAAOA/AAAAAAAA4D8AAAAAAADgPwAAAAAAAOA/AAAAAAAA4D8CAAAAjAAAAAAAAAAAAAAAu+DjDP///wgAAAAAAAAAAAAAAAAAAAAAAAAAAAAAAAAAAAAAZAAAAAEAAABAAAAAAAAAAAAAAAAAAAAAAAAAAAAAAAAAAAAAAAAAAAAAAAAAAAAAAAAAAAAAAAAAAAAAAAAAAAAAAAAAAAAAAAAAAAAAAAAAAAAAAAAAAAAAAAAAAAAAFAAAADwAAAAAAAAAAAAAAAAAAAkUAAAAAQAAABQAAAAUAAAAFAAAAAEAAAAAAAAAZAAAAGQAAAAAAAAAZAAAAGQAAAAVAAAAYAAAAAAAAAAAAAAADwAAACADAAAAAAAAAAAAAAEAAACgMgAAVgcAAKr4//8BAAAAf39/AAEAAABkAAAAAAAAABQAAABAHwAAAAAAACYAAAAAAAAAwOD//wAAAAAmAAAAZAAAABYAAABMAAAAAAAAAAAAAAAEAAAAAAAAAAEAAACAgIAKAAAAACgAAAAoAAAAZAAAAGQAAAAAAAAAzMzMAAAAAABQAAAAUAAAAGQAAABkAAAAAAAAABcAAAAUAAAAAAAAAAAAAAD/fwAA/38AAAAAAAAJAAAABAAAAAB1AHMeAAAAaAAAAAAAAAAAAAAAAAAAAAAAAAAAAAAAECcAABAnAAAAAAAAAAAAAAAAAAAAAAAAAAAAAAAAAAAAAAAAAAAAABQAAAAAAAAAwMD/AAAAAABkAAAAMgAAAAAAAABkAAAAAAAAAH9/fwAKAAAAIgAAABgAAAAAAAAAAAAAAAAAAAAAAAAAAAAAAAAAAAAkAAAAJAAAAAAAAAAHAAAAAAAAAAAAAAAAAAAAAAAAAAAAAAAAAAAAf39/ACUAAABYAAAAAAAAAAAAAAAAAAAAAAAAAAAAAAAAAAAAAAAAAAAAAAAAAAAAAAAAAAAAAAA/AAAAAAAAAKCGAQAAAAAAAAAAAAAAAAAMAAAAAQAAAAAAAAAAAAAAAAAAAB8AAABUAAAAAAAABQAAAAEAAAAAAAAAAAAAAAAAAAAAAAAAAAAAAAAAAAAAAAAAAAAAAAJ/f38AAAAAA8zMzADAwP8Af39/AAAAAAAAAAAAAAAAAAAAAAAAAAAAIQAAABgAAAAUAAAAHyYAANgJAABARwAAsCUAABAAAAAmAAAACAAAAAAAAAAAAAAAMAAAABQAAAAAAAAAAAD//wAAAQAAAP//AAABAA=="/>
+                <pr:smNativeData xmlns:pr="smNativeData" xmlns="smNativeData" val="SMDATA_16_ZvmgZxMAAAAlAAAAZAAAAA8BAAAAkAAAAEgAAACQAAAASAAAAAAAAAAAAAAAAAAAAAEAAABQAAAAAAAAAAAA4D8AAAAAAADgPwAAAAAAAOA/AAAAAAAA4D8AAAAAAADgPwAAAAAAAOA/AAAAAAAA4D8AAAAAAADgPwAAAAAAAOA/AAAAAAAA4D8CAAAAjAAAAAAAAAAAAAAAu+DjDP///wgAAAAAAAAAAAAAAAAAAAAAAAAAAAAAAAAAAAAAZAAAAAEAAABAAAAAAAAAAAAAAAAAAAAAAAAAAAAAAAAAAAAAAAAAAAAAAAAAAAAAAAAAAAAAAAAAAAAAAAAAAAAAAAAAAAAAAAAAAAAAAAAAAAAAAAAAAAAAAAAAAAAAFAAAADwAAAAAAAAAAAAAAAAAAAkUAAAAAQAAABQAAAAUAAAAFAAAAAEAAAAAAAAAZAAAAGQAAAAAAAAAZAAAAGQAAAAVAAAAYAAAAAAAAAAAAAAADwAAACADAAAAAAAAAAAAAAEAAACgMgAAVgcAAKr4//8BAAAAf39/AAEAAABkAAAAAAAAABQAAABAHwAAAAAAACYAAAAAAAAAwOD//wAAAAAmAAAAZAAAABYAAABMAAAAAAAAAAAAAAAEAAAAAAAAAAEAAACAgIAKAAAAACgAAAAoAAAAZAAAAGQAAAAAAAAAzMzMAAAAAABQAAAAUAAAAGQAAABkAAAAAAAAABcAAAAUAAAAAAAAAAAAAAD/fwAA/38AAAAAAAAJAAAABAAAAAB1AHMeAAAAaAAAAAAAAAAAAAAAAAAAAAAAAAAAAAAAECcAABAnAAAAAAAAAAAAAAAAAAAAAAAAAAAAAAAAAAAAAAAAAAAAABQAAAAAAAAAwMD/AAAAAABkAAAAMgAAAAAAAABkAAAAAAAAAH9/fwAKAAAAIgAAABgAAAAAAAAAAAAAAAAAAAAAAAAAAAAAAAAAAAAkAAAAJAAAAAAAAAAHAAAAAAAAAAAAAAAAAAAAAAAAAAAAAAAAAAAAf39/ACUAAABYAAAAAAAAAAAAAAAAAAAAAAAAAAAAAAAAAAAAAAAAAAAAAAAAAAAAAAAAAAAAAAA/AAAAAAAAAKCGAQAAAAAAAAAAAAAAAAAMAAAAAQAAAAAAAAAAAAAAAAAAAB8AAABUAAAAAAAABQAAAAEAAAAAAAAAAAAAAAAAAAAAAAAAAAAAAAAAAAAAAAAAAAAAAAJ/f38AAAAAA8zMzADAwP8Af39/AAAAAAAAAAAAAAAAAAAAAAAAAAAAIQAAABgAAAAUAAAAHyYAANgJAABARwAAsCUAABAAAAAmAAAACAAAAAAAAAAAAAAAMAAAABQAAAAAAAAAAAD//wAAAQAAAP//AAABAA=="/>
               </a:ext>
             </a:extLst>
           </p:cNvSpPr>
@@ -3911,7 +3912,7 @@
             <a:spLocks noGrp="1" noChangeArrowheads="1"/>
             <a:extLst>
               <a:ext uri="smNativeData">
-                <pr:smNativeData xmlns:pr="smNativeData" xmlns="smNativeData" val="SMDATA_16_CqSDZxMAAAAlAAAAZAAAAA8BAAAAkAAAAEgAAACQAAAASAAAAAAAAAABAAAAAAAAAAEAAABQAAAAAAAAAAAA4D8AAAAAAADgPwAAAAAAAOA/AAAAAAAA4D8AAAAAAADgPwAAAAAAAOA/AAAAAAAA4D8AAAAAAADgPwAAAAAAAOA/AAAAAAAA4D8CAAAAjAAAAAAAAAAAAAAAu+DjDP///wgAAAAAAAAAAAAAAAAAAAAAAAAAAAAAAAAAAAAAZAAAAAEAAABAAAAAAAAAAAAAAAAAAAAAAAAAAAAAAAAAAAAAAAAAAAAAAAAAAAAAAAAAAAAAAAAAAAAAAAAAAAAAAAAAAAAAAAAAAAAAAAAAAAAAAAAAAAAAAAAAAAAAFAAAADwAAAAAAAAAAAAAAAAAAAkUAAAAAQAAABQAAAAUAAAAFAAAAAEAAAAAAAAAZAAAAGQAAAAAAAAAZAAAAGQAAAAVAAAAYAAAAAAAAAAAAAAADwAAACADAAAAAAAAAAAAAAEAAACgMgAAVgcAAKr4//8BAAAAf39/AAEAAABkAAAAAAAAABQAAABAHwAAAAAAACYAAAAAAAAAwOD//wAAAAAmAAAAZAAAABYAAABMAAAAAAAAAAAAAAAEAAAAAAAAAAEAAACAgIAKAAAAACgAAAAoAAAAZAAAAGQAAAAAAAAAzMzMAAAAAABQAAAAUAAAAGQAAABkAAAAAAAAABcAAAAUAAAAAAAAAAAAAAD/fwAA/38AAAAAAAAJAAAABAAAAP////8eAAAAaAAAAAAAAAAAAAAAAAAAAAAAAAAAAAAAECcAABAnAAAAAAAAAAAAAAAAAAAAAAAAAAAAAAAAAAAAAAAAAAAAABQAAAAAAAAAwMD/AAAAAABkAAAAMgAAAAAAAABkAAAAAAAAAH9/fwAKAAAAIgAAABgAAAAAAAAAAAAAAAAAAAAAAAAAAAAAAAAAAAAkAAAAJAAAAAAAAAAHAAAAAAAAAAAAAAAAAAAAAAAAAAAAAAAAAAAAf39/ACUAAABYAAAAAAAAAAAAAAAAAAAAAAAAAAAAAAAAAAAAAAAAAAAAAAAAAAAAAAAAAAAAAAA/AAAAAAAAAKCGAQAAAAAAAAAAAAAAAAAMAAAAAQAAAAAAAAAAAAAAAAAAAB8AAABUAAAAAAAABQAAAAEAAAAAAAAAAAAAAAAAAAAAAAAAAAAAAAAAAAAAAAAAAAAAAAJ/f38AAAAAA8zMzADAwP8Af39/AAAAAAAAAAAAAAAAAAAAAAAAAAAAIQAAABgAAAAUAAAAwAMAALABAABARwAAuAgAABAAAAAmAAAACAAAAAAAAAAAAAAAMAAAABQAAAAAAAAAAAD//wAAAQAAAP//AAABAA=="/>
+                <pr:smNativeData xmlns:pr="smNativeData" xmlns="smNativeData" val="SMDATA_16_ZvmgZxMAAAAlAAAAZAAAAA8BAAAAkAAAAEgAAACQAAAASAAAAAAAAAABAAAAAAAAAAEAAABQAAAAAAAAAAAA4D8AAAAAAADgPwAAAAAAAOA/AAAAAAAA4D8AAAAAAADgPwAAAAAAAOA/AAAAAAAA4D8AAAAAAADgPwAAAAAAAOA/AAAAAAAA4D8CAAAAjAAAAAAAAAAAAAAAu+DjDP///wgAAAAAAAAAAAAAAAAAAAAAAAAAAAAAAAAAAAAAZAAAAAEAAABAAAAAAAAAAAAAAAAAAAAAAAAAAAAAAAAAAAAAAAAAAAAAAAAAAAAAAAAAAAAAAAAAAAAAAAAAAAAAAAAAAAAAAAAAAAAAAAAAAAAAAAAAAAAAAAAAAAAAFAAAADwAAAAAAAAAAAAAAAAAAAkUAAAAAQAAABQAAAAUAAAAFAAAAAEAAAAAAAAAZAAAAGQAAAAAAAAAZAAAAGQAAAAVAAAAYAAAAAAAAAAAAAAADwAAACADAAAAAAAAAAAAAAEAAACgMgAAVgcAAKr4//8BAAAAf39/AAEAAABkAAAAAAAAABQAAABAHwAAAAAAACYAAAAAAAAAwOD//wAAAAAmAAAAZAAAABYAAABMAAAAAAAAAAAAAAAEAAAAAAAAAAEAAACAgIAKAAAAACgAAAAoAAAAZAAAAGQAAAAAAAAAzMzMAAAAAABQAAAAUAAAAGQAAABkAAAAAAAAABcAAAAUAAAAAAAAAAAAAAD/fwAA/38AAAAAAAAJAAAABAAAAP////8eAAAAaAAAAAAAAAAAAAAAAAAAAAAAAAAAAAAAECcAABAnAAAAAAAAAAAAAAAAAAAAAAAAAAAAAAAAAAAAAAAAAAAAABQAAAAAAAAAwMD/AAAAAABkAAAAMgAAAAAAAABkAAAAAAAAAH9/fwAKAAAAIgAAABgAAAAAAAAAAAAAAAAAAAAAAAAAAAAAAAAAAAAkAAAAJAAAAAAAAAAHAAAAAAAAAAAAAAAAAAAAAAAAAAAAAAAAAAAAf39/ACUAAABYAAAAAAAAAAAAAAAAAAAAAAAAAAAAAAAAAAAAAAAAAAAAAAAAAAAAAAAAAAAAAAA/AAAAAAAAAKCGAQAAAAAAAAAAAAAAAAAMAAAAAQAAAAAAAAAAAAAAAAAAAB8AAABUAAAAAAAABQAAAAEAAAAAAAAAAAAAAAAAAAAAAAAAAAAAAAAAAAAAAAAAAAAAAAJ/f38AAAAAA8zMzADAwP8Af39/AAAAAAAAAAAAAAAAAAAAAAAAAAAAIQAAABgAAAAUAAAAwAMAALABAABARwAAuAgAABAAAAAmAAAACAAAAAAAAAAAAAAAMAAAABQAAAAAAAAAAAD//wAAAQAAAP//AAABAA=="/>
               </a:ext>
             </a:extLst>
           </p:cNvSpPr>
@@ -3938,7 +3939,7 @@
             <a:spLocks noGrp="1" noChangeArrowheads="1"/>
             <a:extLst>
               <a:ext uri="smNativeData">
-                <pr:smNativeData xmlns:pr="smNativeData" xmlns="smNativeData" val="SMDATA_16_CqSDZxMAAAAlAAAAZAAAAA8BAAAAkAAAAEgAAACQAAAASAAAAAAAAAAAAAAAAAAAAAEAAABQAAAAAAAAAAAA4D8AAAAAAADgPwAAAAAAAOA/AAAAAAAA4D8AAAAAAADgPwAAAAAAAOA/AAAAAAAA4D8AAAAAAADgPwAAAAAAAOA/AAAAAAAA4D8CAAAAjAAAAAAAAAAAAAAAu+DjDP///wgAAAAAAAAAAAAAAAAAAAAAAAAAAAAAAAAAAAAAZAAAAAEAAABAAAAAAAAAAAAAAAAAAAAAAAAAAAAAAAAAAAAAAAAAAAAAAAAAAAAAAAAAAAAAAAAAAAAAAAAAAAAAAAAAAAAAAAAAAAAAAAAAAAAAAAAAAAAAAAAAAAAAFAAAADwAAAAAAAAAAAAAAAAAAAkUAAAAAQAAABQAAAAUAAAAFAAAAAEAAAAAAAAAZAAAAGQAAAAAAAAAZAAAAGQAAAAVAAAAYAAAAAAAAAAAAAAADwAAACADAAAAAAAAAAAAAAEAAACgMgAAVgcAAKr4//8BAAAAf39/AAEAAABkAAAAAAAAABQAAABAHwAAAAAAACYAAAAAAAAAwOD//wAAAAAmAAAAZAAAABYAAABMAAAAAAAAAAAAAAAEAAAAAAAAAAEAAACAgIAKAAAAACgAAAAoAAAAZAAAAGQAAAAAAAAAzMzMAAAAAABQAAAAUAAAAGQAAABkAAAAAAAAABcAAAAUAAAAAAAAAAAAAAD/fwAA/38AAAAAAAAJAAAABAAAALrm1/8eAAAAaAAAAAAAAAAAAAAAAAAAAAAAAAAAAAAAECcAABAnAAAAAAAAAAAAAAAAAAAAAAAAAAAAAAAAAAAAAAAAAAAAABQAAAAAAAAAwMD/AAAAAABkAAAAMgAAAAAAAABkAAAAAAAAAH9/fwAKAAAAIgAAABgAAAAAAAAAAAAAAAAAAAAAAAAAAAAAAAAAAAAkAAAAJAAAAAAAAAAHAAAAAAAAAAAAAAAAAAAAAAAAAAAAAAAAAAAAf39/ACUAAABYAAAAAAAAAAAAAAAAAAAAAAAAAAAAAAAAAAAAAAAAAAAAAAAAAAAAAAAAAAAAAAA/AAAAAAAAAKCGAQAAAAAAAAAAAAAAAAAMAAAAAQAAAAAAAAAAAAAAAAAAAB8AAABUAAAAAAAABQAAAAEAAAAAAAAAAAAAAAAAAAAAAAAAAAAAAAAAAAAAAAAAAAAAAAJ/f38AAAAAA8zMzADAwP8Af39/AAAAAAAAAAAAAAAAAAAAAAAAAAAAIQAAABgAAAAUAAAAwAMAANgJAABARwAAsCUAABAAAAAmAAAACAAAAAAAAAAAAAAAMAAAABQAAAAAAAAAAAD//wAAAQAAAP//AAABAA=="/>
+                <pr:smNativeData xmlns:pr="smNativeData" xmlns="smNativeData" val="SMDATA_16_ZvmgZxMAAAAlAAAAZAAAAA8BAAAAkAAAAEgAAACQAAAASAAAAAAAAAAAAAAAAAAAAAEAAABQAAAAAAAAAAAA4D8AAAAAAADgPwAAAAAAAOA/AAAAAAAA4D8AAAAAAADgPwAAAAAAAOA/AAAAAAAA4D8AAAAAAADgPwAAAAAAAOA/AAAAAAAA4D8CAAAAjAAAAAAAAAAAAAAAu+DjDP///wgAAAAAAAAAAAAAAAAAAAAAAAAAAAAAAAAAAAAAZAAAAAEAAABAAAAAAAAAAAAAAAAAAAAAAAAAAAAAAAAAAAAAAAAAAAAAAAAAAAAAAAAAAAAAAAAAAAAAAAAAAAAAAAAAAAAAAAAAAAAAAAAAAAAAAAAAAAAAAAAAAAAAFAAAADwAAAAAAAAAAAAAAAAAAAkUAAAAAQAAABQAAAAUAAAAFAAAAAEAAAAAAAAAZAAAAGQAAAAAAAAAZAAAAGQAAAAVAAAAYAAAAAAAAAAAAAAADwAAACADAAAAAAAAAAAAAAEAAACgMgAAVgcAAKr4//8BAAAAf39/AAEAAABkAAAAAAAAABQAAABAHwAAAAAAACYAAAAAAAAAwOD//wAAAAAmAAAAZAAAABYAAABMAAAAAAAAAAAAAAAEAAAAAAAAAAEAAACAgIAKAAAAACgAAAAoAAAAZAAAAGQAAAAAAAAAzMzMAAAAAABQAAAAUAAAAGQAAABkAAAAAAAAABcAAAAUAAAAAAAAAAAAAAD/fwAA/38AAAAAAAAJAAAABAAAALrm1/8eAAAAaAAAAAAAAAAAAAAAAAAAAAAAAAAAAAAAECcAABAnAAAAAAAAAAAAAAAAAAAAAAAAAAAAAAAAAAAAAAAAAAAAABQAAAAAAAAAwMD/AAAAAABkAAAAMgAAAAAAAABkAAAAAAAAAH9/fwAKAAAAIgAAABgAAAAAAAAAAAAAAAAAAAAAAAAAAAAAAAAAAAAkAAAAJAAAAAAAAAAHAAAAAAAAAAAAAAAAAAAAAAAAAAAAAAAAAAAAf39/ACUAAABYAAAAAAAAAAAAAAAAAAAAAAAAAAAAAAAAAAAAAAAAAAAAAAAAAAAAAAAAAAAAAAA/AAAAAAAAAKCGAQAAAAAAAAAAAAAAAAAMAAAAAQAAAAAAAAAAAAAAAAAAAB8AAABUAAAAAAAABQAAAAEAAAAAAAAAAAAAAAAAAAAAAAAAAAAAAAAAAAAAAAAAAAAAAAJ/f38AAAAAA8zMzADAwP8Af39/AAAAAAAAAAAAAAAAAAAAAAAAAAAAIQAAABgAAAAUAAAAwAMAANgJAABARwAAsCUAABAAAAAmAAAACAAAAAAAAAAAAAAAMAAAABQAAAAAAAAAAAD//wAAAQAAAP//AAABAA=="/>
               </a:ext>
             </a:extLst>
           </p:cNvSpPr>
@@ -4003,7 +4004,7 @@
             <a:spLocks noGrp="1" noChangeArrowheads="1"/>
             <a:extLst>
               <a:ext uri="smNativeData">
-                <pr:smNativeData xmlns:pr="smNativeData" xmlns="smNativeData" val="SMDATA_16_CqSDZxMAAAAlAAAAZAAAAA8BAAAAkAAAAEgAAACQAAAASAAAAAAAAAABAAAAAAAAAAEAAABQAAAAAAAAAAAA4D8AAAAAAADgPwAAAAAAAOA/AAAAAAAA4D8AAAAAAADgPwAAAAAAAOA/AAAAAAAA4D8AAAAAAADgPwAAAAAAAOA/AAAAAAAA4D8CAAAAjAAAAAAAAAAAAAAAu+DjDP///wgAAAAAAAAAAAAAAAAAAAAAAAAAAAAAAAAAAAAAZAAAAAEAAABAAAAAAAAAAAAAAAAAAAAAAAAAAAAAAAAAAAAAAAAAAAAAAAAAAAAAAAAAAAAAAAAAAAAAAAAAAAAAAAAAAAAAAAAAAAAAAAAAAAAAAAAAAAAAAAAAAAAAFAAAADwAAAAAAAAAAAAAAAAAAAkUAAAAAQAAABQAAAAUAAAAFAAAAAEAAAAAAAAAZAAAAGQAAAAAAAAAZAAAAGQAAAAVAAAAYAAAAAAAAAAAAAAADwAAACADAAAAAAAAAAAAAAEAAACgMgAAVgcAAKr4//8BAAAAf39/AAEAAABkAAAAAAAAABQAAABAHwAAAAAAACYAAAAAAAAAwOD//wAAAAAmAAAAZAAAABYAAABMAAAAAAAAAAAAAAAEAAAAAAAAAAEAAACAgIAKAAAAACgAAAAoAAAAZAAAAGQAAAAAAAAAzMzMAAAAAABQAAAAUAAAAGQAAABkAAAAAAAAABcAAAAUAAAAAAAAAAAAAAD/fwAA/38AAAAAAAAJAAAABAAAAP////8eAAAAaAAAAAAAAAAAAAAAAAAAAAAAAAAAAAAAECcAABAnAAAAAAAAAAAAAAAAAAAAAAAAAAAAAAAAAAAAAAAAAAAAABQAAAAAAAAAwMD/AAAAAABkAAAAMgAAAAAAAABkAAAAAAAAAH9/fwAKAAAAIgAAABgAAAAAAAAAAAAAAAAAAAAAAAAAAAAAAAAAAAAkAAAAJAAAAAAAAAAHAAAAAAAAAAAAAAAAAAAAAAAAAAAAAAAAAAAAf39/ACUAAABYAAAAAAAAAAAAAAAAAAAAAAAAAAAAAAAAAAAAAAAAAAAAAAAAAAAAAAAAAAAAAAA/AAAAAAAAAKCGAQAAAAAAAAAAAAAAAAAMAAAAAQAAAAAAAAAAAAAAAAAAAB8AAABUAAAAAAAABQAAAAEAAAAAAAAAAAAAAAAAAAAAAAAAAAAAAAAAAAAAAAAAAAAAAAJ/f38AAAAAA8zMzADAwP8Af39/AAAAAAAAAAAAAAAAAAAAAAAAAAAAIQAAABgAAAAUAAAAwAMAALABAABARwAAuAgAABAAAAAmAAAACAAAAAAAAAAAAAAAMAAAABQAAAAAAAAAAAD//wAAAQAAAP//AAABAA=="/>
+                <pr:smNativeData xmlns:pr="smNativeData" xmlns="smNativeData" val="SMDATA_16_ZvmgZxMAAAAlAAAAZAAAAA8BAAAAkAAAAEgAAACQAAAASAAAAAAAAAABAAAAAAAAAAEAAABQAAAAAAAAAAAA4D8AAAAAAADgPwAAAAAAAOA/AAAAAAAA4D8AAAAAAADgPwAAAAAAAOA/AAAAAAAA4D8AAAAAAADgPwAAAAAAAOA/AAAAAAAA4D8CAAAAjAAAAAAAAAAAAAAAu+DjDP///wgAAAAAAAAAAAAAAAAAAAAAAAAAAAAAAAAAAAAAZAAAAAEAAABAAAAAAAAAAAAAAAAAAAAAAAAAAAAAAAAAAAAAAAAAAAAAAAAAAAAAAAAAAAAAAAAAAAAAAAAAAAAAAAAAAAAAAAAAAAAAAAAAAAAAAAAAAAAAAAAAAAAAFAAAADwAAAAAAAAAAAAAAAAAAAkUAAAAAQAAABQAAAAUAAAAFAAAAAEAAAAAAAAAZAAAAGQAAAAAAAAAZAAAAGQAAAAVAAAAYAAAAAAAAAAAAAAADwAAACADAAAAAAAAAAAAAAEAAACgMgAAVgcAAKr4//8BAAAAf39/AAEAAABkAAAAAAAAABQAAABAHwAAAAAAACYAAAAAAAAAwOD//wAAAAAmAAAAZAAAABYAAABMAAAAAAAAAAAAAAAEAAAAAAAAAAEAAACAgIAKAAAAACgAAAAoAAAAZAAAAGQAAAAAAAAAzMzMAAAAAABQAAAAUAAAAGQAAABkAAAAAAAAABcAAAAUAAAAAAAAAAAAAAD/fwAA/38AAAAAAAAJAAAABAAAAP////8eAAAAaAAAAAAAAAAAAAAAAAAAAAAAAAAAAAAAECcAABAnAAAAAAAAAAAAAAAAAAAAAAAAAAAAAAAAAAAAAAAAAAAAABQAAAAAAAAAwMD/AAAAAABkAAAAMgAAAAAAAABkAAAAAAAAAH9/fwAKAAAAIgAAABgAAAAAAAAAAAAAAAAAAAAAAAAAAAAAAAAAAAAkAAAAJAAAAAAAAAAHAAAAAAAAAAAAAAAAAAAAAAAAAAAAAAAAAAAAf39/ACUAAABYAAAAAAAAAAAAAAAAAAAAAAAAAAAAAAAAAAAAAAAAAAAAAAAAAAAAAAAAAAAAAAA/AAAAAAAAAKCGAQAAAAAAAAAAAAAAAAAMAAAAAQAAAAAAAAAAAAAAAAAAAB8AAABUAAAAAAAABQAAAAEAAAAAAAAAAAAAAAAAAAAAAAAAAAAAAAAAAAAAAAAAAAAAAAJ/f38AAAAAA8zMzADAwP8Af39/AAAAAAAAAAAAAAAAAAAAAAAAAAAAIQAAABgAAAAUAAAAwAMAALABAABARwAAuAgAABAAAAAmAAAACAAAAAAAAAAAAAAAMAAAABQAAAAAAAAAAAD//wAAAQAAAP//AAABAA=="/>
               </a:ext>
             </a:extLst>
           </p:cNvSpPr>
@@ -4030,7 +4031,7 @@
             <a:spLocks noGrp="1" noChangeArrowheads="1"/>
             <a:extLst>
               <a:ext uri="smNativeData">
-                <pr:smNativeData xmlns:pr="smNativeData" xmlns="smNativeData" val="SMDATA_16_CqSDZxMAAAAlAAAAZAAAAA8BAAAAkAAAAEgAAACQAAAASAAAAAAAAAAAAAAAAAAAAAEAAABQAAAAAAAAAAAA4D8AAAAAAADgPwAAAAAAAOA/AAAAAAAA4D8AAAAAAADgPwAAAAAAAOA/AAAAAAAA4D8AAAAAAADgPwAAAAAAAOA/AAAAAAAA4D8CAAAAjAAAAAAAAAAAAAAAu+DjDP///wgAAAAAAAAAAAAAAAAAAAAAAAAAAAAAAAAAAAAAZAAAAAEAAABAAAAAAAAAAAAAAAAAAAAAAAAAAAAAAAAAAAAAAAAAAAAAAAAAAAAAAAAAAAAAAAAAAAAAAAAAAAAAAAAAAAAAAAAAAAAAAAAAAAAAAAAAAAAAAAAAAAAAFAAAADwAAAAAAAAAAAAAAAAAAAkUAAAAAQAAABQAAAAUAAAAFAAAAAEAAAAAAAAAZAAAAGQAAAAAAAAAZAAAAGQAAAAVAAAAYAAAAAAAAAAAAAAADwAAACADAAAAAAAAAAAAAAEAAACgMgAAVgcAAKr4//8BAAAAf39/AAEAAABkAAAAAAAAABQAAABAHwAAAAAAACYAAAAAAAAAwOD//wAAAAAmAAAAZAAAABYAAABMAAAAAAAAAAAAAAAEAAAAAAAAAAEAAACAgIAKAAAAACgAAAAoAAAAZAAAAGQAAAAAAAAAzMzMAAAAAABQAAAAUAAAAGQAAABkAAAAAAAAABcAAAAUAAAAAAAAAAAAAAD/fwAA/38AAAAAAAAJAAAABAAAAP////8eAAAAaAAAAAAAAAAAAAAAAAAAAAAAAAAAAAAAECcAABAnAAAAAAAAAAAAAAAAAAAAAAAAAAAAAAAAAAAAAAAAAAAAABQAAAAAAAAAwMD/AAAAAABkAAAAMgAAAAAAAABkAAAAAAAAAH9/fwAKAAAAIgAAABgAAAAAAAAAAAAAAAAAAAAAAAAAAAAAAAAAAAAkAAAAJAAAAAAAAAAHAAAAAAAAAAAAAAAAAAAAAAAAAAAAAAAAAAAAf39/ACUAAABYAAAAAAAAAAAAAAAAAAAAAAAAAAAAAAAAAAAAAAAAAAAAAAAAAAAAAAAAAAAAAAA/AAAAAAAAAKCGAQAAAAAAAAAAAAAAAAAMAAAAAQAAAAAAAAAAAAAAAAAAAB8AAABUAAAAAAAABQAAAAEAAAAAAAAAAAAAAAAAAAAAAAAAAAAAAAAAAAAAAAAAAAAAAAJ/f38AAAAAA8zMzADAwP8Af39/AAAAAAAAAAAAAAAAAAAAAAAAAAAAIQAAABgAAAAUAAAAwAMAANgJAABARwAAsCUAABAAAAAmAAAACAAAAAAAAAAAAAAAMAAAABQAAAAAAAAAAAD//wAAAQAAAP//AAABAA=="/>
+                <pr:smNativeData xmlns:pr="smNativeData" xmlns="smNativeData" val="SMDATA_16_ZvmgZxMAAAAlAAAAZAAAAA8BAAAAkAAAAEgAAACQAAAASAAAAAAAAAAAAAAAAAAAAAEAAABQAAAAAAAAAAAA4D8AAAAAAADgPwAAAAAAAOA/AAAAAAAA4D8AAAAAAADgPwAAAAAAAOA/AAAAAAAA4D8AAAAAAADgPwAAAAAAAOA/AAAAAAAA4D8CAAAAjAAAAAAAAAAAAAAAu+DjDP///wgAAAAAAAAAAAAAAAAAAAAAAAAAAAAAAAAAAAAAZAAAAAEAAABAAAAAAAAAAAAAAAAAAAAAAAAAAAAAAAAAAAAAAAAAAAAAAAAAAAAAAAAAAAAAAAAAAAAAAAAAAAAAAAAAAAAAAAAAAAAAAAAAAAAAAAAAAAAAAAAAAAAAFAAAADwAAAAAAAAAAAAAAAAAAAkUAAAAAQAAABQAAAAUAAAAFAAAAAEAAAAAAAAAZAAAAGQAAAAAAAAAZAAAAGQAAAAVAAAAYAAAAAAAAAAAAAAADwAAACADAAAAAAAAAAAAAAEAAACgMgAAVgcAAKr4//8BAAAAf39/AAEAAABkAAAAAAAAABQAAABAHwAAAAAAACYAAAAAAAAAwOD//wAAAAAmAAAAZAAAABYAAABMAAAAAAAAAAAAAAAEAAAAAAAAAAEAAACAgIAKAAAAACgAAAAoAAAAZAAAAGQAAAAAAAAAzMzMAAAAAABQAAAAUAAAAGQAAABkAAAAAAAAABcAAAAUAAAAAAAAAAAAAAD/fwAA/38AAAAAAAAJAAAABAAAAP////8eAAAAaAAAAAAAAAAAAAAAAAAAAAAAAAAAAAAAECcAABAnAAAAAAAAAAAAAAAAAAAAAAAAAAAAAAAAAAAAAAAAAAAAABQAAAAAAAAAwMD/AAAAAABkAAAAMgAAAAAAAABkAAAAAAAAAH9/fwAKAAAAIgAAABgAAAAAAAAAAAAAAAAAAAAAAAAAAAAAAAAAAAAkAAAAJAAAAAAAAAAHAAAAAAAAAAAAAAAAAAAAAAAAAAAAAAAAAAAAf39/ACUAAABYAAAAAAAAAAAAAAAAAAAAAAAAAAAAAAAAAAAAAAAAAAAAAAAAAAAAAAAAAAAAAAA/AAAAAAAAAKCGAQAAAAAAAAAAAAAAAAAMAAAAAQAAAAAAAAAAAAAAAAAAAB8AAABUAAAAAAAABQAAAAEAAAAAAAAAAAAAAAAAAAAAAAAAAAAAAAAAAAAAAAAAAAAAAAJ/f38AAAAAA8zMzADAwP8Af39/AAAAAAAAAAAAAAAAAAAAAAAAAAAAIQAAABgAAAAUAAAAwAMAANgJAABARwAAsCUAABAAAAAmAAAACAAAAAAAAAAAAAAAMAAAABQAAAAAAAAAAAD//wAAAQAAAP//AAABAA=="/>
               </a:ext>
             </a:extLst>
           </p:cNvSpPr>
@@ -4099,7 +4100,7 @@
             <a:spLocks noGrp="1" noChangeArrowheads="1"/>
             <a:extLst>
               <a:ext uri="smNativeData">
-                <pr:smNativeData xmlns:pr="smNativeData" xmlns="smNativeData" val="SMDATA_16_CqSDZxMAAAAlAAAAZAAAAA8BAAAAkAAAAEgAAACQAAAASAAAAAAAAAABAAAAAAAAAAEAAABQAAAAAAAAAAAA4D8AAAAAAADgPwAAAAAAAOA/AAAAAAAA4D8AAAAAAADgPwAAAAAAAOA/AAAAAAAA4D8AAAAAAADgPwAAAAAAAOA/AAAAAAAA4D8CAAAAjAAAAAAAAAAAAAAAu+DjDP///wgAAAAAAAAAAAAAAAAAAAAAAAAAAAAAAAAAAAAAZAAAAAEAAABAAAAAAAAAAAAAAAAAAAAAAAAAAAAAAAAAAAAAAAAAAAAAAAAAAAAAAAAAAAAAAAAAAAAAAAAAAAAAAAAAAAAAAAAAAAAAAAAAAAAAAAAAAAAAAAAAAAAAFAAAADwAAAAAAAAAAAAAAAAAAAkUAAAAAQAAABQAAAAUAAAAFAAAAAEAAAAAAAAAZAAAAGQAAAAAAAAAZAAAAGQAAAAVAAAAYAAAAAAAAAAAAAAADwAAACADAAAAAAAAAAAAAAEAAACgMgAAVgcAAKr4//8BAAAAf39/AAEAAABkAAAAAAAAABQAAABAHwAAAAAAACYAAAAAAAAAwOD//wAAAAAmAAAAZAAAABYAAABMAAAAAAAAAAAAAAAEAAAAAAAAAAEAAACAgIAKAAAAACgAAAAoAAAAZAAAAGQAAAAAAAAAzMzMAAAAAABQAAAAUAAAAGQAAABkAAAAAAAAABcAAAAUAAAAAAAAAAAAAAD/fwAA/38AAAAAAAAJAAAABAAAAP////8eAAAAaAAAAAAAAAAAAAAAAAAAAAAAAAAAAAAAECcAABAnAAAAAAAAAAAAAAAAAAAAAAAAAAAAAAAAAAAAAAAAAAAAABQAAAAAAAAAwMD/AAAAAABkAAAAMgAAAAAAAABkAAAAAAAAAH9/fwAKAAAAIgAAABgAAAAAAAAAAAAAAAAAAAAAAAAAAAAAAAAAAAAkAAAAJAAAAAAAAAAHAAAAAAAAAAAAAAAAAAAAAAAAAAAAAAAAAAAAf39/ACUAAABYAAAAAAAAAAAAAAAAAAAAAAAAAAAAAAAAAAAAAAAAAAAAAAAAAAAAAAAAAAAAAAA/AAAAAAAAAKCGAQAAAAAAAAAAAAAAAAAMAAAAAQAAAAAAAAAAAAAAAAAAAB8AAABUAAAAAAAABQAAAAEAAAAAAAAAAAAAAAAAAAAAAAAAAAAAAAAAAAAAAAAAAAAAAAJ/f38AAAAAA8zMzADAwP8Af39/AAAAAAAAAAAAAAAAAAAAAAAAAAAAIQAAABgAAAAUAAAAwAMAALABAABARwAAuAgAABAAAAAmAAAACAAAAAAAAAAAAAAAMAAAABQAAAAAAAAAAAD//wAAAQAAAP//AAABAA=="/>
+                <pr:smNativeData xmlns:pr="smNativeData" xmlns="smNativeData" val="SMDATA_16_ZvmgZxMAAAAlAAAAZAAAAA8BAAAAkAAAAEgAAACQAAAASAAAAAAAAAABAAAAAAAAAAEAAABQAAAAAAAAAAAA4D8AAAAAAADgPwAAAAAAAOA/AAAAAAAA4D8AAAAAAADgPwAAAAAAAOA/AAAAAAAA4D8AAAAAAADgPwAAAAAAAOA/AAAAAAAA4D8CAAAAjAAAAAAAAAAAAAAAu+DjDP///wgAAAAAAAAAAAAAAAAAAAAAAAAAAAAAAAAAAAAAZAAAAAEAAABAAAAAAAAAAAAAAAAAAAAAAAAAAAAAAAAAAAAAAAAAAAAAAAAAAAAAAAAAAAAAAAAAAAAAAAAAAAAAAAAAAAAAAAAAAAAAAAAAAAAAAAAAAAAAAAAAAAAAFAAAADwAAAAAAAAAAAAAAAAAAAkUAAAAAQAAABQAAAAUAAAAFAAAAAEAAAAAAAAAZAAAAGQAAAAAAAAAZAAAAGQAAAAVAAAAYAAAAAAAAAAAAAAADwAAACADAAAAAAAAAAAAAAEAAACgMgAAVgcAAKr4//8BAAAAf39/AAEAAABkAAAAAAAAABQAAABAHwAAAAAAACYAAAAAAAAAwOD//wAAAAAmAAAAZAAAABYAAABMAAAAAAAAAAAAAAAEAAAAAAAAAAEAAACAgIAKAAAAACgAAAAoAAAAZAAAAGQAAAAAAAAAzMzMAAAAAABQAAAAUAAAAGQAAABkAAAAAAAAABcAAAAUAAAAAAAAAAAAAAD/fwAA/38AAAAAAAAJAAAABAAAAAAAAAAeAAAAaAAAAAAAAAAAAAAAAAAAAAAAAAAAAAAAECcAABAnAAAAAAAAAAAAAAAAAAAAAAAAAAAAAAAAAAAAAAAAAAAAABQAAAAAAAAAwMD/AAAAAABkAAAAMgAAAAAAAABkAAAAAAAAAH9/fwAKAAAAIgAAABgAAAAAAAAAAAAAAAAAAAAAAAAAAAAAAAAAAAAkAAAAJAAAAAAAAAAHAAAAAAAAAAAAAAAAAAAAAAAAAAAAAAAAAAAAf39/ACUAAABYAAAAAAAAAAAAAAAAAAAAAAAAAAAAAAAAAAAAAAAAAAAAAAAAAAAAAAAAAAAAAAA/AAAAAAAAAKCGAQAAAAAAAAAAAAAAAAAMAAAAAQAAAAAAAAAAAAAAAAAAAB8AAABUAAAAAAAABQAAAAEAAAAAAAAAAAAAAAAAAAAAAAAAAAAAAAAAAAAAAAAAAAAAAAJ/f38AAAAAA8zMzADAwP8Af39/AAAAAAAAAAAAAAAAAAAAAAAAAAAAIQAAABgAAAAUAAAAwAMAALABAABARwAAuAgAAAAAAAAmAAAACAAAAAEAAAAAAAAAMAAAABQAAAAAAAAAAAD//wAAAQAAAP//AAABAA=="/>
               </a:ext>
             </a:extLst>
           </p:cNvSpPr>
@@ -4107,14 +4108,19 @@
             <p:ph type="title"/>
           </p:nvPr>
         </p:nvSpPr>
-        <p:spPr/>
-        <p:txBody>
-          <a:bodyPr/>
-          <a:lstStyle/>
-          <a:p>
-            <a:pPr/>
-            <a:r>
-              <a:t>ML микросервис</a:t>
+        <p:spPr>
+          <a:xfrm>
+            <a:off x="609600" y="274320"/>
+            <a:ext cx="10972800" cy="1143000"/>
+          </a:xfrm>
+        </p:spPr>
+        <p:txBody>
+          <a:bodyPr/>
+          <a:lstStyle/>
+          <a:p>
+            <a:pPr/>
+            <a:r>
+              <a:t>Пример кастомной категории</a:t>
             </a:r>
           </a:p>
         </p:txBody>
@@ -4126,7 +4132,7 @@
             <a:spLocks noGrp="1" noChangeArrowheads="1"/>
             <a:extLst>
               <a:ext uri="smNativeData">
-                <pr:smNativeData xmlns:pr="smNativeData" xmlns="smNativeData" val="SMDATA_16_CqSDZxMAAAAlAAAAZAAAAA8BAAAAkAAAAEgAAACQAAAASAAAAAAAAAAAAAAAAAAAAAEAAABQAAAAAAAAAAAA4D8AAAAAAADgPwAAAAAAAOA/AAAAAAAA4D8AAAAAAADgPwAAAAAAAOA/AAAAAAAA4D8AAAAAAADgPwAAAAAAAOA/AAAAAAAA4D8CAAAAjAAAAAAAAAAAAAAAu+DjDP///wgAAAAAAAAAAAAAAAAAAAAAAAAAAAAAAAAAAAAAZAAAAAEAAABAAAAAAAAAAAAAAAAAAAAAAAAAAAAAAAAAAAAAAAAAAAAAAAAAAAAAAAAAAAAAAAAAAAAAAAAAAAAAAAAAAAAAAAAAAAAAAAAAAAAAAAAAAAAAAAAAAAAAFAAAADwAAAAAAAAAAAAAAAAAAAkUAAAAAQAAABQAAAAUAAAAFAAAAAEAAAAAAAAAZAAAAGQAAAAAAAAAZAAAAGQAAAAVAAAAYAAAAAAAAAAAAAAADwAAACADAAAAAAAAAAAAAAEAAACgMgAAVgcAAKr4//8BAAAAf39/AAEAAABkAAAAAAAAABQAAABAHwAAAAAAACYAAAAAAAAAwOD//wAAAAAmAAAAZAAAABYAAABMAAAAAAAAAAAAAAAEAAAAAAAAAAEAAACAgIAKAAAAACgAAAAoAAAAZAAAAGQAAAAAAAAAzMzMAAAAAABQAAAAUAAAAGQAAABkAAAAAAAAABcAAAAUAAAAAAAAAAAAAAD/fwAA/38AAAAAAAAJAAAABAAAAAAwADIeAAAAaAAAAAAAAAAAAAAAAAAAAAAAAAAAAAAAECcAABAnAAAAAAAAAAAAAAAAAAAAAAAAAAAAAAAAAAAAAAAAAAAAABQAAAAAAAAAwMD/AAAAAABkAAAAMgAAAAAAAABkAAAAAAAAAH9/fwAKAAAAIgAAABgAAAAAAAAAAAAAAAAAAAAAAAAAAAAAAAAAAAAkAAAAJAAAAAAAAAAHAAAAAAAAAAAAAAAAAAAAAAAAAAAAAAAAAAAAf39/ACUAAABYAAAAAAAAAAAAAAAAAAAAAAAAAAAAAAAAAAAAAAAAAAAAAAAAAAAAAAAAAAAAAAA/AAAAAAAAAKCGAQAAAAAAAAAAAAAAAAAMAAAAAQAAAAAAAAAAAAAAAAAAAB8AAABUAAAAAAAABQAAAAEAAAAAAAAAAAAAAAAAAAAAAAAAAAAAAAAAAAAAAAAAAAAAAAJ/f38AAAAAA8zMzADAwP8Af39/AAAAAAAAAAAAAAAAAAAAAAAAAAAAIQAAABgAAAAUAAAAwAMAANgJAABARwAAsCUAABAAAAAmAAAACAAAAAAAAAAAAAAAMAAAABQAAAAAAAAAAAD//wAAAQAAAP//AAABAA=="/>
+                <pr:smNativeData xmlns:pr="smNativeData" xmlns="smNativeData" val="SMDATA_16_ZvmgZxMAAAAlAAAAZAAAAA8BAAAAkAAAAEgAAACQAAAASAAAAAAAAAAAAAAAAAAAAAEAAABQAAAAAAAAAAAA4D8AAAAAAADgPwAAAAAAAOA/AAAAAAAA4D8AAAAAAADgPwAAAAAAAOA/AAAAAAAA4D8AAAAAAADgPwAAAAAAAOA/AAAAAAAA4D8CAAAAjAAAAAAAAAAAAAAAu+DjDP///wgAAAAAAAAAAAAAAAAAAAAAAAAAAAAAAAAAAAAAZAAAAAEAAABAAAAAAAAAAAAAAAAAAAAAAAAAAAAAAAAAAAAAAAAAAAAAAAAAAAAAAAAAAAAAAAAAAAAAAAAAAAAAAAAAAAAAAAAAAAAAAAAAAAAAAAAAAAAAAAAAAAAAFAAAADwAAAAAAAAAAAAAAAAAAAkUAAAAAQAAABQAAAAUAAAAFAAAAAEAAAAAAAAAZAAAAGQAAAAAAAAAZAAAAGQAAAAVAAAAYAAAAAAAAAAAAAAADwAAACADAAAAAAAAAAAAAAEAAACgMgAAVgcAAKr4//8BAAAAf39/AAEAAABkAAAAAAAAABQAAABAHwAAAAAAACYAAAAAAAAAwOD//wAAAAAmAAAAZAAAABYAAABMAAAAAAAAAAAAAAAEAAAAAAAAAAEAAACAgIAKAAAAACgAAAAoAAAAZAAAAGQAAAAAAAAAzMzMAAAAAABQAAAAUAAAAGQAAABkAAAAAAAAABcAAAAUAAAAAAAAAAAAAAD/fwAA/38AAAAAAAAJAAAABAAAAAAAAAAeAAAAaAAAAAAAAAAAAAAAAAAAAAAAAAAAAAAAECcAABAnAAAAAAAAAAAAAAAAAAAAAAAAAAAAAAAAAAAAAAAAAAAAABQAAAAAAAAAwMD/AAAAAABkAAAAMgAAAAAAAABkAAAAAAAAAH9/fwAKAAAAIgAAABgAAAAAAAAAAAAAAAAAAAAAAAAAAAAAAAAAAAAkAAAAJAAAAAAAAAAHAAAAAAAAAAAAAAAAAAAAAAAAAAAAAAAAAAAAf39/ACUAAABYAAAAAAAAAAAAAAAAAAAAAAAAAAAAAAAAAAAAAAAAAAAAAAAAAAAAAAAAAAAAAAA/AAAAAAAAAKCGAQAAAAAAAAAAAAAAAAAMAAAAAQAAAAAAAAAAAAAAAAAAAB8AAABUAAAAAAAABQAAAAEAAAAAAAAAAAAAAAAAAAAAAAAAAAAAAAAAAAAAAAAAAAAAAAJ/f38AAAAAA8zMzADAwP8Af39/AAAAAAAAAAAAAAAAAAAAAAAAAAAAIQAAABgAAAAUAAAAwAMAANgJAABARwAAsCUAAAAAAAAmAAAACAAAAAEAAAAAAAAAMAAAABQAAAAAAAAAAAD//wAAAQAAAP//AAABAA=="/>
               </a:ext>
             </a:extLst>
           </p:cNvSpPr>
@@ -4134,16 +4140,27 @@
             <p:ph type="body" idx="1"/>
           </p:nvPr>
         </p:nvSpPr>
-        <p:spPr/>
-        <p:txBody>
-          <a:bodyPr/>
-          <a:lstStyle/>
-          <a:p>
-            <a:pPr/>
-            <a:r>
-              <a:t>На выходе пользователь получает REST JSON микросервис, который можно развернуть в среде с поддержкой Docker .</a:t>
-            </a:r>
-            <a:br/>
+        <p:spPr>
+          <a:xfrm>
+            <a:off x="609600" y="1600200"/>
+            <a:ext cx="10972800" cy="4526280"/>
+          </a:xfrm>
+        </p:spPr>
+        <p:txBody>
+          <a:bodyPr/>
+          <a:lstStyle/>
+          <a:p>
+            <a:pPr marL="0" indent="0">
+              <a:buNone/>
+            </a:pPr>
+            <a:r>
+              <a:t>Для примера рассмотрим категорию: компании, которые вкладываются в технологии ИИ и/или генетические.</a:t>
+            </a:r>
+          </a:p>
+          <a:p>
+            <a:pPr marL="0" indent="0">
+              <a:buNone/>
+            </a:pPr>
           </a:p>
         </p:txBody>
       </p:sp>
@@ -4154,7 +4171,7 @@
             <a:picLocks noChangeAspect="1"/>
             <a:extLst>
               <a:ext uri="smNativeData">
-                <pr:smNativeData xmlns:pr="smNativeData" xmlns="smNativeData" val="SMDATA_18_CqSDZxMAAAAlAAAAEQAAAC8BAAAAkAAAAEgAAACQAAAASAAAAAAAAAAAAAAAAAAAAAEAAABQAAAAAAAAAAAA4D8AAAAAAADgPwAAAAAAAOA/AAAAAAAA4D8AAAAAAADgPwAAAAAAAOA/AAAAAAAA4D8AAAAAAADgPwAAAAAAAOA/AAAAAAAA4D8CAAAAjAAAAAAAAAAAAAAAu+DjDP///wgAAAAAAAAAAAAAAAAAAAAAAAAAAAAAAAAAAAAAZAAAAAEAAABAAAAAAAAAAAAAAAAAAAAAAAAAAAAAAAAAAAAAAAAAAAAAAAAAAAAAAAAAAAAAAAAAAAAAAAAAAAAAAAAAAAAAAAAAAAAAAAAAAAAAAAAAAAAAAAAAAAAAFAAAADwAAAAAAAAAAAAAAAAAAAkUAAAAAQAAABQAAAAUAAAAFAAAAAEAAAAAAAAAZAAAAGQAAAAAAAAAZAAAAGQAAAAVAAAAYAAAAAAAAAAAAAAADwAAACADAAAAAAAAAAAAAAEAAACgMgAAVgcAAKr4//8BAAAAf39/AAEAAABkAAAAAAAAABQAAABAHwAAAAAAACYAAAAAAAAAwOD//wAAAAAmAAAAZAAAABYAAABMAAAAAAAAAAAAAAAEAAAAAAAAAAEAAACAgIAKAAAAACgAAAAoAAAAZAAAAGQAAAAAAAAAzMzMAAAAAABQAAAAUAAAAGQAAABkAAAAAAAAAAcAAAA4AAAAAAAAAAAAAAAAAAAA////AAAAAAAAAAAAAAAAAAAAAAAAAAAAAAAAAAAAAABkAAAAZAAAAAAAAAAjAAAABAAAAGQAAAAXAAAAFAAAAAAAAAAAAAAA/38AAP9/AAAAAAAACQAAAAQAAAByb3NvHgAAAGgAAAAAAAAAAAAAAAAAAAAAAAAAAAAAABAnAAAQJwAAAAAAAAAAAAAAAAAAAAAAAAAAAAAAAAAAAAAAAAAAAAAUAAAAAAAAAMDA/wAAAAAAZAAAADIAAAAAAAAAZAAAAAAAAAB/f38ACgAAACIAAAAYAAAAAAAAAAAAAAAAAAAAAAAAAAAAAAAAAAAAJAAAACQAAAAAAAAABwAAAAAAAAAAAAAAAAAAAAAAAAAAAAAAAAAAAH9/fwAlAAAAWAAAAAAAAAAAAAAAAAAAAAAAAAAAAAAAAAAAAAAAAAAAAAAAAAAAAAAAAAAAAAAAPwAAAAAAAACghgEAAAAAAAAAAAAAAAAADAAAAAEAAAAAAAAAAAAAAAAAAAAfAAAAVAAAALvg4wX///8BAAAAAAAAAAAAAAAAAAAAAAAAAAAAAAAAAAAAAAAAAAAAAAACf39/AICAgAPMzMwAwMD/AH9/fwAAAAAAAAAAAAAAAAD///8AAAAAACEAAAAYAAAAFAAAAAwQAABVEAAAXjYAALAlAAAQAAAAJgAAAAgAAAD//////////zAAAAAUAAAAAAAAAAAA//8AAAEAAAD//wAAAQA="/>
+                <pr:smNativeData xmlns:pr="smNativeData" xmlns="smNativeData" val="SMDATA_18_ZvmgZxMAAAAlAAAAEQAAAC8BAAAAkAAAAEgAAACQAAAASAAAAAAAAAAAAAAAAAAAAAEAAABQAAAAAAAAAAAA4D8AAAAAAADgPwAAAAAAAOA/AAAAAAAA4D8AAAAAAADgPwAAAAAAAOA/AAAAAAAA4D8AAAAAAADgPwAAAAAAAOA/AAAAAAAA4D8CAAAAjAAAAAAAAAAAAAAAu+DjDP///wgAAAAAAAAAAAAAAAAAAAAAAAAAAAAAAAAAAAAAZAAAAAEAAABAAAAAAAAAAAAAAAAAAAAAAAAAAAAAAAAAAAAAAAAAAAAAAAAAAAAAAAAAAAAAAAAAAAAAAAAAAAAAAAAAAAAAAAAAAAAAAAAAAAAAAAAAAAAAAAAAAAAAFAAAADwAAAAAAAAAAAAAAAAAAAkUAAAAAQAAABQAAAAUAAAAFAAAAAEAAAAAAAAAZAAAAGQAAAAAAAAAZAAAAGQAAAAVAAAAYAAAAAAAAAAAAAAADwAAACADAAAAAAAAAAAAAAEAAACgMgAAVgcAAKr4//8BAAAAf39/AAEAAABkAAAAAAAAABQAAABAHwAAAAAAACYAAAAAAAAAwOD//wAAAAAmAAAAZAAAABYAAABMAAAAAAAAAAAAAAAEAAAAAAAAAAEAAACAgIAKAAAAACgAAAAoAAAAZAAAAGQAAAAAAAAAzMzMAAAAAABQAAAAUAAAAGQAAABkAAAAAAAAAAcAAAA4AAAAAAAAAAAAAAAAAAAA////AAAAAAAAAAAAAAAAAAAAAAAAAAAAAAAAAAAAAABkAAAAZAAAAAAAAAAjAAAABAAAAGQAAAAXAAAAFAAAAAAAAAAAAAAA/38AAP9/AAAAAAAACQAAAAQAAAAAABEAHgAAAGgAAAAAAAAAAAAAAAAAAAAAAAAAAAAAABAnAAAQJwAAAAAAAAAAAAAAAAAAAAAAAAAAAAAAAAAAAAAAAAAAAAAUAAAAAAAAAMDA/wAAAAAAZAAAADIAAAAAAAAAZAAAAAAAAAB/f38ACgAAACIAAAAYAAAAAAAAAAAAAAAAAAAAAAAAAAAAAAAAAAAAJAAAACQAAAAAAAAABwAAAAAAAAAAAAAAAAAAAAAAAAAAAAAAAAAAAH9/fwAlAAAAWAAAAAAAAAAAAAAAAAAAAAAAAAAAAAAAAAAAAAAAAAAAAAAAAAAAAAAAAAAAAAAAPwAAAAAAAACghgEAAAAAAAAAAAAAAAAADAAAAAEAAAAAAAAAAAAAAAAAAAAfAAAAVAAAALvg4wX///8BAAAAAAAAAAAAAAAAAAAAAAAAAAAAAAAAAAAAAAAAAAAAAAACf39/AICAgAPMzMwAwMD/AH9/fwAAAAAAAAAAAAAAAAD///8AAAAAACEAAAAYAAAAFAAAAHIMAADcDwAArj4AALclAAAAAAAAJgAAAAgAAAD//////////zAAAAAUAAAAAAAAAAAA//8AAAEAAAD//wAAAQA="/>
               </a:ext>
             </a:extLst>
           </p:cNvPicPr>
@@ -4168,8 +4185,8 @@
         </p:blipFill>
         <p:spPr>
           <a:xfrm>
-            <a:off x="2608580" y="2654935"/>
-            <a:ext cx="6229350" cy="3471545"/>
+            <a:off x="2023110" y="2578100"/>
+            <a:ext cx="8166100" cy="3552825"/>
           </a:xfrm>
           <a:prstGeom prst="rect">
             <a:avLst/>
@@ -4220,7 +4237,7 @@
             <a:spLocks noGrp="1" noChangeArrowheads="1"/>
             <a:extLst>
               <a:ext uri="smNativeData">
-                <pr:smNativeData xmlns:pr="smNativeData" xmlns="smNativeData" val="SMDATA_16_CqSDZxMAAAAlAAAAZAAAAA8BAAAAkAAAAEgAAACQAAAASAAAAAAAAAABAAAAAAAAAAEAAABQAAAAAAAAAAAA4D8AAAAAAADgPwAAAAAAAOA/AAAAAAAA4D8AAAAAAADgPwAAAAAAAOA/AAAAAAAA4D8AAAAAAADgPwAAAAAAAOA/AAAAAAAA4D8CAAAAjAAAAAAAAAAAAAAAu+DjDP///wgAAAAAAAAAAAAAAAAAAAAAAAAAAAAAAAAAAAAAZAAAAAEAAABAAAAAAAAAAAAAAAAAAAAAAAAAAAAAAAAAAAAAAAAAAAAAAAAAAAAAAAAAAAAAAAAAAAAAAAAAAAAAAAAAAAAAAAAAAAAAAAAAAAAAAAAAAAAAAAAAAAAAFAAAADwAAAAAAAAAAAAAAAAAAAkUAAAAAQAAABQAAAAUAAAAFAAAAAEAAAAAAAAAZAAAAGQAAAAAAAAAZAAAAGQAAAAVAAAAYAAAAAAAAAAAAAAADwAAACADAAAAAAAAAAAAAAEAAACgMgAAVgcAAKr4//8BAAAAf39/AAEAAABkAAAAAAAAABQAAABAHwAAAAAAACYAAAAAAAAAwOD//wAAAAAmAAAAZAAAABYAAABMAAAAAAAAAAAAAAAEAAAAAAAAAAEAAACAgIAKAAAAACgAAAAoAAAAZAAAAGQAAAAAAAAAzMzMAAAAAABQAAAAUAAAAGQAAABkAAAAAAAAABcAAAAUAAAAAAAAAAAAAAD/fwAA/38AAAAAAAAJAAAABAAAAP///wAeAAAAaAAAAAAAAAAAAAAAAAAAAAAAAAAAAAAAECcAABAnAAAAAAAAAAAAAAAAAAAAAAAAAAAAAAAAAAAAAAAAAAAAABQAAAAAAAAAwMD/AAAAAABkAAAAMgAAAAAAAABkAAAAAAAAAH9/fwAKAAAAIgAAABgAAAAAAAAAAAAAAAAAAAAAAAAAAAAAAAAAAAAkAAAAJAAAAAAAAAAHAAAAAAAAAAAAAAAAAAAAAAAAAAAAAAAAAAAAf39/ACUAAABYAAAAAAAAAAAAAAAAAAAAAAAAAAAAAAAAAAAAAAAAAAAAAAAAAAAAAAAAAAAAAAA/AAAAAAAAAKCGAQAAAAAAAAAAAAAAAAAMAAAAAQAAAAAAAAAAAAAAAAAAAB8AAABUAAAAAAAABQAAAAEAAAAAAAAAAAAAAAAAAAAAAAAAAAAAAAAAAAAAAAAAAAAAAAJ/f38AAAAAA8zMzADAwP8Af39/AAAAAAAAAAAAAAAAAAAAAAAAAAAAIQAAABgAAAAUAAAAwAMAALABAABARwAAuAgAABAAAAAmAAAACAAAAAAAAAAAAAAAMAAAABQAAAAAAAAAAAD//wAAAQAAAP//AAABAA=="/>
+                <pr:smNativeData xmlns:pr="smNativeData" xmlns="smNativeData" val="SMDATA_16_ZvmgZxMAAAAlAAAAZAAAAA8BAAAAkAAAAEgAAACQAAAASAAAAAAAAAABAAAAAAAAAAEAAABQAAAAAAAAAAAA4D8AAAAAAADgPwAAAAAAAOA/AAAAAAAA4D8AAAAAAADgPwAAAAAAAOA/AAAAAAAA4D8AAAAAAADgPwAAAAAAAOA/AAAAAAAA4D8CAAAAjAAAAAAAAAAAAAAAu+DjDP///wgAAAAAAAAAAAAAAAAAAAAAAAAAAAAAAAAAAAAAZAAAAAEAAABAAAAAAAAAAAAAAAAAAAAAAAAAAAAAAAAAAAAAAAAAAAAAAAAAAAAAAAAAAAAAAAAAAAAAAAAAAAAAAAAAAAAAAAAAAAAAAAAAAAAAAAAAAAAAAAAAAAAAFAAAADwAAAAAAAAAAAAAAAAAAAkUAAAAAQAAABQAAAAUAAAAFAAAAAEAAAAAAAAAZAAAAGQAAAAAAAAAZAAAAGQAAAAVAAAAYAAAAAAAAAAAAAAADwAAACADAAAAAAAAAAAAAAEAAACgMgAAVgcAAKr4//8BAAAAf39/AAEAAABkAAAAAAAAABQAAABAHwAAAAAAACYAAAAAAAAAwOD//wAAAAAmAAAAZAAAABYAAABMAAAAAAAAAAAAAAAEAAAAAAAAAAEAAACAgIAKAAAAACgAAAAoAAAAZAAAAGQAAAAAAAAAzMzMAAAAAABQAAAAUAAAAGQAAABkAAAAAAAAABcAAAAUAAAAAAAAAAAAAAD/fwAA/38AAAAAAAAJAAAABAAAAP////8eAAAAaAAAAAAAAAAAAAAAAAAAAAAAAAAAAAAAECcAABAnAAAAAAAAAAAAAAAAAAAAAAAAAAAAAAAAAAAAAAAAAAAAABQAAAAAAAAAwMD/AAAAAABkAAAAMgAAAAAAAABkAAAAAAAAAH9/fwAKAAAAIgAAABgAAAAAAAAAAAAAAAAAAAAAAAAAAAAAAAAAAAAkAAAAJAAAAAAAAAAHAAAAAAAAAAAAAAAAAAAAAAAAAAAAAAAAAAAAf39/ACUAAABYAAAAAAAAAAAAAAAAAAAAAAAAAAAAAAAAAAAAAAAAAAAAAAAAAAAAAAAAAAAAAAA/AAAAAAAAAKCGAQAAAAAAAAAAAAAAAAAMAAAAAQAAAAAAAAAAAAAAAAAAAB8AAABUAAAAAAAABQAAAAEAAAAAAAAAAAAAAAAAAAAAAAAAAAAAAAAAAAAAAAAAAAAAAAJ/f38AAAAAA8zMzADAwP8Af39/AAAAAAAAAAAAAAAAAAAAAAAAAAAAIQAAABgAAAAUAAAAwAMAALABAABARwAAuAgAABAAAAAmAAAACAAAAAAAAAAAAAAAMAAAABQAAAAAAAAAAAD//wAAAQAAAP//AAABAA=="/>
               </a:ext>
             </a:extLst>
           </p:cNvSpPr>
@@ -4235,7 +4252,7 @@
           <a:p>
             <a:pPr/>
             <a:r>
-              <a:t>Достижение целей</a:t>
+              <a:t>ML микросервис</a:t>
             </a:r>
           </a:p>
         </p:txBody>
@@ -4247,7 +4264,7 @@
             <a:spLocks noGrp="1" noChangeArrowheads="1"/>
             <a:extLst>
               <a:ext uri="smNativeData">
-                <pr:smNativeData xmlns:pr="smNativeData" xmlns="smNativeData" val="SMDATA_16_CqSDZxMAAAAlAAAAZAAAAA8BAAAAkAAAAEgAAACQAAAASAAAAAAAAAAAAAAAAAAAAAEAAABQAAAAAAAAAAAA4D8AAAAAAADgPwAAAAAAAOA/AAAAAAAA4D8AAAAAAADgPwAAAAAAAOA/AAAAAAAA4D8AAAAAAADgPwAAAAAAAOA/AAAAAAAA4D8CAAAAjAAAAAAAAAAAAAAAu+DjDP///wgAAAAAAAAAAAAAAAAAAAAAAAAAAAAAAAAAAAAAZAAAAAEAAABAAAAAAAAAAAAAAAAAAAAAAAAAAAAAAAAAAAAAAAAAAAAAAAAAAAAAAAAAAAAAAAAAAAAAAAAAAAAAAAAAAAAAAAAAAAAAAAAAAAAAAAAAAAAAAAAAAAAAFAAAADwAAAAAAAAAAAAAAAAAAAkUAAAAAQAAABQAAAAUAAAAFAAAAAEAAAAAAAAAZAAAAGQAAAAAAAAAZAAAAGQAAAAVAAAAYAAAAAAAAAAAAAAADwAAACADAAAAAAAAAAAAAAEAAACgMgAAVgcAAKr4//8BAAAAf39/AAEAAABkAAAAAAAAABQAAABAHwAAAAAAACYAAAAAAAAAwOD//wAAAAAmAAAAZAAAABYAAABMAAAAAAAAAAAAAAAEAAAAAAAAAAEAAACAgIAKAAAAACgAAAAoAAAAZAAAAGQAAAAAAAAAzMzMAAAAAABQAAAAUAAAAGQAAABkAAAAAAAAABcAAAAUAAAAAAAAAAAAAAD/fwAA/38AAAAAAAAJAAAABAAAAPr6+v8eAAAAaAAAAAAAAAAAAAAAAAAAAAAAAAAAAAAAECcAABAnAAAAAAAAAAAAAAAAAAAAAAAAAAAAAAAAAAAAAAAAAAAAABQAAAAAAAAAwMD/AAAAAABkAAAAMgAAAAAAAABkAAAAAAAAAH9/fwAKAAAAIgAAABgAAAAAAAAAAAAAAAAAAAAAAAAAAAAAAAAAAAAkAAAAJAAAAAAAAAAHAAAAAAAAAAAAAAAAAAAAAAAAAAAAAAAAAAAAf39/ACUAAABYAAAAAAAAAAAAAAAAAAAAAAAAAAAAAAAAAAAAAAAAAAAAAAAAAAAAAAAAAAAAAAA/AAAAAAAAAKCGAQAAAAAAAAAAAAAAAAAMAAAAAQAAAAAAAAAAAAAAAAAAAB8AAABUAAAAAAAABQAAAAEAAAAAAAAAAAAAAAAAAAAAAAAAAAAAAAAAAAAAAAAAAAAAAAJ/f38AAAAAA8zMzADAwP8Af39/AAAAAAAAAAAAAAAAAAAAAAAAAAAAIQAAABgAAAAUAAAAwAMAANgJAABARwAAsCUAAAAAAAAmAAAACAAAAAEAAAAAAAAAMAAAABQAAAAAAAAAAAD//wAAAQAAAP//AAABAA=="/>
+                <pr:smNativeData xmlns:pr="smNativeData" xmlns="smNativeData" val="SMDATA_16_ZvmgZxMAAAAlAAAAZAAAAA8BAAAAkAAAAEgAAACQAAAASAAAAAAAAAAAAAAAAAAAAAEAAABQAAAAAAAAAAAA4D8AAAAAAADgPwAAAAAAAOA/AAAAAAAA4D8AAAAAAADgPwAAAAAAAOA/AAAAAAAA4D8AAAAAAADgPwAAAAAAAOA/AAAAAAAA4D8CAAAAjAAAAAAAAAAAAAAAu+DjDP///wgAAAAAAAAAAAAAAAAAAAAAAAAAAAAAAAAAAAAAZAAAAAEAAABAAAAAAAAAAAAAAAAAAAAAAAAAAAAAAAAAAAAAAAAAAAAAAAAAAAAAAAAAAAAAAAAAAAAAAAAAAAAAAAAAAAAAAAAAAAAAAAAAAAAAAAAAAAAAAAAAAAAAFAAAADwAAAAAAAAAAAAAAAAAAAkUAAAAAQAAABQAAAAUAAAAFAAAAAEAAAAAAAAAZAAAAGQAAAAAAAAAZAAAAGQAAAAVAAAAYAAAAAAAAAAAAAAADwAAACADAAAAAAAAAAAAAAEAAACgMgAAVgcAAKr4//8BAAAAf39/AAEAAABkAAAAAAAAABQAAABAHwAAAAAAACYAAAAAAAAAwOD//wAAAAAmAAAAZAAAABYAAABMAAAAAAAAAAAAAAAEAAAAAAAAAAEAAACAgIAKAAAAACgAAAAoAAAAZAAAAGQAAAAAAAAAzMzMAAAAAABQAAAAUAAAAGQAAABkAAAAAAAAABcAAAAUAAAAAAAAAAAAAAD/fwAA/38AAAAAAAAJAAAABAAAAAAwADIeAAAAaAAAAAAAAAAAAAAAAAAAAAAAAAAAAAAAECcAABAnAAAAAAAAAAAAAAAAAAAAAAAAAAAAAAAAAAAAAAAAAAAAABQAAAAAAAAAwMD/AAAAAABkAAAAMgAAAAAAAABkAAAAAAAAAH9/fwAKAAAAIgAAABgAAAAAAAAAAAAAAAAAAAAAAAAAAAAAAAAAAAAkAAAAJAAAAAAAAAAHAAAAAAAAAAAAAAAAAAAAAAAAAAAAAAAAAAAAf39/ACUAAABYAAAAAAAAAAAAAAAAAAAAAAAAAAAAAAAAAAAAAAAAAAAAAAAAAAAAAAAAAAAAAAA/AAAAAAAAAKCGAQAAAAAAAAAAAAAAAAAMAAAAAQAAAAAAAAAAAAAAAAAAAB8AAABUAAAAAAAABQAAAAEAAAAAAAAAAAAAAAAAAAAAAAAAAAAAAAAAAAAAAAAAAAAAAAJ/f38AAAAAA8zMzADAwP8Af39/AAAAAAAAAAAAAAAAAAAAAAAAAAAAIQAAABgAAAAUAAAAwAMAANgJAABARwAAsCUAABAAAAAmAAAACAAAAAAAAAAAAAAAMAAAABQAAAAAAAAAAAD//wAAAQAAAP//AAABAA=="/>
               </a:ext>
             </a:extLst>
           </p:cNvSpPr>
@@ -4255,12 +4272,128 @@
             <p:ph type="body" idx="1"/>
           </p:nvPr>
         </p:nvSpPr>
+        <p:spPr/>
+        <p:txBody>
+          <a:bodyPr/>
+          <a:lstStyle/>
+          <a:p>
+            <a:pPr/>
+            <a:r>
+              <a:t>На выходе пользователь получает REST JSON микросервис, который можно развернуть в среде с поддержкой Docker .</a:t>
+            </a:r>
+            <a:br/>
+          </a:p>
+        </p:txBody>
+      </p:sp>
+      <p:pic>
+        <p:nvPicPr>
+          <p:cNvPr id="4" name="Picture1"/>
+          <p:cNvPicPr>
+            <a:picLocks noChangeAspect="1"/>
+            <a:extLst>
+              <a:ext uri="smNativeData">
+                <pr:smNativeData xmlns:pr="smNativeData" xmlns="smNativeData" val="SMDATA_18_ZvmgZxMAAAAlAAAAEQAAAC8BAAAAkAAAAEgAAACQAAAASAAAAAAAAAAAAAAAAAAAAAEAAABQAAAAAAAAAAAA4D8AAAAAAADgPwAAAAAAAOA/AAAAAAAA4D8AAAAAAADgPwAAAAAAAOA/AAAAAAAA4D8AAAAAAADgPwAAAAAAAOA/AAAAAAAA4D8CAAAAjAAAAAAAAAAAAAAAu+DjDP///wgAAAAAAAAAAAAAAAAAAAAAAAAAAAAAAAAAAAAAZAAAAAEAAABAAAAAAAAAAAAAAAAAAAAAAAAAAAAAAAAAAAAAAAAAAAAAAAAAAAAAAAAAAAAAAAAAAAAAAAAAAAAAAAAAAAAAAAAAAAAAAAAAAAAAAAAAAAAAAAAAAAAAFAAAADwAAAAAAAAAAAAAAAAAAAkUAAAAAQAAABQAAAAUAAAAFAAAAAEAAAAAAAAAZAAAAGQAAAAAAAAAZAAAAGQAAAAVAAAAYAAAAAAAAAAAAAAADwAAACADAAAAAAAAAAAAAAEAAACgMgAAVgcAAKr4//8BAAAAf39/AAEAAABkAAAAAAAAABQAAABAHwAAAAAAACYAAAAAAAAAwOD//wAAAAAmAAAAZAAAABYAAABMAAAAAAAAAAAAAAAEAAAAAAAAAAEAAACAgIAKAAAAACgAAAAoAAAAZAAAAGQAAAAAAAAAzMzMAAAAAABQAAAAUAAAAGQAAABkAAAAAAAAAAcAAAA4AAAAAAAAAAAAAAAAAAAA////AAAAAAAAAAAAAAAAAAAAAAAAAAAAAAAAAAAAAABkAAAAZAAAAAAAAAAjAAAABAAAAGQAAAAXAAAAFAAAAAAAAAAAAAAA/38AAP9/AAAAAAAACQAAAAQAAAByb3NvHgAAAGgAAAAAAAAAAAAAAAAAAAAAAAAAAAAAABAnAAAQJwAAAAAAAAAAAAAAAAAAAAAAAAAAAAAAAAAAAAAAAAAAAAAUAAAAAAAAAMDA/wAAAAAAZAAAADIAAAAAAAAAZAAAAAAAAAB/f38ACgAAACIAAAAYAAAAAAAAAAAAAAAAAAAAAAAAAAAAAAAAAAAAJAAAACQAAAAAAAAABwAAAAAAAAAAAAAAAAAAAAAAAAAAAAAAAAAAAH9/fwAlAAAAWAAAAAAAAAAAAAAAAAAAAAAAAAAAAAAAAAAAAAAAAAAAAAAAAAAAAAAAAAAAAAAAPwAAAAAAAACghgEAAAAAAAAAAAAAAAAADAAAAAEAAAAAAAAAAAAAAAAAAAAfAAAAVAAAALvg4wX///8BAAAAAAAAAAAAAAAAAAAAAAAAAAAAAAAAAAAAAAAAAAAAAAACf39/AICAgAPMzMwAwMD/AH9/fwAAAAAAAAAAAAAAAAD///8AAAAAACEAAAAYAAAAFAAAAAwQAABVEAAAXjYAALAlAAAQAAAAJgAAAAgAAAD//////////zAAAAAUAAAAAAAAAAAA//8AAAEAAAD//wAAAQA="/>
+              </a:ext>
+            </a:extLst>
+          </p:cNvPicPr>
+          <p:nvPr/>
+        </p:nvPicPr>
+        <p:blipFill>
+          <a:blip r:embed="rId2"/>
+          <a:stretch>
+            <a:fillRect/>
+          </a:stretch>
+        </p:blipFill>
         <p:spPr>
           <a:xfrm>
-            <a:off x="609600" y="1600200"/>
-            <a:ext cx="10972800" cy="4526280"/>
+            <a:off x="2608580" y="2654935"/>
+            <a:ext cx="6229350" cy="3471545"/>
           </a:xfrm>
+          <a:prstGeom prst="rect">
+            <a:avLst/>
+          </a:prstGeom>
+          <a:noFill/>
+          <a:ln>
+            <a:noFill/>
+          </a:ln>
+          <a:effectLst/>
         </p:spPr>
+      </p:pic>
+    </p:spTree>
+  </p:cSld>
+  <p:clrMapOvr>
+    <a:masterClrMapping/>
+  </p:clrMapOvr>
+  <p:timing>
+    <p:tnLst>
+      <p:par>
+        <p:cTn id="1" dur="indefinite" restart="never" nodeType="tmRoot"/>
+      </p:par>
+    </p:tnLst>
+  </p:timing>
+</p:sld>
+</file>
+
+<file path=ppt/slides/slide7.xml><?xml version="1.0" encoding="utf-8"?>
+<p:sld xmlns:p="http://schemas.openxmlformats.org/presentationml/2006/main" xmlns:mc="http://schemas.openxmlformats.org/markup-compatibility/2006" xmlns:p14="http://schemas.microsoft.com/office/powerpoint/2010/main" xmlns:p15="http://schemas.microsoft.com/office/powerpoint/2012/main" xmlns:r="http://schemas.openxmlformats.org/officeDocument/2006/relationships" xmlns:a="http://schemas.openxmlformats.org/drawingml/2006/main" mc:Ignorable="p14">
+  <p:cSld>
+    <p:spTree>
+      <p:nvGrpSpPr>
+        <p:cNvPr id="1" name=""/>
+        <p:cNvGrpSpPr/>
+        <p:nvPr/>
+      </p:nvGrpSpPr>
+      <p:grpSpPr>
+        <a:xfrm>
+          <a:off x="0" y="0"/>
+          <a:ext cx="0" cy="0"/>
+          <a:chOff x="0" y="0"/>
+          <a:chExt cx="0" cy="0"/>
+        </a:xfrm>
+      </p:grpSpPr>
+      <p:sp>
+        <p:nvSpPr>
+          <p:cNvPr id="2" name="SlideTitle1"/>
+          <p:cNvSpPr>
+            <a:spLocks noGrp="1" noChangeArrowheads="1"/>
+            <a:extLst>
+              <a:ext uri="smNativeData">
+                <pr:smNativeData xmlns:pr="smNativeData" xmlns="smNativeData" val="SMDATA_16_ZvmgZxMAAAAlAAAAZAAAAA8BAAAAkAAAAEgAAACQAAAASAAAAAAAAAABAAAAAAAAAAEAAABQAAAAAAAAAAAA4D8AAAAAAADgPwAAAAAAAOA/AAAAAAAA4D8AAAAAAADgPwAAAAAAAOA/AAAAAAAA4D8AAAAAAADgPwAAAAAAAOA/AAAAAAAA4D8CAAAAjAAAAAAAAAAAAAAAu+DjDP///wgAAAAAAAAAAAAAAAAAAAAAAAAAAAAAAAAAAAAAZAAAAAEAAABAAAAAAAAAAAAAAAAAAAAAAAAAAAAAAAAAAAAAAAAAAAAAAAAAAAAAAAAAAAAAAAAAAAAAAAAAAAAAAAAAAAAAAAAAAAAAAAAAAAAAAAAAAAAAAAAAAAAAFAAAADwAAAAAAAAAAAAAAAAAAAkUAAAAAQAAABQAAAAUAAAAFAAAAAEAAAAAAAAAZAAAAGQAAAAAAAAAZAAAAGQAAAAVAAAAYAAAAAAAAAAAAAAADwAAACADAAAAAAAAAAAAAAEAAACgMgAAVgcAAKr4//8BAAAAf39/AAEAAABkAAAAAAAAABQAAABAHwAAAAAAACYAAAAAAAAAwOD//wAAAAAmAAAAZAAAABYAAABMAAAAAAAAAAAAAAAEAAAAAAAAAAEAAACAgIAKAAAAACgAAAAoAAAAZAAAAGQAAAAAAAAAzMzMAAAAAABQAAAAUAAAAGQAAABkAAAAAAAAABcAAAAUAAAAAAAAAAAAAAD/fwAA/38AAAAAAAAJAAAABAAAAP///wAeAAAAaAAAAAAAAAAAAAAAAAAAAAAAAAAAAAAAECcAABAnAAAAAAAAAAAAAAAAAAAAAAAAAAAAAAAAAAAAAAAAAAAAABQAAAAAAAAAwMD/AAAAAABkAAAAMgAAAAAAAABkAAAAAAAAAH9/fwAKAAAAIgAAABgAAAAAAAAAAAAAAAAAAAAAAAAAAAAAAAAAAAAkAAAAJAAAAAAAAAAHAAAAAAAAAAAAAAAAAAAAAAAAAAAAAAAAAAAAf39/ACUAAABYAAAAAAAAAAAAAAAAAAAAAAAAAAAAAAAAAAAAAAAAAAAAAAAAAAAAAAAAAAAAAAA/AAAAAAAAAKCGAQAAAAAAAAAAAAAAAAAMAAAAAQAAAAAAAAAAAAAAAAAAAB8AAABUAAAAAAAABQAAAAEAAAAAAAAAAAAAAAAAAAAAAAAAAAAAAAAAAAAAAAAAAAAAAAJ/f38AAAAAA8zMzADAwP8Af39/AAAAAAAAAAAAAAAAAAAAAAAAAAAAIQAAABgAAAAUAAAAwAMAALABAABARwAAuAgAABAAAAAmAAAACAAAAAAAAAAAAAAAMAAAABQAAAAAAAAAAAD//wAAAQAAAP//AAABAA=="/>
+              </a:ext>
+            </a:extLst>
+          </p:cNvSpPr>
+          <p:nvPr>
+            <p:ph type="title"/>
+          </p:nvPr>
+        </p:nvSpPr>
+        <p:spPr/>
+        <p:txBody>
+          <a:bodyPr/>
+          <a:lstStyle/>
+          <a:p>
+            <a:pPr/>
+            <a:r>
+              <a:t>Достижение целей</a:t>
+            </a:r>
+          </a:p>
+        </p:txBody>
+      </p:sp>
+      <p:sp>
+        <p:nvSpPr>
+          <p:cNvPr id="3" name="SlideText1"/>
+          <p:cNvSpPr>
+            <a:spLocks noGrp="1" noChangeArrowheads="1"/>
+            <a:extLst>
+              <a:ext uri="smNativeData">
+                <pr:smNativeData xmlns:pr="smNativeData" xmlns="smNativeData" val="SMDATA_16_ZvmgZxMAAAAlAAAAZAAAAA8BAAAAkAAAAEgAAACQAAAASAAAAAAAAAAAAAAAAAAAAAEAAABQAAAAAAAAAAAA4D8AAAAAAADgPwAAAAAAAOA/AAAAAAAA4D8AAAAAAADgPwAAAAAAAOA/AAAAAAAA4D8AAAAAAADgPwAAAAAAAOA/AAAAAAAA4D8CAAAAjAAAAAAAAAAAAAAAu+DjDP///wgAAAAAAAAAAAAAAAAAAAAAAAAAAAAAAAAAAAAAZAAAAAEAAABAAAAAAAAAAAAAAAAAAAAAAAAAAAAAAAAAAAAAAAAAAAAAAAAAAAAAAAAAAAAAAAAAAAAAAAAAAAAAAAAAAAAAAAAAAAAAAAAAAAAAAAAAAAAAAAAAAAAAFAAAADwAAAAAAAAAAAAAAAAAAAkUAAAAAQAAABQAAAAUAAAAFAAAAAEAAAAAAAAAZAAAAGQAAAAAAAAAZAAAAGQAAAAVAAAAYAAAAAAAAAAAAAAADwAAACADAAAAAAAAAAAAAAEAAACgMgAAVgcAAKr4//8BAAAAf39/AAEAAABkAAAAAAAAABQAAABAHwAAAAAAACYAAAAAAAAAwOD//wAAAAAmAAAAZAAAABYAAABMAAAAAAAAAAAAAAAEAAAAAAAAAAEAAACAgIAKAAAAACgAAAAoAAAAZAAAAGQAAAAAAAAAzMzMAAAAAABQAAAAUAAAAGQAAABkAAAAAAAAABcAAAAUAAAAAAAAAAAAAAD/fwAA/38AAAAAAAAJAAAABAAAAPr6+v8eAAAAaAAAAAAAAAAAAAAAAAAAAAAAAAAAAAAAECcAABAnAAAAAAAAAAAAAAAAAAAAAAAAAAAAAAAAAAAAAAAAAAAAABQAAAAAAAAAwMD/AAAAAABkAAAAMgAAAAAAAABkAAAAAAAAAH9/fwAKAAAAIgAAABgAAAAAAAAAAAAAAAAAAAAAAAAAAAAAAAAAAAAkAAAAJAAAAAAAAAAHAAAAAAAAAAAAAAAAAAAAAAAAAAAAAAAAAAAAf39/ACUAAABYAAAAAAAAAAAAAAAAAAAAAAAAAAAAAAAAAAAAAAAAAAAAAAAAAAAAAAAAAAAAAAA/AAAAAAAAAKCGAQAAAAAAAAAAAAAAAAAMAAAAAQAAAAAAAAAAAAAAAAAAAB8AAABUAAAAAAAABQAAAAEAAAAAAAAAAAAAAAAAAAAAAAAAAAAAAAAAAAAAAAAAAAAAAAJ/f38AAAAAA8zMzADAwP8Af39/AAAAAAAAAAAAAAAAAAAAAAAAAAAAIQAAABgAAAAUAAAAwAMAANgJAABARwAAsCUAABAAAAAmAAAACAAAAAAAAAAAAAAAMAAAABQAAAAAAAAAAAD//wAAAQAAAP//AAABAA=="/>
+              </a:ext>
+            </a:extLst>
+          </p:cNvSpPr>
+          <p:nvPr>
+            <p:ph type="body" idx="1"/>
+          </p:nvPr>
+        </p:nvSpPr>
+        <p:spPr/>
         <p:txBody>
           <a:bodyPr/>
           <a:lstStyle/>
@@ -5281,6 +5414,47 @@
       </a:clrScheme>
       <a:clrMap bg1="lt1" tx1="dk1" bg2="lt2" tx2="dk2" accent1="accent1" accent2="accent2" accent3="accent3" accent4="accent4" accent5="accent5" accent6="accent6" hlink="hlink" folHlink="folHlink"/>
     </a:extraClrScheme>
+    <a:extraClrScheme>
+      <a:clrScheme name="Presentation 18">
+        <a:dk1>
+          <a:srgbClr val="000000"/>
+        </a:dk1>
+        <a:lt1>
+          <a:srgbClr val="FFFFFF"/>
+        </a:lt1>
+        <a:dk2>
+          <a:srgbClr val="000000"/>
+        </a:dk2>
+        <a:lt2>
+          <a:srgbClr val="808080"/>
+        </a:lt2>
+        <a:accent1>
+          <a:srgbClr val="BBE0E3"/>
+        </a:accent1>
+        <a:accent2>
+          <a:srgbClr val="333399"/>
+        </a:accent2>
+        <a:accent3>
+          <a:srgbClr val="535379"/>
+        </a:accent3>
+        <a:accent4>
+          <a:srgbClr val="737359"/>
+        </a:accent4>
+        <a:accent5>
+          <a:srgbClr val="939339"/>
+        </a:accent5>
+        <a:accent6>
+          <a:srgbClr val="B3B319"/>
+        </a:accent6>
+        <a:hlink>
+          <a:srgbClr val="009999"/>
+        </a:hlink>
+        <a:folHlink>
+          <a:srgbClr val="99CC00"/>
+        </a:folHlink>
+      </a:clrScheme>
+      <a:clrMap bg1="lt1" tx1="dk1" bg2="lt2" tx2="dk2" accent1="accent1" accent2="accent2" accent3="accent3" accent4="accent4" accent5="accent5" accent6="accent6" hlink="hlink" folHlink="folHlink"/>
+    </a:extraClrScheme>
   </a:extraClrSchemeLst>
 </a:theme>
 </file>